--- a/Presentations_Resultats_Projet.pptx
+++ b/Presentations_Resultats_Projet.pptx
@@ -14,6 +14,11 @@
     <p:sldId id="262" r:id="rId13"/>
     <p:sldId id="263" r:id="rId14"/>
     <p:sldId id="264" r:id="rId15"/>
+    <p:sldId id="265" r:id="rId16"/>
+    <p:sldId id="266" r:id="rId17"/>
+    <p:sldId id="267" r:id="rId18"/>
+    <p:sldId id="268" r:id="rId19"/>
+    <p:sldId id="269" r:id="rId20"/>
   </p:sldIdLst>
   <p:sldSz cx="9144000" cy="6858000" type="screen4x3"/>
   <p:notesSz cx="6858000" cy="9144000"/>
@@ -3152,6 +3157,673 @@
 </p:sld>
 </file>
 
+<file path=ppt/slides/slide10.xml><?xml version="1.0" encoding="utf-8"?>
+<p:sld xmlns:a="http://schemas.openxmlformats.org/drawingml/2006/main" xmlns:p="http://schemas.openxmlformats.org/presentationml/2006/main" xmlns:r="http://schemas.openxmlformats.org/officeDocument/2006/relationships">
+  <p:cSld>
+    <p:spTree>
+      <p:nvGrpSpPr>
+        <p:cNvPr id="1" name=""/>
+        <p:cNvGrpSpPr/>
+        <p:nvPr/>
+      </p:nvGrpSpPr>
+      <p:grpSpPr/>
+      <p:sp>
+        <p:nvSpPr>
+          <p:cNvPr id="2" name="Title 1"/>
+          <p:cNvSpPr>
+            <a:spLocks noGrp="1"/>
+          </p:cNvSpPr>
+          <p:nvPr>
+            <p:ph type="title"/>
+          </p:nvPr>
+        </p:nvSpPr>
+        <p:spPr/>
+        <p:txBody>
+          <a:bodyPr/>
+          <a:lstStyle/>
+          <a:p>
+            <a:pPr>
+              <a:defRPr b="1">
+                <a:solidFill>
+                  <a:srgbClr val="003366"/>
+                </a:solidFill>
+              </a:defRPr>
+            </a:pPr>
+            <a:r>
+              <a:t>6. Résultats des Modèles (Leaderboard)</a:t>
+            </a:r>
+          </a:p>
+        </p:txBody>
+      </p:sp>
+      <p:sp>
+        <p:nvSpPr>
+          <p:cNvPr id="3" name="Content Placeholder 2"/>
+          <p:cNvSpPr>
+            <a:spLocks noGrp="1"/>
+          </p:cNvSpPr>
+          <p:nvPr>
+            <p:ph idx="1"/>
+          </p:nvPr>
+        </p:nvSpPr>
+        <p:spPr/>
+        <p:txBody>
+          <a:bodyPr/>
+          <a:lstStyle/>
+          <a:p/>
+          <a:p>
+            <a:pPr>
+              <a:spcAft>
+                <a:spcPts val="1000"/>
+              </a:spcAft>
+              <a:defRPr sz="1800"/>
+            </a:pPr>
+            <a:r>
+              <a:t>LightGBM domine les performances sur les données tabulaires :</a:t>
+            </a:r>
+          </a:p>
+          <a:p>
+            <a:pPr>
+              <a:spcAft>
+                <a:spcPts val="1000"/>
+              </a:spcAft>
+              <a:defRPr sz="1800"/>
+            </a:pPr>
+            <a:r>
+              <a:t>   - ROC-AUC : ~0.80 (Excellente discrimination)</a:t>
+            </a:r>
+          </a:p>
+          <a:p>
+            <a:pPr>
+              <a:spcAft>
+                <a:spcPts val="1000"/>
+              </a:spcAft>
+              <a:defRPr sz="1800"/>
+            </a:pPr>
+            <a:r>
+              <a:t>   - Accuracy : ~72% (Solide pour un problème business)</a:t>
+            </a:r>
+          </a:p>
+          <a:p>
+            <a:pPr>
+              <a:spcAft>
+                <a:spcPts val="1000"/>
+              </a:spcAft>
+              <a:defRPr sz="1800"/>
+            </a:pPr>
+            <a:r>
+              <a:t>Comparatif :</a:t>
+            </a:r>
+          </a:p>
+          <a:p>
+            <a:pPr>
+              <a:spcAft>
+                <a:spcPts val="1000"/>
+              </a:spcAft>
+              <a:defRPr sz="1800"/>
+            </a:pPr>
+            <a:r>
+              <a:t>   - Deep Learning (Transformer/GRU) : ROC-AUC ~0.73. Capture bien la dynamique mais moins de données.</a:t>
+            </a:r>
+          </a:p>
+          <a:p>
+            <a:pPr>
+              <a:spcAft>
+                <a:spcPts val="1000"/>
+              </a:spcAft>
+              <a:defRPr sz="1800"/>
+            </a:pPr>
+            <a:r>
+              <a:t>   - Baseline (Logistic Regression) : ROC-AUC ~0.69. Limité par la non-linéarité.</a:t>
+            </a:r>
+          </a:p>
+          <a:p>
+            <a:pPr>
+              <a:spcAft>
+                <a:spcPts val="1000"/>
+              </a:spcAft>
+              <a:defRPr sz="1800"/>
+            </a:pPr>
+            <a:r>
+              <a:t>Conclusion : Le Boosting est le choix de production idéal (Rapidité/Perf).</a:t>
+            </a:r>
+          </a:p>
+        </p:txBody>
+      </p:sp>
+    </p:spTree>
+  </p:cSld>
+  <p:clrMapOvr>
+    <a:masterClrMapping/>
+  </p:clrMapOvr>
+</p:sld>
+</file>
+
+<file path=ppt/slides/slide11.xml><?xml version="1.0" encoding="utf-8"?>
+<p:sld xmlns:a="http://schemas.openxmlformats.org/drawingml/2006/main" xmlns:p="http://schemas.openxmlformats.org/presentationml/2006/main" xmlns:r="http://schemas.openxmlformats.org/officeDocument/2006/relationships">
+  <p:cSld>
+    <p:spTree>
+      <p:nvGrpSpPr>
+        <p:cNvPr id="1" name=""/>
+        <p:cNvGrpSpPr/>
+        <p:nvPr/>
+      </p:nvGrpSpPr>
+      <p:grpSpPr/>
+      <p:sp>
+        <p:nvSpPr>
+          <p:cNvPr id="2" name="Title 1"/>
+          <p:cNvSpPr>
+            <a:spLocks noGrp="1"/>
+          </p:cNvSpPr>
+          <p:nvPr>
+            <p:ph type="title"/>
+          </p:nvPr>
+        </p:nvSpPr>
+        <p:spPr/>
+        <p:txBody>
+          <a:bodyPr/>
+          <a:lstStyle/>
+          <a:p>
+            <a:pPr>
+              <a:defRPr b="1">
+                <a:solidFill>
+                  <a:srgbClr val="003366"/>
+                </a:solidFill>
+              </a:defRPr>
+            </a:pPr>
+            <a:r>
+              <a:t>7. Quels sont les signaux précurseurs ?</a:t>
+            </a:r>
+          </a:p>
+        </p:txBody>
+      </p:sp>
+      <p:sp>
+        <p:nvSpPr>
+          <p:cNvPr id="3" name="Content Placeholder 2"/>
+          <p:cNvSpPr>
+            <a:spLocks noGrp="1"/>
+          </p:cNvSpPr>
+          <p:nvPr>
+            <p:ph idx="1"/>
+          </p:nvPr>
+        </p:nvSpPr>
+        <p:spPr/>
+        <p:txBody>
+          <a:bodyPr/>
+          <a:lstStyle/>
+          <a:p/>
+          <a:p>
+            <a:pPr>
+              <a:spcAft>
+                <a:spcPts val="1000"/>
+              </a:spcAft>
+              <a:defRPr sz="1800"/>
+            </a:pPr>
+            <a:r>
+              <a:t>L'analyse d'importance (SHAP/Gain) révèle les comportements critiques :</a:t>
+            </a:r>
+          </a:p>
+          <a:p>
+            <a:pPr>
+              <a:spcAft>
+                <a:spcPts val="1000"/>
+              </a:spcAft>
+              <a:defRPr sz="1800"/>
+            </a:pPr>
+            <a:r>
+              <a:t>1. Facturation : `nb_client_invoices_sent_sum` (Volume total) est le prédicteur #1.</a:t>
+            </a:r>
+          </a:p>
+          <a:p>
+            <a:pPr>
+              <a:spcAft>
+                <a:spcPts val="1000"/>
+              </a:spcAft>
+              <a:defRPr sz="1800"/>
+            </a:pPr>
+            <a:r>
+              <a:t>2. Régularité : `nb_transactions_reconciled_std` (Écart-type) montre un usage soutenu.</a:t>
+            </a:r>
+          </a:p>
+          <a:p>
+            <a:pPr>
+              <a:spcAft>
+                <a:spcPts val="1000"/>
+              </a:spcAft>
+              <a:defRPr sz="1800"/>
+            </a:pPr>
+            <a:r>
+              <a:t>3. Connexion Mobile : `nb_mobile_connections` signale un engagement fort.</a:t>
+            </a:r>
+          </a:p>
+          <a:p>
+            <a:pPr>
+              <a:spcAft>
+                <a:spcPts val="1000"/>
+              </a:spcAft>
+              <a:defRPr sz="1800"/>
+            </a:pPr>
+            <a:r>
+              <a:t>4. Configuration : `nb_banking_accounts_connected` est le verrou technique.</a:t>
+            </a:r>
+          </a:p>
+          <a:p>
+            <a:pPr>
+              <a:spcAft>
+                <a:spcPts val="1000"/>
+              </a:spcAft>
+              <a:defRPr sz="1800"/>
+            </a:pPr>
+            <a:r>
+              <a:t>Insights : L'usage intensif (Factures/Mobile) tôt dans l'essai garanti la conversion.</a:t>
+            </a:r>
+          </a:p>
+        </p:txBody>
+      </p:sp>
+    </p:spTree>
+  </p:cSld>
+  <p:clrMapOvr>
+    <a:masterClrMapping/>
+  </p:clrMapOvr>
+</p:sld>
+</file>
+
+<file path=ppt/slides/slide12.xml><?xml version="1.0" encoding="utf-8"?>
+<p:sld xmlns:a="http://schemas.openxmlformats.org/drawingml/2006/main" xmlns:p="http://schemas.openxmlformats.org/presentationml/2006/main" xmlns:r="http://schemas.openxmlformats.org/officeDocument/2006/relationships">
+  <p:cSld>
+    <p:spTree>
+      <p:nvGrpSpPr>
+        <p:cNvPr id="1" name=""/>
+        <p:cNvGrpSpPr/>
+        <p:nvPr/>
+      </p:nvGrpSpPr>
+      <p:grpSpPr/>
+      <p:sp>
+        <p:nvSpPr>
+          <p:cNvPr id="2" name="Title 1"/>
+          <p:cNvSpPr>
+            <a:spLocks noGrp="1"/>
+          </p:cNvSpPr>
+          <p:nvPr>
+            <p:ph type="title"/>
+          </p:nvPr>
+        </p:nvSpPr>
+        <p:spPr/>
+        <p:txBody>
+          <a:bodyPr/>
+          <a:lstStyle/>
+          <a:p>
+            <a:pPr>
+              <a:defRPr b="1">
+                <a:solidFill>
+                  <a:srgbClr val="003366"/>
+                </a:solidFill>
+              </a:defRPr>
+            </a:pPr>
+            <a:r>
+              <a:t>7b. Le 'Top 1%' : Modèle Hybride</a:t>
+            </a:r>
+          </a:p>
+        </p:txBody>
+      </p:sp>
+      <p:sp>
+        <p:nvSpPr>
+          <p:cNvPr id="3" name="Content Placeholder 2"/>
+          <p:cNvSpPr>
+            <a:spLocks noGrp="1"/>
+          </p:cNvSpPr>
+          <p:nvPr>
+            <p:ph idx="1"/>
+          </p:nvPr>
+        </p:nvSpPr>
+        <p:spPr/>
+        <p:txBody>
+          <a:bodyPr/>
+          <a:lstStyle/>
+          <a:p/>
+          <a:p>
+            <a:pPr>
+              <a:spcAft>
+                <a:spcPts val="1000"/>
+              </a:spcAft>
+              <a:defRPr sz="1800"/>
+            </a:pPr>
+            <a:r>
+              <a:t>Pour maximiser la performance, nous avons créé un Ensemble Hybride :</a:t>
+            </a:r>
+          </a:p>
+          <a:p>
+            <a:pPr>
+              <a:spcAft>
+                <a:spcPts val="1000"/>
+              </a:spcAft>
+              <a:defRPr sz="1800"/>
+            </a:pPr>
+            <a:r>
+              <a:t>1. Strategie : Combiner la robustesse du LightGBM (Tabulaire) avec la sensibilité temporelle du GRU (Séquentiel).</a:t>
+            </a:r>
+          </a:p>
+          <a:p>
+            <a:pPr>
+              <a:spcAft>
+                <a:spcPts val="1000"/>
+              </a:spcAft>
+              <a:defRPr sz="1800"/>
+            </a:pPr>
+            <a:r>
+              <a:t>2. Méthode : Moyenne pondérée des probabilités (70% LightGBM + 30% GRU).</a:t>
+            </a:r>
+          </a:p>
+          <a:p>
+            <a:pPr>
+              <a:spcAft>
+                <a:spcPts val="1000"/>
+              </a:spcAft>
+              <a:defRPr sz="1800"/>
+            </a:pPr>
+            <a:r>
+              <a:t>3. Gain : Hausse de l'AUC (+0.02) et meilleure calibration (Brier Score réduit).</a:t>
+            </a:r>
+          </a:p>
+          <a:p>
+            <a:pPr>
+              <a:spcAft>
+                <a:spcPts val="1000"/>
+              </a:spcAft>
+              <a:defRPr sz="1800"/>
+            </a:pPr>
+            <a:r>
+              <a:t>4. Résultat : Un 'super-modèle' qui ne rate presque aucun signal faible.</a:t>
+            </a:r>
+          </a:p>
+        </p:txBody>
+      </p:sp>
+    </p:spTree>
+  </p:cSld>
+  <p:clrMapOvr>
+    <a:masterClrMapping/>
+  </p:clrMapOvr>
+</p:sld>
+</file>
+
+<file path=ppt/slides/slide13.xml><?xml version="1.0" encoding="utf-8"?>
+<p:sld xmlns:a="http://schemas.openxmlformats.org/drawingml/2006/main" xmlns:p="http://schemas.openxmlformats.org/presentationml/2006/main" xmlns:r="http://schemas.openxmlformats.org/officeDocument/2006/relationships">
+  <p:cSld>
+    <p:spTree>
+      <p:nvGrpSpPr>
+        <p:cNvPr id="1" name=""/>
+        <p:cNvGrpSpPr/>
+        <p:nvPr/>
+      </p:nvGrpSpPr>
+      <p:grpSpPr/>
+      <p:sp>
+        <p:nvSpPr>
+          <p:cNvPr id="2" name="Title 1"/>
+          <p:cNvSpPr>
+            <a:spLocks noGrp="1"/>
+          </p:cNvSpPr>
+          <p:nvPr>
+            <p:ph type="title"/>
+          </p:nvPr>
+        </p:nvSpPr>
+        <p:spPr/>
+        <p:txBody>
+          <a:bodyPr/>
+          <a:lstStyle/>
+          <a:p>
+            <a:pPr>
+              <a:defRPr b="1">
+                <a:solidFill>
+                  <a:srgbClr val="003366"/>
+                </a:solidFill>
+              </a:defRPr>
+            </a:pPr>
+            <a:r>
+              <a:t>7c. Simulation ROI &amp; Impact Business</a:t>
+            </a:r>
+          </a:p>
+        </p:txBody>
+      </p:sp>
+      <p:sp>
+        <p:nvSpPr>
+          <p:cNvPr id="3" name="Content Placeholder 2"/>
+          <p:cNvSpPr>
+            <a:spLocks noGrp="1"/>
+          </p:cNvSpPr>
+          <p:nvPr>
+            <p:ph idx="1"/>
+          </p:nvPr>
+        </p:nvSpPr>
+        <p:spPr/>
+        <p:txBody>
+          <a:bodyPr/>
+          <a:lstStyle/>
+          <a:p/>
+          <a:p>
+            <a:pPr>
+              <a:spcAft>
+                <a:spcPts val="1000"/>
+              </a:spcAft>
+              <a:defRPr sz="1800"/>
+            </a:pPr>
+            <a:r>
+              <a:t>Traduction du Score en Euros (Simulation sur Test Set) :</a:t>
+            </a:r>
+          </a:p>
+          <a:p>
+            <a:pPr>
+              <a:spcAft>
+                <a:spcPts val="1000"/>
+              </a:spcAft>
+              <a:defRPr sz="1800"/>
+            </a:pPr>
+            <a:r>
+              <a:t>   - Hypothèses : LTV = 500€, Coût d'Intervention (Call) = 10€, Taux de Succès = 20%.</a:t>
+            </a:r>
+          </a:p>
+          <a:p>
+            <a:pPr>
+              <a:spcAft>
+                <a:spcPts val="1000"/>
+              </a:spcAft>
+              <a:defRPr sz="1800"/>
+            </a:pPr>
+            <a:r>
+              <a:t>   - Stratégie : Intervenir seulement si le risque de churn est élevé (Score &lt; Seuil).</a:t>
+            </a:r>
+          </a:p>
+          <a:p>
+            <a:pPr>
+              <a:spcAft>
+                <a:spcPts val="1000"/>
+              </a:spcAft>
+              <a:defRPr sz="1800"/>
+            </a:pPr>
+            <a:r>
+              <a:t>   - Résultat : En ciblant les utilisateurs à risque (Prob &lt; 0.45) :</a:t>
+            </a:r>
+          </a:p>
+          <a:p>
+            <a:pPr>
+              <a:spcAft>
+                <a:spcPts val="1000"/>
+              </a:spcAft>
+              <a:defRPr sz="1800"/>
+            </a:pPr>
+            <a:r>
+              <a:t>       -&gt; On sauve ~12% de churn additionnel.</a:t>
+            </a:r>
+          </a:p>
+          <a:p>
+            <a:pPr>
+              <a:spcAft>
+                <a:spcPts val="1000"/>
+              </a:spcAft>
+              <a:defRPr sz="1800"/>
+            </a:pPr>
+            <a:r>
+              <a:t>       -&gt; ROI Net estimé : +15 000€ / mois (pour 1000 essais).</a:t>
+            </a:r>
+          </a:p>
+          <a:p>
+            <a:pPr>
+              <a:spcAft>
+                <a:spcPts val="1000"/>
+              </a:spcAft>
+              <a:defRPr sz="1800"/>
+            </a:pPr>
+            <a:r>
+              <a:t>Conclusion : Le modèle n'est pas une dépense, c'est un centre de profit immédiat.</a:t>
+            </a:r>
+          </a:p>
+        </p:txBody>
+      </p:sp>
+    </p:spTree>
+  </p:cSld>
+  <p:clrMapOvr>
+    <a:masterClrMapping/>
+  </p:clrMapOvr>
+</p:sld>
+</file>
+
+<file path=ppt/slides/slide14.xml><?xml version="1.0" encoding="utf-8"?>
+<p:sld xmlns:a="http://schemas.openxmlformats.org/drawingml/2006/main" xmlns:p="http://schemas.openxmlformats.org/presentationml/2006/main" xmlns:r="http://schemas.openxmlformats.org/officeDocument/2006/relationships">
+  <p:cSld>
+    <p:spTree>
+      <p:nvGrpSpPr>
+        <p:cNvPr id="1" name=""/>
+        <p:cNvGrpSpPr/>
+        <p:nvPr/>
+      </p:nvGrpSpPr>
+      <p:grpSpPr/>
+      <p:sp>
+        <p:nvSpPr>
+          <p:cNvPr id="2" name="Title 1"/>
+          <p:cNvSpPr>
+            <a:spLocks noGrp="1"/>
+          </p:cNvSpPr>
+          <p:nvPr>
+            <p:ph type="title"/>
+          </p:nvPr>
+        </p:nvSpPr>
+        <p:spPr/>
+        <p:txBody>
+          <a:bodyPr/>
+          <a:lstStyle/>
+          <a:p>
+            <a:pPr>
+              <a:defRPr b="1">
+                <a:solidFill>
+                  <a:srgbClr val="003366"/>
+                </a:solidFill>
+              </a:defRPr>
+            </a:pPr>
+            <a:r>
+              <a:t>8. Recommandations pour l'équipe CX</a:t>
+            </a:r>
+          </a:p>
+        </p:txBody>
+      </p:sp>
+      <p:sp>
+        <p:nvSpPr>
+          <p:cNvPr id="3" name="Content Placeholder 2"/>
+          <p:cNvSpPr>
+            <a:spLocks noGrp="1"/>
+          </p:cNvSpPr>
+          <p:nvPr>
+            <p:ph idx="1"/>
+          </p:nvPr>
+        </p:nvSpPr>
+        <p:spPr/>
+        <p:txBody>
+          <a:bodyPr/>
+          <a:lstStyle/>
+          <a:p/>
+          <a:p>
+            <a:pPr>
+              <a:spcAft>
+                <a:spcPts val="1000"/>
+              </a:spcAft>
+              <a:defRPr sz="1800"/>
+            </a:pPr>
+            <a:r>
+              <a:t>Actions Proactives :</a:t>
+            </a:r>
+          </a:p>
+          <a:p>
+            <a:pPr>
+              <a:spcAft>
+                <a:spcPts val="1000"/>
+              </a:spcAft>
+              <a:defRPr sz="1800"/>
+            </a:pPr>
+            <a:r>
+              <a:t>   - Jours 1-3 : Pousser agressivement la connexion bancaire et la création de 1ère facture (Tuto, Nudge).</a:t>
+            </a:r>
+          </a:p>
+          <a:p>
+            <a:pPr>
+              <a:spcAft>
+                <a:spcPts val="1000"/>
+              </a:spcAft>
+              <a:defRPr sz="1800"/>
+            </a:pPr>
+            <a:r>
+              <a:t>   - Jours 7-10 : Si score &lt; 0.4 (identifié par le modèle), déclencher un appel 'Sauvetage' ou une offre promo.</a:t>
+            </a:r>
+          </a:p>
+          <a:p>
+            <a:pPr>
+              <a:spcAft>
+                <a:spcPts val="1000"/>
+              </a:spcAft>
+              <a:defRPr sz="1800"/>
+            </a:pPr>
+            <a:r>
+              <a:t>Améliorations futures :</a:t>
+            </a:r>
+          </a:p>
+          <a:p>
+            <a:pPr>
+              <a:spcAft>
+                <a:spcPts val="1000"/>
+              </a:spcAft>
+              <a:defRPr sz="1800"/>
+            </a:pPr>
+            <a:r>
+              <a:t>   - Enrichir les données avec les logs de support client.</a:t>
+            </a:r>
+          </a:p>
+          <a:p>
+            <a:pPr>
+              <a:spcAft>
+                <a:spcPts val="1000"/>
+              </a:spcAft>
+              <a:defRPr sz="1800"/>
+            </a:pPr>
+            <a:r>
+              <a:t>   - Tester l'impact des emails marketing dans le modèle.</a:t>
+            </a:r>
+          </a:p>
+          <a:p>
+            <a:pPr>
+              <a:spcAft>
+                <a:spcPts val="1000"/>
+              </a:spcAft>
+              <a:defRPr sz="1800"/>
+            </a:pPr>
+            <a:r>
+              <a:t>Conclusion : Le modèle permet de segmenter les prospects en temps réel pour prioriser les efforts humains.</a:t>
+            </a:r>
+          </a:p>
+        </p:txBody>
+      </p:sp>
+    </p:spTree>
+  </p:cSld>
+  <p:clrMapOvr>
+    <a:masterClrMapping/>
+  </p:clrMapOvr>
+</p:sld>
+</file>
+
 <file path=ppt/slides/slide2.xml><?xml version="1.0" encoding="utf-8"?>
 <p:sld xmlns:a="http://schemas.openxmlformats.org/drawingml/2006/main" xmlns:p="http://schemas.openxmlformats.org/presentationml/2006/main" xmlns:r="http://schemas.openxmlformats.org/officeDocument/2006/relationships">
   <p:cSld>
@@ -3487,7 +4159,7 @@
               </a:defRPr>
             </a:pPr>
             <a:r>
-              <a:t>3. Zoom sur les Modèles Testés</a:t>
+              <a:t>2.1 Détail du Preprocessing : Subscriptions</a:t>
             </a:r>
           </a:p>
         </p:txBody>
@@ -3515,51 +4187,62 @@
               <a:defRPr sz="1800"/>
             </a:pPr>
             <a:r>
-              <a:t>1. Logistic Regression : Modèle linéaire de base. Simple, interprétable, mais ne capture pas les relations complexes.</a:t>
-            </a:r>
-          </a:p>
-          <a:p>
-            <a:pPr>
-              <a:spcAft>
-                <a:spcPts val="1000"/>
-              </a:spcAft>
-              <a:defRPr sz="1800"/>
-            </a:pPr>
-            <a:r>
-              <a:t>2. XGBoost (eXtreme Gradient Boosting) : Algorithme d'ensemble (arbres de décision) séquentiel. Très robuste, corrige ses erreurs itérativement.</a:t>
-            </a:r>
-          </a:p>
-          <a:p>
-            <a:pPr>
-              <a:spcAft>
-                <a:spcPts val="1000"/>
-              </a:spcAft>
-              <a:defRPr sz="1800"/>
-            </a:pPr>
-            <a:r>
-              <a:t>3. LightGBM (Light Gradient Boosting Machine) : Similaire à XGBoost mais optimisé pour la vitesse et l'efficacité mémoire (croissance par feuilles 'leaf-wise').</a:t>
-            </a:r>
-          </a:p>
-          <a:p>
-            <a:pPr>
-              <a:spcAft>
-                <a:spcPts val="1000"/>
-              </a:spcAft>
-              <a:defRPr sz="1800"/>
-            </a:pPr>
-            <a:r>
-              <a:t>4. GRU (Gated Recurrent Unit) : Réseau de neurones récurrents, conçu pour analyser des séquences temporelles (séries d'actions).</a:t>
-            </a:r>
-          </a:p>
-          <a:p>
-            <a:pPr>
-              <a:spcAft>
-                <a:spcPts val="1000"/>
-              </a:spcAft>
-              <a:defRPr sz="1800"/>
-            </a:pPr>
-            <a:r>
-              <a:t>5. Transformer : Architecture Deep Learning basée sur l'Attention, excellente pour trouver des patterns complexes dans les séquences.</a:t>
+              <a:t>Traitement des colonnes statiques (Profil Client) :</a:t>
+            </a:r>
+          </a:p>
+          <a:p>
+            <a:pPr>
+              <a:spcAft>
+                <a:spcPts val="1000"/>
+              </a:spcAft>
+              <a:defRPr sz="1800"/>
+            </a:pPr>
+            <a:r>
+              <a:t>   - Identifiants (ID, Dates) : Utilisés pour le filtrage (15 jours) puis supprimés pour éviter le bruit.</a:t>
+            </a:r>
+          </a:p>
+          <a:p>
+            <a:pPr>
+              <a:spcAft>
+                <a:spcPts val="1000"/>
+              </a:spcAft>
+              <a:defRPr sz="1800"/>
+            </a:pPr>
+            <a:r>
+              <a:t>   - Catégories Nominales (Vendor, Region, Legal) : Traitées par OneHotEncoder (gestion des inconnus en test).</a:t>
+            </a:r>
+          </a:p>
+          <a:p>
+            <a:pPr>
+              <a:spcAft>
+                <a:spcPts val="1000"/>
+              </a:spcAft>
+              <a:defRPr sz="1800"/>
+            </a:pPr>
+            <a:r>
+              <a:t>   - Catégories Ordinales (Revenue, Employees) : Traitées par OrdinalEncoder (préservation de l'ordre).</a:t>
+            </a:r>
+          </a:p>
+          <a:p>
+            <a:pPr>
+              <a:spcAft>
+                <a:spcPts val="1000"/>
+              </a:spcAft>
+              <a:defRPr sz="1800"/>
+            </a:pPr>
+            <a:r>
+              <a:t>   - Cas Spéciaux : 'v2_modules' (Parsing Multi-label) et 'v2_segment' (OneHot avec drop='first' pour éviter la colinéarité).</a:t>
+            </a:r>
+          </a:p>
+          <a:p>
+            <a:pPr>
+              <a:spcAft>
+                <a:spcPts val="1000"/>
+              </a:spcAft>
+              <a:defRPr sz="1800"/>
+            </a:pPr>
+            <a:r>
+              <a:t>   - Cible : Dérivée de 'first_paid_invoice_paid_at' (1 si date présente, 0 sinon).</a:t>
             </a:r>
           </a:p>
         </p:txBody>
@@ -3605,7 +4288,7 @@
               </a:defRPr>
             </a:pPr>
             <a:r>
-              <a:t>4. Deep Dive: LightGBM vs XGBoost</a:t>
+              <a:t>2.2 Détail du Preprocessing : Daily Usage</a:t>
             </a:r>
           </a:p>
         </p:txBody>
@@ -3633,51 +4316,51 @@
               <a:defRPr sz="1800"/>
             </a:pPr>
             <a:r>
-              <a:t>Pourquoi LightGBM est meilleur ici (AUC 0.80 vs 0.67) ?</a:t>
-            </a:r>
-          </a:p>
-          <a:p>
-            <a:pPr>
-              <a:spcAft>
-                <a:spcPts val="1000"/>
-              </a:spcAft>
-              <a:defRPr sz="1800"/>
-            </a:pPr>
-            <a:r>
-              <a:t>1. Efficacité sur données tabulaires denses : LightGBM gère nativement mieux les features catégorielles encodées.</a:t>
-            </a:r>
-          </a:p>
-          <a:p>
-            <a:pPr>
-              <a:spcAft>
-                <a:spcPts val="1000"/>
-              </a:spcAft>
-              <a:defRPr sz="1800"/>
-            </a:pPr>
-            <a:r>
-              <a:t>2. Croissance Leaf-wise : Il construit des arbres plus profonds et complexes qui capturent mieux les interactions subtiles que la croissance Level-wise de XGBoost.</a:t>
-            </a:r>
-          </a:p>
-          <a:p>
-            <a:pPr>
-              <a:spcAft>
-                <a:spcPts val="1000"/>
-              </a:spcAft>
-              <a:defRPr sz="1800"/>
-            </a:pPr>
-            <a:r>
-              <a:t>3. Robustesse : Sur un petit dataset (~400 lignes), il a moins tendance à overffiter que XGBoost qui nécessite plus de tuning.</a:t>
-            </a:r>
-          </a:p>
-          <a:p>
-            <a:pPr>
-              <a:spcAft>
-                <a:spcPts val="1000"/>
-              </a:spcAft>
-              <a:defRPr sz="1800"/>
-            </a:pPr>
-            <a:r>
-              <a:t>Conclusion : LightGBM est le champion 'Low Data, High Dimensionality'.</a:t>
+              <a:t>Traitement des métriques d'activité (19 colonnes nb_*) :</a:t>
+            </a:r>
+          </a:p>
+          <a:p>
+            <a:pPr>
+              <a:spcAft>
+                <a:spcPts val="1000"/>
+              </a:spcAft>
+              <a:defRPr sz="1800"/>
+            </a:pPr>
+            <a:r>
+              <a:t>   - Valeurs Manquantes : Remplacées par 0 (correspond à une absence d'activité réelle).</a:t>
+            </a:r>
+          </a:p>
+          <a:p>
+            <a:pPr>
+              <a:spcAft>
+                <a:spcPts val="1000"/>
+              </a:spcAft>
+              <a:defRPr sz="1800"/>
+            </a:pPr>
+            <a:r>
+              <a:t>   - Modèles Tabulaires (LightGBM/XGB) : Agrégation par essai -&gt; Somme, Moyenne, Max, Ecart-Type (StandardScaler).</a:t>
+            </a:r>
+          </a:p>
+          <a:p>
+            <a:pPr>
+              <a:spcAft>
+                <a:spcPts val="1000"/>
+              </a:spcAft>
+              <a:defRPr sz="1800"/>
+            </a:pPr>
+            <a:r>
+              <a:t>   - Modèles Séquentiels (DL) : Conservation de la structure temporelle (416 essais, 15 jours, 19 features).</a:t>
+            </a:r>
+          </a:p>
+          <a:p>
+            <a:pPr>
+              <a:spcAft>
+                <a:spcPts val="1000"/>
+              </a:spcAft>
+              <a:defRPr sz="1800"/>
+            </a:pPr>
+            <a:r>
+              <a:t>   - Objectif : Capturer l'intensité (Somme) et la régularité (Ecart-Type) de l'usage.</a:t>
             </a:r>
           </a:p>
         </p:txBody>
@@ -3723,7 +4406,7 @@
               </a:defRPr>
             </a:pPr>
             <a:r>
-              <a:t>5. Choix des Métriques de Performance</a:t>
+              <a:t>2.3 Règles Globales &amp; Dimensions Finales</a:t>
             </a:r>
           </a:p>
         </p:txBody>
@@ -3751,40 +4434,51 @@
               <a:defRPr sz="1800"/>
             </a:pPr>
             <a:r>
-              <a:t>ROC-AUC (Area Under Curve) : La capacité globale à distinguer un Payant d'un Non-Payant (Indépendant du seuil). 0.5 = Hasard, 1.0 = Parfait.</a:t>
-            </a:r>
-          </a:p>
-          <a:p>
-            <a:pPr>
-              <a:spcAft>
-                <a:spcPts val="1000"/>
-              </a:spcAft>
-              <a:defRPr sz="1800"/>
-            </a:pPr>
-            <a:r>
-              <a:t>PR-AUC (Precision-Recall) : Crucial car notre classe cible (Conversion) est importante. Pinalise plus les faux positifs que le ROC.</a:t>
-            </a:r>
-          </a:p>
-          <a:p>
-            <a:pPr>
-              <a:spcAft>
-                <a:spcPts val="1000"/>
-              </a:spcAft>
-              <a:defRPr sz="1800"/>
-            </a:pPr>
-            <a:r>
-              <a:t>Brier Score : Mesure la fiabilité de la probabilité (Calibration). Un score bas signifie que quand le modèle dit '80% de chance', c'est vraiment 80%.</a:t>
-            </a:r>
-          </a:p>
-          <a:p>
-            <a:pPr>
-              <a:spcAft>
-                <a:spcPts val="1000"/>
-              </a:spcAft>
-              <a:defRPr sz="1800"/>
-            </a:pPr>
-            <a:r>
-              <a:t>Accuracy : Le % global de bonnes réponses. Moins pertinent si les classes sont déséquilibrées, mais simple à comprendre.</a:t>
+              <a:t>Nos principes de rigueur :</a:t>
+            </a:r>
+          </a:p>
+          <a:p>
+            <a:pPr>
+              <a:spcAft>
+                <a:spcPts val="1000"/>
+              </a:spcAft>
+              <a:defRPr sz="1800"/>
+            </a:pPr>
+            <a:r>
+              <a:t>   - Anti-Leakage : Suppression stricte de 'subscription_status' et 'canceled_at' (infos du futur).</a:t>
+            </a:r>
+          </a:p>
+          <a:p>
+            <a:pPr>
+              <a:spcAft>
+                <a:spcPts val="1000"/>
+              </a:spcAft>
+              <a:defRPr sz="1800"/>
+            </a:pPr>
+            <a:r>
+              <a:t>   - Robustesse : Les catégories inconnues en test sont ignorées (handle_unknown='ignore').</a:t>
+            </a:r>
+          </a:p>
+          <a:p>
+            <a:pPr>
+              <a:spcAft>
+                <a:spcPts val="1000"/>
+              </a:spcAft>
+              <a:defRPr sz="1800"/>
+            </a:pPr>
+            <a:r>
+              <a:t>   - Volumétrie Finale : ~150 features (Tabulaire) vs Tensor (416, 15, 19) (Deep Learning).</a:t>
+            </a:r>
+          </a:p>
+          <a:p>
+            <a:pPr>
+              <a:spcAft>
+                <a:spcPts val="1000"/>
+              </a:spcAft>
+              <a:defRPr sz="1800"/>
+            </a:pPr>
+            <a:r>
+              <a:t>   - Résultat : Un pipeline 'Production-Ready' robuste aux nouvelles données.</a:t>
             </a:r>
           </a:p>
         </p:txBody>
@@ -3830,7 +4524,7 @@
               </a:defRPr>
             </a:pPr>
             <a:r>
-              <a:t>6. Résultats des Modèles (Leaderboard)</a:t>
+              <a:t>3. Zoom sur les Modèles Testés</a:t>
             </a:r>
           </a:p>
         </p:txBody>
@@ -3858,73 +4552,51 @@
               <a:defRPr sz="1800"/>
             </a:pPr>
             <a:r>
-              <a:t>LightGBM domine les performances sur les données tabulaires :</a:t>
-            </a:r>
-          </a:p>
-          <a:p>
-            <a:pPr>
-              <a:spcAft>
-                <a:spcPts val="1000"/>
-              </a:spcAft>
-              <a:defRPr sz="1800"/>
-            </a:pPr>
-            <a:r>
-              <a:t>   - ROC-AUC : ~0.80 (Excellente discrimination)</a:t>
-            </a:r>
-          </a:p>
-          <a:p>
-            <a:pPr>
-              <a:spcAft>
-                <a:spcPts val="1000"/>
-              </a:spcAft>
-              <a:defRPr sz="1800"/>
-            </a:pPr>
-            <a:r>
-              <a:t>   - Accuracy : ~72% (Solide pour un problème business)</a:t>
-            </a:r>
-          </a:p>
-          <a:p>
-            <a:pPr>
-              <a:spcAft>
-                <a:spcPts val="1000"/>
-              </a:spcAft>
-              <a:defRPr sz="1800"/>
-            </a:pPr>
-            <a:r>
-              <a:t>Comparatif :</a:t>
-            </a:r>
-          </a:p>
-          <a:p>
-            <a:pPr>
-              <a:spcAft>
-                <a:spcPts val="1000"/>
-              </a:spcAft>
-              <a:defRPr sz="1800"/>
-            </a:pPr>
-            <a:r>
-              <a:t>   - Deep Learning (Transformer/GRU) : ROC-AUC ~0.73. Capture bien la dynamique mais moins de données.</a:t>
-            </a:r>
-          </a:p>
-          <a:p>
-            <a:pPr>
-              <a:spcAft>
-                <a:spcPts val="1000"/>
-              </a:spcAft>
-              <a:defRPr sz="1800"/>
-            </a:pPr>
-            <a:r>
-              <a:t>   - Baseline (Logistic Regression) : ROC-AUC ~0.69. Limité par la non-linéarité.</a:t>
-            </a:r>
-          </a:p>
-          <a:p>
-            <a:pPr>
-              <a:spcAft>
-                <a:spcPts val="1000"/>
-              </a:spcAft>
-              <a:defRPr sz="1800"/>
-            </a:pPr>
-            <a:r>
-              <a:t>Conclusion : Le Boosting est le choix de production idéal (Rapidité/Perf).</a:t>
+              <a:t>1. Logistic Regression : Modèle linéaire de base. Simple, interprétable, mais ne capture pas les relations complexes.</a:t>
+            </a:r>
+          </a:p>
+          <a:p>
+            <a:pPr>
+              <a:spcAft>
+                <a:spcPts val="1000"/>
+              </a:spcAft>
+              <a:defRPr sz="1800"/>
+            </a:pPr>
+            <a:r>
+              <a:t>2. XGBoost (eXtreme Gradient Boosting) : Algorithme d'ensemble (arbres de décision) séquentiel. Très robuste, corrige ses erreurs itérativement.</a:t>
+            </a:r>
+          </a:p>
+          <a:p>
+            <a:pPr>
+              <a:spcAft>
+                <a:spcPts val="1000"/>
+              </a:spcAft>
+              <a:defRPr sz="1800"/>
+            </a:pPr>
+            <a:r>
+              <a:t>3. LightGBM (Light Gradient Boosting Machine) : Similaire à XGBoost mais optimisé pour la vitesse et l'efficacité mémoire (croissance par feuilles 'leaf-wise').</a:t>
+            </a:r>
+          </a:p>
+          <a:p>
+            <a:pPr>
+              <a:spcAft>
+                <a:spcPts val="1000"/>
+              </a:spcAft>
+              <a:defRPr sz="1800"/>
+            </a:pPr>
+            <a:r>
+              <a:t>4. GRU (Gated Recurrent Unit) : Réseau de neurones récurrents, conçu pour analyser des séquences temporelles (séries d'actions).</a:t>
+            </a:r>
+          </a:p>
+          <a:p>
+            <a:pPr>
+              <a:spcAft>
+                <a:spcPts val="1000"/>
+              </a:spcAft>
+              <a:defRPr sz="1800"/>
+            </a:pPr>
+            <a:r>
+              <a:t>5. Transformer : Architecture Deep Learning basée sur l'Attention, excellente pour trouver des patterns complexes dans les séquences.</a:t>
             </a:r>
           </a:p>
         </p:txBody>
@@ -3970,7 +4642,7 @@
               </a:defRPr>
             </a:pPr>
             <a:r>
-              <a:t>7. Quels sont les signaux précurseurs ?</a:t>
+              <a:t>4. Deep Dive: LightGBM vs XGBoost</a:t>
             </a:r>
           </a:p>
         </p:txBody>
@@ -3998,62 +4670,51 @@
               <a:defRPr sz="1800"/>
             </a:pPr>
             <a:r>
-              <a:t>L'analyse d'importance (SHAP/Gain) révèle les comportements critiques :</a:t>
-            </a:r>
-          </a:p>
-          <a:p>
-            <a:pPr>
-              <a:spcAft>
-                <a:spcPts val="1000"/>
-              </a:spcAft>
-              <a:defRPr sz="1800"/>
-            </a:pPr>
-            <a:r>
-              <a:t>1. Facturation : `nb_client_invoices_sent_sum` (Volume total) est le prédicteur #1.</a:t>
-            </a:r>
-          </a:p>
-          <a:p>
-            <a:pPr>
-              <a:spcAft>
-                <a:spcPts val="1000"/>
-              </a:spcAft>
-              <a:defRPr sz="1800"/>
-            </a:pPr>
-            <a:r>
-              <a:t>2. Régularité : `nb_transactions_reconciled_std` (Écart-type) montre un usage soutenu.</a:t>
-            </a:r>
-          </a:p>
-          <a:p>
-            <a:pPr>
-              <a:spcAft>
-                <a:spcPts val="1000"/>
-              </a:spcAft>
-              <a:defRPr sz="1800"/>
-            </a:pPr>
-            <a:r>
-              <a:t>3. Connexion Mobile : `nb_mobile_connections` signale un engagement fort.</a:t>
-            </a:r>
-          </a:p>
-          <a:p>
-            <a:pPr>
-              <a:spcAft>
-                <a:spcPts val="1000"/>
-              </a:spcAft>
-              <a:defRPr sz="1800"/>
-            </a:pPr>
-            <a:r>
-              <a:t>4. Configuration : `nb_banking_accounts_connected` est le verrou technique.</a:t>
-            </a:r>
-          </a:p>
-          <a:p>
-            <a:pPr>
-              <a:spcAft>
-                <a:spcPts val="1000"/>
-              </a:spcAft>
-              <a:defRPr sz="1800"/>
-            </a:pPr>
-            <a:r>
-              <a:t>Insight : L'usage intensif et varié (mobile + web + factures) dans les premiers jours garantit la conversion.</a:t>
+              <a:t>Pourquoi LightGBM est meilleur ici (AUC 0.80 vs 0.67) ?</a:t>
+            </a:r>
+          </a:p>
+          <a:p>
+            <a:pPr>
+              <a:spcAft>
+                <a:spcPts val="1000"/>
+              </a:spcAft>
+              <a:defRPr sz="1800"/>
+            </a:pPr>
+            <a:r>
+              <a:t>1. Efficacité sur données tabulaires denses : LightGBM gère nativement mieux les features catégorielles encodées.</a:t>
+            </a:r>
+          </a:p>
+          <a:p>
+            <a:pPr>
+              <a:spcAft>
+                <a:spcPts val="1000"/>
+              </a:spcAft>
+              <a:defRPr sz="1800"/>
+            </a:pPr>
+            <a:r>
+              <a:t>2. Croissance Leaf-wise : Il construit des arbres plus profonds et complexes qui capturent mieux les interactions subtiles que la croissance Level-wise de XGBoost.</a:t>
+            </a:r>
+          </a:p>
+          <a:p>
+            <a:pPr>
+              <a:spcAft>
+                <a:spcPts val="1000"/>
+              </a:spcAft>
+              <a:defRPr sz="1800"/>
+            </a:pPr>
+            <a:r>
+              <a:t>3. Robustesse : Sur un petit dataset (~400 lignes), il a moins tendance à overffiter que XGBoost qui nécessite plus de tuning.</a:t>
+            </a:r>
+          </a:p>
+          <a:p>
+            <a:pPr>
+              <a:spcAft>
+                <a:spcPts val="1000"/>
+              </a:spcAft>
+              <a:defRPr sz="1800"/>
+            </a:pPr>
+            <a:r>
+              <a:t>Conclusion : LightGBM est le champion 'Low Data, High Dimensionality'.</a:t>
             </a:r>
           </a:p>
         </p:txBody>
@@ -4099,7 +4760,7 @@
               </a:defRPr>
             </a:pPr>
             <a:r>
-              <a:t>8. Recommandations pour l'équipe CX</a:t>
+              <a:t>5. Choix des Métriques de Performance</a:t>
             </a:r>
           </a:p>
         </p:txBody>
@@ -4127,73 +4788,40 @@
               <a:defRPr sz="1800"/>
             </a:pPr>
             <a:r>
-              <a:t>Actions Proactives :</a:t>
-            </a:r>
-          </a:p>
-          <a:p>
-            <a:pPr>
-              <a:spcAft>
-                <a:spcPts val="1000"/>
-              </a:spcAft>
-              <a:defRPr sz="1800"/>
-            </a:pPr>
-            <a:r>
-              <a:t>   - Jours 1-3 : Pousser agressivement la connexion bancaire et la création de 1ère facture (Tuto, Nudge).</a:t>
-            </a:r>
-          </a:p>
-          <a:p>
-            <a:pPr>
-              <a:spcAft>
-                <a:spcPts val="1000"/>
-              </a:spcAft>
-              <a:defRPr sz="1800"/>
-            </a:pPr>
-            <a:r>
-              <a:t>   - Jours 7-10 : Si score &lt; 0.4 (identifié par le modèle), déclencher un appel 'Sauvetage' ou une offre promo.</a:t>
-            </a:r>
-          </a:p>
-          <a:p>
-            <a:pPr>
-              <a:spcAft>
-                <a:spcPts val="1000"/>
-              </a:spcAft>
-              <a:defRPr sz="1800"/>
-            </a:pPr>
-            <a:r>
-              <a:t>Améliorations futures :</a:t>
-            </a:r>
-          </a:p>
-          <a:p>
-            <a:pPr>
-              <a:spcAft>
-                <a:spcPts val="1000"/>
-              </a:spcAft>
-              <a:defRPr sz="1800"/>
-            </a:pPr>
-            <a:r>
-              <a:t>   - Enrichir les données avec les logs de support client.</a:t>
-            </a:r>
-          </a:p>
-          <a:p>
-            <a:pPr>
-              <a:spcAft>
-                <a:spcPts val="1000"/>
-              </a:spcAft>
-              <a:defRPr sz="1800"/>
-            </a:pPr>
-            <a:r>
-              <a:t>   - Tester l'impact des emails marketing dans le modèle.</a:t>
-            </a:r>
-          </a:p>
-          <a:p>
-            <a:pPr>
-              <a:spcAft>
-                <a:spcPts val="1000"/>
-              </a:spcAft>
-              <a:defRPr sz="1800"/>
-            </a:pPr>
-            <a:r>
-              <a:t>Conclusion : Le modèle permet de segmenter les prospects en temps réel pour prioriser les efforts humains.</a:t>
+              <a:t>ROC-AUC (Area Under Curve) : La capacité globale à distinguer un Payant d'un Non-Payant (Indépendant du seuil). 0.5 = Hasard, 1.0 = Parfait.</a:t>
+            </a:r>
+          </a:p>
+          <a:p>
+            <a:pPr>
+              <a:spcAft>
+                <a:spcPts val="1000"/>
+              </a:spcAft>
+              <a:defRPr sz="1800"/>
+            </a:pPr>
+            <a:r>
+              <a:t>PR-AUC (Precision-Recall) : Crucial car notre classe cible (Conversion) est importante. Pinalise plus les faux positifs que le ROC.</a:t>
+            </a:r>
+          </a:p>
+          <a:p>
+            <a:pPr>
+              <a:spcAft>
+                <a:spcPts val="1000"/>
+              </a:spcAft>
+              <a:defRPr sz="1800"/>
+            </a:pPr>
+            <a:r>
+              <a:t>Brier Score : Mesure la fiabilité de la probabilité (Calibration). Un score bas signifie que quand le modèle dit '80% de chance', c'est vraiment 80%.</a:t>
+            </a:r>
+          </a:p>
+          <a:p>
+            <a:pPr>
+              <a:spcAft>
+                <a:spcPts val="1000"/>
+              </a:spcAft>
+              <a:defRPr sz="1800"/>
+            </a:pPr>
+            <a:r>
+              <a:t>Accuracy : Le % global de bonnes réponses. Moins pertinent si les classes sont déséquilibrées, mais simple à comprendre.</a:t>
             </a:r>
           </a:p>
         </p:txBody>

--- a/Presentations_Resultats_Projet.pptx
+++ b/Presentations_Resultats_Projet.pptx
@@ -17,8 +17,6 @@
     <p:sldId id="265" r:id="rId16"/>
     <p:sldId id="266" r:id="rId17"/>
     <p:sldId id="267" r:id="rId18"/>
-    <p:sldId id="268" r:id="rId19"/>
-    <p:sldId id="269" r:id="rId20"/>
   </p:sldIdLst>
   <p:sldSz cx="9144000" cy="6858000" type="screen4x3"/>
   <p:notesSz cx="6858000" cy="9144000"/>
@@ -3427,264 +3425,6 @@
 </file>
 
 <file path=ppt/slides/slide12.xml><?xml version="1.0" encoding="utf-8"?>
-<p:sld xmlns:a="http://schemas.openxmlformats.org/drawingml/2006/main" xmlns:p="http://schemas.openxmlformats.org/presentationml/2006/main" xmlns:r="http://schemas.openxmlformats.org/officeDocument/2006/relationships">
-  <p:cSld>
-    <p:spTree>
-      <p:nvGrpSpPr>
-        <p:cNvPr id="1" name=""/>
-        <p:cNvGrpSpPr/>
-        <p:nvPr/>
-      </p:nvGrpSpPr>
-      <p:grpSpPr/>
-      <p:sp>
-        <p:nvSpPr>
-          <p:cNvPr id="2" name="Title 1"/>
-          <p:cNvSpPr>
-            <a:spLocks noGrp="1"/>
-          </p:cNvSpPr>
-          <p:nvPr>
-            <p:ph type="title"/>
-          </p:nvPr>
-        </p:nvSpPr>
-        <p:spPr/>
-        <p:txBody>
-          <a:bodyPr/>
-          <a:lstStyle/>
-          <a:p>
-            <a:pPr>
-              <a:defRPr b="1">
-                <a:solidFill>
-                  <a:srgbClr val="003366"/>
-                </a:solidFill>
-              </a:defRPr>
-            </a:pPr>
-            <a:r>
-              <a:t>7b. Le 'Top 1%' : Modèle Hybride</a:t>
-            </a:r>
-          </a:p>
-        </p:txBody>
-      </p:sp>
-      <p:sp>
-        <p:nvSpPr>
-          <p:cNvPr id="3" name="Content Placeholder 2"/>
-          <p:cNvSpPr>
-            <a:spLocks noGrp="1"/>
-          </p:cNvSpPr>
-          <p:nvPr>
-            <p:ph idx="1"/>
-          </p:nvPr>
-        </p:nvSpPr>
-        <p:spPr/>
-        <p:txBody>
-          <a:bodyPr/>
-          <a:lstStyle/>
-          <a:p/>
-          <a:p>
-            <a:pPr>
-              <a:spcAft>
-                <a:spcPts val="1000"/>
-              </a:spcAft>
-              <a:defRPr sz="1800"/>
-            </a:pPr>
-            <a:r>
-              <a:t>Pour maximiser la performance, nous avons créé un Ensemble Hybride :</a:t>
-            </a:r>
-          </a:p>
-          <a:p>
-            <a:pPr>
-              <a:spcAft>
-                <a:spcPts val="1000"/>
-              </a:spcAft>
-              <a:defRPr sz="1800"/>
-            </a:pPr>
-            <a:r>
-              <a:t>1. Strategie : Combiner la robustesse du LightGBM (Tabulaire) avec la sensibilité temporelle du GRU (Séquentiel).</a:t>
-            </a:r>
-          </a:p>
-          <a:p>
-            <a:pPr>
-              <a:spcAft>
-                <a:spcPts val="1000"/>
-              </a:spcAft>
-              <a:defRPr sz="1800"/>
-            </a:pPr>
-            <a:r>
-              <a:t>2. Méthode : Moyenne pondérée des probabilités (70% LightGBM + 30% GRU).</a:t>
-            </a:r>
-          </a:p>
-          <a:p>
-            <a:pPr>
-              <a:spcAft>
-                <a:spcPts val="1000"/>
-              </a:spcAft>
-              <a:defRPr sz="1800"/>
-            </a:pPr>
-            <a:r>
-              <a:t>3. Gain : Hausse de l'AUC (+0.02) et meilleure calibration (Brier Score réduit).</a:t>
-            </a:r>
-          </a:p>
-          <a:p>
-            <a:pPr>
-              <a:spcAft>
-                <a:spcPts val="1000"/>
-              </a:spcAft>
-              <a:defRPr sz="1800"/>
-            </a:pPr>
-            <a:r>
-              <a:t>4. Résultat : Un 'super-modèle' qui ne rate presque aucun signal faible.</a:t>
-            </a:r>
-          </a:p>
-        </p:txBody>
-      </p:sp>
-    </p:spTree>
-  </p:cSld>
-  <p:clrMapOvr>
-    <a:masterClrMapping/>
-  </p:clrMapOvr>
-</p:sld>
-</file>
-
-<file path=ppt/slides/slide13.xml><?xml version="1.0" encoding="utf-8"?>
-<p:sld xmlns:a="http://schemas.openxmlformats.org/drawingml/2006/main" xmlns:p="http://schemas.openxmlformats.org/presentationml/2006/main" xmlns:r="http://schemas.openxmlformats.org/officeDocument/2006/relationships">
-  <p:cSld>
-    <p:spTree>
-      <p:nvGrpSpPr>
-        <p:cNvPr id="1" name=""/>
-        <p:cNvGrpSpPr/>
-        <p:nvPr/>
-      </p:nvGrpSpPr>
-      <p:grpSpPr/>
-      <p:sp>
-        <p:nvSpPr>
-          <p:cNvPr id="2" name="Title 1"/>
-          <p:cNvSpPr>
-            <a:spLocks noGrp="1"/>
-          </p:cNvSpPr>
-          <p:nvPr>
-            <p:ph type="title"/>
-          </p:nvPr>
-        </p:nvSpPr>
-        <p:spPr/>
-        <p:txBody>
-          <a:bodyPr/>
-          <a:lstStyle/>
-          <a:p>
-            <a:pPr>
-              <a:defRPr b="1">
-                <a:solidFill>
-                  <a:srgbClr val="003366"/>
-                </a:solidFill>
-              </a:defRPr>
-            </a:pPr>
-            <a:r>
-              <a:t>7c. Simulation ROI &amp; Impact Business</a:t>
-            </a:r>
-          </a:p>
-        </p:txBody>
-      </p:sp>
-      <p:sp>
-        <p:nvSpPr>
-          <p:cNvPr id="3" name="Content Placeholder 2"/>
-          <p:cNvSpPr>
-            <a:spLocks noGrp="1"/>
-          </p:cNvSpPr>
-          <p:nvPr>
-            <p:ph idx="1"/>
-          </p:nvPr>
-        </p:nvSpPr>
-        <p:spPr/>
-        <p:txBody>
-          <a:bodyPr/>
-          <a:lstStyle/>
-          <a:p/>
-          <a:p>
-            <a:pPr>
-              <a:spcAft>
-                <a:spcPts val="1000"/>
-              </a:spcAft>
-              <a:defRPr sz="1800"/>
-            </a:pPr>
-            <a:r>
-              <a:t>Traduction du Score en Euros (Simulation sur Test Set) :</a:t>
-            </a:r>
-          </a:p>
-          <a:p>
-            <a:pPr>
-              <a:spcAft>
-                <a:spcPts val="1000"/>
-              </a:spcAft>
-              <a:defRPr sz="1800"/>
-            </a:pPr>
-            <a:r>
-              <a:t>   - Hypothèses : LTV = 500€, Coût d'Intervention (Call) = 10€, Taux de Succès = 20%.</a:t>
-            </a:r>
-          </a:p>
-          <a:p>
-            <a:pPr>
-              <a:spcAft>
-                <a:spcPts val="1000"/>
-              </a:spcAft>
-              <a:defRPr sz="1800"/>
-            </a:pPr>
-            <a:r>
-              <a:t>   - Stratégie : Intervenir seulement si le risque de churn est élevé (Score &lt; Seuil).</a:t>
-            </a:r>
-          </a:p>
-          <a:p>
-            <a:pPr>
-              <a:spcAft>
-                <a:spcPts val="1000"/>
-              </a:spcAft>
-              <a:defRPr sz="1800"/>
-            </a:pPr>
-            <a:r>
-              <a:t>   - Résultat : En ciblant les utilisateurs à risque (Prob &lt; 0.45) :</a:t>
-            </a:r>
-          </a:p>
-          <a:p>
-            <a:pPr>
-              <a:spcAft>
-                <a:spcPts val="1000"/>
-              </a:spcAft>
-              <a:defRPr sz="1800"/>
-            </a:pPr>
-            <a:r>
-              <a:t>       -&gt; On sauve ~12% de churn additionnel.</a:t>
-            </a:r>
-          </a:p>
-          <a:p>
-            <a:pPr>
-              <a:spcAft>
-                <a:spcPts val="1000"/>
-              </a:spcAft>
-              <a:defRPr sz="1800"/>
-            </a:pPr>
-            <a:r>
-              <a:t>       -&gt; ROI Net estimé : +15 000€ / mois (pour 1000 essais).</a:t>
-            </a:r>
-          </a:p>
-          <a:p>
-            <a:pPr>
-              <a:spcAft>
-                <a:spcPts val="1000"/>
-              </a:spcAft>
-              <a:defRPr sz="1800"/>
-            </a:pPr>
-            <a:r>
-              <a:t>Conclusion : Le modèle n'est pas une dépense, c'est un centre de profit immédiat.</a:t>
-            </a:r>
-          </a:p>
-        </p:txBody>
-      </p:sp>
-    </p:spTree>
-  </p:cSld>
-  <p:clrMapOvr>
-    <a:masterClrMapping/>
-  </p:clrMapOvr>
-</p:sld>
-</file>
-
-<file path=ppt/slides/slide14.xml><?xml version="1.0" encoding="utf-8"?>
 <p:sld xmlns:a="http://schemas.openxmlformats.org/drawingml/2006/main" xmlns:p="http://schemas.openxmlformats.org/presentationml/2006/main" xmlns:r="http://schemas.openxmlformats.org/officeDocument/2006/relationships">
   <p:cSld>
     <p:spTree>

--- a/Presentations_Resultats_Projet.pptx
+++ b/Presentations_Resultats_Projet.pptx
@@ -3149,6 +3149,30 @@
           </a:p>
         </p:txBody>
       </p:sp>
+      <p:pic>
+        <p:nvPicPr>
+          <p:cNvPr id="4" name="Picture 3" descr="kolecto_logo.png"/>
+          <p:cNvPicPr>
+            <a:picLocks noChangeAspect="1"/>
+          </p:cNvPicPr>
+          <p:nvPr/>
+        </p:nvPicPr>
+        <p:blipFill>
+          <a:blip r:embed="rId2"/>
+          <a:stretch>
+            <a:fillRect/>
+          </a:stretch>
+        </p:blipFill>
+        <p:spPr>
+          <a:xfrm>
+            <a:off x="457200" y="457200"/>
+            <a:ext cx="914400" cy="914400"/>
+          </a:xfrm>
+          <a:prstGeom prst="rect">
+            <a:avLst/>
+          </a:prstGeom>
+        </p:spPr>
+      </p:pic>
     </p:spTree>
   </p:cSld>
   <p:clrMapOvr>

--- a/Presentations_Resultats_Projet.pptx
+++ b/Presentations_Resultats_Projet.pptx
@@ -3676,31 +3676,31 @@
               <a:defRPr sz="1800"/>
             </a:pPr>
             <a:r>
-              <a:t>ROC-AUC : 0.797 (Meilleure Discrimination)</a:t>
-            </a:r>
-          </a:p>
-          <a:p>
-            <a:pPr lvl="1">
-              <a:defRPr sz="1800"/>
-            </a:pPr>
-            <a:r>
-              <a:t>PR-AUC : 0.839 (Haute Précision)</a:t>
-            </a:r>
-          </a:p>
-          <a:p>
-            <a:pPr lvl="1">
-              <a:defRPr sz="1800"/>
-            </a:pPr>
-            <a:r>
-              <a:t>Accuracy : 75.9%</a:t>
-            </a:r>
-          </a:p>
-          <a:p>
-            <a:pPr lvl="1">
-              <a:defRPr sz="1800"/>
-            </a:pPr>
-            <a:r>
-              <a:t>Brier : 0.194 (Bien calibré)</a:t>
+              <a:t>ROC-AUC : 0.790 (Meilleure Discrimination)</a:t>
+            </a:r>
+          </a:p>
+          <a:p>
+            <a:pPr lvl="1">
+              <a:defRPr sz="1800"/>
+            </a:pPr>
+            <a:r>
+              <a:t>PR-AUC : 0.835 (Haute Précision)</a:t>
+            </a:r>
+          </a:p>
+          <a:p>
+            <a:pPr lvl="1">
+              <a:defRPr sz="1800"/>
+            </a:pPr>
+            <a:r>
+              <a:t>Accuracy : 72.3%</a:t>
+            </a:r>
+          </a:p>
+          <a:p>
+            <a:pPr lvl="1">
+              <a:defRPr sz="1800"/>
+            </a:pPr>
+            <a:r>
+              <a:t>Brier : 0.193 (Bien calibré)</a:t>
             </a:r>
           </a:p>
           <a:p>
@@ -3716,7 +3716,7 @@
               <a:defRPr sz="1800"/>
             </a:pPr>
             <a:r>
-              <a:t>ROC-AUC : 0.715. Capture le signal temporel mais limité par la taille des données.</a:t>
+              <a:t>ROC-AUC : 0.713. Capture le signal temporel mais limité par la taille des données.</a:t>
             </a:r>
           </a:p>
           <a:p>
@@ -3732,15 +3732,15 @@
               <a:defRPr sz="1800"/>
             </a:pPr>
             <a:r>
+              <a:t>Transformer (0.711) - Bon potentiel mais nécessite plus de données.</a:t>
+            </a:r>
+          </a:p>
+          <a:p>
+            <a:pPr lvl="1">
+              <a:defRPr sz="1800"/>
+            </a:pPr>
+            <a:r>
               <a:t>Logistic Regression (0.684).</a:t>
-            </a:r>
-          </a:p>
-          <a:p>
-            <a:pPr lvl="1">
-              <a:defRPr sz="1800"/>
-            </a:pPr>
-            <a:r>
-              <a:t>Transformer (0.678) - Overfitting dû au faible échantillon.</a:t>
             </a:r>
           </a:p>
           <a:p>

--- a/Presentations_Resultats_Projet.pptx
+++ b/Presentations_Resultats_Projet.pptx
@@ -14,6 +14,7 @@
     <p:sldId id="262" r:id="rId13"/>
     <p:sldId id="263" r:id="rId14"/>
     <p:sldId id="264" r:id="rId15"/>
+    <p:sldId id="265" r:id="rId16"/>
   </p:sldIdLst>
   <p:sldSz cx="9144000" cy="6858000" type="screen4x3"/>
   <p:notesSz cx="6858000" cy="9144000"/>
@@ -3111,13 +3112,21 @@
           <a:bodyPr/>
           <a:lstStyle/>
           <a:p>
-            <a:r>
-              <a:t>Prédiction de Conversion Trial-to-Paid :</a:t>
-            </a:r>
-          </a:p>
-          <a:p>
-            <a:r>
-              <a:t>Insights Data-Driven pour Kolecto</a:t>
+            <a:pPr>
+              <a:defRPr>
+                <a:solidFill>
+                  <a:srgbClr val="003366"/>
+                </a:solidFill>
+                <a:latin typeface="Arial"/>
+              </a:defRPr>
+            </a:pPr>
+            <a:r>
+              <a:t>Predicting Trial-to-Paid Conversions:</a:t>
+            </a:r>
+          </a:p>
+          <a:p>
+            <a:r>
+              <a:t>Data-Driven Insights for Kolecto</a:t>
             </a:r>
           </a:p>
         </p:txBody>
@@ -3138,7 +3147,7 @@
           <a:lstStyle/>
           <a:p>
             <a:r>
-              <a:t>Améliorer le taux de conversion de ~60% via l'analyse des signaux précurseurs et le Machine Learning</a:t>
+              <a:t>Improving ~60% Conversion Rate Through Precursor Signal Analysis and ML Modeling</a:t>
             </a:r>
           </a:p>
           <a:p/>
@@ -3181,6 +3190,140 @@
 </p:sld>
 </file>
 
+<file path=ppt/slides/slide10.xml><?xml version="1.0" encoding="utf-8"?>
+<p:sld xmlns:a="http://schemas.openxmlformats.org/drawingml/2006/main" xmlns:p="http://schemas.openxmlformats.org/presentationml/2006/main" xmlns:r="http://schemas.openxmlformats.org/officeDocument/2006/relationships">
+  <p:cSld>
+    <p:spTree>
+      <p:nvGrpSpPr>
+        <p:cNvPr id="1" name=""/>
+        <p:cNvGrpSpPr/>
+        <p:nvPr/>
+      </p:nvGrpSpPr>
+      <p:grpSpPr/>
+      <p:sp>
+        <p:nvSpPr>
+          <p:cNvPr id="2" name="Title 1"/>
+          <p:cNvSpPr>
+            <a:spLocks noGrp="1"/>
+          </p:cNvSpPr>
+          <p:nvPr>
+            <p:ph type="title"/>
+          </p:nvPr>
+        </p:nvSpPr>
+        <p:spPr/>
+        <p:txBody>
+          <a:bodyPr/>
+          <a:lstStyle/>
+          <a:p>
+            <a:pPr>
+              <a:defRPr>
+                <a:solidFill>
+                  <a:srgbClr val="003366"/>
+                </a:solidFill>
+                <a:latin typeface="Arial"/>
+              </a:defRPr>
+            </a:pPr>
+            <a:r>
+              <a:t>Conclusion &amp; Next Steps</a:t>
+            </a:r>
+          </a:p>
+        </p:txBody>
+      </p:sp>
+      <p:sp>
+        <p:nvSpPr>
+          <p:cNvPr id="3" name="Content Placeholder 2"/>
+          <p:cNvSpPr>
+            <a:spLocks noGrp="1"/>
+          </p:cNvSpPr>
+          <p:nvPr>
+            <p:ph idx="1"/>
+          </p:nvPr>
+        </p:nvSpPr>
+        <p:spPr/>
+        <p:txBody>
+          <a:bodyPr/>
+          <a:lstStyle/>
+          <a:p/>
+          <a:p>
+            <a:pPr>
+              <a:defRPr sz="1800">
+                <a:latin typeface="Arial"/>
+              </a:defRPr>
+            </a:pPr>
+            <a:r>
+              <a:t>Summary:</a:t>
+            </a:r>
+          </a:p>
+          <a:p>
+            <a:pPr lvl="1">
+              <a:defRPr sz="1800">
+                <a:latin typeface="Arial"/>
+              </a:defRPr>
+            </a:pPr>
+            <a:r>
+              <a:t>Delivered robust model (LightGBM AUC 0.790).</a:t>
+            </a:r>
+          </a:p>
+          <a:p>
+            <a:pPr lvl="1">
+              <a:defRPr sz="1800">
+                <a:latin typeface="Arial"/>
+              </a:defRPr>
+            </a:pPr>
+            <a:r>
+              <a:t>Identified key levers for +5-8% conversion lift.</a:t>
+            </a:r>
+          </a:p>
+          <a:p>
+            <a:pPr>
+              <a:defRPr sz="1800">
+                <a:latin typeface="Arial"/>
+              </a:defRPr>
+            </a:pPr>
+            <a:r>
+              <a:t>Next Steps:</a:t>
+            </a:r>
+          </a:p>
+          <a:p>
+            <a:pPr>
+              <a:defRPr sz="1800">
+                <a:latin typeface="Arial"/>
+              </a:defRPr>
+            </a:pPr>
+            <a:r>
+              <a:t>   1. Deploy Scoring API (Containerized).</a:t>
+            </a:r>
+          </a:p>
+          <a:p>
+            <a:pPr>
+              <a:defRPr sz="1800">
+                <a:latin typeface="Arial"/>
+              </a:defRPr>
+            </a:pPr>
+            <a:r>
+              <a:t>   2. Launch A/B Test for CX actions.</a:t>
+            </a:r>
+          </a:p>
+          <a:p>
+            <a:pPr>
+              <a:defRPr sz="1800">
+                <a:latin typeface="Arial"/>
+              </a:defRPr>
+            </a:pPr>
+            <a:r>
+              <a:t>   3. Monitor Performance (MLflow) &amp; Collect more data.</a:t>
+            </a:r>
+          </a:p>
+        </p:txBody>
+      </p:sp>
+    </p:spTree>
+  </p:cSld>
+  <p:clrMapOvr>
+    <a:masterClrMapping/>
+  </p:clrMapOvr>
+</p:sld>
+</file>
+
 <file path=ppt/slides/slide2.xml><?xml version="1.0" encoding="utf-8"?>
 <p:sld xmlns:a="http://schemas.openxmlformats.org/drawingml/2006/main" xmlns:p="http://schemas.openxmlformats.org/presentationml/2006/main" xmlns:r="http://schemas.openxmlformats.org/officeDocument/2006/relationships">
   <p:cSld>
@@ -3206,8 +3349,16 @@
           <a:bodyPr/>
           <a:lstStyle/>
           <a:p>
-            <a:r>
-              <a:t>Contexte Business &amp; Objectifs</a:t>
+            <a:pPr>
+              <a:defRPr>
+                <a:solidFill>
+                  <a:srgbClr val="003366"/>
+                </a:solidFill>
+                <a:latin typeface="Arial"/>
+              </a:defRPr>
+            </a:pPr>
+            <a:r>
+              <a:t>Business Context &amp; Objectives</a:t>
             </a:r>
           </a:p>
         </p:txBody>
@@ -3229,98 +3380,122 @@
           <a:p/>
           <a:p>
             <a:pPr>
-              <a:defRPr sz="1800"/>
-            </a:pPr>
-            <a:r>
-              <a:t>Contexte :</a:t>
-            </a:r>
-          </a:p>
-          <a:p>
-            <a:pPr lvl="1">
-              <a:defRPr sz="1800"/>
-            </a:pPr>
-            <a:r>
-              <a:t>Kolecto propose un essai gratuit de 15 jours -&gt; Abonnement payant.</a:t>
-            </a:r>
-          </a:p>
-          <a:p>
-            <a:pPr lvl="1">
-              <a:defRPr sz="1800"/>
-            </a:pPr>
-            <a:r>
-              <a:t>Taux de conversion actuel : ~60% (Satisfaisant mais perfectible).</a:t>
+              <a:defRPr sz="1800">
+                <a:latin typeface="Arial"/>
+              </a:defRPr>
+            </a:pPr>
+            <a:r>
+              <a:t>Context:</a:t>
+            </a:r>
+          </a:p>
+          <a:p>
+            <a:pPr lvl="1">
+              <a:defRPr sz="1800">
+                <a:latin typeface="Arial"/>
+              </a:defRPr>
+            </a:pPr>
+            <a:r>
+              <a:t>Kolecto offers paid subscriptions with a 15-day trial.</a:t>
+            </a:r>
+          </a:p>
+          <a:p>
+            <a:pPr lvl="1">
+              <a:defRPr sz="1800">
+                <a:latin typeface="Arial"/>
+              </a:defRPr>
+            </a:pPr>
+            <a:r>
+              <a:t>Current conversion rate ~60% (Satisfactory but improvable).</a:t>
             </a:r>
           </a:p>
           <a:p>
             <a:pPr>
-              <a:defRPr sz="1800"/>
-            </a:pPr>
-            <a:r>
-              <a:t>Challenge :</a:t>
-            </a:r>
-          </a:p>
-          <a:p>
-            <a:pPr lvl="1">
-              <a:defRPr sz="1800"/>
-            </a:pPr>
-            <a:r>
-              <a:t>Identifier les signaux précurseurs de succès ou de désabonnement.</a:t>
-            </a:r>
-          </a:p>
-          <a:p>
-            <a:pPr lvl="1">
-              <a:defRPr sz="1800"/>
-            </a:pPr>
-            <a:r>
-              <a:t>Permettre des actions ciblées par l'équipe Customer Experience (CX).</a:t>
+              <a:defRPr sz="1800">
+                <a:latin typeface="Arial"/>
+              </a:defRPr>
+            </a:pPr>
+            <a:r>
+              <a:t>Challenge:</a:t>
+            </a:r>
+          </a:p>
+          <a:p>
+            <a:pPr lvl="1">
+              <a:defRPr sz="1800">
+                <a:latin typeface="Arial"/>
+              </a:defRPr>
+            </a:pPr>
+            <a:r>
+              <a:t>Identify precursor signals of cancellation/success.</a:t>
+            </a:r>
+          </a:p>
+          <a:p>
+            <a:pPr lvl="1">
+              <a:defRPr sz="1800">
+                <a:latin typeface="Arial"/>
+              </a:defRPr>
+            </a:pPr>
+            <a:r>
+              <a:t>Enable targeted Customer Experience (CX) actions.</a:t>
             </a:r>
           </a:p>
           <a:p>
             <a:pPr>
-              <a:defRPr sz="1800"/>
-            </a:pPr>
-            <a:r>
-              <a:t>Objectifs :</a:t>
-            </a:r>
-          </a:p>
-          <a:p>
-            <a:pPr lvl="1">
-              <a:defRPr sz="1800"/>
-            </a:pPr>
-            <a:r>
-              <a:t>Analyser les facteurs différenciants (Convertis vs Non-Convertis).</a:t>
-            </a:r>
-          </a:p>
-          <a:p>
-            <a:pPr lvl="1">
-              <a:defRPr sz="1800"/>
-            </a:pPr>
-            <a:r>
-              <a:t>Construire un modèle ML pour prédire la probabilité de conversion.</a:t>
+              <a:defRPr sz="1800">
+                <a:latin typeface="Arial"/>
+              </a:defRPr>
+            </a:pPr>
+            <a:r>
+              <a:t>Objectives:</a:t>
+            </a:r>
+          </a:p>
+          <a:p>
+            <a:pPr lvl="1">
+              <a:defRPr sz="1800">
+                <a:latin typeface="Arial"/>
+              </a:defRPr>
+            </a:pPr>
+            <a:r>
+              <a:t>Analyze differentiating factors (Converters vs Non-Converters).</a:t>
+            </a:r>
+          </a:p>
+          <a:p>
+            <a:pPr lvl="1">
+              <a:defRPr sz="1800">
+                <a:latin typeface="Arial"/>
+              </a:defRPr>
+            </a:pPr>
+            <a:r>
+              <a:t>Build ML model for conversion probability prediction.</a:t>
             </a:r>
           </a:p>
           <a:p>
             <a:pPr>
-              <a:defRPr sz="1800"/>
-            </a:pPr>
-            <a:r>
-              <a:t>Approche :</a:t>
-            </a:r>
-          </a:p>
-          <a:p>
-            <a:pPr lvl="1">
-              <a:defRPr sz="1800"/>
-            </a:pPr>
-            <a:r>
-              <a:t>Analyse d'Activité (Daily Usage) + Profil (Subscriptions).</a:t>
-            </a:r>
-          </a:p>
-          <a:p>
-            <a:pPr lvl="1">
-              <a:defRPr sz="1800"/>
-            </a:pPr>
-            <a:r>
-              <a:t>Focus sur des insights actionnables.</a:t>
+              <a:defRPr sz="1800">
+                <a:latin typeface="Arial"/>
+              </a:defRPr>
+            </a:pPr>
+            <a:r>
+              <a:t>Approach:</a:t>
+            </a:r>
+          </a:p>
+          <a:p>
+            <a:pPr lvl="1">
+              <a:defRPr sz="1800">
+                <a:latin typeface="Arial"/>
+              </a:defRPr>
+            </a:pPr>
+            <a:r>
+              <a:t>Usage Analysis (Activity signals) + Profile (Company info).</a:t>
+            </a:r>
+          </a:p>
+          <a:p>
+            <a:pPr lvl="1">
+              <a:defRPr sz="1800">
+                <a:latin typeface="Arial"/>
+              </a:defRPr>
+            </a:pPr>
+            <a:r>
+              <a:t>Focus on actionable insights, not just black-box predictions.</a:t>
             </a:r>
           </a:p>
         </p:txBody>
@@ -3358,8 +3533,16 @@
           <a:bodyPr/>
           <a:lstStyle/>
           <a:p>
-            <a:r>
-              <a:t>Données &amp; Prétraitement</a:t>
+            <a:pPr>
+              <a:defRPr>
+                <a:solidFill>
+                  <a:srgbClr val="003366"/>
+                </a:solidFill>
+                <a:latin typeface="Arial"/>
+              </a:defRPr>
+            </a:pPr>
+            <a:r>
+              <a:t>Data Overview</a:t>
             </a:r>
           </a:p>
         </p:txBody>
@@ -3381,82 +3564,102 @@
           <a:p/>
           <a:p>
             <a:pPr>
-              <a:defRPr sz="1800"/>
-            </a:pPr>
-            <a:r>
-              <a:t>Jeux de Données :</a:t>
-            </a:r>
-          </a:p>
-          <a:p>
-            <a:pPr lvl="1">
-              <a:defRPr sz="1800"/>
-            </a:pPr>
-            <a:r>
-              <a:t>Daily Usage (~11k lignes) : Logs d'activité (Virements, Connexions, Factures). Agrégés par essai (Somme/Moyenne/Max/Std).</a:t>
-            </a:r>
-          </a:p>
-          <a:p>
-            <a:pPr lvl="1">
-              <a:defRPr sz="1800"/>
-            </a:pPr>
-            <a:r>
-              <a:t>Subscriptions (~416 essais) : Firmographie (CA, Code NAF). Filtré sur les essais de 15 jours exacts.</a:t>
+              <a:defRPr sz="1800">
+                <a:latin typeface="Arial"/>
+              </a:defRPr>
+            </a:pPr>
+            <a:r>
+              <a:t>Datasets:</a:t>
+            </a:r>
+          </a:p>
+          <a:p>
+            <a:pPr lvl="1">
+              <a:defRPr sz="1800">
+                <a:latin typeface="Arial"/>
+              </a:defRPr>
+            </a:pPr>
+            <a:r>
+              <a:t>daily_usage.csv (~11k rows): Activity logs (transfers, connections). Aggregated to per-trial summaries (sum/mean/max/std).</a:t>
+            </a:r>
+          </a:p>
+          <a:p>
+            <a:pPr lvl="1">
+              <a:defRPr sz="1800">
+                <a:latin typeface="Arial"/>
+              </a:defRPr>
+            </a:pPr>
+            <a:r>
+              <a:t>subscriptions.csv (~416 trials): Company info (Revenue, NAF). Filtered to exact 15-day trials.</a:t>
             </a:r>
           </a:p>
           <a:p>
             <a:pPr>
-              <a:defRPr sz="1800"/>
-            </a:pPr>
-            <a:r>
-              <a:t>Statistiques Clés :</a:t>
-            </a:r>
-          </a:p>
-          <a:p>
-            <a:pPr lvl="1">
-              <a:defRPr sz="1800"/>
-            </a:pPr>
-            <a:r>
-              <a:t>Échantillons Total : 416 essais complets.</a:t>
-            </a:r>
-          </a:p>
-          <a:p>
-            <a:pPr lvl="1">
-              <a:defRPr sz="1800"/>
-            </a:pPr>
-            <a:r>
-              <a:t>Taux de Conversion : 60.7% (Déséquilibré, mais gérable).</a:t>
+              <a:defRPr sz="1800">
+                <a:latin typeface="Arial"/>
+              </a:defRPr>
+            </a:pPr>
+            <a:r>
+              <a:t>Key Stats:</a:t>
+            </a:r>
+          </a:p>
+          <a:p>
+            <a:pPr lvl="1">
+              <a:defRPr sz="1800">
+                <a:latin typeface="Arial"/>
+              </a:defRPr>
+            </a:pPr>
+            <a:r>
+              <a:t>Total Samples: 416 complete trials.</a:t>
+            </a:r>
+          </a:p>
+          <a:p>
+            <a:pPr lvl="1">
+              <a:defRPr sz="1800">
+                <a:latin typeface="Arial"/>
+              </a:defRPr>
+            </a:pPr>
+            <a:r>
+              <a:t>Conversion Rate: 60.7% (Imbalanced but manageable).</a:t>
             </a:r>
           </a:p>
           <a:p>
             <a:pPr>
-              <a:defRPr sz="1800"/>
-            </a:pPr>
-            <a:r>
-              <a:t>Prétraitement :</a:t>
-            </a:r>
-          </a:p>
-          <a:p>
-            <a:pPr lvl="1">
-              <a:defRPr sz="1800"/>
-            </a:pPr>
-            <a:r>
-              <a:t>Fusion Usage + Subscriptions.</a:t>
-            </a:r>
-          </a:p>
-          <a:p>
-            <a:pPr lvl="1">
-              <a:defRPr sz="1800"/>
-            </a:pPr>
-            <a:r>
-              <a:t>Gestion des valeurs manquantes et inactivité.</a:t>
-            </a:r>
-          </a:p>
-          <a:p>
-            <a:pPr lvl="1">
-              <a:defRPr sz="1800"/>
-            </a:pPr>
-            <a:r>
-              <a:t>Encodage (OneHot/Ordinal) &amp; Standardisation.</a:t>
+              <a:defRPr sz="1800">
+                <a:latin typeface="Arial"/>
+              </a:defRPr>
+            </a:pPr>
+            <a:r>
+              <a:t>Preprocessing:</a:t>
+            </a:r>
+          </a:p>
+          <a:p>
+            <a:pPr lvl="1">
+              <a:defRPr sz="1800">
+                <a:latin typeface="Arial"/>
+              </a:defRPr>
+            </a:pPr>
+            <a:r>
+              <a:t>Merged Usage + Subscriptions.</a:t>
+            </a:r>
+          </a:p>
+          <a:p>
+            <a:pPr lvl="1">
+              <a:defRPr sz="1800">
+                <a:latin typeface="Arial"/>
+              </a:defRPr>
+            </a:pPr>
+            <a:r>
+              <a:t>Handled Inactivity (NaN/Zero imputation).</a:t>
+            </a:r>
+          </a:p>
+          <a:p>
+            <a:pPr lvl="1">
+              <a:defRPr sz="1800">
+                <a:latin typeface="Arial"/>
+              </a:defRPr>
+            </a:pPr>
+            <a:r>
+              <a:t>Encoding: OneHot (Categorical) &amp; Robust Scaling (Numerical).</a:t>
             </a:r>
           </a:p>
         </p:txBody>
@@ -3494,8 +3697,16 @@
           <a:bodyPr/>
           <a:lstStyle/>
           <a:p>
-            <a:r>
-              <a:t>Méthodologie &amp; Modèles</a:t>
+            <a:pPr>
+              <a:defRPr>
+                <a:solidFill>
+                  <a:srgbClr val="003366"/>
+                </a:solidFill>
+                <a:latin typeface="Arial"/>
+              </a:defRPr>
+            </a:pPr>
+            <a:r>
+              <a:t>Methodology &amp; Models</a:t>
             </a:r>
           </a:p>
         </p:txBody>
@@ -3517,90 +3728,112 @@
           <a:p/>
           <a:p>
             <a:pPr>
-              <a:defRPr sz="1800"/>
-            </a:pPr>
-            <a:r>
-              <a:t>Stratégie de Features :</a:t>
-            </a:r>
-          </a:p>
-          <a:p>
-            <a:pPr lvl="1">
-              <a:defRPr sz="1800"/>
-            </a:pPr>
-            <a:r>
-              <a:t>Tabulaire : Features agrégées (157 dims) pour modèles Arborescents.</a:t>
-            </a:r>
-          </a:p>
-          <a:p>
-            <a:pPr lvl="1">
-              <a:defRPr sz="1800"/>
-            </a:pPr>
-            <a:r>
-              <a:t>Séquentiel : Séries temporelles (15 jours) pour Deep Learning.</a:t>
+              <a:defRPr sz="1800">
+                <a:latin typeface="Arial"/>
+              </a:defRPr>
+            </a:pPr>
+            <a:r>
+              <a:t>Strategy:</a:t>
+            </a:r>
+          </a:p>
+          <a:p>
+            <a:pPr lvl="1">
+              <a:defRPr sz="1800">
+                <a:latin typeface="Arial"/>
+              </a:defRPr>
+            </a:pPr>
+            <a:r>
+              <a:t>Tabular Features (157 dims) for Tree-based models.</a:t>
+            </a:r>
+          </a:p>
+          <a:p>
+            <a:pPr lvl="1">
+              <a:defRPr sz="1800">
+                <a:latin typeface="Arial"/>
+              </a:defRPr>
+            </a:pPr>
+            <a:r>
+              <a:t>Sequential Data (15 days) for Deep Learning.</a:t>
             </a:r>
           </a:p>
           <a:p>
             <a:pPr>
-              <a:defRPr sz="1800"/>
-            </a:pPr>
-            <a:r>
-              <a:t>Modèles Entraînés :</a:t>
-            </a:r>
-          </a:p>
-          <a:p>
-            <a:pPr lvl="1">
-              <a:defRPr sz="1800"/>
-            </a:pPr>
-            <a:r>
-              <a:t>Logistic Regression : Baseline linéaire simple.</a:t>
-            </a:r>
-          </a:p>
-          <a:p>
-            <a:pPr lvl="1">
-              <a:defRPr sz="1800"/>
-            </a:pPr>
-            <a:r>
-              <a:t>XGBoost &amp; LightGBM : Gradient Boosting avec tuning Optuna.</a:t>
-            </a:r>
-          </a:p>
-          <a:p>
-            <a:pPr lvl="1">
-              <a:defRPr sz="1800"/>
-            </a:pPr>
-            <a:r>
-              <a:t>GRU &amp; Transformer : Deep Learning pour motifs temporels.</a:t>
+              <a:defRPr sz="1800">
+                <a:latin typeface="Arial"/>
+              </a:defRPr>
+            </a:pPr>
+            <a:r>
+              <a:t>Models Trained:</a:t>
+            </a:r>
+          </a:p>
+          <a:p>
+            <a:pPr lvl="1">
+              <a:defRPr sz="1800">
+                <a:latin typeface="Arial"/>
+              </a:defRPr>
+            </a:pPr>
+            <a:r>
+              <a:t>Logistic Regression (Baseline).</a:t>
+            </a:r>
+          </a:p>
+          <a:p>
+            <a:pPr lvl="1">
+              <a:defRPr sz="1800">
+                <a:latin typeface="Arial"/>
+              </a:defRPr>
+            </a:pPr>
+            <a:r>
+              <a:t>XGBoost &amp; LightGBM (Gradient Boosting with Optuna tuning).</a:t>
+            </a:r>
+          </a:p>
+          <a:p>
+            <a:pPr lvl="1">
+              <a:defRPr sz="1800">
+                <a:latin typeface="Arial"/>
+              </a:defRPr>
+            </a:pPr>
+            <a:r>
+              <a:t>GRU &amp; Transformer (Sequential modeling for temporal signals).</a:t>
             </a:r>
           </a:p>
           <a:p>
             <a:pPr>
-              <a:defRPr sz="1800"/>
-            </a:pPr>
-            <a:r>
-              <a:t>Métriques d'Évaluation :</a:t>
-            </a:r>
-          </a:p>
-          <a:p>
-            <a:pPr lvl="1">
-              <a:defRPr sz="1800"/>
-            </a:pPr>
-            <a:r>
-              <a:t>ROC-AUC : Capacité de discrimination.</a:t>
-            </a:r>
-          </a:p>
-          <a:p>
-            <a:pPr lvl="1">
-              <a:defRPr sz="1800"/>
-            </a:pPr>
-            <a:r>
-              <a:t>PR-AUC : Précision-Rappel (Critique pour l'imbalance).</a:t>
-            </a:r>
-          </a:p>
-          <a:p>
-            <a:pPr lvl="1">
-              <a:defRPr sz="1800"/>
-            </a:pPr>
-            <a:r>
-              <a:t>Brier Score : Calibration des probabilités.</a:t>
+              <a:defRPr sz="1800">
+                <a:latin typeface="Arial"/>
+              </a:defRPr>
+            </a:pPr>
+            <a:r>
+              <a:t>Evaluation Metrics:</a:t>
+            </a:r>
+          </a:p>
+          <a:p>
+            <a:pPr lvl="1">
+              <a:defRPr sz="1800">
+                <a:latin typeface="Arial"/>
+              </a:defRPr>
+            </a:pPr>
+            <a:r>
+              <a:t>ROC-AUC: Discrimination capability (Distinguish churners).</a:t>
+            </a:r>
+          </a:p>
+          <a:p>
+            <a:pPr lvl="1">
+              <a:defRPr sz="1800">
+                <a:latin typeface="Arial"/>
+              </a:defRPr>
+            </a:pPr>
+            <a:r>
+              <a:t>PR-AUC: Precision-Recall (Critical for imbalance).</a:t>
+            </a:r>
+          </a:p>
+          <a:p>
+            <a:pPr lvl="1">
+              <a:defRPr sz="1800">
+                <a:latin typeface="Arial"/>
+              </a:defRPr>
+            </a:pPr>
+            <a:r>
+              <a:t>Brier Score: Probability calibration accuracy.</a:t>
             </a:r>
           </a:p>
         </p:txBody>
@@ -3638,8 +3871,16 @@
           <a:bodyPr/>
           <a:lstStyle/>
           <a:p>
-            <a:r>
-              <a:t>Comparaison des Résultats</a:t>
+            <a:pPr>
+              <a:defRPr>
+                <a:solidFill>
+                  <a:srgbClr val="003366"/>
+                </a:solidFill>
+                <a:latin typeface="Arial"/>
+              </a:defRPr>
+            </a:pPr>
+            <a:r>
+              <a:t>Overall Results Comparison</a:t>
             </a:r>
           </a:p>
         </p:txBody>
@@ -3665,90 +3906,112 @@
           <a:p/>
           <a:p>
             <a:pPr>
-              <a:defRPr sz="1800"/>
-            </a:pPr>
-            <a:r>
-              <a:t>Champion : LightGBM</a:t>
-            </a:r>
-          </a:p>
-          <a:p>
-            <a:pPr lvl="1">
-              <a:defRPr sz="1800"/>
-            </a:pPr>
-            <a:r>
-              <a:t>ROC-AUC : 0.790 (Meilleure Discrimination)</a:t>
-            </a:r>
-          </a:p>
-          <a:p>
-            <a:pPr lvl="1">
-              <a:defRPr sz="1800"/>
-            </a:pPr>
-            <a:r>
-              <a:t>PR-AUC : 0.835 (Haute Précision)</a:t>
-            </a:r>
-          </a:p>
-          <a:p>
-            <a:pPr lvl="1">
-              <a:defRPr sz="1800"/>
-            </a:pPr>
-            <a:r>
-              <a:t>Accuracy : 72.3%</a:t>
-            </a:r>
-          </a:p>
-          <a:p>
-            <a:pPr lvl="1">
-              <a:defRPr sz="1800"/>
-            </a:pPr>
-            <a:r>
-              <a:t>Brier : 0.193 (Bien calibré)</a:t>
+              <a:defRPr sz="1800">
+                <a:latin typeface="Arial"/>
+              </a:defRPr>
+            </a:pPr>
+            <a:r>
+              <a:t>Winner: LightGBM</a:t>
+            </a:r>
+          </a:p>
+          <a:p>
+            <a:pPr lvl="1">
+              <a:defRPr sz="1800">
+                <a:latin typeface="Arial"/>
+              </a:defRPr>
+            </a:pPr>
+            <a:r>
+              <a:t>ROC-AUC: 0.790 | PR-AUC: 0.835 | Accuracy: 72.3%</a:t>
+            </a:r>
+          </a:p>
+          <a:p>
+            <a:pPr lvl="1">
+              <a:defRPr sz="1800">
+                <a:latin typeface="Arial"/>
+              </a:defRPr>
+            </a:pPr>
+            <a:r>
+              <a:t>Brier: 0.193 (Best Calibration)</a:t>
+            </a:r>
+          </a:p>
+          <a:p>
+            <a:pPr lvl="1">
+              <a:defRPr sz="1800">
+                <a:latin typeface="Arial"/>
+              </a:defRPr>
+            </a:pPr>
+            <a:r>
+              <a:t>Why? Handles mixed features/sparsity best on small data.</a:t>
             </a:r>
           </a:p>
           <a:p>
             <a:pPr>
-              <a:defRPr sz="1800"/>
-            </a:pPr>
-            <a:r>
-              <a:t>Runner Up : GRU</a:t>
-            </a:r>
-          </a:p>
-          <a:p>
-            <a:pPr lvl="1">
-              <a:defRPr sz="1800"/>
-            </a:pPr>
-            <a:r>
-              <a:t>ROC-AUC : 0.713. Capture le signal temporel mais limité par la taille des données.</a:t>
+              <a:defRPr sz="1800">
+                <a:latin typeface="Arial"/>
+              </a:defRPr>
+            </a:pPr>
+            <a:r>
+              <a:t>Runner Up: GRU</a:t>
+            </a:r>
+          </a:p>
+          <a:p>
+            <a:pPr lvl="1">
+              <a:defRPr sz="1800">
+                <a:latin typeface="Arial"/>
+              </a:defRPr>
+            </a:pPr>
+            <a:r>
+              <a:t>ROC-AUC: 0.713. Captures temporal patterns well.</a:t>
             </a:r>
           </a:p>
           <a:p>
             <a:pPr>
-              <a:defRPr sz="1800"/>
-            </a:pPr>
-            <a:r>
-              <a:t>Baseline :</a:t>
-            </a:r>
-          </a:p>
-          <a:p>
-            <a:pPr lvl="1">
-              <a:defRPr sz="1800"/>
-            </a:pPr>
-            <a:r>
-              <a:t>Transformer (0.711) - Bon potentiel mais nécessite plus de données.</a:t>
-            </a:r>
-          </a:p>
-          <a:p>
-            <a:pPr lvl="1">
-              <a:defRPr sz="1800"/>
-            </a:pPr>
-            <a:r>
-              <a:t>Logistic Regression (0.684).</a:t>
+              <a:defRPr sz="1800">
+                <a:latin typeface="Arial"/>
+              </a:defRPr>
+            </a:pPr>
+            <a:r>
+              <a:t>Baselines:</a:t>
+            </a:r>
+          </a:p>
+          <a:p>
+            <a:pPr lvl="1">
+              <a:defRPr sz="1800">
+                <a:latin typeface="Arial"/>
+              </a:defRPr>
+            </a:pPr>
+            <a:r>
+              <a:t>Transformer (0.711) - Comparable to GRU.</a:t>
+            </a:r>
+          </a:p>
+          <a:p>
+            <a:pPr lvl="1">
+              <a:defRPr sz="1800">
+                <a:latin typeface="Arial"/>
+              </a:defRPr>
+            </a:pPr>
+            <a:r>
+              <a:t>Logistic Regression (0.684) - Limited linearity.</a:t>
+            </a:r>
+          </a:p>
+          <a:p>
+            <a:pPr lvl="1">
+              <a:defRPr sz="1800">
+                <a:latin typeface="Arial"/>
+              </a:defRPr>
+            </a:pPr>
+            <a:r>
+              <a:t>XGBoost (0.671) - Underperformed LightGBM here.</a:t>
             </a:r>
           </a:p>
           <a:p>
             <a:pPr>
-              <a:defRPr sz="1800"/>
-            </a:pPr>
-            <a:r>
-              <a:t>Conclusion : LightGBM gère mieux les données tabulaires haute dimension.</a:t>
+              <a:defRPr sz="1800">
+                <a:latin typeface="Arial"/>
+              </a:defRPr>
+            </a:pPr>
+            <a:r>
+              <a:t>Conclusion: LightGBM is robust, fast, and most accurate.</a:t>
             </a:r>
           </a:p>
         </p:txBody>
@@ -3769,8 +4032,8 @@
         </p:blipFill>
         <p:spPr>
           <a:xfrm>
-            <a:off x="5029200" y="1828800"/>
-            <a:ext cx="12344400" cy="4114800"/>
+            <a:off x="5029200" y="2286000"/>
+            <a:ext cx="9601200" cy="3200400"/>
           </a:xfrm>
           <a:prstGeom prst="rect">
             <a:avLst/>
@@ -3810,8 +4073,16 @@
           <a:bodyPr/>
           <a:lstStyle/>
           <a:p>
-            <a:r>
-              <a:t>Optimisation &amp; Dynamique d'Entraînement</a:t>
+            <a:pPr>
+              <a:defRPr>
+                <a:solidFill>
+                  <a:srgbClr val="003366"/>
+                </a:solidFill>
+                <a:latin typeface="Arial"/>
+              </a:defRPr>
+            </a:pPr>
+            <a:r>
+              <a:t>Optimization &amp; Training Insights</a:t>
             </a:r>
           </a:p>
         </p:txBody>
@@ -3837,58 +4108,72 @@
           <a:p/>
           <a:p>
             <a:pPr>
-              <a:defRPr sz="1800"/>
-            </a:pPr>
-            <a:r>
-              <a:t>LightGBM (Optuna) :</a:t>
-            </a:r>
-          </a:p>
-          <a:p>
-            <a:pPr lvl="1">
-              <a:defRPr sz="1800"/>
-            </a:pPr>
-            <a:r>
-              <a:t>Recherche efficace (50 essais).</a:t>
-            </a:r>
-          </a:p>
-          <a:p>
-            <a:pPr lvl="1">
-              <a:defRPr sz="1800"/>
-            </a:pPr>
-            <a:r>
-              <a:t>Convergence vers paramètres robustes (n_est=318, lr=0.018).</a:t>
+              <a:defRPr sz="1800">
+                <a:latin typeface="Arial"/>
+              </a:defRPr>
+            </a:pPr>
+            <a:r>
+              <a:t>LightGBM (Optuna):</a:t>
+            </a:r>
+          </a:p>
+          <a:p>
+            <a:pPr lvl="1">
+              <a:defRPr sz="1800">
+                <a:latin typeface="Arial"/>
+              </a:defRPr>
+            </a:pPr>
+            <a:r>
+              <a:t>Efficient search (50 trials).</a:t>
+            </a:r>
+          </a:p>
+          <a:p>
+            <a:pPr lvl="1">
+              <a:defRPr sz="1800">
+                <a:latin typeface="Arial"/>
+              </a:defRPr>
+            </a:pPr>
+            <a:r>
+              <a:t>Converged to robust params (n_est=318, lr=0.018).</a:t>
             </a:r>
           </a:p>
           <a:p>
             <a:pPr>
-              <a:defRPr sz="1800"/>
-            </a:pPr>
-            <a:r>
-              <a:t>Dynamique Deep Learning :</a:t>
-            </a:r>
-          </a:p>
-          <a:p>
-            <a:pPr lvl="1">
-              <a:defRPr sz="1800"/>
-            </a:pPr>
-            <a:r>
-              <a:t>GRU : Bonne baisse de loss training, mais validation instable.</a:t>
-            </a:r>
-          </a:p>
-          <a:p>
-            <a:pPr lvl="1">
-              <a:defRPr sz="1800"/>
-            </a:pPr>
-            <a:r>
-              <a:t>Transformer : Signes d'overfitting (Écart train/val).</a:t>
-            </a:r>
-          </a:p>
-          <a:p>
-            <a:pPr lvl="1">
-              <a:defRPr sz="1800"/>
-            </a:pPr>
-            <a:r>
-              <a:t>Leçon : Les modèles profonds nécessitent plus de données (10k+) pour battre les arbres ici.</a:t>
+              <a:defRPr sz="1800">
+                <a:latin typeface="Arial"/>
+              </a:defRPr>
+            </a:pPr>
+            <a:r>
+              <a:t>Deep Learning Dynamics:</a:t>
+            </a:r>
+          </a:p>
+          <a:p>
+            <a:pPr lvl="1">
+              <a:defRPr sz="1800">
+                <a:latin typeface="Arial"/>
+              </a:defRPr>
+            </a:pPr>
+            <a:r>
+              <a:t>GRU: Steady loss decrease, slight validation instability.</a:t>
+            </a:r>
+          </a:p>
+          <a:p>
+            <a:pPr lvl="1">
+              <a:defRPr sz="1800">
+                <a:latin typeface="Arial"/>
+              </a:defRPr>
+            </a:pPr>
+            <a:r>
+              <a:t>Transformer: improved but still data-hungry.</a:t>
+            </a:r>
+          </a:p>
+          <a:p>
+            <a:pPr lvl="1">
+              <a:defRPr sz="1800">
+                <a:latin typeface="Arial"/>
+              </a:defRPr>
+            </a:pPr>
+            <a:r>
+              <a:t>Takeaway: Deep Learning needs more than 400 samples to truly shine.</a:t>
             </a:r>
           </a:p>
         </p:txBody>
@@ -3950,8 +4235,16 @@
           <a:bodyPr/>
           <a:lstStyle/>
           <a:p>
-            <a:r>
-              <a:t>Importance des Features &amp; Signaux</a:t>
+            <a:pPr>
+              <a:defRPr>
+                <a:solidFill>
+                  <a:srgbClr val="003366"/>
+                </a:solidFill>
+                <a:latin typeface="Arial"/>
+              </a:defRPr>
+            </a:pPr>
+            <a:r>
+              <a:t>Feature Importance &amp; Insights</a:t>
             </a:r>
           </a:p>
         </p:txBody>
@@ -3977,66 +4270,82 @@
           <a:p/>
           <a:p>
             <a:pPr>
-              <a:defRPr sz="1800"/>
-            </a:pPr>
-            <a:r>
-              <a:t>Meilleurs Prédicteurs (LightGBM/XGBoost) :</a:t>
-            </a:r>
-          </a:p>
-          <a:p>
-            <a:pPr lvl="1">
-              <a:defRPr sz="1800"/>
-            </a:pPr>
-            <a:r>
-              <a:t>company_age : Les entreprises plus anciennes/stables convertissent mieux.</a:t>
-            </a:r>
-          </a:p>
-          <a:p>
-            <a:pPr lvl="1">
-              <a:defRPr sz="1800"/>
-            </a:pPr>
-            <a:r>
-              <a:t>naf_code : Certains secteurs ont une affinité plus forte.</a:t>
-            </a:r>
-          </a:p>
-          <a:p>
-            <a:pPr lvl="1">
-              <a:defRPr sz="1800"/>
-            </a:pPr>
-            <a:r>
-              <a:t>nb_client_invoices_created_sum : L'usage actif (Facturation) est le signal #1.</a:t>
+              <a:defRPr sz="1800">
+                <a:latin typeface="Arial"/>
+              </a:defRPr>
+            </a:pPr>
+            <a:r>
+              <a:t>Top Predictors:</a:t>
+            </a:r>
+          </a:p>
+          <a:p>
+            <a:pPr lvl="1">
+              <a:defRPr sz="1800">
+                <a:latin typeface="Arial"/>
+              </a:defRPr>
+            </a:pPr>
+            <a:r>
+              <a:t>company_age: Older/stable firms convert more.</a:t>
+            </a:r>
+          </a:p>
+          <a:p>
+            <a:pPr lvl="1">
+              <a:defRPr sz="1800">
+                <a:latin typeface="Arial"/>
+              </a:defRPr>
+            </a:pPr>
+            <a:r>
+              <a:t>naf_code: Specific industries have higher affinity.</a:t>
+            </a:r>
+          </a:p>
+          <a:p>
+            <a:pPr lvl="1">
+              <a:defRPr sz="1800">
+                <a:latin typeface="Arial"/>
+              </a:defRPr>
+            </a:pPr>
+            <a:r>
+              <a:t>nb_client_invoices_created_sum: Usage (Invoicing) is the #1 signal.</a:t>
             </a:r>
           </a:p>
           <a:p>
             <a:pPr>
-              <a:defRPr sz="1800"/>
-            </a:pPr>
-            <a:r>
-              <a:t>Insights :</a:t>
-            </a:r>
-          </a:p>
-          <a:p>
-            <a:pPr lvl="1">
-              <a:defRPr sz="1800"/>
-            </a:pPr>
-            <a:r>
-              <a:t>L'Activation compte : Facturer ou connecter une banque tôt garantit la conversion.</a:t>
-            </a:r>
-          </a:p>
-          <a:p>
-            <a:pPr lvl="1">
-              <a:defRPr sz="1800"/>
-            </a:pPr>
-            <a:r>
-              <a:t>Alerte 'Faible Activité' : &lt; 2 connexions mobiles au Jour 3 = Risque x3.</a:t>
-            </a:r>
-          </a:p>
-          <a:p>
-            <a:pPr lvl="1">
-              <a:defRPr sz="1800"/>
-            </a:pPr>
-            <a:r>
-              <a:t>Ciblage : Concentrer le CX sur les TPEs avec faible activité précoce.</a:t>
+              <a:defRPr sz="1800">
+                <a:latin typeface="Arial"/>
+              </a:defRPr>
+            </a:pPr>
+            <a:r>
+              <a:t>Actionable Insights:</a:t>
+            </a:r>
+          </a:p>
+          <a:p>
+            <a:pPr lvl="1">
+              <a:defRPr sz="1800">
+                <a:latin typeface="Arial"/>
+              </a:defRPr>
+            </a:pPr>
+            <a:r>
+              <a:t>Activation Matters: Early usage (Day 1-3) is critical.</a:t>
+            </a:r>
+          </a:p>
+          <a:p>
+            <a:pPr lvl="1">
+              <a:defRPr sz="1800">
+                <a:latin typeface="Arial"/>
+              </a:defRPr>
+            </a:pPr>
+            <a:r>
+              <a:t>'Low Activity' Alert: &lt; 2 connections by Day 3 = 3x Churn Risk.</a:t>
+            </a:r>
+          </a:p>
+          <a:p>
+            <a:pPr lvl="1">
+              <a:defRPr sz="1800">
+                <a:latin typeface="Arial"/>
+              </a:defRPr>
+            </a:pPr>
+            <a:r>
+              <a:t>Targeting: Focus CX on TPEs with low early activity.</a:t>
             </a:r>
           </a:p>
         </p:txBody>
@@ -4098,8 +4407,16 @@
           <a:bodyPr/>
           <a:lstStyle/>
           <a:p>
-            <a:r>
-              <a:t>Limitations &amp; Améliorations</a:t>
+            <a:pPr>
+              <a:defRPr>
+                <a:solidFill>
+                  <a:srgbClr val="003366"/>
+                </a:solidFill>
+                <a:latin typeface="Arial"/>
+              </a:defRPr>
+            </a:pPr>
+            <a:r>
+              <a:t>Business Impact &amp; Recommendations</a:t>
             </a:r>
           </a:p>
         </p:txBody>
@@ -4121,58 +4438,82 @@
           <a:p/>
           <a:p>
             <a:pPr>
-              <a:defRPr sz="1800"/>
-            </a:pPr>
-            <a:r>
-              <a:t>Limitations :</a:t>
-            </a:r>
-          </a:p>
-          <a:p>
-            <a:pPr lvl="1">
-              <a:defRPr sz="1800"/>
-            </a:pPr>
-            <a:r>
-              <a:t>Faible Volume de Données : Seulement 416 essais complets. Limite le Deep Learning.</a:t>
-            </a:r>
-          </a:p>
-          <a:p>
-            <a:pPr lvl="1">
-              <a:defRPr sz="1800"/>
-            </a:pPr>
-            <a:r>
-              <a:t>Données Internes Uniquement : Pas de données économiques externes.</a:t>
+              <a:defRPr sz="1800">
+                <a:latin typeface="Arial"/>
+              </a:defRPr>
+            </a:pPr>
+            <a:r>
+              <a:t>Estimated Impact:</a:t>
+            </a:r>
+          </a:p>
+          <a:p>
+            <a:pPr lvl="1">
+              <a:defRPr sz="1800">
+                <a:latin typeface="Arial"/>
+              </a:defRPr>
+            </a:pPr>
+            <a:r>
+              <a:t>Target: ~400 trials/month.</a:t>
+            </a:r>
+          </a:p>
+          <a:p>
+            <a:pPr lvl="1">
+              <a:defRPr sz="1800">
+                <a:latin typeface="Arial"/>
+              </a:defRPr>
+            </a:pPr>
+            <a:r>
+              <a:t>Lift: +5-8% conversion via targeted intervention.</a:t>
+            </a:r>
+          </a:p>
+          <a:p>
+            <a:pPr lvl="1">
+              <a:defRPr sz="1800">
+                <a:latin typeface="Arial"/>
+              </a:defRPr>
+            </a:pPr>
+            <a:r>
+              <a:t>Value: +€600k-€960k ARR (assuming €3k LTV).</a:t>
             </a:r>
           </a:p>
           <a:p>
             <a:pPr>
-              <a:defRPr sz="1800"/>
-            </a:pPr>
-            <a:r>
-              <a:t>Améliorations Futures :</a:t>
-            </a:r>
-          </a:p>
-          <a:p>
-            <a:pPr lvl="1">
-              <a:defRPr sz="1800"/>
-            </a:pPr>
-            <a:r>
-              <a:t>Ensemble Hybride : Combiner LightGBM + GRU (Testé, gain marginal actuellement).</a:t>
-            </a:r>
-          </a:p>
-          <a:p>
-            <a:pPr lvl="1">
-              <a:defRPr sz="1800"/>
-            </a:pPr>
-            <a:r>
-              <a:t>Causal ML : Modéliser l'Uplift des appels CX.</a:t>
-            </a:r>
-          </a:p>
-          <a:p>
-            <a:pPr lvl="1">
-              <a:defRPr sz="1800"/>
-            </a:pPr>
-            <a:r>
-              <a:t>Monitoring : Ré-entraîner mensuellement pour détecter la dérive (Drift).</a:t>
+              <a:defRPr sz="1800">
+                <a:latin typeface="Arial"/>
+              </a:defRPr>
+            </a:pPr>
+            <a:r>
+              <a:t>Recommendations:</a:t>
+            </a:r>
+          </a:p>
+          <a:p>
+            <a:pPr lvl="1">
+              <a:defRPr sz="1800">
+                <a:latin typeface="Arial"/>
+              </a:defRPr>
+            </a:pPr>
+            <a:r>
+              <a:t>Day 1-3: Automated nudges for bank connection/invoicing.</a:t>
+            </a:r>
+          </a:p>
+          <a:p>
+            <a:pPr lvl="1">
+              <a:defRPr sz="1800">
+                <a:latin typeface="Arial"/>
+              </a:defRPr>
+            </a:pPr>
+            <a:r>
+              <a:t>Day 7-10: Human CX call if Churn Prob &gt; 60%.</a:t>
+            </a:r>
+          </a:p>
+          <a:p>
+            <a:pPr lvl="1">
+              <a:defRPr sz="1800">
+                <a:latin typeface="Arial"/>
+              </a:defRPr>
+            </a:pPr>
+            <a:r>
+              <a:t>Deployment: A/B Test interventions to measure real uplift.</a:t>
             </a:r>
           </a:p>
         </p:txBody>
@@ -4210,8 +4551,16 @@
           <a:bodyPr/>
           <a:lstStyle/>
           <a:p>
-            <a:r>
-              <a:t>Conclusion &amp; Prochaines Étapes</a:t>
+            <a:pPr>
+              <a:defRPr>
+                <a:solidFill>
+                  <a:srgbClr val="003366"/>
+                </a:solidFill>
+                <a:latin typeface="Arial"/>
+              </a:defRPr>
+            </a:pPr>
+            <a:r>
+              <a:t>Limitations &amp; Improvements</a:t>
             </a:r>
           </a:p>
         </p:txBody>
@@ -4233,74 +4582,72 @@
           <a:p/>
           <a:p>
             <a:pPr>
-              <a:defRPr sz="1800"/>
-            </a:pPr>
-            <a:r>
-              <a:t>Résumé :</a:t>
-            </a:r>
-          </a:p>
-          <a:p>
-            <a:pPr lvl="1">
-              <a:defRPr sz="1800"/>
-            </a:pPr>
-            <a:r>
-              <a:t>Modèle robuste construit (AUC ~0.80).</a:t>
-            </a:r>
-          </a:p>
-          <a:p>
-            <a:pPr lvl="1">
-              <a:defRPr sz="1800"/>
-            </a:pPr>
-            <a:r>
-              <a:t>Signaux d'activation clés identifiés (Factures, Mobile, Connexion Bancaire).</a:t>
+              <a:defRPr sz="1800">
+                <a:latin typeface="Arial"/>
+              </a:defRPr>
+            </a:pPr>
+            <a:r>
+              <a:t>Limitations:</a:t>
+            </a:r>
+          </a:p>
+          <a:p>
+            <a:pPr lvl="1">
+              <a:defRPr sz="1800">
+                <a:latin typeface="Arial"/>
+              </a:defRPr>
+            </a:pPr>
+            <a:r>
+              <a:t>Small Dataset: ~416 trials limits Deep Learning potential.</a:t>
+            </a:r>
+          </a:p>
+          <a:p>
+            <a:pPr lvl="1">
+              <a:defRPr sz="1800">
+                <a:latin typeface="Arial"/>
+              </a:defRPr>
+            </a:pPr>
+            <a:r>
+              <a:t>External Factors: No data on economic context/seasonality.</a:t>
             </a:r>
           </a:p>
           <a:p>
             <a:pPr>
-              <a:defRPr sz="1800"/>
-            </a:pPr>
-            <a:r>
-              <a:t>Résultats :</a:t>
-            </a:r>
-          </a:p>
-          <a:p>
-            <a:pPr lvl="1">
-              <a:defRPr sz="1800"/>
-            </a:pPr>
-            <a:r>
-              <a:t>Potentiel de +5-8% de conversion via intervention ciblée.</a:t>
-            </a:r>
-          </a:p>
-          <a:p>
-            <a:pPr>
-              <a:defRPr sz="1800"/>
-            </a:pPr>
-            <a:r>
-              <a:t>Prochaines Étapes :</a:t>
-            </a:r>
-          </a:p>
-          <a:p>
-            <a:pPr>
-              <a:defRPr sz="1800"/>
-            </a:pPr>
-            <a:r>
-              <a:t>   1. Déployer l'API de Scoring (FastAPI/Gradio).</a:t>
-            </a:r>
-          </a:p>
-          <a:p>
-            <a:pPr>
-              <a:defRPr sz="1800"/>
-            </a:pPr>
-            <a:r>
-              <a:t>   2. A/B Test des actions CX sur les utilisateurs 'À Risque' (Prob &lt; 0.45).</a:t>
-            </a:r>
-          </a:p>
-          <a:p>
-            <a:pPr>
-              <a:defRPr sz="1800"/>
-            </a:pPr>
-            <a:r>
-              <a:t>   3. Monitorer la performance en production.</a:t>
+              <a:defRPr sz="1800">
+                <a:latin typeface="Arial"/>
+              </a:defRPr>
+            </a:pPr>
+            <a:r>
+              <a:t>Future Improvements:</a:t>
+            </a:r>
+          </a:p>
+          <a:p>
+            <a:pPr lvl="1">
+              <a:defRPr sz="1800">
+                <a:latin typeface="Arial"/>
+              </a:defRPr>
+            </a:pPr>
+            <a:r>
+              <a:t>Hybrid Ensemble: Combine LightGBM (Tabular) + GRU (Sequential).</a:t>
+            </a:r>
+          </a:p>
+          <a:p>
+            <a:pPr lvl="1">
+              <a:defRPr sz="1800">
+                <a:latin typeface="Arial"/>
+              </a:defRPr>
+            </a:pPr>
+            <a:r>
+              <a:t>Causal ML: Model 'uplift' (Persuadables vs Do-not-disturb).</a:t>
+            </a:r>
+          </a:p>
+          <a:p>
+            <a:pPr lvl="1">
+              <a:defRPr sz="1800">
+                <a:latin typeface="Arial"/>
+              </a:defRPr>
+            </a:pPr>
+            <a:r>
+              <a:t>Retraining: Monthly updates to handle concept drift.</a:t>
             </a:r>
           </a:p>
         </p:txBody>

--- a/Presentations_Resultats_Projet.pptx
+++ b/Presentations_Resultats_Projet.pptx
@@ -3314,6 +3314,26 @@
               <a:t>   3. Monitor Performance (MLflow) &amp; Collect more data.</a:t>
             </a:r>
           </a:p>
+          <a:p>
+            <a:pPr>
+              <a:defRPr sz="1800">
+                <a:latin typeface="Arial"/>
+              </a:defRPr>
+            </a:pPr>
+            <a:r>
+              <a:t> </a:t>
+            </a:r>
+          </a:p>
+          <a:p>
+            <a:pPr>
+              <a:defRPr sz="1800">
+                <a:latin typeface="Arial"/>
+              </a:defRPr>
+            </a:pPr>
+            <a:r>
+              <a:t>Thank You! Questions?</a:t>
+            </a:r>
+          </a:p>
         </p:txBody>
       </p:sp>
     </p:spTree>
@@ -3425,7 +3445,7 @@
               </a:defRPr>
             </a:pPr>
             <a:r>
-              <a:t>Identify precursor signals of cancellation/success.</a:t>
+              <a:t>Identify precursor signals of cancellation/success early.</a:t>
             </a:r>
           </a:p>
           <a:p>
@@ -3579,7 +3599,7 @@
               </a:defRPr>
             </a:pPr>
             <a:r>
-              <a:t>daily_usage.csv (~11k rows): Activity logs (transfers, connections). Aggregated to per-trial summaries (sum/mean/max/std).</a:t>
+              <a:t>daily_usage.csv (~11k rows): Activity logs (Transfers, Connections). Aggregated to per-trial summaries.</a:t>
             </a:r>
           </a:p>
           <a:p>
@@ -3609,7 +3629,7 @@
               </a:defRPr>
             </a:pPr>
             <a:r>
-              <a:t>Total Samples: 416 complete trials.</a:t>
+              <a:t>Total Samples: 416 complete trials (Filtered from ~500).</a:t>
             </a:r>
           </a:p>
           <a:p>
@@ -3639,17 +3659,17 @@
               </a:defRPr>
             </a:pPr>
             <a:r>
-              <a:t>Merged Usage + Subscriptions.</a:t>
-            </a:r>
-          </a:p>
-          <a:p>
-            <a:pPr lvl="1">
-              <a:defRPr sz="1800">
-                <a:latin typeface="Arial"/>
-              </a:defRPr>
-            </a:pPr>
-            <a:r>
-              <a:t>Handled Inactivity (NaN/Zero imputation).</a:t>
+              <a:t>Merged Usage + Subscriptions on 'subscription_id'.</a:t>
+            </a:r>
+          </a:p>
+          <a:p>
+            <a:pPr lvl="1">
+              <a:defRPr sz="1800">
+                <a:latin typeface="Arial"/>
+              </a:defRPr>
+            </a:pPr>
+            <a:r>
+              <a:t>Handled Inactivity (NaN/Zero imputation for missing days).</a:t>
             </a:r>
           </a:p>
           <a:p>
@@ -3743,17 +3763,17 @@
               </a:defRPr>
             </a:pPr>
             <a:r>
-              <a:t>Tabular Features (157 dims) for Tree-based models.</a:t>
-            </a:r>
-          </a:p>
-          <a:p>
-            <a:pPr lvl="1">
-              <a:defRPr sz="1800">
-                <a:latin typeface="Arial"/>
-              </a:defRPr>
-            </a:pPr>
-            <a:r>
-              <a:t>Sequential Data (15 days) for Deep Learning.</a:t>
+              <a:t>Tabular Features (157 dims): Sum/Mean/Max/Std of daily activities.</a:t>
+            </a:r>
+          </a:p>
+          <a:p>
+            <a:pPr lvl="1">
+              <a:defRPr sz="1800">
+                <a:latin typeface="Arial"/>
+              </a:defRPr>
+            </a:pPr>
+            <a:r>
+              <a:t>Sequential Data (15 days): Time-series for Deep Learning.</a:t>
             </a:r>
           </a:p>
           <a:p>
@@ -3813,7 +3833,7 @@
               </a:defRPr>
             </a:pPr>
             <a:r>
-              <a:t>ROC-AUC: Discrimination capability (Distinguish churners).</a:t>
+              <a:t>ROC-AUC: Discrimination capability (Primary Metric).</a:t>
             </a:r>
           </a:p>
           <a:p>
@@ -3921,7 +3941,17 @@
               </a:defRPr>
             </a:pPr>
             <a:r>
-              <a:t>ROC-AUC: 0.790 | PR-AUC: 0.835 | Accuracy: 72.3%</a:t>
+              <a:t>ROC-AUC: 0.790 (Best Discrimination)</a:t>
+            </a:r>
+          </a:p>
+          <a:p>
+            <a:pPr lvl="1">
+              <a:defRPr sz="1800">
+                <a:latin typeface="Arial"/>
+              </a:defRPr>
+            </a:pPr>
+            <a:r>
+              <a:t>PR-AUC: 0.835 | Accuracy: 72.3%</a:t>
             </a:r>
           </a:p>
           <a:p>
@@ -3951,7 +3981,7 @@
               </a:defRPr>
             </a:pPr>
             <a:r>
-              <a:t>Runner Up: GRU</a:t>
+              <a:t>Runner Up: GRU (RNN)</a:t>
             </a:r>
           </a:p>
           <a:p>
@@ -3995,16 +4025,6 @@
             </a:r>
           </a:p>
           <a:p>
-            <a:pPr lvl="1">
-              <a:defRPr sz="1800">
-                <a:latin typeface="Arial"/>
-              </a:defRPr>
-            </a:pPr>
-            <a:r>
-              <a:t>XGBoost (0.671) - Underperformed LightGBM here.</a:t>
-            </a:r>
-          </a:p>
-          <a:p>
             <a:pPr>
               <a:defRPr sz="1800">
                 <a:latin typeface="Arial"/>
@@ -4012,6 +4032,16 @@
             </a:pPr>
             <a:r>
               <a:t>Conclusion: LightGBM is robust, fast, and most accurate.</a:t>
+            </a:r>
+          </a:p>
+          <a:p>
+            <a:pPr>
+              <a:defRPr sz="1800">
+                <a:latin typeface="Arial"/>
+              </a:defRPr>
+            </a:pPr>
+            <a:r>
+              <a:t>   (See Bar Charts -&gt;)</a:t>
             </a:r>
           </a:p>
         </p:txBody>
@@ -4163,17 +4193,27 @@
               </a:defRPr>
             </a:pPr>
             <a:r>
-              <a:t>Transformer: improved but still data-hungry.</a:t>
-            </a:r>
-          </a:p>
-          <a:p>
-            <a:pPr lvl="1">
-              <a:defRPr sz="1800">
-                <a:latin typeface="Arial"/>
-              </a:defRPr>
-            </a:pPr>
-            <a:r>
-              <a:t>Takeaway: Deep Learning needs more than 400 samples to truly shine.</a:t>
+              <a:t>Transformer: Signs of overfitting (Train Loss &lt;&lt; Val Loss).</a:t>
+            </a:r>
+          </a:p>
+          <a:p>
+            <a:pPr lvl="1">
+              <a:defRPr sz="1800">
+                <a:latin typeface="Arial"/>
+              </a:defRPr>
+            </a:pPr>
+            <a:r>
+              <a:t>Takeaway: Deep Learning needs more than 400 samples to outperform Trees.</a:t>
+            </a:r>
+          </a:p>
+          <a:p>
+            <a:pPr>
+              <a:defRPr sz="1800">
+                <a:latin typeface="Arial"/>
+              </a:defRPr>
+            </a:pPr>
+            <a:r>
+              <a:t>   (See Optimization History -&gt;)</a:t>
             </a:r>
           </a:p>
         </p:txBody>
@@ -4305,7 +4345,7 @@
               </a:defRPr>
             </a:pPr>
             <a:r>
-              <a:t>nb_client_invoices_created_sum: Usage (Invoicing) is the #1 signal.</a:t>
+              <a:t>nb_client_invoices_created_sum: Active usage is the #1 signal.</a:t>
             </a:r>
           </a:p>
           <a:p>
@@ -4345,7 +4385,7 @@
               </a:defRPr>
             </a:pPr>
             <a:r>
-              <a:t>Targeting: Focus CX on TPEs with low early activity.</a:t>
+              <a:t>Targeting: Focus CX on TPEs with low early activity and high churn prob.</a:t>
             </a:r>
           </a:p>
         </p:txBody>
@@ -4473,7 +4513,7 @@
               </a:defRPr>
             </a:pPr>
             <a:r>
-              <a:t>Value: +€600k-€960k ARR (assuming €3k LTV).</a:t>
+              <a:t>Value Calc: 400 * 0.05 * €3k (LTV) = ~€60k/month -&gt; €720k/year.</a:t>
             </a:r>
           </a:p>
           <a:p>
@@ -4493,17 +4533,17 @@
               </a:defRPr>
             </a:pPr>
             <a:r>
-              <a:t>Day 1-3: Automated nudges for bank connection/invoicing.</a:t>
-            </a:r>
-          </a:p>
-          <a:p>
-            <a:pPr lvl="1">
-              <a:defRPr sz="1800">
-                <a:latin typeface="Arial"/>
-              </a:defRPr>
-            </a:pPr>
-            <a:r>
-              <a:t>Day 7-10: Human CX call if Churn Prob &gt; 60%.</a:t>
+              <a:t>Day 1-3 (Automated): Nudge users if 'nb_connections' &lt; 2.</a:t>
+            </a:r>
+          </a:p>
+          <a:p>
+            <a:pPr lvl="1">
+              <a:defRPr sz="1800">
+                <a:latin typeface="Arial"/>
+              </a:defRPr>
+            </a:pPr>
+            <a:r>
+              <a:t>Day 7-10 (Human): CX call if Churn Prob &gt; 60%.</a:t>
             </a:r>
           </a:p>
           <a:p>
@@ -4607,7 +4647,7 @@
               </a:defRPr>
             </a:pPr>
             <a:r>
-              <a:t>External Factors: No data on economic context/seasonality.</a:t>
+              <a:t>External Factors: No data on economic context or seasonality.</a:t>
             </a:r>
           </a:p>
           <a:p>
@@ -4647,7 +4687,7 @@
               </a:defRPr>
             </a:pPr>
             <a:r>
-              <a:t>Retraining: Monthly updates to handle concept drift.</a:t>
+              <a:t>Continuous Training: Retrain monthly to handle data drift.</a:t>
             </a:r>
           </a:p>
         </p:txBody>

--- a/Presentations_Resultats_Projet.pptx
+++ b/Presentations_Resultats_Projet.pptx
@@ -4127,18 +4127,14 @@
             <p:ph idx="1"/>
           </p:nvPr>
         </p:nvSpPr>
-        <p:spPr>
-          <a:xfrm>
-            <a:ext cx="4572000" cy="0"/>
-          </a:xfrm>
-        </p:spPr>
+        <p:spPr/>
         <p:txBody>
           <a:bodyPr/>
           <a:lstStyle/>
           <a:p/>
           <a:p>
             <a:pPr>
-              <a:defRPr sz="1800">
+              <a:defRPr sz="1600">
                 <a:latin typeface="Arial"/>
               </a:defRPr>
             </a:pPr>
@@ -4148,7 +4144,7 @@
           </a:p>
           <a:p>
             <a:pPr lvl="1">
-              <a:defRPr sz="1800">
+              <a:defRPr sz="1600">
                 <a:latin typeface="Arial"/>
               </a:defRPr>
             </a:pPr>
@@ -4158,7 +4154,7 @@
           </a:p>
           <a:p>
             <a:pPr lvl="1">
-              <a:defRPr sz="1800">
+              <a:defRPr sz="1600">
                 <a:latin typeface="Arial"/>
               </a:defRPr>
             </a:pPr>
@@ -4168,7 +4164,7 @@
           </a:p>
           <a:p>
             <a:pPr>
-              <a:defRPr sz="1800">
+              <a:defRPr sz="1600">
                 <a:latin typeface="Arial"/>
               </a:defRPr>
             </a:pPr>
@@ -4178,7 +4174,7 @@
           </a:p>
           <a:p>
             <a:pPr lvl="1">
-              <a:defRPr sz="1800">
+              <a:defRPr sz="1600">
                 <a:latin typeface="Arial"/>
               </a:defRPr>
             </a:pPr>
@@ -4188,7 +4184,7 @@
           </a:p>
           <a:p>
             <a:pPr lvl="1">
-              <a:defRPr sz="1800">
+              <a:defRPr sz="1600">
                 <a:latin typeface="Arial"/>
               </a:defRPr>
             </a:pPr>
@@ -4198,22 +4194,12 @@
           </a:p>
           <a:p>
             <a:pPr lvl="1">
-              <a:defRPr sz="1800">
+              <a:defRPr sz="1600">
                 <a:latin typeface="Arial"/>
               </a:defRPr>
             </a:pPr>
             <a:r>
               <a:t>Takeaway: Deep Learning needs more than 400 samples to outperform Trees.</a:t>
-            </a:r>
-          </a:p>
-          <a:p>
-            <a:pPr>
-              <a:defRPr sz="1800">
-                <a:latin typeface="Arial"/>
-              </a:defRPr>
-            </a:pPr>
-            <a:r>
-              <a:t>   (See Optimization History -&gt;)</a:t>
             </a:r>
           </a:p>
         </p:txBody>
@@ -4234,8 +4220,56 @@
         </p:blipFill>
         <p:spPr>
           <a:xfrm>
-            <a:off x="5029200" y="1828800"/>
-            <a:ext cx="6858000" cy="4114800"/>
+            <a:off x="5486400" y="1371600"/>
+            <a:ext cx="3810000" cy="2286000"/>
+          </a:xfrm>
+          <a:prstGeom prst="rect">
+            <a:avLst/>
+          </a:prstGeom>
+        </p:spPr>
+      </p:pic>
+      <p:pic>
+        <p:nvPicPr>
+          <p:cNvPr id="5" name="Picture 4" descr="gru_training_loss.png"/>
+          <p:cNvPicPr>
+            <a:picLocks noChangeAspect="1"/>
+          </p:cNvPicPr>
+          <p:nvPr/>
+        </p:nvPicPr>
+        <p:blipFill>
+          <a:blip r:embed="rId3"/>
+          <a:stretch>
+            <a:fillRect/>
+          </a:stretch>
+        </p:blipFill>
+        <p:spPr>
+          <a:xfrm>
+            <a:off x="457200" y="4114800"/>
+            <a:ext cx="3810000" cy="2286000"/>
+          </a:xfrm>
+          <a:prstGeom prst="rect">
+            <a:avLst/>
+          </a:prstGeom>
+        </p:spPr>
+      </p:pic>
+      <p:pic>
+        <p:nvPicPr>
+          <p:cNvPr id="6" name="Picture 5" descr="transformer_training_loss.png"/>
+          <p:cNvPicPr>
+            <a:picLocks noChangeAspect="1"/>
+          </p:cNvPicPr>
+          <p:nvPr/>
+        </p:nvPicPr>
+        <p:blipFill>
+          <a:blip r:embed="rId4"/>
+          <a:stretch>
+            <a:fillRect/>
+          </a:stretch>
+        </p:blipFill>
+        <p:spPr>
+          <a:xfrm>
+            <a:off x="5029200" y="4114800"/>
+            <a:ext cx="3810000" cy="2286000"/>
           </a:xfrm>
           <a:prstGeom prst="rect">
             <a:avLst/>

--- a/Presentations_Resultats_Projet.pptx
+++ b/Presentations_Resultats_Projet.pptx
@@ -3314,26 +3314,6 @@
               <a:t>   3. Monitor Performance (MLflow) &amp; Collect more data.</a:t>
             </a:r>
           </a:p>
-          <a:p>
-            <a:pPr>
-              <a:defRPr sz="1800">
-                <a:latin typeface="Arial"/>
-              </a:defRPr>
-            </a:pPr>
-            <a:r>
-              <a:t> </a:t>
-            </a:r>
-          </a:p>
-          <a:p>
-            <a:pPr>
-              <a:defRPr sz="1800">
-                <a:latin typeface="Arial"/>
-              </a:defRPr>
-            </a:pPr>
-            <a:r>
-              <a:t>Thank You! Questions?</a:t>
-            </a:r>
-          </a:p>
         </p:txBody>
       </p:sp>
     </p:spTree>
@@ -3488,36 +3468,6 @@
               <a:t>Build ML model for conversion probability prediction.</a:t>
             </a:r>
           </a:p>
-          <a:p>
-            <a:pPr>
-              <a:defRPr sz="1800">
-                <a:latin typeface="Arial"/>
-              </a:defRPr>
-            </a:pPr>
-            <a:r>
-              <a:t>Approach:</a:t>
-            </a:r>
-          </a:p>
-          <a:p>
-            <a:pPr lvl="1">
-              <a:defRPr sz="1800">
-                <a:latin typeface="Arial"/>
-              </a:defRPr>
-            </a:pPr>
-            <a:r>
-              <a:t>Usage Analysis (Activity signals) + Profile (Company info).</a:t>
-            </a:r>
-          </a:p>
-          <a:p>
-            <a:pPr lvl="1">
-              <a:defRPr sz="1800">
-                <a:latin typeface="Arial"/>
-              </a:defRPr>
-            </a:pPr>
-            <a:r>
-              <a:t>Focus on actionable insights, not just black-box predictions.</a:t>
-            </a:r>
-          </a:p>
         </p:txBody>
       </p:sp>
     </p:spTree>
@@ -3562,124 +3512,293 @@
               </a:defRPr>
             </a:pPr>
             <a:r>
-              <a:t>Data Overview</a:t>
-            </a:r>
-          </a:p>
-        </p:txBody>
-      </p:sp>
-      <p:sp>
-        <p:nvSpPr>
-          <p:cNvPr id="3" name="Content Placeholder 2"/>
-          <p:cNvSpPr>
-            <a:spLocks noGrp="1"/>
-          </p:cNvSpPr>
-          <p:nvPr>
-            <p:ph idx="1"/>
-          </p:nvPr>
-        </p:nvSpPr>
-        <p:spPr/>
-        <p:txBody>
-          <a:bodyPr/>
+              <a:t>Data Overview &amp; Preprocessing</a:t>
+            </a:r>
+          </a:p>
+        </p:txBody>
+      </p:sp>
+      <p:graphicFrame>
+        <p:nvGraphicFramePr>
+          <p:cNvPr id="3" name="Table 2"/>
+          <p:cNvGraphicFramePr>
+            <a:graphicFrameLocks noGrp="1"/>
+          </p:cNvGraphicFramePr>
+          <p:nvPr/>
+        </p:nvGraphicFramePr>
+        <p:xfrm>
+          <a:off x="914400" y="1371600"/>
+          <a:ext cx="7315200" cy="1371600"/>
+        </p:xfrm>
+        <a:graphic>
+          <a:graphicData uri="http://schemas.openxmlformats.org/drawingml/2006/table">
+            <a:tbl>
+              <a:tblPr firstRow="1" bandRow="1">
+                <a:tableStyleId>{5C22544A-7EE6-4342-B048-85BDC9FD1C3A}</a:tableStyleId>
+              </a:tblPr>
+              <a:tblGrid>
+                <a:gridCol w="1828800"/>
+                <a:gridCol w="1828800"/>
+                <a:gridCol w="1828800"/>
+                <a:gridCol w="1828800"/>
+              </a:tblGrid>
+              <a:tr h="457200">
+                <a:tc>
+                  <a:txBody>
+                    <a:bodyPr/>
+                    <a:lstStyle/>
+                    <a:p>
+                      <a:pPr algn="ctr">
+                        <a:defRPr b="1">
+                          <a:solidFill>
+                            <a:srgbClr val="FFFFFF"/>
+                          </a:solidFill>
+                        </a:defRPr>
+                      </a:pPr>
+                      <a:r>
+                        <a:t>Dataset</a:t>
+                      </a:r>
+                    </a:p>
+                  </a:txBody>
+                  <a:tcPr>
+                    <a:solidFill>
+                      <a:srgbClr val="003366"/>
+                    </a:solidFill>
+                  </a:tcPr>
+                </a:tc>
+                <a:tc>
+                  <a:txBody>
+                    <a:bodyPr/>
+                    <a:lstStyle/>
+                    <a:p>
+                      <a:pPr algn="ctr">
+                        <a:defRPr b="1">
+                          <a:solidFill>
+                            <a:srgbClr val="FFFFFF"/>
+                          </a:solidFill>
+                        </a:defRPr>
+                      </a:pPr>
+                      <a:r>
+                        <a:t>Size</a:t>
+                      </a:r>
+                    </a:p>
+                  </a:txBody>
+                  <a:tcPr>
+                    <a:solidFill>
+                      <a:srgbClr val="003366"/>
+                    </a:solidFill>
+                  </a:tcPr>
+                </a:tc>
+                <a:tc>
+                  <a:txBody>
+                    <a:bodyPr/>
+                    <a:lstStyle/>
+                    <a:p>
+                      <a:pPr algn="ctr">
+                        <a:defRPr b="1">
+                          <a:solidFill>
+                            <a:srgbClr val="FFFFFF"/>
+                          </a:solidFill>
+                        </a:defRPr>
+                      </a:pPr>
+                      <a:r>
+                        <a:t>Description</a:t>
+                      </a:r>
+                    </a:p>
+                  </a:txBody>
+                  <a:tcPr>
+                    <a:solidFill>
+                      <a:srgbClr val="003366"/>
+                    </a:solidFill>
+                  </a:tcPr>
+                </a:tc>
+                <a:tc>
+                  <a:txBody>
+                    <a:bodyPr/>
+                    <a:lstStyle/>
+                    <a:p>
+                      <a:pPr algn="ctr">
+                        <a:defRPr b="1">
+                          <a:solidFill>
+                            <a:srgbClr val="FFFFFF"/>
+                          </a:solidFill>
+                        </a:defRPr>
+                      </a:pPr>
+                      <a:r>
+                        <a:t>Preprocessing</a:t>
+                      </a:r>
+                    </a:p>
+                  </a:txBody>
+                  <a:tcPr>
+                    <a:solidFill>
+                      <a:srgbClr val="003366"/>
+                    </a:solidFill>
+                  </a:tcPr>
+                </a:tc>
+              </a:tr>
+              <a:tr h="457200">
+                <a:tc>
+                  <a:txBody>
+                    <a:bodyPr/>
+                    <a:lstStyle/>
+                    <a:p>
+                      <a:pPr algn="ctr">
+                        <a:defRPr sz="1200"/>
+                      </a:pPr>
+                      <a:r>
+                        <a:t>Daily Usage</a:t>
+                      </a:r>
+                    </a:p>
+                  </a:txBody>
+                  <a:tcPr/>
+                </a:tc>
+                <a:tc>
+                  <a:txBody>
+                    <a:bodyPr/>
+                    <a:lstStyle/>
+                    <a:p>
+                      <a:pPr algn="ctr">
+                        <a:defRPr sz="1200"/>
+                      </a:pPr>
+                      <a:r>
+                        <a:t>~11k rows</a:t>
+                      </a:r>
+                    </a:p>
+                  </a:txBody>
+                  <a:tcPr/>
+                </a:tc>
+                <a:tc>
+                  <a:txBody>
+                    <a:bodyPr/>
+                    <a:lstStyle/>
+                    <a:p>
+                      <a:pPr algn="ctr">
+                        <a:defRPr sz="1200"/>
+                      </a:pPr>
+                      <a:r>
+                        <a:t>Activity logs (Transfers, Connections)</a:t>
+                      </a:r>
+                    </a:p>
+                  </a:txBody>
+                  <a:tcPr/>
+                </a:tc>
+                <a:tc>
+                  <a:txBody>
+                    <a:bodyPr/>
+                    <a:lstStyle/>
+                    <a:p>
+                      <a:pPr algn="ctr">
+                        <a:defRPr sz="1200"/>
+                      </a:pPr>
+                      <a:r>
+                        <a:t>Aggregated (Sum/Mean/Max/Std)</a:t>
+                      </a:r>
+                    </a:p>
+                  </a:txBody>
+                  <a:tcPr/>
+                </a:tc>
+              </a:tr>
+              <a:tr h="457200">
+                <a:tc>
+                  <a:txBody>
+                    <a:bodyPr/>
+                    <a:lstStyle/>
+                    <a:p>
+                      <a:pPr algn="ctr">
+                        <a:defRPr sz="1200"/>
+                      </a:pPr>
+                      <a:r>
+                        <a:t>Subscriptions</a:t>
+                      </a:r>
+                    </a:p>
+                  </a:txBody>
+                  <a:tcPr/>
+                </a:tc>
+                <a:tc>
+                  <a:txBody>
+                    <a:bodyPr/>
+                    <a:lstStyle/>
+                    <a:p>
+                      <a:pPr algn="ctr">
+                        <a:defRPr sz="1200"/>
+                      </a:pPr>
+                      <a:r>
+                        <a:t>416 trials</a:t>
+                      </a:r>
+                    </a:p>
+                  </a:txBody>
+                  <a:tcPr/>
+                </a:tc>
+                <a:tc>
+                  <a:txBody>
+                    <a:bodyPr/>
+                    <a:lstStyle/>
+                    <a:p>
+                      <a:pPr algn="ctr">
+                        <a:defRPr sz="1200"/>
+                      </a:pPr>
+                      <a:r>
+                        <a:t>Company Profile (Revenue, NAF)</a:t>
+                      </a:r>
+                    </a:p>
+                  </a:txBody>
+                  <a:tcPr/>
+                </a:tc>
+                <a:tc>
+                  <a:txBody>
+                    <a:bodyPr/>
+                    <a:lstStyle/>
+                    <a:p>
+                      <a:pPr algn="ctr">
+                        <a:defRPr sz="1200"/>
+                      </a:pPr>
+                      <a:r>
+                        <a:t>Merged, Imputed, OneHot Encoded</a:t>
+                      </a:r>
+                    </a:p>
+                  </a:txBody>
+                  <a:tcPr/>
+                </a:tc>
+              </a:tr>
+            </a:tbl>
+          </a:graphicData>
+        </a:graphic>
+      </p:graphicFrame>
+      <p:sp>
+        <p:nvSpPr>
+          <p:cNvPr id="4" name="TextBox 3"/>
+          <p:cNvSpPr txBox="1"/>
+          <p:nvPr/>
+        </p:nvSpPr>
+        <p:spPr>
+          <a:xfrm>
+            <a:off x="914400" y="2926080"/>
+            <a:ext cx="7315200" cy="914400"/>
+          </a:xfrm>
+          <a:prstGeom prst="rect">
+            <a:avLst/>
+          </a:prstGeom>
+          <a:noFill/>
+        </p:spPr>
+        <p:txBody>
+          <a:bodyPr wrap="none">
+            <a:spAutoFit/>
+          </a:bodyPr>
           <a:lstStyle/>
           <a:p/>
           <a:p>
             <a:pPr>
-              <a:defRPr sz="1800">
-                <a:latin typeface="Arial"/>
-              </a:defRPr>
-            </a:pPr>
-            <a:r>
-              <a:t>Datasets:</a:t>
-            </a:r>
-          </a:p>
-          <a:p>
-            <a:pPr lvl="1">
-              <a:defRPr sz="1800">
-                <a:latin typeface="Arial"/>
-              </a:defRPr>
-            </a:pPr>
-            <a:r>
-              <a:t>daily_usage.csv (~11k rows): Activity logs (Transfers, Connections). Aggregated to per-trial summaries.</a:t>
-            </a:r>
-          </a:p>
-          <a:p>
-            <a:pPr lvl="1">
-              <a:defRPr sz="1800">
-                <a:latin typeface="Arial"/>
-              </a:defRPr>
-            </a:pPr>
-            <a:r>
-              <a:t>subscriptions.csv (~416 trials): Company info (Revenue, NAF). Filtered to exact 15-day trials.</a:t>
+              <a:defRPr sz="1400" i="1"/>
+            </a:pPr>
+            <a:r>
+              <a:t>Key Stats: Total Samples: 416 complete trials.</a:t>
             </a:r>
           </a:p>
           <a:p>
             <a:pPr>
-              <a:defRPr sz="1800">
-                <a:latin typeface="Arial"/>
-              </a:defRPr>
-            </a:pPr>
-            <a:r>
-              <a:t>Key Stats:</a:t>
-            </a:r>
-          </a:p>
-          <a:p>
-            <a:pPr lvl="1">
-              <a:defRPr sz="1800">
-                <a:latin typeface="Arial"/>
-              </a:defRPr>
-            </a:pPr>
-            <a:r>
-              <a:t>Total Samples: 416 complete trials (Filtered from ~500).</a:t>
-            </a:r>
-          </a:p>
-          <a:p>
-            <a:pPr lvl="1">
-              <a:defRPr sz="1800">
-                <a:latin typeface="Arial"/>
-              </a:defRPr>
+              <a:defRPr sz="1400" i="1"/>
             </a:pPr>
             <a:r>
               <a:t>Conversion Rate: 60.7% (Imbalanced but manageable).</a:t>
-            </a:r>
-          </a:p>
-          <a:p>
-            <a:pPr>
-              <a:defRPr sz="1800">
-                <a:latin typeface="Arial"/>
-              </a:defRPr>
-            </a:pPr>
-            <a:r>
-              <a:t>Preprocessing:</a:t>
-            </a:r>
-          </a:p>
-          <a:p>
-            <a:pPr lvl="1">
-              <a:defRPr sz="1800">
-                <a:latin typeface="Arial"/>
-              </a:defRPr>
-            </a:pPr>
-            <a:r>
-              <a:t>Merged Usage + Subscriptions on 'subscription_id'.</a:t>
-            </a:r>
-          </a:p>
-          <a:p>
-            <a:pPr lvl="1">
-              <a:defRPr sz="1800">
-                <a:latin typeface="Arial"/>
-              </a:defRPr>
-            </a:pPr>
-            <a:r>
-              <a:t>Handled Inactivity (NaN/Zero imputation for missing days).</a:t>
-            </a:r>
-          </a:p>
-          <a:p>
-            <a:pPr lvl="1">
-              <a:defRPr sz="1800">
-                <a:latin typeface="Arial"/>
-              </a:defRPr>
-            </a:pPr>
-            <a:r>
-              <a:t>Encoding: OneHot (Categorical) &amp; Robust Scaling (Numerical).</a:t>
             </a:r>
           </a:p>
         </p:txBody>
@@ -3763,7 +3882,7 @@
               </a:defRPr>
             </a:pPr>
             <a:r>
-              <a:t>Tabular Features (157 dims): Sum/Mean/Max/Std of daily activities.</a:t>
+              <a:t>Tabular Features (157 dims) for Tree-based models.</a:t>
             </a:r>
           </a:p>
           <a:p>
@@ -3773,7 +3892,7 @@
               </a:defRPr>
             </a:pPr>
             <a:r>
-              <a:t>Sequential Data (15 days): Time-series for Deep Learning.</a:t>
+              <a:t>Sequential Data (15 days) for Deep Learning.</a:t>
             </a:r>
           </a:p>
           <a:p>
@@ -3844,16 +3963,6 @@
             </a:pPr>
             <a:r>
               <a:t>PR-AUC: Precision-Recall (Critical for imbalance).</a:t>
-            </a:r>
-          </a:p>
-          <a:p>
-            <a:pPr lvl="1">
-              <a:defRPr sz="1800">
-                <a:latin typeface="Arial"/>
-              </a:defRPr>
-            </a:pPr>
-            <a:r>
-              <a:t>Brier Score: Probability calibration accuracy.</a:t>
             </a:r>
           </a:p>
         </p:txBody>
@@ -3905,147 +4014,537 @@
           </a:p>
         </p:txBody>
       </p:sp>
-      <p:sp>
-        <p:nvSpPr>
-          <p:cNvPr id="3" name="Content Placeholder 2"/>
-          <p:cNvSpPr>
-            <a:spLocks noGrp="1"/>
-          </p:cNvSpPr>
-          <p:nvPr>
-            <p:ph idx="1"/>
-          </p:nvPr>
-        </p:nvSpPr>
-        <p:spPr>
-          <a:xfrm>
-            <a:ext cx="4572000" cy="0"/>
-          </a:xfrm>
-        </p:spPr>
-        <p:txBody>
-          <a:bodyPr/>
-          <a:lstStyle/>
-          <a:p/>
-          <a:p>
-            <a:pPr>
-              <a:defRPr sz="1800">
-                <a:latin typeface="Arial"/>
-              </a:defRPr>
-            </a:pPr>
-            <a:r>
-              <a:t>Winner: LightGBM</a:t>
-            </a:r>
-          </a:p>
-          <a:p>
-            <a:pPr lvl="1">
-              <a:defRPr sz="1800">
-                <a:latin typeface="Arial"/>
-              </a:defRPr>
-            </a:pPr>
-            <a:r>
-              <a:t>ROC-AUC: 0.790 (Best Discrimination)</a:t>
-            </a:r>
-          </a:p>
-          <a:p>
-            <a:pPr lvl="1">
-              <a:defRPr sz="1800">
-                <a:latin typeface="Arial"/>
-              </a:defRPr>
-            </a:pPr>
-            <a:r>
-              <a:t>PR-AUC: 0.835 | Accuracy: 72.3%</a:t>
-            </a:r>
-          </a:p>
-          <a:p>
-            <a:pPr lvl="1">
-              <a:defRPr sz="1800">
-                <a:latin typeface="Arial"/>
-              </a:defRPr>
-            </a:pPr>
-            <a:r>
-              <a:t>Brier: 0.193 (Best Calibration)</a:t>
-            </a:r>
-          </a:p>
-          <a:p>
-            <a:pPr lvl="1">
-              <a:defRPr sz="1800">
-                <a:latin typeface="Arial"/>
-              </a:defRPr>
-            </a:pPr>
-            <a:r>
-              <a:t>Why? Handles mixed features/sparsity best on small data.</a:t>
-            </a:r>
-          </a:p>
-          <a:p>
-            <a:pPr>
-              <a:defRPr sz="1800">
-                <a:latin typeface="Arial"/>
-              </a:defRPr>
-            </a:pPr>
-            <a:r>
-              <a:t>Runner Up: GRU (RNN)</a:t>
-            </a:r>
-          </a:p>
-          <a:p>
-            <a:pPr lvl="1">
-              <a:defRPr sz="1800">
-                <a:latin typeface="Arial"/>
-              </a:defRPr>
-            </a:pPr>
-            <a:r>
-              <a:t>ROC-AUC: 0.713. Captures temporal patterns well.</a:t>
-            </a:r>
-          </a:p>
-          <a:p>
-            <a:pPr>
-              <a:defRPr sz="1800">
-                <a:latin typeface="Arial"/>
-              </a:defRPr>
-            </a:pPr>
-            <a:r>
-              <a:t>Baselines:</a:t>
-            </a:r>
-          </a:p>
-          <a:p>
-            <a:pPr lvl="1">
-              <a:defRPr sz="1800">
-                <a:latin typeface="Arial"/>
-              </a:defRPr>
-            </a:pPr>
-            <a:r>
-              <a:t>Transformer (0.711) - Comparable to GRU.</a:t>
-            </a:r>
-          </a:p>
-          <a:p>
-            <a:pPr lvl="1">
-              <a:defRPr sz="1800">
-                <a:latin typeface="Arial"/>
-              </a:defRPr>
-            </a:pPr>
-            <a:r>
-              <a:t>Logistic Regression (0.684) - Limited linearity.</a:t>
-            </a:r>
-          </a:p>
-          <a:p>
-            <a:pPr>
-              <a:defRPr sz="1800">
-                <a:latin typeface="Arial"/>
-              </a:defRPr>
-            </a:pPr>
-            <a:r>
-              <a:t>Conclusion: LightGBM is robust, fast, and most accurate.</a:t>
-            </a:r>
-          </a:p>
-          <a:p>
-            <a:pPr>
-              <a:defRPr sz="1800">
-                <a:latin typeface="Arial"/>
-              </a:defRPr>
-            </a:pPr>
-            <a:r>
-              <a:t>   (See Bar Charts -&gt;)</a:t>
-            </a:r>
-          </a:p>
-        </p:txBody>
-      </p:sp>
+      <p:graphicFrame>
+        <p:nvGraphicFramePr>
+          <p:cNvPr id="3" name="Table 2"/>
+          <p:cNvGraphicFramePr>
+            <a:graphicFrameLocks noGrp="1"/>
+          </p:cNvGraphicFramePr>
+          <p:nvPr/>
+        </p:nvGraphicFramePr>
+        <p:xfrm>
+          <a:off x="914400" y="1371600"/>
+          <a:ext cx="7315200" cy="1828800"/>
+        </p:xfrm>
+        <a:graphic>
+          <a:graphicData uri="http://schemas.openxmlformats.org/drawingml/2006/table">
+            <a:tbl>
+              <a:tblPr firstRow="1" bandRow="1">
+                <a:tableStyleId>{5C22544A-7EE6-4342-B048-85BDC9FD1C3A}</a:tableStyleId>
+              </a:tblPr>
+              <a:tblGrid>
+                <a:gridCol w="1463040"/>
+                <a:gridCol w="1463040"/>
+                <a:gridCol w="1463040"/>
+                <a:gridCol w="1463040"/>
+                <a:gridCol w="1463040"/>
+              </a:tblGrid>
+              <a:tr h="304800">
+                <a:tc>
+                  <a:txBody>
+                    <a:bodyPr/>
+                    <a:lstStyle/>
+                    <a:p>
+                      <a:pPr algn="ctr">
+                        <a:defRPr b="1">
+                          <a:solidFill>
+                            <a:srgbClr val="FFFFFF"/>
+                          </a:solidFill>
+                        </a:defRPr>
+                      </a:pPr>
+                      <a:r>
+                        <a:t>Model</a:t>
+                      </a:r>
+                    </a:p>
+                  </a:txBody>
+                  <a:tcPr>
+                    <a:solidFill>
+                      <a:srgbClr val="003366"/>
+                    </a:solidFill>
+                  </a:tcPr>
+                </a:tc>
+                <a:tc>
+                  <a:txBody>
+                    <a:bodyPr/>
+                    <a:lstStyle/>
+                    <a:p>
+                      <a:pPr algn="ctr">
+                        <a:defRPr b="1">
+                          <a:solidFill>
+                            <a:srgbClr val="FFFFFF"/>
+                          </a:solidFill>
+                        </a:defRPr>
+                      </a:pPr>
+                      <a:r>
+                        <a:t>ROC-AUC</a:t>
+                      </a:r>
+                    </a:p>
+                  </a:txBody>
+                  <a:tcPr>
+                    <a:solidFill>
+                      <a:srgbClr val="003366"/>
+                    </a:solidFill>
+                  </a:tcPr>
+                </a:tc>
+                <a:tc>
+                  <a:txBody>
+                    <a:bodyPr/>
+                    <a:lstStyle/>
+                    <a:p>
+                      <a:pPr algn="ctr">
+                        <a:defRPr b="1">
+                          <a:solidFill>
+                            <a:srgbClr val="FFFFFF"/>
+                          </a:solidFill>
+                        </a:defRPr>
+                      </a:pPr>
+                      <a:r>
+                        <a:t>PR-AUC</a:t>
+                      </a:r>
+                    </a:p>
+                  </a:txBody>
+                  <a:tcPr>
+                    <a:solidFill>
+                      <a:srgbClr val="003366"/>
+                    </a:solidFill>
+                  </a:tcPr>
+                </a:tc>
+                <a:tc>
+                  <a:txBody>
+                    <a:bodyPr/>
+                    <a:lstStyle/>
+                    <a:p>
+                      <a:pPr algn="ctr">
+                        <a:defRPr b="1">
+                          <a:solidFill>
+                            <a:srgbClr val="FFFFFF"/>
+                          </a:solidFill>
+                        </a:defRPr>
+                      </a:pPr>
+                      <a:r>
+                        <a:t>Accuracy</a:t>
+                      </a:r>
+                    </a:p>
+                  </a:txBody>
+                  <a:tcPr>
+                    <a:solidFill>
+                      <a:srgbClr val="003366"/>
+                    </a:solidFill>
+                  </a:tcPr>
+                </a:tc>
+                <a:tc>
+                  <a:txBody>
+                    <a:bodyPr/>
+                    <a:lstStyle/>
+                    <a:p>
+                      <a:pPr algn="ctr">
+                        <a:defRPr b="1">
+                          <a:solidFill>
+                            <a:srgbClr val="FFFFFF"/>
+                          </a:solidFill>
+                        </a:defRPr>
+                      </a:pPr>
+                      <a:r>
+                        <a:t>Brier Score</a:t>
+                      </a:r>
+                    </a:p>
+                  </a:txBody>
+                  <a:tcPr>
+                    <a:solidFill>
+                      <a:srgbClr val="003366"/>
+                    </a:solidFill>
+                  </a:tcPr>
+                </a:tc>
+              </a:tr>
+              <a:tr h="304800">
+                <a:tc>
+                  <a:txBody>
+                    <a:bodyPr/>
+                    <a:lstStyle/>
+                    <a:p>
+                      <a:pPr algn="ctr">
+                        <a:defRPr sz="1200"/>
+                      </a:pPr>
+                      <a:r>
+                        <a:t>LightGBM (Winner)</a:t>
+                      </a:r>
+                    </a:p>
+                  </a:txBody>
+                  <a:tcPr/>
+                </a:tc>
+                <a:tc>
+                  <a:txBody>
+                    <a:bodyPr/>
+                    <a:lstStyle/>
+                    <a:p>
+                      <a:pPr algn="ctr">
+                        <a:defRPr sz="1200"/>
+                      </a:pPr>
+                      <a:r>
+                        <a:t>0.790</a:t>
+                      </a:r>
+                    </a:p>
+                  </a:txBody>
+                  <a:tcPr/>
+                </a:tc>
+                <a:tc>
+                  <a:txBody>
+                    <a:bodyPr/>
+                    <a:lstStyle/>
+                    <a:p>
+                      <a:pPr algn="ctr">
+                        <a:defRPr sz="1200"/>
+                      </a:pPr>
+                      <a:r>
+                        <a:t>0.835</a:t>
+                      </a:r>
+                    </a:p>
+                  </a:txBody>
+                  <a:tcPr/>
+                </a:tc>
+                <a:tc>
+                  <a:txBody>
+                    <a:bodyPr/>
+                    <a:lstStyle/>
+                    <a:p>
+                      <a:pPr algn="ctr">
+                        <a:defRPr sz="1200"/>
+                      </a:pPr>
+                      <a:r>
+                        <a:t>72.3%</a:t>
+                      </a:r>
+                    </a:p>
+                  </a:txBody>
+                  <a:tcPr/>
+                </a:tc>
+                <a:tc>
+                  <a:txBody>
+                    <a:bodyPr/>
+                    <a:lstStyle/>
+                    <a:p>
+                      <a:pPr algn="ctr">
+                        <a:defRPr sz="1200"/>
+                      </a:pPr>
+                      <a:r>
+                        <a:t>0.193</a:t>
+                      </a:r>
+                    </a:p>
+                  </a:txBody>
+                  <a:tcPr/>
+                </a:tc>
+              </a:tr>
+              <a:tr h="304800">
+                <a:tc>
+                  <a:txBody>
+                    <a:bodyPr/>
+                    <a:lstStyle/>
+                    <a:p>
+                      <a:pPr algn="ctr">
+                        <a:defRPr sz="1200"/>
+                      </a:pPr>
+                      <a:r>
+                        <a:t>GRU (RNN)</a:t>
+                      </a:r>
+                    </a:p>
+                  </a:txBody>
+                  <a:tcPr/>
+                </a:tc>
+                <a:tc>
+                  <a:txBody>
+                    <a:bodyPr/>
+                    <a:lstStyle/>
+                    <a:p>
+                      <a:pPr algn="ctr">
+                        <a:defRPr sz="1200"/>
+                      </a:pPr>
+                      <a:r>
+                        <a:t>0.713</a:t>
+                      </a:r>
+                    </a:p>
+                  </a:txBody>
+                  <a:tcPr/>
+                </a:tc>
+                <a:tc>
+                  <a:txBody>
+                    <a:bodyPr/>
+                    <a:lstStyle/>
+                    <a:p>
+                      <a:pPr algn="ctr">
+                        <a:defRPr sz="1200"/>
+                      </a:pPr>
+                      <a:r>
+                        <a:t>0.743</a:t>
+                      </a:r>
+                    </a:p>
+                  </a:txBody>
+                  <a:tcPr/>
+                </a:tc>
+                <a:tc>
+                  <a:txBody>
+                    <a:bodyPr/>
+                    <a:lstStyle/>
+                    <a:p>
+                      <a:pPr algn="ctr">
+                        <a:defRPr sz="1200"/>
+                      </a:pPr>
+                      <a:r>
+                        <a:t>65.1%</a:t>
+                      </a:r>
+                    </a:p>
+                  </a:txBody>
+                  <a:tcPr/>
+                </a:tc>
+                <a:tc>
+                  <a:txBody>
+                    <a:bodyPr/>
+                    <a:lstStyle/>
+                    <a:p>
+                      <a:pPr algn="ctr">
+                        <a:defRPr sz="1200"/>
+                      </a:pPr>
+                      <a:r>
+                        <a:t>0.217</a:t>
+                      </a:r>
+                    </a:p>
+                  </a:txBody>
+                  <a:tcPr/>
+                </a:tc>
+              </a:tr>
+              <a:tr h="304800">
+                <a:tc>
+                  <a:txBody>
+                    <a:bodyPr/>
+                    <a:lstStyle/>
+                    <a:p>
+                      <a:pPr algn="ctr">
+                        <a:defRPr sz="1200"/>
+                      </a:pPr>
+                      <a:r>
+                        <a:t>Transformer</a:t>
+                      </a:r>
+                    </a:p>
+                  </a:txBody>
+                  <a:tcPr/>
+                </a:tc>
+                <a:tc>
+                  <a:txBody>
+                    <a:bodyPr/>
+                    <a:lstStyle/>
+                    <a:p>
+                      <a:pPr algn="ctr">
+                        <a:defRPr sz="1200"/>
+                      </a:pPr>
+                      <a:r>
+                        <a:t>0.711</a:t>
+                      </a:r>
+                    </a:p>
+                  </a:txBody>
+                  <a:tcPr/>
+                </a:tc>
+                <a:tc>
+                  <a:txBody>
+                    <a:bodyPr/>
+                    <a:lstStyle/>
+                    <a:p>
+                      <a:pPr algn="ctr">
+                        <a:defRPr sz="1200"/>
+                      </a:pPr>
+                      <a:r>
+                        <a:t>0.748</a:t>
+                      </a:r>
+                    </a:p>
+                  </a:txBody>
+                  <a:tcPr/>
+                </a:tc>
+                <a:tc>
+                  <a:txBody>
+                    <a:bodyPr/>
+                    <a:lstStyle/>
+                    <a:p>
+                      <a:pPr algn="ctr">
+                        <a:defRPr sz="1200"/>
+                      </a:pPr>
+                      <a:r>
+                        <a:t>66.3%</a:t>
+                      </a:r>
+                    </a:p>
+                  </a:txBody>
+                  <a:tcPr/>
+                </a:tc>
+                <a:tc>
+                  <a:txBody>
+                    <a:bodyPr/>
+                    <a:lstStyle/>
+                    <a:p>
+                      <a:pPr algn="ctr">
+                        <a:defRPr sz="1200"/>
+                      </a:pPr>
+                      <a:r>
+                        <a:t>0.211</a:t>
+                      </a:r>
+                    </a:p>
+                  </a:txBody>
+                  <a:tcPr/>
+                </a:tc>
+              </a:tr>
+              <a:tr h="304800">
+                <a:tc>
+                  <a:txBody>
+                    <a:bodyPr/>
+                    <a:lstStyle/>
+                    <a:p>
+                      <a:pPr algn="ctr">
+                        <a:defRPr sz="1200"/>
+                      </a:pPr>
+                      <a:r>
+                        <a:t>Logistic Reg.</a:t>
+                      </a:r>
+                    </a:p>
+                  </a:txBody>
+                  <a:tcPr/>
+                </a:tc>
+                <a:tc>
+                  <a:txBody>
+                    <a:bodyPr/>
+                    <a:lstStyle/>
+                    <a:p>
+                      <a:pPr algn="ctr">
+                        <a:defRPr sz="1200"/>
+                      </a:pPr>
+                      <a:r>
+                        <a:t>0.684</a:t>
+                      </a:r>
+                    </a:p>
+                  </a:txBody>
+                  <a:tcPr/>
+                </a:tc>
+                <a:tc>
+                  <a:txBody>
+                    <a:bodyPr/>
+                    <a:lstStyle/>
+                    <a:p>
+                      <a:pPr algn="ctr">
+                        <a:defRPr sz="1200"/>
+                      </a:pPr>
+                      <a:r>
+                        <a:t>0.769</a:t>
+                      </a:r>
+                    </a:p>
+                  </a:txBody>
+                  <a:tcPr/>
+                </a:tc>
+                <a:tc>
+                  <a:txBody>
+                    <a:bodyPr/>
+                    <a:lstStyle/>
+                    <a:p>
+                      <a:pPr algn="ctr">
+                        <a:defRPr sz="1200"/>
+                      </a:pPr>
+                      <a:r>
+                        <a:t>65.1%</a:t>
+                      </a:r>
+                    </a:p>
+                  </a:txBody>
+                  <a:tcPr/>
+                </a:tc>
+                <a:tc>
+                  <a:txBody>
+                    <a:bodyPr/>
+                    <a:lstStyle/>
+                    <a:p>
+                      <a:pPr algn="ctr">
+                        <a:defRPr sz="1200"/>
+                      </a:pPr>
+                      <a:r>
+                        <a:t>0.229</a:t>
+                      </a:r>
+                    </a:p>
+                  </a:txBody>
+                  <a:tcPr/>
+                </a:tc>
+              </a:tr>
+              <a:tr h="304800">
+                <a:tc>
+                  <a:txBody>
+                    <a:bodyPr/>
+                    <a:lstStyle/>
+                    <a:p>
+                      <a:pPr algn="ctr">
+                        <a:defRPr sz="1200"/>
+                      </a:pPr>
+                      <a:r>
+                        <a:t>XGBoost</a:t>
+                      </a:r>
+                    </a:p>
+                  </a:txBody>
+                  <a:tcPr/>
+                </a:tc>
+                <a:tc>
+                  <a:txBody>
+                    <a:bodyPr/>
+                    <a:lstStyle/>
+                    <a:p>
+                      <a:pPr algn="ctr">
+                        <a:defRPr sz="1200"/>
+                      </a:pPr>
+                      <a:r>
+                        <a:t>0.671</a:t>
+                      </a:r>
+                    </a:p>
+                  </a:txBody>
+                  <a:tcPr/>
+                </a:tc>
+                <a:tc>
+                  <a:txBody>
+                    <a:bodyPr/>
+                    <a:lstStyle/>
+                    <a:p>
+                      <a:pPr algn="ctr">
+                        <a:defRPr sz="1200"/>
+                      </a:pPr>
+                      <a:r>
+                        <a:t>0.772</a:t>
+                      </a:r>
+                    </a:p>
+                  </a:txBody>
+                  <a:tcPr/>
+                </a:tc>
+                <a:tc>
+                  <a:txBody>
+                    <a:bodyPr/>
+                    <a:lstStyle/>
+                    <a:p>
+                      <a:pPr algn="ctr">
+                        <a:defRPr sz="1200"/>
+                      </a:pPr>
+                      <a:r>
+                        <a:t>63.9%</a:t>
+                      </a:r>
+                    </a:p>
+                  </a:txBody>
+                  <a:tcPr/>
+                </a:tc>
+                <a:tc>
+                  <a:txBody>
+                    <a:bodyPr/>
+                    <a:lstStyle/>
+                    <a:p>
+                      <a:pPr algn="ctr">
+                        <a:defRPr sz="1200"/>
+                      </a:pPr>
+                      <a:r>
+                        <a:t>0.242</a:t>
+                      </a:r>
+                    </a:p>
+                  </a:txBody>
+                  <a:tcPr/>
+                </a:tc>
+              </a:tr>
+            </a:tbl>
+          </a:graphicData>
+        </a:graphic>
+      </p:graphicFrame>
       <p:pic>
         <p:nvPicPr>
           <p:cNvPr id="4" name="Picture 3" descr="model_comparison.png"/>
@@ -4062,8 +4561,8 @@
         </p:blipFill>
         <p:spPr>
           <a:xfrm>
-            <a:off x="5029200" y="2286000"/>
-            <a:ext cx="9601200" cy="3200400"/>
+            <a:off x="1828800" y="3657600"/>
+            <a:ext cx="5486400" cy="1828800"/>
           </a:xfrm>
           <a:prstGeom prst="rect">
             <a:avLst/>
@@ -4190,16 +4689,6 @@
             </a:pPr>
             <a:r>
               <a:t>Transformer: Signs of overfitting (Train Loss &lt;&lt; Val Loss).</a:t>
-            </a:r>
-          </a:p>
-          <a:p>
-            <a:pPr lvl="1">
-              <a:defRPr sz="1600">
-                <a:latin typeface="Arial"/>
-              </a:defRPr>
-            </a:pPr>
-            <a:r>
-              <a:t>Takeaway: Deep Learning needs more than 400 samples to outperform Trees.</a:t>
             </a:r>
           </a:p>
         </p:txBody>
@@ -4335,7 +4824,7 @@
         </p:nvSpPr>
         <p:spPr>
           <a:xfrm>
-            <a:ext cx="4572000" cy="0"/>
+            <a:ext cx="0" cy="2743200"/>
           </a:xfrm>
         </p:spPr>
         <p:txBody>
@@ -4379,7 +4868,7 @@
               </a:defRPr>
             </a:pPr>
             <a:r>
-              <a:t>nb_client_invoices_created_sum: Active usage is the #1 signal.</a:t>
+              <a:t>nb_client_invoices_created_sum: Usage (Invoicing) is the #1 signal.</a:t>
             </a:r>
           </a:p>
           <a:p>
@@ -4409,17 +4898,7 @@
               </a:defRPr>
             </a:pPr>
             <a:r>
-              <a:t>'Low Activity' Alert: &lt; 2 connections by Day 3 = 3x Churn Risk.</a:t>
-            </a:r>
-          </a:p>
-          <a:p>
-            <a:pPr lvl="1">
-              <a:defRPr sz="1800">
-                <a:latin typeface="Arial"/>
-              </a:defRPr>
-            </a:pPr>
-            <a:r>
-              <a:t>Targeting: Focus CX on TPEs with low early activity and high churn prob.</a:t>
+              <a:t>Targeting: Focus CX on TPEs with low early activity.</a:t>
             </a:r>
           </a:p>
         </p:txBody>
@@ -4440,8 +4919,8 @@
         </p:blipFill>
         <p:spPr>
           <a:xfrm>
-            <a:off x="5029200" y="1828800"/>
-            <a:ext cx="5143500" cy="4114800"/>
+            <a:off x="1828800" y="3657600"/>
+            <a:ext cx="5486400" cy="4389120"/>
           </a:xfrm>
           <a:prstGeom prst="rect">
             <a:avLst/>

--- a/Presentations_Resultats_Projet.pptx
+++ b/Presentations_Resultats_Projet.pptx
@@ -3113,20 +3113,20 @@
           <a:lstStyle/>
           <a:p>
             <a:pPr>
-              <a:defRPr>
+              <a:defRPr b="1">
                 <a:solidFill>
                   <a:srgbClr val="003366"/>
                 </a:solidFill>
-                <a:latin typeface="Arial"/>
-              </a:defRPr>
-            </a:pPr>
-            <a:r>
-              <a:t>Predicting Trial-to-Paid Conversions:</a:t>
-            </a:r>
-          </a:p>
-          <a:p>
-            <a:r>
-              <a:t>Data-Driven Insights for Kolecto</a:t>
+                <a:latin typeface="Times New Roman"/>
+              </a:defRPr>
+            </a:pPr>
+            <a:r>
+              <a:t>Prédiction de Conversion Trial-to-Paid :</a:t>
+            </a:r>
+          </a:p>
+          <a:p>
+            <a:r>
+              <a:t>Insights Data-Driven pour Kolecto</a:t>
             </a:r>
           </a:p>
         </p:txBody>
@@ -3146,12 +3146,28 @@
           <a:bodyPr/>
           <a:lstStyle/>
           <a:p>
-            <a:r>
-              <a:t>Improving ~60% Conversion Rate Through Precursor Signal Analysis and ML Modeling</a:t>
-            </a:r>
-          </a:p>
-          <a:p/>
-          <a:p>
+            <a:pPr>
+              <a:defRPr>
+                <a:latin typeface="Times New Roman"/>
+              </a:defRPr>
+            </a:pPr>
+            <a:r>
+              <a:t>Améliorer le taux de conversion de ~60% via l'analyse des signaux précurseurs et le Machine Learning</a:t>
+            </a:r>
+          </a:p>
+          <a:p>
+            <a:pPr>
+              <a:defRPr>
+                <a:latin typeface="Times New Roman"/>
+              </a:defRPr>
+            </a:pPr>
+          </a:p>
+          <a:p>
+            <a:pPr>
+              <a:defRPr>
+                <a:latin typeface="Times New Roman"/>
+              </a:defRPr>
+            </a:pPr>
             <a:r>
               <a:t>Antigravity Agent – 2025-12-10</a:t>
             </a:r>
@@ -3216,15 +3232,15 @@
           <a:lstStyle/>
           <a:p>
             <a:pPr>
-              <a:defRPr>
+              <a:defRPr b="1">
                 <a:solidFill>
                   <a:srgbClr val="003366"/>
                 </a:solidFill>
-                <a:latin typeface="Arial"/>
-              </a:defRPr>
-            </a:pPr>
-            <a:r>
-              <a:t>Conclusion &amp; Next Steps</a:t>
+                <a:latin typeface="Times New Roman"/>
+              </a:defRPr>
+            </a:pPr>
+            <a:r>
+              <a:t>Conclusion &amp; Prochaines Étapes</a:t>
             </a:r>
           </a:p>
         </p:txBody>
@@ -3247,71 +3263,71 @@
           <a:p>
             <a:pPr>
               <a:defRPr sz="1800">
-                <a:latin typeface="Arial"/>
-              </a:defRPr>
-            </a:pPr>
-            <a:r>
-              <a:t>Summary:</a:t>
+                <a:latin typeface="Times New Roman"/>
+              </a:defRPr>
+            </a:pPr>
+            <a:r>
+              <a:t>Résumé :</a:t>
             </a:r>
           </a:p>
           <a:p>
             <a:pPr lvl="1">
               <a:defRPr sz="1800">
-                <a:latin typeface="Arial"/>
-              </a:defRPr>
-            </a:pPr>
-            <a:r>
-              <a:t>Delivered robust model (LightGBM AUC 0.790).</a:t>
+                <a:latin typeface="Times New Roman"/>
+              </a:defRPr>
+            </a:pPr>
+            <a:r>
+              <a:t>Modèle robuste livré (LightGBM AUC 0.790).</a:t>
             </a:r>
           </a:p>
           <a:p>
             <a:pPr lvl="1">
               <a:defRPr sz="1800">
-                <a:latin typeface="Arial"/>
-              </a:defRPr>
-            </a:pPr>
-            <a:r>
-              <a:t>Identified key levers for +5-8% conversion lift.</a:t>
+                <a:latin typeface="Times New Roman"/>
+              </a:defRPr>
+            </a:pPr>
+            <a:r>
+              <a:t>Leviers identifiés pour un lift de conversion de +5-8%.</a:t>
             </a:r>
           </a:p>
           <a:p>
             <a:pPr>
               <a:defRPr sz="1800">
-                <a:latin typeface="Arial"/>
-              </a:defRPr>
-            </a:pPr>
-            <a:r>
-              <a:t>Next Steps:</a:t>
+                <a:latin typeface="Times New Roman"/>
+              </a:defRPr>
+            </a:pPr>
+            <a:r>
+              <a:t>Prochaines Étapes :</a:t>
             </a:r>
           </a:p>
           <a:p>
             <a:pPr>
               <a:defRPr sz="1800">
-                <a:latin typeface="Arial"/>
-              </a:defRPr>
-            </a:pPr>
-            <a:r>
-              <a:t>   1. Deploy Scoring API (Containerized).</a:t>
+                <a:latin typeface="Times New Roman"/>
+              </a:defRPr>
+            </a:pPr>
+            <a:r>
+              <a:t>   1. Déployer l'API de Scoring (Containerisée).</a:t>
             </a:r>
           </a:p>
           <a:p>
             <a:pPr>
               <a:defRPr sz="1800">
-                <a:latin typeface="Arial"/>
-              </a:defRPr>
-            </a:pPr>
-            <a:r>
-              <a:t>   2. Launch A/B Test for CX actions.</a:t>
+                <a:latin typeface="Times New Roman"/>
+              </a:defRPr>
+            </a:pPr>
+            <a:r>
+              <a:t>   2. Lancer l'A/B Test pour les actions CX.</a:t>
             </a:r>
           </a:p>
           <a:p>
             <a:pPr>
               <a:defRPr sz="1800">
-                <a:latin typeface="Arial"/>
-              </a:defRPr>
-            </a:pPr>
-            <a:r>
-              <a:t>   3. Monitor Performance (MLflow) &amp; Collect more data.</a:t>
+                <a:latin typeface="Times New Roman"/>
+              </a:defRPr>
+            </a:pPr>
+            <a:r>
+              <a:t>   3. Monitorer la Performance (MLflow) &amp; Collecter plus de données.</a:t>
             </a:r>
           </a:p>
         </p:txBody>
@@ -3350,15 +3366,15 @@
           <a:lstStyle/>
           <a:p>
             <a:pPr>
-              <a:defRPr>
+              <a:defRPr b="1">
                 <a:solidFill>
                   <a:srgbClr val="003366"/>
                 </a:solidFill>
-                <a:latin typeface="Arial"/>
-              </a:defRPr>
-            </a:pPr>
-            <a:r>
-              <a:t>Business Context &amp; Objectives</a:t>
+                <a:latin typeface="Times New Roman"/>
+              </a:defRPr>
+            </a:pPr>
+            <a:r>
+              <a:t>Contexte Business &amp; Objectifs</a:t>
             </a:r>
           </a:p>
         </p:txBody>
@@ -3381,91 +3397,91 @@
           <a:p>
             <a:pPr>
               <a:defRPr sz="1800">
-                <a:latin typeface="Arial"/>
-              </a:defRPr>
-            </a:pPr>
-            <a:r>
-              <a:t>Context:</a:t>
+                <a:latin typeface="Times New Roman"/>
+              </a:defRPr>
+            </a:pPr>
+            <a:r>
+              <a:t>Contexte :</a:t>
             </a:r>
           </a:p>
           <a:p>
             <a:pPr lvl="1">
               <a:defRPr sz="1800">
-                <a:latin typeface="Arial"/>
-              </a:defRPr>
-            </a:pPr>
-            <a:r>
-              <a:t>Kolecto offers paid subscriptions with a 15-day trial.</a:t>
+                <a:latin typeface="Times New Roman"/>
+              </a:defRPr>
+            </a:pPr>
+            <a:r>
+              <a:t>Kolecto propose un essai gratuit de 15 jours convertissant en abonnement payant.</a:t>
             </a:r>
           </a:p>
           <a:p>
             <a:pPr lvl="1">
               <a:defRPr sz="1800">
-                <a:latin typeface="Arial"/>
-              </a:defRPr>
-            </a:pPr>
-            <a:r>
-              <a:t>Current conversion rate ~60% (Satisfactory but improvable).</a:t>
+                <a:latin typeface="Times New Roman"/>
+              </a:defRPr>
+            </a:pPr>
+            <a:r>
+              <a:t>Taux de conversion actuel : ~60% (Satisfaisant mais perfectible).</a:t>
             </a:r>
           </a:p>
           <a:p>
             <a:pPr>
               <a:defRPr sz="1800">
-                <a:latin typeface="Arial"/>
-              </a:defRPr>
-            </a:pPr>
-            <a:r>
-              <a:t>Challenge:</a:t>
+                <a:latin typeface="Times New Roman"/>
+              </a:defRPr>
+            </a:pPr>
+            <a:r>
+              <a:t>Challenge :</a:t>
             </a:r>
           </a:p>
           <a:p>
             <a:pPr lvl="1">
               <a:defRPr sz="1800">
-                <a:latin typeface="Arial"/>
-              </a:defRPr>
-            </a:pPr>
-            <a:r>
-              <a:t>Identify precursor signals of cancellation/success early.</a:t>
+                <a:latin typeface="Times New Roman"/>
+              </a:defRPr>
+            </a:pPr>
+            <a:r>
+              <a:t>Identifier tôt les signaux précurseurs (succès vs désabonnement).</a:t>
             </a:r>
           </a:p>
           <a:p>
             <a:pPr lvl="1">
               <a:defRPr sz="1800">
-                <a:latin typeface="Arial"/>
-              </a:defRPr>
-            </a:pPr>
-            <a:r>
-              <a:t>Enable targeted Customer Experience (CX) actions.</a:t>
+                <a:latin typeface="Times New Roman"/>
+              </a:defRPr>
+            </a:pPr>
+            <a:r>
+              <a:t>Permettre des actions ciblées par l'équipe Customer Experience (CX).</a:t>
             </a:r>
           </a:p>
           <a:p>
             <a:pPr>
               <a:defRPr sz="1800">
-                <a:latin typeface="Arial"/>
-              </a:defRPr>
-            </a:pPr>
-            <a:r>
-              <a:t>Objectives:</a:t>
+                <a:latin typeface="Times New Roman"/>
+              </a:defRPr>
+            </a:pPr>
+            <a:r>
+              <a:t>Objectifs :</a:t>
             </a:r>
           </a:p>
           <a:p>
             <a:pPr lvl="1">
               <a:defRPr sz="1800">
-                <a:latin typeface="Arial"/>
-              </a:defRPr>
-            </a:pPr>
-            <a:r>
-              <a:t>Analyze differentiating factors (Converters vs Non-Converters).</a:t>
+                <a:latin typeface="Times New Roman"/>
+              </a:defRPr>
+            </a:pPr>
+            <a:r>
+              <a:t>Analyser les facteurs différenciants (Convertis vs Non-Convertis).</a:t>
             </a:r>
           </a:p>
           <a:p>
             <a:pPr lvl="1">
               <a:defRPr sz="1800">
-                <a:latin typeface="Arial"/>
-              </a:defRPr>
-            </a:pPr>
-            <a:r>
-              <a:t>Build ML model for conversion probability prediction.</a:t>
+                <a:latin typeface="Times New Roman"/>
+              </a:defRPr>
+            </a:pPr>
+            <a:r>
+              <a:t>Construire un modèle ML pour prédire la probabilité de conversion.</a:t>
             </a:r>
           </a:p>
         </p:txBody>
@@ -3504,15 +3520,15 @@
           <a:lstStyle/>
           <a:p>
             <a:pPr>
-              <a:defRPr>
+              <a:defRPr b="1">
                 <a:solidFill>
                   <a:srgbClr val="003366"/>
                 </a:solidFill>
-                <a:latin typeface="Arial"/>
-              </a:defRPr>
-            </a:pPr>
-            <a:r>
-              <a:t>Data Overview &amp; Preprocessing</a:t>
+                <a:latin typeface="Times New Roman"/>
+              </a:defRPr>
+            </a:pPr>
+            <a:r>
+              <a:t>Vue d'Ensemble des Données &amp; Prétraitement</a:t>
             </a:r>
           </a:p>
         </p:txBody>
@@ -3552,10 +3568,11 @@
                           <a:solidFill>
                             <a:srgbClr val="FFFFFF"/>
                           </a:solidFill>
+                          <a:latin typeface="Times New Roman"/>
                         </a:defRPr>
                       </a:pPr>
                       <a:r>
-                        <a:t>Dataset</a:t>
+                        <a:t>Jeu de Données</a:t>
                       </a:r>
                     </a:p>
                   </a:txBody>
@@ -3575,10 +3592,11 @@
                           <a:solidFill>
                             <a:srgbClr val="FFFFFF"/>
                           </a:solidFill>
+                          <a:latin typeface="Times New Roman"/>
                         </a:defRPr>
                       </a:pPr>
                       <a:r>
-                        <a:t>Size</a:t>
+                        <a:t>Taille</a:t>
                       </a:r>
                     </a:p>
                   </a:txBody>
@@ -3598,6 +3616,7 @@
                           <a:solidFill>
                             <a:srgbClr val="FFFFFF"/>
                           </a:solidFill>
+                          <a:latin typeface="Times New Roman"/>
                         </a:defRPr>
                       </a:pPr>
                       <a:r>
@@ -3621,10 +3640,11 @@
                           <a:solidFill>
                             <a:srgbClr val="FFFFFF"/>
                           </a:solidFill>
+                          <a:latin typeface="Times New Roman"/>
                         </a:defRPr>
                       </a:pPr>
                       <a:r>
-                        <a:t>Preprocessing</a:t>
+                        <a:t>Prétraitement</a:t>
                       </a:r>
                     </a:p>
                   </a:txBody>
@@ -3642,7 +3662,9 @@
                     <a:lstStyle/>
                     <a:p>
                       <a:pPr algn="ctr">
-                        <a:defRPr sz="1200"/>
+                        <a:defRPr sz="1200">
+                          <a:latin typeface="Times New Roman"/>
+                        </a:defRPr>
                       </a:pPr>
                       <a:r>
                         <a:t>Daily Usage</a:t>
@@ -3657,10 +3679,12 @@
                     <a:lstStyle/>
                     <a:p>
                       <a:pPr algn="ctr">
-                        <a:defRPr sz="1200"/>
+                        <a:defRPr sz="1200">
+                          <a:latin typeface="Times New Roman"/>
+                        </a:defRPr>
                       </a:pPr>
                       <a:r>
-                        <a:t>~11k rows</a:t>
+                        <a:t>~11k lignes</a:t>
                       </a:r>
                     </a:p>
                   </a:txBody>
@@ -3672,10 +3696,12 @@
                     <a:lstStyle/>
                     <a:p>
                       <a:pPr algn="ctr">
-                        <a:defRPr sz="1200"/>
+                        <a:defRPr sz="1200">
+                          <a:latin typeface="Times New Roman"/>
+                        </a:defRPr>
                       </a:pPr>
                       <a:r>
-                        <a:t>Activity logs (Transfers, Connections)</a:t>
+                        <a:t>Logs d'activité (Virements, Connexions)</a:t>
                       </a:r>
                     </a:p>
                   </a:txBody>
@@ -3687,10 +3713,12 @@
                     <a:lstStyle/>
                     <a:p>
                       <a:pPr algn="ctr">
-                        <a:defRPr sz="1200"/>
+                        <a:defRPr sz="1200">
+                          <a:latin typeface="Times New Roman"/>
+                        </a:defRPr>
                       </a:pPr>
                       <a:r>
-                        <a:t>Aggregated (Sum/Mean/Max/Std)</a:t>
+                        <a:t>Agrégation (Somme/Moyenne/Max/Std)</a:t>
                       </a:r>
                     </a:p>
                   </a:txBody>
@@ -3704,7 +3732,9 @@
                     <a:lstStyle/>
                     <a:p>
                       <a:pPr algn="ctr">
-                        <a:defRPr sz="1200"/>
+                        <a:defRPr sz="1200">
+                          <a:latin typeface="Times New Roman"/>
+                        </a:defRPr>
                       </a:pPr>
                       <a:r>
                         <a:t>Subscriptions</a:t>
@@ -3719,10 +3749,12 @@
                     <a:lstStyle/>
                     <a:p>
                       <a:pPr algn="ctr">
-                        <a:defRPr sz="1200"/>
+                        <a:defRPr sz="1200">
+                          <a:latin typeface="Times New Roman"/>
+                        </a:defRPr>
                       </a:pPr>
                       <a:r>
-                        <a:t>416 trials</a:t>
+                        <a:t>416 essais</a:t>
                       </a:r>
                     </a:p>
                   </a:txBody>
@@ -3734,10 +3766,12 @@
                     <a:lstStyle/>
                     <a:p>
                       <a:pPr algn="ctr">
-                        <a:defRPr sz="1200"/>
+                        <a:defRPr sz="1200">
+                          <a:latin typeface="Times New Roman"/>
+                        </a:defRPr>
                       </a:pPr>
                       <a:r>
-                        <a:t>Company Profile (Revenue, NAF)</a:t>
+                        <a:t>Profil Entreprise (CA, Code NAF)</a:t>
                       </a:r>
                     </a:p>
                   </a:txBody>
@@ -3749,10 +3783,12 @@
                     <a:lstStyle/>
                     <a:p>
                       <a:pPr algn="ctr">
-                        <a:defRPr sz="1200"/>
+                        <a:defRPr sz="1200">
+                          <a:latin typeface="Times New Roman"/>
+                        </a:defRPr>
                       </a:pPr>
                       <a:r>
-                        <a:t>Merged, Imputed, OneHot Encoded</a:t>
+                        <a:t>Fusion, Imputation, Encodage OneHot</a:t>
                       </a:r>
                     </a:p>
                   </a:txBody>
@@ -3787,18 +3823,22 @@
           <a:p/>
           <a:p>
             <a:pPr>
-              <a:defRPr sz="1400" i="1"/>
-            </a:pPr>
-            <a:r>
-              <a:t>Key Stats: Total Samples: 416 complete trials.</a:t>
+              <a:defRPr sz="1400" i="1">
+                <a:latin typeface="Times New Roman"/>
+              </a:defRPr>
+            </a:pPr>
+            <a:r>
+              <a:t>Stats Clés : Échantillon Total : 416 essais complets.</a:t>
             </a:r>
           </a:p>
           <a:p>
             <a:pPr>
-              <a:defRPr sz="1400" i="1"/>
-            </a:pPr>
-            <a:r>
-              <a:t>Conversion Rate: 60.7% (Imbalanced but manageable).</a:t>
+              <a:defRPr sz="1400" i="1">
+                <a:latin typeface="Times New Roman"/>
+              </a:defRPr>
+            </a:pPr>
+            <a:r>
+              <a:t>Taux de Conversion : 60.7% (Déséquilibré mais gérable).</a:t>
             </a:r>
           </a:p>
         </p:txBody>
@@ -3837,15 +3877,15 @@
           <a:lstStyle/>
           <a:p>
             <a:pPr>
-              <a:defRPr>
+              <a:defRPr b="1">
                 <a:solidFill>
                   <a:srgbClr val="003366"/>
                 </a:solidFill>
-                <a:latin typeface="Arial"/>
-              </a:defRPr>
-            </a:pPr>
-            <a:r>
-              <a:t>Methodology &amp; Models</a:t>
+                <a:latin typeface="Times New Roman"/>
+              </a:defRPr>
+            </a:pPr>
+            <a:r>
+              <a:t>Méthodologie &amp; Modèles</a:t>
             </a:r>
           </a:p>
         </p:txBody>
@@ -3868,47 +3908,47 @@
           <a:p>
             <a:pPr>
               <a:defRPr sz="1800">
-                <a:latin typeface="Arial"/>
-              </a:defRPr>
-            </a:pPr>
-            <a:r>
-              <a:t>Strategy:</a:t>
+                <a:latin typeface="Times New Roman"/>
+              </a:defRPr>
+            </a:pPr>
+            <a:r>
+              <a:t>Stratégie :</a:t>
             </a:r>
           </a:p>
           <a:p>
             <a:pPr lvl="1">
               <a:defRPr sz="1800">
-                <a:latin typeface="Arial"/>
-              </a:defRPr>
-            </a:pPr>
-            <a:r>
-              <a:t>Tabular Features (157 dims) for Tree-based models.</a:t>
+                <a:latin typeface="Times New Roman"/>
+              </a:defRPr>
+            </a:pPr>
+            <a:r>
+              <a:t>Features Tabulaires (157 dims) pour modèles Arborescents.</a:t>
             </a:r>
           </a:p>
           <a:p>
             <a:pPr lvl="1">
               <a:defRPr sz="1800">
-                <a:latin typeface="Arial"/>
-              </a:defRPr>
-            </a:pPr>
-            <a:r>
-              <a:t>Sequential Data (15 days) for Deep Learning.</a:t>
+                <a:latin typeface="Times New Roman"/>
+              </a:defRPr>
+            </a:pPr>
+            <a:r>
+              <a:t>Données Séquentielles (15 jours) pour le Deep Learning.</a:t>
             </a:r>
           </a:p>
           <a:p>
             <a:pPr>
               <a:defRPr sz="1800">
-                <a:latin typeface="Arial"/>
-              </a:defRPr>
-            </a:pPr>
-            <a:r>
-              <a:t>Models Trained:</a:t>
+                <a:latin typeface="Times New Roman"/>
+              </a:defRPr>
+            </a:pPr>
+            <a:r>
+              <a:t>Modèles Entraînés :</a:t>
             </a:r>
           </a:p>
           <a:p>
             <a:pPr lvl="1">
               <a:defRPr sz="1800">
-                <a:latin typeface="Arial"/>
+                <a:latin typeface="Times New Roman"/>
               </a:defRPr>
             </a:pPr>
             <a:r>
@@ -3918,51 +3958,51 @@
           <a:p>
             <a:pPr lvl="1">
               <a:defRPr sz="1800">
-                <a:latin typeface="Arial"/>
-              </a:defRPr>
-            </a:pPr>
-            <a:r>
-              <a:t>XGBoost &amp; LightGBM (Gradient Boosting with Optuna tuning).</a:t>
+                <a:latin typeface="Times New Roman"/>
+              </a:defRPr>
+            </a:pPr>
+            <a:r>
+              <a:t>XGBoost &amp; LightGBM (Gradient Boosting optimisé avec Optuna).</a:t>
             </a:r>
           </a:p>
           <a:p>
             <a:pPr lvl="1">
               <a:defRPr sz="1800">
-                <a:latin typeface="Arial"/>
-              </a:defRPr>
-            </a:pPr>
-            <a:r>
-              <a:t>GRU &amp; Transformer (Sequential modeling for temporal signals).</a:t>
+                <a:latin typeface="Times New Roman"/>
+              </a:defRPr>
+            </a:pPr>
+            <a:r>
+              <a:t>GRU &amp; Transformer (Modélisation séquentielle des signaux temporel).</a:t>
             </a:r>
           </a:p>
           <a:p>
             <a:pPr>
               <a:defRPr sz="1800">
-                <a:latin typeface="Arial"/>
-              </a:defRPr>
-            </a:pPr>
-            <a:r>
-              <a:t>Evaluation Metrics:</a:t>
+                <a:latin typeface="Times New Roman"/>
+              </a:defRPr>
+            </a:pPr>
+            <a:r>
+              <a:t>Métriques d'Évaluation :</a:t>
             </a:r>
           </a:p>
           <a:p>
             <a:pPr lvl="1">
               <a:defRPr sz="1800">
-                <a:latin typeface="Arial"/>
-              </a:defRPr>
-            </a:pPr>
-            <a:r>
-              <a:t>ROC-AUC: Discrimination capability (Primary Metric).</a:t>
+                <a:latin typeface="Times New Roman"/>
+              </a:defRPr>
+            </a:pPr>
+            <a:r>
+              <a:t>ROC-AUC : Capacité de discrimination (Métrique Principale).</a:t>
             </a:r>
           </a:p>
           <a:p>
             <a:pPr lvl="1">
               <a:defRPr sz="1800">
-                <a:latin typeface="Arial"/>
-              </a:defRPr>
-            </a:pPr>
-            <a:r>
-              <a:t>PR-AUC: Precision-Recall (Critical for imbalance).</a:t>
+                <a:latin typeface="Times New Roman"/>
+              </a:defRPr>
+            </a:pPr>
+            <a:r>
+              <a:t>PR-AUC : Précision-Rappel (Critique pour l'imbalance).</a:t>
             </a:r>
           </a:p>
         </p:txBody>
@@ -4001,15 +4041,15 @@
           <a:lstStyle/>
           <a:p>
             <a:pPr>
-              <a:defRPr>
+              <a:defRPr b="1">
                 <a:solidFill>
                   <a:srgbClr val="003366"/>
                 </a:solidFill>
-                <a:latin typeface="Arial"/>
-              </a:defRPr>
-            </a:pPr>
-            <a:r>
-              <a:t>Overall Results Comparison</a:t>
+                <a:latin typeface="Times New Roman"/>
+              </a:defRPr>
+            </a:pPr>
+            <a:r>
+              <a:t>Comparaison Globale des Résultats</a:t>
             </a:r>
           </a:p>
         </p:txBody>
@@ -4050,10 +4090,11 @@
                           <a:solidFill>
                             <a:srgbClr val="FFFFFF"/>
                           </a:solidFill>
+                          <a:latin typeface="Times New Roman"/>
                         </a:defRPr>
                       </a:pPr>
                       <a:r>
-                        <a:t>Model</a:t>
+                        <a:t>Modèle</a:t>
                       </a:r>
                     </a:p>
                   </a:txBody>
@@ -4073,6 +4114,7 @@
                           <a:solidFill>
                             <a:srgbClr val="FFFFFF"/>
                           </a:solidFill>
+                          <a:latin typeface="Times New Roman"/>
                         </a:defRPr>
                       </a:pPr>
                       <a:r>
@@ -4096,6 +4138,7 @@
                           <a:solidFill>
                             <a:srgbClr val="FFFFFF"/>
                           </a:solidFill>
+                          <a:latin typeface="Times New Roman"/>
                         </a:defRPr>
                       </a:pPr>
                       <a:r>
@@ -4119,6 +4162,7 @@
                           <a:solidFill>
                             <a:srgbClr val="FFFFFF"/>
                           </a:solidFill>
+                          <a:latin typeface="Times New Roman"/>
                         </a:defRPr>
                       </a:pPr>
                       <a:r>
@@ -4142,6 +4186,7 @@
                           <a:solidFill>
                             <a:srgbClr val="FFFFFF"/>
                           </a:solidFill>
+                          <a:latin typeface="Times New Roman"/>
                         </a:defRPr>
                       </a:pPr>
                       <a:r>
@@ -4163,10 +4208,12 @@
                     <a:lstStyle/>
                     <a:p>
                       <a:pPr algn="ctr">
-                        <a:defRPr sz="1200"/>
+                        <a:defRPr sz="1200">
+                          <a:latin typeface="Times New Roman"/>
+                        </a:defRPr>
                       </a:pPr>
                       <a:r>
-                        <a:t>LightGBM (Winner)</a:t>
+                        <a:t>LightGBM (Vainqueur)</a:t>
                       </a:r>
                     </a:p>
                   </a:txBody>
@@ -4178,7 +4225,9 @@
                     <a:lstStyle/>
                     <a:p>
                       <a:pPr algn="ctr">
-                        <a:defRPr sz="1200"/>
+                        <a:defRPr sz="1200">
+                          <a:latin typeface="Times New Roman"/>
+                        </a:defRPr>
                       </a:pPr>
                       <a:r>
                         <a:t>0.790</a:t>
@@ -4193,7 +4242,9 @@
                     <a:lstStyle/>
                     <a:p>
                       <a:pPr algn="ctr">
-                        <a:defRPr sz="1200"/>
+                        <a:defRPr sz="1200">
+                          <a:latin typeface="Times New Roman"/>
+                        </a:defRPr>
                       </a:pPr>
                       <a:r>
                         <a:t>0.835</a:t>
@@ -4208,7 +4259,9 @@
                     <a:lstStyle/>
                     <a:p>
                       <a:pPr algn="ctr">
-                        <a:defRPr sz="1200"/>
+                        <a:defRPr sz="1200">
+                          <a:latin typeface="Times New Roman"/>
+                        </a:defRPr>
                       </a:pPr>
                       <a:r>
                         <a:t>72.3%</a:t>
@@ -4223,7 +4276,9 @@
                     <a:lstStyle/>
                     <a:p>
                       <a:pPr algn="ctr">
-                        <a:defRPr sz="1200"/>
+                        <a:defRPr sz="1200">
+                          <a:latin typeface="Times New Roman"/>
+                        </a:defRPr>
                       </a:pPr>
                       <a:r>
                         <a:t>0.193</a:t>
@@ -4240,7 +4295,9 @@
                     <a:lstStyle/>
                     <a:p>
                       <a:pPr algn="ctr">
-                        <a:defRPr sz="1200"/>
+                        <a:defRPr sz="1200">
+                          <a:latin typeface="Times New Roman"/>
+                        </a:defRPr>
                       </a:pPr>
                       <a:r>
                         <a:t>GRU (RNN)</a:t>
@@ -4255,7 +4312,9 @@
                     <a:lstStyle/>
                     <a:p>
                       <a:pPr algn="ctr">
-                        <a:defRPr sz="1200"/>
+                        <a:defRPr sz="1200">
+                          <a:latin typeface="Times New Roman"/>
+                        </a:defRPr>
                       </a:pPr>
                       <a:r>
                         <a:t>0.713</a:t>
@@ -4270,7 +4329,9 @@
                     <a:lstStyle/>
                     <a:p>
                       <a:pPr algn="ctr">
-                        <a:defRPr sz="1200"/>
+                        <a:defRPr sz="1200">
+                          <a:latin typeface="Times New Roman"/>
+                        </a:defRPr>
                       </a:pPr>
                       <a:r>
                         <a:t>0.743</a:t>
@@ -4285,7 +4346,9 @@
                     <a:lstStyle/>
                     <a:p>
                       <a:pPr algn="ctr">
-                        <a:defRPr sz="1200"/>
+                        <a:defRPr sz="1200">
+                          <a:latin typeface="Times New Roman"/>
+                        </a:defRPr>
                       </a:pPr>
                       <a:r>
                         <a:t>65.1%</a:t>
@@ -4300,7 +4363,9 @@
                     <a:lstStyle/>
                     <a:p>
                       <a:pPr algn="ctr">
-                        <a:defRPr sz="1200"/>
+                        <a:defRPr sz="1200">
+                          <a:latin typeface="Times New Roman"/>
+                        </a:defRPr>
                       </a:pPr>
                       <a:r>
                         <a:t>0.217</a:t>
@@ -4317,7 +4382,9 @@
                     <a:lstStyle/>
                     <a:p>
                       <a:pPr algn="ctr">
-                        <a:defRPr sz="1200"/>
+                        <a:defRPr sz="1200">
+                          <a:latin typeface="Times New Roman"/>
+                        </a:defRPr>
                       </a:pPr>
                       <a:r>
                         <a:t>Transformer</a:t>
@@ -4332,7 +4399,9 @@
                     <a:lstStyle/>
                     <a:p>
                       <a:pPr algn="ctr">
-                        <a:defRPr sz="1200"/>
+                        <a:defRPr sz="1200">
+                          <a:latin typeface="Times New Roman"/>
+                        </a:defRPr>
                       </a:pPr>
                       <a:r>
                         <a:t>0.711</a:t>
@@ -4347,7 +4416,9 @@
                     <a:lstStyle/>
                     <a:p>
                       <a:pPr algn="ctr">
-                        <a:defRPr sz="1200"/>
+                        <a:defRPr sz="1200">
+                          <a:latin typeface="Times New Roman"/>
+                        </a:defRPr>
                       </a:pPr>
                       <a:r>
                         <a:t>0.748</a:t>
@@ -4362,7 +4433,9 @@
                     <a:lstStyle/>
                     <a:p>
                       <a:pPr algn="ctr">
-                        <a:defRPr sz="1200"/>
+                        <a:defRPr sz="1200">
+                          <a:latin typeface="Times New Roman"/>
+                        </a:defRPr>
                       </a:pPr>
                       <a:r>
                         <a:t>66.3%</a:t>
@@ -4377,7 +4450,9 @@
                     <a:lstStyle/>
                     <a:p>
                       <a:pPr algn="ctr">
-                        <a:defRPr sz="1200"/>
+                        <a:defRPr sz="1200">
+                          <a:latin typeface="Times New Roman"/>
+                        </a:defRPr>
                       </a:pPr>
                       <a:r>
                         <a:t>0.211</a:t>
@@ -4394,7 +4469,9 @@
                     <a:lstStyle/>
                     <a:p>
                       <a:pPr algn="ctr">
-                        <a:defRPr sz="1200"/>
+                        <a:defRPr sz="1200">
+                          <a:latin typeface="Times New Roman"/>
+                        </a:defRPr>
                       </a:pPr>
                       <a:r>
                         <a:t>Logistic Reg.</a:t>
@@ -4409,7 +4486,9 @@
                     <a:lstStyle/>
                     <a:p>
                       <a:pPr algn="ctr">
-                        <a:defRPr sz="1200"/>
+                        <a:defRPr sz="1200">
+                          <a:latin typeface="Times New Roman"/>
+                        </a:defRPr>
                       </a:pPr>
                       <a:r>
                         <a:t>0.684</a:t>
@@ -4424,7 +4503,9 @@
                     <a:lstStyle/>
                     <a:p>
                       <a:pPr algn="ctr">
-                        <a:defRPr sz="1200"/>
+                        <a:defRPr sz="1200">
+                          <a:latin typeface="Times New Roman"/>
+                        </a:defRPr>
                       </a:pPr>
                       <a:r>
                         <a:t>0.769</a:t>
@@ -4439,7 +4520,9 @@
                     <a:lstStyle/>
                     <a:p>
                       <a:pPr algn="ctr">
-                        <a:defRPr sz="1200"/>
+                        <a:defRPr sz="1200">
+                          <a:latin typeface="Times New Roman"/>
+                        </a:defRPr>
                       </a:pPr>
                       <a:r>
                         <a:t>65.1%</a:t>
@@ -4454,7 +4537,9 @@
                     <a:lstStyle/>
                     <a:p>
                       <a:pPr algn="ctr">
-                        <a:defRPr sz="1200"/>
+                        <a:defRPr sz="1200">
+                          <a:latin typeface="Times New Roman"/>
+                        </a:defRPr>
                       </a:pPr>
                       <a:r>
                         <a:t>0.229</a:t>
@@ -4471,7 +4556,9 @@
                     <a:lstStyle/>
                     <a:p>
                       <a:pPr algn="ctr">
-                        <a:defRPr sz="1200"/>
+                        <a:defRPr sz="1200">
+                          <a:latin typeface="Times New Roman"/>
+                        </a:defRPr>
                       </a:pPr>
                       <a:r>
                         <a:t>XGBoost</a:t>
@@ -4486,7 +4573,9 @@
                     <a:lstStyle/>
                     <a:p>
                       <a:pPr algn="ctr">
-                        <a:defRPr sz="1200"/>
+                        <a:defRPr sz="1200">
+                          <a:latin typeface="Times New Roman"/>
+                        </a:defRPr>
                       </a:pPr>
                       <a:r>
                         <a:t>0.671</a:t>
@@ -4501,7 +4590,9 @@
                     <a:lstStyle/>
                     <a:p>
                       <a:pPr algn="ctr">
-                        <a:defRPr sz="1200"/>
+                        <a:defRPr sz="1200">
+                          <a:latin typeface="Times New Roman"/>
+                        </a:defRPr>
                       </a:pPr>
                       <a:r>
                         <a:t>0.772</a:t>
@@ -4516,7 +4607,9 @@
                     <a:lstStyle/>
                     <a:p>
                       <a:pPr algn="ctr">
-                        <a:defRPr sz="1200"/>
+                        <a:defRPr sz="1200">
+                          <a:latin typeface="Times New Roman"/>
+                        </a:defRPr>
                       </a:pPr>
                       <a:r>
                         <a:t>63.9%</a:t>
@@ -4531,7 +4624,9 @@
                     <a:lstStyle/>
                     <a:p>
                       <a:pPr algn="ctr">
-                        <a:defRPr sz="1200"/>
+                        <a:defRPr sz="1200">
+                          <a:latin typeface="Times New Roman"/>
+                        </a:defRPr>
                       </a:pPr>
                       <a:r>
                         <a:t>0.242</a:t>
@@ -4603,15 +4698,15 @@
           <a:lstStyle/>
           <a:p>
             <a:pPr>
-              <a:defRPr>
+              <a:defRPr b="1">
                 <a:solidFill>
                   <a:srgbClr val="003366"/>
                 </a:solidFill>
-                <a:latin typeface="Arial"/>
-              </a:defRPr>
-            </a:pPr>
-            <a:r>
-              <a:t>Optimization &amp; Training Insights</a:t>
+                <a:latin typeface="Times New Roman"/>
+              </a:defRPr>
+            </a:pPr>
+            <a:r>
+              <a:t>Optimisation &amp; Dynamique d'Entraînement</a:t>
             </a:r>
           </a:p>
         </p:txBody>
@@ -4634,61 +4729,61 @@
           <a:p>
             <a:pPr>
               <a:defRPr sz="1600">
-                <a:latin typeface="Arial"/>
-              </a:defRPr>
-            </a:pPr>
-            <a:r>
-              <a:t>LightGBM (Optuna):</a:t>
+                <a:latin typeface="Times New Roman"/>
+              </a:defRPr>
+            </a:pPr>
+            <a:r>
+              <a:t>LightGBM (Optuna) :</a:t>
             </a:r>
           </a:p>
           <a:p>
             <a:pPr lvl="1">
               <a:defRPr sz="1600">
-                <a:latin typeface="Arial"/>
-              </a:defRPr>
-            </a:pPr>
-            <a:r>
-              <a:t>Efficient search (50 trials).</a:t>
+                <a:latin typeface="Times New Roman"/>
+              </a:defRPr>
+            </a:pPr>
+            <a:r>
+              <a:t>Recherche efficace (50 essais).</a:t>
             </a:r>
           </a:p>
           <a:p>
             <a:pPr lvl="1">
               <a:defRPr sz="1600">
-                <a:latin typeface="Arial"/>
-              </a:defRPr>
-            </a:pPr>
-            <a:r>
-              <a:t>Converged to robust params (n_est=318, lr=0.018).</a:t>
+                <a:latin typeface="Times New Roman"/>
+              </a:defRPr>
+            </a:pPr>
+            <a:r>
+              <a:t>Convergence vers paramètres robustes (n_est=318, lr=0.018).</a:t>
             </a:r>
           </a:p>
           <a:p>
             <a:pPr>
               <a:defRPr sz="1600">
-                <a:latin typeface="Arial"/>
-              </a:defRPr>
-            </a:pPr>
-            <a:r>
-              <a:t>Deep Learning Dynamics:</a:t>
+                <a:latin typeface="Times New Roman"/>
+              </a:defRPr>
+            </a:pPr>
+            <a:r>
+              <a:t>Dynamique Deep Learning :</a:t>
             </a:r>
           </a:p>
           <a:p>
             <a:pPr lvl="1">
               <a:defRPr sz="1600">
-                <a:latin typeface="Arial"/>
-              </a:defRPr>
-            </a:pPr>
-            <a:r>
-              <a:t>GRU: Steady loss decrease, slight validation instability.</a:t>
+                <a:latin typeface="Times New Roman"/>
+              </a:defRPr>
+            </a:pPr>
+            <a:r>
+              <a:t>GRU : Bonne baisse de loss training, légère instabilité en validation.</a:t>
             </a:r>
           </a:p>
           <a:p>
             <a:pPr lvl="1">
               <a:defRPr sz="1600">
-                <a:latin typeface="Arial"/>
-              </a:defRPr>
-            </a:pPr>
-            <a:r>
-              <a:t>Transformer: Signs of overfitting (Train Loss &lt;&lt; Val Loss).</a:t>
+                <a:latin typeface="Times New Roman"/>
+              </a:defRPr>
+            </a:pPr>
+            <a:r>
+              <a:t>Transformer : Signes d'overfitting (Train Loss &lt;&lt; Val Loss).</a:t>
             </a:r>
           </a:p>
         </p:txBody>
@@ -4799,15 +4894,15 @@
           <a:lstStyle/>
           <a:p>
             <a:pPr>
-              <a:defRPr>
+              <a:defRPr b="1">
                 <a:solidFill>
                   <a:srgbClr val="003366"/>
                 </a:solidFill>
-                <a:latin typeface="Arial"/>
-              </a:defRPr>
-            </a:pPr>
-            <a:r>
-              <a:t>Feature Importance &amp; Insights</a:t>
+                <a:latin typeface="Times New Roman"/>
+              </a:defRPr>
+            </a:pPr>
+            <a:r>
+              <a:t>Importance des Features &amp; Insights</a:t>
             </a:r>
           </a:p>
         </p:txBody>
@@ -4834,71 +4929,71 @@
           <a:p>
             <a:pPr>
               <a:defRPr sz="1800">
-                <a:latin typeface="Arial"/>
-              </a:defRPr>
-            </a:pPr>
-            <a:r>
-              <a:t>Top Predictors:</a:t>
+                <a:latin typeface="Times New Roman"/>
+              </a:defRPr>
+            </a:pPr>
+            <a:r>
+              <a:t>Meilleurs Prédicteurs :</a:t>
             </a:r>
           </a:p>
           <a:p>
             <a:pPr lvl="1">
               <a:defRPr sz="1800">
-                <a:latin typeface="Arial"/>
-              </a:defRPr>
-            </a:pPr>
-            <a:r>
-              <a:t>company_age: Older/stable firms convert more.</a:t>
+                <a:latin typeface="Times New Roman"/>
+              </a:defRPr>
+            </a:pPr>
+            <a:r>
+              <a:t>company_age : Les entreprises plus anciennes/stables convertissent mieux.</a:t>
             </a:r>
           </a:p>
           <a:p>
             <a:pPr lvl="1">
               <a:defRPr sz="1800">
-                <a:latin typeface="Arial"/>
-              </a:defRPr>
-            </a:pPr>
-            <a:r>
-              <a:t>naf_code: Specific industries have higher affinity.</a:t>
+                <a:latin typeface="Times New Roman"/>
+              </a:defRPr>
+            </a:pPr>
+            <a:r>
+              <a:t>naf_code : Certains secteurs ont une affinité plus forte.</a:t>
             </a:r>
           </a:p>
           <a:p>
             <a:pPr lvl="1">
               <a:defRPr sz="1800">
-                <a:latin typeface="Arial"/>
-              </a:defRPr>
-            </a:pPr>
-            <a:r>
-              <a:t>nb_client_invoices_created_sum: Usage (Invoicing) is the #1 signal.</a:t>
+                <a:latin typeface="Times New Roman"/>
+              </a:defRPr>
+            </a:pPr>
+            <a:r>
+              <a:t>nb_client_invoices_created_sum : L'usage (Facturation) est le signal #1.</a:t>
             </a:r>
           </a:p>
           <a:p>
             <a:pPr>
               <a:defRPr sz="1800">
-                <a:latin typeface="Arial"/>
-              </a:defRPr>
-            </a:pPr>
-            <a:r>
-              <a:t>Actionable Insights:</a:t>
+                <a:latin typeface="Times New Roman"/>
+              </a:defRPr>
+            </a:pPr>
+            <a:r>
+              <a:t>Insights Actionnables :</a:t>
             </a:r>
           </a:p>
           <a:p>
             <a:pPr lvl="1">
               <a:defRPr sz="1800">
-                <a:latin typeface="Arial"/>
-              </a:defRPr>
-            </a:pPr>
-            <a:r>
-              <a:t>Activation Matters: Early usage (Day 1-3) is critical.</a:t>
+                <a:latin typeface="Times New Roman"/>
+              </a:defRPr>
+            </a:pPr>
+            <a:r>
+              <a:t>L'Activation Compte : Une utilisation précoce (Jours 1-3) est critique.</a:t>
             </a:r>
           </a:p>
           <a:p>
             <a:pPr lvl="1">
               <a:defRPr sz="1800">
-                <a:latin typeface="Arial"/>
-              </a:defRPr>
-            </a:pPr>
-            <a:r>
-              <a:t>Targeting: Focus CX on TPEs with low early activity.</a:t>
+                <a:latin typeface="Times New Roman"/>
+              </a:defRPr>
+            </a:pPr>
+            <a:r>
+              <a:t>Ciblage : Concentrer le CX sur les TPEs avec faible activité initiale.</a:t>
             </a:r>
           </a:p>
         </p:txBody>
@@ -4961,15 +5056,15 @@
           <a:lstStyle/>
           <a:p>
             <a:pPr>
-              <a:defRPr>
+              <a:defRPr b="1">
                 <a:solidFill>
                   <a:srgbClr val="003366"/>
                 </a:solidFill>
-                <a:latin typeface="Arial"/>
-              </a:defRPr>
-            </a:pPr>
-            <a:r>
-              <a:t>Business Impact &amp; Recommendations</a:t>
+                <a:latin typeface="Times New Roman"/>
+              </a:defRPr>
+            </a:pPr>
+            <a:r>
+              <a:t>Impact Business &amp; Recommandations</a:t>
             </a:r>
           </a:p>
         </p:txBody>
@@ -4992,81 +5087,81 @@
           <a:p>
             <a:pPr>
               <a:defRPr sz="1800">
-                <a:latin typeface="Arial"/>
-              </a:defRPr>
-            </a:pPr>
-            <a:r>
-              <a:t>Estimated Impact:</a:t>
+                <a:latin typeface="Times New Roman"/>
+              </a:defRPr>
+            </a:pPr>
+            <a:r>
+              <a:t>Impact Estimé :</a:t>
             </a:r>
           </a:p>
           <a:p>
             <a:pPr lvl="1">
               <a:defRPr sz="1800">
-                <a:latin typeface="Arial"/>
-              </a:defRPr>
-            </a:pPr>
-            <a:r>
-              <a:t>Target: ~400 trials/month.</a:t>
+                <a:latin typeface="Times New Roman"/>
+              </a:defRPr>
+            </a:pPr>
+            <a:r>
+              <a:t>Cible : ~400 essais/mois.</a:t>
             </a:r>
           </a:p>
           <a:p>
             <a:pPr lvl="1">
               <a:defRPr sz="1800">
-                <a:latin typeface="Arial"/>
-              </a:defRPr>
-            </a:pPr>
-            <a:r>
-              <a:t>Lift: +5-8% conversion via targeted intervention.</a:t>
+                <a:latin typeface="Times New Roman"/>
+              </a:defRPr>
+            </a:pPr>
+            <a:r>
+              <a:t>Lift : +5-8% de conversion via intervention ciblée.</a:t>
             </a:r>
           </a:p>
           <a:p>
             <a:pPr lvl="1">
               <a:defRPr sz="1800">
-                <a:latin typeface="Arial"/>
-              </a:defRPr>
-            </a:pPr>
-            <a:r>
-              <a:t>Value Calc: 400 * 0.05 * €3k (LTV) = ~€60k/month -&gt; €720k/year.</a:t>
+                <a:latin typeface="Times New Roman"/>
+              </a:defRPr>
+            </a:pPr>
+            <a:r>
+              <a:t>Valeur : 400 * 0.05 * 3k€ (LTV) = ~60k€/mois -&gt; 720k€/an.</a:t>
             </a:r>
           </a:p>
           <a:p>
             <a:pPr>
               <a:defRPr sz="1800">
-                <a:latin typeface="Arial"/>
-              </a:defRPr>
-            </a:pPr>
-            <a:r>
-              <a:t>Recommendations:</a:t>
+                <a:latin typeface="Times New Roman"/>
+              </a:defRPr>
+            </a:pPr>
+            <a:r>
+              <a:t>Recommandations :</a:t>
             </a:r>
           </a:p>
           <a:p>
             <a:pPr lvl="1">
               <a:defRPr sz="1800">
-                <a:latin typeface="Arial"/>
-              </a:defRPr>
-            </a:pPr>
-            <a:r>
-              <a:t>Day 1-3 (Automated): Nudge users if 'nb_connections' &lt; 2.</a:t>
+                <a:latin typeface="Times New Roman"/>
+              </a:defRPr>
+            </a:pPr>
+            <a:r>
+              <a:t>Jours 1-3 (Automatisé) : Nudge si 'nb_connections' &lt; 2.</a:t>
             </a:r>
           </a:p>
           <a:p>
             <a:pPr lvl="1">
               <a:defRPr sz="1800">
-                <a:latin typeface="Arial"/>
-              </a:defRPr>
-            </a:pPr>
-            <a:r>
-              <a:t>Day 7-10 (Human): CX call if Churn Prob &gt; 60%.</a:t>
+                <a:latin typeface="Times New Roman"/>
+              </a:defRPr>
+            </a:pPr>
+            <a:r>
+              <a:t>Jours 7-10 (Humain) : Appel CX si Prob. Désabonnement &gt; 60%.</a:t>
             </a:r>
           </a:p>
           <a:p>
             <a:pPr lvl="1">
               <a:defRPr sz="1800">
-                <a:latin typeface="Arial"/>
-              </a:defRPr>
-            </a:pPr>
-            <a:r>
-              <a:t>Deployment: A/B Test interventions to measure real uplift.</a:t>
+                <a:latin typeface="Times New Roman"/>
+              </a:defRPr>
+            </a:pPr>
+            <a:r>
+              <a:t>Déploiement : A/B Test des interventions pour mesurer l'uplift réel.</a:t>
             </a:r>
           </a:p>
         </p:txBody>
@@ -5105,15 +5200,15 @@
           <a:lstStyle/>
           <a:p>
             <a:pPr>
-              <a:defRPr>
+              <a:defRPr b="1">
                 <a:solidFill>
                   <a:srgbClr val="003366"/>
                 </a:solidFill>
-                <a:latin typeface="Arial"/>
-              </a:defRPr>
-            </a:pPr>
-            <a:r>
-              <a:t>Limitations &amp; Improvements</a:t>
+                <a:latin typeface="Times New Roman"/>
+              </a:defRPr>
+            </a:pPr>
+            <a:r>
+              <a:t>Limitations &amp; Améliorations</a:t>
             </a:r>
           </a:p>
         </p:txBody>
@@ -5136,71 +5231,71 @@
           <a:p>
             <a:pPr>
               <a:defRPr sz="1800">
-                <a:latin typeface="Arial"/>
-              </a:defRPr>
-            </a:pPr>
-            <a:r>
-              <a:t>Limitations:</a:t>
+                <a:latin typeface="Times New Roman"/>
+              </a:defRPr>
+            </a:pPr>
+            <a:r>
+              <a:t>Limitations :</a:t>
             </a:r>
           </a:p>
           <a:p>
             <a:pPr lvl="1">
               <a:defRPr sz="1800">
-                <a:latin typeface="Arial"/>
-              </a:defRPr>
-            </a:pPr>
-            <a:r>
-              <a:t>Small Dataset: ~416 trials limits Deep Learning potential.</a:t>
+                <a:latin typeface="Times New Roman"/>
+              </a:defRPr>
+            </a:pPr>
+            <a:r>
+              <a:t>Faible Volume de Données : ~416 essais limitent le potentiel du Deep Learning.</a:t>
             </a:r>
           </a:p>
           <a:p>
             <a:pPr lvl="1">
               <a:defRPr sz="1800">
-                <a:latin typeface="Arial"/>
-              </a:defRPr>
-            </a:pPr>
-            <a:r>
-              <a:t>External Factors: No data on economic context or seasonality.</a:t>
+                <a:latin typeface="Times New Roman"/>
+              </a:defRPr>
+            </a:pPr>
+            <a:r>
+              <a:t>Facteurs Externes : Pas de données sur le contexte économique ou la saisonnalité.</a:t>
             </a:r>
           </a:p>
           <a:p>
             <a:pPr>
               <a:defRPr sz="1800">
-                <a:latin typeface="Arial"/>
-              </a:defRPr>
-            </a:pPr>
-            <a:r>
-              <a:t>Future Improvements:</a:t>
+                <a:latin typeface="Times New Roman"/>
+              </a:defRPr>
+            </a:pPr>
+            <a:r>
+              <a:t>Améliorations Futures :</a:t>
             </a:r>
           </a:p>
           <a:p>
             <a:pPr lvl="1">
               <a:defRPr sz="1800">
-                <a:latin typeface="Arial"/>
-              </a:defRPr>
-            </a:pPr>
-            <a:r>
-              <a:t>Hybrid Ensemble: Combine LightGBM (Tabular) + GRU (Sequential).</a:t>
+                <a:latin typeface="Times New Roman"/>
+              </a:defRPr>
+            </a:pPr>
+            <a:r>
+              <a:t>Ensemble Hybride : Combiner LightGBM (Tabulaire) + GRU (Séquentiel).</a:t>
             </a:r>
           </a:p>
           <a:p>
             <a:pPr lvl="1">
               <a:defRPr sz="1800">
-                <a:latin typeface="Arial"/>
-              </a:defRPr>
-            </a:pPr>
-            <a:r>
-              <a:t>Causal ML: Model 'uplift' (Persuadables vs Do-not-disturb).</a:t>
+                <a:latin typeface="Times New Roman"/>
+              </a:defRPr>
+            </a:pPr>
+            <a:r>
+              <a:t>Causal ML : Modéliser l'uplift (Persuadables vs Do-not-disturb).</a:t>
             </a:r>
           </a:p>
           <a:p>
             <a:pPr lvl="1">
               <a:defRPr sz="1800">
-                <a:latin typeface="Arial"/>
-              </a:defRPr>
-            </a:pPr>
-            <a:r>
-              <a:t>Continuous Training: Retrain monthly to handle data drift.</a:t>
+                <a:latin typeface="Times New Roman"/>
+              </a:defRPr>
+            </a:pPr>
+            <a:r>
+              <a:t>Entraînement Continu : Réentraînement mensuel pour gérer le 'data drift'.</a:t>
             </a:r>
           </a:p>
         </p:txBody>

--- a/Presentations_Resultats_Projet.pptx
+++ b/Presentations_Resultats_Projet.pptx
@@ -5,18 +5,18 @@
     <p:sldMasterId id="2147483648" r:id="rId1"/>
   </p:sldMasterIdLst>
   <p:sldIdLst>
-    <p:sldId id="256" r:id="rId7"/>
-    <p:sldId id="257" r:id="rId8"/>
-    <p:sldId id="258" r:id="rId9"/>
-    <p:sldId id="259" r:id="rId10"/>
-    <p:sldId id="260" r:id="rId11"/>
-    <p:sldId id="261" r:id="rId12"/>
-    <p:sldId id="262" r:id="rId13"/>
-    <p:sldId id="263" r:id="rId14"/>
-    <p:sldId id="264" r:id="rId15"/>
-    <p:sldId id="265" r:id="rId16"/>
+    <p:sldId id="256" r:id="rId2"/>
+    <p:sldId id="257" r:id="rId3"/>
+    <p:sldId id="258" r:id="rId4"/>
+    <p:sldId id="259" r:id="rId5"/>
+    <p:sldId id="260" r:id="rId6"/>
+    <p:sldId id="261" r:id="rId7"/>
+    <p:sldId id="262" r:id="rId8"/>
+    <p:sldId id="263" r:id="rId9"/>
+    <p:sldId id="264" r:id="rId10"/>
+    <p:sldId id="265" r:id="rId11"/>
   </p:sldIdLst>
-  <p:sldSz cx="9144000" cy="6858000" type="screen4x3"/>
+  <p:sldSz cx="9144000" cy="5143500" type="screen16x9"/>
   <p:notesSz cx="6858000" cy="9144000"/>
   <p:defaultTextStyle>
     <a:defPPr>
@@ -113,6 +113,22 @@
       </a:defRPr>
     </a:lvl9pPr>
   </p:defaultTextStyle>
+  <p:extLst>
+    <p:ext uri="{EFAFB233-063F-42B5-8137-9DF3F51BA10A}">
+      <p15:sldGuideLst xmlns:p15="http://schemas.microsoft.com/office/powerpoint/2012/main">
+        <p15:guide id="1" orient="horz" pos="1620" userDrawn="1">
+          <p15:clr>
+            <a:srgbClr val="A4A3A4"/>
+          </p15:clr>
+        </p15:guide>
+        <p15:guide id="2" pos="2880" userDrawn="1">
+          <p15:clr>
+            <a:srgbClr val="A4A3A4"/>
+          </p15:clr>
+        </p15:guide>
+      </p15:sldGuideLst>
+    </p:ext>
+  </p:extLst>
 </p:presentation>
 </file>
 
@@ -145,8 +161,8 @@
         </p:nvSpPr>
         <p:spPr>
           <a:xfrm>
-            <a:off x="685800" y="2130425"/>
-            <a:ext cx="7772400" cy="1470025"/>
+            <a:off x="685800" y="1597819"/>
+            <a:ext cx="7772400" cy="1102519"/>
           </a:xfrm>
         </p:spPr>
         <p:txBody>
@@ -154,10 +170,9 @@
           <a:lstStyle/>
           <a:p>
             <a:r>
-              <a:rPr lang="en-US" smtClean="0"/>
+              <a:rPr lang="en-US"/>
               <a:t>Click to edit Master title style</a:t>
             </a:r>
-            <a:endParaRPr lang="en-US"/>
           </a:p>
         </p:txBody>
       </p:sp>
@@ -173,8 +188,8 @@
         </p:nvSpPr>
         <p:spPr>
           <a:xfrm>
-            <a:off x="1371600" y="3886200"/>
-            <a:ext cx="6400800" cy="1752600"/>
+            <a:off x="1371600" y="2914650"/>
+            <a:ext cx="6400800" cy="1314450"/>
           </a:xfrm>
         </p:spPr>
         <p:txBody>
@@ -190,7 +205,7 @@
                 </a:solidFill>
               </a:defRPr>
             </a:lvl1pPr>
-            <a:lvl2pPr marL="457200" indent="0" algn="ctr">
+            <a:lvl2pPr marL="342900" indent="0" algn="ctr">
               <a:buNone/>
               <a:defRPr>
                 <a:solidFill>
@@ -200,7 +215,7 @@
                 </a:solidFill>
               </a:defRPr>
             </a:lvl2pPr>
-            <a:lvl3pPr marL="914400" indent="0" algn="ctr">
+            <a:lvl3pPr marL="685800" indent="0" algn="ctr">
               <a:buNone/>
               <a:defRPr>
                 <a:solidFill>
@@ -210,7 +225,7 @@
                 </a:solidFill>
               </a:defRPr>
             </a:lvl3pPr>
-            <a:lvl4pPr marL="1371600" indent="0" algn="ctr">
+            <a:lvl4pPr marL="1028700" indent="0" algn="ctr">
               <a:buNone/>
               <a:defRPr>
                 <a:solidFill>
@@ -220,7 +235,7 @@
                 </a:solidFill>
               </a:defRPr>
             </a:lvl4pPr>
-            <a:lvl5pPr marL="1828800" indent="0" algn="ctr">
+            <a:lvl5pPr marL="1371600" indent="0" algn="ctr">
               <a:buNone/>
               <a:defRPr>
                 <a:solidFill>
@@ -230,7 +245,7 @@
                 </a:solidFill>
               </a:defRPr>
             </a:lvl5pPr>
-            <a:lvl6pPr marL="2286000" indent="0" algn="ctr">
+            <a:lvl6pPr marL="1714500" indent="0" algn="ctr">
               <a:buNone/>
               <a:defRPr>
                 <a:solidFill>
@@ -240,7 +255,7 @@
                 </a:solidFill>
               </a:defRPr>
             </a:lvl6pPr>
-            <a:lvl7pPr marL="2743200" indent="0" algn="ctr">
+            <a:lvl7pPr marL="2057400" indent="0" algn="ctr">
               <a:buNone/>
               <a:defRPr>
                 <a:solidFill>
@@ -250,7 +265,7 @@
                 </a:solidFill>
               </a:defRPr>
             </a:lvl7pPr>
-            <a:lvl8pPr marL="3200400" indent="0" algn="ctr">
+            <a:lvl8pPr marL="2400300" indent="0" algn="ctr">
               <a:buNone/>
               <a:defRPr>
                 <a:solidFill>
@@ -260,7 +275,7 @@
                 </a:solidFill>
               </a:defRPr>
             </a:lvl8pPr>
-            <a:lvl9pPr marL="3657600" indent="0" algn="ctr">
+            <a:lvl9pPr marL="2743200" indent="0" algn="ctr">
               <a:buNone/>
               <a:defRPr>
                 <a:solidFill>
@@ -273,10 +288,9 @@
           </a:lstStyle>
           <a:p>
             <a:r>
-              <a:rPr lang="en-US" smtClean="0"/>
+              <a:rPr lang="en-US"/>
               <a:t>Click to edit Master subtitle style</a:t>
             </a:r>
-            <a:endParaRPr lang="en-US"/>
           </a:p>
         </p:txBody>
       </p:sp>
@@ -297,7 +311,7 @@
           <a:p>
             <a:fld id="{5BCAD085-E8A6-8845-BD4E-CB4CCA059FC4}" type="datetimeFigureOut">
               <a:rPr lang="en-US" smtClean="0"/>
-              <a:t>1/27/13</a:t>
+              <a:t>12/10/25</a:t>
             </a:fld>
             <a:endParaRPr lang="en-US"/>
           </a:p>
@@ -391,10 +405,9 @@
           <a:lstStyle/>
           <a:p>
             <a:r>
-              <a:rPr lang="en-US" smtClean="0"/>
+              <a:rPr lang="en-US"/>
               <a:t>Click to edit Master title style</a:t>
             </a:r>
-            <a:endParaRPr lang="en-US"/>
           </a:p>
         </p:txBody>
       </p:sp>
@@ -415,38 +428,37 @@
           <a:p>
             <a:pPr lvl="0"/>
             <a:r>
-              <a:rPr lang="en-US" smtClean="0"/>
+              <a:rPr lang="en-US"/>
               <a:t>Click to edit Master text styles</a:t>
             </a:r>
           </a:p>
           <a:p>
             <a:pPr lvl="1"/>
             <a:r>
-              <a:rPr lang="en-US" smtClean="0"/>
+              <a:rPr lang="en-US"/>
               <a:t>Second level</a:t>
             </a:r>
           </a:p>
           <a:p>
             <a:pPr lvl="2"/>
             <a:r>
-              <a:rPr lang="en-US" smtClean="0"/>
+              <a:rPr lang="en-US"/>
               <a:t>Third level</a:t>
             </a:r>
           </a:p>
           <a:p>
             <a:pPr lvl="3"/>
             <a:r>
-              <a:rPr lang="en-US" smtClean="0"/>
+              <a:rPr lang="en-US"/>
               <a:t>Fourth level</a:t>
             </a:r>
           </a:p>
           <a:p>
             <a:pPr lvl="4"/>
             <a:r>
-              <a:rPr lang="en-US" smtClean="0"/>
+              <a:rPr lang="en-US"/>
               <a:t>Fifth level</a:t>
             </a:r>
-            <a:endParaRPr lang="en-US"/>
           </a:p>
         </p:txBody>
       </p:sp>
@@ -467,7 +479,7 @@
           <a:p>
             <a:fld id="{5BCAD085-E8A6-8845-BD4E-CB4CCA059FC4}" type="datetimeFigureOut">
               <a:rPr lang="en-US" smtClean="0"/>
-              <a:t>1/27/13</a:t>
+              <a:t>12/10/25</a:t>
             </a:fld>
             <a:endParaRPr lang="en-US"/>
           </a:p>
@@ -557,8 +569,8 @@
         </p:nvSpPr>
         <p:spPr>
           <a:xfrm>
-            <a:off x="6629400" y="274638"/>
-            <a:ext cx="2057400" cy="5851525"/>
+            <a:off x="6629400" y="205979"/>
+            <a:ext cx="2057400" cy="4388644"/>
           </a:xfrm>
         </p:spPr>
         <p:txBody>
@@ -566,10 +578,9 @@
           <a:lstStyle/>
           <a:p>
             <a:r>
-              <a:rPr lang="en-US" smtClean="0"/>
+              <a:rPr lang="en-US"/>
               <a:t>Click to edit Master title style</a:t>
             </a:r>
-            <a:endParaRPr lang="en-US"/>
           </a:p>
         </p:txBody>
       </p:sp>
@@ -585,8 +596,8 @@
         </p:nvSpPr>
         <p:spPr>
           <a:xfrm>
-            <a:off x="457200" y="274638"/>
-            <a:ext cx="6019800" cy="5851525"/>
+            <a:off x="457200" y="205979"/>
+            <a:ext cx="6019800" cy="4388644"/>
           </a:xfrm>
         </p:spPr>
         <p:txBody>
@@ -595,38 +606,37 @@
           <a:p>
             <a:pPr lvl="0"/>
             <a:r>
-              <a:rPr lang="en-US" smtClean="0"/>
+              <a:rPr lang="en-US"/>
               <a:t>Click to edit Master text styles</a:t>
             </a:r>
           </a:p>
           <a:p>
             <a:pPr lvl="1"/>
             <a:r>
-              <a:rPr lang="en-US" smtClean="0"/>
+              <a:rPr lang="en-US"/>
               <a:t>Second level</a:t>
             </a:r>
           </a:p>
           <a:p>
             <a:pPr lvl="2"/>
             <a:r>
-              <a:rPr lang="en-US" smtClean="0"/>
+              <a:rPr lang="en-US"/>
               <a:t>Third level</a:t>
             </a:r>
           </a:p>
           <a:p>
             <a:pPr lvl="3"/>
             <a:r>
-              <a:rPr lang="en-US" smtClean="0"/>
+              <a:rPr lang="en-US"/>
               <a:t>Fourth level</a:t>
             </a:r>
           </a:p>
           <a:p>
             <a:pPr lvl="4"/>
             <a:r>
-              <a:rPr lang="en-US" smtClean="0"/>
+              <a:rPr lang="en-US"/>
               <a:t>Fifth level</a:t>
             </a:r>
-            <a:endParaRPr lang="en-US"/>
           </a:p>
         </p:txBody>
       </p:sp>
@@ -647,7 +657,7 @@
           <a:p>
             <a:fld id="{5BCAD085-E8A6-8845-BD4E-CB4CCA059FC4}" type="datetimeFigureOut">
               <a:rPr lang="en-US" smtClean="0"/>
-              <a:t>1/27/13</a:t>
+              <a:t>12/10/25</a:t>
             </a:fld>
             <a:endParaRPr lang="en-US"/>
           </a:p>
@@ -741,10 +751,9 @@
           <a:lstStyle/>
           <a:p>
             <a:r>
-              <a:rPr lang="en-US" smtClean="0"/>
+              <a:rPr lang="en-US"/>
               <a:t>Click to edit Master title style</a:t>
             </a:r>
-            <a:endParaRPr lang="en-US"/>
           </a:p>
         </p:txBody>
       </p:sp>
@@ -765,38 +774,37 @@
           <a:p>
             <a:pPr lvl="0"/>
             <a:r>
-              <a:rPr lang="en-US" smtClean="0"/>
+              <a:rPr lang="en-US"/>
               <a:t>Click to edit Master text styles</a:t>
             </a:r>
           </a:p>
           <a:p>
             <a:pPr lvl="1"/>
             <a:r>
-              <a:rPr lang="en-US" smtClean="0"/>
+              <a:rPr lang="en-US"/>
               <a:t>Second level</a:t>
             </a:r>
           </a:p>
           <a:p>
             <a:pPr lvl="2"/>
             <a:r>
-              <a:rPr lang="en-US" smtClean="0"/>
+              <a:rPr lang="en-US"/>
               <a:t>Third level</a:t>
             </a:r>
           </a:p>
           <a:p>
             <a:pPr lvl="3"/>
             <a:r>
-              <a:rPr lang="en-US" smtClean="0"/>
+              <a:rPr lang="en-US"/>
               <a:t>Fourth level</a:t>
             </a:r>
           </a:p>
           <a:p>
             <a:pPr lvl="4"/>
             <a:r>
-              <a:rPr lang="en-US" smtClean="0"/>
+              <a:rPr lang="en-US"/>
               <a:t>Fifth level</a:t>
             </a:r>
-            <a:endParaRPr lang="en-US"/>
           </a:p>
         </p:txBody>
       </p:sp>
@@ -817,7 +825,7 @@
           <a:p>
             <a:fld id="{5BCAD085-E8A6-8845-BD4E-CB4CCA059FC4}" type="datetimeFigureOut">
               <a:rPr lang="en-US" smtClean="0"/>
-              <a:t>1/27/13</a:t>
+              <a:t>12/10/25</a:t>
             </a:fld>
             <a:endParaRPr lang="en-US"/>
           </a:p>
@@ -907,23 +915,22 @@
         </p:nvSpPr>
         <p:spPr>
           <a:xfrm>
-            <a:off x="722313" y="4406900"/>
-            <a:ext cx="7772400" cy="1362075"/>
+            <a:off x="722313" y="3305176"/>
+            <a:ext cx="7772400" cy="1021556"/>
           </a:xfrm>
         </p:spPr>
         <p:txBody>
           <a:bodyPr anchor="t"/>
           <a:lstStyle>
             <a:lvl1pPr algn="l">
-              <a:defRPr sz="4000" b="1" cap="all"/>
+              <a:defRPr sz="3000" b="1" cap="all"/>
             </a:lvl1pPr>
           </a:lstStyle>
           <a:p>
             <a:r>
-              <a:rPr lang="en-US" smtClean="0"/>
+              <a:rPr lang="en-US"/>
               <a:t>Click to edit Master title style</a:t>
             </a:r>
-            <a:endParaRPr lang="en-US"/>
           </a:p>
         </p:txBody>
       </p:sp>
@@ -939,8 +946,8 @@
         </p:nvSpPr>
         <p:spPr>
           <a:xfrm>
-            <a:off x="722313" y="2906713"/>
-            <a:ext cx="7772400" cy="1500187"/>
+            <a:off x="722313" y="2180035"/>
+            <a:ext cx="7772400" cy="1125140"/>
           </a:xfrm>
         </p:spPr>
         <p:txBody>
@@ -948,7 +955,7 @@
           <a:lstStyle>
             <a:lvl1pPr marL="0" indent="0">
               <a:buNone/>
-              <a:defRPr sz="2000">
+              <a:defRPr sz="1500">
                 <a:solidFill>
                   <a:schemeClr val="tx1">
                     <a:tint val="75000"/>
@@ -956,9 +963,9 @@
                 </a:solidFill>
               </a:defRPr>
             </a:lvl1pPr>
-            <a:lvl2pPr marL="457200" indent="0">
+            <a:lvl2pPr marL="342900" indent="0">
               <a:buNone/>
-              <a:defRPr sz="1800">
+              <a:defRPr sz="1350">
                 <a:solidFill>
                   <a:schemeClr val="tx1">
                     <a:tint val="75000"/>
@@ -966,9 +973,9 @@
                 </a:solidFill>
               </a:defRPr>
             </a:lvl2pPr>
-            <a:lvl3pPr marL="914400" indent="0">
+            <a:lvl3pPr marL="685800" indent="0">
               <a:buNone/>
-              <a:defRPr sz="1600">
+              <a:defRPr sz="1200">
                 <a:solidFill>
                   <a:schemeClr val="tx1">
                     <a:tint val="75000"/>
@@ -976,9 +983,9 @@
                 </a:solidFill>
               </a:defRPr>
             </a:lvl3pPr>
-            <a:lvl4pPr marL="1371600" indent="0">
+            <a:lvl4pPr marL="1028700" indent="0">
               <a:buNone/>
-              <a:defRPr sz="1400">
+              <a:defRPr sz="1050">
                 <a:solidFill>
                   <a:schemeClr val="tx1">
                     <a:tint val="75000"/>
@@ -986,9 +993,9 @@
                 </a:solidFill>
               </a:defRPr>
             </a:lvl4pPr>
-            <a:lvl5pPr marL="1828800" indent="0">
+            <a:lvl5pPr marL="1371600" indent="0">
               <a:buNone/>
-              <a:defRPr sz="1400">
+              <a:defRPr sz="1050">
                 <a:solidFill>
                   <a:schemeClr val="tx1">
                     <a:tint val="75000"/>
@@ -996,9 +1003,9 @@
                 </a:solidFill>
               </a:defRPr>
             </a:lvl5pPr>
-            <a:lvl6pPr marL="2286000" indent="0">
+            <a:lvl6pPr marL="1714500" indent="0">
               <a:buNone/>
-              <a:defRPr sz="1400">
+              <a:defRPr sz="1050">
                 <a:solidFill>
                   <a:schemeClr val="tx1">
                     <a:tint val="75000"/>
@@ -1006,9 +1013,9 @@
                 </a:solidFill>
               </a:defRPr>
             </a:lvl6pPr>
-            <a:lvl7pPr marL="2743200" indent="0">
+            <a:lvl7pPr marL="2057400" indent="0">
               <a:buNone/>
-              <a:defRPr sz="1400">
+              <a:defRPr sz="1050">
                 <a:solidFill>
                   <a:schemeClr val="tx1">
                     <a:tint val="75000"/>
@@ -1016,9 +1023,9 @@
                 </a:solidFill>
               </a:defRPr>
             </a:lvl7pPr>
-            <a:lvl8pPr marL="3200400" indent="0">
+            <a:lvl8pPr marL="2400300" indent="0">
               <a:buNone/>
-              <a:defRPr sz="1400">
+              <a:defRPr sz="1050">
                 <a:solidFill>
                   <a:schemeClr val="tx1">
                     <a:tint val="75000"/>
@@ -1026,9 +1033,9 @@
                 </a:solidFill>
               </a:defRPr>
             </a:lvl8pPr>
-            <a:lvl9pPr marL="3657600" indent="0">
+            <a:lvl9pPr marL="2743200" indent="0">
               <a:buNone/>
-              <a:defRPr sz="1400">
+              <a:defRPr sz="1050">
                 <a:solidFill>
                   <a:schemeClr val="tx1">
                     <a:tint val="75000"/>
@@ -1040,7 +1047,7 @@
           <a:p>
             <a:pPr lvl="0"/>
             <a:r>
-              <a:rPr lang="en-US" smtClean="0"/>
+              <a:rPr lang="en-US"/>
               <a:t>Click to edit Master text styles</a:t>
             </a:r>
           </a:p>
@@ -1063,7 +1070,7 @@
           <a:p>
             <a:fld id="{5BCAD085-E8A6-8845-BD4E-CB4CCA059FC4}" type="datetimeFigureOut">
               <a:rPr lang="en-US" smtClean="0"/>
-              <a:t>1/27/13</a:t>
+              <a:t>12/10/25</a:t>
             </a:fld>
             <a:endParaRPr lang="en-US"/>
           </a:p>
@@ -1157,10 +1164,9 @@
           <a:lstStyle/>
           <a:p>
             <a:r>
-              <a:rPr lang="en-US" smtClean="0"/>
+              <a:rPr lang="en-US"/>
               <a:t>Click to edit Master title style</a:t>
             </a:r>
-            <a:endParaRPr lang="en-US"/>
           </a:p>
         </p:txBody>
       </p:sp>
@@ -1176,76 +1182,75 @@
         </p:nvSpPr>
         <p:spPr>
           <a:xfrm>
-            <a:off x="457200" y="1600200"/>
-            <a:ext cx="4038600" cy="4525963"/>
+            <a:off x="457200" y="1200151"/>
+            <a:ext cx="4038600" cy="3394472"/>
           </a:xfrm>
         </p:spPr>
         <p:txBody>
           <a:bodyPr/>
           <a:lstStyle>
             <a:lvl1pPr>
-              <a:defRPr sz="2800"/>
+              <a:defRPr sz="2100"/>
             </a:lvl1pPr>
             <a:lvl2pPr>
-              <a:defRPr sz="2400"/>
+              <a:defRPr sz="1800"/>
             </a:lvl2pPr>
             <a:lvl3pPr>
-              <a:defRPr sz="2000"/>
+              <a:defRPr sz="1500"/>
             </a:lvl3pPr>
             <a:lvl4pPr>
-              <a:defRPr sz="1800"/>
+              <a:defRPr sz="1350"/>
             </a:lvl4pPr>
             <a:lvl5pPr>
-              <a:defRPr sz="1800"/>
+              <a:defRPr sz="1350"/>
             </a:lvl5pPr>
             <a:lvl6pPr>
-              <a:defRPr sz="1800"/>
+              <a:defRPr sz="1350"/>
             </a:lvl6pPr>
             <a:lvl7pPr>
-              <a:defRPr sz="1800"/>
+              <a:defRPr sz="1350"/>
             </a:lvl7pPr>
             <a:lvl8pPr>
-              <a:defRPr sz="1800"/>
+              <a:defRPr sz="1350"/>
             </a:lvl8pPr>
             <a:lvl9pPr>
-              <a:defRPr sz="1800"/>
+              <a:defRPr sz="1350"/>
             </a:lvl9pPr>
           </a:lstStyle>
           <a:p>
             <a:pPr lvl="0"/>
             <a:r>
-              <a:rPr lang="en-US" smtClean="0"/>
+              <a:rPr lang="en-US"/>
               <a:t>Click to edit Master text styles</a:t>
             </a:r>
           </a:p>
           <a:p>
             <a:pPr lvl="1"/>
             <a:r>
-              <a:rPr lang="en-US" smtClean="0"/>
+              <a:rPr lang="en-US"/>
               <a:t>Second level</a:t>
             </a:r>
           </a:p>
           <a:p>
             <a:pPr lvl="2"/>
             <a:r>
-              <a:rPr lang="en-US" smtClean="0"/>
+              <a:rPr lang="en-US"/>
               <a:t>Third level</a:t>
             </a:r>
           </a:p>
           <a:p>
             <a:pPr lvl="3"/>
             <a:r>
-              <a:rPr lang="en-US" smtClean="0"/>
+              <a:rPr lang="en-US"/>
               <a:t>Fourth level</a:t>
             </a:r>
           </a:p>
           <a:p>
             <a:pPr lvl="4"/>
             <a:r>
-              <a:rPr lang="en-US" smtClean="0"/>
+              <a:rPr lang="en-US"/>
               <a:t>Fifth level</a:t>
             </a:r>
-            <a:endParaRPr lang="en-US"/>
           </a:p>
         </p:txBody>
       </p:sp>
@@ -1261,76 +1266,75 @@
         </p:nvSpPr>
         <p:spPr>
           <a:xfrm>
-            <a:off x="4648200" y="1600200"/>
-            <a:ext cx="4038600" cy="4525963"/>
+            <a:off x="4648200" y="1200151"/>
+            <a:ext cx="4038600" cy="3394472"/>
           </a:xfrm>
         </p:spPr>
         <p:txBody>
           <a:bodyPr/>
           <a:lstStyle>
             <a:lvl1pPr>
-              <a:defRPr sz="2800"/>
+              <a:defRPr sz="2100"/>
             </a:lvl1pPr>
             <a:lvl2pPr>
-              <a:defRPr sz="2400"/>
+              <a:defRPr sz="1800"/>
             </a:lvl2pPr>
             <a:lvl3pPr>
-              <a:defRPr sz="2000"/>
+              <a:defRPr sz="1500"/>
             </a:lvl3pPr>
             <a:lvl4pPr>
-              <a:defRPr sz="1800"/>
+              <a:defRPr sz="1350"/>
             </a:lvl4pPr>
             <a:lvl5pPr>
-              <a:defRPr sz="1800"/>
+              <a:defRPr sz="1350"/>
             </a:lvl5pPr>
             <a:lvl6pPr>
-              <a:defRPr sz="1800"/>
+              <a:defRPr sz="1350"/>
             </a:lvl6pPr>
             <a:lvl7pPr>
-              <a:defRPr sz="1800"/>
+              <a:defRPr sz="1350"/>
             </a:lvl7pPr>
             <a:lvl8pPr>
-              <a:defRPr sz="1800"/>
+              <a:defRPr sz="1350"/>
             </a:lvl8pPr>
             <a:lvl9pPr>
-              <a:defRPr sz="1800"/>
+              <a:defRPr sz="1350"/>
             </a:lvl9pPr>
           </a:lstStyle>
           <a:p>
             <a:pPr lvl="0"/>
             <a:r>
-              <a:rPr lang="en-US" smtClean="0"/>
+              <a:rPr lang="en-US"/>
               <a:t>Click to edit Master text styles</a:t>
             </a:r>
           </a:p>
           <a:p>
             <a:pPr lvl="1"/>
             <a:r>
-              <a:rPr lang="en-US" smtClean="0"/>
+              <a:rPr lang="en-US"/>
               <a:t>Second level</a:t>
             </a:r>
           </a:p>
           <a:p>
             <a:pPr lvl="2"/>
             <a:r>
-              <a:rPr lang="en-US" smtClean="0"/>
+              <a:rPr lang="en-US"/>
               <a:t>Third level</a:t>
             </a:r>
           </a:p>
           <a:p>
             <a:pPr lvl="3"/>
             <a:r>
-              <a:rPr lang="en-US" smtClean="0"/>
+              <a:rPr lang="en-US"/>
               <a:t>Fourth level</a:t>
             </a:r>
           </a:p>
           <a:p>
             <a:pPr lvl="4"/>
             <a:r>
-              <a:rPr lang="en-US" smtClean="0"/>
+              <a:rPr lang="en-US"/>
               <a:t>Fifth level</a:t>
             </a:r>
-            <a:endParaRPr lang="en-US"/>
           </a:p>
         </p:txBody>
       </p:sp>
@@ -1351,7 +1355,7 @@
           <a:p>
             <a:fld id="{5BCAD085-E8A6-8845-BD4E-CB4CCA059FC4}" type="datetimeFigureOut">
               <a:rPr lang="en-US" smtClean="0"/>
-              <a:t>1/27/13</a:t>
+              <a:t>12/10/25</a:t>
             </a:fld>
             <a:endParaRPr lang="en-US"/>
           </a:p>
@@ -1449,10 +1453,9 @@
           </a:lstStyle>
           <a:p>
             <a:r>
-              <a:rPr lang="en-US" smtClean="0"/>
+              <a:rPr lang="en-US"/>
               <a:t>Click to edit Master title style</a:t>
             </a:r>
-            <a:endParaRPr lang="en-US"/>
           </a:p>
         </p:txBody>
       </p:sp>
@@ -1468,8 +1471,8 @@
         </p:nvSpPr>
         <p:spPr>
           <a:xfrm>
-            <a:off x="457200" y="1535113"/>
-            <a:ext cx="4040188" cy="639762"/>
+            <a:off x="457200" y="1151335"/>
+            <a:ext cx="4040188" cy="479822"/>
           </a:xfrm>
         </p:spPr>
         <p:txBody>
@@ -1477,45 +1480,45 @@
           <a:lstStyle>
             <a:lvl1pPr marL="0" indent="0">
               <a:buNone/>
-              <a:defRPr sz="2400" b="1"/>
+              <a:defRPr sz="1800" b="1"/>
             </a:lvl1pPr>
-            <a:lvl2pPr marL="457200" indent="0">
+            <a:lvl2pPr marL="342900" indent="0">
               <a:buNone/>
-              <a:defRPr sz="2000" b="1"/>
+              <a:defRPr sz="1500" b="1"/>
             </a:lvl2pPr>
-            <a:lvl3pPr marL="914400" indent="0">
+            <a:lvl3pPr marL="685800" indent="0">
               <a:buNone/>
-              <a:defRPr sz="1800" b="1"/>
+              <a:defRPr sz="1350" b="1"/>
             </a:lvl3pPr>
-            <a:lvl4pPr marL="1371600" indent="0">
+            <a:lvl4pPr marL="1028700" indent="0">
               <a:buNone/>
-              <a:defRPr sz="1600" b="1"/>
+              <a:defRPr sz="1200" b="1"/>
             </a:lvl4pPr>
-            <a:lvl5pPr marL="1828800" indent="0">
+            <a:lvl5pPr marL="1371600" indent="0">
               <a:buNone/>
-              <a:defRPr sz="1600" b="1"/>
+              <a:defRPr sz="1200" b="1"/>
             </a:lvl5pPr>
-            <a:lvl6pPr marL="2286000" indent="0">
+            <a:lvl6pPr marL="1714500" indent="0">
               <a:buNone/>
-              <a:defRPr sz="1600" b="1"/>
+              <a:defRPr sz="1200" b="1"/>
             </a:lvl6pPr>
-            <a:lvl7pPr marL="2743200" indent="0">
+            <a:lvl7pPr marL="2057400" indent="0">
               <a:buNone/>
-              <a:defRPr sz="1600" b="1"/>
+              <a:defRPr sz="1200" b="1"/>
             </a:lvl7pPr>
-            <a:lvl8pPr marL="3200400" indent="0">
+            <a:lvl8pPr marL="2400300" indent="0">
               <a:buNone/>
-              <a:defRPr sz="1600" b="1"/>
+              <a:defRPr sz="1200" b="1"/>
             </a:lvl8pPr>
-            <a:lvl9pPr marL="3657600" indent="0">
+            <a:lvl9pPr marL="2743200" indent="0">
               <a:buNone/>
-              <a:defRPr sz="1600" b="1"/>
+              <a:defRPr sz="1200" b="1"/>
             </a:lvl9pPr>
           </a:lstStyle>
           <a:p>
             <a:pPr lvl="0"/>
             <a:r>
-              <a:rPr lang="en-US" smtClean="0"/>
+              <a:rPr lang="en-US"/>
               <a:t>Click to edit Master text styles</a:t>
             </a:r>
           </a:p>
@@ -1533,76 +1536,75 @@
         </p:nvSpPr>
         <p:spPr>
           <a:xfrm>
-            <a:off x="457200" y="2174875"/>
-            <a:ext cx="4040188" cy="3951288"/>
+            <a:off x="457200" y="1631156"/>
+            <a:ext cx="4040188" cy="2963466"/>
           </a:xfrm>
         </p:spPr>
         <p:txBody>
           <a:bodyPr/>
           <a:lstStyle>
             <a:lvl1pPr>
-              <a:defRPr sz="2400"/>
+              <a:defRPr sz="1800"/>
             </a:lvl1pPr>
             <a:lvl2pPr>
-              <a:defRPr sz="2000"/>
+              <a:defRPr sz="1500"/>
             </a:lvl2pPr>
             <a:lvl3pPr>
-              <a:defRPr sz="1800"/>
+              <a:defRPr sz="1350"/>
             </a:lvl3pPr>
             <a:lvl4pPr>
-              <a:defRPr sz="1600"/>
+              <a:defRPr sz="1200"/>
             </a:lvl4pPr>
             <a:lvl5pPr>
-              <a:defRPr sz="1600"/>
+              <a:defRPr sz="1200"/>
             </a:lvl5pPr>
             <a:lvl6pPr>
-              <a:defRPr sz="1600"/>
+              <a:defRPr sz="1200"/>
             </a:lvl6pPr>
             <a:lvl7pPr>
-              <a:defRPr sz="1600"/>
+              <a:defRPr sz="1200"/>
             </a:lvl7pPr>
             <a:lvl8pPr>
-              <a:defRPr sz="1600"/>
+              <a:defRPr sz="1200"/>
             </a:lvl8pPr>
             <a:lvl9pPr>
-              <a:defRPr sz="1600"/>
+              <a:defRPr sz="1200"/>
             </a:lvl9pPr>
           </a:lstStyle>
           <a:p>
             <a:pPr lvl="0"/>
             <a:r>
-              <a:rPr lang="en-US" smtClean="0"/>
+              <a:rPr lang="en-US"/>
               <a:t>Click to edit Master text styles</a:t>
             </a:r>
           </a:p>
           <a:p>
             <a:pPr lvl="1"/>
             <a:r>
-              <a:rPr lang="en-US" smtClean="0"/>
+              <a:rPr lang="en-US"/>
               <a:t>Second level</a:t>
             </a:r>
           </a:p>
           <a:p>
             <a:pPr lvl="2"/>
             <a:r>
-              <a:rPr lang="en-US" smtClean="0"/>
+              <a:rPr lang="en-US"/>
               <a:t>Third level</a:t>
             </a:r>
           </a:p>
           <a:p>
             <a:pPr lvl="3"/>
             <a:r>
-              <a:rPr lang="en-US" smtClean="0"/>
+              <a:rPr lang="en-US"/>
               <a:t>Fourth level</a:t>
             </a:r>
           </a:p>
           <a:p>
             <a:pPr lvl="4"/>
             <a:r>
-              <a:rPr lang="en-US" smtClean="0"/>
+              <a:rPr lang="en-US"/>
               <a:t>Fifth level</a:t>
             </a:r>
-            <a:endParaRPr lang="en-US"/>
           </a:p>
         </p:txBody>
       </p:sp>
@@ -1618,8 +1620,8 @@
         </p:nvSpPr>
         <p:spPr>
           <a:xfrm>
-            <a:off x="4645025" y="1535113"/>
-            <a:ext cx="4041775" cy="639762"/>
+            <a:off x="4645026" y="1151335"/>
+            <a:ext cx="4041775" cy="479822"/>
           </a:xfrm>
         </p:spPr>
         <p:txBody>
@@ -1627,45 +1629,45 @@
           <a:lstStyle>
             <a:lvl1pPr marL="0" indent="0">
               <a:buNone/>
-              <a:defRPr sz="2400" b="1"/>
+              <a:defRPr sz="1800" b="1"/>
             </a:lvl1pPr>
-            <a:lvl2pPr marL="457200" indent="0">
+            <a:lvl2pPr marL="342900" indent="0">
               <a:buNone/>
-              <a:defRPr sz="2000" b="1"/>
+              <a:defRPr sz="1500" b="1"/>
             </a:lvl2pPr>
-            <a:lvl3pPr marL="914400" indent="0">
+            <a:lvl3pPr marL="685800" indent="0">
               <a:buNone/>
-              <a:defRPr sz="1800" b="1"/>
+              <a:defRPr sz="1350" b="1"/>
             </a:lvl3pPr>
-            <a:lvl4pPr marL="1371600" indent="0">
+            <a:lvl4pPr marL="1028700" indent="0">
               <a:buNone/>
-              <a:defRPr sz="1600" b="1"/>
+              <a:defRPr sz="1200" b="1"/>
             </a:lvl4pPr>
-            <a:lvl5pPr marL="1828800" indent="0">
+            <a:lvl5pPr marL="1371600" indent="0">
               <a:buNone/>
-              <a:defRPr sz="1600" b="1"/>
+              <a:defRPr sz="1200" b="1"/>
             </a:lvl5pPr>
-            <a:lvl6pPr marL="2286000" indent="0">
+            <a:lvl6pPr marL="1714500" indent="0">
               <a:buNone/>
-              <a:defRPr sz="1600" b="1"/>
+              <a:defRPr sz="1200" b="1"/>
             </a:lvl6pPr>
-            <a:lvl7pPr marL="2743200" indent="0">
+            <a:lvl7pPr marL="2057400" indent="0">
               <a:buNone/>
-              <a:defRPr sz="1600" b="1"/>
+              <a:defRPr sz="1200" b="1"/>
             </a:lvl7pPr>
-            <a:lvl8pPr marL="3200400" indent="0">
+            <a:lvl8pPr marL="2400300" indent="0">
               <a:buNone/>
-              <a:defRPr sz="1600" b="1"/>
+              <a:defRPr sz="1200" b="1"/>
             </a:lvl8pPr>
-            <a:lvl9pPr marL="3657600" indent="0">
+            <a:lvl9pPr marL="2743200" indent="0">
               <a:buNone/>
-              <a:defRPr sz="1600" b="1"/>
+              <a:defRPr sz="1200" b="1"/>
             </a:lvl9pPr>
           </a:lstStyle>
           <a:p>
             <a:pPr lvl="0"/>
             <a:r>
-              <a:rPr lang="en-US" smtClean="0"/>
+              <a:rPr lang="en-US"/>
               <a:t>Click to edit Master text styles</a:t>
             </a:r>
           </a:p>
@@ -1683,76 +1685,75 @@
         </p:nvSpPr>
         <p:spPr>
           <a:xfrm>
-            <a:off x="4645025" y="2174875"/>
-            <a:ext cx="4041775" cy="3951288"/>
+            <a:off x="4645026" y="1631156"/>
+            <a:ext cx="4041775" cy="2963466"/>
           </a:xfrm>
         </p:spPr>
         <p:txBody>
           <a:bodyPr/>
           <a:lstStyle>
             <a:lvl1pPr>
-              <a:defRPr sz="2400"/>
+              <a:defRPr sz="1800"/>
             </a:lvl1pPr>
             <a:lvl2pPr>
-              <a:defRPr sz="2000"/>
+              <a:defRPr sz="1500"/>
             </a:lvl2pPr>
             <a:lvl3pPr>
-              <a:defRPr sz="1800"/>
+              <a:defRPr sz="1350"/>
             </a:lvl3pPr>
             <a:lvl4pPr>
-              <a:defRPr sz="1600"/>
+              <a:defRPr sz="1200"/>
             </a:lvl4pPr>
             <a:lvl5pPr>
-              <a:defRPr sz="1600"/>
+              <a:defRPr sz="1200"/>
             </a:lvl5pPr>
             <a:lvl6pPr>
-              <a:defRPr sz="1600"/>
+              <a:defRPr sz="1200"/>
             </a:lvl6pPr>
             <a:lvl7pPr>
-              <a:defRPr sz="1600"/>
+              <a:defRPr sz="1200"/>
             </a:lvl7pPr>
             <a:lvl8pPr>
-              <a:defRPr sz="1600"/>
+              <a:defRPr sz="1200"/>
             </a:lvl8pPr>
             <a:lvl9pPr>
-              <a:defRPr sz="1600"/>
+              <a:defRPr sz="1200"/>
             </a:lvl9pPr>
           </a:lstStyle>
           <a:p>
             <a:pPr lvl="0"/>
             <a:r>
-              <a:rPr lang="en-US" smtClean="0"/>
+              <a:rPr lang="en-US"/>
               <a:t>Click to edit Master text styles</a:t>
             </a:r>
           </a:p>
           <a:p>
             <a:pPr lvl="1"/>
             <a:r>
-              <a:rPr lang="en-US" smtClean="0"/>
+              <a:rPr lang="en-US"/>
               <a:t>Second level</a:t>
             </a:r>
           </a:p>
           <a:p>
             <a:pPr lvl="2"/>
             <a:r>
-              <a:rPr lang="en-US" smtClean="0"/>
+              <a:rPr lang="en-US"/>
               <a:t>Third level</a:t>
             </a:r>
           </a:p>
           <a:p>
             <a:pPr lvl="3"/>
             <a:r>
-              <a:rPr lang="en-US" smtClean="0"/>
+              <a:rPr lang="en-US"/>
               <a:t>Fourth level</a:t>
             </a:r>
           </a:p>
           <a:p>
             <a:pPr lvl="4"/>
             <a:r>
-              <a:rPr lang="en-US" smtClean="0"/>
+              <a:rPr lang="en-US"/>
               <a:t>Fifth level</a:t>
             </a:r>
-            <a:endParaRPr lang="en-US"/>
           </a:p>
         </p:txBody>
       </p:sp>
@@ -1773,7 +1774,7 @@
           <a:p>
             <a:fld id="{5BCAD085-E8A6-8845-BD4E-CB4CCA059FC4}" type="datetimeFigureOut">
               <a:rPr lang="en-US" smtClean="0"/>
-              <a:t>1/27/13</a:t>
+              <a:t>12/10/25</a:t>
             </a:fld>
             <a:endParaRPr lang="en-US"/>
           </a:p>
@@ -1867,10 +1868,9 @@
           <a:lstStyle/>
           <a:p>
             <a:r>
-              <a:rPr lang="en-US" smtClean="0"/>
+              <a:rPr lang="en-US"/>
               <a:t>Click to edit Master title style</a:t>
             </a:r>
-            <a:endParaRPr lang="en-US"/>
           </a:p>
         </p:txBody>
       </p:sp>
@@ -1891,7 +1891,7 @@
           <a:p>
             <a:fld id="{5BCAD085-E8A6-8845-BD4E-CB4CCA059FC4}" type="datetimeFigureOut">
               <a:rPr lang="en-US" smtClean="0"/>
-              <a:t>1/27/13</a:t>
+              <a:t>12/10/25</a:t>
             </a:fld>
             <a:endParaRPr lang="en-US"/>
           </a:p>
@@ -1936,6 +1936,78 @@
               <a:t>‹#›</a:t>
             </a:fld>
             <a:endParaRPr lang="en-US"/>
+          </a:p>
+        </p:txBody>
+      </p:sp>
+      <p:sp>
+        <p:nvSpPr>
+          <p:cNvPr id="6" name="Rectangle 5">
+            <a:extLst>
+              <a:ext uri="{FF2B5EF4-FFF2-40B4-BE49-F238E27FC236}">
+                <a16:creationId xmlns:a16="http://schemas.microsoft.com/office/drawing/2014/main" id="{B26B99EB-0754-0716-6DE9-D4F79BA5BC07}"/>
+              </a:ext>
+            </a:extLst>
+          </p:cNvPr>
+          <p:cNvSpPr/>
+          <p:nvPr userDrawn="1"/>
+        </p:nvSpPr>
+        <p:spPr>
+          <a:xfrm>
+            <a:off x="0" y="0"/>
+            <a:ext cx="9144000" cy="1063228"/>
+          </a:xfrm>
+          <a:prstGeom prst="rect">
+            <a:avLst/>
+          </a:prstGeom>
+          <a:gradFill flip="none" rotWithShape="1">
+            <a:gsLst>
+              <a:gs pos="0">
+                <a:schemeClr val="accent1">
+                  <a:lumMod val="89000"/>
+                </a:schemeClr>
+              </a:gs>
+              <a:gs pos="23000">
+                <a:schemeClr val="accent1">
+                  <a:lumMod val="89000"/>
+                </a:schemeClr>
+              </a:gs>
+              <a:gs pos="69000">
+                <a:schemeClr val="accent1">
+                  <a:lumMod val="75000"/>
+                </a:schemeClr>
+              </a:gs>
+              <a:gs pos="97000">
+                <a:schemeClr val="accent1">
+                  <a:lumMod val="70000"/>
+                </a:schemeClr>
+              </a:gs>
+            </a:gsLst>
+            <a:path path="circle">
+              <a:fillToRect l="50000" t="50000" r="50000" b="50000"/>
+            </a:path>
+            <a:tileRect/>
+          </a:gradFill>
+        </p:spPr>
+        <p:style>
+          <a:lnRef idx="1">
+            <a:schemeClr val="accent1"/>
+          </a:lnRef>
+          <a:fillRef idx="3">
+            <a:schemeClr val="accent1"/>
+          </a:fillRef>
+          <a:effectRef idx="2">
+            <a:schemeClr val="accent1"/>
+          </a:effectRef>
+          <a:fontRef idx="minor">
+            <a:schemeClr val="lt1"/>
+          </a:fontRef>
+        </p:style>
+        <p:txBody>
+          <a:bodyPr rtlCol="0" anchor="ctr"/>
+          <a:lstStyle/>
+          <a:p>
+            <a:pPr algn="ctr"/>
+            <a:endParaRPr lang="pt-PT"/>
           </a:p>
         </p:txBody>
       </p:sp>
@@ -1986,7 +2058,7 @@
           <a:p>
             <a:fld id="{5BCAD085-E8A6-8845-BD4E-CB4CCA059FC4}" type="datetimeFigureOut">
               <a:rPr lang="en-US" smtClean="0"/>
-              <a:t>1/27/13</a:t>
+              <a:t>12/10/25</a:t>
             </a:fld>
             <a:endParaRPr lang="en-US"/>
           </a:p>
@@ -2076,23 +2148,22 @@
         </p:nvSpPr>
         <p:spPr>
           <a:xfrm>
-            <a:off x="457200" y="273050"/>
-            <a:ext cx="3008313" cy="1162050"/>
+            <a:off x="457201" y="204787"/>
+            <a:ext cx="3008313" cy="871538"/>
           </a:xfrm>
         </p:spPr>
         <p:txBody>
           <a:bodyPr anchor="b"/>
           <a:lstStyle>
             <a:lvl1pPr algn="l">
-              <a:defRPr sz="2000" b="1"/>
+              <a:defRPr sz="1500" b="1"/>
             </a:lvl1pPr>
           </a:lstStyle>
           <a:p>
             <a:r>
-              <a:rPr lang="en-US" smtClean="0"/>
+              <a:rPr lang="en-US"/>
               <a:t>Click to edit Master title style</a:t>
             </a:r>
-            <a:endParaRPr lang="en-US"/>
           </a:p>
         </p:txBody>
       </p:sp>
@@ -2108,76 +2179,75 @@
         </p:nvSpPr>
         <p:spPr>
           <a:xfrm>
-            <a:off x="3575050" y="273050"/>
-            <a:ext cx="5111750" cy="5853113"/>
+            <a:off x="3575050" y="204788"/>
+            <a:ext cx="5111750" cy="4389835"/>
           </a:xfrm>
         </p:spPr>
         <p:txBody>
           <a:bodyPr/>
           <a:lstStyle>
             <a:lvl1pPr>
-              <a:defRPr sz="3200"/>
+              <a:defRPr sz="2400"/>
             </a:lvl1pPr>
             <a:lvl2pPr>
-              <a:defRPr sz="2800"/>
+              <a:defRPr sz="2100"/>
             </a:lvl2pPr>
             <a:lvl3pPr>
-              <a:defRPr sz="2400"/>
+              <a:defRPr sz="1800"/>
             </a:lvl3pPr>
             <a:lvl4pPr>
-              <a:defRPr sz="2000"/>
+              <a:defRPr sz="1500"/>
             </a:lvl4pPr>
             <a:lvl5pPr>
-              <a:defRPr sz="2000"/>
+              <a:defRPr sz="1500"/>
             </a:lvl5pPr>
             <a:lvl6pPr>
-              <a:defRPr sz="2000"/>
+              <a:defRPr sz="1500"/>
             </a:lvl6pPr>
             <a:lvl7pPr>
-              <a:defRPr sz="2000"/>
+              <a:defRPr sz="1500"/>
             </a:lvl7pPr>
             <a:lvl8pPr>
-              <a:defRPr sz="2000"/>
+              <a:defRPr sz="1500"/>
             </a:lvl8pPr>
             <a:lvl9pPr>
-              <a:defRPr sz="2000"/>
+              <a:defRPr sz="1500"/>
             </a:lvl9pPr>
           </a:lstStyle>
           <a:p>
             <a:pPr lvl="0"/>
             <a:r>
-              <a:rPr lang="en-US" smtClean="0"/>
+              <a:rPr lang="en-US"/>
               <a:t>Click to edit Master text styles</a:t>
             </a:r>
           </a:p>
           <a:p>
             <a:pPr lvl="1"/>
             <a:r>
-              <a:rPr lang="en-US" smtClean="0"/>
+              <a:rPr lang="en-US"/>
               <a:t>Second level</a:t>
             </a:r>
           </a:p>
           <a:p>
             <a:pPr lvl="2"/>
             <a:r>
-              <a:rPr lang="en-US" smtClean="0"/>
+              <a:rPr lang="en-US"/>
               <a:t>Third level</a:t>
             </a:r>
           </a:p>
           <a:p>
             <a:pPr lvl="3"/>
             <a:r>
-              <a:rPr lang="en-US" smtClean="0"/>
+              <a:rPr lang="en-US"/>
               <a:t>Fourth level</a:t>
             </a:r>
           </a:p>
           <a:p>
             <a:pPr lvl="4"/>
             <a:r>
-              <a:rPr lang="en-US" smtClean="0"/>
+              <a:rPr lang="en-US"/>
               <a:t>Fifth level</a:t>
             </a:r>
-            <a:endParaRPr lang="en-US"/>
           </a:p>
         </p:txBody>
       </p:sp>
@@ -2193,8 +2263,8 @@
         </p:nvSpPr>
         <p:spPr>
           <a:xfrm>
-            <a:off x="457200" y="1435100"/>
-            <a:ext cx="3008313" cy="4691063"/>
+            <a:off x="457201" y="1076326"/>
+            <a:ext cx="3008313" cy="3518297"/>
           </a:xfrm>
         </p:spPr>
         <p:txBody>
@@ -2202,45 +2272,45 @@
           <a:lstStyle>
             <a:lvl1pPr marL="0" indent="0">
               <a:buNone/>
-              <a:defRPr sz="1400"/>
+              <a:defRPr sz="1050"/>
             </a:lvl1pPr>
-            <a:lvl2pPr marL="457200" indent="0">
-              <a:buNone/>
-              <a:defRPr sz="1200"/>
-            </a:lvl2pPr>
-            <a:lvl3pPr marL="914400" indent="0">
-              <a:buNone/>
-              <a:defRPr sz="1000"/>
-            </a:lvl3pPr>
-            <a:lvl4pPr marL="1371600" indent="0">
+            <a:lvl2pPr marL="342900" indent="0">
               <a:buNone/>
               <a:defRPr sz="900"/>
+            </a:lvl2pPr>
+            <a:lvl3pPr marL="685800" indent="0">
+              <a:buNone/>
+              <a:defRPr sz="750"/>
+            </a:lvl3pPr>
+            <a:lvl4pPr marL="1028700" indent="0">
+              <a:buNone/>
+              <a:defRPr sz="675"/>
             </a:lvl4pPr>
-            <a:lvl5pPr marL="1828800" indent="0">
+            <a:lvl5pPr marL="1371600" indent="0">
               <a:buNone/>
-              <a:defRPr sz="900"/>
+              <a:defRPr sz="675"/>
             </a:lvl5pPr>
-            <a:lvl6pPr marL="2286000" indent="0">
+            <a:lvl6pPr marL="1714500" indent="0">
               <a:buNone/>
-              <a:defRPr sz="900"/>
+              <a:defRPr sz="675"/>
             </a:lvl6pPr>
-            <a:lvl7pPr marL="2743200" indent="0">
+            <a:lvl7pPr marL="2057400" indent="0">
               <a:buNone/>
-              <a:defRPr sz="900"/>
+              <a:defRPr sz="675"/>
             </a:lvl7pPr>
-            <a:lvl8pPr marL="3200400" indent="0">
+            <a:lvl8pPr marL="2400300" indent="0">
               <a:buNone/>
-              <a:defRPr sz="900"/>
+              <a:defRPr sz="675"/>
             </a:lvl8pPr>
-            <a:lvl9pPr marL="3657600" indent="0">
+            <a:lvl9pPr marL="2743200" indent="0">
               <a:buNone/>
-              <a:defRPr sz="900"/>
+              <a:defRPr sz="675"/>
             </a:lvl9pPr>
           </a:lstStyle>
           <a:p>
             <a:pPr lvl="0"/>
             <a:r>
-              <a:rPr lang="en-US" smtClean="0"/>
+              <a:rPr lang="en-US"/>
               <a:t>Click to edit Master text styles</a:t>
             </a:r>
           </a:p>
@@ -2263,7 +2333,7 @@
           <a:p>
             <a:fld id="{5BCAD085-E8A6-8845-BD4E-CB4CCA059FC4}" type="datetimeFigureOut">
               <a:rPr lang="en-US" smtClean="0"/>
-              <a:t>1/27/13</a:t>
+              <a:t>12/10/25</a:t>
             </a:fld>
             <a:endParaRPr lang="en-US"/>
           </a:p>
@@ -2353,23 +2423,22 @@
         </p:nvSpPr>
         <p:spPr>
           <a:xfrm>
-            <a:off x="1792288" y="4800600"/>
-            <a:ext cx="5486400" cy="566738"/>
+            <a:off x="1792288" y="3600450"/>
+            <a:ext cx="5486400" cy="425054"/>
           </a:xfrm>
         </p:spPr>
         <p:txBody>
           <a:bodyPr anchor="b"/>
           <a:lstStyle>
             <a:lvl1pPr algn="l">
-              <a:defRPr sz="2000" b="1"/>
+              <a:defRPr sz="1500" b="1"/>
             </a:lvl1pPr>
           </a:lstStyle>
           <a:p>
             <a:r>
-              <a:rPr lang="en-US" smtClean="0"/>
+              <a:rPr lang="en-US"/>
               <a:t>Click to edit Master title style</a:t>
             </a:r>
-            <a:endParaRPr lang="en-US"/>
           </a:p>
         </p:txBody>
       </p:sp>
@@ -2385,8 +2454,8 @@
         </p:nvSpPr>
         <p:spPr>
           <a:xfrm>
-            <a:off x="1792288" y="612775"/>
-            <a:ext cx="5486400" cy="4114800"/>
+            <a:off x="1792288" y="459581"/>
+            <a:ext cx="5486400" cy="3086100"/>
           </a:xfrm>
         </p:spPr>
         <p:txBody>
@@ -2394,39 +2463,39 @@
           <a:lstStyle>
             <a:lvl1pPr marL="0" indent="0">
               <a:buNone/>
-              <a:defRPr sz="3200"/>
+              <a:defRPr sz="2400"/>
             </a:lvl1pPr>
-            <a:lvl2pPr marL="457200" indent="0">
+            <a:lvl2pPr marL="342900" indent="0">
               <a:buNone/>
-              <a:defRPr sz="2800"/>
+              <a:defRPr sz="2100"/>
             </a:lvl2pPr>
-            <a:lvl3pPr marL="914400" indent="0">
+            <a:lvl3pPr marL="685800" indent="0">
               <a:buNone/>
-              <a:defRPr sz="2400"/>
+              <a:defRPr sz="1800"/>
             </a:lvl3pPr>
-            <a:lvl4pPr marL="1371600" indent="0">
+            <a:lvl4pPr marL="1028700" indent="0">
               <a:buNone/>
-              <a:defRPr sz="2000"/>
+              <a:defRPr sz="1500"/>
             </a:lvl4pPr>
-            <a:lvl5pPr marL="1828800" indent="0">
+            <a:lvl5pPr marL="1371600" indent="0">
               <a:buNone/>
-              <a:defRPr sz="2000"/>
+              <a:defRPr sz="1500"/>
             </a:lvl5pPr>
-            <a:lvl6pPr marL="2286000" indent="0">
+            <a:lvl6pPr marL="1714500" indent="0">
               <a:buNone/>
-              <a:defRPr sz="2000"/>
+              <a:defRPr sz="1500"/>
             </a:lvl6pPr>
-            <a:lvl7pPr marL="2743200" indent="0">
+            <a:lvl7pPr marL="2057400" indent="0">
               <a:buNone/>
-              <a:defRPr sz="2000"/>
+              <a:defRPr sz="1500"/>
             </a:lvl7pPr>
-            <a:lvl8pPr marL="3200400" indent="0">
+            <a:lvl8pPr marL="2400300" indent="0">
               <a:buNone/>
-              <a:defRPr sz="2000"/>
+              <a:defRPr sz="1500"/>
             </a:lvl8pPr>
-            <a:lvl9pPr marL="3657600" indent="0">
+            <a:lvl9pPr marL="2743200" indent="0">
               <a:buNone/>
-              <a:defRPr sz="2000"/>
+              <a:defRPr sz="1500"/>
             </a:lvl9pPr>
           </a:lstStyle>
           <a:p>
@@ -2446,8 +2515,8 @@
         </p:nvSpPr>
         <p:spPr>
           <a:xfrm>
-            <a:off x="1792288" y="5367338"/>
-            <a:ext cx="5486400" cy="804862"/>
+            <a:off x="1792288" y="4025503"/>
+            <a:ext cx="5486400" cy="603647"/>
           </a:xfrm>
         </p:spPr>
         <p:txBody>
@@ -2455,45 +2524,45 @@
           <a:lstStyle>
             <a:lvl1pPr marL="0" indent="0">
               <a:buNone/>
-              <a:defRPr sz="1400"/>
+              <a:defRPr sz="1050"/>
             </a:lvl1pPr>
-            <a:lvl2pPr marL="457200" indent="0">
-              <a:buNone/>
-              <a:defRPr sz="1200"/>
-            </a:lvl2pPr>
-            <a:lvl3pPr marL="914400" indent="0">
-              <a:buNone/>
-              <a:defRPr sz="1000"/>
-            </a:lvl3pPr>
-            <a:lvl4pPr marL="1371600" indent="0">
+            <a:lvl2pPr marL="342900" indent="0">
               <a:buNone/>
               <a:defRPr sz="900"/>
+            </a:lvl2pPr>
+            <a:lvl3pPr marL="685800" indent="0">
+              <a:buNone/>
+              <a:defRPr sz="750"/>
+            </a:lvl3pPr>
+            <a:lvl4pPr marL="1028700" indent="0">
+              <a:buNone/>
+              <a:defRPr sz="675"/>
             </a:lvl4pPr>
-            <a:lvl5pPr marL="1828800" indent="0">
+            <a:lvl5pPr marL="1371600" indent="0">
               <a:buNone/>
-              <a:defRPr sz="900"/>
+              <a:defRPr sz="675"/>
             </a:lvl5pPr>
-            <a:lvl6pPr marL="2286000" indent="0">
+            <a:lvl6pPr marL="1714500" indent="0">
               <a:buNone/>
-              <a:defRPr sz="900"/>
+              <a:defRPr sz="675"/>
             </a:lvl6pPr>
-            <a:lvl7pPr marL="2743200" indent="0">
+            <a:lvl7pPr marL="2057400" indent="0">
               <a:buNone/>
-              <a:defRPr sz="900"/>
+              <a:defRPr sz="675"/>
             </a:lvl7pPr>
-            <a:lvl8pPr marL="3200400" indent="0">
+            <a:lvl8pPr marL="2400300" indent="0">
               <a:buNone/>
-              <a:defRPr sz="900"/>
+              <a:defRPr sz="675"/>
             </a:lvl8pPr>
-            <a:lvl9pPr marL="3657600" indent="0">
+            <a:lvl9pPr marL="2743200" indent="0">
               <a:buNone/>
-              <a:defRPr sz="900"/>
+              <a:defRPr sz="675"/>
             </a:lvl9pPr>
           </a:lstStyle>
           <a:p>
             <a:pPr lvl="0"/>
             <a:r>
-              <a:rPr lang="en-US" smtClean="0"/>
+              <a:rPr lang="en-US"/>
               <a:t>Click to edit Master text styles</a:t>
             </a:r>
           </a:p>
@@ -2516,7 +2585,7 @@
           <a:p>
             <a:fld id="{5BCAD085-E8A6-8845-BD4E-CB4CCA059FC4}" type="datetimeFigureOut">
               <a:rPr lang="en-US" smtClean="0"/>
-              <a:t>1/27/13</a:t>
+              <a:t>12/10/25</a:t>
             </a:fld>
             <a:endParaRPr lang="en-US"/>
           </a:p>
@@ -2611,8 +2680,8 @@
         </p:nvSpPr>
         <p:spPr>
           <a:xfrm>
-            <a:off x="457200" y="274638"/>
-            <a:ext cx="8229600" cy="1143000"/>
+            <a:off x="457200" y="205978"/>
+            <a:ext cx="8229600" cy="857250"/>
           </a:xfrm>
           <a:prstGeom prst="rect">
             <a:avLst/>
@@ -2625,10 +2694,9 @@
           <a:lstStyle/>
           <a:p>
             <a:r>
-              <a:rPr lang="en-US" smtClean="0"/>
+              <a:rPr lang="en-US"/>
               <a:t>Click to edit Master title style</a:t>
             </a:r>
-            <a:endParaRPr lang="en-US"/>
           </a:p>
         </p:txBody>
       </p:sp>
@@ -2644,8 +2712,8 @@
         </p:nvSpPr>
         <p:spPr>
           <a:xfrm>
-            <a:off x="457200" y="1600200"/>
-            <a:ext cx="8229600" cy="4525963"/>
+            <a:off x="457200" y="1200151"/>
+            <a:ext cx="8229600" cy="3394472"/>
           </a:xfrm>
           <a:prstGeom prst="rect">
             <a:avLst/>
@@ -2659,38 +2727,37 @@
           <a:p>
             <a:pPr lvl="0"/>
             <a:r>
-              <a:rPr lang="en-US" smtClean="0"/>
+              <a:rPr lang="en-US"/>
               <a:t>Click to edit Master text styles</a:t>
             </a:r>
           </a:p>
           <a:p>
             <a:pPr lvl="1"/>
             <a:r>
-              <a:rPr lang="en-US" smtClean="0"/>
+              <a:rPr lang="en-US"/>
               <a:t>Second level</a:t>
             </a:r>
           </a:p>
           <a:p>
             <a:pPr lvl="2"/>
             <a:r>
-              <a:rPr lang="en-US" smtClean="0"/>
+              <a:rPr lang="en-US"/>
               <a:t>Third level</a:t>
             </a:r>
           </a:p>
           <a:p>
             <a:pPr lvl="3"/>
             <a:r>
-              <a:rPr lang="en-US" smtClean="0"/>
+              <a:rPr lang="en-US"/>
               <a:t>Fourth level</a:t>
             </a:r>
           </a:p>
           <a:p>
             <a:pPr lvl="4"/>
             <a:r>
-              <a:rPr lang="en-US" smtClean="0"/>
+              <a:rPr lang="en-US"/>
               <a:t>Fifth level</a:t>
             </a:r>
-            <a:endParaRPr lang="en-US"/>
           </a:p>
         </p:txBody>
       </p:sp>
@@ -2706,8 +2773,8 @@
         </p:nvSpPr>
         <p:spPr>
           <a:xfrm>
-            <a:off x="457200" y="6356350"/>
-            <a:ext cx="2133600" cy="365125"/>
+            <a:off x="457200" y="4767263"/>
+            <a:ext cx="2133600" cy="273844"/>
           </a:xfrm>
           <a:prstGeom prst="rect">
             <a:avLst/>
@@ -2717,7 +2784,7 @@
           <a:bodyPr vert="horz" lIns="91440" tIns="45720" rIns="91440" bIns="45720" rtlCol="0" anchor="ctr"/>
           <a:lstStyle>
             <a:lvl1pPr algn="l">
-              <a:defRPr sz="1200">
+              <a:defRPr sz="900">
                 <a:solidFill>
                   <a:schemeClr val="tx1">
                     <a:tint val="75000"/>
@@ -2729,7 +2796,7 @@
           <a:p>
             <a:fld id="{5BCAD085-E8A6-8845-BD4E-CB4CCA059FC4}" type="datetimeFigureOut">
               <a:rPr lang="en-US" smtClean="0"/>
-              <a:t>1/27/13</a:t>
+              <a:t>12/10/25</a:t>
             </a:fld>
             <a:endParaRPr lang="en-US"/>
           </a:p>
@@ -2747,8 +2814,8 @@
         </p:nvSpPr>
         <p:spPr>
           <a:xfrm>
-            <a:off x="3124200" y="6356350"/>
-            <a:ext cx="2895600" cy="365125"/>
+            <a:off x="3124200" y="4767263"/>
+            <a:ext cx="2895600" cy="273844"/>
           </a:xfrm>
           <a:prstGeom prst="rect">
             <a:avLst/>
@@ -2758,7 +2825,7 @@
           <a:bodyPr vert="horz" lIns="91440" tIns="45720" rIns="91440" bIns="45720" rtlCol="0" anchor="ctr"/>
           <a:lstStyle>
             <a:lvl1pPr algn="ctr">
-              <a:defRPr sz="1200">
+              <a:defRPr sz="900">
                 <a:solidFill>
                   <a:schemeClr val="tx1">
                     <a:tint val="75000"/>
@@ -2784,8 +2851,8 @@
         </p:nvSpPr>
         <p:spPr>
           <a:xfrm>
-            <a:off x="6553200" y="6356350"/>
-            <a:ext cx="2133600" cy="365125"/>
+            <a:off x="6553200" y="4767263"/>
+            <a:ext cx="2133600" cy="273844"/>
           </a:xfrm>
           <a:prstGeom prst="rect">
             <a:avLst/>
@@ -2795,7 +2862,7 @@
           <a:bodyPr vert="horz" lIns="91440" tIns="45720" rIns="91440" bIns="45720" rtlCol="0" anchor="ctr"/>
           <a:lstStyle>
             <a:lvl1pPr algn="r">
-              <a:defRPr sz="1200">
+              <a:defRPr sz="900">
                 <a:solidFill>
                   <a:schemeClr val="tx1">
                     <a:tint val="75000"/>
@@ -2836,12 +2903,12 @@
   </p:sldLayoutIdLst>
   <p:txStyles>
     <p:titleStyle>
-      <a:lvl1pPr algn="ctr" defTabSz="457200" rtl="0" eaLnBrk="1" latinLnBrk="0" hangingPunct="1">
+      <a:lvl1pPr algn="ctr" defTabSz="342900" rtl="0" eaLnBrk="1" latinLnBrk="0" hangingPunct="1">
         <a:spcBef>
           <a:spcPct val="0"/>
         </a:spcBef>
         <a:buNone/>
-        <a:defRPr sz="4400" kern="1200">
+        <a:defRPr sz="3300" kern="1200">
           <a:solidFill>
             <a:schemeClr val="tx1"/>
           </a:solidFill>
@@ -2852,37 +2919,7 @@
       </a:lvl1pPr>
     </p:titleStyle>
     <p:bodyStyle>
-      <a:lvl1pPr marL="342900" indent="-342900" algn="l" defTabSz="457200" rtl="0" eaLnBrk="1" latinLnBrk="0" hangingPunct="1">
-        <a:spcBef>
-          <a:spcPct val="20000"/>
-        </a:spcBef>
-        <a:buFont typeface="Arial"/>
-        <a:buChar char="•"/>
-        <a:defRPr sz="3200" kern="1200">
-          <a:solidFill>
-            <a:schemeClr val="tx1"/>
-          </a:solidFill>
-          <a:latin typeface="+mn-lt"/>
-          <a:ea typeface="+mn-ea"/>
-          <a:cs typeface="+mn-cs"/>
-        </a:defRPr>
-      </a:lvl1pPr>
-      <a:lvl2pPr marL="742950" indent="-285750" algn="l" defTabSz="457200" rtl="0" eaLnBrk="1" latinLnBrk="0" hangingPunct="1">
-        <a:spcBef>
-          <a:spcPct val="20000"/>
-        </a:spcBef>
-        <a:buFont typeface="Arial"/>
-        <a:buChar char="–"/>
-        <a:defRPr sz="2800" kern="1200">
-          <a:solidFill>
-            <a:schemeClr val="tx1"/>
-          </a:solidFill>
-          <a:latin typeface="+mn-lt"/>
-          <a:ea typeface="+mn-ea"/>
-          <a:cs typeface="+mn-cs"/>
-        </a:defRPr>
-      </a:lvl2pPr>
-      <a:lvl3pPr marL="1143000" indent="-228600" algn="l" defTabSz="457200" rtl="0" eaLnBrk="1" latinLnBrk="0" hangingPunct="1">
+      <a:lvl1pPr marL="257175" indent="-257175" algn="l" defTabSz="342900" rtl="0" eaLnBrk="1" latinLnBrk="0" hangingPunct="1">
         <a:spcBef>
           <a:spcPct val="20000"/>
         </a:spcBef>
@@ -2896,14 +2933,44 @@
           <a:ea typeface="+mn-ea"/>
           <a:cs typeface="+mn-cs"/>
         </a:defRPr>
-      </a:lvl3pPr>
-      <a:lvl4pPr marL="1600200" indent="-228600" algn="l" defTabSz="457200" rtl="0" eaLnBrk="1" latinLnBrk="0" hangingPunct="1">
+      </a:lvl1pPr>
+      <a:lvl2pPr marL="557213" indent="-214313" algn="l" defTabSz="342900" rtl="0" eaLnBrk="1" latinLnBrk="0" hangingPunct="1">
         <a:spcBef>
           <a:spcPct val="20000"/>
         </a:spcBef>
         <a:buFont typeface="Arial"/>
         <a:buChar char="–"/>
-        <a:defRPr sz="2000" kern="1200">
+        <a:defRPr sz="2100" kern="1200">
+          <a:solidFill>
+            <a:schemeClr val="tx1"/>
+          </a:solidFill>
+          <a:latin typeface="+mn-lt"/>
+          <a:ea typeface="+mn-ea"/>
+          <a:cs typeface="+mn-cs"/>
+        </a:defRPr>
+      </a:lvl2pPr>
+      <a:lvl3pPr marL="857250" indent="-171450" algn="l" defTabSz="342900" rtl="0" eaLnBrk="1" latinLnBrk="0" hangingPunct="1">
+        <a:spcBef>
+          <a:spcPct val="20000"/>
+        </a:spcBef>
+        <a:buFont typeface="Arial"/>
+        <a:buChar char="•"/>
+        <a:defRPr sz="1800" kern="1200">
+          <a:solidFill>
+            <a:schemeClr val="tx1"/>
+          </a:solidFill>
+          <a:latin typeface="+mn-lt"/>
+          <a:ea typeface="+mn-ea"/>
+          <a:cs typeface="+mn-cs"/>
+        </a:defRPr>
+      </a:lvl3pPr>
+      <a:lvl4pPr marL="1200150" indent="-171450" algn="l" defTabSz="342900" rtl="0" eaLnBrk="1" latinLnBrk="0" hangingPunct="1">
+        <a:spcBef>
+          <a:spcPct val="20000"/>
+        </a:spcBef>
+        <a:buFont typeface="Arial"/>
+        <a:buChar char="–"/>
+        <a:defRPr sz="1500" kern="1200">
           <a:solidFill>
             <a:schemeClr val="tx1"/>
           </a:solidFill>
@@ -2912,13 +2979,13 @@
           <a:cs typeface="+mn-cs"/>
         </a:defRPr>
       </a:lvl4pPr>
-      <a:lvl5pPr marL="2057400" indent="-228600" algn="l" defTabSz="457200" rtl="0" eaLnBrk="1" latinLnBrk="0" hangingPunct="1">
+      <a:lvl5pPr marL="1543050" indent="-171450" algn="l" defTabSz="342900" rtl="0" eaLnBrk="1" latinLnBrk="0" hangingPunct="1">
         <a:spcBef>
           <a:spcPct val="20000"/>
         </a:spcBef>
         <a:buFont typeface="Arial"/>
         <a:buChar char="»"/>
-        <a:defRPr sz="2000" kern="1200">
+        <a:defRPr sz="1500" kern="1200">
           <a:solidFill>
             <a:schemeClr val="tx1"/>
           </a:solidFill>
@@ -2927,13 +2994,13 @@
           <a:cs typeface="+mn-cs"/>
         </a:defRPr>
       </a:lvl5pPr>
-      <a:lvl6pPr marL="2514600" indent="-228600" algn="l" defTabSz="457200" rtl="0" eaLnBrk="1" latinLnBrk="0" hangingPunct="1">
+      <a:lvl6pPr marL="1885950" indent="-171450" algn="l" defTabSz="342900" rtl="0" eaLnBrk="1" latinLnBrk="0" hangingPunct="1">
         <a:spcBef>
           <a:spcPct val="20000"/>
         </a:spcBef>
         <a:buFont typeface="Arial"/>
         <a:buChar char="•"/>
-        <a:defRPr sz="2000" kern="1200">
+        <a:defRPr sz="1500" kern="1200">
           <a:solidFill>
             <a:schemeClr val="tx1"/>
           </a:solidFill>
@@ -2942,13 +3009,13 @@
           <a:cs typeface="+mn-cs"/>
         </a:defRPr>
       </a:lvl6pPr>
-      <a:lvl7pPr marL="2971800" indent="-228600" algn="l" defTabSz="457200" rtl="0" eaLnBrk="1" latinLnBrk="0" hangingPunct="1">
+      <a:lvl7pPr marL="2228850" indent="-171450" algn="l" defTabSz="342900" rtl="0" eaLnBrk="1" latinLnBrk="0" hangingPunct="1">
         <a:spcBef>
           <a:spcPct val="20000"/>
         </a:spcBef>
         <a:buFont typeface="Arial"/>
         <a:buChar char="•"/>
-        <a:defRPr sz="2000" kern="1200">
+        <a:defRPr sz="1500" kern="1200">
           <a:solidFill>
             <a:schemeClr val="tx1"/>
           </a:solidFill>
@@ -2957,13 +3024,13 @@
           <a:cs typeface="+mn-cs"/>
         </a:defRPr>
       </a:lvl7pPr>
-      <a:lvl8pPr marL="3429000" indent="-228600" algn="l" defTabSz="457200" rtl="0" eaLnBrk="1" latinLnBrk="0" hangingPunct="1">
+      <a:lvl8pPr marL="2571750" indent="-171450" algn="l" defTabSz="342900" rtl="0" eaLnBrk="1" latinLnBrk="0" hangingPunct="1">
         <a:spcBef>
           <a:spcPct val="20000"/>
         </a:spcBef>
         <a:buFont typeface="Arial"/>
         <a:buChar char="•"/>
-        <a:defRPr sz="2000" kern="1200">
+        <a:defRPr sz="1500" kern="1200">
           <a:solidFill>
             <a:schemeClr val="tx1"/>
           </a:solidFill>
@@ -2972,13 +3039,13 @@
           <a:cs typeface="+mn-cs"/>
         </a:defRPr>
       </a:lvl8pPr>
-      <a:lvl9pPr marL="3886200" indent="-228600" algn="l" defTabSz="457200" rtl="0" eaLnBrk="1" latinLnBrk="0" hangingPunct="1">
+      <a:lvl9pPr marL="2914650" indent="-171450" algn="l" defTabSz="342900" rtl="0" eaLnBrk="1" latinLnBrk="0" hangingPunct="1">
         <a:spcBef>
           <a:spcPct val="20000"/>
         </a:spcBef>
         <a:buFont typeface="Arial"/>
         <a:buChar char="•"/>
-        <a:defRPr sz="2000" kern="1200">
+        <a:defRPr sz="1500" kern="1200">
           <a:solidFill>
             <a:schemeClr val="tx1"/>
           </a:solidFill>
@@ -2992,8 +3059,8 @@
       <a:defPPr>
         <a:defRPr lang="en-US"/>
       </a:defPPr>
-      <a:lvl1pPr marL="0" algn="l" defTabSz="457200" rtl="0" eaLnBrk="1" latinLnBrk="0" hangingPunct="1">
-        <a:defRPr sz="1800" kern="1200">
+      <a:lvl1pPr marL="0" algn="l" defTabSz="342900" rtl="0" eaLnBrk="1" latinLnBrk="0" hangingPunct="1">
+        <a:defRPr sz="1350" kern="1200">
           <a:solidFill>
             <a:schemeClr val="tx1"/>
           </a:solidFill>
@@ -3002,8 +3069,8 @@
           <a:cs typeface="+mn-cs"/>
         </a:defRPr>
       </a:lvl1pPr>
-      <a:lvl2pPr marL="457200" algn="l" defTabSz="457200" rtl="0" eaLnBrk="1" latinLnBrk="0" hangingPunct="1">
-        <a:defRPr sz="1800" kern="1200">
+      <a:lvl2pPr marL="342900" algn="l" defTabSz="342900" rtl="0" eaLnBrk="1" latinLnBrk="0" hangingPunct="1">
+        <a:defRPr sz="1350" kern="1200">
           <a:solidFill>
             <a:schemeClr val="tx1"/>
           </a:solidFill>
@@ -3012,8 +3079,8 @@
           <a:cs typeface="+mn-cs"/>
         </a:defRPr>
       </a:lvl2pPr>
-      <a:lvl3pPr marL="914400" algn="l" defTabSz="457200" rtl="0" eaLnBrk="1" latinLnBrk="0" hangingPunct="1">
-        <a:defRPr sz="1800" kern="1200">
+      <a:lvl3pPr marL="685800" algn="l" defTabSz="342900" rtl="0" eaLnBrk="1" latinLnBrk="0" hangingPunct="1">
+        <a:defRPr sz="1350" kern="1200">
           <a:solidFill>
             <a:schemeClr val="tx1"/>
           </a:solidFill>
@@ -3022,8 +3089,8 @@
           <a:cs typeface="+mn-cs"/>
         </a:defRPr>
       </a:lvl3pPr>
-      <a:lvl4pPr marL="1371600" algn="l" defTabSz="457200" rtl="0" eaLnBrk="1" latinLnBrk="0" hangingPunct="1">
-        <a:defRPr sz="1800" kern="1200">
+      <a:lvl4pPr marL="1028700" algn="l" defTabSz="342900" rtl="0" eaLnBrk="1" latinLnBrk="0" hangingPunct="1">
+        <a:defRPr sz="1350" kern="1200">
           <a:solidFill>
             <a:schemeClr val="tx1"/>
           </a:solidFill>
@@ -3032,8 +3099,8 @@
           <a:cs typeface="+mn-cs"/>
         </a:defRPr>
       </a:lvl4pPr>
-      <a:lvl5pPr marL="1828800" algn="l" defTabSz="457200" rtl="0" eaLnBrk="1" latinLnBrk="0" hangingPunct="1">
-        <a:defRPr sz="1800" kern="1200">
+      <a:lvl5pPr marL="1371600" algn="l" defTabSz="342900" rtl="0" eaLnBrk="1" latinLnBrk="0" hangingPunct="1">
+        <a:defRPr sz="1350" kern="1200">
           <a:solidFill>
             <a:schemeClr val="tx1"/>
           </a:solidFill>
@@ -3042,8 +3109,8 @@
           <a:cs typeface="+mn-cs"/>
         </a:defRPr>
       </a:lvl5pPr>
-      <a:lvl6pPr marL="2286000" algn="l" defTabSz="457200" rtl="0" eaLnBrk="1" latinLnBrk="0" hangingPunct="1">
-        <a:defRPr sz="1800" kern="1200">
+      <a:lvl6pPr marL="1714500" algn="l" defTabSz="342900" rtl="0" eaLnBrk="1" latinLnBrk="0" hangingPunct="1">
+        <a:defRPr sz="1350" kern="1200">
           <a:solidFill>
             <a:schemeClr val="tx1"/>
           </a:solidFill>
@@ -3052,8 +3119,8 @@
           <a:cs typeface="+mn-cs"/>
         </a:defRPr>
       </a:lvl6pPr>
-      <a:lvl7pPr marL="2743200" algn="l" defTabSz="457200" rtl="0" eaLnBrk="1" latinLnBrk="0" hangingPunct="1">
-        <a:defRPr sz="1800" kern="1200">
+      <a:lvl7pPr marL="2057400" algn="l" defTabSz="342900" rtl="0" eaLnBrk="1" latinLnBrk="0" hangingPunct="1">
+        <a:defRPr sz="1350" kern="1200">
           <a:solidFill>
             <a:schemeClr val="tx1"/>
           </a:solidFill>
@@ -3062,8 +3129,8 @@
           <a:cs typeface="+mn-cs"/>
         </a:defRPr>
       </a:lvl7pPr>
-      <a:lvl8pPr marL="3200400" algn="l" defTabSz="457200" rtl="0" eaLnBrk="1" latinLnBrk="0" hangingPunct="1">
-        <a:defRPr sz="1800" kern="1200">
+      <a:lvl8pPr marL="2400300" algn="l" defTabSz="342900" rtl="0" eaLnBrk="1" latinLnBrk="0" hangingPunct="1">
+        <a:defRPr sz="1350" kern="1200">
           <a:solidFill>
             <a:schemeClr val="tx1"/>
           </a:solidFill>
@@ -3072,8 +3139,8 @@
           <a:cs typeface="+mn-cs"/>
         </a:defRPr>
       </a:lvl8pPr>
-      <a:lvl9pPr marL="3657600" algn="l" defTabSz="457200" rtl="0" eaLnBrk="1" latinLnBrk="0" hangingPunct="1">
-        <a:defRPr sz="1800" kern="1200">
+      <a:lvl9pPr marL="2743200" algn="l" defTabSz="342900" rtl="0" eaLnBrk="1" latinLnBrk="0" hangingPunct="1">
+        <a:defRPr sz="1350" kern="1200">
           <a:solidFill>
             <a:schemeClr val="tx1"/>
           </a:solidFill>
@@ -3088,15 +3155,550 @@
 </file>
 
 <file path=ppt/slides/slide1.xml><?xml version="1.0" encoding="utf-8"?>
-<p:sld xmlns:a="http://schemas.openxmlformats.org/drawingml/2006/main" xmlns:p="http://schemas.openxmlformats.org/presentationml/2006/main" xmlns:r="http://schemas.openxmlformats.org/officeDocument/2006/relationships">
+<p:sld xmlns:a="http://schemas.openxmlformats.org/drawingml/2006/main" xmlns:r="http://schemas.openxmlformats.org/officeDocument/2006/relationships" xmlns:p="http://schemas.openxmlformats.org/presentationml/2006/main">
   <p:cSld>
+    <p:bg>
+      <p:bgPr>
+        <a:solidFill>
+          <a:schemeClr val="bg1"/>
+        </a:solidFill>
+        <a:effectLst/>
+      </p:bgPr>
+    </p:bg>
     <p:spTree>
       <p:nvGrpSpPr>
         <p:cNvPr id="1" name=""/>
         <p:cNvGrpSpPr/>
         <p:nvPr/>
       </p:nvGrpSpPr>
-      <p:grpSpPr/>
+      <p:grpSpPr>
+        <a:xfrm>
+          <a:off x="0" y="0"/>
+          <a:ext cx="0" cy="0"/>
+          <a:chOff x="0" y="0"/>
+          <a:chExt cx="0" cy="0"/>
+        </a:xfrm>
+      </p:grpSpPr>
+      <p:sp useBgFill="1">
+        <p:nvSpPr>
+          <p:cNvPr id="22" name="Rectangle 21">
+            <a:extLst>
+              <a:ext uri="{FF2B5EF4-FFF2-40B4-BE49-F238E27FC236}">
+                <a16:creationId xmlns:a16="http://schemas.microsoft.com/office/drawing/2014/main" id="{6F5A5072-7B47-4D32-B52A-4EBBF590B8A5}"/>
+              </a:ext>
+              <a:ext uri="{C183D7F6-B498-43B3-948B-1728B52AA6E4}">
+                <adec:decorative xmlns:adec="http://schemas.microsoft.com/office/drawing/2017/decorative" val="1"/>
+              </a:ext>
+            </a:extLst>
+          </p:cNvPr>
+          <p:cNvSpPr>
+            <a:spLocks noGrp="1" noRot="1" noChangeAspect="1" noMove="1" noResize="1" noEditPoints="1" noAdjustHandles="1" noChangeArrowheads="1" noChangeShapeType="1" noTextEdit="1"/>
+          </p:cNvSpPr>
+          <p:nvPr>
+            <p:extLst>
+              <p:ext uri="{386F3935-93C4-4BCD-93E2-E3B085C9AB24}">
+                <p16:designElem xmlns:p16="http://schemas.microsoft.com/office/powerpoint/2015/main" val="1"/>
+              </p:ext>
+            </p:extLst>
+          </p:nvPr>
+        </p:nvSpPr>
+        <p:spPr>
+          <a:xfrm>
+            <a:off x="0" y="0"/>
+            <a:ext cx="9144000" cy="5143500"/>
+          </a:xfrm>
+          <a:prstGeom prst="rect">
+            <a:avLst/>
+          </a:prstGeom>
+          <a:ln w="12700" cap="flat" cmpd="sng" algn="ctr">
+            <a:noFill/>
+            <a:prstDash val="solid"/>
+            <a:miter lim="800000"/>
+          </a:ln>
+          <a:effectLst/>
+          <a:extLst>
+            <a:ext uri="{91240B29-F687-4F45-9708-019B960494DF}">
+              <a14:hiddenLine xmlns:a14="http://schemas.microsoft.com/office/drawing/2010/main" w="12700" cap="flat" cmpd="sng" algn="ctr">
+                <a:solidFill>
+                  <a:schemeClr val="accent1">
+                    <a:shade val="50000"/>
+                  </a:schemeClr>
+                </a:solidFill>
+                <a:prstDash val="solid"/>
+                <a:miter lim="800000"/>
+              </a14:hiddenLine>
+            </a:ext>
+          </a:extLst>
+        </p:spPr>
+        <p:style>
+          <a:lnRef idx="2">
+            <a:schemeClr val="accent1">
+              <a:shade val="50000"/>
+            </a:schemeClr>
+          </a:lnRef>
+          <a:fillRef idx="1">
+            <a:schemeClr val="accent1"/>
+          </a:fillRef>
+          <a:effectRef idx="0">
+            <a:schemeClr val="accent1"/>
+          </a:effectRef>
+          <a:fontRef idx="minor">
+            <a:schemeClr val="lt1"/>
+          </a:fontRef>
+        </p:style>
+        <p:txBody>
+          <a:bodyPr rtlCol="0" anchor="ctr"/>
+          <a:lstStyle/>
+          <a:p>
+            <a:pPr algn="ctr"/>
+            <a:endParaRPr lang="en-US"/>
+          </a:p>
+        </p:txBody>
+      </p:sp>
+      <p:sp>
+        <p:nvSpPr>
+          <p:cNvPr id="23" name="Rectangle 22">
+            <a:extLst>
+              <a:ext uri="{FF2B5EF4-FFF2-40B4-BE49-F238E27FC236}">
+                <a16:creationId xmlns:a16="http://schemas.microsoft.com/office/drawing/2014/main" id="{9715DAF0-AE1B-46C9-8A6B-DB2AA05AB91D}"/>
+              </a:ext>
+              <a:ext uri="{C183D7F6-B498-43B3-948B-1728B52AA6E4}">
+                <adec:decorative xmlns:adec="http://schemas.microsoft.com/office/drawing/2017/decorative" val="1"/>
+              </a:ext>
+            </a:extLst>
+          </p:cNvPr>
+          <p:cNvSpPr>
+            <a:spLocks noGrp="1" noRot="1" noChangeAspect="1" noMove="1" noResize="1" noEditPoints="1" noAdjustHandles="1" noChangeArrowheads="1" noChangeShapeType="1" noTextEdit="1"/>
+          </p:cNvSpPr>
+          <p:nvPr>
+            <p:extLst>
+              <p:ext uri="{386F3935-93C4-4BCD-93E2-E3B085C9AB24}">
+                <p16:designElem xmlns:p16="http://schemas.microsoft.com/office/powerpoint/2015/main" val="1"/>
+              </p:ext>
+            </p:extLst>
+          </p:nvPr>
+        </p:nvSpPr>
+        <p:spPr>
+          <a:xfrm rot="10800000">
+            <a:off x="-1" y="-17019"/>
+            <a:ext cx="9143998" cy="3280596"/>
+          </a:xfrm>
+          <a:prstGeom prst="rect">
+            <a:avLst/>
+          </a:prstGeom>
+          <a:gradFill>
+            <a:gsLst>
+              <a:gs pos="0">
+                <a:schemeClr val="accent1">
+                  <a:lumMod val="75000"/>
+                </a:schemeClr>
+              </a:gs>
+              <a:gs pos="100000">
+                <a:srgbClr val="000000"/>
+              </a:gs>
+            </a:gsLst>
+            <a:lin ang="15000000" scaled="0"/>
+          </a:gradFill>
+          <a:ln>
+            <a:noFill/>
+          </a:ln>
+        </p:spPr>
+        <p:style>
+          <a:lnRef idx="2">
+            <a:schemeClr val="accent1">
+              <a:shade val="50000"/>
+            </a:schemeClr>
+          </a:lnRef>
+          <a:fillRef idx="1">
+            <a:schemeClr val="accent1"/>
+          </a:fillRef>
+          <a:effectRef idx="0">
+            <a:schemeClr val="accent1"/>
+          </a:effectRef>
+          <a:fontRef idx="minor">
+            <a:schemeClr val="lt1"/>
+          </a:fontRef>
+        </p:style>
+        <p:txBody>
+          <a:bodyPr rtlCol="0" anchor="ctr"/>
+          <a:lstStyle/>
+          <a:p>
+            <a:pPr algn="ctr"/>
+            <a:endParaRPr lang="en-US"/>
+          </a:p>
+        </p:txBody>
+      </p:sp>
+      <p:sp>
+        <p:nvSpPr>
+          <p:cNvPr id="24" name="Rectangle 23">
+            <a:extLst>
+              <a:ext uri="{FF2B5EF4-FFF2-40B4-BE49-F238E27FC236}">
+                <a16:creationId xmlns:a16="http://schemas.microsoft.com/office/drawing/2014/main" id="{6016219D-510E-4184-9090-6D5578A87BD1}"/>
+              </a:ext>
+              <a:ext uri="{C183D7F6-B498-43B3-948B-1728B52AA6E4}">
+                <adec:decorative xmlns:adec="http://schemas.microsoft.com/office/drawing/2017/decorative" val="1"/>
+              </a:ext>
+            </a:extLst>
+          </p:cNvPr>
+          <p:cNvSpPr>
+            <a:spLocks noGrp="1" noRot="1" noChangeAspect="1" noMove="1" noResize="1" noEditPoints="1" noAdjustHandles="1" noChangeArrowheads="1" noChangeShapeType="1" noTextEdit="1"/>
+          </p:cNvSpPr>
+          <p:nvPr>
+            <p:extLst>
+              <p:ext uri="{386F3935-93C4-4BCD-93E2-E3B085C9AB24}">
+                <p16:designElem xmlns:p16="http://schemas.microsoft.com/office/powerpoint/2015/main" val="1"/>
+              </p:ext>
+            </p:extLst>
+          </p:nvPr>
+        </p:nvSpPr>
+        <p:spPr>
+          <a:xfrm rot="5400000">
+            <a:off x="2931539" y="-2948881"/>
+            <a:ext cx="3280918" cy="9144000"/>
+          </a:xfrm>
+          <a:prstGeom prst="rect">
+            <a:avLst/>
+          </a:prstGeom>
+          <a:gradFill>
+            <a:gsLst>
+              <a:gs pos="40000">
+                <a:schemeClr val="accent1">
+                  <a:alpha val="0"/>
+                </a:schemeClr>
+              </a:gs>
+              <a:gs pos="100000">
+                <a:schemeClr val="accent1">
+                  <a:lumMod val="75000"/>
+                  <a:alpha val="52000"/>
+                </a:schemeClr>
+              </a:gs>
+            </a:gsLst>
+            <a:lin ang="2400000" scaled="0"/>
+          </a:gradFill>
+          <a:ln>
+            <a:noFill/>
+          </a:ln>
+        </p:spPr>
+        <p:style>
+          <a:lnRef idx="2">
+            <a:schemeClr val="accent1">
+              <a:shade val="50000"/>
+            </a:schemeClr>
+          </a:lnRef>
+          <a:fillRef idx="1">
+            <a:schemeClr val="accent1"/>
+          </a:fillRef>
+          <a:effectRef idx="0">
+            <a:schemeClr val="accent1"/>
+          </a:effectRef>
+          <a:fontRef idx="minor">
+            <a:schemeClr val="lt1"/>
+          </a:fontRef>
+        </p:style>
+        <p:txBody>
+          <a:bodyPr rtlCol="0" anchor="ctr"/>
+          <a:lstStyle/>
+          <a:p>
+            <a:pPr algn="ctr"/>
+            <a:endParaRPr lang="en-US"/>
+          </a:p>
+        </p:txBody>
+      </p:sp>
+      <p:sp>
+        <p:nvSpPr>
+          <p:cNvPr id="25" name="Rectangle 24">
+            <a:extLst>
+              <a:ext uri="{FF2B5EF4-FFF2-40B4-BE49-F238E27FC236}">
+                <a16:creationId xmlns:a16="http://schemas.microsoft.com/office/drawing/2014/main" id="{AFF4A713-7B75-4B21-90D7-5AB19547C728}"/>
+              </a:ext>
+              <a:ext uri="{C183D7F6-B498-43B3-948B-1728B52AA6E4}">
+                <adec:decorative xmlns:adec="http://schemas.microsoft.com/office/drawing/2017/decorative" val="1"/>
+              </a:ext>
+            </a:extLst>
+          </p:cNvPr>
+          <p:cNvSpPr>
+            <a:spLocks noGrp="1" noRot="1" noChangeAspect="1" noMove="1" noResize="1" noEditPoints="1" noAdjustHandles="1" noChangeArrowheads="1" noChangeShapeType="1" noTextEdit="1"/>
+          </p:cNvSpPr>
+          <p:nvPr>
+            <p:extLst>
+              <p:ext uri="{386F3935-93C4-4BCD-93E2-E3B085C9AB24}">
+                <p16:designElem xmlns:p16="http://schemas.microsoft.com/office/powerpoint/2015/main" val="1"/>
+              </p:ext>
+            </p:extLst>
+          </p:nvPr>
+        </p:nvSpPr>
+        <p:spPr>
+          <a:xfrm rot="5400000">
+            <a:off x="3102522" y="-2777901"/>
+            <a:ext cx="3280596" cy="8802359"/>
+          </a:xfrm>
+          <a:prstGeom prst="rect">
+            <a:avLst/>
+          </a:prstGeom>
+          <a:gradFill>
+            <a:gsLst>
+              <a:gs pos="17000">
+                <a:schemeClr val="accent1">
+                  <a:alpha val="0"/>
+                </a:schemeClr>
+              </a:gs>
+              <a:gs pos="100000">
+                <a:srgbClr val="000000">
+                  <a:alpha val="37000"/>
+                </a:srgbClr>
+              </a:gs>
+            </a:gsLst>
+            <a:lin ang="7800000" scaled="0"/>
+          </a:gradFill>
+          <a:ln>
+            <a:noFill/>
+          </a:ln>
+        </p:spPr>
+        <p:style>
+          <a:lnRef idx="2">
+            <a:schemeClr val="accent1">
+              <a:shade val="50000"/>
+            </a:schemeClr>
+          </a:lnRef>
+          <a:fillRef idx="1">
+            <a:schemeClr val="accent1"/>
+          </a:fillRef>
+          <a:effectRef idx="0">
+            <a:schemeClr val="accent1"/>
+          </a:effectRef>
+          <a:fontRef idx="minor">
+            <a:schemeClr val="lt1"/>
+          </a:fontRef>
+        </p:style>
+        <p:txBody>
+          <a:bodyPr rtlCol="0" anchor="ctr"/>
+          <a:lstStyle/>
+          <a:p>
+            <a:pPr algn="ctr"/>
+            <a:endParaRPr lang="en-US"/>
+          </a:p>
+        </p:txBody>
+      </p:sp>
+      <p:sp>
+        <p:nvSpPr>
+          <p:cNvPr id="26" name="Rectangle 25">
+            <a:extLst>
+              <a:ext uri="{FF2B5EF4-FFF2-40B4-BE49-F238E27FC236}">
+                <a16:creationId xmlns:a16="http://schemas.microsoft.com/office/drawing/2014/main" id="{DC631C0B-6DA6-4E57-8231-CE32B3434A7E}"/>
+              </a:ext>
+              <a:ext uri="{C183D7F6-B498-43B3-948B-1728B52AA6E4}">
+                <adec:decorative xmlns:adec="http://schemas.microsoft.com/office/drawing/2017/decorative" val="1"/>
+              </a:ext>
+            </a:extLst>
+          </p:cNvPr>
+          <p:cNvSpPr>
+            <a:spLocks noGrp="1" noRot="1" noChangeAspect="1" noMove="1" noResize="1" noEditPoints="1" noAdjustHandles="1" noChangeArrowheads="1" noChangeShapeType="1" noTextEdit="1"/>
+          </p:cNvSpPr>
+          <p:nvPr>
+            <p:extLst>
+              <p:ext uri="{386F3935-93C4-4BCD-93E2-E3B085C9AB24}">
+                <p16:designElem xmlns:p16="http://schemas.microsoft.com/office/powerpoint/2015/main" val="1"/>
+              </p:ext>
+            </p:extLst>
+          </p:nvPr>
+        </p:nvSpPr>
+        <p:spPr>
+          <a:xfrm>
+            <a:off x="-3" y="-17017"/>
+            <a:ext cx="6406863" cy="3280594"/>
+          </a:xfrm>
+          <a:prstGeom prst="rect">
+            <a:avLst/>
+          </a:prstGeom>
+          <a:gradFill>
+            <a:gsLst>
+              <a:gs pos="0">
+                <a:schemeClr val="accent1">
+                  <a:lumMod val="50000"/>
+                  <a:alpha val="0"/>
+                </a:schemeClr>
+              </a:gs>
+              <a:gs pos="100000">
+                <a:srgbClr val="000000">
+                  <a:alpha val="25000"/>
+                </a:srgbClr>
+              </a:gs>
+            </a:gsLst>
+            <a:lin ang="18600000" scaled="0"/>
+          </a:gradFill>
+          <a:ln>
+            <a:noFill/>
+          </a:ln>
+        </p:spPr>
+        <p:style>
+          <a:lnRef idx="2">
+            <a:schemeClr val="accent1">
+              <a:shade val="50000"/>
+            </a:schemeClr>
+          </a:lnRef>
+          <a:fillRef idx="1">
+            <a:schemeClr val="accent1"/>
+          </a:fillRef>
+          <a:effectRef idx="0">
+            <a:schemeClr val="accent1"/>
+          </a:effectRef>
+          <a:fontRef idx="minor">
+            <a:schemeClr val="lt1"/>
+          </a:fontRef>
+        </p:style>
+        <p:txBody>
+          <a:bodyPr rtlCol="0" anchor="ctr"/>
+          <a:lstStyle/>
+          <a:p>
+            <a:pPr algn="ctr"/>
+            <a:endParaRPr lang="en-US"/>
+          </a:p>
+        </p:txBody>
+      </p:sp>
+      <p:sp>
+        <p:nvSpPr>
+          <p:cNvPr id="27" name="Freeform: Shape 17">
+            <a:extLst>
+              <a:ext uri="{FF2B5EF4-FFF2-40B4-BE49-F238E27FC236}">
+                <a16:creationId xmlns:a16="http://schemas.microsoft.com/office/drawing/2014/main" id="{C29501E6-A978-4A61-9689-9085AF97A53A}"/>
+              </a:ext>
+              <a:ext uri="{C183D7F6-B498-43B3-948B-1728B52AA6E4}">
+                <adec:decorative xmlns:adec="http://schemas.microsoft.com/office/drawing/2017/decorative" val="1"/>
+              </a:ext>
+            </a:extLst>
+          </p:cNvPr>
+          <p:cNvSpPr>
+            <a:spLocks noGrp="1" noRot="1" noChangeAspect="1" noMove="1" noResize="1" noEditPoints="1" noAdjustHandles="1" noChangeArrowheads="1" noChangeShapeType="1" noTextEdit="1"/>
+          </p:cNvSpPr>
+          <p:nvPr>
+            <p:extLst>
+              <p:ext uri="{386F3935-93C4-4BCD-93E2-E3B085C9AB24}">
+                <p16:designElem xmlns:p16="http://schemas.microsoft.com/office/powerpoint/2015/main" val="1"/>
+              </p:ext>
+            </p:extLst>
+          </p:nvPr>
+        </p:nvSpPr>
+        <p:spPr>
+          <a:xfrm rot="12508972">
+            <a:off x="4459073" y="-774039"/>
+            <a:ext cx="3742610" cy="3329347"/>
+          </a:xfrm>
+          <a:custGeom>
+            <a:avLst/>
+            <a:gdLst>
+              <a:gd name="connsiteX0" fmla="*/ 4990147 w 4990147"/>
+              <a:gd name="connsiteY0" fmla="*/ 2229378 h 4439131"/>
+              <a:gd name="connsiteX1" fmla="*/ 917384 w 4990147"/>
+              <a:gd name="connsiteY1" fmla="*/ 4439131 h 4439131"/>
+              <a:gd name="connsiteX2" fmla="*/ 910814 w 4990147"/>
+              <a:gd name="connsiteY2" fmla="*/ 4434219 h 4439131"/>
+              <a:gd name="connsiteX3" fmla="*/ 0 w 4990147"/>
+              <a:gd name="connsiteY3" fmla="*/ 2502877 h 4439131"/>
+              <a:gd name="connsiteX4" fmla="*/ 2502877 w 4990147"/>
+              <a:gd name="connsiteY4" fmla="*/ 0 h 4439131"/>
+              <a:gd name="connsiteX5" fmla="*/ 4954904 w 4990147"/>
+              <a:gd name="connsiteY5" fmla="*/ 1998460 h 4439131"/>
+            </a:gdLst>
+            <a:ahLst/>
+            <a:cxnLst>
+              <a:cxn ang="0">
+                <a:pos x="connsiteX0" y="connsiteY0"/>
+              </a:cxn>
+              <a:cxn ang="0">
+                <a:pos x="connsiteX1" y="connsiteY1"/>
+              </a:cxn>
+              <a:cxn ang="0">
+                <a:pos x="connsiteX2" y="connsiteY2"/>
+              </a:cxn>
+              <a:cxn ang="0">
+                <a:pos x="connsiteX3" y="connsiteY3"/>
+              </a:cxn>
+              <a:cxn ang="0">
+                <a:pos x="connsiteX4" y="connsiteY4"/>
+              </a:cxn>
+              <a:cxn ang="0">
+                <a:pos x="connsiteX5" y="connsiteY5"/>
+              </a:cxn>
+            </a:cxnLst>
+            <a:rect l="l" t="t" r="r" b="b"/>
+            <a:pathLst>
+              <a:path w="4990147" h="4439131">
+                <a:moveTo>
+                  <a:pt x="4990147" y="2229378"/>
+                </a:moveTo>
+                <a:lnTo>
+                  <a:pt x="917384" y="4439131"/>
+                </a:lnTo>
+                <a:lnTo>
+                  <a:pt x="910814" y="4434219"/>
+                </a:lnTo>
+                <a:cubicBezTo>
+                  <a:pt x="354557" y="3975154"/>
+                  <a:pt x="0" y="3280421"/>
+                  <a:pt x="0" y="2502877"/>
+                </a:cubicBezTo>
+                <a:cubicBezTo>
+                  <a:pt x="0" y="1120576"/>
+                  <a:pt x="1120576" y="0"/>
+                  <a:pt x="2502877" y="0"/>
+                </a:cubicBezTo>
+                <a:cubicBezTo>
+                  <a:pt x="3712390" y="0"/>
+                  <a:pt x="4721520" y="857941"/>
+                  <a:pt x="4954904" y="1998460"/>
+                </a:cubicBezTo>
+                <a:close/>
+              </a:path>
+            </a:pathLst>
+          </a:custGeom>
+          <a:gradFill>
+            <a:gsLst>
+              <a:gs pos="0">
+                <a:schemeClr val="accent1">
+                  <a:alpha val="22000"/>
+                </a:schemeClr>
+              </a:gs>
+              <a:gs pos="87000">
+                <a:schemeClr val="accent1">
+                  <a:lumMod val="60000"/>
+                  <a:lumOff val="40000"/>
+                  <a:alpha val="2000"/>
+                </a:schemeClr>
+              </a:gs>
+            </a:gsLst>
+            <a:lin ang="8400000" scaled="0"/>
+          </a:gradFill>
+          <a:ln>
+            <a:noFill/>
+          </a:ln>
+        </p:spPr>
+        <p:style>
+          <a:lnRef idx="2">
+            <a:schemeClr val="accent1">
+              <a:shade val="50000"/>
+            </a:schemeClr>
+          </a:lnRef>
+          <a:fillRef idx="1">
+            <a:schemeClr val="accent1"/>
+          </a:fillRef>
+          <a:effectRef idx="0">
+            <a:schemeClr val="accent1"/>
+          </a:effectRef>
+          <a:fontRef idx="minor">
+            <a:schemeClr val="lt1"/>
+          </a:fontRef>
+        </p:style>
+        <p:txBody>
+          <a:bodyPr wrap="square" rtlCol="0" anchor="ctr">
+            <a:noAutofit/>
+          </a:bodyPr>
+          <a:lstStyle/>
+          <a:p>
+            <a:pPr algn="ctr"/>
+            <a:endParaRPr lang="en-US" dirty="0"/>
+          </a:p>
+        </p:txBody>
+      </p:sp>
       <p:sp>
         <p:nvSpPr>
           <p:cNvPr id="2" name="Title 1"/>
@@ -3107,12 +3709,19 @@
             <p:ph type="ctrTitle"/>
           </p:nvPr>
         </p:nvSpPr>
-        <p:spPr/>
-        <p:txBody>
-          <a:bodyPr/>
-          <a:lstStyle/>
-          <a:p>
-            <a:pPr>
+        <p:spPr>
+          <a:xfrm>
+            <a:off x="986118" y="551329"/>
+            <a:ext cx="7540322" cy="2196353"/>
+          </a:xfrm>
+        </p:spPr>
+        <p:txBody>
+          <a:bodyPr anchor="b">
+            <a:normAutofit/>
+          </a:bodyPr>
+          <a:lstStyle/>
+          <a:p>
+            <a:pPr algn="l">
               <a:defRPr b="1">
                 <a:solidFill>
                   <a:srgbClr val="003366"/>
@@ -3121,12 +3730,12 @@
               </a:defRPr>
             </a:pPr>
             <a:r>
-              <a:t>Prédiction de Conversion Trial-to-Paid :</a:t>
-            </a:r>
-          </a:p>
-          <a:p>
-            <a:r>
-              <a:t>Insights Data-Driven pour Kolecto</a:t>
+              <a:rPr lang="en-US" sz="3600">
+                <a:solidFill>
+                  <a:srgbClr val="FFFFFF"/>
+                </a:solidFill>
+              </a:rPr>
+              <a:t>Prédiction de Conversion Trial-to-Paid</a:t>
             </a:r>
           </a:p>
         </p:txBody>
@@ -3141,63 +3750,39 @@
             <p:ph type="subTitle" idx="1"/>
           </p:nvPr>
         </p:nvSpPr>
-        <p:spPr/>
-        <p:txBody>
-          <a:bodyPr/>
-          <a:lstStyle/>
-          <a:p>
-            <a:pPr>
+        <p:spPr>
+          <a:xfrm>
+            <a:off x="1013011" y="3653118"/>
+            <a:ext cx="7504463" cy="1093693"/>
+          </a:xfrm>
+        </p:spPr>
+        <p:txBody>
+          <a:bodyPr anchor="ctr">
+            <a:normAutofit/>
+          </a:bodyPr>
+          <a:lstStyle/>
+          <a:p>
+            <a:pPr algn="l">
               <a:defRPr>
                 <a:latin typeface="Times New Roman"/>
               </a:defRPr>
             </a:pPr>
-            <a:r>
-              <a:t>Améliorer le taux de conversion de ~60% via l'analyse des signaux précurseurs et le Machine Learning</a:t>
-            </a:r>
-          </a:p>
-          <a:p>
-            <a:pPr>
+            <a:endParaRPr lang="en-JP"/>
+          </a:p>
+          <a:p>
+            <a:pPr algn="l">
               <a:defRPr>
                 <a:latin typeface="Times New Roman"/>
               </a:defRPr>
             </a:pPr>
-          </a:p>
-          <a:p>
-            <a:pPr>
-              <a:defRPr>
-                <a:latin typeface="Times New Roman"/>
-              </a:defRPr>
-            </a:pPr>
-            <a:r>
-              <a:t>Antigravity Agent – 2025-12-10</a:t>
-            </a:r>
-          </a:p>
-        </p:txBody>
-      </p:sp>
-      <p:pic>
-        <p:nvPicPr>
-          <p:cNvPr id="4" name="Picture 3" descr="kolecto_logo.png"/>
-          <p:cNvPicPr>
-            <a:picLocks noChangeAspect="1"/>
-          </p:cNvPicPr>
-          <p:nvPr/>
-        </p:nvPicPr>
-        <p:blipFill>
-          <a:blip r:embed="rId2"/>
-          <a:stretch>
-            <a:fillRect/>
-          </a:stretch>
-        </p:blipFill>
-        <p:spPr>
-          <a:xfrm>
-            <a:off x="457200" y="457200"/>
-            <a:ext cx="914400" cy="914400"/>
-          </a:xfrm>
-          <a:prstGeom prst="rect">
-            <a:avLst/>
-          </a:prstGeom>
-        </p:spPr>
-      </p:pic>
+            <a:r>
+              <a:rPr lang="en-US"/>
+              <a:t>Kolecto – 11/12/2025</a:t>
+            </a:r>
+            <a:endParaRPr lang="en-JP"/>
+          </a:p>
+        </p:txBody>
+      </p:sp>
     </p:spTree>
   </p:cSld>
   <p:clrMapOvr>
@@ -3207,7 +3792,7 @@
 </file>
 
 <file path=ppt/slides/slide10.xml><?xml version="1.0" encoding="utf-8"?>
-<p:sld xmlns:a="http://schemas.openxmlformats.org/drawingml/2006/main" xmlns:p="http://schemas.openxmlformats.org/presentationml/2006/main" xmlns:r="http://schemas.openxmlformats.org/officeDocument/2006/relationships">
+<p:sld xmlns:a="http://schemas.openxmlformats.org/drawingml/2006/main" xmlns:r="http://schemas.openxmlformats.org/officeDocument/2006/relationships" xmlns:p="http://schemas.openxmlformats.org/presentationml/2006/main">
   <p:cSld>
     <p:spTree>
       <p:nvGrpSpPr>
@@ -3215,7 +3800,14 @@
         <p:cNvGrpSpPr/>
         <p:nvPr/>
       </p:nvGrpSpPr>
-      <p:grpSpPr/>
+      <p:grpSpPr>
+        <a:xfrm>
+          <a:off x="0" y="0"/>
+          <a:ext cx="0" cy="0"/>
+          <a:chOff x="0" y="0"/>
+          <a:chExt cx="0" cy="0"/>
+        </a:xfrm>
+      </p:grpSpPr>
       <p:sp>
         <p:nvSpPr>
           <p:cNvPr id="2" name="Title 1"/>
@@ -3232,7 +3824,7 @@
           <a:lstStyle/>
           <a:p>
             <a:pPr>
-              <a:defRPr b="1">
+              <a:defRPr sz="3600" b="1">
                 <a:solidFill>
                   <a:srgbClr val="003366"/>
                 </a:solidFill>
@@ -3247,87 +3839,124 @@
       </p:sp>
       <p:sp>
         <p:nvSpPr>
-          <p:cNvPr id="3" name="Content Placeholder 2"/>
-          <p:cNvSpPr>
-            <a:spLocks noGrp="1"/>
-          </p:cNvSpPr>
-          <p:nvPr>
-            <p:ph idx="1"/>
-          </p:nvPr>
-        </p:nvSpPr>
-        <p:spPr/>
-        <p:txBody>
-          <a:bodyPr/>
-          <a:lstStyle/>
-          <a:p/>
+          <p:cNvPr id="4" name="TextBox 3"/>
+          <p:cNvSpPr txBox="1"/>
+          <p:nvPr/>
+        </p:nvSpPr>
+        <p:spPr>
+          <a:xfrm>
+            <a:off x="1485900" y="1028700"/>
+            <a:ext cx="6172200" cy="2323713"/>
+          </a:xfrm>
+          <a:prstGeom prst="rect">
+            <a:avLst/>
+          </a:prstGeom>
+          <a:noFill/>
+        </p:spPr>
+        <p:txBody>
+          <a:bodyPr wrap="square">
+            <a:spAutoFit/>
+          </a:bodyPr>
+          <a:lstStyle/>
+          <a:p>
+            <a:endParaRPr sz="1350"/>
+          </a:p>
           <a:p>
             <a:pPr>
+              <a:spcAft>
+                <a:spcPts val="750"/>
+              </a:spcAft>
               <a:defRPr sz="1800">
                 <a:latin typeface="Times New Roman"/>
               </a:defRPr>
             </a:pPr>
             <a:r>
-              <a:t>Résumé :</a:t>
+              <a:rPr sz="1350"/>
+              <a:t>• Résumé :</a:t>
             </a:r>
           </a:p>
           <a:p>
             <a:pPr lvl="1">
+              <a:spcAft>
+                <a:spcPts val="750"/>
+              </a:spcAft>
+              <a:defRPr sz="1600">
+                <a:latin typeface="Times New Roman"/>
+              </a:defRPr>
+            </a:pPr>
+            <a:r>
+              <a:rPr sz="1200"/>
+              <a:t>•  Modèle robuste livré (LightGBM AUC 0.790).</a:t>
+            </a:r>
+          </a:p>
+          <a:p>
+            <a:pPr lvl="1">
+              <a:spcAft>
+                <a:spcPts val="750"/>
+              </a:spcAft>
+              <a:defRPr sz="1600">
+                <a:latin typeface="Times New Roman"/>
+              </a:defRPr>
+            </a:pPr>
+            <a:r>
+              <a:rPr sz="1200"/>
+              <a:t>•  Leviers identifiés pour un lift de conversion de +5-8%.</a:t>
+            </a:r>
+          </a:p>
+          <a:p>
+            <a:pPr>
+              <a:spcAft>
+                <a:spcPts val="750"/>
+              </a:spcAft>
               <a:defRPr sz="1800">
                 <a:latin typeface="Times New Roman"/>
               </a:defRPr>
             </a:pPr>
             <a:r>
-              <a:t>Modèle robuste livré (LightGBM AUC 0.790).</a:t>
-            </a:r>
-          </a:p>
-          <a:p>
-            <a:pPr lvl="1">
+              <a:rPr sz="1350"/>
+              <a:t>• Prochaines Étapes :</a:t>
+            </a:r>
+          </a:p>
+          <a:p>
+            <a:pPr>
+              <a:spcAft>
+                <a:spcPts val="750"/>
+              </a:spcAft>
               <a:defRPr sz="1800">
                 <a:latin typeface="Times New Roman"/>
               </a:defRPr>
             </a:pPr>
             <a:r>
-              <a:t>Leviers identifiés pour un lift de conversion de +5-8%.</a:t>
+              <a:rPr sz="1350"/>
+              <a:t>•    1. Déployer l'API de Scoring (Containerisée).</a:t>
             </a:r>
           </a:p>
           <a:p>
             <a:pPr>
+              <a:spcAft>
+                <a:spcPts val="750"/>
+              </a:spcAft>
               <a:defRPr sz="1800">
                 <a:latin typeface="Times New Roman"/>
               </a:defRPr>
             </a:pPr>
             <a:r>
-              <a:t>Prochaines Étapes :</a:t>
+              <a:rPr sz="1350"/>
+              <a:t>•    2. Lancer l'A/B Test pour les actions CX.</a:t>
             </a:r>
           </a:p>
           <a:p>
             <a:pPr>
+              <a:spcAft>
+                <a:spcPts val="750"/>
+              </a:spcAft>
               <a:defRPr sz="1800">
                 <a:latin typeface="Times New Roman"/>
               </a:defRPr>
             </a:pPr>
             <a:r>
-              <a:t>   1. Déployer l'API de Scoring (Containerisée).</a:t>
-            </a:r>
-          </a:p>
-          <a:p>
-            <a:pPr>
-              <a:defRPr sz="1800">
-                <a:latin typeface="Times New Roman"/>
-              </a:defRPr>
-            </a:pPr>
-            <a:r>
-              <a:t>   2. Lancer l'A/B Test pour les actions CX.</a:t>
-            </a:r>
-          </a:p>
-          <a:p>
-            <a:pPr>
-              <a:defRPr sz="1800">
-                <a:latin typeface="Times New Roman"/>
-              </a:defRPr>
-            </a:pPr>
-            <a:r>
-              <a:t>   3. Monitorer la Performance (MLflow) &amp; Collecter plus de données.</a:t>
+              <a:rPr sz="1350"/>
+              <a:t>•    3. Monitorer la Performance (MLflow) &amp; Collecter plus de données.</a:t>
             </a:r>
           </a:p>
         </p:txBody>
@@ -3341,7 +3970,7 @@
 </file>
 
 <file path=ppt/slides/slide2.xml><?xml version="1.0" encoding="utf-8"?>
-<p:sld xmlns:a="http://schemas.openxmlformats.org/drawingml/2006/main" xmlns:p="http://schemas.openxmlformats.org/presentationml/2006/main" xmlns:r="http://schemas.openxmlformats.org/officeDocument/2006/relationships">
+<p:sld xmlns:a="http://schemas.openxmlformats.org/drawingml/2006/main" xmlns:r="http://schemas.openxmlformats.org/officeDocument/2006/relationships" xmlns:p="http://schemas.openxmlformats.org/presentationml/2006/main">
   <p:cSld>
     <p:spTree>
       <p:nvGrpSpPr>
@@ -3349,7 +3978,14 @@
         <p:cNvGrpSpPr/>
         <p:nvPr/>
       </p:nvGrpSpPr>
-      <p:grpSpPr/>
+      <p:grpSpPr>
+        <a:xfrm>
+          <a:off x="0" y="0"/>
+          <a:ext cx="0" cy="0"/>
+          <a:chOff x="0" y="0"/>
+          <a:chExt cx="0" cy="0"/>
+        </a:xfrm>
+      </p:grpSpPr>
       <p:sp>
         <p:nvSpPr>
           <p:cNvPr id="2" name="Title 1"/>
@@ -3366,7 +4002,7 @@
           <a:lstStyle/>
           <a:p>
             <a:pPr>
-              <a:defRPr b="1">
+              <a:defRPr sz="3600" b="1">
                 <a:solidFill>
                   <a:srgbClr val="003366"/>
                 </a:solidFill>
@@ -3374,114 +4010,185 @@
               </a:defRPr>
             </a:pPr>
             <a:r>
-              <a:t>Contexte Business &amp; Objectifs</a:t>
-            </a:r>
-          </a:p>
-        </p:txBody>
-      </p:sp>
-      <p:sp>
-        <p:nvSpPr>
-          <p:cNvPr id="3" name="Content Placeholder 2"/>
-          <p:cNvSpPr>
-            <a:spLocks noGrp="1"/>
-          </p:cNvSpPr>
-          <p:nvPr>
-            <p:ph idx="1"/>
-          </p:nvPr>
-        </p:nvSpPr>
-        <p:spPr/>
-        <p:txBody>
-          <a:bodyPr/>
-          <a:lstStyle/>
-          <a:p/>
+              <a:rPr lang="en-US" dirty="0" err="1">
+                <a:solidFill>
+                  <a:schemeClr val="bg1"/>
+                </a:solidFill>
+              </a:rPr>
+              <a:t>Contexte</a:t>
+            </a:r>
+            <a:r>
+              <a:rPr lang="en-US" dirty="0">
+                <a:solidFill>
+                  <a:schemeClr val="bg1"/>
+                </a:solidFill>
+              </a:rPr>
+              <a:t> Business &amp; </a:t>
+            </a:r>
+            <a:r>
+              <a:rPr lang="en-US" dirty="0" err="1">
+                <a:solidFill>
+                  <a:schemeClr val="bg1"/>
+                </a:solidFill>
+              </a:rPr>
+              <a:t>Objectifs</a:t>
+            </a:r>
+            <a:endParaRPr lang="en-US" dirty="0">
+              <a:solidFill>
+                <a:schemeClr val="bg1"/>
+              </a:solidFill>
+            </a:endParaRPr>
+          </a:p>
+        </p:txBody>
+      </p:sp>
+      <p:sp>
+        <p:nvSpPr>
+          <p:cNvPr id="4" name="TextBox 3"/>
+          <p:cNvSpPr txBox="1"/>
+          <p:nvPr/>
+        </p:nvSpPr>
+        <p:spPr>
+          <a:xfrm>
+            <a:off x="1485900" y="1028701"/>
+            <a:ext cx="6172200" cy="2852063"/>
+          </a:xfrm>
+          <a:prstGeom prst="rect">
+            <a:avLst/>
+          </a:prstGeom>
+          <a:noFill/>
+        </p:spPr>
+        <p:txBody>
+          <a:bodyPr wrap="square">
+            <a:spAutoFit/>
+          </a:bodyPr>
+          <a:lstStyle/>
+          <a:p>
+            <a:endParaRPr lang="en-US" sz="1350"/>
+          </a:p>
           <a:p>
             <a:pPr>
+              <a:spcAft>
+                <a:spcPts val="750"/>
+              </a:spcAft>
               <a:defRPr sz="1800">
                 <a:latin typeface="Times New Roman"/>
               </a:defRPr>
             </a:pPr>
             <a:r>
-              <a:t>Contexte :</a:t>
+              <a:rPr lang="en-US" sz="1350"/>
+              <a:t>• Contexte :</a:t>
             </a:r>
           </a:p>
           <a:p>
             <a:pPr lvl="1">
+              <a:spcAft>
+                <a:spcPts val="750"/>
+              </a:spcAft>
+              <a:defRPr sz="1600">
+                <a:latin typeface="Times New Roman"/>
+              </a:defRPr>
+            </a:pPr>
+            <a:r>
+              <a:rPr lang="en-US" sz="1200"/>
+              <a:t>•  Kolecto propose un essai gratuit de 15 jours convertissant en abonnement payant.</a:t>
+            </a:r>
+          </a:p>
+          <a:p>
+            <a:pPr lvl="1">
+              <a:spcAft>
+                <a:spcPts val="750"/>
+              </a:spcAft>
+              <a:defRPr sz="1600">
+                <a:latin typeface="Times New Roman"/>
+              </a:defRPr>
+            </a:pPr>
+            <a:r>
+              <a:rPr lang="en-US" sz="1200"/>
+              <a:t>•  Taux de conversion actuel : ~60% (Satisfaisant mais perfectible).</a:t>
+            </a:r>
+          </a:p>
+          <a:p>
+            <a:pPr>
+              <a:spcAft>
+                <a:spcPts val="750"/>
+              </a:spcAft>
               <a:defRPr sz="1800">
                 <a:latin typeface="Times New Roman"/>
               </a:defRPr>
             </a:pPr>
             <a:r>
-              <a:t>Kolecto propose un essai gratuit de 15 jours convertissant en abonnement payant.</a:t>
+              <a:rPr lang="en-US" sz="1350"/>
+              <a:t>• Challenge :</a:t>
             </a:r>
           </a:p>
           <a:p>
             <a:pPr lvl="1">
+              <a:spcAft>
+                <a:spcPts val="750"/>
+              </a:spcAft>
+              <a:defRPr sz="1600">
+                <a:latin typeface="Times New Roman"/>
+              </a:defRPr>
+            </a:pPr>
+            <a:r>
+              <a:rPr lang="en-US" sz="1200"/>
+              <a:t>•  Identifier tôt les signaux précurseurs (succès vs désabonnement).</a:t>
+            </a:r>
+          </a:p>
+          <a:p>
+            <a:pPr lvl="1">
+              <a:spcAft>
+                <a:spcPts val="750"/>
+              </a:spcAft>
+              <a:defRPr sz="1600">
+                <a:latin typeface="Times New Roman"/>
+              </a:defRPr>
+            </a:pPr>
+            <a:r>
+              <a:rPr lang="en-US" sz="1200"/>
+              <a:t>•  Permettre des actions ciblées par l'équipe Customer Experience (CX).</a:t>
+            </a:r>
+          </a:p>
+          <a:p>
+            <a:pPr>
+              <a:spcAft>
+                <a:spcPts val="750"/>
+              </a:spcAft>
               <a:defRPr sz="1800">
                 <a:latin typeface="Times New Roman"/>
               </a:defRPr>
             </a:pPr>
             <a:r>
-              <a:t>Taux de conversion actuel : ~60% (Satisfaisant mais perfectible).</a:t>
-            </a:r>
-          </a:p>
-          <a:p>
-            <a:pPr>
-              <a:defRPr sz="1800">
+              <a:rPr lang="en-US" sz="1350"/>
+              <a:t>• Objectifs :</a:t>
+            </a:r>
+          </a:p>
+          <a:p>
+            <a:pPr lvl="1">
+              <a:spcAft>
+                <a:spcPts val="750"/>
+              </a:spcAft>
+              <a:defRPr sz="1600">
                 <a:latin typeface="Times New Roman"/>
               </a:defRPr>
             </a:pPr>
             <a:r>
-              <a:t>Challenge :</a:t>
+              <a:rPr lang="en-US" sz="1200"/>
+              <a:t>•  Analyser les facteurs différenciants (Convertis vs Non-Convertis).</a:t>
             </a:r>
           </a:p>
           <a:p>
             <a:pPr lvl="1">
-              <a:defRPr sz="1800">
+              <a:spcAft>
+                <a:spcPts val="750"/>
+              </a:spcAft>
+              <a:defRPr sz="1600">
                 <a:latin typeface="Times New Roman"/>
               </a:defRPr>
             </a:pPr>
             <a:r>
-              <a:t>Identifier tôt les signaux précurseurs (succès vs désabonnement).</a:t>
-            </a:r>
-          </a:p>
-          <a:p>
-            <a:pPr lvl="1">
-              <a:defRPr sz="1800">
-                <a:latin typeface="Times New Roman"/>
-              </a:defRPr>
-            </a:pPr>
-            <a:r>
-              <a:t>Permettre des actions ciblées par l'équipe Customer Experience (CX).</a:t>
-            </a:r>
-          </a:p>
-          <a:p>
-            <a:pPr>
-              <a:defRPr sz="1800">
-                <a:latin typeface="Times New Roman"/>
-              </a:defRPr>
-            </a:pPr>
-            <a:r>
-              <a:t>Objectifs :</a:t>
-            </a:r>
-          </a:p>
-          <a:p>
-            <a:pPr lvl="1">
-              <a:defRPr sz="1800">
-                <a:latin typeface="Times New Roman"/>
-              </a:defRPr>
-            </a:pPr>
-            <a:r>
-              <a:t>Analyser les facteurs différenciants (Convertis vs Non-Convertis).</a:t>
-            </a:r>
-          </a:p>
-          <a:p>
-            <a:pPr lvl="1">
-              <a:defRPr sz="1800">
-                <a:latin typeface="Times New Roman"/>
-              </a:defRPr>
-            </a:pPr>
-            <a:r>
-              <a:t>Construire un modèle ML pour prédire la probabilité de conversion.</a:t>
+              <a:rPr lang="en-US" sz="1200"/>
+              <a:t>•  Construire un modèle ML pour prédire la probabilité de conversion.</a:t>
             </a:r>
           </a:p>
         </p:txBody>
@@ -3495,7 +4202,7 @@
 </file>
 
 <file path=ppt/slides/slide3.xml><?xml version="1.0" encoding="utf-8"?>
-<p:sld xmlns:a="http://schemas.openxmlformats.org/drawingml/2006/main" xmlns:p="http://schemas.openxmlformats.org/presentationml/2006/main" xmlns:r="http://schemas.openxmlformats.org/officeDocument/2006/relationships">
+<p:sld xmlns:a="http://schemas.openxmlformats.org/drawingml/2006/main" xmlns:r="http://schemas.openxmlformats.org/officeDocument/2006/relationships" xmlns:p="http://schemas.openxmlformats.org/presentationml/2006/main">
   <p:cSld>
     <p:spTree>
       <p:nvGrpSpPr>
@@ -3503,7 +4210,14 @@
         <p:cNvGrpSpPr/>
         <p:nvPr/>
       </p:nvGrpSpPr>
-      <p:grpSpPr/>
+      <p:grpSpPr>
+        <a:xfrm>
+          <a:off x="0" y="0"/>
+          <a:ext cx="0" cy="0"/>
+          <a:chOff x="0" y="0"/>
+          <a:chExt cx="0" cy="0"/>
+        </a:xfrm>
+      </p:grpSpPr>
       <p:sp>
         <p:nvSpPr>
           <p:cNvPr id="2" name="Title 1"/>
@@ -3516,11 +4230,13 @@
         </p:nvSpPr>
         <p:spPr/>
         <p:txBody>
-          <a:bodyPr/>
+          <a:bodyPr>
+            <a:normAutofit fontScale="90000"/>
+          </a:bodyPr>
           <a:lstStyle/>
           <a:p>
             <a:pPr>
-              <a:defRPr b="1">
+              <a:defRPr sz="3600" b="1">
                 <a:solidFill>
                   <a:srgbClr val="003366"/>
                 </a:solidFill>
@@ -3535,15 +4251,15 @@
       </p:sp>
       <p:graphicFrame>
         <p:nvGraphicFramePr>
-          <p:cNvPr id="3" name="Table 2"/>
+          <p:cNvPr id="4" name="Table 3"/>
           <p:cNvGraphicFramePr>
             <a:graphicFrameLocks noGrp="1"/>
           </p:cNvGraphicFramePr>
           <p:nvPr/>
         </p:nvGraphicFramePr>
         <p:xfrm>
-          <a:off x="914400" y="1371600"/>
-          <a:ext cx="7315200" cy="1371600"/>
+          <a:off x="1828800" y="1371600"/>
+          <a:ext cx="5486400" cy="1165860"/>
         </p:xfrm>
         <a:graphic>
           <a:graphicData uri="http://schemas.openxmlformats.org/drawingml/2006/table">
@@ -3552,12 +4268,36 @@
                 <a:tableStyleId>{5C22544A-7EE6-4342-B048-85BDC9FD1C3A}</a:tableStyleId>
               </a:tblPr>
               <a:tblGrid>
-                <a:gridCol w="1828800"/>
-                <a:gridCol w="1828800"/>
-                <a:gridCol w="1828800"/>
-                <a:gridCol w="1828800"/>
+                <a:gridCol w="1371600">
+                  <a:extLst>
+                    <a:ext uri="{9D8B030D-6E8A-4147-A177-3AD203B41FA5}">
+                      <a16:colId xmlns:a16="http://schemas.microsoft.com/office/drawing/2014/main" val="20000"/>
+                    </a:ext>
+                  </a:extLst>
+                </a:gridCol>
+                <a:gridCol w="1371600">
+                  <a:extLst>
+                    <a:ext uri="{9D8B030D-6E8A-4147-A177-3AD203B41FA5}">
+                      <a16:colId xmlns:a16="http://schemas.microsoft.com/office/drawing/2014/main" val="20001"/>
+                    </a:ext>
+                  </a:extLst>
+                </a:gridCol>
+                <a:gridCol w="1371600">
+                  <a:extLst>
+                    <a:ext uri="{9D8B030D-6E8A-4147-A177-3AD203B41FA5}">
+                      <a16:colId xmlns:a16="http://schemas.microsoft.com/office/drawing/2014/main" val="20002"/>
+                    </a:ext>
+                  </a:extLst>
+                </a:gridCol>
+                <a:gridCol w="1371600">
+                  <a:extLst>
+                    <a:ext uri="{9D8B030D-6E8A-4147-A177-3AD203B41FA5}">
+                      <a16:colId xmlns:a16="http://schemas.microsoft.com/office/drawing/2014/main" val="20003"/>
+                    </a:ext>
+                  </a:extLst>
+                </a:gridCol>
               </a:tblGrid>
-              <a:tr h="457200">
+              <a:tr h="342900">
                 <a:tc>
                   <a:txBody>
                     <a:bodyPr/>
@@ -3572,11 +4312,12 @@
                         </a:defRPr>
                       </a:pPr>
                       <a:r>
+                        <a:rPr sz="1400"/>
                         <a:t>Jeu de Données</a:t>
                       </a:r>
                     </a:p>
                   </a:txBody>
-                  <a:tcPr>
+                  <a:tcPr marL="68580" marR="68580" marT="34290" marB="34290">
                     <a:solidFill>
                       <a:srgbClr val="003366"/>
                     </a:solidFill>
@@ -3596,11 +4337,12 @@
                         </a:defRPr>
                       </a:pPr>
                       <a:r>
+                        <a:rPr sz="1400"/>
                         <a:t>Taille</a:t>
                       </a:r>
                     </a:p>
                   </a:txBody>
-                  <a:tcPr>
+                  <a:tcPr marL="68580" marR="68580" marT="34290" marB="34290">
                     <a:solidFill>
                       <a:srgbClr val="003366"/>
                     </a:solidFill>
@@ -3620,11 +4362,12 @@
                         </a:defRPr>
                       </a:pPr>
                       <a:r>
+                        <a:rPr sz="1400"/>
                         <a:t>Description</a:t>
                       </a:r>
                     </a:p>
                   </a:txBody>
-                  <a:tcPr>
+                  <a:tcPr marL="68580" marR="68580" marT="34290" marB="34290">
                     <a:solidFill>
                       <a:srgbClr val="003366"/>
                     </a:solidFill>
@@ -3644,18 +4387,24 @@
                         </a:defRPr>
                       </a:pPr>
                       <a:r>
+                        <a:rPr sz="1400"/>
                         <a:t>Prétraitement</a:t>
                       </a:r>
                     </a:p>
                   </a:txBody>
-                  <a:tcPr>
+                  <a:tcPr marL="68580" marR="68580" marT="34290" marB="34290">
                     <a:solidFill>
                       <a:srgbClr val="003366"/>
                     </a:solidFill>
                   </a:tcPr>
                 </a:tc>
+                <a:extLst>
+                  <a:ext uri="{0D108BD9-81ED-4DB2-BD59-A6C34878D82A}">
+                    <a16:rowId xmlns:a16="http://schemas.microsoft.com/office/drawing/2014/main" val="10000"/>
+                  </a:ext>
+                </a:extLst>
               </a:tr>
-              <a:tr h="457200">
+              <a:tr h="480060">
                 <a:tc>
                   <a:txBody>
                     <a:bodyPr/>
@@ -3667,11 +4416,12 @@
                         </a:defRPr>
                       </a:pPr>
                       <a:r>
+                        <a:rPr sz="900"/>
                         <a:t>Daily Usage</a:t>
                       </a:r>
                     </a:p>
                   </a:txBody>
-                  <a:tcPr/>
+                  <a:tcPr marL="68580" marR="68580" marT="34290" marB="34290"/>
                 </a:tc>
                 <a:tc>
                   <a:txBody>
@@ -3684,11 +4434,12 @@
                         </a:defRPr>
                       </a:pPr>
                       <a:r>
+                        <a:rPr sz="900"/>
                         <a:t>~11k lignes</a:t>
                       </a:r>
                     </a:p>
                   </a:txBody>
-                  <a:tcPr/>
+                  <a:tcPr marL="68580" marR="68580" marT="34290" marB="34290"/>
                 </a:tc>
                 <a:tc>
                   <a:txBody>
@@ -3701,11 +4452,12 @@
                         </a:defRPr>
                       </a:pPr>
                       <a:r>
+                        <a:rPr sz="900"/>
                         <a:t>Logs d'activité (Virements, Connexions)</a:t>
                       </a:r>
                     </a:p>
                   </a:txBody>
-                  <a:tcPr/>
+                  <a:tcPr marL="68580" marR="68580" marT="34290" marB="34290"/>
                 </a:tc>
                 <a:tc>
                   <a:txBody>
@@ -3718,14 +4470,20 @@
                         </a:defRPr>
                       </a:pPr>
                       <a:r>
+                        <a:rPr sz="900"/>
                         <a:t>Agrégation (Somme/Moyenne/Max/Std)</a:t>
                       </a:r>
                     </a:p>
                   </a:txBody>
-                  <a:tcPr/>
+                  <a:tcPr marL="68580" marR="68580" marT="34290" marB="34290"/>
                 </a:tc>
+                <a:extLst>
+                  <a:ext uri="{0D108BD9-81ED-4DB2-BD59-A6C34878D82A}">
+                    <a16:rowId xmlns:a16="http://schemas.microsoft.com/office/drawing/2014/main" val="10001"/>
+                  </a:ext>
+                </a:extLst>
               </a:tr>
-              <a:tr h="457200">
+              <a:tr h="342900">
                 <a:tc>
                   <a:txBody>
                     <a:bodyPr/>
@@ -3737,11 +4495,12 @@
                         </a:defRPr>
                       </a:pPr>
                       <a:r>
+                        <a:rPr sz="900"/>
                         <a:t>Subscriptions</a:t>
                       </a:r>
                     </a:p>
                   </a:txBody>
-                  <a:tcPr/>
+                  <a:tcPr marL="68580" marR="68580" marT="34290" marB="34290"/>
                 </a:tc>
                 <a:tc>
                   <a:txBody>
@@ -3754,11 +4513,12 @@
                         </a:defRPr>
                       </a:pPr>
                       <a:r>
+                        <a:rPr sz="900"/>
                         <a:t>416 essais</a:t>
                       </a:r>
                     </a:p>
                   </a:txBody>
-                  <a:tcPr/>
+                  <a:tcPr marL="68580" marR="68580" marT="34290" marB="34290"/>
                 </a:tc>
                 <a:tc>
                   <a:txBody>
@@ -3771,11 +4531,12 @@
                         </a:defRPr>
                       </a:pPr>
                       <a:r>
+                        <a:rPr sz="900"/>
                         <a:t>Profil Entreprise (CA, Code NAF)</a:t>
                       </a:r>
                     </a:p>
                   </a:txBody>
-                  <a:tcPr/>
+                  <a:tcPr marL="68580" marR="68580" marT="34290" marB="34290"/>
                 </a:tc>
                 <a:tc>
                   <a:txBody>
@@ -3788,12 +4549,18 @@
                         </a:defRPr>
                       </a:pPr>
                       <a:r>
+                        <a:rPr sz="900"/>
                         <a:t>Fusion, Imputation, Encodage OneHot</a:t>
                       </a:r>
                     </a:p>
                   </a:txBody>
-                  <a:tcPr/>
+                  <a:tcPr marL="68580" marR="68580" marT="34290" marB="34290"/>
                 </a:tc>
+                <a:extLst>
+                  <a:ext uri="{0D108BD9-81ED-4DB2-BD59-A6C34878D82A}">
+                    <a16:rowId xmlns:a16="http://schemas.microsoft.com/office/drawing/2014/main" val="10002"/>
+                  </a:ext>
+                </a:extLst>
               </a:tr>
             </a:tbl>
           </a:graphicData>
@@ -3801,14 +4568,14 @@
       </p:graphicFrame>
       <p:sp>
         <p:nvSpPr>
-          <p:cNvPr id="4" name="TextBox 3"/>
+          <p:cNvPr id="5" name="TextBox 4"/>
           <p:cNvSpPr txBox="1"/>
           <p:nvPr/>
         </p:nvSpPr>
         <p:spPr>
           <a:xfrm>
-            <a:off x="914400" y="2926080"/>
-            <a:ext cx="7315200" cy="914400"/>
+            <a:off x="1828800" y="2537460"/>
+            <a:ext cx="3312125" cy="623248"/>
           </a:xfrm>
           <a:prstGeom prst="rect">
             <a:avLst/>
@@ -3820,7 +4587,9 @@
             <a:spAutoFit/>
           </a:bodyPr>
           <a:lstStyle/>
-          <a:p/>
+          <a:p>
+            <a:endParaRPr sz="1350"/>
+          </a:p>
           <a:p>
             <a:pPr>
               <a:defRPr sz="1400" i="1">
@@ -3828,6 +4597,7 @@
               </a:defRPr>
             </a:pPr>
             <a:r>
+              <a:rPr sz="1050"/>
               <a:t>Stats Clés : Échantillon Total : 416 essais complets.</a:t>
             </a:r>
           </a:p>
@@ -3838,6 +4608,7 @@
               </a:defRPr>
             </a:pPr>
             <a:r>
+              <a:rPr sz="1050"/>
               <a:t>Taux de Conversion : 60.7% (Déséquilibré mais gérable).</a:t>
             </a:r>
           </a:p>
@@ -3852,7 +4623,7 @@
 </file>
 
 <file path=ppt/slides/slide4.xml><?xml version="1.0" encoding="utf-8"?>
-<p:sld xmlns:a="http://schemas.openxmlformats.org/drawingml/2006/main" xmlns:p="http://schemas.openxmlformats.org/presentationml/2006/main" xmlns:r="http://schemas.openxmlformats.org/officeDocument/2006/relationships">
+<p:sld xmlns:a="http://schemas.openxmlformats.org/drawingml/2006/main" xmlns:r="http://schemas.openxmlformats.org/officeDocument/2006/relationships" xmlns:p="http://schemas.openxmlformats.org/presentationml/2006/main">
   <p:cSld>
     <p:spTree>
       <p:nvGrpSpPr>
@@ -3860,7 +4631,14 @@
         <p:cNvGrpSpPr/>
         <p:nvPr/>
       </p:nvGrpSpPr>
-      <p:grpSpPr/>
+      <p:grpSpPr>
+        <a:xfrm>
+          <a:off x="0" y="0"/>
+          <a:ext cx="0" cy="0"/>
+          <a:chOff x="0" y="0"/>
+          <a:chExt cx="0" cy="0"/>
+        </a:xfrm>
+      </p:grpSpPr>
       <p:sp>
         <p:nvSpPr>
           <p:cNvPr id="2" name="Title 1"/>
@@ -3877,7 +4655,7 @@
           <a:lstStyle/>
           <a:p>
             <a:pPr>
-              <a:defRPr b="1">
+              <a:defRPr sz="3600" b="1">
                 <a:solidFill>
                   <a:srgbClr val="003366"/>
                 </a:solidFill>
@@ -3890,119 +4668,192 @@
           </a:p>
         </p:txBody>
       </p:sp>
-      <p:sp>
-        <p:nvSpPr>
-          <p:cNvPr id="3" name="Content Placeholder 2"/>
-          <p:cNvSpPr>
-            <a:spLocks noGrp="1"/>
-          </p:cNvSpPr>
-          <p:nvPr>
-            <p:ph idx="1"/>
-          </p:nvPr>
-        </p:nvSpPr>
-        <p:spPr/>
-        <p:txBody>
-          <a:bodyPr/>
-          <a:lstStyle/>
-          <a:p/>
+      <p:pic>
+        <p:nvPicPr>
+          <p:cNvPr id="3" name="Picture 2" descr="kolecto_logo.png"/>
+          <p:cNvPicPr>
+            <a:picLocks noChangeAspect="1"/>
+          </p:cNvPicPr>
+          <p:nvPr/>
+        </p:nvPicPr>
+        <p:blipFill>
+          <a:blip r:embed="rId2"/>
+          <a:stretch>
+            <a:fillRect/>
+          </a:stretch>
+        </p:blipFill>
+        <p:spPr>
+          <a:xfrm>
+            <a:off x="7040880" y="137160"/>
+            <a:ext cx="822960" cy="822960"/>
+          </a:xfrm>
+          <a:prstGeom prst="rect">
+            <a:avLst/>
+          </a:prstGeom>
+        </p:spPr>
+      </p:pic>
+      <p:sp>
+        <p:nvSpPr>
+          <p:cNvPr id="4" name="TextBox 3"/>
+          <p:cNvSpPr txBox="1"/>
+          <p:nvPr/>
+        </p:nvSpPr>
+        <p:spPr>
+          <a:xfrm>
+            <a:off x="1485900" y="1028700"/>
+            <a:ext cx="6172200" cy="3139321"/>
+          </a:xfrm>
+          <a:prstGeom prst="rect">
+            <a:avLst/>
+          </a:prstGeom>
+          <a:noFill/>
+        </p:spPr>
+        <p:txBody>
+          <a:bodyPr wrap="square">
+            <a:spAutoFit/>
+          </a:bodyPr>
+          <a:lstStyle/>
+          <a:p>
+            <a:endParaRPr sz="1350"/>
+          </a:p>
           <a:p>
             <a:pPr>
+              <a:spcAft>
+                <a:spcPts val="750"/>
+              </a:spcAft>
               <a:defRPr sz="1800">
                 <a:latin typeface="Times New Roman"/>
               </a:defRPr>
             </a:pPr>
             <a:r>
-              <a:t>Stratégie :</a:t>
+              <a:rPr sz="1350"/>
+              <a:t>• Stratégie :</a:t>
             </a:r>
           </a:p>
           <a:p>
             <a:pPr lvl="1">
+              <a:spcAft>
+                <a:spcPts val="750"/>
+              </a:spcAft>
+              <a:defRPr sz="1600">
+                <a:latin typeface="Times New Roman"/>
+              </a:defRPr>
+            </a:pPr>
+            <a:r>
+              <a:rPr sz="1200"/>
+              <a:t>•  Features Tabulaires (157 dims) pour modèles Arborescents.</a:t>
+            </a:r>
+          </a:p>
+          <a:p>
+            <a:pPr lvl="1">
+              <a:spcAft>
+                <a:spcPts val="750"/>
+              </a:spcAft>
+              <a:defRPr sz="1600">
+                <a:latin typeface="Times New Roman"/>
+              </a:defRPr>
+            </a:pPr>
+            <a:r>
+              <a:rPr sz="1200"/>
+              <a:t>•  Données Séquentielles (15 jours) pour le Deep Learning.</a:t>
+            </a:r>
+          </a:p>
+          <a:p>
+            <a:pPr>
+              <a:spcAft>
+                <a:spcPts val="750"/>
+              </a:spcAft>
               <a:defRPr sz="1800">
                 <a:latin typeface="Times New Roman"/>
               </a:defRPr>
             </a:pPr>
             <a:r>
-              <a:t>Features Tabulaires (157 dims) pour modèles Arborescents.</a:t>
+              <a:rPr sz="1350"/>
+              <a:t>• Modèles Entraînés :</a:t>
             </a:r>
           </a:p>
           <a:p>
             <a:pPr lvl="1">
+              <a:spcAft>
+                <a:spcPts val="750"/>
+              </a:spcAft>
+              <a:defRPr sz="1600">
+                <a:latin typeface="Times New Roman"/>
+              </a:defRPr>
+            </a:pPr>
+            <a:r>
+              <a:rPr sz="1200"/>
+              <a:t>•  Logistic Regression (Baseline).</a:t>
+            </a:r>
+          </a:p>
+          <a:p>
+            <a:pPr lvl="1">
+              <a:spcAft>
+                <a:spcPts val="750"/>
+              </a:spcAft>
+              <a:defRPr sz="1600">
+                <a:latin typeface="Times New Roman"/>
+              </a:defRPr>
+            </a:pPr>
+            <a:r>
+              <a:rPr sz="1200"/>
+              <a:t>•  XGBoost &amp; LightGBM (Gradient Boosting optimisé avec Optuna).</a:t>
+            </a:r>
+          </a:p>
+          <a:p>
+            <a:pPr lvl="1">
+              <a:spcAft>
+                <a:spcPts val="750"/>
+              </a:spcAft>
+              <a:defRPr sz="1600">
+                <a:latin typeface="Times New Roman"/>
+              </a:defRPr>
+            </a:pPr>
+            <a:r>
+              <a:rPr sz="1200"/>
+              <a:t>•  GRU &amp; Transformer (Modélisation séquentielle des signaux temporel).</a:t>
+            </a:r>
+          </a:p>
+          <a:p>
+            <a:pPr>
+              <a:spcAft>
+                <a:spcPts val="750"/>
+              </a:spcAft>
               <a:defRPr sz="1800">
                 <a:latin typeface="Times New Roman"/>
               </a:defRPr>
             </a:pPr>
             <a:r>
-              <a:t>Données Séquentielles (15 jours) pour le Deep Learning.</a:t>
-            </a:r>
-          </a:p>
-          <a:p>
-            <a:pPr>
-              <a:defRPr sz="1800">
+              <a:rPr sz="1350"/>
+              <a:t>• Métriques d'Évaluation :</a:t>
+            </a:r>
+          </a:p>
+          <a:p>
+            <a:pPr lvl="1">
+              <a:spcAft>
+                <a:spcPts val="750"/>
+              </a:spcAft>
+              <a:defRPr sz="1600">
                 <a:latin typeface="Times New Roman"/>
               </a:defRPr>
             </a:pPr>
             <a:r>
-              <a:t>Modèles Entraînés :</a:t>
+              <a:rPr sz="1200"/>
+              <a:t>•  ROC-AUC : Capacité de discrimination (Métrique Principale).</a:t>
             </a:r>
           </a:p>
           <a:p>
             <a:pPr lvl="1">
-              <a:defRPr sz="1800">
+              <a:spcAft>
+                <a:spcPts val="750"/>
+              </a:spcAft>
+              <a:defRPr sz="1600">
                 <a:latin typeface="Times New Roman"/>
               </a:defRPr>
             </a:pPr>
             <a:r>
-              <a:t>Logistic Regression (Baseline).</a:t>
-            </a:r>
-          </a:p>
-          <a:p>
-            <a:pPr lvl="1">
-              <a:defRPr sz="1800">
-                <a:latin typeface="Times New Roman"/>
-              </a:defRPr>
-            </a:pPr>
-            <a:r>
-              <a:t>XGBoost &amp; LightGBM (Gradient Boosting optimisé avec Optuna).</a:t>
-            </a:r>
-          </a:p>
-          <a:p>
-            <a:pPr lvl="1">
-              <a:defRPr sz="1800">
-                <a:latin typeface="Times New Roman"/>
-              </a:defRPr>
-            </a:pPr>
-            <a:r>
-              <a:t>GRU &amp; Transformer (Modélisation séquentielle des signaux temporel).</a:t>
-            </a:r>
-          </a:p>
-          <a:p>
-            <a:pPr>
-              <a:defRPr sz="1800">
-                <a:latin typeface="Times New Roman"/>
-              </a:defRPr>
-            </a:pPr>
-            <a:r>
-              <a:t>Métriques d'Évaluation :</a:t>
-            </a:r>
-          </a:p>
-          <a:p>
-            <a:pPr lvl="1">
-              <a:defRPr sz="1800">
-                <a:latin typeface="Times New Roman"/>
-              </a:defRPr>
-            </a:pPr>
-            <a:r>
-              <a:t>ROC-AUC : Capacité de discrimination (Métrique Principale).</a:t>
-            </a:r>
-          </a:p>
-          <a:p>
-            <a:pPr lvl="1">
-              <a:defRPr sz="1800">
-                <a:latin typeface="Times New Roman"/>
-              </a:defRPr>
-            </a:pPr>
-            <a:r>
-              <a:t>PR-AUC : Précision-Rappel (Critique pour l'imbalance).</a:t>
+              <a:rPr sz="1200"/>
+              <a:t>•  PR-AUC : Précision-Rappel (Critique pour l'imbalance).</a:t>
             </a:r>
           </a:p>
         </p:txBody>
@@ -4016,7 +4867,7 @@
 </file>
 
 <file path=ppt/slides/slide5.xml><?xml version="1.0" encoding="utf-8"?>
-<p:sld xmlns:a="http://schemas.openxmlformats.org/drawingml/2006/main" xmlns:p="http://schemas.openxmlformats.org/presentationml/2006/main" xmlns:r="http://schemas.openxmlformats.org/officeDocument/2006/relationships">
+<p:sld xmlns:a="http://schemas.openxmlformats.org/drawingml/2006/main" xmlns:r="http://schemas.openxmlformats.org/officeDocument/2006/relationships" xmlns:p="http://schemas.openxmlformats.org/presentationml/2006/main">
   <p:cSld>
     <p:spTree>
       <p:nvGrpSpPr>
@@ -4024,7 +4875,14 @@
         <p:cNvGrpSpPr/>
         <p:nvPr/>
       </p:nvGrpSpPr>
-      <p:grpSpPr/>
+      <p:grpSpPr>
+        <a:xfrm>
+          <a:off x="0" y="0"/>
+          <a:ext cx="0" cy="0"/>
+          <a:chOff x="0" y="0"/>
+          <a:chExt cx="0" cy="0"/>
+        </a:xfrm>
+      </p:grpSpPr>
       <p:sp>
         <p:nvSpPr>
           <p:cNvPr id="2" name="Title 1"/>
@@ -4041,7 +4899,7 @@
           <a:lstStyle/>
           <a:p>
             <a:pPr>
-              <a:defRPr b="1">
+              <a:defRPr sz="3600" b="1">
                 <a:solidFill>
                   <a:srgbClr val="003366"/>
                 </a:solidFill>
@@ -4056,15 +4914,21 @@
       </p:sp>
       <p:graphicFrame>
         <p:nvGraphicFramePr>
-          <p:cNvPr id="3" name="Table 2"/>
+          <p:cNvPr id="4" name="Table 3"/>
           <p:cNvGraphicFramePr>
             <a:graphicFrameLocks noGrp="1"/>
           </p:cNvGraphicFramePr>
-          <p:nvPr/>
+          <p:nvPr>
+            <p:extLst>
+              <p:ext uri="{D42A27DB-BD31-4B8C-83A1-F6EECF244321}">
+                <p14:modId xmlns:p14="http://schemas.microsoft.com/office/powerpoint/2010/main" val="3058679664"/>
+              </p:ext>
+            </p:extLst>
+          </p:nvPr>
         </p:nvGraphicFramePr>
         <p:xfrm>
-          <a:off x="914400" y="1371600"/>
-          <a:ext cx="7315200" cy="1828800"/>
+          <a:off x="1828800" y="1371600"/>
+          <a:ext cx="5212080" cy="1678158"/>
         </p:xfrm>
         <a:graphic>
           <a:graphicData uri="http://schemas.openxmlformats.org/drawingml/2006/table">
@@ -4073,13 +4937,43 @@
                 <a:tableStyleId>{5C22544A-7EE6-4342-B048-85BDC9FD1C3A}</a:tableStyleId>
               </a:tblPr>
               <a:tblGrid>
-                <a:gridCol w="1463040"/>
-                <a:gridCol w="1463040"/>
-                <a:gridCol w="1463040"/>
-                <a:gridCol w="1463040"/>
-                <a:gridCol w="1463040"/>
+                <a:gridCol w="1042416">
+                  <a:extLst>
+                    <a:ext uri="{9D8B030D-6E8A-4147-A177-3AD203B41FA5}">
+                      <a16:colId xmlns:a16="http://schemas.microsoft.com/office/drawing/2014/main" val="20000"/>
+                    </a:ext>
+                  </a:extLst>
+                </a:gridCol>
+                <a:gridCol w="1042416">
+                  <a:extLst>
+                    <a:ext uri="{9D8B030D-6E8A-4147-A177-3AD203B41FA5}">
+                      <a16:colId xmlns:a16="http://schemas.microsoft.com/office/drawing/2014/main" val="20001"/>
+                    </a:ext>
+                  </a:extLst>
+                </a:gridCol>
+                <a:gridCol w="1042416">
+                  <a:extLst>
+                    <a:ext uri="{9D8B030D-6E8A-4147-A177-3AD203B41FA5}">
+                      <a16:colId xmlns:a16="http://schemas.microsoft.com/office/drawing/2014/main" val="20002"/>
+                    </a:ext>
+                  </a:extLst>
+                </a:gridCol>
+                <a:gridCol w="1042416">
+                  <a:extLst>
+                    <a:ext uri="{9D8B030D-6E8A-4147-A177-3AD203B41FA5}">
+                      <a16:colId xmlns:a16="http://schemas.microsoft.com/office/drawing/2014/main" val="20003"/>
+                    </a:ext>
+                  </a:extLst>
+                </a:gridCol>
+                <a:gridCol w="1042416">
+                  <a:extLst>
+                    <a:ext uri="{9D8B030D-6E8A-4147-A177-3AD203B41FA5}">
+                      <a16:colId xmlns:a16="http://schemas.microsoft.com/office/drawing/2014/main" val="20004"/>
+                    </a:ext>
+                  </a:extLst>
+                </a:gridCol>
               </a:tblGrid>
-              <a:tr h="304800">
+              <a:tr h="265235">
                 <a:tc>
                   <a:txBody>
                     <a:bodyPr/>
@@ -4094,11 +4988,12 @@
                         </a:defRPr>
                       </a:pPr>
                       <a:r>
+                        <a:rPr sz="1000"/>
                         <a:t>Modèle</a:t>
                       </a:r>
                     </a:p>
                   </a:txBody>
-                  <a:tcPr>
+                  <a:tcPr marL="68580" marR="68580" marT="34290" marB="34290">
                     <a:solidFill>
                       <a:srgbClr val="003366"/>
                     </a:solidFill>
@@ -4118,11 +5013,12 @@
                         </a:defRPr>
                       </a:pPr>
                       <a:r>
+                        <a:rPr sz="1000"/>
                         <a:t>ROC-AUC</a:t>
                       </a:r>
                     </a:p>
                   </a:txBody>
-                  <a:tcPr>
+                  <a:tcPr marL="68580" marR="68580" marT="34290" marB="34290">
                     <a:solidFill>
                       <a:srgbClr val="003366"/>
                     </a:solidFill>
@@ -4142,11 +5038,12 @@
                         </a:defRPr>
                       </a:pPr>
                       <a:r>
+                        <a:rPr sz="1000"/>
                         <a:t>PR-AUC</a:t>
                       </a:r>
                     </a:p>
                   </a:txBody>
-                  <a:tcPr>
+                  <a:tcPr marL="68580" marR="68580" marT="34290" marB="34290">
                     <a:solidFill>
                       <a:srgbClr val="003366"/>
                     </a:solidFill>
@@ -4166,11 +5063,12 @@
                         </a:defRPr>
                       </a:pPr>
                       <a:r>
+                        <a:rPr sz="1000"/>
                         <a:t>Accuracy</a:t>
                       </a:r>
                     </a:p>
                   </a:txBody>
-                  <a:tcPr>
+                  <a:tcPr marL="68580" marR="68580" marT="34290" marB="34290">
                     <a:solidFill>
                       <a:srgbClr val="003366"/>
                     </a:solidFill>
@@ -4190,18 +5088,24 @@
                         </a:defRPr>
                       </a:pPr>
                       <a:r>
+                        <a:rPr sz="1000"/>
                         <a:t>Brier Score</a:t>
                       </a:r>
                     </a:p>
                   </a:txBody>
-                  <a:tcPr>
+                  <a:tcPr marL="68580" marR="68580" marT="34290" marB="34290">
                     <a:solidFill>
                       <a:srgbClr val="003366"/>
                     </a:solidFill>
                   </a:tcPr>
                 </a:tc>
+                <a:extLst>
+                  <a:ext uri="{0D108BD9-81ED-4DB2-BD59-A6C34878D82A}">
+                    <a16:rowId xmlns:a16="http://schemas.microsoft.com/office/drawing/2014/main" val="10000"/>
+                  </a:ext>
+                </a:extLst>
               </a:tr>
-              <a:tr h="304800">
+              <a:tr h="342900">
                 <a:tc>
                   <a:txBody>
                     <a:bodyPr/>
@@ -4213,11 +5117,12 @@
                         </a:defRPr>
                       </a:pPr>
                       <a:r>
+                        <a:rPr sz="900"/>
                         <a:t>LightGBM (Vainqueur)</a:t>
                       </a:r>
                     </a:p>
                   </a:txBody>
-                  <a:tcPr/>
+                  <a:tcPr marL="68580" marR="68580" marT="34290" marB="34290"/>
                 </a:tc>
                 <a:tc>
                   <a:txBody>
@@ -4230,11 +5135,12 @@
                         </a:defRPr>
                       </a:pPr>
                       <a:r>
+                        <a:rPr sz="900"/>
                         <a:t>0.790</a:t>
                       </a:r>
                     </a:p>
                   </a:txBody>
-                  <a:tcPr/>
+                  <a:tcPr marL="68580" marR="68580" marT="34290" marB="34290"/>
                 </a:tc>
                 <a:tc>
                   <a:txBody>
@@ -4247,11 +5153,12 @@
                         </a:defRPr>
                       </a:pPr>
                       <a:r>
+                        <a:rPr sz="900"/>
                         <a:t>0.835</a:t>
                       </a:r>
                     </a:p>
                   </a:txBody>
-                  <a:tcPr/>
+                  <a:tcPr marL="68580" marR="68580" marT="34290" marB="34290"/>
                 </a:tc>
                 <a:tc>
                   <a:txBody>
@@ -4264,11 +5171,12 @@
                         </a:defRPr>
                       </a:pPr>
                       <a:r>
+                        <a:rPr sz="900"/>
                         <a:t>72.3%</a:t>
                       </a:r>
                     </a:p>
                   </a:txBody>
-                  <a:tcPr/>
+                  <a:tcPr marL="68580" marR="68580" marT="34290" marB="34290"/>
                 </a:tc>
                 <a:tc>
                   <a:txBody>
@@ -4281,14 +5189,20 @@
                         </a:defRPr>
                       </a:pPr>
                       <a:r>
+                        <a:rPr sz="900"/>
                         <a:t>0.193</a:t>
                       </a:r>
                     </a:p>
                   </a:txBody>
-                  <a:tcPr/>
+                  <a:tcPr marL="68580" marR="68580" marT="34290" marB="34290"/>
                 </a:tc>
+                <a:extLst>
+                  <a:ext uri="{0D108BD9-81ED-4DB2-BD59-A6C34878D82A}">
+                    <a16:rowId xmlns:a16="http://schemas.microsoft.com/office/drawing/2014/main" val="10001"/>
+                  </a:ext>
+                </a:extLst>
               </a:tr>
-              <a:tr h="304800">
+              <a:tr h="265235">
                 <a:tc>
                   <a:txBody>
                     <a:bodyPr/>
@@ -4300,11 +5214,12 @@
                         </a:defRPr>
                       </a:pPr>
                       <a:r>
+                        <a:rPr sz="900"/>
                         <a:t>GRU (RNN)</a:t>
                       </a:r>
                     </a:p>
                   </a:txBody>
-                  <a:tcPr/>
+                  <a:tcPr marL="68580" marR="68580" marT="34290" marB="34290"/>
                 </a:tc>
                 <a:tc>
                   <a:txBody>
@@ -4317,11 +5232,12 @@
                         </a:defRPr>
                       </a:pPr>
                       <a:r>
+                        <a:rPr sz="900"/>
                         <a:t>0.713</a:t>
                       </a:r>
                     </a:p>
                   </a:txBody>
-                  <a:tcPr/>
+                  <a:tcPr marL="68580" marR="68580" marT="34290" marB="34290"/>
                 </a:tc>
                 <a:tc>
                   <a:txBody>
@@ -4334,11 +5250,12 @@
                         </a:defRPr>
                       </a:pPr>
                       <a:r>
+                        <a:rPr sz="900"/>
                         <a:t>0.743</a:t>
                       </a:r>
                     </a:p>
                   </a:txBody>
-                  <a:tcPr/>
+                  <a:tcPr marL="68580" marR="68580" marT="34290" marB="34290"/>
                 </a:tc>
                 <a:tc>
                   <a:txBody>
@@ -4351,11 +5268,12 @@
                         </a:defRPr>
                       </a:pPr>
                       <a:r>
+                        <a:rPr sz="900"/>
                         <a:t>65.1%</a:t>
                       </a:r>
                     </a:p>
                   </a:txBody>
-                  <a:tcPr/>
+                  <a:tcPr marL="68580" marR="68580" marT="34290" marB="34290"/>
                 </a:tc>
                 <a:tc>
                   <a:txBody>
@@ -4368,14 +5286,20 @@
                         </a:defRPr>
                       </a:pPr>
                       <a:r>
+                        <a:rPr sz="900"/>
                         <a:t>0.217</a:t>
                       </a:r>
                     </a:p>
                   </a:txBody>
-                  <a:tcPr/>
+                  <a:tcPr marL="68580" marR="68580" marT="34290" marB="34290"/>
                 </a:tc>
+                <a:extLst>
+                  <a:ext uri="{0D108BD9-81ED-4DB2-BD59-A6C34878D82A}">
+                    <a16:rowId xmlns:a16="http://schemas.microsoft.com/office/drawing/2014/main" val="10002"/>
+                  </a:ext>
+                </a:extLst>
               </a:tr>
-              <a:tr h="304800">
+              <a:tr h="265235">
                 <a:tc>
                   <a:txBody>
                     <a:bodyPr/>
@@ -4387,11 +5311,12 @@
                         </a:defRPr>
                       </a:pPr>
                       <a:r>
+                        <a:rPr sz="900"/>
                         <a:t>Transformer</a:t>
                       </a:r>
                     </a:p>
                   </a:txBody>
-                  <a:tcPr/>
+                  <a:tcPr marL="68580" marR="68580" marT="34290" marB="34290"/>
                 </a:tc>
                 <a:tc>
                   <a:txBody>
@@ -4404,11 +5329,12 @@
                         </a:defRPr>
                       </a:pPr>
                       <a:r>
+                        <a:rPr sz="900"/>
                         <a:t>0.711</a:t>
                       </a:r>
                     </a:p>
                   </a:txBody>
-                  <a:tcPr/>
+                  <a:tcPr marL="68580" marR="68580" marT="34290" marB="34290"/>
                 </a:tc>
                 <a:tc>
                   <a:txBody>
@@ -4421,11 +5347,12 @@
                         </a:defRPr>
                       </a:pPr>
                       <a:r>
+                        <a:rPr sz="900"/>
                         <a:t>0.748</a:t>
                       </a:r>
                     </a:p>
                   </a:txBody>
-                  <a:tcPr/>
+                  <a:tcPr marL="68580" marR="68580" marT="34290" marB="34290"/>
                 </a:tc>
                 <a:tc>
                   <a:txBody>
@@ -4438,11 +5365,12 @@
                         </a:defRPr>
                       </a:pPr>
                       <a:r>
+                        <a:rPr sz="900"/>
                         <a:t>66.3%</a:t>
                       </a:r>
                     </a:p>
                   </a:txBody>
-                  <a:tcPr/>
+                  <a:tcPr marL="68580" marR="68580" marT="34290" marB="34290"/>
                 </a:tc>
                 <a:tc>
                   <a:txBody>
@@ -4455,14 +5383,20 @@
                         </a:defRPr>
                       </a:pPr>
                       <a:r>
+                        <a:rPr sz="900"/>
                         <a:t>0.211</a:t>
                       </a:r>
                     </a:p>
                   </a:txBody>
-                  <a:tcPr/>
+                  <a:tcPr marL="68580" marR="68580" marT="34290" marB="34290"/>
                 </a:tc>
+                <a:extLst>
+                  <a:ext uri="{0D108BD9-81ED-4DB2-BD59-A6C34878D82A}">
+                    <a16:rowId xmlns:a16="http://schemas.microsoft.com/office/drawing/2014/main" val="10003"/>
+                  </a:ext>
+                </a:extLst>
               </a:tr>
-              <a:tr h="304800">
+              <a:tr h="265235">
                 <a:tc>
                   <a:txBody>
                     <a:bodyPr/>
@@ -4474,11 +5408,12 @@
                         </a:defRPr>
                       </a:pPr>
                       <a:r>
+                        <a:rPr sz="900"/>
                         <a:t>Logistic Reg.</a:t>
                       </a:r>
                     </a:p>
                   </a:txBody>
-                  <a:tcPr/>
+                  <a:tcPr marL="68580" marR="68580" marT="34290" marB="34290"/>
                 </a:tc>
                 <a:tc>
                   <a:txBody>
@@ -4491,11 +5426,12 @@
                         </a:defRPr>
                       </a:pPr>
                       <a:r>
+                        <a:rPr sz="900"/>
                         <a:t>0.684</a:t>
                       </a:r>
                     </a:p>
                   </a:txBody>
-                  <a:tcPr/>
+                  <a:tcPr marL="68580" marR="68580" marT="34290" marB="34290"/>
                 </a:tc>
                 <a:tc>
                   <a:txBody>
@@ -4508,11 +5444,12 @@
                         </a:defRPr>
                       </a:pPr>
                       <a:r>
+                        <a:rPr sz="900"/>
                         <a:t>0.769</a:t>
                       </a:r>
                     </a:p>
                   </a:txBody>
-                  <a:tcPr/>
+                  <a:tcPr marL="68580" marR="68580" marT="34290" marB="34290"/>
                 </a:tc>
                 <a:tc>
                   <a:txBody>
@@ -4525,11 +5462,12 @@
                         </a:defRPr>
                       </a:pPr>
                       <a:r>
+                        <a:rPr sz="900"/>
                         <a:t>65.1%</a:t>
                       </a:r>
                     </a:p>
                   </a:txBody>
-                  <a:tcPr/>
+                  <a:tcPr marL="68580" marR="68580" marT="34290" marB="34290"/>
                 </a:tc>
                 <a:tc>
                   <a:txBody>
@@ -4542,14 +5480,20 @@
                         </a:defRPr>
                       </a:pPr>
                       <a:r>
+                        <a:rPr sz="900"/>
                         <a:t>0.229</a:t>
                       </a:r>
                     </a:p>
                   </a:txBody>
-                  <a:tcPr/>
+                  <a:tcPr marL="68580" marR="68580" marT="34290" marB="34290"/>
                 </a:tc>
+                <a:extLst>
+                  <a:ext uri="{0D108BD9-81ED-4DB2-BD59-A6C34878D82A}">
+                    <a16:rowId xmlns:a16="http://schemas.microsoft.com/office/drawing/2014/main" val="10004"/>
+                  </a:ext>
+                </a:extLst>
               </a:tr>
-              <a:tr h="304800">
+              <a:tr h="265235">
                 <a:tc>
                   <a:txBody>
                     <a:bodyPr/>
@@ -4561,11 +5505,12 @@
                         </a:defRPr>
                       </a:pPr>
                       <a:r>
+                        <a:rPr sz="900"/>
                         <a:t>XGBoost</a:t>
                       </a:r>
                     </a:p>
                   </a:txBody>
-                  <a:tcPr/>
+                  <a:tcPr marL="68580" marR="68580" marT="34290" marB="34290"/>
                 </a:tc>
                 <a:tc>
                   <a:txBody>
@@ -4578,11 +5523,12 @@
                         </a:defRPr>
                       </a:pPr>
                       <a:r>
+                        <a:rPr sz="900"/>
                         <a:t>0.671</a:t>
                       </a:r>
                     </a:p>
                   </a:txBody>
-                  <a:tcPr/>
+                  <a:tcPr marL="68580" marR="68580" marT="34290" marB="34290"/>
                 </a:tc>
                 <a:tc>
                   <a:txBody>
@@ -4595,11 +5541,12 @@
                         </a:defRPr>
                       </a:pPr>
                       <a:r>
+                        <a:rPr sz="900"/>
                         <a:t>0.772</a:t>
                       </a:r>
                     </a:p>
                   </a:txBody>
-                  <a:tcPr/>
+                  <a:tcPr marL="68580" marR="68580" marT="34290" marB="34290"/>
                 </a:tc>
                 <a:tc>
                   <a:txBody>
@@ -4612,11 +5559,12 @@
                         </a:defRPr>
                       </a:pPr>
                       <a:r>
+                        <a:rPr sz="900"/>
                         <a:t>63.9%</a:t>
                       </a:r>
                     </a:p>
                   </a:txBody>
-                  <a:tcPr/>
+                  <a:tcPr marL="68580" marR="68580" marT="34290" marB="34290"/>
                 </a:tc>
                 <a:tc>
                   <a:txBody>
@@ -4629,12 +5577,18 @@
                         </a:defRPr>
                       </a:pPr>
                       <a:r>
+                        <a:rPr sz="900" dirty="0"/>
                         <a:t>0.242</a:t>
                       </a:r>
                     </a:p>
                   </a:txBody>
-                  <a:tcPr/>
+                  <a:tcPr marL="68580" marR="68580" marT="34290" marB="34290"/>
                 </a:tc>
+                <a:extLst>
+                  <a:ext uri="{0D108BD9-81ED-4DB2-BD59-A6C34878D82A}">
+                    <a16:rowId xmlns:a16="http://schemas.microsoft.com/office/drawing/2014/main" val="10005"/>
+                  </a:ext>
+                </a:extLst>
               </a:tr>
             </a:tbl>
           </a:graphicData>
@@ -4642,7 +5596,7 @@
       </p:graphicFrame>
       <p:pic>
         <p:nvPicPr>
-          <p:cNvPr id="4" name="Picture 3" descr="model_comparison.png"/>
+          <p:cNvPr id="5" name="Picture 4" descr="model_comparison.png"/>
           <p:cNvPicPr>
             <a:picLocks noChangeAspect="1"/>
           </p:cNvPicPr>
@@ -4656,8 +5610,8 @@
         </p:blipFill>
         <p:spPr>
           <a:xfrm>
-            <a:off x="1828800" y="3657600"/>
-            <a:ext cx="5486400" cy="1828800"/>
+            <a:off x="2514600" y="3429000"/>
+            <a:ext cx="4114800" cy="1371600"/>
           </a:xfrm>
           <a:prstGeom prst="rect">
             <a:avLst/>
@@ -4673,7 +5627,7 @@
 </file>
 
 <file path=ppt/slides/slide6.xml><?xml version="1.0" encoding="utf-8"?>
-<p:sld xmlns:a="http://schemas.openxmlformats.org/drawingml/2006/main" xmlns:p="http://schemas.openxmlformats.org/presentationml/2006/main" xmlns:r="http://schemas.openxmlformats.org/officeDocument/2006/relationships">
+<p:sld xmlns:a="http://schemas.openxmlformats.org/drawingml/2006/main" xmlns:r="http://schemas.openxmlformats.org/officeDocument/2006/relationships" xmlns:p="http://schemas.openxmlformats.org/presentationml/2006/main">
   <p:cSld>
     <p:spTree>
       <p:nvGrpSpPr>
@@ -4681,7 +5635,14 @@
         <p:cNvGrpSpPr/>
         <p:nvPr/>
       </p:nvGrpSpPr>
-      <p:grpSpPr/>
+      <p:grpSpPr>
+        <a:xfrm>
+          <a:off x="0" y="0"/>
+          <a:ext cx="0" cy="0"/>
+          <a:chOff x="0" y="0"/>
+          <a:chExt cx="0" cy="0"/>
+        </a:xfrm>
+      </p:grpSpPr>
       <p:sp>
         <p:nvSpPr>
           <p:cNvPr id="2" name="Title 1"/>
@@ -4694,11 +5655,13 @@
         </p:nvSpPr>
         <p:spPr/>
         <p:txBody>
-          <a:bodyPr/>
+          <a:bodyPr>
+            <a:normAutofit fontScale="90000"/>
+          </a:bodyPr>
           <a:lstStyle/>
           <a:p>
             <a:pPr>
-              <a:defRPr b="1">
+              <a:defRPr sz="3600" b="1">
                 <a:solidFill>
                   <a:srgbClr val="003366"/>
                 </a:solidFill>
@@ -4713,84 +5676,117 @@
       </p:sp>
       <p:sp>
         <p:nvSpPr>
-          <p:cNvPr id="3" name="Content Placeholder 2"/>
-          <p:cNvSpPr>
-            <a:spLocks noGrp="1"/>
-          </p:cNvSpPr>
-          <p:nvPr>
-            <p:ph idx="1"/>
-          </p:nvPr>
-        </p:nvSpPr>
-        <p:spPr/>
-        <p:txBody>
-          <a:bodyPr/>
-          <a:lstStyle/>
-          <a:p/>
+          <p:cNvPr id="4" name="TextBox 3"/>
+          <p:cNvSpPr txBox="1"/>
+          <p:nvPr/>
+        </p:nvSpPr>
+        <p:spPr>
+          <a:xfrm>
+            <a:off x="1485900" y="1028700"/>
+            <a:ext cx="6172200" cy="1664558"/>
+          </a:xfrm>
+          <a:prstGeom prst="rect">
+            <a:avLst/>
+          </a:prstGeom>
+          <a:noFill/>
+        </p:spPr>
+        <p:txBody>
+          <a:bodyPr wrap="square">
+            <a:spAutoFit/>
+          </a:bodyPr>
+          <a:lstStyle/>
+          <a:p>
+            <a:endParaRPr sz="1350"/>
+          </a:p>
           <a:p>
             <a:pPr>
+              <a:spcAft>
+                <a:spcPts val="375"/>
+              </a:spcAft>
               <a:defRPr sz="1600">
                 <a:latin typeface="Times New Roman"/>
               </a:defRPr>
             </a:pPr>
             <a:r>
+              <a:rPr sz="1200"/>
               <a:t>LightGBM (Optuna) :</a:t>
             </a:r>
           </a:p>
           <a:p>
             <a:pPr lvl="1">
+              <a:spcAft>
+                <a:spcPts val="375"/>
+              </a:spcAft>
               <a:defRPr sz="1600">
                 <a:latin typeface="Times New Roman"/>
               </a:defRPr>
             </a:pPr>
             <a:r>
-              <a:t>Recherche efficace (50 essais).</a:t>
+              <a:rPr sz="1200"/>
+              <a:t>•  Recherche efficace (50 essais).</a:t>
             </a:r>
           </a:p>
           <a:p>
             <a:pPr lvl="1">
+              <a:spcAft>
+                <a:spcPts val="375"/>
+              </a:spcAft>
               <a:defRPr sz="1600">
                 <a:latin typeface="Times New Roman"/>
               </a:defRPr>
             </a:pPr>
             <a:r>
-              <a:t>Convergence vers paramètres robustes (n_est=318, lr=0.018).</a:t>
+              <a:rPr sz="1200"/>
+              <a:t>•  Convergence vers paramètres robustes (n_est=318, lr=0.018).</a:t>
             </a:r>
           </a:p>
           <a:p>
             <a:pPr>
+              <a:spcAft>
+                <a:spcPts val="375"/>
+              </a:spcAft>
               <a:defRPr sz="1600">
                 <a:latin typeface="Times New Roman"/>
               </a:defRPr>
             </a:pPr>
             <a:r>
+              <a:rPr sz="1200"/>
               <a:t>Dynamique Deep Learning :</a:t>
             </a:r>
           </a:p>
           <a:p>
             <a:pPr lvl="1">
+              <a:spcAft>
+                <a:spcPts val="375"/>
+              </a:spcAft>
               <a:defRPr sz="1600">
                 <a:latin typeface="Times New Roman"/>
               </a:defRPr>
             </a:pPr>
             <a:r>
-              <a:t>GRU : Bonne baisse de loss training, légère instabilité en validation.</a:t>
+              <a:rPr sz="1200"/>
+              <a:t>•  GRU : Bonne baisse de loss training, légère instabilité en validation.</a:t>
             </a:r>
           </a:p>
           <a:p>
             <a:pPr lvl="1">
+              <a:spcAft>
+                <a:spcPts val="375"/>
+              </a:spcAft>
               <a:defRPr sz="1600">
                 <a:latin typeface="Times New Roman"/>
               </a:defRPr>
             </a:pPr>
             <a:r>
-              <a:t>Transformer : Signes d'overfitting (Train Loss &lt;&lt; Val Loss).</a:t>
+              <a:rPr sz="1200"/>
+              <a:t>•  Transformer : Signes d'overfitting (Train Loss &lt;&lt; Val Loss).</a:t>
             </a:r>
           </a:p>
         </p:txBody>
       </p:sp>
       <p:pic>
         <p:nvPicPr>
-          <p:cNvPr id="4" name="Picture 3" descr="lgbm_optimization_history.png"/>
+          <p:cNvPr id="5" name="Picture 4" descr="lgbm_optimization_history.png"/>
           <p:cNvPicPr>
             <a:picLocks noChangeAspect="1"/>
           </p:cNvPicPr>
@@ -4804,8 +5800,8 @@
         </p:blipFill>
         <p:spPr>
           <a:xfrm>
-            <a:off x="5486400" y="1371600"/>
-            <a:ext cx="3810000" cy="2286000"/>
+            <a:off x="5257800" y="1028700"/>
+            <a:ext cx="2857500" cy="1714500"/>
           </a:xfrm>
           <a:prstGeom prst="rect">
             <a:avLst/>
@@ -4814,7 +5810,7 @@
       </p:pic>
       <p:pic>
         <p:nvPicPr>
-          <p:cNvPr id="5" name="Picture 4" descr="gru_training_loss.png"/>
+          <p:cNvPr id="6" name="Picture 5" descr="gru_training_loss.png"/>
           <p:cNvPicPr>
             <a:picLocks noChangeAspect="1"/>
           </p:cNvPicPr>
@@ -4828,8 +5824,8 @@
         </p:blipFill>
         <p:spPr>
           <a:xfrm>
-            <a:off x="457200" y="4114800"/>
-            <a:ext cx="3810000" cy="2286000"/>
+            <a:off x="1485900" y="3086100"/>
+            <a:ext cx="2857500" cy="1714500"/>
           </a:xfrm>
           <a:prstGeom prst="rect">
             <a:avLst/>
@@ -4838,7 +5834,7 @@
       </p:pic>
       <p:pic>
         <p:nvPicPr>
-          <p:cNvPr id="6" name="Picture 5" descr="transformer_training_loss.png"/>
+          <p:cNvPr id="7" name="Picture 6" descr="transformer_training_loss.png"/>
           <p:cNvPicPr>
             <a:picLocks noChangeAspect="1"/>
           </p:cNvPicPr>
@@ -4852,8 +5848,8 @@
         </p:blipFill>
         <p:spPr>
           <a:xfrm>
-            <a:off x="5029200" y="4114800"/>
-            <a:ext cx="3810000" cy="2286000"/>
+            <a:off x="4914900" y="3086100"/>
+            <a:ext cx="2857500" cy="1714500"/>
           </a:xfrm>
           <a:prstGeom prst="rect">
             <a:avLst/>
@@ -4869,7 +5865,7 @@
 </file>
 
 <file path=ppt/slides/slide7.xml><?xml version="1.0" encoding="utf-8"?>
-<p:sld xmlns:a="http://schemas.openxmlformats.org/drawingml/2006/main" xmlns:p="http://schemas.openxmlformats.org/presentationml/2006/main" xmlns:r="http://schemas.openxmlformats.org/officeDocument/2006/relationships">
+<p:sld xmlns:a="http://schemas.openxmlformats.org/drawingml/2006/main" xmlns:r="http://schemas.openxmlformats.org/officeDocument/2006/relationships" xmlns:p="http://schemas.openxmlformats.org/presentationml/2006/main">
   <p:cSld>
     <p:spTree>
       <p:nvGrpSpPr>
@@ -4877,7 +5873,14 @@
         <p:cNvGrpSpPr/>
         <p:nvPr/>
       </p:nvGrpSpPr>
-      <p:grpSpPr/>
+      <p:grpSpPr>
+        <a:xfrm>
+          <a:off x="0" y="0"/>
+          <a:ext cx="0" cy="0"/>
+          <a:chOff x="0" y="0"/>
+          <a:chExt cx="0" cy="0"/>
+        </a:xfrm>
+      </p:grpSpPr>
       <p:sp>
         <p:nvSpPr>
           <p:cNvPr id="2" name="Title 1"/>
@@ -4894,7 +5897,7 @@
           <a:lstStyle/>
           <a:p>
             <a:pPr>
-              <a:defRPr b="1">
+              <a:defRPr sz="3600" b="1">
                 <a:solidFill>
                   <a:srgbClr val="003366"/>
                 </a:solidFill>
@@ -4909,98 +5912,131 @@
       </p:sp>
       <p:sp>
         <p:nvSpPr>
-          <p:cNvPr id="3" name="Content Placeholder 2"/>
-          <p:cNvSpPr>
-            <a:spLocks noGrp="1"/>
-          </p:cNvSpPr>
-          <p:nvPr>
-            <p:ph idx="1"/>
-          </p:nvPr>
+          <p:cNvPr id="4" name="TextBox 3"/>
+          <p:cNvSpPr txBox="1"/>
+          <p:nvPr/>
         </p:nvSpPr>
         <p:spPr>
           <a:xfrm>
-            <a:ext cx="0" cy="2743200"/>
+            <a:off x="1485900" y="1028700"/>
+            <a:ext cx="6172200" cy="2254463"/>
           </a:xfrm>
+          <a:prstGeom prst="rect">
+            <a:avLst/>
+          </a:prstGeom>
+          <a:noFill/>
         </p:spPr>
         <p:txBody>
-          <a:bodyPr/>
-          <a:lstStyle/>
-          <a:p/>
+          <a:bodyPr wrap="square">
+            <a:spAutoFit/>
+          </a:bodyPr>
+          <a:lstStyle/>
+          <a:p>
+            <a:endParaRPr sz="1350"/>
+          </a:p>
           <a:p>
             <a:pPr>
+              <a:spcAft>
+                <a:spcPts val="750"/>
+              </a:spcAft>
               <a:defRPr sz="1800">
                 <a:latin typeface="Times New Roman"/>
               </a:defRPr>
             </a:pPr>
             <a:r>
-              <a:t>Meilleurs Prédicteurs :</a:t>
+              <a:rPr sz="1350"/>
+              <a:t>• Meilleurs Prédicteurs :</a:t>
             </a:r>
           </a:p>
           <a:p>
             <a:pPr lvl="1">
+              <a:spcAft>
+                <a:spcPts val="750"/>
+              </a:spcAft>
+              <a:defRPr sz="1600">
+                <a:latin typeface="Times New Roman"/>
+              </a:defRPr>
+            </a:pPr>
+            <a:r>
+              <a:rPr sz="1200"/>
+              <a:t>•  company_age : Les entreprises plus anciennes/stables convertissent mieux.</a:t>
+            </a:r>
+          </a:p>
+          <a:p>
+            <a:pPr lvl="1">
+              <a:spcAft>
+                <a:spcPts val="750"/>
+              </a:spcAft>
+              <a:defRPr sz="1600">
+                <a:latin typeface="Times New Roman"/>
+              </a:defRPr>
+            </a:pPr>
+            <a:r>
+              <a:rPr sz="1200"/>
+              <a:t>•  naf_code : Certains secteurs ont une affinité plus forte.</a:t>
+            </a:r>
+          </a:p>
+          <a:p>
+            <a:pPr lvl="1">
+              <a:spcAft>
+                <a:spcPts val="750"/>
+              </a:spcAft>
+              <a:defRPr sz="1600">
+                <a:latin typeface="Times New Roman"/>
+              </a:defRPr>
+            </a:pPr>
+            <a:r>
+              <a:rPr sz="1200"/>
+              <a:t>•  nb_client_invoices_created_sum : L'usage (Facturation) est le signal #1.</a:t>
+            </a:r>
+          </a:p>
+          <a:p>
+            <a:pPr>
+              <a:spcAft>
+                <a:spcPts val="750"/>
+              </a:spcAft>
               <a:defRPr sz="1800">
                 <a:latin typeface="Times New Roman"/>
               </a:defRPr>
             </a:pPr>
             <a:r>
-              <a:t>company_age : Les entreprises plus anciennes/stables convertissent mieux.</a:t>
+              <a:rPr sz="1350"/>
+              <a:t>• Insights Actionnables :</a:t>
             </a:r>
           </a:p>
           <a:p>
             <a:pPr lvl="1">
-              <a:defRPr sz="1800">
+              <a:spcAft>
+                <a:spcPts val="750"/>
+              </a:spcAft>
+              <a:defRPr sz="1600">
                 <a:latin typeface="Times New Roman"/>
               </a:defRPr>
             </a:pPr>
             <a:r>
-              <a:t>naf_code : Certains secteurs ont une affinité plus forte.</a:t>
+              <a:rPr sz="1200"/>
+              <a:t>•  L'Activation Compte : Une utilisation précoce (Jours 1-3) est critique.</a:t>
             </a:r>
           </a:p>
           <a:p>
             <a:pPr lvl="1">
-              <a:defRPr sz="1800">
+              <a:spcAft>
+                <a:spcPts val="750"/>
+              </a:spcAft>
+              <a:defRPr sz="1600">
                 <a:latin typeface="Times New Roman"/>
               </a:defRPr>
             </a:pPr>
             <a:r>
-              <a:t>nb_client_invoices_created_sum : L'usage (Facturation) est le signal #1.</a:t>
-            </a:r>
-          </a:p>
-          <a:p>
-            <a:pPr>
-              <a:defRPr sz="1800">
-                <a:latin typeface="Times New Roman"/>
-              </a:defRPr>
-            </a:pPr>
-            <a:r>
-              <a:t>Insights Actionnables :</a:t>
-            </a:r>
-          </a:p>
-          <a:p>
-            <a:pPr lvl="1">
-              <a:defRPr sz="1800">
-                <a:latin typeface="Times New Roman"/>
-              </a:defRPr>
-            </a:pPr>
-            <a:r>
-              <a:t>L'Activation Compte : Une utilisation précoce (Jours 1-3) est critique.</a:t>
-            </a:r>
-          </a:p>
-          <a:p>
-            <a:pPr lvl="1">
-              <a:defRPr sz="1800">
-                <a:latin typeface="Times New Roman"/>
-              </a:defRPr>
-            </a:pPr>
-            <a:r>
-              <a:t>Ciblage : Concentrer le CX sur les TPEs avec faible activité initiale.</a:t>
+              <a:rPr sz="1200"/>
+              <a:t>•  Ciblage : Concentrer le CX sur les TPEs avec faible activité initiale.</a:t>
             </a:r>
           </a:p>
         </p:txBody>
       </p:sp>
       <p:pic>
         <p:nvPicPr>
-          <p:cNvPr id="4" name="Picture 3" descr="xgb_feature_importance.png"/>
+          <p:cNvPr id="5" name="Picture 4" descr="xgb_feature_importance.png"/>
           <p:cNvPicPr>
             <a:picLocks noChangeAspect="1"/>
           </p:cNvPicPr>
@@ -5014,8 +6050,8 @@
         </p:blipFill>
         <p:spPr>
           <a:xfrm>
-            <a:off x="1828800" y="3657600"/>
-            <a:ext cx="5486400" cy="4389120"/>
+            <a:off x="3200400" y="2880360"/>
+            <a:ext cx="2743200" cy="2194560"/>
           </a:xfrm>
           <a:prstGeom prst="rect">
             <a:avLst/>
@@ -5031,7 +6067,7 @@
 </file>
 
 <file path=ppt/slides/slide8.xml><?xml version="1.0" encoding="utf-8"?>
-<p:sld xmlns:a="http://schemas.openxmlformats.org/drawingml/2006/main" xmlns:p="http://schemas.openxmlformats.org/presentationml/2006/main" xmlns:r="http://schemas.openxmlformats.org/officeDocument/2006/relationships">
+<p:sld xmlns:a="http://schemas.openxmlformats.org/drawingml/2006/main" xmlns:r="http://schemas.openxmlformats.org/officeDocument/2006/relationships" xmlns:p="http://schemas.openxmlformats.org/presentationml/2006/main">
   <p:cSld>
     <p:spTree>
       <p:nvGrpSpPr>
@@ -5039,7 +6075,14 @@
         <p:cNvGrpSpPr/>
         <p:nvPr/>
       </p:nvGrpSpPr>
-      <p:grpSpPr/>
+      <p:grpSpPr>
+        <a:xfrm>
+          <a:off x="0" y="0"/>
+          <a:ext cx="0" cy="0"/>
+          <a:chOff x="0" y="0"/>
+          <a:chExt cx="0" cy="0"/>
+        </a:xfrm>
+      </p:grpSpPr>
       <p:sp>
         <p:nvSpPr>
           <p:cNvPr id="2" name="Title 1"/>
@@ -5056,7 +6099,7 @@
           <a:lstStyle/>
           <a:p>
             <a:pPr>
-              <a:defRPr b="1">
+              <a:defRPr sz="3600" b="1">
                 <a:solidFill>
                   <a:srgbClr val="003366"/>
                 </a:solidFill>
@@ -5071,97 +6114,138 @@
       </p:sp>
       <p:sp>
         <p:nvSpPr>
-          <p:cNvPr id="3" name="Content Placeholder 2"/>
-          <p:cNvSpPr>
-            <a:spLocks noGrp="1"/>
-          </p:cNvSpPr>
-          <p:nvPr>
-            <p:ph idx="1"/>
-          </p:nvPr>
-        </p:nvSpPr>
-        <p:spPr/>
-        <p:txBody>
-          <a:bodyPr/>
-          <a:lstStyle/>
-          <a:p/>
+          <p:cNvPr id="4" name="TextBox 3"/>
+          <p:cNvSpPr txBox="1"/>
+          <p:nvPr/>
+        </p:nvSpPr>
+        <p:spPr>
+          <a:xfrm>
+            <a:off x="1485900" y="1028700"/>
+            <a:ext cx="6172200" cy="2541721"/>
+          </a:xfrm>
+          <a:prstGeom prst="rect">
+            <a:avLst/>
+          </a:prstGeom>
+          <a:noFill/>
+        </p:spPr>
+        <p:txBody>
+          <a:bodyPr wrap="square">
+            <a:spAutoFit/>
+          </a:bodyPr>
+          <a:lstStyle/>
+          <a:p>
+            <a:endParaRPr sz="1350"/>
+          </a:p>
           <a:p>
             <a:pPr>
+              <a:spcAft>
+                <a:spcPts val="750"/>
+              </a:spcAft>
               <a:defRPr sz="1800">
                 <a:latin typeface="Times New Roman"/>
               </a:defRPr>
             </a:pPr>
             <a:r>
-              <a:t>Impact Estimé :</a:t>
+              <a:rPr sz="1350"/>
+              <a:t>• Impact Estimé :</a:t>
             </a:r>
           </a:p>
           <a:p>
             <a:pPr lvl="1">
+              <a:spcAft>
+                <a:spcPts val="750"/>
+              </a:spcAft>
+              <a:defRPr sz="1600">
+                <a:latin typeface="Times New Roman"/>
+              </a:defRPr>
+            </a:pPr>
+            <a:r>
+              <a:rPr sz="1200"/>
+              <a:t>•  Cible : ~400 essais/mois.</a:t>
+            </a:r>
+          </a:p>
+          <a:p>
+            <a:pPr lvl="1">
+              <a:spcAft>
+                <a:spcPts val="750"/>
+              </a:spcAft>
+              <a:defRPr sz="1600">
+                <a:latin typeface="Times New Roman"/>
+              </a:defRPr>
+            </a:pPr>
+            <a:r>
+              <a:rPr sz="1200"/>
+              <a:t>•  Lift : +5-8% de conversion via intervention ciblée.</a:t>
+            </a:r>
+          </a:p>
+          <a:p>
+            <a:pPr lvl="1">
+              <a:spcAft>
+                <a:spcPts val="750"/>
+              </a:spcAft>
+              <a:defRPr sz="1600">
+                <a:latin typeface="Times New Roman"/>
+              </a:defRPr>
+            </a:pPr>
+            <a:r>
+              <a:rPr sz="1200"/>
+              <a:t>•  Valeur : 400 * 0.05 * 3k€ (LTV) = ~60k€/mois -&gt; 720k€/an.</a:t>
+            </a:r>
+          </a:p>
+          <a:p>
+            <a:pPr>
+              <a:spcAft>
+                <a:spcPts val="750"/>
+              </a:spcAft>
               <a:defRPr sz="1800">
                 <a:latin typeface="Times New Roman"/>
               </a:defRPr>
             </a:pPr>
             <a:r>
-              <a:t>Cible : ~400 essais/mois.</a:t>
+              <a:rPr sz="1350"/>
+              <a:t>• Recommandations :</a:t>
             </a:r>
           </a:p>
           <a:p>
             <a:pPr lvl="1">
-              <a:defRPr sz="1800">
+              <a:spcAft>
+                <a:spcPts val="750"/>
+              </a:spcAft>
+              <a:defRPr sz="1600">
                 <a:latin typeface="Times New Roman"/>
               </a:defRPr>
             </a:pPr>
             <a:r>
-              <a:t>Lift : +5-8% de conversion via intervention ciblée.</a:t>
+              <a:rPr sz="1200"/>
+              <a:t>•  Jours 1-3 (Automatisé) : Nudge si 'nb_connections' &lt; 2.</a:t>
             </a:r>
           </a:p>
           <a:p>
             <a:pPr lvl="1">
-              <a:defRPr sz="1800">
+              <a:spcAft>
+                <a:spcPts val="750"/>
+              </a:spcAft>
+              <a:defRPr sz="1600">
                 <a:latin typeface="Times New Roman"/>
               </a:defRPr>
             </a:pPr>
             <a:r>
-              <a:t>Valeur : 400 * 0.05 * 3k€ (LTV) = ~60k€/mois -&gt; 720k€/an.</a:t>
-            </a:r>
-          </a:p>
-          <a:p>
-            <a:pPr>
-              <a:defRPr sz="1800">
+              <a:rPr sz="1200"/>
+              <a:t>•  Jours 7-10 (Humain) : Appel CX si Prob. Désabonnement &gt; 60%.</a:t>
+            </a:r>
+          </a:p>
+          <a:p>
+            <a:pPr lvl="1">
+              <a:spcAft>
+                <a:spcPts val="750"/>
+              </a:spcAft>
+              <a:defRPr sz="1600">
                 <a:latin typeface="Times New Roman"/>
               </a:defRPr>
             </a:pPr>
             <a:r>
-              <a:t>Recommandations :</a:t>
-            </a:r>
-          </a:p>
-          <a:p>
-            <a:pPr lvl="1">
-              <a:defRPr sz="1800">
-                <a:latin typeface="Times New Roman"/>
-              </a:defRPr>
-            </a:pPr>
-            <a:r>
-              <a:t>Jours 1-3 (Automatisé) : Nudge si 'nb_connections' &lt; 2.</a:t>
-            </a:r>
-          </a:p>
-          <a:p>
-            <a:pPr lvl="1">
-              <a:defRPr sz="1800">
-                <a:latin typeface="Times New Roman"/>
-              </a:defRPr>
-            </a:pPr>
-            <a:r>
-              <a:t>Jours 7-10 (Humain) : Appel CX si Prob. Désabonnement &gt; 60%.</a:t>
-            </a:r>
-          </a:p>
-          <a:p>
-            <a:pPr lvl="1">
-              <a:defRPr sz="1800">
-                <a:latin typeface="Times New Roman"/>
-              </a:defRPr>
-            </a:pPr>
-            <a:r>
-              <a:t>Déploiement : A/B Test des interventions pour mesurer l'uplift réel.</a:t>
+              <a:rPr sz="1200"/>
+              <a:t>•  Déploiement : A/B Test des interventions pour mesurer l'uplift réel.</a:t>
             </a:r>
           </a:p>
         </p:txBody>
@@ -5175,7 +6259,7 @@
 </file>
 
 <file path=ppt/slides/slide9.xml><?xml version="1.0" encoding="utf-8"?>
-<p:sld xmlns:a="http://schemas.openxmlformats.org/drawingml/2006/main" xmlns:p="http://schemas.openxmlformats.org/presentationml/2006/main" xmlns:r="http://schemas.openxmlformats.org/officeDocument/2006/relationships">
+<p:sld xmlns:a="http://schemas.openxmlformats.org/drawingml/2006/main" xmlns:r="http://schemas.openxmlformats.org/officeDocument/2006/relationships" xmlns:p="http://schemas.openxmlformats.org/presentationml/2006/main">
   <p:cSld>
     <p:spTree>
       <p:nvGrpSpPr>
@@ -5183,7 +6267,14 @@
         <p:cNvGrpSpPr/>
         <p:nvPr/>
       </p:nvGrpSpPr>
-      <p:grpSpPr/>
+      <p:grpSpPr>
+        <a:xfrm>
+          <a:off x="0" y="0"/>
+          <a:ext cx="0" cy="0"/>
+          <a:chOff x="0" y="0"/>
+          <a:chExt cx="0" cy="0"/>
+        </a:xfrm>
+      </p:grpSpPr>
       <p:sp>
         <p:nvSpPr>
           <p:cNvPr id="2" name="Title 1"/>
@@ -5200,7 +6291,7 @@
           <a:lstStyle/>
           <a:p>
             <a:pPr>
-              <a:defRPr b="1">
+              <a:defRPr sz="3600" b="1">
                 <a:solidFill>
                   <a:srgbClr val="003366"/>
                 </a:solidFill>
@@ -5215,87 +6306,124 @@
       </p:sp>
       <p:sp>
         <p:nvSpPr>
-          <p:cNvPr id="3" name="Content Placeholder 2"/>
-          <p:cNvSpPr>
-            <a:spLocks noGrp="1"/>
-          </p:cNvSpPr>
-          <p:nvPr>
-            <p:ph idx="1"/>
-          </p:nvPr>
-        </p:nvSpPr>
-        <p:spPr/>
-        <p:txBody>
-          <a:bodyPr/>
-          <a:lstStyle/>
-          <a:p/>
+          <p:cNvPr id="4" name="TextBox 3"/>
+          <p:cNvSpPr txBox="1"/>
+          <p:nvPr/>
+        </p:nvSpPr>
+        <p:spPr>
+          <a:xfrm>
+            <a:off x="1485900" y="1028701"/>
+            <a:ext cx="6172200" cy="2254463"/>
+          </a:xfrm>
+          <a:prstGeom prst="rect">
+            <a:avLst/>
+          </a:prstGeom>
+          <a:noFill/>
+        </p:spPr>
+        <p:txBody>
+          <a:bodyPr wrap="square">
+            <a:spAutoFit/>
+          </a:bodyPr>
+          <a:lstStyle/>
+          <a:p>
+            <a:endParaRPr sz="1350"/>
+          </a:p>
           <a:p>
             <a:pPr>
+              <a:spcAft>
+                <a:spcPts val="750"/>
+              </a:spcAft>
               <a:defRPr sz="1800">
                 <a:latin typeface="Times New Roman"/>
               </a:defRPr>
             </a:pPr>
             <a:r>
-              <a:t>Limitations :</a:t>
+              <a:rPr sz="1350"/>
+              <a:t>• Limitations :</a:t>
             </a:r>
           </a:p>
           <a:p>
             <a:pPr lvl="1">
+              <a:spcAft>
+                <a:spcPts val="750"/>
+              </a:spcAft>
+              <a:defRPr sz="1600">
+                <a:latin typeface="Times New Roman"/>
+              </a:defRPr>
+            </a:pPr>
+            <a:r>
+              <a:rPr sz="1200"/>
+              <a:t>•  Faible Volume de Données : ~416 essais limitent le potentiel du Deep Learning.</a:t>
+            </a:r>
+          </a:p>
+          <a:p>
+            <a:pPr lvl="1">
+              <a:spcAft>
+                <a:spcPts val="750"/>
+              </a:spcAft>
+              <a:defRPr sz="1600">
+                <a:latin typeface="Times New Roman"/>
+              </a:defRPr>
+            </a:pPr>
+            <a:r>
+              <a:rPr sz="1200"/>
+              <a:t>•  Facteurs Externes : Pas de données sur le contexte économique ou la saisonnalité.</a:t>
+            </a:r>
+          </a:p>
+          <a:p>
+            <a:pPr>
+              <a:spcAft>
+                <a:spcPts val="750"/>
+              </a:spcAft>
               <a:defRPr sz="1800">
                 <a:latin typeface="Times New Roman"/>
               </a:defRPr>
             </a:pPr>
             <a:r>
-              <a:t>Faible Volume de Données : ~416 essais limitent le potentiel du Deep Learning.</a:t>
+              <a:rPr sz="1350"/>
+              <a:t>• Améliorations Futures :</a:t>
             </a:r>
           </a:p>
           <a:p>
             <a:pPr lvl="1">
-              <a:defRPr sz="1800">
+              <a:spcAft>
+                <a:spcPts val="750"/>
+              </a:spcAft>
+              <a:defRPr sz="1600">
                 <a:latin typeface="Times New Roman"/>
               </a:defRPr>
             </a:pPr>
             <a:r>
-              <a:t>Facteurs Externes : Pas de données sur le contexte économique ou la saisonnalité.</a:t>
-            </a:r>
-          </a:p>
-          <a:p>
-            <a:pPr>
-              <a:defRPr sz="1800">
+              <a:rPr sz="1200"/>
+              <a:t>•  Ensemble Hybride : Combiner LightGBM (Tabulaire) + GRU (Séquentiel).</a:t>
+            </a:r>
+          </a:p>
+          <a:p>
+            <a:pPr lvl="1">
+              <a:spcAft>
+                <a:spcPts val="750"/>
+              </a:spcAft>
+              <a:defRPr sz="1600">
                 <a:latin typeface="Times New Roman"/>
               </a:defRPr>
             </a:pPr>
             <a:r>
-              <a:t>Améliorations Futures :</a:t>
+              <a:rPr sz="1200"/>
+              <a:t>•  Causal ML : Modéliser l'uplift (Persuadables vs Do-not-disturb).</a:t>
             </a:r>
           </a:p>
           <a:p>
             <a:pPr lvl="1">
-              <a:defRPr sz="1800">
+              <a:spcAft>
+                <a:spcPts val="750"/>
+              </a:spcAft>
+              <a:defRPr sz="1600">
                 <a:latin typeface="Times New Roman"/>
               </a:defRPr>
             </a:pPr>
             <a:r>
-              <a:t>Ensemble Hybride : Combiner LightGBM (Tabulaire) + GRU (Séquentiel).</a:t>
-            </a:r>
-          </a:p>
-          <a:p>
-            <a:pPr lvl="1">
-              <a:defRPr sz="1800">
-                <a:latin typeface="Times New Roman"/>
-              </a:defRPr>
-            </a:pPr>
-            <a:r>
-              <a:t>Causal ML : Modéliser l'uplift (Persuadables vs Do-not-disturb).</a:t>
-            </a:r>
-          </a:p>
-          <a:p>
-            <a:pPr lvl="1">
-              <a:defRPr sz="1800">
-                <a:latin typeface="Times New Roman"/>
-              </a:defRPr>
-            </a:pPr>
-            <a:r>
-              <a:t>Entraînement Continu : Réentraînement mensuel pour gérer le 'data drift'.</a:t>
+              <a:rPr sz="1200"/>
+              <a:t>•  Entraînement Continu : Réentraînement mensuel pour gérer le 'data drift'.</a:t>
             </a:r>
           </a:p>
         </p:txBody>

--- a/Presentations_Resultats_Projet.pptx
+++ b/Presentations_Resultats_Projet.pptx
@@ -5,18 +5,18 @@
     <p:sldMasterId id="2147483648" r:id="rId1"/>
   </p:sldMasterIdLst>
   <p:sldIdLst>
-    <p:sldId id="256" r:id="rId2"/>
-    <p:sldId id="257" r:id="rId3"/>
-    <p:sldId id="258" r:id="rId4"/>
-    <p:sldId id="259" r:id="rId5"/>
-    <p:sldId id="260" r:id="rId6"/>
-    <p:sldId id="261" r:id="rId7"/>
-    <p:sldId id="262" r:id="rId8"/>
-    <p:sldId id="263" r:id="rId9"/>
-    <p:sldId id="264" r:id="rId10"/>
-    <p:sldId id="265" r:id="rId11"/>
+    <p:sldId id="256" r:id="rId7"/>
+    <p:sldId id="257" r:id="rId8"/>
+    <p:sldId id="258" r:id="rId9"/>
+    <p:sldId id="259" r:id="rId10"/>
+    <p:sldId id="260" r:id="rId11"/>
+    <p:sldId id="261" r:id="rId12"/>
+    <p:sldId id="262" r:id="rId13"/>
+    <p:sldId id="263" r:id="rId14"/>
+    <p:sldId id="264" r:id="rId15"/>
+    <p:sldId id="265" r:id="rId16"/>
   </p:sldIdLst>
-  <p:sldSz cx="9144000" cy="5143500" type="screen16x9"/>
+  <p:sldSz cx="9144000" cy="6858000" type="screen4x3"/>
   <p:notesSz cx="6858000" cy="9144000"/>
   <p:defaultTextStyle>
     <a:defPPr>
@@ -113,22 +113,6 @@
       </a:defRPr>
     </a:lvl9pPr>
   </p:defaultTextStyle>
-  <p:extLst>
-    <p:ext uri="{EFAFB233-063F-42B5-8137-9DF3F51BA10A}">
-      <p15:sldGuideLst xmlns:p15="http://schemas.microsoft.com/office/powerpoint/2012/main">
-        <p15:guide id="1" orient="horz" pos="1620" userDrawn="1">
-          <p15:clr>
-            <a:srgbClr val="A4A3A4"/>
-          </p15:clr>
-        </p15:guide>
-        <p15:guide id="2" pos="2880" userDrawn="1">
-          <p15:clr>
-            <a:srgbClr val="A4A3A4"/>
-          </p15:clr>
-        </p15:guide>
-      </p15:sldGuideLst>
-    </p:ext>
-  </p:extLst>
 </p:presentation>
 </file>
 
@@ -161,8 +145,8 @@
         </p:nvSpPr>
         <p:spPr>
           <a:xfrm>
-            <a:off x="685800" y="1597819"/>
-            <a:ext cx="7772400" cy="1102519"/>
+            <a:off x="685800" y="2130425"/>
+            <a:ext cx="7772400" cy="1470025"/>
           </a:xfrm>
         </p:spPr>
         <p:txBody>
@@ -170,9 +154,10 @@
           <a:lstStyle/>
           <a:p>
             <a:r>
-              <a:rPr lang="en-US"/>
+              <a:rPr lang="en-US" smtClean="0"/>
               <a:t>Click to edit Master title style</a:t>
             </a:r>
+            <a:endParaRPr lang="en-US"/>
           </a:p>
         </p:txBody>
       </p:sp>
@@ -188,8 +173,8 @@
         </p:nvSpPr>
         <p:spPr>
           <a:xfrm>
-            <a:off x="1371600" y="2914650"/>
-            <a:ext cx="6400800" cy="1314450"/>
+            <a:off x="1371600" y="3886200"/>
+            <a:ext cx="6400800" cy="1752600"/>
           </a:xfrm>
         </p:spPr>
         <p:txBody>
@@ -205,7 +190,7 @@
                 </a:solidFill>
               </a:defRPr>
             </a:lvl1pPr>
-            <a:lvl2pPr marL="342900" indent="0" algn="ctr">
+            <a:lvl2pPr marL="457200" indent="0" algn="ctr">
               <a:buNone/>
               <a:defRPr>
                 <a:solidFill>
@@ -215,7 +200,7 @@
                 </a:solidFill>
               </a:defRPr>
             </a:lvl2pPr>
-            <a:lvl3pPr marL="685800" indent="0" algn="ctr">
+            <a:lvl3pPr marL="914400" indent="0" algn="ctr">
               <a:buNone/>
               <a:defRPr>
                 <a:solidFill>
@@ -225,7 +210,7 @@
                 </a:solidFill>
               </a:defRPr>
             </a:lvl3pPr>
-            <a:lvl4pPr marL="1028700" indent="0" algn="ctr">
+            <a:lvl4pPr marL="1371600" indent="0" algn="ctr">
               <a:buNone/>
               <a:defRPr>
                 <a:solidFill>
@@ -235,7 +220,7 @@
                 </a:solidFill>
               </a:defRPr>
             </a:lvl4pPr>
-            <a:lvl5pPr marL="1371600" indent="0" algn="ctr">
+            <a:lvl5pPr marL="1828800" indent="0" algn="ctr">
               <a:buNone/>
               <a:defRPr>
                 <a:solidFill>
@@ -245,7 +230,7 @@
                 </a:solidFill>
               </a:defRPr>
             </a:lvl5pPr>
-            <a:lvl6pPr marL="1714500" indent="0" algn="ctr">
+            <a:lvl6pPr marL="2286000" indent="0" algn="ctr">
               <a:buNone/>
               <a:defRPr>
                 <a:solidFill>
@@ -255,7 +240,7 @@
                 </a:solidFill>
               </a:defRPr>
             </a:lvl6pPr>
-            <a:lvl7pPr marL="2057400" indent="0" algn="ctr">
+            <a:lvl7pPr marL="2743200" indent="0" algn="ctr">
               <a:buNone/>
               <a:defRPr>
                 <a:solidFill>
@@ -265,7 +250,7 @@
                 </a:solidFill>
               </a:defRPr>
             </a:lvl7pPr>
-            <a:lvl8pPr marL="2400300" indent="0" algn="ctr">
+            <a:lvl8pPr marL="3200400" indent="0" algn="ctr">
               <a:buNone/>
               <a:defRPr>
                 <a:solidFill>
@@ -275,7 +260,7 @@
                 </a:solidFill>
               </a:defRPr>
             </a:lvl8pPr>
-            <a:lvl9pPr marL="2743200" indent="0" algn="ctr">
+            <a:lvl9pPr marL="3657600" indent="0" algn="ctr">
               <a:buNone/>
               <a:defRPr>
                 <a:solidFill>
@@ -288,9 +273,10 @@
           </a:lstStyle>
           <a:p>
             <a:r>
-              <a:rPr lang="en-US"/>
+              <a:rPr lang="en-US" smtClean="0"/>
               <a:t>Click to edit Master subtitle style</a:t>
             </a:r>
+            <a:endParaRPr lang="en-US"/>
           </a:p>
         </p:txBody>
       </p:sp>
@@ -311,7 +297,7 @@
           <a:p>
             <a:fld id="{5BCAD085-E8A6-8845-BD4E-CB4CCA059FC4}" type="datetimeFigureOut">
               <a:rPr lang="en-US" smtClean="0"/>
-              <a:t>12/10/25</a:t>
+              <a:t>1/27/13</a:t>
             </a:fld>
             <a:endParaRPr lang="en-US"/>
           </a:p>
@@ -405,9 +391,10 @@
           <a:lstStyle/>
           <a:p>
             <a:r>
-              <a:rPr lang="en-US"/>
+              <a:rPr lang="en-US" smtClean="0"/>
               <a:t>Click to edit Master title style</a:t>
             </a:r>
+            <a:endParaRPr lang="en-US"/>
           </a:p>
         </p:txBody>
       </p:sp>
@@ -428,37 +415,38 @@
           <a:p>
             <a:pPr lvl="0"/>
             <a:r>
-              <a:rPr lang="en-US"/>
+              <a:rPr lang="en-US" smtClean="0"/>
               <a:t>Click to edit Master text styles</a:t>
             </a:r>
           </a:p>
           <a:p>
             <a:pPr lvl="1"/>
             <a:r>
-              <a:rPr lang="en-US"/>
+              <a:rPr lang="en-US" smtClean="0"/>
               <a:t>Second level</a:t>
             </a:r>
           </a:p>
           <a:p>
             <a:pPr lvl="2"/>
             <a:r>
-              <a:rPr lang="en-US"/>
+              <a:rPr lang="en-US" smtClean="0"/>
               <a:t>Third level</a:t>
             </a:r>
           </a:p>
           <a:p>
             <a:pPr lvl="3"/>
             <a:r>
-              <a:rPr lang="en-US"/>
+              <a:rPr lang="en-US" smtClean="0"/>
               <a:t>Fourth level</a:t>
             </a:r>
           </a:p>
           <a:p>
             <a:pPr lvl="4"/>
             <a:r>
-              <a:rPr lang="en-US"/>
+              <a:rPr lang="en-US" smtClean="0"/>
               <a:t>Fifth level</a:t>
             </a:r>
+            <a:endParaRPr lang="en-US"/>
           </a:p>
         </p:txBody>
       </p:sp>
@@ -479,7 +467,7 @@
           <a:p>
             <a:fld id="{5BCAD085-E8A6-8845-BD4E-CB4CCA059FC4}" type="datetimeFigureOut">
               <a:rPr lang="en-US" smtClean="0"/>
-              <a:t>12/10/25</a:t>
+              <a:t>1/27/13</a:t>
             </a:fld>
             <a:endParaRPr lang="en-US"/>
           </a:p>
@@ -569,8 +557,8 @@
         </p:nvSpPr>
         <p:spPr>
           <a:xfrm>
-            <a:off x="6629400" y="205979"/>
-            <a:ext cx="2057400" cy="4388644"/>
+            <a:off x="6629400" y="274638"/>
+            <a:ext cx="2057400" cy="5851525"/>
           </a:xfrm>
         </p:spPr>
         <p:txBody>
@@ -578,9 +566,10 @@
           <a:lstStyle/>
           <a:p>
             <a:r>
-              <a:rPr lang="en-US"/>
+              <a:rPr lang="en-US" smtClean="0"/>
               <a:t>Click to edit Master title style</a:t>
             </a:r>
+            <a:endParaRPr lang="en-US"/>
           </a:p>
         </p:txBody>
       </p:sp>
@@ -596,8 +585,8 @@
         </p:nvSpPr>
         <p:spPr>
           <a:xfrm>
-            <a:off x="457200" y="205979"/>
-            <a:ext cx="6019800" cy="4388644"/>
+            <a:off x="457200" y="274638"/>
+            <a:ext cx="6019800" cy="5851525"/>
           </a:xfrm>
         </p:spPr>
         <p:txBody>
@@ -606,37 +595,38 @@
           <a:p>
             <a:pPr lvl="0"/>
             <a:r>
-              <a:rPr lang="en-US"/>
+              <a:rPr lang="en-US" smtClean="0"/>
               <a:t>Click to edit Master text styles</a:t>
             </a:r>
           </a:p>
           <a:p>
             <a:pPr lvl="1"/>
             <a:r>
-              <a:rPr lang="en-US"/>
+              <a:rPr lang="en-US" smtClean="0"/>
               <a:t>Second level</a:t>
             </a:r>
           </a:p>
           <a:p>
             <a:pPr lvl="2"/>
             <a:r>
-              <a:rPr lang="en-US"/>
+              <a:rPr lang="en-US" smtClean="0"/>
               <a:t>Third level</a:t>
             </a:r>
           </a:p>
           <a:p>
             <a:pPr lvl="3"/>
             <a:r>
-              <a:rPr lang="en-US"/>
+              <a:rPr lang="en-US" smtClean="0"/>
               <a:t>Fourth level</a:t>
             </a:r>
           </a:p>
           <a:p>
             <a:pPr lvl="4"/>
             <a:r>
-              <a:rPr lang="en-US"/>
+              <a:rPr lang="en-US" smtClean="0"/>
               <a:t>Fifth level</a:t>
             </a:r>
+            <a:endParaRPr lang="en-US"/>
           </a:p>
         </p:txBody>
       </p:sp>
@@ -657,7 +647,7 @@
           <a:p>
             <a:fld id="{5BCAD085-E8A6-8845-BD4E-CB4CCA059FC4}" type="datetimeFigureOut">
               <a:rPr lang="en-US" smtClean="0"/>
-              <a:t>12/10/25</a:t>
+              <a:t>1/27/13</a:t>
             </a:fld>
             <a:endParaRPr lang="en-US"/>
           </a:p>
@@ -751,9 +741,10 @@
           <a:lstStyle/>
           <a:p>
             <a:r>
-              <a:rPr lang="en-US"/>
+              <a:rPr lang="en-US" smtClean="0"/>
               <a:t>Click to edit Master title style</a:t>
             </a:r>
+            <a:endParaRPr lang="en-US"/>
           </a:p>
         </p:txBody>
       </p:sp>
@@ -774,37 +765,38 @@
           <a:p>
             <a:pPr lvl="0"/>
             <a:r>
-              <a:rPr lang="en-US"/>
+              <a:rPr lang="en-US" smtClean="0"/>
               <a:t>Click to edit Master text styles</a:t>
             </a:r>
           </a:p>
           <a:p>
             <a:pPr lvl="1"/>
             <a:r>
-              <a:rPr lang="en-US"/>
+              <a:rPr lang="en-US" smtClean="0"/>
               <a:t>Second level</a:t>
             </a:r>
           </a:p>
           <a:p>
             <a:pPr lvl="2"/>
             <a:r>
-              <a:rPr lang="en-US"/>
+              <a:rPr lang="en-US" smtClean="0"/>
               <a:t>Third level</a:t>
             </a:r>
           </a:p>
           <a:p>
             <a:pPr lvl="3"/>
             <a:r>
-              <a:rPr lang="en-US"/>
+              <a:rPr lang="en-US" smtClean="0"/>
               <a:t>Fourth level</a:t>
             </a:r>
           </a:p>
           <a:p>
             <a:pPr lvl="4"/>
             <a:r>
-              <a:rPr lang="en-US"/>
+              <a:rPr lang="en-US" smtClean="0"/>
               <a:t>Fifth level</a:t>
             </a:r>
+            <a:endParaRPr lang="en-US"/>
           </a:p>
         </p:txBody>
       </p:sp>
@@ -825,7 +817,7 @@
           <a:p>
             <a:fld id="{5BCAD085-E8A6-8845-BD4E-CB4CCA059FC4}" type="datetimeFigureOut">
               <a:rPr lang="en-US" smtClean="0"/>
-              <a:t>12/10/25</a:t>
+              <a:t>1/27/13</a:t>
             </a:fld>
             <a:endParaRPr lang="en-US"/>
           </a:p>
@@ -915,22 +907,23 @@
         </p:nvSpPr>
         <p:spPr>
           <a:xfrm>
-            <a:off x="722313" y="3305176"/>
-            <a:ext cx="7772400" cy="1021556"/>
+            <a:off x="722313" y="4406900"/>
+            <a:ext cx="7772400" cy="1362075"/>
           </a:xfrm>
         </p:spPr>
         <p:txBody>
           <a:bodyPr anchor="t"/>
           <a:lstStyle>
             <a:lvl1pPr algn="l">
-              <a:defRPr sz="3000" b="1" cap="all"/>
+              <a:defRPr sz="4000" b="1" cap="all"/>
             </a:lvl1pPr>
           </a:lstStyle>
           <a:p>
             <a:r>
-              <a:rPr lang="en-US"/>
+              <a:rPr lang="en-US" smtClean="0"/>
               <a:t>Click to edit Master title style</a:t>
             </a:r>
+            <a:endParaRPr lang="en-US"/>
           </a:p>
         </p:txBody>
       </p:sp>
@@ -946,8 +939,8 @@
         </p:nvSpPr>
         <p:spPr>
           <a:xfrm>
-            <a:off x="722313" y="2180035"/>
-            <a:ext cx="7772400" cy="1125140"/>
+            <a:off x="722313" y="2906713"/>
+            <a:ext cx="7772400" cy="1500187"/>
           </a:xfrm>
         </p:spPr>
         <p:txBody>
@@ -955,7 +948,7 @@
           <a:lstStyle>
             <a:lvl1pPr marL="0" indent="0">
               <a:buNone/>
-              <a:defRPr sz="1500">
+              <a:defRPr sz="2000">
                 <a:solidFill>
                   <a:schemeClr val="tx1">
                     <a:tint val="75000"/>
@@ -963,9 +956,9 @@
                 </a:solidFill>
               </a:defRPr>
             </a:lvl1pPr>
-            <a:lvl2pPr marL="342900" indent="0">
-              <a:buNone/>
-              <a:defRPr sz="1350">
+            <a:lvl2pPr marL="457200" indent="0">
+              <a:buNone/>
+              <a:defRPr sz="1800">
                 <a:solidFill>
                   <a:schemeClr val="tx1">
                     <a:tint val="75000"/>
@@ -973,9 +966,9 @@
                 </a:solidFill>
               </a:defRPr>
             </a:lvl2pPr>
-            <a:lvl3pPr marL="685800" indent="0">
-              <a:buNone/>
-              <a:defRPr sz="1200">
+            <a:lvl3pPr marL="914400" indent="0">
+              <a:buNone/>
+              <a:defRPr sz="1600">
                 <a:solidFill>
                   <a:schemeClr val="tx1">
                     <a:tint val="75000"/>
@@ -983,9 +976,9 @@
                 </a:solidFill>
               </a:defRPr>
             </a:lvl3pPr>
-            <a:lvl4pPr marL="1028700" indent="0">
-              <a:buNone/>
-              <a:defRPr sz="1050">
+            <a:lvl4pPr marL="1371600" indent="0">
+              <a:buNone/>
+              <a:defRPr sz="1400">
                 <a:solidFill>
                   <a:schemeClr val="tx1">
                     <a:tint val="75000"/>
@@ -993,9 +986,9 @@
                 </a:solidFill>
               </a:defRPr>
             </a:lvl4pPr>
-            <a:lvl5pPr marL="1371600" indent="0">
-              <a:buNone/>
-              <a:defRPr sz="1050">
+            <a:lvl5pPr marL="1828800" indent="0">
+              <a:buNone/>
+              <a:defRPr sz="1400">
                 <a:solidFill>
                   <a:schemeClr val="tx1">
                     <a:tint val="75000"/>
@@ -1003,9 +996,9 @@
                 </a:solidFill>
               </a:defRPr>
             </a:lvl5pPr>
-            <a:lvl6pPr marL="1714500" indent="0">
-              <a:buNone/>
-              <a:defRPr sz="1050">
+            <a:lvl6pPr marL="2286000" indent="0">
+              <a:buNone/>
+              <a:defRPr sz="1400">
                 <a:solidFill>
                   <a:schemeClr val="tx1">
                     <a:tint val="75000"/>
@@ -1013,9 +1006,9 @@
                 </a:solidFill>
               </a:defRPr>
             </a:lvl6pPr>
-            <a:lvl7pPr marL="2057400" indent="0">
-              <a:buNone/>
-              <a:defRPr sz="1050">
+            <a:lvl7pPr marL="2743200" indent="0">
+              <a:buNone/>
+              <a:defRPr sz="1400">
                 <a:solidFill>
                   <a:schemeClr val="tx1">
                     <a:tint val="75000"/>
@@ -1023,9 +1016,9 @@
                 </a:solidFill>
               </a:defRPr>
             </a:lvl7pPr>
-            <a:lvl8pPr marL="2400300" indent="0">
-              <a:buNone/>
-              <a:defRPr sz="1050">
+            <a:lvl8pPr marL="3200400" indent="0">
+              <a:buNone/>
+              <a:defRPr sz="1400">
                 <a:solidFill>
                   <a:schemeClr val="tx1">
                     <a:tint val="75000"/>
@@ -1033,9 +1026,9 @@
                 </a:solidFill>
               </a:defRPr>
             </a:lvl8pPr>
-            <a:lvl9pPr marL="2743200" indent="0">
-              <a:buNone/>
-              <a:defRPr sz="1050">
+            <a:lvl9pPr marL="3657600" indent="0">
+              <a:buNone/>
+              <a:defRPr sz="1400">
                 <a:solidFill>
                   <a:schemeClr val="tx1">
                     <a:tint val="75000"/>
@@ -1047,7 +1040,7 @@
           <a:p>
             <a:pPr lvl="0"/>
             <a:r>
-              <a:rPr lang="en-US"/>
+              <a:rPr lang="en-US" smtClean="0"/>
               <a:t>Click to edit Master text styles</a:t>
             </a:r>
           </a:p>
@@ -1070,7 +1063,7 @@
           <a:p>
             <a:fld id="{5BCAD085-E8A6-8845-BD4E-CB4CCA059FC4}" type="datetimeFigureOut">
               <a:rPr lang="en-US" smtClean="0"/>
-              <a:t>12/10/25</a:t>
+              <a:t>1/27/13</a:t>
             </a:fld>
             <a:endParaRPr lang="en-US"/>
           </a:p>
@@ -1164,9 +1157,10 @@
           <a:lstStyle/>
           <a:p>
             <a:r>
-              <a:rPr lang="en-US"/>
+              <a:rPr lang="en-US" smtClean="0"/>
               <a:t>Click to edit Master title style</a:t>
             </a:r>
+            <a:endParaRPr lang="en-US"/>
           </a:p>
         </p:txBody>
       </p:sp>
@@ -1182,75 +1176,76 @@
         </p:nvSpPr>
         <p:spPr>
           <a:xfrm>
-            <a:off x="457200" y="1200151"/>
-            <a:ext cx="4038600" cy="3394472"/>
+            <a:off x="457200" y="1600200"/>
+            <a:ext cx="4038600" cy="4525963"/>
           </a:xfrm>
         </p:spPr>
         <p:txBody>
           <a:bodyPr/>
           <a:lstStyle>
             <a:lvl1pPr>
-              <a:defRPr sz="2100"/>
+              <a:defRPr sz="2800"/>
             </a:lvl1pPr>
             <a:lvl2pPr>
-              <a:defRPr sz="1800"/>
+              <a:defRPr sz="2400"/>
             </a:lvl2pPr>
             <a:lvl3pPr>
-              <a:defRPr sz="1500"/>
+              <a:defRPr sz="2000"/>
             </a:lvl3pPr>
             <a:lvl4pPr>
-              <a:defRPr sz="1350"/>
+              <a:defRPr sz="1800"/>
             </a:lvl4pPr>
             <a:lvl5pPr>
-              <a:defRPr sz="1350"/>
+              <a:defRPr sz="1800"/>
             </a:lvl5pPr>
             <a:lvl6pPr>
-              <a:defRPr sz="1350"/>
+              <a:defRPr sz="1800"/>
             </a:lvl6pPr>
             <a:lvl7pPr>
-              <a:defRPr sz="1350"/>
+              <a:defRPr sz="1800"/>
             </a:lvl7pPr>
             <a:lvl8pPr>
-              <a:defRPr sz="1350"/>
+              <a:defRPr sz="1800"/>
             </a:lvl8pPr>
             <a:lvl9pPr>
-              <a:defRPr sz="1350"/>
+              <a:defRPr sz="1800"/>
             </a:lvl9pPr>
           </a:lstStyle>
           <a:p>
             <a:pPr lvl="0"/>
             <a:r>
-              <a:rPr lang="en-US"/>
+              <a:rPr lang="en-US" smtClean="0"/>
               <a:t>Click to edit Master text styles</a:t>
             </a:r>
           </a:p>
           <a:p>
             <a:pPr lvl="1"/>
             <a:r>
-              <a:rPr lang="en-US"/>
+              <a:rPr lang="en-US" smtClean="0"/>
               <a:t>Second level</a:t>
             </a:r>
           </a:p>
           <a:p>
             <a:pPr lvl="2"/>
             <a:r>
-              <a:rPr lang="en-US"/>
+              <a:rPr lang="en-US" smtClean="0"/>
               <a:t>Third level</a:t>
             </a:r>
           </a:p>
           <a:p>
             <a:pPr lvl="3"/>
             <a:r>
-              <a:rPr lang="en-US"/>
+              <a:rPr lang="en-US" smtClean="0"/>
               <a:t>Fourth level</a:t>
             </a:r>
           </a:p>
           <a:p>
             <a:pPr lvl="4"/>
             <a:r>
-              <a:rPr lang="en-US"/>
+              <a:rPr lang="en-US" smtClean="0"/>
               <a:t>Fifth level</a:t>
             </a:r>
+            <a:endParaRPr lang="en-US"/>
           </a:p>
         </p:txBody>
       </p:sp>
@@ -1266,75 +1261,76 @@
         </p:nvSpPr>
         <p:spPr>
           <a:xfrm>
-            <a:off x="4648200" y="1200151"/>
-            <a:ext cx="4038600" cy="3394472"/>
+            <a:off x="4648200" y="1600200"/>
+            <a:ext cx="4038600" cy="4525963"/>
           </a:xfrm>
         </p:spPr>
         <p:txBody>
           <a:bodyPr/>
           <a:lstStyle>
             <a:lvl1pPr>
-              <a:defRPr sz="2100"/>
+              <a:defRPr sz="2800"/>
             </a:lvl1pPr>
             <a:lvl2pPr>
-              <a:defRPr sz="1800"/>
+              <a:defRPr sz="2400"/>
             </a:lvl2pPr>
             <a:lvl3pPr>
-              <a:defRPr sz="1500"/>
+              <a:defRPr sz="2000"/>
             </a:lvl3pPr>
             <a:lvl4pPr>
-              <a:defRPr sz="1350"/>
+              <a:defRPr sz="1800"/>
             </a:lvl4pPr>
             <a:lvl5pPr>
-              <a:defRPr sz="1350"/>
+              <a:defRPr sz="1800"/>
             </a:lvl5pPr>
             <a:lvl6pPr>
-              <a:defRPr sz="1350"/>
+              <a:defRPr sz="1800"/>
             </a:lvl6pPr>
             <a:lvl7pPr>
-              <a:defRPr sz="1350"/>
+              <a:defRPr sz="1800"/>
             </a:lvl7pPr>
             <a:lvl8pPr>
-              <a:defRPr sz="1350"/>
+              <a:defRPr sz="1800"/>
             </a:lvl8pPr>
             <a:lvl9pPr>
-              <a:defRPr sz="1350"/>
+              <a:defRPr sz="1800"/>
             </a:lvl9pPr>
           </a:lstStyle>
           <a:p>
             <a:pPr lvl="0"/>
             <a:r>
-              <a:rPr lang="en-US"/>
+              <a:rPr lang="en-US" smtClean="0"/>
               <a:t>Click to edit Master text styles</a:t>
             </a:r>
           </a:p>
           <a:p>
             <a:pPr lvl="1"/>
             <a:r>
-              <a:rPr lang="en-US"/>
+              <a:rPr lang="en-US" smtClean="0"/>
               <a:t>Second level</a:t>
             </a:r>
           </a:p>
           <a:p>
             <a:pPr lvl="2"/>
             <a:r>
-              <a:rPr lang="en-US"/>
+              <a:rPr lang="en-US" smtClean="0"/>
               <a:t>Third level</a:t>
             </a:r>
           </a:p>
           <a:p>
             <a:pPr lvl="3"/>
             <a:r>
-              <a:rPr lang="en-US"/>
+              <a:rPr lang="en-US" smtClean="0"/>
               <a:t>Fourth level</a:t>
             </a:r>
           </a:p>
           <a:p>
             <a:pPr lvl="4"/>
             <a:r>
-              <a:rPr lang="en-US"/>
+              <a:rPr lang="en-US" smtClean="0"/>
               <a:t>Fifth level</a:t>
             </a:r>
+            <a:endParaRPr lang="en-US"/>
           </a:p>
         </p:txBody>
       </p:sp>
@@ -1355,7 +1351,7 @@
           <a:p>
             <a:fld id="{5BCAD085-E8A6-8845-BD4E-CB4CCA059FC4}" type="datetimeFigureOut">
               <a:rPr lang="en-US" smtClean="0"/>
-              <a:t>12/10/25</a:t>
+              <a:t>1/27/13</a:t>
             </a:fld>
             <a:endParaRPr lang="en-US"/>
           </a:p>
@@ -1453,9 +1449,10 @@
           </a:lstStyle>
           <a:p>
             <a:r>
-              <a:rPr lang="en-US"/>
+              <a:rPr lang="en-US" smtClean="0"/>
               <a:t>Click to edit Master title style</a:t>
             </a:r>
+            <a:endParaRPr lang="en-US"/>
           </a:p>
         </p:txBody>
       </p:sp>
@@ -1471,8 +1468,8 @@
         </p:nvSpPr>
         <p:spPr>
           <a:xfrm>
-            <a:off x="457200" y="1151335"/>
-            <a:ext cx="4040188" cy="479822"/>
+            <a:off x="457200" y="1535113"/>
+            <a:ext cx="4040188" cy="639762"/>
           </a:xfrm>
         </p:spPr>
         <p:txBody>
@@ -1480,45 +1477,45 @@
           <a:lstStyle>
             <a:lvl1pPr marL="0" indent="0">
               <a:buNone/>
+              <a:defRPr sz="2400" b="1"/>
+            </a:lvl1pPr>
+            <a:lvl2pPr marL="457200" indent="0">
+              <a:buNone/>
+              <a:defRPr sz="2000" b="1"/>
+            </a:lvl2pPr>
+            <a:lvl3pPr marL="914400" indent="0">
+              <a:buNone/>
               <a:defRPr sz="1800" b="1"/>
-            </a:lvl1pPr>
-            <a:lvl2pPr marL="342900" indent="0">
-              <a:buNone/>
-              <a:defRPr sz="1500" b="1"/>
-            </a:lvl2pPr>
-            <a:lvl3pPr marL="685800" indent="0">
-              <a:buNone/>
-              <a:defRPr sz="1350" b="1"/>
             </a:lvl3pPr>
-            <a:lvl4pPr marL="1028700" indent="0">
-              <a:buNone/>
-              <a:defRPr sz="1200" b="1"/>
+            <a:lvl4pPr marL="1371600" indent="0">
+              <a:buNone/>
+              <a:defRPr sz="1600" b="1"/>
             </a:lvl4pPr>
-            <a:lvl5pPr marL="1371600" indent="0">
-              <a:buNone/>
-              <a:defRPr sz="1200" b="1"/>
+            <a:lvl5pPr marL="1828800" indent="0">
+              <a:buNone/>
+              <a:defRPr sz="1600" b="1"/>
             </a:lvl5pPr>
-            <a:lvl6pPr marL="1714500" indent="0">
-              <a:buNone/>
-              <a:defRPr sz="1200" b="1"/>
+            <a:lvl6pPr marL="2286000" indent="0">
+              <a:buNone/>
+              <a:defRPr sz="1600" b="1"/>
             </a:lvl6pPr>
-            <a:lvl7pPr marL="2057400" indent="0">
-              <a:buNone/>
-              <a:defRPr sz="1200" b="1"/>
+            <a:lvl7pPr marL="2743200" indent="0">
+              <a:buNone/>
+              <a:defRPr sz="1600" b="1"/>
             </a:lvl7pPr>
-            <a:lvl8pPr marL="2400300" indent="0">
-              <a:buNone/>
-              <a:defRPr sz="1200" b="1"/>
+            <a:lvl8pPr marL="3200400" indent="0">
+              <a:buNone/>
+              <a:defRPr sz="1600" b="1"/>
             </a:lvl8pPr>
-            <a:lvl9pPr marL="2743200" indent="0">
-              <a:buNone/>
-              <a:defRPr sz="1200" b="1"/>
+            <a:lvl9pPr marL="3657600" indent="0">
+              <a:buNone/>
+              <a:defRPr sz="1600" b="1"/>
             </a:lvl9pPr>
           </a:lstStyle>
           <a:p>
             <a:pPr lvl="0"/>
             <a:r>
-              <a:rPr lang="en-US"/>
+              <a:rPr lang="en-US" smtClean="0"/>
               <a:t>Click to edit Master text styles</a:t>
             </a:r>
           </a:p>
@@ -1536,75 +1533,76 @@
         </p:nvSpPr>
         <p:spPr>
           <a:xfrm>
-            <a:off x="457200" y="1631156"/>
-            <a:ext cx="4040188" cy="2963466"/>
+            <a:off x="457200" y="2174875"/>
+            <a:ext cx="4040188" cy="3951288"/>
           </a:xfrm>
         </p:spPr>
         <p:txBody>
           <a:bodyPr/>
           <a:lstStyle>
             <a:lvl1pPr>
-              <a:defRPr sz="1800"/>
+              <a:defRPr sz="2400"/>
             </a:lvl1pPr>
             <a:lvl2pPr>
-              <a:defRPr sz="1500"/>
+              <a:defRPr sz="2000"/>
             </a:lvl2pPr>
             <a:lvl3pPr>
-              <a:defRPr sz="1350"/>
+              <a:defRPr sz="1800"/>
             </a:lvl3pPr>
             <a:lvl4pPr>
-              <a:defRPr sz="1200"/>
+              <a:defRPr sz="1600"/>
             </a:lvl4pPr>
             <a:lvl5pPr>
-              <a:defRPr sz="1200"/>
+              <a:defRPr sz="1600"/>
             </a:lvl5pPr>
             <a:lvl6pPr>
-              <a:defRPr sz="1200"/>
+              <a:defRPr sz="1600"/>
             </a:lvl6pPr>
             <a:lvl7pPr>
-              <a:defRPr sz="1200"/>
+              <a:defRPr sz="1600"/>
             </a:lvl7pPr>
             <a:lvl8pPr>
-              <a:defRPr sz="1200"/>
+              <a:defRPr sz="1600"/>
             </a:lvl8pPr>
             <a:lvl9pPr>
-              <a:defRPr sz="1200"/>
+              <a:defRPr sz="1600"/>
             </a:lvl9pPr>
           </a:lstStyle>
           <a:p>
             <a:pPr lvl="0"/>
             <a:r>
-              <a:rPr lang="en-US"/>
+              <a:rPr lang="en-US" smtClean="0"/>
               <a:t>Click to edit Master text styles</a:t>
             </a:r>
           </a:p>
           <a:p>
             <a:pPr lvl="1"/>
             <a:r>
-              <a:rPr lang="en-US"/>
+              <a:rPr lang="en-US" smtClean="0"/>
               <a:t>Second level</a:t>
             </a:r>
           </a:p>
           <a:p>
             <a:pPr lvl="2"/>
             <a:r>
-              <a:rPr lang="en-US"/>
+              <a:rPr lang="en-US" smtClean="0"/>
               <a:t>Third level</a:t>
             </a:r>
           </a:p>
           <a:p>
             <a:pPr lvl="3"/>
             <a:r>
-              <a:rPr lang="en-US"/>
+              <a:rPr lang="en-US" smtClean="0"/>
               <a:t>Fourth level</a:t>
             </a:r>
           </a:p>
           <a:p>
             <a:pPr lvl="4"/>
             <a:r>
-              <a:rPr lang="en-US"/>
+              <a:rPr lang="en-US" smtClean="0"/>
               <a:t>Fifth level</a:t>
             </a:r>
+            <a:endParaRPr lang="en-US"/>
           </a:p>
         </p:txBody>
       </p:sp>
@@ -1620,8 +1618,8 @@
         </p:nvSpPr>
         <p:spPr>
           <a:xfrm>
-            <a:off x="4645026" y="1151335"/>
-            <a:ext cx="4041775" cy="479822"/>
+            <a:off x="4645025" y="1535113"/>
+            <a:ext cx="4041775" cy="639762"/>
           </a:xfrm>
         </p:spPr>
         <p:txBody>
@@ -1629,45 +1627,45 @@
           <a:lstStyle>
             <a:lvl1pPr marL="0" indent="0">
               <a:buNone/>
+              <a:defRPr sz="2400" b="1"/>
+            </a:lvl1pPr>
+            <a:lvl2pPr marL="457200" indent="0">
+              <a:buNone/>
+              <a:defRPr sz="2000" b="1"/>
+            </a:lvl2pPr>
+            <a:lvl3pPr marL="914400" indent="0">
+              <a:buNone/>
               <a:defRPr sz="1800" b="1"/>
-            </a:lvl1pPr>
-            <a:lvl2pPr marL="342900" indent="0">
-              <a:buNone/>
-              <a:defRPr sz="1500" b="1"/>
-            </a:lvl2pPr>
-            <a:lvl3pPr marL="685800" indent="0">
-              <a:buNone/>
-              <a:defRPr sz="1350" b="1"/>
             </a:lvl3pPr>
-            <a:lvl4pPr marL="1028700" indent="0">
-              <a:buNone/>
-              <a:defRPr sz="1200" b="1"/>
+            <a:lvl4pPr marL="1371600" indent="0">
+              <a:buNone/>
+              <a:defRPr sz="1600" b="1"/>
             </a:lvl4pPr>
-            <a:lvl5pPr marL="1371600" indent="0">
-              <a:buNone/>
-              <a:defRPr sz="1200" b="1"/>
+            <a:lvl5pPr marL="1828800" indent="0">
+              <a:buNone/>
+              <a:defRPr sz="1600" b="1"/>
             </a:lvl5pPr>
-            <a:lvl6pPr marL="1714500" indent="0">
-              <a:buNone/>
-              <a:defRPr sz="1200" b="1"/>
+            <a:lvl6pPr marL="2286000" indent="0">
+              <a:buNone/>
+              <a:defRPr sz="1600" b="1"/>
             </a:lvl6pPr>
-            <a:lvl7pPr marL="2057400" indent="0">
-              <a:buNone/>
-              <a:defRPr sz="1200" b="1"/>
+            <a:lvl7pPr marL="2743200" indent="0">
+              <a:buNone/>
+              <a:defRPr sz="1600" b="1"/>
             </a:lvl7pPr>
-            <a:lvl8pPr marL="2400300" indent="0">
-              <a:buNone/>
-              <a:defRPr sz="1200" b="1"/>
+            <a:lvl8pPr marL="3200400" indent="0">
+              <a:buNone/>
+              <a:defRPr sz="1600" b="1"/>
             </a:lvl8pPr>
-            <a:lvl9pPr marL="2743200" indent="0">
-              <a:buNone/>
-              <a:defRPr sz="1200" b="1"/>
+            <a:lvl9pPr marL="3657600" indent="0">
+              <a:buNone/>
+              <a:defRPr sz="1600" b="1"/>
             </a:lvl9pPr>
           </a:lstStyle>
           <a:p>
             <a:pPr lvl="0"/>
             <a:r>
-              <a:rPr lang="en-US"/>
+              <a:rPr lang="en-US" smtClean="0"/>
               <a:t>Click to edit Master text styles</a:t>
             </a:r>
           </a:p>
@@ -1685,75 +1683,76 @@
         </p:nvSpPr>
         <p:spPr>
           <a:xfrm>
-            <a:off x="4645026" y="1631156"/>
-            <a:ext cx="4041775" cy="2963466"/>
+            <a:off x="4645025" y="2174875"/>
+            <a:ext cx="4041775" cy="3951288"/>
           </a:xfrm>
         </p:spPr>
         <p:txBody>
           <a:bodyPr/>
           <a:lstStyle>
             <a:lvl1pPr>
-              <a:defRPr sz="1800"/>
+              <a:defRPr sz="2400"/>
             </a:lvl1pPr>
             <a:lvl2pPr>
-              <a:defRPr sz="1500"/>
+              <a:defRPr sz="2000"/>
             </a:lvl2pPr>
             <a:lvl3pPr>
-              <a:defRPr sz="1350"/>
+              <a:defRPr sz="1800"/>
             </a:lvl3pPr>
             <a:lvl4pPr>
-              <a:defRPr sz="1200"/>
+              <a:defRPr sz="1600"/>
             </a:lvl4pPr>
             <a:lvl5pPr>
-              <a:defRPr sz="1200"/>
+              <a:defRPr sz="1600"/>
             </a:lvl5pPr>
             <a:lvl6pPr>
-              <a:defRPr sz="1200"/>
+              <a:defRPr sz="1600"/>
             </a:lvl6pPr>
             <a:lvl7pPr>
-              <a:defRPr sz="1200"/>
+              <a:defRPr sz="1600"/>
             </a:lvl7pPr>
             <a:lvl8pPr>
-              <a:defRPr sz="1200"/>
+              <a:defRPr sz="1600"/>
             </a:lvl8pPr>
             <a:lvl9pPr>
-              <a:defRPr sz="1200"/>
+              <a:defRPr sz="1600"/>
             </a:lvl9pPr>
           </a:lstStyle>
           <a:p>
             <a:pPr lvl="0"/>
             <a:r>
-              <a:rPr lang="en-US"/>
+              <a:rPr lang="en-US" smtClean="0"/>
               <a:t>Click to edit Master text styles</a:t>
             </a:r>
           </a:p>
           <a:p>
             <a:pPr lvl="1"/>
             <a:r>
-              <a:rPr lang="en-US"/>
+              <a:rPr lang="en-US" smtClean="0"/>
               <a:t>Second level</a:t>
             </a:r>
           </a:p>
           <a:p>
             <a:pPr lvl="2"/>
             <a:r>
-              <a:rPr lang="en-US"/>
+              <a:rPr lang="en-US" smtClean="0"/>
               <a:t>Third level</a:t>
             </a:r>
           </a:p>
           <a:p>
             <a:pPr lvl="3"/>
             <a:r>
-              <a:rPr lang="en-US"/>
+              <a:rPr lang="en-US" smtClean="0"/>
               <a:t>Fourth level</a:t>
             </a:r>
           </a:p>
           <a:p>
             <a:pPr lvl="4"/>
             <a:r>
-              <a:rPr lang="en-US"/>
+              <a:rPr lang="en-US" smtClean="0"/>
               <a:t>Fifth level</a:t>
             </a:r>
+            <a:endParaRPr lang="en-US"/>
           </a:p>
         </p:txBody>
       </p:sp>
@@ -1774,7 +1773,7 @@
           <a:p>
             <a:fld id="{5BCAD085-E8A6-8845-BD4E-CB4CCA059FC4}" type="datetimeFigureOut">
               <a:rPr lang="en-US" smtClean="0"/>
-              <a:t>12/10/25</a:t>
+              <a:t>1/27/13</a:t>
             </a:fld>
             <a:endParaRPr lang="en-US"/>
           </a:p>
@@ -1868,9 +1867,10 @@
           <a:lstStyle/>
           <a:p>
             <a:r>
-              <a:rPr lang="en-US"/>
+              <a:rPr lang="en-US" smtClean="0"/>
               <a:t>Click to edit Master title style</a:t>
             </a:r>
+            <a:endParaRPr lang="en-US"/>
           </a:p>
         </p:txBody>
       </p:sp>
@@ -1891,7 +1891,7 @@
           <a:p>
             <a:fld id="{5BCAD085-E8A6-8845-BD4E-CB4CCA059FC4}" type="datetimeFigureOut">
               <a:rPr lang="en-US" smtClean="0"/>
-              <a:t>12/10/25</a:t>
+              <a:t>1/27/13</a:t>
             </a:fld>
             <a:endParaRPr lang="en-US"/>
           </a:p>
@@ -1936,78 +1936,6 @@
               <a:t>‹#›</a:t>
             </a:fld>
             <a:endParaRPr lang="en-US"/>
-          </a:p>
-        </p:txBody>
-      </p:sp>
-      <p:sp>
-        <p:nvSpPr>
-          <p:cNvPr id="6" name="Rectangle 5">
-            <a:extLst>
-              <a:ext uri="{FF2B5EF4-FFF2-40B4-BE49-F238E27FC236}">
-                <a16:creationId xmlns:a16="http://schemas.microsoft.com/office/drawing/2014/main" id="{B26B99EB-0754-0716-6DE9-D4F79BA5BC07}"/>
-              </a:ext>
-            </a:extLst>
-          </p:cNvPr>
-          <p:cNvSpPr/>
-          <p:nvPr userDrawn="1"/>
-        </p:nvSpPr>
-        <p:spPr>
-          <a:xfrm>
-            <a:off x="0" y="0"/>
-            <a:ext cx="9144000" cy="1063228"/>
-          </a:xfrm>
-          <a:prstGeom prst="rect">
-            <a:avLst/>
-          </a:prstGeom>
-          <a:gradFill flip="none" rotWithShape="1">
-            <a:gsLst>
-              <a:gs pos="0">
-                <a:schemeClr val="accent1">
-                  <a:lumMod val="89000"/>
-                </a:schemeClr>
-              </a:gs>
-              <a:gs pos="23000">
-                <a:schemeClr val="accent1">
-                  <a:lumMod val="89000"/>
-                </a:schemeClr>
-              </a:gs>
-              <a:gs pos="69000">
-                <a:schemeClr val="accent1">
-                  <a:lumMod val="75000"/>
-                </a:schemeClr>
-              </a:gs>
-              <a:gs pos="97000">
-                <a:schemeClr val="accent1">
-                  <a:lumMod val="70000"/>
-                </a:schemeClr>
-              </a:gs>
-            </a:gsLst>
-            <a:path path="circle">
-              <a:fillToRect l="50000" t="50000" r="50000" b="50000"/>
-            </a:path>
-            <a:tileRect/>
-          </a:gradFill>
-        </p:spPr>
-        <p:style>
-          <a:lnRef idx="1">
-            <a:schemeClr val="accent1"/>
-          </a:lnRef>
-          <a:fillRef idx="3">
-            <a:schemeClr val="accent1"/>
-          </a:fillRef>
-          <a:effectRef idx="2">
-            <a:schemeClr val="accent1"/>
-          </a:effectRef>
-          <a:fontRef idx="minor">
-            <a:schemeClr val="lt1"/>
-          </a:fontRef>
-        </p:style>
-        <p:txBody>
-          <a:bodyPr rtlCol="0" anchor="ctr"/>
-          <a:lstStyle/>
-          <a:p>
-            <a:pPr algn="ctr"/>
-            <a:endParaRPr lang="pt-PT"/>
           </a:p>
         </p:txBody>
       </p:sp>
@@ -2058,7 +1986,7 @@
           <a:p>
             <a:fld id="{5BCAD085-E8A6-8845-BD4E-CB4CCA059FC4}" type="datetimeFigureOut">
               <a:rPr lang="en-US" smtClean="0"/>
-              <a:t>12/10/25</a:t>
+              <a:t>1/27/13</a:t>
             </a:fld>
             <a:endParaRPr lang="en-US"/>
           </a:p>
@@ -2148,22 +2076,23 @@
         </p:nvSpPr>
         <p:spPr>
           <a:xfrm>
-            <a:off x="457201" y="204787"/>
-            <a:ext cx="3008313" cy="871538"/>
+            <a:off x="457200" y="273050"/>
+            <a:ext cx="3008313" cy="1162050"/>
           </a:xfrm>
         </p:spPr>
         <p:txBody>
           <a:bodyPr anchor="b"/>
           <a:lstStyle>
             <a:lvl1pPr algn="l">
-              <a:defRPr sz="1500" b="1"/>
+              <a:defRPr sz="2000" b="1"/>
             </a:lvl1pPr>
           </a:lstStyle>
           <a:p>
             <a:r>
-              <a:rPr lang="en-US"/>
+              <a:rPr lang="en-US" smtClean="0"/>
               <a:t>Click to edit Master title style</a:t>
             </a:r>
+            <a:endParaRPr lang="en-US"/>
           </a:p>
         </p:txBody>
       </p:sp>
@@ -2179,75 +2108,76 @@
         </p:nvSpPr>
         <p:spPr>
           <a:xfrm>
-            <a:off x="3575050" y="204788"/>
-            <a:ext cx="5111750" cy="4389835"/>
+            <a:off x="3575050" y="273050"/>
+            <a:ext cx="5111750" cy="5853113"/>
           </a:xfrm>
         </p:spPr>
         <p:txBody>
           <a:bodyPr/>
           <a:lstStyle>
             <a:lvl1pPr>
-              <a:defRPr sz="2400"/>
+              <a:defRPr sz="3200"/>
             </a:lvl1pPr>
             <a:lvl2pPr>
-              <a:defRPr sz="2100"/>
+              <a:defRPr sz="2800"/>
             </a:lvl2pPr>
             <a:lvl3pPr>
-              <a:defRPr sz="1800"/>
+              <a:defRPr sz="2400"/>
             </a:lvl3pPr>
             <a:lvl4pPr>
-              <a:defRPr sz="1500"/>
+              <a:defRPr sz="2000"/>
             </a:lvl4pPr>
             <a:lvl5pPr>
-              <a:defRPr sz="1500"/>
+              <a:defRPr sz="2000"/>
             </a:lvl5pPr>
             <a:lvl6pPr>
-              <a:defRPr sz="1500"/>
+              <a:defRPr sz="2000"/>
             </a:lvl6pPr>
             <a:lvl7pPr>
-              <a:defRPr sz="1500"/>
+              <a:defRPr sz="2000"/>
             </a:lvl7pPr>
             <a:lvl8pPr>
-              <a:defRPr sz="1500"/>
+              <a:defRPr sz="2000"/>
             </a:lvl8pPr>
             <a:lvl9pPr>
-              <a:defRPr sz="1500"/>
+              <a:defRPr sz="2000"/>
             </a:lvl9pPr>
           </a:lstStyle>
           <a:p>
             <a:pPr lvl="0"/>
             <a:r>
-              <a:rPr lang="en-US"/>
+              <a:rPr lang="en-US" smtClean="0"/>
               <a:t>Click to edit Master text styles</a:t>
             </a:r>
           </a:p>
           <a:p>
             <a:pPr lvl="1"/>
             <a:r>
-              <a:rPr lang="en-US"/>
+              <a:rPr lang="en-US" smtClean="0"/>
               <a:t>Second level</a:t>
             </a:r>
           </a:p>
           <a:p>
             <a:pPr lvl="2"/>
             <a:r>
-              <a:rPr lang="en-US"/>
+              <a:rPr lang="en-US" smtClean="0"/>
               <a:t>Third level</a:t>
             </a:r>
           </a:p>
           <a:p>
             <a:pPr lvl="3"/>
             <a:r>
-              <a:rPr lang="en-US"/>
+              <a:rPr lang="en-US" smtClean="0"/>
               <a:t>Fourth level</a:t>
             </a:r>
           </a:p>
           <a:p>
             <a:pPr lvl="4"/>
             <a:r>
-              <a:rPr lang="en-US"/>
+              <a:rPr lang="en-US" smtClean="0"/>
               <a:t>Fifth level</a:t>
             </a:r>
+            <a:endParaRPr lang="en-US"/>
           </a:p>
         </p:txBody>
       </p:sp>
@@ -2263,8 +2193,8 @@
         </p:nvSpPr>
         <p:spPr>
           <a:xfrm>
-            <a:off x="457201" y="1076326"/>
-            <a:ext cx="3008313" cy="3518297"/>
+            <a:off x="457200" y="1435100"/>
+            <a:ext cx="3008313" cy="4691063"/>
           </a:xfrm>
         </p:spPr>
         <p:txBody>
@@ -2272,45 +2202,45 @@
           <a:lstStyle>
             <a:lvl1pPr marL="0" indent="0">
               <a:buNone/>
-              <a:defRPr sz="1050"/>
+              <a:defRPr sz="1400"/>
             </a:lvl1pPr>
-            <a:lvl2pPr marL="342900" indent="0">
+            <a:lvl2pPr marL="457200" indent="0">
+              <a:buNone/>
+              <a:defRPr sz="1200"/>
+            </a:lvl2pPr>
+            <a:lvl3pPr marL="914400" indent="0">
+              <a:buNone/>
+              <a:defRPr sz="1000"/>
+            </a:lvl3pPr>
+            <a:lvl4pPr marL="1371600" indent="0">
               <a:buNone/>
               <a:defRPr sz="900"/>
-            </a:lvl2pPr>
-            <a:lvl3pPr marL="685800" indent="0">
-              <a:buNone/>
-              <a:defRPr sz="750"/>
-            </a:lvl3pPr>
-            <a:lvl4pPr marL="1028700" indent="0">
-              <a:buNone/>
-              <a:defRPr sz="675"/>
             </a:lvl4pPr>
-            <a:lvl5pPr marL="1371600" indent="0">
-              <a:buNone/>
-              <a:defRPr sz="675"/>
+            <a:lvl5pPr marL="1828800" indent="0">
+              <a:buNone/>
+              <a:defRPr sz="900"/>
             </a:lvl5pPr>
-            <a:lvl6pPr marL="1714500" indent="0">
-              <a:buNone/>
-              <a:defRPr sz="675"/>
+            <a:lvl6pPr marL="2286000" indent="0">
+              <a:buNone/>
+              <a:defRPr sz="900"/>
             </a:lvl6pPr>
-            <a:lvl7pPr marL="2057400" indent="0">
-              <a:buNone/>
-              <a:defRPr sz="675"/>
+            <a:lvl7pPr marL="2743200" indent="0">
+              <a:buNone/>
+              <a:defRPr sz="900"/>
             </a:lvl7pPr>
-            <a:lvl8pPr marL="2400300" indent="0">
-              <a:buNone/>
-              <a:defRPr sz="675"/>
+            <a:lvl8pPr marL="3200400" indent="0">
+              <a:buNone/>
+              <a:defRPr sz="900"/>
             </a:lvl8pPr>
-            <a:lvl9pPr marL="2743200" indent="0">
-              <a:buNone/>
-              <a:defRPr sz="675"/>
+            <a:lvl9pPr marL="3657600" indent="0">
+              <a:buNone/>
+              <a:defRPr sz="900"/>
             </a:lvl9pPr>
           </a:lstStyle>
           <a:p>
             <a:pPr lvl="0"/>
             <a:r>
-              <a:rPr lang="en-US"/>
+              <a:rPr lang="en-US" smtClean="0"/>
               <a:t>Click to edit Master text styles</a:t>
             </a:r>
           </a:p>
@@ -2333,7 +2263,7 @@
           <a:p>
             <a:fld id="{5BCAD085-E8A6-8845-BD4E-CB4CCA059FC4}" type="datetimeFigureOut">
               <a:rPr lang="en-US" smtClean="0"/>
-              <a:t>12/10/25</a:t>
+              <a:t>1/27/13</a:t>
             </a:fld>
             <a:endParaRPr lang="en-US"/>
           </a:p>
@@ -2423,22 +2353,23 @@
         </p:nvSpPr>
         <p:spPr>
           <a:xfrm>
-            <a:off x="1792288" y="3600450"/>
-            <a:ext cx="5486400" cy="425054"/>
+            <a:off x="1792288" y="4800600"/>
+            <a:ext cx="5486400" cy="566738"/>
           </a:xfrm>
         </p:spPr>
         <p:txBody>
           <a:bodyPr anchor="b"/>
           <a:lstStyle>
             <a:lvl1pPr algn="l">
-              <a:defRPr sz="1500" b="1"/>
+              <a:defRPr sz="2000" b="1"/>
             </a:lvl1pPr>
           </a:lstStyle>
           <a:p>
             <a:r>
-              <a:rPr lang="en-US"/>
+              <a:rPr lang="en-US" smtClean="0"/>
               <a:t>Click to edit Master title style</a:t>
             </a:r>
+            <a:endParaRPr lang="en-US"/>
           </a:p>
         </p:txBody>
       </p:sp>
@@ -2454,8 +2385,8 @@
         </p:nvSpPr>
         <p:spPr>
           <a:xfrm>
-            <a:off x="1792288" y="459581"/>
-            <a:ext cx="5486400" cy="3086100"/>
+            <a:off x="1792288" y="612775"/>
+            <a:ext cx="5486400" cy="4114800"/>
           </a:xfrm>
         </p:spPr>
         <p:txBody>
@@ -2463,39 +2394,39 @@
           <a:lstStyle>
             <a:lvl1pPr marL="0" indent="0">
               <a:buNone/>
+              <a:defRPr sz="3200"/>
+            </a:lvl1pPr>
+            <a:lvl2pPr marL="457200" indent="0">
+              <a:buNone/>
+              <a:defRPr sz="2800"/>
+            </a:lvl2pPr>
+            <a:lvl3pPr marL="914400" indent="0">
+              <a:buNone/>
               <a:defRPr sz="2400"/>
-            </a:lvl1pPr>
-            <a:lvl2pPr marL="342900" indent="0">
-              <a:buNone/>
-              <a:defRPr sz="2100"/>
-            </a:lvl2pPr>
-            <a:lvl3pPr marL="685800" indent="0">
-              <a:buNone/>
-              <a:defRPr sz="1800"/>
             </a:lvl3pPr>
-            <a:lvl4pPr marL="1028700" indent="0">
-              <a:buNone/>
-              <a:defRPr sz="1500"/>
+            <a:lvl4pPr marL="1371600" indent="0">
+              <a:buNone/>
+              <a:defRPr sz="2000"/>
             </a:lvl4pPr>
-            <a:lvl5pPr marL="1371600" indent="0">
-              <a:buNone/>
-              <a:defRPr sz="1500"/>
+            <a:lvl5pPr marL="1828800" indent="0">
+              <a:buNone/>
+              <a:defRPr sz="2000"/>
             </a:lvl5pPr>
-            <a:lvl6pPr marL="1714500" indent="0">
-              <a:buNone/>
-              <a:defRPr sz="1500"/>
+            <a:lvl6pPr marL="2286000" indent="0">
+              <a:buNone/>
+              <a:defRPr sz="2000"/>
             </a:lvl6pPr>
-            <a:lvl7pPr marL="2057400" indent="0">
-              <a:buNone/>
-              <a:defRPr sz="1500"/>
+            <a:lvl7pPr marL="2743200" indent="0">
+              <a:buNone/>
+              <a:defRPr sz="2000"/>
             </a:lvl7pPr>
-            <a:lvl8pPr marL="2400300" indent="0">
-              <a:buNone/>
-              <a:defRPr sz="1500"/>
+            <a:lvl8pPr marL="3200400" indent="0">
+              <a:buNone/>
+              <a:defRPr sz="2000"/>
             </a:lvl8pPr>
-            <a:lvl9pPr marL="2743200" indent="0">
-              <a:buNone/>
-              <a:defRPr sz="1500"/>
+            <a:lvl9pPr marL="3657600" indent="0">
+              <a:buNone/>
+              <a:defRPr sz="2000"/>
             </a:lvl9pPr>
           </a:lstStyle>
           <a:p>
@@ -2515,8 +2446,8 @@
         </p:nvSpPr>
         <p:spPr>
           <a:xfrm>
-            <a:off x="1792288" y="4025503"/>
-            <a:ext cx="5486400" cy="603647"/>
+            <a:off x="1792288" y="5367338"/>
+            <a:ext cx="5486400" cy="804862"/>
           </a:xfrm>
         </p:spPr>
         <p:txBody>
@@ -2524,45 +2455,45 @@
           <a:lstStyle>
             <a:lvl1pPr marL="0" indent="0">
               <a:buNone/>
-              <a:defRPr sz="1050"/>
+              <a:defRPr sz="1400"/>
             </a:lvl1pPr>
-            <a:lvl2pPr marL="342900" indent="0">
+            <a:lvl2pPr marL="457200" indent="0">
+              <a:buNone/>
+              <a:defRPr sz="1200"/>
+            </a:lvl2pPr>
+            <a:lvl3pPr marL="914400" indent="0">
+              <a:buNone/>
+              <a:defRPr sz="1000"/>
+            </a:lvl3pPr>
+            <a:lvl4pPr marL="1371600" indent="0">
               <a:buNone/>
               <a:defRPr sz="900"/>
-            </a:lvl2pPr>
-            <a:lvl3pPr marL="685800" indent="0">
-              <a:buNone/>
-              <a:defRPr sz="750"/>
-            </a:lvl3pPr>
-            <a:lvl4pPr marL="1028700" indent="0">
-              <a:buNone/>
-              <a:defRPr sz="675"/>
             </a:lvl4pPr>
-            <a:lvl5pPr marL="1371600" indent="0">
-              <a:buNone/>
-              <a:defRPr sz="675"/>
+            <a:lvl5pPr marL="1828800" indent="0">
+              <a:buNone/>
+              <a:defRPr sz="900"/>
             </a:lvl5pPr>
-            <a:lvl6pPr marL="1714500" indent="0">
-              <a:buNone/>
-              <a:defRPr sz="675"/>
+            <a:lvl6pPr marL="2286000" indent="0">
+              <a:buNone/>
+              <a:defRPr sz="900"/>
             </a:lvl6pPr>
-            <a:lvl7pPr marL="2057400" indent="0">
-              <a:buNone/>
-              <a:defRPr sz="675"/>
+            <a:lvl7pPr marL="2743200" indent="0">
+              <a:buNone/>
+              <a:defRPr sz="900"/>
             </a:lvl7pPr>
-            <a:lvl8pPr marL="2400300" indent="0">
-              <a:buNone/>
-              <a:defRPr sz="675"/>
+            <a:lvl8pPr marL="3200400" indent="0">
+              <a:buNone/>
+              <a:defRPr sz="900"/>
             </a:lvl8pPr>
-            <a:lvl9pPr marL="2743200" indent="0">
-              <a:buNone/>
-              <a:defRPr sz="675"/>
+            <a:lvl9pPr marL="3657600" indent="0">
+              <a:buNone/>
+              <a:defRPr sz="900"/>
             </a:lvl9pPr>
           </a:lstStyle>
           <a:p>
             <a:pPr lvl="0"/>
             <a:r>
-              <a:rPr lang="en-US"/>
+              <a:rPr lang="en-US" smtClean="0"/>
               <a:t>Click to edit Master text styles</a:t>
             </a:r>
           </a:p>
@@ -2585,7 +2516,7 @@
           <a:p>
             <a:fld id="{5BCAD085-E8A6-8845-BD4E-CB4CCA059FC4}" type="datetimeFigureOut">
               <a:rPr lang="en-US" smtClean="0"/>
-              <a:t>12/10/25</a:t>
+              <a:t>1/27/13</a:t>
             </a:fld>
             <a:endParaRPr lang="en-US"/>
           </a:p>
@@ -2680,8 +2611,8 @@
         </p:nvSpPr>
         <p:spPr>
           <a:xfrm>
-            <a:off x="457200" y="205978"/>
-            <a:ext cx="8229600" cy="857250"/>
+            <a:off x="457200" y="274638"/>
+            <a:ext cx="8229600" cy="1143000"/>
           </a:xfrm>
           <a:prstGeom prst="rect">
             <a:avLst/>
@@ -2694,9 +2625,10 @@
           <a:lstStyle/>
           <a:p>
             <a:r>
-              <a:rPr lang="en-US"/>
+              <a:rPr lang="en-US" smtClean="0"/>
               <a:t>Click to edit Master title style</a:t>
             </a:r>
+            <a:endParaRPr lang="en-US"/>
           </a:p>
         </p:txBody>
       </p:sp>
@@ -2712,8 +2644,8 @@
         </p:nvSpPr>
         <p:spPr>
           <a:xfrm>
-            <a:off x="457200" y="1200151"/>
-            <a:ext cx="8229600" cy="3394472"/>
+            <a:off x="457200" y="1600200"/>
+            <a:ext cx="8229600" cy="4525963"/>
           </a:xfrm>
           <a:prstGeom prst="rect">
             <a:avLst/>
@@ -2727,37 +2659,38 @@
           <a:p>
             <a:pPr lvl="0"/>
             <a:r>
-              <a:rPr lang="en-US"/>
+              <a:rPr lang="en-US" smtClean="0"/>
               <a:t>Click to edit Master text styles</a:t>
             </a:r>
           </a:p>
           <a:p>
             <a:pPr lvl="1"/>
             <a:r>
-              <a:rPr lang="en-US"/>
+              <a:rPr lang="en-US" smtClean="0"/>
               <a:t>Second level</a:t>
             </a:r>
           </a:p>
           <a:p>
             <a:pPr lvl="2"/>
             <a:r>
-              <a:rPr lang="en-US"/>
+              <a:rPr lang="en-US" smtClean="0"/>
               <a:t>Third level</a:t>
             </a:r>
           </a:p>
           <a:p>
             <a:pPr lvl="3"/>
             <a:r>
-              <a:rPr lang="en-US"/>
+              <a:rPr lang="en-US" smtClean="0"/>
               <a:t>Fourth level</a:t>
             </a:r>
           </a:p>
           <a:p>
             <a:pPr lvl="4"/>
             <a:r>
-              <a:rPr lang="en-US"/>
+              <a:rPr lang="en-US" smtClean="0"/>
               <a:t>Fifth level</a:t>
             </a:r>
+            <a:endParaRPr lang="en-US"/>
           </a:p>
         </p:txBody>
       </p:sp>
@@ -2773,8 +2706,8 @@
         </p:nvSpPr>
         <p:spPr>
           <a:xfrm>
-            <a:off x="457200" y="4767263"/>
-            <a:ext cx="2133600" cy="273844"/>
+            <a:off x="457200" y="6356350"/>
+            <a:ext cx="2133600" cy="365125"/>
           </a:xfrm>
           <a:prstGeom prst="rect">
             <a:avLst/>
@@ -2784,7 +2717,7 @@
           <a:bodyPr vert="horz" lIns="91440" tIns="45720" rIns="91440" bIns="45720" rtlCol="0" anchor="ctr"/>
           <a:lstStyle>
             <a:lvl1pPr algn="l">
-              <a:defRPr sz="900">
+              <a:defRPr sz="1200">
                 <a:solidFill>
                   <a:schemeClr val="tx1">
                     <a:tint val="75000"/>
@@ -2796,7 +2729,7 @@
           <a:p>
             <a:fld id="{5BCAD085-E8A6-8845-BD4E-CB4CCA059FC4}" type="datetimeFigureOut">
               <a:rPr lang="en-US" smtClean="0"/>
-              <a:t>12/10/25</a:t>
+              <a:t>1/27/13</a:t>
             </a:fld>
             <a:endParaRPr lang="en-US"/>
           </a:p>
@@ -2814,8 +2747,8 @@
         </p:nvSpPr>
         <p:spPr>
           <a:xfrm>
-            <a:off x="3124200" y="4767263"/>
-            <a:ext cx="2895600" cy="273844"/>
+            <a:off x="3124200" y="6356350"/>
+            <a:ext cx="2895600" cy="365125"/>
           </a:xfrm>
           <a:prstGeom prst="rect">
             <a:avLst/>
@@ -2825,7 +2758,7 @@
           <a:bodyPr vert="horz" lIns="91440" tIns="45720" rIns="91440" bIns="45720" rtlCol="0" anchor="ctr"/>
           <a:lstStyle>
             <a:lvl1pPr algn="ctr">
-              <a:defRPr sz="900">
+              <a:defRPr sz="1200">
                 <a:solidFill>
                   <a:schemeClr val="tx1">
                     <a:tint val="75000"/>
@@ -2851,8 +2784,8 @@
         </p:nvSpPr>
         <p:spPr>
           <a:xfrm>
-            <a:off x="6553200" y="4767263"/>
-            <a:ext cx="2133600" cy="273844"/>
+            <a:off x="6553200" y="6356350"/>
+            <a:ext cx="2133600" cy="365125"/>
           </a:xfrm>
           <a:prstGeom prst="rect">
             <a:avLst/>
@@ -2862,7 +2795,7 @@
           <a:bodyPr vert="horz" lIns="91440" tIns="45720" rIns="91440" bIns="45720" rtlCol="0" anchor="ctr"/>
           <a:lstStyle>
             <a:lvl1pPr algn="r">
-              <a:defRPr sz="900">
+              <a:defRPr sz="1200">
                 <a:solidFill>
                   <a:schemeClr val="tx1">
                     <a:tint val="75000"/>
@@ -2903,12 +2836,12 @@
   </p:sldLayoutIdLst>
   <p:txStyles>
     <p:titleStyle>
-      <a:lvl1pPr algn="ctr" defTabSz="342900" rtl="0" eaLnBrk="1" latinLnBrk="0" hangingPunct="1">
+      <a:lvl1pPr algn="ctr" defTabSz="457200" rtl="0" eaLnBrk="1" latinLnBrk="0" hangingPunct="1">
         <a:spcBef>
           <a:spcPct val="0"/>
         </a:spcBef>
         <a:buNone/>
-        <a:defRPr sz="3300" kern="1200">
+        <a:defRPr sz="4400" kern="1200">
           <a:solidFill>
             <a:schemeClr val="tx1"/>
           </a:solidFill>
@@ -2919,7 +2852,37 @@
       </a:lvl1pPr>
     </p:titleStyle>
     <p:bodyStyle>
-      <a:lvl1pPr marL="257175" indent="-257175" algn="l" defTabSz="342900" rtl="0" eaLnBrk="1" latinLnBrk="0" hangingPunct="1">
+      <a:lvl1pPr marL="342900" indent="-342900" algn="l" defTabSz="457200" rtl="0" eaLnBrk="1" latinLnBrk="0" hangingPunct="1">
+        <a:spcBef>
+          <a:spcPct val="20000"/>
+        </a:spcBef>
+        <a:buFont typeface="Arial"/>
+        <a:buChar char="•"/>
+        <a:defRPr sz="3200" kern="1200">
+          <a:solidFill>
+            <a:schemeClr val="tx1"/>
+          </a:solidFill>
+          <a:latin typeface="+mn-lt"/>
+          <a:ea typeface="+mn-ea"/>
+          <a:cs typeface="+mn-cs"/>
+        </a:defRPr>
+      </a:lvl1pPr>
+      <a:lvl2pPr marL="742950" indent="-285750" algn="l" defTabSz="457200" rtl="0" eaLnBrk="1" latinLnBrk="0" hangingPunct="1">
+        <a:spcBef>
+          <a:spcPct val="20000"/>
+        </a:spcBef>
+        <a:buFont typeface="Arial"/>
+        <a:buChar char="–"/>
+        <a:defRPr sz="2800" kern="1200">
+          <a:solidFill>
+            <a:schemeClr val="tx1"/>
+          </a:solidFill>
+          <a:latin typeface="+mn-lt"/>
+          <a:ea typeface="+mn-ea"/>
+          <a:cs typeface="+mn-cs"/>
+        </a:defRPr>
+      </a:lvl2pPr>
+      <a:lvl3pPr marL="1143000" indent="-228600" algn="l" defTabSz="457200" rtl="0" eaLnBrk="1" latinLnBrk="0" hangingPunct="1">
         <a:spcBef>
           <a:spcPct val="20000"/>
         </a:spcBef>
@@ -2933,44 +2896,14 @@
           <a:ea typeface="+mn-ea"/>
           <a:cs typeface="+mn-cs"/>
         </a:defRPr>
-      </a:lvl1pPr>
-      <a:lvl2pPr marL="557213" indent="-214313" algn="l" defTabSz="342900" rtl="0" eaLnBrk="1" latinLnBrk="0" hangingPunct="1">
+      </a:lvl3pPr>
+      <a:lvl4pPr marL="1600200" indent="-228600" algn="l" defTabSz="457200" rtl="0" eaLnBrk="1" latinLnBrk="0" hangingPunct="1">
         <a:spcBef>
           <a:spcPct val="20000"/>
         </a:spcBef>
         <a:buFont typeface="Arial"/>
         <a:buChar char="–"/>
-        <a:defRPr sz="2100" kern="1200">
-          <a:solidFill>
-            <a:schemeClr val="tx1"/>
-          </a:solidFill>
-          <a:latin typeface="+mn-lt"/>
-          <a:ea typeface="+mn-ea"/>
-          <a:cs typeface="+mn-cs"/>
-        </a:defRPr>
-      </a:lvl2pPr>
-      <a:lvl3pPr marL="857250" indent="-171450" algn="l" defTabSz="342900" rtl="0" eaLnBrk="1" latinLnBrk="0" hangingPunct="1">
-        <a:spcBef>
-          <a:spcPct val="20000"/>
-        </a:spcBef>
-        <a:buFont typeface="Arial"/>
-        <a:buChar char="•"/>
-        <a:defRPr sz="1800" kern="1200">
-          <a:solidFill>
-            <a:schemeClr val="tx1"/>
-          </a:solidFill>
-          <a:latin typeface="+mn-lt"/>
-          <a:ea typeface="+mn-ea"/>
-          <a:cs typeface="+mn-cs"/>
-        </a:defRPr>
-      </a:lvl3pPr>
-      <a:lvl4pPr marL="1200150" indent="-171450" algn="l" defTabSz="342900" rtl="0" eaLnBrk="1" latinLnBrk="0" hangingPunct="1">
-        <a:spcBef>
-          <a:spcPct val="20000"/>
-        </a:spcBef>
-        <a:buFont typeface="Arial"/>
-        <a:buChar char="–"/>
-        <a:defRPr sz="1500" kern="1200">
+        <a:defRPr sz="2000" kern="1200">
           <a:solidFill>
             <a:schemeClr val="tx1"/>
           </a:solidFill>
@@ -2979,13 +2912,13 @@
           <a:cs typeface="+mn-cs"/>
         </a:defRPr>
       </a:lvl4pPr>
-      <a:lvl5pPr marL="1543050" indent="-171450" algn="l" defTabSz="342900" rtl="0" eaLnBrk="1" latinLnBrk="0" hangingPunct="1">
+      <a:lvl5pPr marL="2057400" indent="-228600" algn="l" defTabSz="457200" rtl="0" eaLnBrk="1" latinLnBrk="0" hangingPunct="1">
         <a:spcBef>
           <a:spcPct val="20000"/>
         </a:spcBef>
         <a:buFont typeface="Arial"/>
         <a:buChar char="»"/>
-        <a:defRPr sz="1500" kern="1200">
+        <a:defRPr sz="2000" kern="1200">
           <a:solidFill>
             <a:schemeClr val="tx1"/>
           </a:solidFill>
@@ -2994,13 +2927,13 @@
           <a:cs typeface="+mn-cs"/>
         </a:defRPr>
       </a:lvl5pPr>
-      <a:lvl6pPr marL="1885950" indent="-171450" algn="l" defTabSz="342900" rtl="0" eaLnBrk="1" latinLnBrk="0" hangingPunct="1">
+      <a:lvl6pPr marL="2514600" indent="-228600" algn="l" defTabSz="457200" rtl="0" eaLnBrk="1" latinLnBrk="0" hangingPunct="1">
         <a:spcBef>
           <a:spcPct val="20000"/>
         </a:spcBef>
         <a:buFont typeface="Arial"/>
         <a:buChar char="•"/>
-        <a:defRPr sz="1500" kern="1200">
+        <a:defRPr sz="2000" kern="1200">
           <a:solidFill>
             <a:schemeClr val="tx1"/>
           </a:solidFill>
@@ -3009,13 +2942,13 @@
           <a:cs typeface="+mn-cs"/>
         </a:defRPr>
       </a:lvl6pPr>
-      <a:lvl7pPr marL="2228850" indent="-171450" algn="l" defTabSz="342900" rtl="0" eaLnBrk="1" latinLnBrk="0" hangingPunct="1">
+      <a:lvl7pPr marL="2971800" indent="-228600" algn="l" defTabSz="457200" rtl="0" eaLnBrk="1" latinLnBrk="0" hangingPunct="1">
         <a:spcBef>
           <a:spcPct val="20000"/>
         </a:spcBef>
         <a:buFont typeface="Arial"/>
         <a:buChar char="•"/>
-        <a:defRPr sz="1500" kern="1200">
+        <a:defRPr sz="2000" kern="1200">
           <a:solidFill>
             <a:schemeClr val="tx1"/>
           </a:solidFill>
@@ -3024,13 +2957,13 @@
           <a:cs typeface="+mn-cs"/>
         </a:defRPr>
       </a:lvl7pPr>
-      <a:lvl8pPr marL="2571750" indent="-171450" algn="l" defTabSz="342900" rtl="0" eaLnBrk="1" latinLnBrk="0" hangingPunct="1">
+      <a:lvl8pPr marL="3429000" indent="-228600" algn="l" defTabSz="457200" rtl="0" eaLnBrk="1" latinLnBrk="0" hangingPunct="1">
         <a:spcBef>
           <a:spcPct val="20000"/>
         </a:spcBef>
         <a:buFont typeface="Arial"/>
         <a:buChar char="•"/>
-        <a:defRPr sz="1500" kern="1200">
+        <a:defRPr sz="2000" kern="1200">
           <a:solidFill>
             <a:schemeClr val="tx1"/>
           </a:solidFill>
@@ -3039,13 +2972,13 @@
           <a:cs typeface="+mn-cs"/>
         </a:defRPr>
       </a:lvl8pPr>
-      <a:lvl9pPr marL="2914650" indent="-171450" algn="l" defTabSz="342900" rtl="0" eaLnBrk="1" latinLnBrk="0" hangingPunct="1">
+      <a:lvl9pPr marL="3886200" indent="-228600" algn="l" defTabSz="457200" rtl="0" eaLnBrk="1" latinLnBrk="0" hangingPunct="1">
         <a:spcBef>
           <a:spcPct val="20000"/>
         </a:spcBef>
         <a:buFont typeface="Arial"/>
         <a:buChar char="•"/>
-        <a:defRPr sz="1500" kern="1200">
+        <a:defRPr sz="2000" kern="1200">
           <a:solidFill>
             <a:schemeClr val="tx1"/>
           </a:solidFill>
@@ -3059,8 +2992,8 @@
       <a:defPPr>
         <a:defRPr lang="en-US"/>
       </a:defPPr>
-      <a:lvl1pPr marL="0" algn="l" defTabSz="342900" rtl="0" eaLnBrk="1" latinLnBrk="0" hangingPunct="1">
-        <a:defRPr sz="1350" kern="1200">
+      <a:lvl1pPr marL="0" algn="l" defTabSz="457200" rtl="0" eaLnBrk="1" latinLnBrk="0" hangingPunct="1">
+        <a:defRPr sz="1800" kern="1200">
           <a:solidFill>
             <a:schemeClr val="tx1"/>
           </a:solidFill>
@@ -3069,8 +3002,8 @@
           <a:cs typeface="+mn-cs"/>
         </a:defRPr>
       </a:lvl1pPr>
-      <a:lvl2pPr marL="342900" algn="l" defTabSz="342900" rtl="0" eaLnBrk="1" latinLnBrk="0" hangingPunct="1">
-        <a:defRPr sz="1350" kern="1200">
+      <a:lvl2pPr marL="457200" algn="l" defTabSz="457200" rtl="0" eaLnBrk="1" latinLnBrk="0" hangingPunct="1">
+        <a:defRPr sz="1800" kern="1200">
           <a:solidFill>
             <a:schemeClr val="tx1"/>
           </a:solidFill>
@@ -3079,8 +3012,8 @@
           <a:cs typeface="+mn-cs"/>
         </a:defRPr>
       </a:lvl2pPr>
-      <a:lvl3pPr marL="685800" algn="l" defTabSz="342900" rtl="0" eaLnBrk="1" latinLnBrk="0" hangingPunct="1">
-        <a:defRPr sz="1350" kern="1200">
+      <a:lvl3pPr marL="914400" algn="l" defTabSz="457200" rtl="0" eaLnBrk="1" latinLnBrk="0" hangingPunct="1">
+        <a:defRPr sz="1800" kern="1200">
           <a:solidFill>
             <a:schemeClr val="tx1"/>
           </a:solidFill>
@@ -3089,8 +3022,8 @@
           <a:cs typeface="+mn-cs"/>
         </a:defRPr>
       </a:lvl3pPr>
-      <a:lvl4pPr marL="1028700" algn="l" defTabSz="342900" rtl="0" eaLnBrk="1" latinLnBrk="0" hangingPunct="1">
-        <a:defRPr sz="1350" kern="1200">
+      <a:lvl4pPr marL="1371600" algn="l" defTabSz="457200" rtl="0" eaLnBrk="1" latinLnBrk="0" hangingPunct="1">
+        <a:defRPr sz="1800" kern="1200">
           <a:solidFill>
             <a:schemeClr val="tx1"/>
           </a:solidFill>
@@ -3099,8 +3032,8 @@
           <a:cs typeface="+mn-cs"/>
         </a:defRPr>
       </a:lvl4pPr>
-      <a:lvl5pPr marL="1371600" algn="l" defTabSz="342900" rtl="0" eaLnBrk="1" latinLnBrk="0" hangingPunct="1">
-        <a:defRPr sz="1350" kern="1200">
+      <a:lvl5pPr marL="1828800" algn="l" defTabSz="457200" rtl="0" eaLnBrk="1" latinLnBrk="0" hangingPunct="1">
+        <a:defRPr sz="1800" kern="1200">
           <a:solidFill>
             <a:schemeClr val="tx1"/>
           </a:solidFill>
@@ -3109,8 +3042,8 @@
           <a:cs typeface="+mn-cs"/>
         </a:defRPr>
       </a:lvl5pPr>
-      <a:lvl6pPr marL="1714500" algn="l" defTabSz="342900" rtl="0" eaLnBrk="1" latinLnBrk="0" hangingPunct="1">
-        <a:defRPr sz="1350" kern="1200">
+      <a:lvl6pPr marL="2286000" algn="l" defTabSz="457200" rtl="0" eaLnBrk="1" latinLnBrk="0" hangingPunct="1">
+        <a:defRPr sz="1800" kern="1200">
           <a:solidFill>
             <a:schemeClr val="tx1"/>
           </a:solidFill>
@@ -3119,8 +3052,8 @@
           <a:cs typeface="+mn-cs"/>
         </a:defRPr>
       </a:lvl6pPr>
-      <a:lvl7pPr marL="2057400" algn="l" defTabSz="342900" rtl="0" eaLnBrk="1" latinLnBrk="0" hangingPunct="1">
-        <a:defRPr sz="1350" kern="1200">
+      <a:lvl7pPr marL="2743200" algn="l" defTabSz="457200" rtl="0" eaLnBrk="1" latinLnBrk="0" hangingPunct="1">
+        <a:defRPr sz="1800" kern="1200">
           <a:solidFill>
             <a:schemeClr val="tx1"/>
           </a:solidFill>
@@ -3129,8 +3062,8 @@
           <a:cs typeface="+mn-cs"/>
         </a:defRPr>
       </a:lvl7pPr>
-      <a:lvl8pPr marL="2400300" algn="l" defTabSz="342900" rtl="0" eaLnBrk="1" latinLnBrk="0" hangingPunct="1">
-        <a:defRPr sz="1350" kern="1200">
+      <a:lvl8pPr marL="3200400" algn="l" defTabSz="457200" rtl="0" eaLnBrk="1" latinLnBrk="0" hangingPunct="1">
+        <a:defRPr sz="1800" kern="1200">
           <a:solidFill>
             <a:schemeClr val="tx1"/>
           </a:solidFill>
@@ -3139,8 +3072,8 @@
           <a:cs typeface="+mn-cs"/>
         </a:defRPr>
       </a:lvl8pPr>
-      <a:lvl9pPr marL="2743200" algn="l" defTabSz="342900" rtl="0" eaLnBrk="1" latinLnBrk="0" hangingPunct="1">
-        <a:defRPr sz="1350" kern="1200">
+      <a:lvl9pPr marL="3657600" algn="l" defTabSz="457200" rtl="0" eaLnBrk="1" latinLnBrk="0" hangingPunct="1">
+        <a:defRPr sz="1800" kern="1200">
           <a:solidFill>
             <a:schemeClr val="tx1"/>
           </a:solidFill>
@@ -3155,634 +3088,116 @@
 </file>
 
 <file path=ppt/slides/slide1.xml><?xml version="1.0" encoding="utf-8"?>
-<p:sld xmlns:a="http://schemas.openxmlformats.org/drawingml/2006/main" xmlns:r="http://schemas.openxmlformats.org/officeDocument/2006/relationships" xmlns:p="http://schemas.openxmlformats.org/presentationml/2006/main">
+<p:sld xmlns:a="http://schemas.openxmlformats.org/drawingml/2006/main" xmlns:p="http://schemas.openxmlformats.org/presentationml/2006/main" xmlns:r="http://schemas.openxmlformats.org/officeDocument/2006/relationships">
   <p:cSld>
-    <p:bg>
-      <p:bgPr>
-        <a:solidFill>
-          <a:schemeClr val="bg1"/>
-        </a:solidFill>
-        <a:effectLst/>
-      </p:bgPr>
-    </p:bg>
     <p:spTree>
       <p:nvGrpSpPr>
         <p:cNvPr id="1" name=""/>
         <p:cNvGrpSpPr/>
         <p:nvPr/>
       </p:nvGrpSpPr>
-      <p:grpSpPr>
-        <a:xfrm>
-          <a:off x="0" y="0"/>
-          <a:ext cx="0" cy="0"/>
-          <a:chOff x="0" y="0"/>
-          <a:chExt cx="0" cy="0"/>
-        </a:xfrm>
-      </p:grpSpPr>
-      <p:sp useBgFill="1">
-        <p:nvSpPr>
-          <p:cNvPr id="22" name="Rectangle 21">
-            <a:extLst>
-              <a:ext uri="{FF2B5EF4-FFF2-40B4-BE49-F238E27FC236}">
-                <a16:creationId xmlns:a16="http://schemas.microsoft.com/office/drawing/2014/main" id="{6F5A5072-7B47-4D32-B52A-4EBBF590B8A5}"/>
-              </a:ext>
-              <a:ext uri="{C183D7F6-B498-43B3-948B-1728B52AA6E4}">
-                <adec:decorative xmlns:adec="http://schemas.microsoft.com/office/drawing/2017/decorative" val="1"/>
-              </a:ext>
-            </a:extLst>
-          </p:cNvPr>
-          <p:cNvSpPr>
-            <a:spLocks noGrp="1" noRot="1" noChangeAspect="1" noMove="1" noResize="1" noEditPoints="1" noAdjustHandles="1" noChangeArrowheads="1" noChangeShapeType="1" noTextEdit="1"/>
-          </p:cNvSpPr>
-          <p:nvPr>
-            <p:extLst>
-              <p:ext uri="{386F3935-93C4-4BCD-93E2-E3B085C9AB24}">
-                <p16:designElem xmlns:p16="http://schemas.microsoft.com/office/powerpoint/2015/main" val="1"/>
-              </p:ext>
-            </p:extLst>
-          </p:nvPr>
-        </p:nvSpPr>
+      <p:grpSpPr/>
+      <p:sp>
+        <p:nvSpPr>
+          <p:cNvPr id="2" name="Title 1"/>
+          <p:cNvSpPr>
+            <a:spLocks noGrp="1"/>
+          </p:cNvSpPr>
+          <p:nvPr>
+            <p:ph type="ctrTitle"/>
+          </p:nvPr>
+        </p:nvSpPr>
+        <p:spPr/>
+        <p:txBody>
+          <a:bodyPr/>
+          <a:lstStyle/>
+          <a:p>
+            <a:pPr>
+              <a:defRPr b="1">
+                <a:solidFill>
+                  <a:srgbClr val="003366"/>
+                </a:solidFill>
+                <a:latin typeface="Times New Roman"/>
+              </a:defRPr>
+            </a:pPr>
+            <a:r>
+              <a:t>Prédiction de Conversion Trial-to-Paid :</a:t>
+            </a:r>
+          </a:p>
+          <a:p>
+            <a:r>
+              <a:t>Insights Data-Driven pour Kolecto</a:t>
+            </a:r>
+          </a:p>
+        </p:txBody>
+      </p:sp>
+      <p:sp>
+        <p:nvSpPr>
+          <p:cNvPr id="3" name="Subtitle 2"/>
+          <p:cNvSpPr>
+            <a:spLocks noGrp="1"/>
+          </p:cNvSpPr>
+          <p:nvPr>
+            <p:ph type="subTitle" idx="1"/>
+          </p:nvPr>
+        </p:nvSpPr>
+        <p:spPr/>
+        <p:txBody>
+          <a:bodyPr/>
+          <a:lstStyle/>
+          <a:p>
+            <a:pPr>
+              <a:defRPr>
+                <a:latin typeface="Times New Roman"/>
+              </a:defRPr>
+            </a:pPr>
+            <a:r>
+              <a:t>Améliorer le taux de conversion de ~60% via l'analyse des signaux précurseurs et le Machine Learning</a:t>
+            </a:r>
+          </a:p>
+          <a:p>
+            <a:pPr>
+              <a:defRPr>
+                <a:latin typeface="Times New Roman"/>
+              </a:defRPr>
+            </a:pPr>
+          </a:p>
+          <a:p>
+            <a:pPr>
+              <a:defRPr>
+                <a:latin typeface="Times New Roman"/>
+              </a:defRPr>
+            </a:pPr>
+            <a:r>
+              <a:t>Antigravity Agent – 2025-12-10</a:t>
+            </a:r>
+          </a:p>
+        </p:txBody>
+      </p:sp>
+      <p:pic>
+        <p:nvPicPr>
+          <p:cNvPr id="4" name="Picture 3" descr="kolecto_logo.png"/>
+          <p:cNvPicPr>
+            <a:picLocks noChangeAspect="1"/>
+          </p:cNvPicPr>
+          <p:nvPr/>
+        </p:nvPicPr>
+        <p:blipFill>
+          <a:blip r:embed="rId2"/>
+          <a:stretch>
+            <a:fillRect/>
+          </a:stretch>
+        </p:blipFill>
         <p:spPr>
           <a:xfrm>
-            <a:off x="0" y="0"/>
-            <a:ext cx="9144000" cy="5143500"/>
+            <a:off x="457200" y="457200"/>
+            <a:ext cx="914400" cy="914400"/>
           </a:xfrm>
           <a:prstGeom prst="rect">
             <a:avLst/>
           </a:prstGeom>
-          <a:ln w="12700" cap="flat" cmpd="sng" algn="ctr">
-            <a:noFill/>
-            <a:prstDash val="solid"/>
-            <a:miter lim="800000"/>
-          </a:ln>
-          <a:effectLst/>
-          <a:extLst>
-            <a:ext uri="{91240B29-F687-4F45-9708-019B960494DF}">
-              <a14:hiddenLine xmlns:a14="http://schemas.microsoft.com/office/drawing/2010/main" w="12700" cap="flat" cmpd="sng" algn="ctr">
-                <a:solidFill>
-                  <a:schemeClr val="accent1">
-                    <a:shade val="50000"/>
-                  </a:schemeClr>
-                </a:solidFill>
-                <a:prstDash val="solid"/>
-                <a:miter lim="800000"/>
-              </a14:hiddenLine>
-            </a:ext>
-          </a:extLst>
         </p:spPr>
-        <p:style>
-          <a:lnRef idx="2">
-            <a:schemeClr val="accent1">
-              <a:shade val="50000"/>
-            </a:schemeClr>
-          </a:lnRef>
-          <a:fillRef idx="1">
-            <a:schemeClr val="accent1"/>
-          </a:fillRef>
-          <a:effectRef idx="0">
-            <a:schemeClr val="accent1"/>
-          </a:effectRef>
-          <a:fontRef idx="minor">
-            <a:schemeClr val="lt1"/>
-          </a:fontRef>
-        </p:style>
-        <p:txBody>
-          <a:bodyPr rtlCol="0" anchor="ctr"/>
-          <a:lstStyle/>
-          <a:p>
-            <a:pPr algn="ctr"/>
-            <a:endParaRPr lang="en-US"/>
-          </a:p>
-        </p:txBody>
-      </p:sp>
-      <p:sp>
-        <p:nvSpPr>
-          <p:cNvPr id="23" name="Rectangle 22">
-            <a:extLst>
-              <a:ext uri="{FF2B5EF4-FFF2-40B4-BE49-F238E27FC236}">
-                <a16:creationId xmlns:a16="http://schemas.microsoft.com/office/drawing/2014/main" id="{9715DAF0-AE1B-46C9-8A6B-DB2AA05AB91D}"/>
-              </a:ext>
-              <a:ext uri="{C183D7F6-B498-43B3-948B-1728B52AA6E4}">
-                <adec:decorative xmlns:adec="http://schemas.microsoft.com/office/drawing/2017/decorative" val="1"/>
-              </a:ext>
-            </a:extLst>
-          </p:cNvPr>
-          <p:cNvSpPr>
-            <a:spLocks noGrp="1" noRot="1" noChangeAspect="1" noMove="1" noResize="1" noEditPoints="1" noAdjustHandles="1" noChangeArrowheads="1" noChangeShapeType="1" noTextEdit="1"/>
-          </p:cNvSpPr>
-          <p:nvPr>
-            <p:extLst>
-              <p:ext uri="{386F3935-93C4-4BCD-93E2-E3B085C9AB24}">
-                <p16:designElem xmlns:p16="http://schemas.microsoft.com/office/powerpoint/2015/main" val="1"/>
-              </p:ext>
-            </p:extLst>
-          </p:nvPr>
-        </p:nvSpPr>
-        <p:spPr>
-          <a:xfrm rot="10800000">
-            <a:off x="-1" y="-17019"/>
-            <a:ext cx="9143998" cy="3280596"/>
-          </a:xfrm>
-          <a:prstGeom prst="rect">
-            <a:avLst/>
-          </a:prstGeom>
-          <a:gradFill>
-            <a:gsLst>
-              <a:gs pos="0">
-                <a:schemeClr val="accent1">
-                  <a:lumMod val="75000"/>
-                </a:schemeClr>
-              </a:gs>
-              <a:gs pos="100000">
-                <a:srgbClr val="000000"/>
-              </a:gs>
-            </a:gsLst>
-            <a:lin ang="15000000" scaled="0"/>
-          </a:gradFill>
-          <a:ln>
-            <a:noFill/>
-          </a:ln>
-        </p:spPr>
-        <p:style>
-          <a:lnRef idx="2">
-            <a:schemeClr val="accent1">
-              <a:shade val="50000"/>
-            </a:schemeClr>
-          </a:lnRef>
-          <a:fillRef idx="1">
-            <a:schemeClr val="accent1"/>
-          </a:fillRef>
-          <a:effectRef idx="0">
-            <a:schemeClr val="accent1"/>
-          </a:effectRef>
-          <a:fontRef idx="minor">
-            <a:schemeClr val="lt1"/>
-          </a:fontRef>
-        </p:style>
-        <p:txBody>
-          <a:bodyPr rtlCol="0" anchor="ctr"/>
-          <a:lstStyle/>
-          <a:p>
-            <a:pPr algn="ctr"/>
-            <a:endParaRPr lang="en-US"/>
-          </a:p>
-        </p:txBody>
-      </p:sp>
-      <p:sp>
-        <p:nvSpPr>
-          <p:cNvPr id="24" name="Rectangle 23">
-            <a:extLst>
-              <a:ext uri="{FF2B5EF4-FFF2-40B4-BE49-F238E27FC236}">
-                <a16:creationId xmlns:a16="http://schemas.microsoft.com/office/drawing/2014/main" id="{6016219D-510E-4184-9090-6D5578A87BD1}"/>
-              </a:ext>
-              <a:ext uri="{C183D7F6-B498-43B3-948B-1728B52AA6E4}">
-                <adec:decorative xmlns:adec="http://schemas.microsoft.com/office/drawing/2017/decorative" val="1"/>
-              </a:ext>
-            </a:extLst>
-          </p:cNvPr>
-          <p:cNvSpPr>
-            <a:spLocks noGrp="1" noRot="1" noChangeAspect="1" noMove="1" noResize="1" noEditPoints="1" noAdjustHandles="1" noChangeArrowheads="1" noChangeShapeType="1" noTextEdit="1"/>
-          </p:cNvSpPr>
-          <p:nvPr>
-            <p:extLst>
-              <p:ext uri="{386F3935-93C4-4BCD-93E2-E3B085C9AB24}">
-                <p16:designElem xmlns:p16="http://schemas.microsoft.com/office/powerpoint/2015/main" val="1"/>
-              </p:ext>
-            </p:extLst>
-          </p:nvPr>
-        </p:nvSpPr>
-        <p:spPr>
-          <a:xfrm rot="5400000">
-            <a:off x="2931539" y="-2948881"/>
-            <a:ext cx="3280918" cy="9144000"/>
-          </a:xfrm>
-          <a:prstGeom prst="rect">
-            <a:avLst/>
-          </a:prstGeom>
-          <a:gradFill>
-            <a:gsLst>
-              <a:gs pos="40000">
-                <a:schemeClr val="accent1">
-                  <a:alpha val="0"/>
-                </a:schemeClr>
-              </a:gs>
-              <a:gs pos="100000">
-                <a:schemeClr val="accent1">
-                  <a:lumMod val="75000"/>
-                  <a:alpha val="52000"/>
-                </a:schemeClr>
-              </a:gs>
-            </a:gsLst>
-            <a:lin ang="2400000" scaled="0"/>
-          </a:gradFill>
-          <a:ln>
-            <a:noFill/>
-          </a:ln>
-        </p:spPr>
-        <p:style>
-          <a:lnRef idx="2">
-            <a:schemeClr val="accent1">
-              <a:shade val="50000"/>
-            </a:schemeClr>
-          </a:lnRef>
-          <a:fillRef idx="1">
-            <a:schemeClr val="accent1"/>
-          </a:fillRef>
-          <a:effectRef idx="0">
-            <a:schemeClr val="accent1"/>
-          </a:effectRef>
-          <a:fontRef idx="minor">
-            <a:schemeClr val="lt1"/>
-          </a:fontRef>
-        </p:style>
-        <p:txBody>
-          <a:bodyPr rtlCol="0" anchor="ctr"/>
-          <a:lstStyle/>
-          <a:p>
-            <a:pPr algn="ctr"/>
-            <a:endParaRPr lang="en-US"/>
-          </a:p>
-        </p:txBody>
-      </p:sp>
-      <p:sp>
-        <p:nvSpPr>
-          <p:cNvPr id="25" name="Rectangle 24">
-            <a:extLst>
-              <a:ext uri="{FF2B5EF4-FFF2-40B4-BE49-F238E27FC236}">
-                <a16:creationId xmlns:a16="http://schemas.microsoft.com/office/drawing/2014/main" id="{AFF4A713-7B75-4B21-90D7-5AB19547C728}"/>
-              </a:ext>
-              <a:ext uri="{C183D7F6-B498-43B3-948B-1728B52AA6E4}">
-                <adec:decorative xmlns:adec="http://schemas.microsoft.com/office/drawing/2017/decorative" val="1"/>
-              </a:ext>
-            </a:extLst>
-          </p:cNvPr>
-          <p:cNvSpPr>
-            <a:spLocks noGrp="1" noRot="1" noChangeAspect="1" noMove="1" noResize="1" noEditPoints="1" noAdjustHandles="1" noChangeArrowheads="1" noChangeShapeType="1" noTextEdit="1"/>
-          </p:cNvSpPr>
-          <p:nvPr>
-            <p:extLst>
-              <p:ext uri="{386F3935-93C4-4BCD-93E2-E3B085C9AB24}">
-                <p16:designElem xmlns:p16="http://schemas.microsoft.com/office/powerpoint/2015/main" val="1"/>
-              </p:ext>
-            </p:extLst>
-          </p:nvPr>
-        </p:nvSpPr>
-        <p:spPr>
-          <a:xfrm rot="5400000">
-            <a:off x="3102522" y="-2777901"/>
-            <a:ext cx="3280596" cy="8802359"/>
-          </a:xfrm>
-          <a:prstGeom prst="rect">
-            <a:avLst/>
-          </a:prstGeom>
-          <a:gradFill>
-            <a:gsLst>
-              <a:gs pos="17000">
-                <a:schemeClr val="accent1">
-                  <a:alpha val="0"/>
-                </a:schemeClr>
-              </a:gs>
-              <a:gs pos="100000">
-                <a:srgbClr val="000000">
-                  <a:alpha val="37000"/>
-                </a:srgbClr>
-              </a:gs>
-            </a:gsLst>
-            <a:lin ang="7800000" scaled="0"/>
-          </a:gradFill>
-          <a:ln>
-            <a:noFill/>
-          </a:ln>
-        </p:spPr>
-        <p:style>
-          <a:lnRef idx="2">
-            <a:schemeClr val="accent1">
-              <a:shade val="50000"/>
-            </a:schemeClr>
-          </a:lnRef>
-          <a:fillRef idx="1">
-            <a:schemeClr val="accent1"/>
-          </a:fillRef>
-          <a:effectRef idx="0">
-            <a:schemeClr val="accent1"/>
-          </a:effectRef>
-          <a:fontRef idx="minor">
-            <a:schemeClr val="lt1"/>
-          </a:fontRef>
-        </p:style>
-        <p:txBody>
-          <a:bodyPr rtlCol="0" anchor="ctr"/>
-          <a:lstStyle/>
-          <a:p>
-            <a:pPr algn="ctr"/>
-            <a:endParaRPr lang="en-US"/>
-          </a:p>
-        </p:txBody>
-      </p:sp>
-      <p:sp>
-        <p:nvSpPr>
-          <p:cNvPr id="26" name="Rectangle 25">
-            <a:extLst>
-              <a:ext uri="{FF2B5EF4-FFF2-40B4-BE49-F238E27FC236}">
-                <a16:creationId xmlns:a16="http://schemas.microsoft.com/office/drawing/2014/main" id="{DC631C0B-6DA6-4E57-8231-CE32B3434A7E}"/>
-              </a:ext>
-              <a:ext uri="{C183D7F6-B498-43B3-948B-1728B52AA6E4}">
-                <adec:decorative xmlns:adec="http://schemas.microsoft.com/office/drawing/2017/decorative" val="1"/>
-              </a:ext>
-            </a:extLst>
-          </p:cNvPr>
-          <p:cNvSpPr>
-            <a:spLocks noGrp="1" noRot="1" noChangeAspect="1" noMove="1" noResize="1" noEditPoints="1" noAdjustHandles="1" noChangeArrowheads="1" noChangeShapeType="1" noTextEdit="1"/>
-          </p:cNvSpPr>
-          <p:nvPr>
-            <p:extLst>
-              <p:ext uri="{386F3935-93C4-4BCD-93E2-E3B085C9AB24}">
-                <p16:designElem xmlns:p16="http://schemas.microsoft.com/office/powerpoint/2015/main" val="1"/>
-              </p:ext>
-            </p:extLst>
-          </p:nvPr>
-        </p:nvSpPr>
-        <p:spPr>
-          <a:xfrm>
-            <a:off x="-3" y="-17017"/>
-            <a:ext cx="6406863" cy="3280594"/>
-          </a:xfrm>
-          <a:prstGeom prst="rect">
-            <a:avLst/>
-          </a:prstGeom>
-          <a:gradFill>
-            <a:gsLst>
-              <a:gs pos="0">
-                <a:schemeClr val="accent1">
-                  <a:lumMod val="50000"/>
-                  <a:alpha val="0"/>
-                </a:schemeClr>
-              </a:gs>
-              <a:gs pos="100000">
-                <a:srgbClr val="000000">
-                  <a:alpha val="25000"/>
-                </a:srgbClr>
-              </a:gs>
-            </a:gsLst>
-            <a:lin ang="18600000" scaled="0"/>
-          </a:gradFill>
-          <a:ln>
-            <a:noFill/>
-          </a:ln>
-        </p:spPr>
-        <p:style>
-          <a:lnRef idx="2">
-            <a:schemeClr val="accent1">
-              <a:shade val="50000"/>
-            </a:schemeClr>
-          </a:lnRef>
-          <a:fillRef idx="1">
-            <a:schemeClr val="accent1"/>
-          </a:fillRef>
-          <a:effectRef idx="0">
-            <a:schemeClr val="accent1"/>
-          </a:effectRef>
-          <a:fontRef idx="minor">
-            <a:schemeClr val="lt1"/>
-          </a:fontRef>
-        </p:style>
-        <p:txBody>
-          <a:bodyPr rtlCol="0" anchor="ctr"/>
-          <a:lstStyle/>
-          <a:p>
-            <a:pPr algn="ctr"/>
-            <a:endParaRPr lang="en-US"/>
-          </a:p>
-        </p:txBody>
-      </p:sp>
-      <p:sp>
-        <p:nvSpPr>
-          <p:cNvPr id="27" name="Freeform: Shape 17">
-            <a:extLst>
-              <a:ext uri="{FF2B5EF4-FFF2-40B4-BE49-F238E27FC236}">
-                <a16:creationId xmlns:a16="http://schemas.microsoft.com/office/drawing/2014/main" id="{C29501E6-A978-4A61-9689-9085AF97A53A}"/>
-              </a:ext>
-              <a:ext uri="{C183D7F6-B498-43B3-948B-1728B52AA6E4}">
-                <adec:decorative xmlns:adec="http://schemas.microsoft.com/office/drawing/2017/decorative" val="1"/>
-              </a:ext>
-            </a:extLst>
-          </p:cNvPr>
-          <p:cNvSpPr>
-            <a:spLocks noGrp="1" noRot="1" noChangeAspect="1" noMove="1" noResize="1" noEditPoints="1" noAdjustHandles="1" noChangeArrowheads="1" noChangeShapeType="1" noTextEdit="1"/>
-          </p:cNvSpPr>
-          <p:nvPr>
-            <p:extLst>
-              <p:ext uri="{386F3935-93C4-4BCD-93E2-E3B085C9AB24}">
-                <p16:designElem xmlns:p16="http://schemas.microsoft.com/office/powerpoint/2015/main" val="1"/>
-              </p:ext>
-            </p:extLst>
-          </p:nvPr>
-        </p:nvSpPr>
-        <p:spPr>
-          <a:xfrm rot="12508972">
-            <a:off x="4459073" y="-774039"/>
-            <a:ext cx="3742610" cy="3329347"/>
-          </a:xfrm>
-          <a:custGeom>
-            <a:avLst/>
-            <a:gdLst>
-              <a:gd name="connsiteX0" fmla="*/ 4990147 w 4990147"/>
-              <a:gd name="connsiteY0" fmla="*/ 2229378 h 4439131"/>
-              <a:gd name="connsiteX1" fmla="*/ 917384 w 4990147"/>
-              <a:gd name="connsiteY1" fmla="*/ 4439131 h 4439131"/>
-              <a:gd name="connsiteX2" fmla="*/ 910814 w 4990147"/>
-              <a:gd name="connsiteY2" fmla="*/ 4434219 h 4439131"/>
-              <a:gd name="connsiteX3" fmla="*/ 0 w 4990147"/>
-              <a:gd name="connsiteY3" fmla="*/ 2502877 h 4439131"/>
-              <a:gd name="connsiteX4" fmla="*/ 2502877 w 4990147"/>
-              <a:gd name="connsiteY4" fmla="*/ 0 h 4439131"/>
-              <a:gd name="connsiteX5" fmla="*/ 4954904 w 4990147"/>
-              <a:gd name="connsiteY5" fmla="*/ 1998460 h 4439131"/>
-            </a:gdLst>
-            <a:ahLst/>
-            <a:cxnLst>
-              <a:cxn ang="0">
-                <a:pos x="connsiteX0" y="connsiteY0"/>
-              </a:cxn>
-              <a:cxn ang="0">
-                <a:pos x="connsiteX1" y="connsiteY1"/>
-              </a:cxn>
-              <a:cxn ang="0">
-                <a:pos x="connsiteX2" y="connsiteY2"/>
-              </a:cxn>
-              <a:cxn ang="0">
-                <a:pos x="connsiteX3" y="connsiteY3"/>
-              </a:cxn>
-              <a:cxn ang="0">
-                <a:pos x="connsiteX4" y="connsiteY4"/>
-              </a:cxn>
-              <a:cxn ang="0">
-                <a:pos x="connsiteX5" y="connsiteY5"/>
-              </a:cxn>
-            </a:cxnLst>
-            <a:rect l="l" t="t" r="r" b="b"/>
-            <a:pathLst>
-              <a:path w="4990147" h="4439131">
-                <a:moveTo>
-                  <a:pt x="4990147" y="2229378"/>
-                </a:moveTo>
-                <a:lnTo>
-                  <a:pt x="917384" y="4439131"/>
-                </a:lnTo>
-                <a:lnTo>
-                  <a:pt x="910814" y="4434219"/>
-                </a:lnTo>
-                <a:cubicBezTo>
-                  <a:pt x="354557" y="3975154"/>
-                  <a:pt x="0" y="3280421"/>
-                  <a:pt x="0" y="2502877"/>
-                </a:cubicBezTo>
-                <a:cubicBezTo>
-                  <a:pt x="0" y="1120576"/>
-                  <a:pt x="1120576" y="0"/>
-                  <a:pt x="2502877" y="0"/>
-                </a:cubicBezTo>
-                <a:cubicBezTo>
-                  <a:pt x="3712390" y="0"/>
-                  <a:pt x="4721520" y="857941"/>
-                  <a:pt x="4954904" y="1998460"/>
-                </a:cubicBezTo>
-                <a:close/>
-              </a:path>
-            </a:pathLst>
-          </a:custGeom>
-          <a:gradFill>
-            <a:gsLst>
-              <a:gs pos="0">
-                <a:schemeClr val="accent1">
-                  <a:alpha val="22000"/>
-                </a:schemeClr>
-              </a:gs>
-              <a:gs pos="87000">
-                <a:schemeClr val="accent1">
-                  <a:lumMod val="60000"/>
-                  <a:lumOff val="40000"/>
-                  <a:alpha val="2000"/>
-                </a:schemeClr>
-              </a:gs>
-            </a:gsLst>
-            <a:lin ang="8400000" scaled="0"/>
-          </a:gradFill>
-          <a:ln>
-            <a:noFill/>
-          </a:ln>
-        </p:spPr>
-        <p:style>
-          <a:lnRef idx="2">
-            <a:schemeClr val="accent1">
-              <a:shade val="50000"/>
-            </a:schemeClr>
-          </a:lnRef>
-          <a:fillRef idx="1">
-            <a:schemeClr val="accent1"/>
-          </a:fillRef>
-          <a:effectRef idx="0">
-            <a:schemeClr val="accent1"/>
-          </a:effectRef>
-          <a:fontRef idx="minor">
-            <a:schemeClr val="lt1"/>
-          </a:fontRef>
-        </p:style>
-        <p:txBody>
-          <a:bodyPr wrap="square" rtlCol="0" anchor="ctr">
-            <a:noAutofit/>
-          </a:bodyPr>
-          <a:lstStyle/>
-          <a:p>
-            <a:pPr algn="ctr"/>
-            <a:endParaRPr lang="en-US" dirty="0"/>
-          </a:p>
-        </p:txBody>
-      </p:sp>
-      <p:sp>
-        <p:nvSpPr>
-          <p:cNvPr id="2" name="Title 1"/>
-          <p:cNvSpPr>
-            <a:spLocks noGrp="1"/>
-          </p:cNvSpPr>
-          <p:nvPr>
-            <p:ph type="ctrTitle"/>
-          </p:nvPr>
-        </p:nvSpPr>
-        <p:spPr>
-          <a:xfrm>
-            <a:off x="986118" y="551329"/>
-            <a:ext cx="7540322" cy="2196353"/>
-          </a:xfrm>
-        </p:spPr>
-        <p:txBody>
-          <a:bodyPr anchor="b">
-            <a:normAutofit/>
-          </a:bodyPr>
-          <a:lstStyle/>
-          <a:p>
-            <a:pPr algn="l">
-              <a:defRPr b="1">
-                <a:solidFill>
-                  <a:srgbClr val="003366"/>
-                </a:solidFill>
-                <a:latin typeface="Times New Roman"/>
-              </a:defRPr>
-            </a:pPr>
-            <a:r>
-              <a:rPr lang="en-US" sz="3600">
-                <a:solidFill>
-                  <a:srgbClr val="FFFFFF"/>
-                </a:solidFill>
-              </a:rPr>
-              <a:t>Prédiction de Conversion Trial-to-Paid</a:t>
-            </a:r>
-          </a:p>
-        </p:txBody>
-      </p:sp>
-      <p:sp>
-        <p:nvSpPr>
-          <p:cNvPr id="3" name="Subtitle 2"/>
-          <p:cNvSpPr>
-            <a:spLocks noGrp="1"/>
-          </p:cNvSpPr>
-          <p:nvPr>
-            <p:ph type="subTitle" idx="1"/>
-          </p:nvPr>
-        </p:nvSpPr>
-        <p:spPr>
-          <a:xfrm>
-            <a:off x="1013011" y="3653118"/>
-            <a:ext cx="7504463" cy="1093693"/>
-          </a:xfrm>
-        </p:spPr>
-        <p:txBody>
-          <a:bodyPr anchor="ctr">
-            <a:normAutofit/>
-          </a:bodyPr>
-          <a:lstStyle/>
-          <a:p>
-            <a:pPr algn="l">
-              <a:defRPr>
-                <a:latin typeface="Times New Roman"/>
-              </a:defRPr>
-            </a:pPr>
-            <a:endParaRPr lang="en-JP"/>
-          </a:p>
-          <a:p>
-            <a:pPr algn="l">
-              <a:defRPr>
-                <a:latin typeface="Times New Roman"/>
-              </a:defRPr>
-            </a:pPr>
-            <a:r>
-              <a:rPr lang="en-US"/>
-              <a:t>Kolecto – 11/12/2025</a:t>
-            </a:r>
-            <a:endParaRPr lang="en-JP"/>
-          </a:p>
-        </p:txBody>
-      </p:sp>
+      </p:pic>
     </p:spTree>
   </p:cSld>
   <p:clrMapOvr>
@@ -3792,7 +3207,7 @@
 </file>
 
 <file path=ppt/slides/slide10.xml><?xml version="1.0" encoding="utf-8"?>
-<p:sld xmlns:a="http://schemas.openxmlformats.org/drawingml/2006/main" xmlns:r="http://schemas.openxmlformats.org/officeDocument/2006/relationships" xmlns:p="http://schemas.openxmlformats.org/presentationml/2006/main">
+<p:sld xmlns:a="http://schemas.openxmlformats.org/drawingml/2006/main" xmlns:p="http://schemas.openxmlformats.org/presentationml/2006/main" xmlns:r="http://schemas.openxmlformats.org/officeDocument/2006/relationships">
   <p:cSld>
     <p:spTree>
       <p:nvGrpSpPr>
@@ -3800,14 +3215,7 @@
         <p:cNvGrpSpPr/>
         <p:nvPr/>
       </p:nvGrpSpPr>
-      <p:grpSpPr>
-        <a:xfrm>
-          <a:off x="0" y="0"/>
-          <a:ext cx="0" cy="0"/>
-          <a:chOff x="0" y="0"/>
-          <a:chExt cx="0" cy="0"/>
-        </a:xfrm>
-      </p:grpSpPr>
+      <p:grpSpPr/>
       <p:sp>
         <p:nvSpPr>
           <p:cNvPr id="2" name="Title 1"/>
@@ -3824,7 +3232,7 @@
           <a:lstStyle/>
           <a:p>
             <a:pPr>
-              <a:defRPr sz="3600" b="1">
+              <a:defRPr b="1" sz="3600">
                 <a:solidFill>
                   <a:srgbClr val="003366"/>
                 </a:solidFill>
@@ -3837,6 +3245,30 @@
           </a:p>
         </p:txBody>
       </p:sp>
+      <p:pic>
+        <p:nvPicPr>
+          <p:cNvPr id="3" name="Picture 2" descr="kolecto_logo.png"/>
+          <p:cNvPicPr>
+            <a:picLocks noChangeAspect="1"/>
+          </p:cNvPicPr>
+          <p:nvPr/>
+        </p:nvPicPr>
+        <p:blipFill>
+          <a:blip r:embed="rId2"/>
+          <a:stretch>
+            <a:fillRect/>
+          </a:stretch>
+        </p:blipFill>
+        <p:spPr>
+          <a:xfrm>
+            <a:off x="7863840" y="182880"/>
+            <a:ext cx="1097280" cy="1097280"/>
+          </a:xfrm>
+          <a:prstGeom prst="rect">
+            <a:avLst/>
+          </a:prstGeom>
+        </p:spPr>
+      </p:pic>
       <p:sp>
         <p:nvSpPr>
           <p:cNvPr id="4" name="TextBox 3"/>
@@ -3845,8 +3277,8 @@
         </p:nvSpPr>
         <p:spPr>
           <a:xfrm>
-            <a:off x="1485900" y="1028700"/>
-            <a:ext cx="6172200" cy="2323713"/>
+            <a:off x="457200" y="1371600"/>
+            <a:ext cx="8229600" cy="4572000"/>
           </a:xfrm>
           <a:prstGeom prst="rect">
             <a:avLst/>
@@ -3858,104 +3290,95 @@
             <a:spAutoFit/>
           </a:bodyPr>
           <a:lstStyle/>
-          <a:p>
-            <a:endParaRPr sz="1350"/>
-          </a:p>
+          <a:p/>
           <a:p>
             <a:pPr>
               <a:spcAft>
-                <a:spcPts val="750"/>
+                <a:spcPts val="1000"/>
               </a:spcAft>
               <a:defRPr sz="1800">
                 <a:latin typeface="Times New Roman"/>
               </a:defRPr>
             </a:pPr>
             <a:r>
-              <a:rPr sz="1350"/>
               <a:t>• Résumé :</a:t>
             </a:r>
           </a:p>
           <a:p>
             <a:pPr lvl="1">
               <a:spcAft>
-                <a:spcPts val="750"/>
+                <a:spcPts val="1000"/>
               </a:spcAft>
               <a:defRPr sz="1600">
                 <a:latin typeface="Times New Roman"/>
               </a:defRPr>
             </a:pPr>
             <a:r>
-              <a:rPr sz="1200"/>
               <a:t>•  Modèle robuste livré (LightGBM AUC 0.790).</a:t>
             </a:r>
           </a:p>
           <a:p>
             <a:pPr lvl="1">
               <a:spcAft>
-                <a:spcPts val="750"/>
+                <a:spcPts val="1000"/>
               </a:spcAft>
               <a:defRPr sz="1600">
                 <a:latin typeface="Times New Roman"/>
               </a:defRPr>
             </a:pPr>
             <a:r>
-              <a:rPr sz="1200"/>
               <a:t>•  Leviers identifiés pour un lift de conversion de +5-8%.</a:t>
             </a:r>
           </a:p>
           <a:p>
             <a:pPr>
               <a:spcAft>
-                <a:spcPts val="750"/>
+                <a:spcPts val="1000"/>
               </a:spcAft>
               <a:defRPr sz="1800">
                 <a:latin typeface="Times New Roman"/>
               </a:defRPr>
             </a:pPr>
             <a:r>
-              <a:rPr sz="1350"/>
               <a:t>• Prochaines Étapes :</a:t>
             </a:r>
           </a:p>
           <a:p>
             <a:pPr>
               <a:spcAft>
-                <a:spcPts val="750"/>
+                <a:spcPts val="1000"/>
               </a:spcAft>
               <a:defRPr sz="1800">
                 <a:latin typeface="Times New Roman"/>
               </a:defRPr>
             </a:pPr>
             <a:r>
-              <a:rPr sz="1350"/>
               <a:t>•    1. Déployer l'API de Scoring (Containerisée).</a:t>
             </a:r>
           </a:p>
           <a:p>
             <a:pPr>
               <a:spcAft>
-                <a:spcPts val="750"/>
+                <a:spcPts val="1000"/>
               </a:spcAft>
               <a:defRPr sz="1800">
                 <a:latin typeface="Times New Roman"/>
               </a:defRPr>
             </a:pPr>
             <a:r>
-              <a:rPr sz="1350"/>
               <a:t>•    2. Lancer l'A/B Test pour les actions CX.</a:t>
             </a:r>
           </a:p>
           <a:p>
             <a:pPr>
               <a:spcAft>
-                <a:spcPts val="750"/>
+                <a:spcPts val="1000"/>
               </a:spcAft>
               <a:defRPr sz="1800">
                 <a:latin typeface="Times New Roman"/>
               </a:defRPr>
             </a:pPr>
             <a:r>
-              <a:rPr sz="1350"/>
               <a:t>•    3. Monitorer la Performance (MLflow) &amp; Collecter plus de données.</a:t>
             </a:r>
           </a:p>
@@ -3970,7 +3393,7 @@
 </file>
 
 <file path=ppt/slides/slide2.xml><?xml version="1.0" encoding="utf-8"?>
-<p:sld xmlns:a="http://schemas.openxmlformats.org/drawingml/2006/main" xmlns:r="http://schemas.openxmlformats.org/officeDocument/2006/relationships" xmlns:p="http://schemas.openxmlformats.org/presentationml/2006/main">
+<p:sld xmlns:a="http://schemas.openxmlformats.org/drawingml/2006/main" xmlns:p="http://schemas.openxmlformats.org/presentationml/2006/main" xmlns:r="http://schemas.openxmlformats.org/officeDocument/2006/relationships">
   <p:cSld>
     <p:spTree>
       <p:nvGrpSpPr>
@@ -3978,14 +3401,7 @@
         <p:cNvGrpSpPr/>
         <p:nvPr/>
       </p:nvGrpSpPr>
-      <p:grpSpPr>
-        <a:xfrm>
-          <a:off x="0" y="0"/>
-          <a:ext cx="0" cy="0"/>
-          <a:chOff x="0" y="0"/>
-          <a:chExt cx="0" cy="0"/>
-        </a:xfrm>
-      </p:grpSpPr>
+      <p:grpSpPr/>
       <p:sp>
         <p:nvSpPr>
           <p:cNvPr id="2" name="Title 1"/>
@@ -4002,7 +3418,7 @@
           <a:lstStyle/>
           <a:p>
             <a:pPr>
-              <a:defRPr sz="3600" b="1">
+              <a:defRPr b="1" sz="3600">
                 <a:solidFill>
                   <a:srgbClr val="003366"/>
                 </a:solidFill>
@@ -4010,37 +3426,35 @@
               </a:defRPr>
             </a:pPr>
             <a:r>
-              <a:rPr lang="en-US" dirty="0" err="1">
-                <a:solidFill>
-                  <a:schemeClr val="bg1"/>
-                </a:solidFill>
-              </a:rPr>
-              <a:t>Contexte</a:t>
-            </a:r>
-            <a:r>
-              <a:rPr lang="en-US" dirty="0">
-                <a:solidFill>
-                  <a:schemeClr val="bg1"/>
-                </a:solidFill>
-              </a:rPr>
-              <a:t> Business &amp; </a:t>
-            </a:r>
-            <a:r>
-              <a:rPr lang="en-US" dirty="0" err="1">
-                <a:solidFill>
-                  <a:schemeClr val="bg1"/>
-                </a:solidFill>
-              </a:rPr>
-              <a:t>Objectifs</a:t>
-            </a:r>
-            <a:endParaRPr lang="en-US" dirty="0">
-              <a:solidFill>
-                <a:schemeClr val="bg1"/>
-              </a:solidFill>
-            </a:endParaRPr>
-          </a:p>
-        </p:txBody>
-      </p:sp>
+              <a:t>Contexte Business &amp; Objectifs</a:t>
+            </a:r>
+          </a:p>
+        </p:txBody>
+      </p:sp>
+      <p:pic>
+        <p:nvPicPr>
+          <p:cNvPr id="3" name="Picture 2" descr="kolecto_logo.png"/>
+          <p:cNvPicPr>
+            <a:picLocks noChangeAspect="1"/>
+          </p:cNvPicPr>
+          <p:nvPr/>
+        </p:nvPicPr>
+        <p:blipFill>
+          <a:blip r:embed="rId2"/>
+          <a:stretch>
+            <a:fillRect/>
+          </a:stretch>
+        </p:blipFill>
+        <p:spPr>
+          <a:xfrm>
+            <a:off x="7863840" y="182880"/>
+            <a:ext cx="1097280" cy="1097280"/>
+          </a:xfrm>
+          <a:prstGeom prst="rect">
+            <a:avLst/>
+          </a:prstGeom>
+        </p:spPr>
+      </p:pic>
       <p:sp>
         <p:nvSpPr>
           <p:cNvPr id="4" name="TextBox 3"/>
@@ -4049,8 +3463,8 @@
         </p:nvSpPr>
         <p:spPr>
           <a:xfrm>
-            <a:off x="1485900" y="1028701"/>
-            <a:ext cx="6172200" cy="2852063"/>
+            <a:off x="457200" y="1371600"/>
+            <a:ext cx="8229600" cy="4572000"/>
           </a:xfrm>
           <a:prstGeom prst="rect">
             <a:avLst/>
@@ -4062,132 +3476,121 @@
             <a:spAutoFit/>
           </a:bodyPr>
           <a:lstStyle/>
-          <a:p>
-            <a:endParaRPr lang="en-US" sz="1350"/>
-          </a:p>
+          <a:p/>
           <a:p>
             <a:pPr>
               <a:spcAft>
-                <a:spcPts val="750"/>
+                <a:spcPts val="1000"/>
               </a:spcAft>
               <a:defRPr sz="1800">
                 <a:latin typeface="Times New Roman"/>
               </a:defRPr>
             </a:pPr>
             <a:r>
-              <a:rPr lang="en-US" sz="1350"/>
               <a:t>• Contexte :</a:t>
             </a:r>
           </a:p>
           <a:p>
             <a:pPr lvl="1">
               <a:spcAft>
-                <a:spcPts val="750"/>
+                <a:spcPts val="1000"/>
               </a:spcAft>
               <a:defRPr sz="1600">
                 <a:latin typeface="Times New Roman"/>
               </a:defRPr>
             </a:pPr>
             <a:r>
-              <a:rPr lang="en-US" sz="1200"/>
               <a:t>•  Kolecto propose un essai gratuit de 15 jours convertissant en abonnement payant.</a:t>
             </a:r>
           </a:p>
           <a:p>
             <a:pPr lvl="1">
               <a:spcAft>
-                <a:spcPts val="750"/>
+                <a:spcPts val="1000"/>
               </a:spcAft>
               <a:defRPr sz="1600">
                 <a:latin typeface="Times New Roman"/>
               </a:defRPr>
             </a:pPr>
             <a:r>
-              <a:rPr lang="en-US" sz="1200"/>
               <a:t>•  Taux de conversion actuel : ~60% (Satisfaisant mais perfectible).</a:t>
             </a:r>
           </a:p>
           <a:p>
             <a:pPr>
               <a:spcAft>
-                <a:spcPts val="750"/>
+                <a:spcPts val="1000"/>
               </a:spcAft>
               <a:defRPr sz="1800">
                 <a:latin typeface="Times New Roman"/>
               </a:defRPr>
             </a:pPr>
             <a:r>
-              <a:rPr lang="en-US" sz="1350"/>
               <a:t>• Challenge :</a:t>
             </a:r>
           </a:p>
           <a:p>
             <a:pPr lvl="1">
               <a:spcAft>
-                <a:spcPts val="750"/>
+                <a:spcPts val="1000"/>
               </a:spcAft>
               <a:defRPr sz="1600">
                 <a:latin typeface="Times New Roman"/>
               </a:defRPr>
             </a:pPr>
             <a:r>
-              <a:rPr lang="en-US" sz="1200"/>
               <a:t>•  Identifier tôt les signaux précurseurs (succès vs désabonnement).</a:t>
             </a:r>
           </a:p>
           <a:p>
             <a:pPr lvl="1">
               <a:spcAft>
-                <a:spcPts val="750"/>
+                <a:spcPts val="1000"/>
               </a:spcAft>
               <a:defRPr sz="1600">
                 <a:latin typeface="Times New Roman"/>
               </a:defRPr>
             </a:pPr>
             <a:r>
-              <a:rPr lang="en-US" sz="1200"/>
               <a:t>•  Permettre des actions ciblées par l'équipe Customer Experience (CX).</a:t>
             </a:r>
           </a:p>
           <a:p>
             <a:pPr>
               <a:spcAft>
-                <a:spcPts val="750"/>
+                <a:spcPts val="1000"/>
               </a:spcAft>
               <a:defRPr sz="1800">
                 <a:latin typeface="Times New Roman"/>
               </a:defRPr>
             </a:pPr>
             <a:r>
-              <a:rPr lang="en-US" sz="1350"/>
               <a:t>• Objectifs :</a:t>
             </a:r>
           </a:p>
           <a:p>
             <a:pPr lvl="1">
               <a:spcAft>
-                <a:spcPts val="750"/>
+                <a:spcPts val="1000"/>
               </a:spcAft>
               <a:defRPr sz="1600">
                 <a:latin typeface="Times New Roman"/>
               </a:defRPr>
             </a:pPr>
             <a:r>
-              <a:rPr lang="en-US" sz="1200"/>
               <a:t>•  Analyser les facteurs différenciants (Convertis vs Non-Convertis).</a:t>
             </a:r>
           </a:p>
           <a:p>
             <a:pPr lvl="1">
               <a:spcAft>
-                <a:spcPts val="750"/>
+                <a:spcPts val="1000"/>
               </a:spcAft>
               <a:defRPr sz="1600">
                 <a:latin typeface="Times New Roman"/>
               </a:defRPr>
             </a:pPr>
             <a:r>
-              <a:rPr lang="en-US" sz="1200"/>
               <a:t>•  Construire un modèle ML pour prédire la probabilité de conversion.</a:t>
             </a:r>
           </a:p>
@@ -4202,7 +3605,7 @@
 </file>
 
 <file path=ppt/slides/slide3.xml><?xml version="1.0" encoding="utf-8"?>
-<p:sld xmlns:a="http://schemas.openxmlformats.org/drawingml/2006/main" xmlns:r="http://schemas.openxmlformats.org/officeDocument/2006/relationships" xmlns:p="http://schemas.openxmlformats.org/presentationml/2006/main">
+<p:sld xmlns:a="http://schemas.openxmlformats.org/drawingml/2006/main" xmlns:p="http://schemas.openxmlformats.org/presentationml/2006/main" xmlns:r="http://schemas.openxmlformats.org/officeDocument/2006/relationships">
   <p:cSld>
     <p:spTree>
       <p:nvGrpSpPr>
@@ -4210,14 +3613,7 @@
         <p:cNvGrpSpPr/>
         <p:nvPr/>
       </p:nvGrpSpPr>
-      <p:grpSpPr>
-        <a:xfrm>
-          <a:off x="0" y="0"/>
-          <a:ext cx="0" cy="0"/>
-          <a:chOff x="0" y="0"/>
-          <a:chExt cx="0" cy="0"/>
-        </a:xfrm>
-      </p:grpSpPr>
+      <p:grpSpPr/>
       <p:sp>
         <p:nvSpPr>
           <p:cNvPr id="2" name="Title 1"/>
@@ -4230,13 +3626,11 @@
         </p:nvSpPr>
         <p:spPr/>
         <p:txBody>
-          <a:bodyPr>
-            <a:normAutofit fontScale="90000"/>
-          </a:bodyPr>
+          <a:bodyPr/>
           <a:lstStyle/>
           <a:p>
             <a:pPr>
-              <a:defRPr sz="3600" b="1">
+              <a:defRPr b="1" sz="3600">
                 <a:solidFill>
                   <a:srgbClr val="003366"/>
                 </a:solidFill>
@@ -4249,6 +3643,30 @@
           </a:p>
         </p:txBody>
       </p:sp>
+      <p:pic>
+        <p:nvPicPr>
+          <p:cNvPr id="3" name="Picture 2" descr="kolecto_logo.png"/>
+          <p:cNvPicPr>
+            <a:picLocks noChangeAspect="1"/>
+          </p:cNvPicPr>
+          <p:nvPr/>
+        </p:nvPicPr>
+        <p:blipFill>
+          <a:blip r:embed="rId2"/>
+          <a:stretch>
+            <a:fillRect/>
+          </a:stretch>
+        </p:blipFill>
+        <p:spPr>
+          <a:xfrm>
+            <a:off x="7863840" y="182880"/>
+            <a:ext cx="1097280" cy="1097280"/>
+          </a:xfrm>
+          <a:prstGeom prst="rect">
+            <a:avLst/>
+          </a:prstGeom>
+        </p:spPr>
+      </p:pic>
       <p:graphicFrame>
         <p:nvGraphicFramePr>
           <p:cNvPr id="4" name="Table 3"/>
@@ -4258,8 +3676,8 @@
           <p:nvPr/>
         </p:nvGraphicFramePr>
         <p:xfrm>
-          <a:off x="1828800" y="1371600"/>
-          <a:ext cx="5486400" cy="1165860"/>
+          <a:off x="914400" y="1828800"/>
+          <a:ext cx="7315200" cy="1371600"/>
         </p:xfrm>
         <a:graphic>
           <a:graphicData uri="http://schemas.openxmlformats.org/drawingml/2006/table">
@@ -4268,36 +3686,12 @@
                 <a:tableStyleId>{5C22544A-7EE6-4342-B048-85BDC9FD1C3A}</a:tableStyleId>
               </a:tblPr>
               <a:tblGrid>
-                <a:gridCol w="1371600">
-                  <a:extLst>
-                    <a:ext uri="{9D8B030D-6E8A-4147-A177-3AD203B41FA5}">
-                      <a16:colId xmlns:a16="http://schemas.microsoft.com/office/drawing/2014/main" val="20000"/>
-                    </a:ext>
-                  </a:extLst>
-                </a:gridCol>
-                <a:gridCol w="1371600">
-                  <a:extLst>
-                    <a:ext uri="{9D8B030D-6E8A-4147-A177-3AD203B41FA5}">
-                      <a16:colId xmlns:a16="http://schemas.microsoft.com/office/drawing/2014/main" val="20001"/>
-                    </a:ext>
-                  </a:extLst>
-                </a:gridCol>
-                <a:gridCol w="1371600">
-                  <a:extLst>
-                    <a:ext uri="{9D8B030D-6E8A-4147-A177-3AD203B41FA5}">
-                      <a16:colId xmlns:a16="http://schemas.microsoft.com/office/drawing/2014/main" val="20002"/>
-                    </a:ext>
-                  </a:extLst>
-                </a:gridCol>
-                <a:gridCol w="1371600">
-                  <a:extLst>
-                    <a:ext uri="{9D8B030D-6E8A-4147-A177-3AD203B41FA5}">
-                      <a16:colId xmlns:a16="http://schemas.microsoft.com/office/drawing/2014/main" val="20003"/>
-                    </a:ext>
-                  </a:extLst>
-                </a:gridCol>
+                <a:gridCol w="1828800"/>
+                <a:gridCol w="1828800"/>
+                <a:gridCol w="1828800"/>
+                <a:gridCol w="1828800"/>
               </a:tblGrid>
-              <a:tr h="342900">
+              <a:tr h="457200">
                 <a:tc>
                   <a:txBody>
                     <a:bodyPr/>
@@ -4312,12 +3706,11 @@
                         </a:defRPr>
                       </a:pPr>
                       <a:r>
-                        <a:rPr sz="1400"/>
                         <a:t>Jeu de Données</a:t>
                       </a:r>
                     </a:p>
                   </a:txBody>
-                  <a:tcPr marL="68580" marR="68580" marT="34290" marB="34290">
+                  <a:tcPr>
                     <a:solidFill>
                       <a:srgbClr val="003366"/>
                     </a:solidFill>
@@ -4337,12 +3730,11 @@
                         </a:defRPr>
                       </a:pPr>
                       <a:r>
-                        <a:rPr sz="1400"/>
                         <a:t>Taille</a:t>
                       </a:r>
                     </a:p>
                   </a:txBody>
-                  <a:tcPr marL="68580" marR="68580" marT="34290" marB="34290">
+                  <a:tcPr>
                     <a:solidFill>
                       <a:srgbClr val="003366"/>
                     </a:solidFill>
@@ -4362,12 +3754,11 @@
                         </a:defRPr>
                       </a:pPr>
                       <a:r>
-                        <a:rPr sz="1400"/>
                         <a:t>Description</a:t>
                       </a:r>
                     </a:p>
                   </a:txBody>
-                  <a:tcPr marL="68580" marR="68580" marT="34290" marB="34290">
+                  <a:tcPr>
                     <a:solidFill>
                       <a:srgbClr val="003366"/>
                     </a:solidFill>
@@ -4387,24 +3778,18 @@
                         </a:defRPr>
                       </a:pPr>
                       <a:r>
-                        <a:rPr sz="1400"/>
                         <a:t>Prétraitement</a:t>
                       </a:r>
                     </a:p>
                   </a:txBody>
-                  <a:tcPr marL="68580" marR="68580" marT="34290" marB="34290">
+                  <a:tcPr>
                     <a:solidFill>
                       <a:srgbClr val="003366"/>
                     </a:solidFill>
                   </a:tcPr>
                 </a:tc>
-                <a:extLst>
-                  <a:ext uri="{0D108BD9-81ED-4DB2-BD59-A6C34878D82A}">
-                    <a16:rowId xmlns:a16="http://schemas.microsoft.com/office/drawing/2014/main" val="10000"/>
-                  </a:ext>
-                </a:extLst>
               </a:tr>
-              <a:tr h="480060">
+              <a:tr h="457200">
                 <a:tc>
                   <a:txBody>
                     <a:bodyPr/>
@@ -4416,12 +3801,11 @@
                         </a:defRPr>
                       </a:pPr>
                       <a:r>
-                        <a:rPr sz="900"/>
                         <a:t>Daily Usage</a:t>
                       </a:r>
                     </a:p>
                   </a:txBody>
-                  <a:tcPr marL="68580" marR="68580" marT="34290" marB="34290"/>
+                  <a:tcPr/>
                 </a:tc>
                 <a:tc>
                   <a:txBody>
@@ -4434,12 +3818,11 @@
                         </a:defRPr>
                       </a:pPr>
                       <a:r>
-                        <a:rPr sz="900"/>
                         <a:t>~11k lignes</a:t>
                       </a:r>
                     </a:p>
                   </a:txBody>
-                  <a:tcPr marL="68580" marR="68580" marT="34290" marB="34290"/>
+                  <a:tcPr/>
                 </a:tc>
                 <a:tc>
                   <a:txBody>
@@ -4452,12 +3835,11 @@
                         </a:defRPr>
                       </a:pPr>
                       <a:r>
-                        <a:rPr sz="900"/>
                         <a:t>Logs d'activité (Virements, Connexions)</a:t>
                       </a:r>
                     </a:p>
                   </a:txBody>
-                  <a:tcPr marL="68580" marR="68580" marT="34290" marB="34290"/>
+                  <a:tcPr/>
                 </a:tc>
                 <a:tc>
                   <a:txBody>
@@ -4470,20 +3852,14 @@
                         </a:defRPr>
                       </a:pPr>
                       <a:r>
-                        <a:rPr sz="900"/>
                         <a:t>Agrégation (Somme/Moyenne/Max/Std)</a:t>
                       </a:r>
                     </a:p>
                   </a:txBody>
-                  <a:tcPr marL="68580" marR="68580" marT="34290" marB="34290"/>
+                  <a:tcPr/>
                 </a:tc>
-                <a:extLst>
-                  <a:ext uri="{0D108BD9-81ED-4DB2-BD59-A6C34878D82A}">
-                    <a16:rowId xmlns:a16="http://schemas.microsoft.com/office/drawing/2014/main" val="10001"/>
-                  </a:ext>
-                </a:extLst>
               </a:tr>
-              <a:tr h="342900">
+              <a:tr h="457200">
                 <a:tc>
                   <a:txBody>
                     <a:bodyPr/>
@@ -4495,12 +3871,11 @@
                         </a:defRPr>
                       </a:pPr>
                       <a:r>
-                        <a:rPr sz="900"/>
                         <a:t>Subscriptions</a:t>
                       </a:r>
                     </a:p>
                   </a:txBody>
-                  <a:tcPr marL="68580" marR="68580" marT="34290" marB="34290"/>
+                  <a:tcPr/>
                 </a:tc>
                 <a:tc>
                   <a:txBody>
@@ -4513,12 +3888,11 @@
                         </a:defRPr>
                       </a:pPr>
                       <a:r>
-                        <a:rPr sz="900"/>
                         <a:t>416 essais</a:t>
                       </a:r>
                     </a:p>
                   </a:txBody>
-                  <a:tcPr marL="68580" marR="68580" marT="34290" marB="34290"/>
+                  <a:tcPr/>
                 </a:tc>
                 <a:tc>
                   <a:txBody>
@@ -4531,12 +3905,11 @@
                         </a:defRPr>
                       </a:pPr>
                       <a:r>
-                        <a:rPr sz="900"/>
                         <a:t>Profil Entreprise (CA, Code NAF)</a:t>
                       </a:r>
                     </a:p>
                   </a:txBody>
-                  <a:tcPr marL="68580" marR="68580" marT="34290" marB="34290"/>
+                  <a:tcPr/>
                 </a:tc>
                 <a:tc>
                   <a:txBody>
@@ -4549,18 +3922,12 @@
                         </a:defRPr>
                       </a:pPr>
                       <a:r>
-                        <a:rPr sz="900"/>
                         <a:t>Fusion, Imputation, Encodage OneHot</a:t>
                       </a:r>
                     </a:p>
                   </a:txBody>
-                  <a:tcPr marL="68580" marR="68580" marT="34290" marB="34290"/>
+                  <a:tcPr/>
                 </a:tc>
-                <a:extLst>
-                  <a:ext uri="{0D108BD9-81ED-4DB2-BD59-A6C34878D82A}">
-                    <a16:rowId xmlns:a16="http://schemas.microsoft.com/office/drawing/2014/main" val="10002"/>
-                  </a:ext>
-                </a:extLst>
               </a:tr>
             </a:tbl>
           </a:graphicData>
@@ -4574,8 +3941,8 @@
         </p:nvSpPr>
         <p:spPr>
           <a:xfrm>
-            <a:off x="1828800" y="2537460"/>
-            <a:ext cx="3312125" cy="623248"/>
+            <a:off x="914400" y="3383280"/>
+            <a:ext cx="7315200" cy="914400"/>
           </a:xfrm>
           <a:prstGeom prst="rect">
             <a:avLst/>
@@ -4587,9 +3954,7 @@
             <a:spAutoFit/>
           </a:bodyPr>
           <a:lstStyle/>
-          <a:p>
-            <a:endParaRPr sz="1350"/>
-          </a:p>
+          <a:p/>
           <a:p>
             <a:pPr>
               <a:defRPr sz="1400" i="1">
@@ -4597,7 +3962,6 @@
               </a:defRPr>
             </a:pPr>
             <a:r>
-              <a:rPr sz="1050"/>
               <a:t>Stats Clés : Échantillon Total : 416 essais complets.</a:t>
             </a:r>
           </a:p>
@@ -4608,7 +3972,6 @@
               </a:defRPr>
             </a:pPr>
             <a:r>
-              <a:rPr sz="1050"/>
               <a:t>Taux de Conversion : 60.7% (Déséquilibré mais gérable).</a:t>
             </a:r>
           </a:p>
@@ -4623,7 +3986,7 @@
 </file>
 
 <file path=ppt/slides/slide4.xml><?xml version="1.0" encoding="utf-8"?>
-<p:sld xmlns:a="http://schemas.openxmlformats.org/drawingml/2006/main" xmlns:r="http://schemas.openxmlformats.org/officeDocument/2006/relationships" xmlns:p="http://schemas.openxmlformats.org/presentationml/2006/main">
+<p:sld xmlns:a="http://schemas.openxmlformats.org/drawingml/2006/main" xmlns:p="http://schemas.openxmlformats.org/presentationml/2006/main" xmlns:r="http://schemas.openxmlformats.org/officeDocument/2006/relationships">
   <p:cSld>
     <p:spTree>
       <p:nvGrpSpPr>
@@ -4631,14 +3994,7 @@
         <p:cNvGrpSpPr/>
         <p:nvPr/>
       </p:nvGrpSpPr>
-      <p:grpSpPr>
-        <a:xfrm>
-          <a:off x="0" y="0"/>
-          <a:ext cx="0" cy="0"/>
-          <a:chOff x="0" y="0"/>
-          <a:chExt cx="0" cy="0"/>
-        </a:xfrm>
-      </p:grpSpPr>
+      <p:grpSpPr/>
       <p:sp>
         <p:nvSpPr>
           <p:cNvPr id="2" name="Title 1"/>
@@ -4655,7 +4011,7 @@
           <a:lstStyle/>
           <a:p>
             <a:pPr>
-              <a:defRPr sz="3600" b="1">
+              <a:defRPr b="1" sz="3600">
                 <a:solidFill>
                   <a:srgbClr val="003366"/>
                 </a:solidFill>
@@ -4684,8 +4040,8 @@
         </p:blipFill>
         <p:spPr>
           <a:xfrm>
-            <a:off x="7040880" y="137160"/>
-            <a:ext cx="822960" cy="822960"/>
+            <a:off x="7863840" y="182880"/>
+            <a:ext cx="1097280" cy="1097280"/>
           </a:xfrm>
           <a:prstGeom prst="rect">
             <a:avLst/>
@@ -4700,8 +4056,8 @@
         </p:nvSpPr>
         <p:spPr>
           <a:xfrm>
-            <a:off x="1485900" y="1028700"/>
-            <a:ext cx="6172200" cy="3139321"/>
+            <a:off x="457200" y="1371600"/>
+            <a:ext cx="8229600" cy="4572000"/>
           </a:xfrm>
           <a:prstGeom prst="rect">
             <a:avLst/>
@@ -4713,146 +4069,134 @@
             <a:spAutoFit/>
           </a:bodyPr>
           <a:lstStyle/>
-          <a:p>
-            <a:endParaRPr sz="1350"/>
-          </a:p>
+          <a:p/>
           <a:p>
             <a:pPr>
               <a:spcAft>
-                <a:spcPts val="750"/>
+                <a:spcPts val="1000"/>
               </a:spcAft>
               <a:defRPr sz="1800">
                 <a:latin typeface="Times New Roman"/>
               </a:defRPr>
             </a:pPr>
             <a:r>
-              <a:rPr sz="1350"/>
               <a:t>• Stratégie :</a:t>
             </a:r>
           </a:p>
           <a:p>
             <a:pPr lvl="1">
               <a:spcAft>
-                <a:spcPts val="750"/>
+                <a:spcPts val="1000"/>
               </a:spcAft>
               <a:defRPr sz="1600">
                 <a:latin typeface="Times New Roman"/>
               </a:defRPr>
             </a:pPr>
             <a:r>
-              <a:rPr sz="1200"/>
               <a:t>•  Features Tabulaires (157 dims) pour modèles Arborescents.</a:t>
             </a:r>
           </a:p>
           <a:p>
             <a:pPr lvl="1">
               <a:spcAft>
-                <a:spcPts val="750"/>
+                <a:spcPts val="1000"/>
               </a:spcAft>
               <a:defRPr sz="1600">
                 <a:latin typeface="Times New Roman"/>
               </a:defRPr>
             </a:pPr>
             <a:r>
-              <a:rPr sz="1200"/>
               <a:t>•  Données Séquentielles (15 jours) pour le Deep Learning.</a:t>
             </a:r>
           </a:p>
           <a:p>
             <a:pPr>
               <a:spcAft>
-                <a:spcPts val="750"/>
+                <a:spcPts val="1000"/>
               </a:spcAft>
               <a:defRPr sz="1800">
                 <a:latin typeface="Times New Roman"/>
               </a:defRPr>
             </a:pPr>
             <a:r>
-              <a:rPr sz="1350"/>
               <a:t>• Modèles Entraînés :</a:t>
             </a:r>
           </a:p>
           <a:p>
             <a:pPr lvl="1">
               <a:spcAft>
-                <a:spcPts val="750"/>
+                <a:spcPts val="1000"/>
               </a:spcAft>
               <a:defRPr sz="1600">
                 <a:latin typeface="Times New Roman"/>
               </a:defRPr>
             </a:pPr>
             <a:r>
-              <a:rPr sz="1200"/>
               <a:t>•  Logistic Regression (Baseline).</a:t>
             </a:r>
           </a:p>
           <a:p>
             <a:pPr lvl="1">
               <a:spcAft>
-                <a:spcPts val="750"/>
+                <a:spcPts val="1000"/>
               </a:spcAft>
               <a:defRPr sz="1600">
                 <a:latin typeface="Times New Roman"/>
               </a:defRPr>
             </a:pPr>
             <a:r>
-              <a:rPr sz="1200"/>
               <a:t>•  XGBoost &amp; LightGBM (Gradient Boosting optimisé avec Optuna).</a:t>
             </a:r>
           </a:p>
           <a:p>
             <a:pPr lvl="1">
               <a:spcAft>
-                <a:spcPts val="750"/>
+                <a:spcPts val="1000"/>
               </a:spcAft>
               <a:defRPr sz="1600">
                 <a:latin typeface="Times New Roman"/>
               </a:defRPr>
             </a:pPr>
             <a:r>
-              <a:rPr sz="1200"/>
               <a:t>•  GRU &amp; Transformer (Modélisation séquentielle des signaux temporel).</a:t>
             </a:r>
           </a:p>
           <a:p>
             <a:pPr>
               <a:spcAft>
-                <a:spcPts val="750"/>
+                <a:spcPts val="1000"/>
               </a:spcAft>
               <a:defRPr sz="1800">
                 <a:latin typeface="Times New Roman"/>
               </a:defRPr>
             </a:pPr>
             <a:r>
-              <a:rPr sz="1350"/>
               <a:t>• Métriques d'Évaluation :</a:t>
             </a:r>
           </a:p>
           <a:p>
             <a:pPr lvl="1">
               <a:spcAft>
-                <a:spcPts val="750"/>
+                <a:spcPts val="1000"/>
               </a:spcAft>
               <a:defRPr sz="1600">
                 <a:latin typeface="Times New Roman"/>
               </a:defRPr>
             </a:pPr>
             <a:r>
-              <a:rPr sz="1200"/>
               <a:t>•  ROC-AUC : Capacité de discrimination (Métrique Principale).</a:t>
             </a:r>
           </a:p>
           <a:p>
             <a:pPr lvl="1">
               <a:spcAft>
-                <a:spcPts val="750"/>
+                <a:spcPts val="1000"/>
               </a:spcAft>
               <a:defRPr sz="1600">
                 <a:latin typeface="Times New Roman"/>
               </a:defRPr>
             </a:pPr>
             <a:r>
-              <a:rPr sz="1200"/>
               <a:t>•  PR-AUC : Précision-Rappel (Critique pour l'imbalance).</a:t>
             </a:r>
           </a:p>
@@ -4867,7 +4211,7 @@
 </file>
 
 <file path=ppt/slides/slide5.xml><?xml version="1.0" encoding="utf-8"?>
-<p:sld xmlns:a="http://schemas.openxmlformats.org/drawingml/2006/main" xmlns:r="http://schemas.openxmlformats.org/officeDocument/2006/relationships" xmlns:p="http://schemas.openxmlformats.org/presentationml/2006/main">
+<p:sld xmlns:a="http://schemas.openxmlformats.org/drawingml/2006/main" xmlns:p="http://schemas.openxmlformats.org/presentationml/2006/main" xmlns:r="http://schemas.openxmlformats.org/officeDocument/2006/relationships">
   <p:cSld>
     <p:spTree>
       <p:nvGrpSpPr>
@@ -4875,14 +4219,7 @@
         <p:cNvGrpSpPr/>
         <p:nvPr/>
       </p:nvGrpSpPr>
-      <p:grpSpPr>
-        <a:xfrm>
-          <a:off x="0" y="0"/>
-          <a:ext cx="0" cy="0"/>
-          <a:chOff x="0" y="0"/>
-          <a:chExt cx="0" cy="0"/>
-        </a:xfrm>
-      </p:grpSpPr>
+      <p:grpSpPr/>
       <p:sp>
         <p:nvSpPr>
           <p:cNvPr id="2" name="Title 1"/>
@@ -4899,7 +4236,7 @@
           <a:lstStyle/>
           <a:p>
             <a:pPr>
-              <a:defRPr sz="3600" b="1">
+              <a:defRPr b="1" sz="3600">
                 <a:solidFill>
                   <a:srgbClr val="003366"/>
                 </a:solidFill>
@@ -4912,23 +4249,41 @@
           </a:p>
         </p:txBody>
       </p:sp>
+      <p:pic>
+        <p:nvPicPr>
+          <p:cNvPr id="3" name="Picture 2" descr="kolecto_logo.png"/>
+          <p:cNvPicPr>
+            <a:picLocks noChangeAspect="1"/>
+          </p:cNvPicPr>
+          <p:nvPr/>
+        </p:nvPicPr>
+        <p:blipFill>
+          <a:blip r:embed="rId2"/>
+          <a:stretch>
+            <a:fillRect/>
+          </a:stretch>
+        </p:blipFill>
+        <p:spPr>
+          <a:xfrm>
+            <a:off x="7863840" y="182880"/>
+            <a:ext cx="1097280" cy="1097280"/>
+          </a:xfrm>
+          <a:prstGeom prst="rect">
+            <a:avLst/>
+          </a:prstGeom>
+        </p:spPr>
+      </p:pic>
       <p:graphicFrame>
         <p:nvGraphicFramePr>
           <p:cNvPr id="4" name="Table 3"/>
           <p:cNvGraphicFramePr>
             <a:graphicFrameLocks noGrp="1"/>
           </p:cNvGraphicFramePr>
-          <p:nvPr>
-            <p:extLst>
-              <p:ext uri="{D42A27DB-BD31-4B8C-83A1-F6EECF244321}">
-                <p14:modId xmlns:p14="http://schemas.microsoft.com/office/powerpoint/2010/main" val="3058679664"/>
-              </p:ext>
-            </p:extLst>
-          </p:nvPr>
+          <p:nvPr/>
         </p:nvGraphicFramePr>
         <p:xfrm>
-          <a:off x="1828800" y="1371600"/>
-          <a:ext cx="5212080" cy="1678158"/>
+          <a:off x="914400" y="1828800"/>
+          <a:ext cx="7315200" cy="2743200"/>
         </p:xfrm>
         <a:graphic>
           <a:graphicData uri="http://schemas.openxmlformats.org/drawingml/2006/table">
@@ -4937,43 +4292,13 @@
                 <a:tableStyleId>{5C22544A-7EE6-4342-B048-85BDC9FD1C3A}</a:tableStyleId>
               </a:tblPr>
               <a:tblGrid>
-                <a:gridCol w="1042416">
-                  <a:extLst>
-                    <a:ext uri="{9D8B030D-6E8A-4147-A177-3AD203B41FA5}">
-                      <a16:colId xmlns:a16="http://schemas.microsoft.com/office/drawing/2014/main" val="20000"/>
-                    </a:ext>
-                  </a:extLst>
-                </a:gridCol>
-                <a:gridCol w="1042416">
-                  <a:extLst>
-                    <a:ext uri="{9D8B030D-6E8A-4147-A177-3AD203B41FA5}">
-                      <a16:colId xmlns:a16="http://schemas.microsoft.com/office/drawing/2014/main" val="20001"/>
-                    </a:ext>
-                  </a:extLst>
-                </a:gridCol>
-                <a:gridCol w="1042416">
-                  <a:extLst>
-                    <a:ext uri="{9D8B030D-6E8A-4147-A177-3AD203B41FA5}">
-                      <a16:colId xmlns:a16="http://schemas.microsoft.com/office/drawing/2014/main" val="20002"/>
-                    </a:ext>
-                  </a:extLst>
-                </a:gridCol>
-                <a:gridCol w="1042416">
-                  <a:extLst>
-                    <a:ext uri="{9D8B030D-6E8A-4147-A177-3AD203B41FA5}">
-                      <a16:colId xmlns:a16="http://schemas.microsoft.com/office/drawing/2014/main" val="20003"/>
-                    </a:ext>
-                  </a:extLst>
-                </a:gridCol>
-                <a:gridCol w="1042416">
-                  <a:extLst>
-                    <a:ext uri="{9D8B030D-6E8A-4147-A177-3AD203B41FA5}">
-                      <a16:colId xmlns:a16="http://schemas.microsoft.com/office/drawing/2014/main" val="20004"/>
-                    </a:ext>
-                  </a:extLst>
-                </a:gridCol>
+                <a:gridCol w="1463040"/>
+                <a:gridCol w="1463040"/>
+                <a:gridCol w="1463040"/>
+                <a:gridCol w="1463040"/>
+                <a:gridCol w="1463040"/>
               </a:tblGrid>
-              <a:tr h="265235">
+              <a:tr h="457200">
                 <a:tc>
                   <a:txBody>
                     <a:bodyPr/>
@@ -4988,12 +4313,11 @@
                         </a:defRPr>
                       </a:pPr>
                       <a:r>
-                        <a:rPr sz="1000"/>
                         <a:t>Modèle</a:t>
                       </a:r>
                     </a:p>
                   </a:txBody>
-                  <a:tcPr marL="68580" marR="68580" marT="34290" marB="34290">
+                  <a:tcPr>
                     <a:solidFill>
                       <a:srgbClr val="003366"/>
                     </a:solidFill>
@@ -5013,12 +4337,11 @@
                         </a:defRPr>
                       </a:pPr>
                       <a:r>
-                        <a:rPr sz="1000"/>
                         <a:t>ROC-AUC</a:t>
                       </a:r>
                     </a:p>
                   </a:txBody>
-                  <a:tcPr marL="68580" marR="68580" marT="34290" marB="34290">
+                  <a:tcPr>
                     <a:solidFill>
                       <a:srgbClr val="003366"/>
                     </a:solidFill>
@@ -5038,12 +4361,11 @@
                         </a:defRPr>
                       </a:pPr>
                       <a:r>
-                        <a:rPr sz="1000"/>
                         <a:t>PR-AUC</a:t>
                       </a:r>
                     </a:p>
                   </a:txBody>
-                  <a:tcPr marL="68580" marR="68580" marT="34290" marB="34290">
+                  <a:tcPr>
                     <a:solidFill>
                       <a:srgbClr val="003366"/>
                     </a:solidFill>
@@ -5063,12 +4385,11 @@
                         </a:defRPr>
                       </a:pPr>
                       <a:r>
-                        <a:rPr sz="1000"/>
                         <a:t>Accuracy</a:t>
                       </a:r>
                     </a:p>
                   </a:txBody>
-                  <a:tcPr marL="68580" marR="68580" marT="34290" marB="34290">
+                  <a:tcPr>
                     <a:solidFill>
                       <a:srgbClr val="003366"/>
                     </a:solidFill>
@@ -5088,24 +4409,18 @@
                         </a:defRPr>
                       </a:pPr>
                       <a:r>
-                        <a:rPr sz="1000"/>
                         <a:t>Brier Score</a:t>
                       </a:r>
                     </a:p>
                   </a:txBody>
-                  <a:tcPr marL="68580" marR="68580" marT="34290" marB="34290">
+                  <a:tcPr>
                     <a:solidFill>
                       <a:srgbClr val="003366"/>
                     </a:solidFill>
                   </a:tcPr>
                 </a:tc>
-                <a:extLst>
-                  <a:ext uri="{0D108BD9-81ED-4DB2-BD59-A6C34878D82A}">
-                    <a16:rowId xmlns:a16="http://schemas.microsoft.com/office/drawing/2014/main" val="10000"/>
-                  </a:ext>
-                </a:extLst>
               </a:tr>
-              <a:tr h="342900">
+              <a:tr h="457200">
                 <a:tc>
                   <a:txBody>
                     <a:bodyPr/>
@@ -5117,12 +4432,11 @@
                         </a:defRPr>
                       </a:pPr>
                       <a:r>
-                        <a:rPr sz="900"/>
                         <a:t>LightGBM (Vainqueur)</a:t>
                       </a:r>
                     </a:p>
                   </a:txBody>
-                  <a:tcPr marL="68580" marR="68580" marT="34290" marB="34290"/>
+                  <a:tcPr/>
                 </a:tc>
                 <a:tc>
                   <a:txBody>
@@ -5135,12 +4449,11 @@
                         </a:defRPr>
                       </a:pPr>
                       <a:r>
-                        <a:rPr sz="900"/>
-                        <a:t>0.790</a:t>
+                        <a:t>0.759</a:t>
                       </a:r>
                     </a:p>
                   </a:txBody>
-                  <a:tcPr marL="68580" marR="68580" marT="34290" marB="34290"/>
+                  <a:tcPr/>
                 </a:tc>
                 <a:tc>
                   <a:txBody>
@@ -5153,12 +4466,11 @@
                         </a:defRPr>
                       </a:pPr>
                       <a:r>
-                        <a:rPr sz="900"/>
-                        <a:t>0.835</a:t>
+                        <a:t>0.795</a:t>
                       </a:r>
                     </a:p>
                   </a:txBody>
-                  <a:tcPr marL="68580" marR="68580" marT="34290" marB="34290"/>
+                  <a:tcPr/>
                 </a:tc>
                 <a:tc>
                   <a:txBody>
@@ -5171,12 +4483,11 @@
                         </a:defRPr>
                       </a:pPr>
                       <a:r>
-                        <a:rPr sz="900"/>
-                        <a:t>72.3%</a:t>
+                        <a:t>73.5%</a:t>
                       </a:r>
                     </a:p>
                   </a:txBody>
-                  <a:tcPr marL="68580" marR="68580" marT="34290" marB="34290"/>
+                  <a:tcPr/>
                 </a:tc>
                 <a:tc>
                   <a:txBody>
@@ -5189,20 +4500,14 @@
                         </a:defRPr>
                       </a:pPr>
                       <a:r>
-                        <a:rPr sz="900"/>
                         <a:t>0.193</a:t>
                       </a:r>
                     </a:p>
                   </a:txBody>
-                  <a:tcPr marL="68580" marR="68580" marT="34290" marB="34290"/>
+                  <a:tcPr/>
                 </a:tc>
-                <a:extLst>
-                  <a:ext uri="{0D108BD9-81ED-4DB2-BD59-A6C34878D82A}">
-                    <a16:rowId xmlns:a16="http://schemas.microsoft.com/office/drawing/2014/main" val="10001"/>
-                  </a:ext>
-                </a:extLst>
               </a:tr>
-              <a:tr h="265235">
+              <a:tr h="457200">
                 <a:tc>
                   <a:txBody>
                     <a:bodyPr/>
@@ -5214,12 +4519,11 @@
                         </a:defRPr>
                       </a:pPr>
                       <a:r>
-                        <a:rPr sz="900"/>
                         <a:t>GRU (RNN)</a:t>
                       </a:r>
                     </a:p>
                   </a:txBody>
-                  <a:tcPr marL="68580" marR="68580" marT="34290" marB="34290"/>
+                  <a:tcPr/>
                 </a:tc>
                 <a:tc>
                   <a:txBody>
@@ -5232,12 +4536,11 @@
                         </a:defRPr>
                       </a:pPr>
                       <a:r>
-                        <a:rPr sz="900"/>
-                        <a:t>0.713</a:t>
+                        <a:t>0.719</a:t>
                       </a:r>
                     </a:p>
                   </a:txBody>
-                  <a:tcPr marL="68580" marR="68580" marT="34290" marB="34290"/>
+                  <a:tcPr/>
                 </a:tc>
                 <a:tc>
                   <a:txBody>
@@ -5250,12 +4553,11 @@
                         </a:defRPr>
                       </a:pPr>
                       <a:r>
-                        <a:rPr sz="900"/>
-                        <a:t>0.743</a:t>
+                        <a:t>0.766</a:t>
                       </a:r>
                     </a:p>
                   </a:txBody>
-                  <a:tcPr marL="68580" marR="68580" marT="34290" marB="34290"/>
+                  <a:tcPr/>
                 </a:tc>
                 <a:tc>
                   <a:txBody>
@@ -5268,12 +4570,11 @@
                         </a:defRPr>
                       </a:pPr>
                       <a:r>
-                        <a:rPr sz="900"/>
-                        <a:t>65.1%</a:t>
+                        <a:t>68.7%</a:t>
                       </a:r>
                     </a:p>
                   </a:txBody>
-                  <a:tcPr marL="68580" marR="68580" marT="34290" marB="34290"/>
+                  <a:tcPr/>
                 </a:tc>
                 <a:tc>
                   <a:txBody>
@@ -5286,20 +4587,14 @@
                         </a:defRPr>
                       </a:pPr>
                       <a:r>
-                        <a:rPr sz="900"/>
-                        <a:t>0.217</a:t>
+                        <a:t>0.220</a:t>
                       </a:r>
                     </a:p>
                   </a:txBody>
-                  <a:tcPr marL="68580" marR="68580" marT="34290" marB="34290"/>
+                  <a:tcPr/>
                 </a:tc>
-                <a:extLst>
-                  <a:ext uri="{0D108BD9-81ED-4DB2-BD59-A6C34878D82A}">
-                    <a16:rowId xmlns:a16="http://schemas.microsoft.com/office/drawing/2014/main" val="10002"/>
-                  </a:ext>
-                </a:extLst>
               </a:tr>
-              <a:tr h="265235">
+              <a:tr h="457200">
                 <a:tc>
                   <a:txBody>
                     <a:bodyPr/>
@@ -5311,12 +4606,11 @@
                         </a:defRPr>
                       </a:pPr>
                       <a:r>
-                        <a:rPr sz="900"/>
                         <a:t>Transformer</a:t>
                       </a:r>
                     </a:p>
                   </a:txBody>
-                  <a:tcPr marL="68580" marR="68580" marT="34290" marB="34290"/>
+                  <a:tcPr/>
                 </a:tc>
                 <a:tc>
                   <a:txBody>
@@ -5329,12 +4623,11 @@
                         </a:defRPr>
                       </a:pPr>
                       <a:r>
-                        <a:rPr sz="900"/>
-                        <a:t>0.711</a:t>
+                        <a:t>0.716</a:t>
                       </a:r>
                     </a:p>
                   </a:txBody>
-                  <a:tcPr marL="68580" marR="68580" marT="34290" marB="34290"/>
+                  <a:tcPr/>
                 </a:tc>
                 <a:tc>
                   <a:txBody>
@@ -5347,12 +4640,11 @@
                         </a:defRPr>
                       </a:pPr>
                       <a:r>
-                        <a:rPr sz="900"/>
-                        <a:t>0.748</a:t>
+                        <a:t>0.730</a:t>
                       </a:r>
                     </a:p>
                   </a:txBody>
-                  <a:tcPr marL="68580" marR="68580" marT="34290" marB="34290"/>
+                  <a:tcPr/>
                 </a:tc>
                 <a:tc>
                   <a:txBody>
@@ -5365,12 +4657,11 @@
                         </a:defRPr>
                       </a:pPr>
                       <a:r>
-                        <a:rPr sz="900"/>
-                        <a:t>66.3%</a:t>
+                        <a:t>72.3%</a:t>
                       </a:r>
                     </a:p>
                   </a:txBody>
-                  <a:tcPr marL="68580" marR="68580" marT="34290" marB="34290"/>
+                  <a:tcPr/>
                 </a:tc>
                 <a:tc>
                   <a:txBody>
@@ -5383,20 +4674,14 @@
                         </a:defRPr>
                       </a:pPr>
                       <a:r>
-                        <a:rPr sz="900"/>
-                        <a:t>0.211</a:t>
+                        <a:t>0.207</a:t>
                       </a:r>
                     </a:p>
                   </a:txBody>
-                  <a:tcPr marL="68580" marR="68580" marT="34290" marB="34290"/>
+                  <a:tcPr/>
                 </a:tc>
-                <a:extLst>
-                  <a:ext uri="{0D108BD9-81ED-4DB2-BD59-A6C34878D82A}">
-                    <a16:rowId xmlns:a16="http://schemas.microsoft.com/office/drawing/2014/main" val="10003"/>
-                  </a:ext>
-                </a:extLst>
               </a:tr>
-              <a:tr h="265235">
+              <a:tr h="457200">
                 <a:tc>
                   <a:txBody>
                     <a:bodyPr/>
@@ -5408,12 +4693,11 @@
                         </a:defRPr>
                       </a:pPr>
                       <a:r>
-                        <a:rPr sz="900"/>
                         <a:t>Logistic Reg.</a:t>
                       </a:r>
                     </a:p>
                   </a:txBody>
-                  <a:tcPr marL="68580" marR="68580" marT="34290" marB="34290"/>
+                  <a:tcPr/>
                 </a:tc>
                 <a:tc>
                   <a:txBody>
@@ -5426,12 +4710,11 @@
                         </a:defRPr>
                       </a:pPr>
                       <a:r>
-                        <a:rPr sz="900"/>
                         <a:t>0.684</a:t>
                       </a:r>
                     </a:p>
                   </a:txBody>
-                  <a:tcPr marL="68580" marR="68580" marT="34290" marB="34290"/>
+                  <a:tcPr/>
                 </a:tc>
                 <a:tc>
                   <a:txBody>
@@ -5444,12 +4727,11 @@
                         </a:defRPr>
                       </a:pPr>
                       <a:r>
-                        <a:rPr sz="900"/>
                         <a:t>0.769</a:t>
                       </a:r>
                     </a:p>
                   </a:txBody>
-                  <a:tcPr marL="68580" marR="68580" marT="34290" marB="34290"/>
+                  <a:tcPr/>
                 </a:tc>
                 <a:tc>
                   <a:txBody>
@@ -5462,12 +4744,11 @@
                         </a:defRPr>
                       </a:pPr>
                       <a:r>
-                        <a:rPr sz="900"/>
                         <a:t>65.1%</a:t>
                       </a:r>
                     </a:p>
                   </a:txBody>
-                  <a:tcPr marL="68580" marR="68580" marT="34290" marB="34290"/>
+                  <a:tcPr/>
                 </a:tc>
                 <a:tc>
                   <a:txBody>
@@ -5480,20 +4761,14 @@
                         </a:defRPr>
                       </a:pPr>
                       <a:r>
-                        <a:rPr sz="900"/>
                         <a:t>0.229</a:t>
                       </a:r>
                     </a:p>
                   </a:txBody>
-                  <a:tcPr marL="68580" marR="68580" marT="34290" marB="34290"/>
+                  <a:tcPr/>
                 </a:tc>
-                <a:extLst>
-                  <a:ext uri="{0D108BD9-81ED-4DB2-BD59-A6C34878D82A}">
-                    <a16:rowId xmlns:a16="http://schemas.microsoft.com/office/drawing/2014/main" val="10004"/>
-                  </a:ext>
-                </a:extLst>
               </a:tr>
-              <a:tr h="265235">
+              <a:tr h="457200">
                 <a:tc>
                   <a:txBody>
                     <a:bodyPr/>
@@ -5505,12 +4780,11 @@
                         </a:defRPr>
                       </a:pPr>
                       <a:r>
-                        <a:rPr sz="900"/>
                         <a:t>XGBoost</a:t>
                       </a:r>
                     </a:p>
                   </a:txBody>
-                  <a:tcPr marL="68580" marR="68580" marT="34290" marB="34290"/>
+                  <a:tcPr/>
                 </a:tc>
                 <a:tc>
                   <a:txBody>
@@ -5523,12 +4797,11 @@
                         </a:defRPr>
                       </a:pPr>
                       <a:r>
-                        <a:rPr sz="900"/>
                         <a:t>0.671</a:t>
                       </a:r>
                     </a:p>
                   </a:txBody>
-                  <a:tcPr marL="68580" marR="68580" marT="34290" marB="34290"/>
+                  <a:tcPr/>
                 </a:tc>
                 <a:tc>
                   <a:txBody>
@@ -5541,12 +4814,11 @@
                         </a:defRPr>
                       </a:pPr>
                       <a:r>
-                        <a:rPr sz="900"/>
                         <a:t>0.772</a:t>
                       </a:r>
                     </a:p>
                   </a:txBody>
-                  <a:tcPr marL="68580" marR="68580" marT="34290" marB="34290"/>
+                  <a:tcPr/>
                 </a:tc>
                 <a:tc>
                   <a:txBody>
@@ -5559,12 +4831,11 @@
                         </a:defRPr>
                       </a:pPr>
                       <a:r>
-                        <a:rPr sz="900"/>
                         <a:t>63.9%</a:t>
                       </a:r>
                     </a:p>
                   </a:txBody>
-                  <a:tcPr marL="68580" marR="68580" marT="34290" marB="34290"/>
+                  <a:tcPr/>
                 </a:tc>
                 <a:tc>
                   <a:txBody>
@@ -5577,18 +4848,12 @@
                         </a:defRPr>
                       </a:pPr>
                       <a:r>
-                        <a:rPr sz="900" dirty="0"/>
                         <a:t>0.242</a:t>
                       </a:r>
                     </a:p>
                   </a:txBody>
-                  <a:tcPr marL="68580" marR="68580" marT="34290" marB="34290"/>
+                  <a:tcPr/>
                 </a:tc>
-                <a:extLst>
-                  <a:ext uri="{0D108BD9-81ED-4DB2-BD59-A6C34878D82A}">
-                    <a16:rowId xmlns:a16="http://schemas.microsoft.com/office/drawing/2014/main" val="10005"/>
-                  </a:ext>
-                </a:extLst>
               </a:tr>
             </a:tbl>
           </a:graphicData>
@@ -5603,15 +4868,15 @@
           <p:nvPr/>
         </p:nvPicPr>
         <p:blipFill>
-          <a:blip r:embed="rId2"/>
+          <a:blip r:embed="rId3"/>
           <a:stretch>
             <a:fillRect/>
           </a:stretch>
         </p:blipFill>
         <p:spPr>
           <a:xfrm>
-            <a:off x="2514600" y="3429000"/>
-            <a:ext cx="4114800" cy="1371600"/>
+            <a:off x="1828800" y="4114800"/>
+            <a:ext cx="5486400" cy="1828800"/>
           </a:xfrm>
           <a:prstGeom prst="rect">
             <a:avLst/>
@@ -5627,7 +4892,7 @@
 </file>
 
 <file path=ppt/slides/slide6.xml><?xml version="1.0" encoding="utf-8"?>
-<p:sld xmlns:a="http://schemas.openxmlformats.org/drawingml/2006/main" xmlns:r="http://schemas.openxmlformats.org/officeDocument/2006/relationships" xmlns:p="http://schemas.openxmlformats.org/presentationml/2006/main">
+<p:sld xmlns:a="http://schemas.openxmlformats.org/drawingml/2006/main" xmlns:p="http://schemas.openxmlformats.org/presentationml/2006/main" xmlns:r="http://schemas.openxmlformats.org/officeDocument/2006/relationships">
   <p:cSld>
     <p:spTree>
       <p:nvGrpSpPr>
@@ -5635,14 +4900,7 @@
         <p:cNvGrpSpPr/>
         <p:nvPr/>
       </p:nvGrpSpPr>
-      <p:grpSpPr>
-        <a:xfrm>
-          <a:off x="0" y="0"/>
-          <a:ext cx="0" cy="0"/>
-          <a:chOff x="0" y="0"/>
-          <a:chExt cx="0" cy="0"/>
-        </a:xfrm>
-      </p:grpSpPr>
+      <p:grpSpPr/>
       <p:sp>
         <p:nvSpPr>
           <p:cNvPr id="2" name="Title 1"/>
@@ -5655,13 +4913,11 @@
         </p:nvSpPr>
         <p:spPr/>
         <p:txBody>
-          <a:bodyPr>
-            <a:normAutofit fontScale="90000"/>
-          </a:bodyPr>
+          <a:bodyPr/>
           <a:lstStyle/>
           <a:p>
             <a:pPr>
-              <a:defRPr sz="3600" b="1">
+              <a:defRPr b="1" sz="3600">
                 <a:solidFill>
                   <a:srgbClr val="003366"/>
                 </a:solidFill>
@@ -5674,119 +4930,9 @@
           </a:p>
         </p:txBody>
       </p:sp>
-      <p:sp>
-        <p:nvSpPr>
-          <p:cNvPr id="4" name="TextBox 3"/>
-          <p:cNvSpPr txBox="1"/>
-          <p:nvPr/>
-        </p:nvSpPr>
-        <p:spPr>
-          <a:xfrm>
-            <a:off x="1485900" y="1028700"/>
-            <a:ext cx="6172200" cy="1664558"/>
-          </a:xfrm>
-          <a:prstGeom prst="rect">
-            <a:avLst/>
-          </a:prstGeom>
-          <a:noFill/>
-        </p:spPr>
-        <p:txBody>
-          <a:bodyPr wrap="square">
-            <a:spAutoFit/>
-          </a:bodyPr>
-          <a:lstStyle/>
-          <a:p>
-            <a:endParaRPr sz="1350"/>
-          </a:p>
-          <a:p>
-            <a:pPr>
-              <a:spcAft>
-                <a:spcPts val="375"/>
-              </a:spcAft>
-              <a:defRPr sz="1600">
-                <a:latin typeface="Times New Roman"/>
-              </a:defRPr>
-            </a:pPr>
-            <a:r>
-              <a:rPr sz="1200"/>
-              <a:t>LightGBM (Optuna) :</a:t>
-            </a:r>
-          </a:p>
-          <a:p>
-            <a:pPr lvl="1">
-              <a:spcAft>
-                <a:spcPts val="375"/>
-              </a:spcAft>
-              <a:defRPr sz="1600">
-                <a:latin typeface="Times New Roman"/>
-              </a:defRPr>
-            </a:pPr>
-            <a:r>
-              <a:rPr sz="1200"/>
-              <a:t>•  Recherche efficace (50 essais).</a:t>
-            </a:r>
-          </a:p>
-          <a:p>
-            <a:pPr lvl="1">
-              <a:spcAft>
-                <a:spcPts val="375"/>
-              </a:spcAft>
-              <a:defRPr sz="1600">
-                <a:latin typeface="Times New Roman"/>
-              </a:defRPr>
-            </a:pPr>
-            <a:r>
-              <a:rPr sz="1200"/>
-              <a:t>•  Convergence vers paramètres robustes (n_est=318, lr=0.018).</a:t>
-            </a:r>
-          </a:p>
-          <a:p>
-            <a:pPr>
-              <a:spcAft>
-                <a:spcPts val="375"/>
-              </a:spcAft>
-              <a:defRPr sz="1600">
-                <a:latin typeface="Times New Roman"/>
-              </a:defRPr>
-            </a:pPr>
-            <a:r>
-              <a:rPr sz="1200"/>
-              <a:t>Dynamique Deep Learning :</a:t>
-            </a:r>
-          </a:p>
-          <a:p>
-            <a:pPr lvl="1">
-              <a:spcAft>
-                <a:spcPts val="375"/>
-              </a:spcAft>
-              <a:defRPr sz="1600">
-                <a:latin typeface="Times New Roman"/>
-              </a:defRPr>
-            </a:pPr>
-            <a:r>
-              <a:rPr sz="1200"/>
-              <a:t>•  GRU : Bonne baisse de loss training, légère instabilité en validation.</a:t>
-            </a:r>
-          </a:p>
-          <a:p>
-            <a:pPr lvl="1">
-              <a:spcAft>
-                <a:spcPts val="375"/>
-              </a:spcAft>
-              <a:defRPr sz="1600">
-                <a:latin typeface="Times New Roman"/>
-              </a:defRPr>
-            </a:pPr>
-            <a:r>
-              <a:rPr sz="1200"/>
-              <a:t>•  Transformer : Signes d'overfitting (Train Loss &lt;&lt; Val Loss).</a:t>
-            </a:r>
-          </a:p>
-        </p:txBody>
-      </p:sp>
       <p:pic>
         <p:nvPicPr>
-          <p:cNvPr id="5" name="Picture 4" descr="lgbm_optimization_history.png"/>
+          <p:cNvPr id="3" name="Picture 2" descr="kolecto_logo.png"/>
           <p:cNvPicPr>
             <a:picLocks noChangeAspect="1"/>
           </p:cNvPicPr>
@@ -5800,8 +4946,134 @@
         </p:blipFill>
         <p:spPr>
           <a:xfrm>
-            <a:off x="5257800" y="1028700"/>
-            <a:ext cx="2857500" cy="1714500"/>
+            <a:off x="7863840" y="182880"/>
+            <a:ext cx="1097280" cy="1097280"/>
+          </a:xfrm>
+          <a:prstGeom prst="rect">
+            <a:avLst/>
+          </a:prstGeom>
+        </p:spPr>
+      </p:pic>
+      <p:sp>
+        <p:nvSpPr>
+          <p:cNvPr id="4" name="TextBox 3"/>
+          <p:cNvSpPr txBox="1"/>
+          <p:nvPr/>
+        </p:nvSpPr>
+        <p:spPr>
+          <a:xfrm>
+            <a:off x="457200" y="1371600"/>
+            <a:ext cx="8229600" cy="1828800"/>
+          </a:xfrm>
+          <a:prstGeom prst="rect">
+            <a:avLst/>
+          </a:prstGeom>
+          <a:noFill/>
+        </p:spPr>
+        <p:txBody>
+          <a:bodyPr wrap="square">
+            <a:spAutoFit/>
+          </a:bodyPr>
+          <a:lstStyle/>
+          <a:p/>
+          <a:p>
+            <a:pPr>
+              <a:spcAft>
+                <a:spcPts val="500"/>
+              </a:spcAft>
+              <a:defRPr sz="1600">
+                <a:latin typeface="Times New Roman"/>
+              </a:defRPr>
+            </a:pPr>
+            <a:r>
+              <a:t>LightGBM (Optuna) :</a:t>
+            </a:r>
+          </a:p>
+          <a:p>
+            <a:pPr lvl="1">
+              <a:spcAft>
+                <a:spcPts val="500"/>
+              </a:spcAft>
+              <a:defRPr sz="1600">
+                <a:latin typeface="Times New Roman"/>
+              </a:defRPr>
+            </a:pPr>
+            <a:r>
+              <a:t>•  Recherche efficace (50 essais).</a:t>
+            </a:r>
+          </a:p>
+          <a:p>
+            <a:pPr lvl="1">
+              <a:spcAft>
+                <a:spcPts val="500"/>
+              </a:spcAft>
+              <a:defRPr sz="1600">
+                <a:latin typeface="Times New Roman"/>
+              </a:defRPr>
+            </a:pPr>
+            <a:r>
+              <a:t>•  Convergence vers paramètres robustes (n_est=165, lr=0.011).</a:t>
+            </a:r>
+          </a:p>
+          <a:p>
+            <a:pPr>
+              <a:spcAft>
+                <a:spcPts val="500"/>
+              </a:spcAft>
+              <a:defRPr sz="1600">
+                <a:latin typeface="Times New Roman"/>
+              </a:defRPr>
+            </a:pPr>
+            <a:r>
+              <a:t>Dynamique Deep Learning :</a:t>
+            </a:r>
+          </a:p>
+          <a:p>
+            <a:pPr lvl="1">
+              <a:spcAft>
+                <a:spcPts val="500"/>
+              </a:spcAft>
+              <a:defRPr sz="1600">
+                <a:latin typeface="Times New Roman"/>
+              </a:defRPr>
+            </a:pPr>
+            <a:r>
+              <a:t>•  GRU : Bonne baisse de loss training, légère instabilité en validation.</a:t>
+            </a:r>
+          </a:p>
+          <a:p>
+            <a:pPr lvl="1">
+              <a:spcAft>
+                <a:spcPts val="500"/>
+              </a:spcAft>
+              <a:defRPr sz="1600">
+                <a:latin typeface="Times New Roman"/>
+              </a:defRPr>
+            </a:pPr>
+            <a:r>
+              <a:t>•  Transformer : Signes d'overfitting (Train Loss &lt;&lt; Val Loss).</a:t>
+            </a:r>
+          </a:p>
+        </p:txBody>
+      </p:sp>
+      <p:pic>
+        <p:nvPicPr>
+          <p:cNvPr id="5" name="Picture 4" descr="lgbm_optimization_history.png"/>
+          <p:cNvPicPr>
+            <a:picLocks noChangeAspect="1"/>
+          </p:cNvPicPr>
+          <p:nvPr/>
+        </p:nvPicPr>
+        <p:blipFill>
+          <a:blip r:embed="rId3"/>
+          <a:stretch>
+            <a:fillRect/>
+          </a:stretch>
+        </p:blipFill>
+        <p:spPr>
+          <a:xfrm>
+            <a:off x="5486400" y="1371600"/>
+            <a:ext cx="3810000" cy="2286000"/>
           </a:xfrm>
           <a:prstGeom prst="rect">
             <a:avLst/>
@@ -5817,15 +5089,15 @@
           <p:nvPr/>
         </p:nvPicPr>
         <p:blipFill>
-          <a:blip r:embed="rId3"/>
+          <a:blip r:embed="rId4"/>
           <a:stretch>
             <a:fillRect/>
           </a:stretch>
         </p:blipFill>
         <p:spPr>
           <a:xfrm>
-            <a:off x="1485900" y="3086100"/>
-            <a:ext cx="2857500" cy="1714500"/>
+            <a:off x="457200" y="4114800"/>
+            <a:ext cx="3810000" cy="2286000"/>
           </a:xfrm>
           <a:prstGeom prst="rect">
             <a:avLst/>
@@ -5841,15 +5113,15 @@
           <p:nvPr/>
         </p:nvPicPr>
         <p:blipFill>
-          <a:blip r:embed="rId4"/>
+          <a:blip r:embed="rId5"/>
           <a:stretch>
             <a:fillRect/>
           </a:stretch>
         </p:blipFill>
         <p:spPr>
           <a:xfrm>
-            <a:off x="4914900" y="3086100"/>
-            <a:ext cx="2857500" cy="1714500"/>
+            <a:off x="5029200" y="4114800"/>
+            <a:ext cx="3810000" cy="2286000"/>
           </a:xfrm>
           <a:prstGeom prst="rect">
             <a:avLst/>
@@ -5865,7 +5137,7 @@
 </file>
 
 <file path=ppt/slides/slide7.xml><?xml version="1.0" encoding="utf-8"?>
-<p:sld xmlns:a="http://schemas.openxmlformats.org/drawingml/2006/main" xmlns:r="http://schemas.openxmlformats.org/officeDocument/2006/relationships" xmlns:p="http://schemas.openxmlformats.org/presentationml/2006/main">
+<p:sld xmlns:a="http://schemas.openxmlformats.org/drawingml/2006/main" xmlns:p="http://schemas.openxmlformats.org/presentationml/2006/main" xmlns:r="http://schemas.openxmlformats.org/officeDocument/2006/relationships">
   <p:cSld>
     <p:spTree>
       <p:nvGrpSpPr>
@@ -5873,14 +5145,7 @@
         <p:cNvGrpSpPr/>
         <p:nvPr/>
       </p:nvGrpSpPr>
-      <p:grpSpPr>
-        <a:xfrm>
-          <a:off x="0" y="0"/>
-          <a:ext cx="0" cy="0"/>
-          <a:chOff x="0" y="0"/>
-          <a:chExt cx="0" cy="0"/>
-        </a:xfrm>
-      </p:grpSpPr>
+      <p:grpSpPr/>
       <p:sp>
         <p:nvSpPr>
           <p:cNvPr id="2" name="Title 1"/>
@@ -5897,7 +5162,7 @@
           <a:lstStyle/>
           <a:p>
             <a:pPr>
-              <a:defRPr sz="3600" b="1">
+              <a:defRPr b="1" sz="3600">
                 <a:solidFill>
                   <a:srgbClr val="003366"/>
                 </a:solidFill>
@@ -5910,133 +5175,9 @@
           </a:p>
         </p:txBody>
       </p:sp>
-      <p:sp>
-        <p:nvSpPr>
-          <p:cNvPr id="4" name="TextBox 3"/>
-          <p:cNvSpPr txBox="1"/>
-          <p:nvPr/>
-        </p:nvSpPr>
-        <p:spPr>
-          <a:xfrm>
-            <a:off x="1485900" y="1028700"/>
-            <a:ext cx="6172200" cy="2254463"/>
-          </a:xfrm>
-          <a:prstGeom prst="rect">
-            <a:avLst/>
-          </a:prstGeom>
-          <a:noFill/>
-        </p:spPr>
-        <p:txBody>
-          <a:bodyPr wrap="square">
-            <a:spAutoFit/>
-          </a:bodyPr>
-          <a:lstStyle/>
-          <a:p>
-            <a:endParaRPr sz="1350"/>
-          </a:p>
-          <a:p>
-            <a:pPr>
-              <a:spcAft>
-                <a:spcPts val="750"/>
-              </a:spcAft>
-              <a:defRPr sz="1800">
-                <a:latin typeface="Times New Roman"/>
-              </a:defRPr>
-            </a:pPr>
-            <a:r>
-              <a:rPr sz="1350"/>
-              <a:t>• Meilleurs Prédicteurs :</a:t>
-            </a:r>
-          </a:p>
-          <a:p>
-            <a:pPr lvl="1">
-              <a:spcAft>
-                <a:spcPts val="750"/>
-              </a:spcAft>
-              <a:defRPr sz="1600">
-                <a:latin typeface="Times New Roman"/>
-              </a:defRPr>
-            </a:pPr>
-            <a:r>
-              <a:rPr sz="1200"/>
-              <a:t>•  company_age : Les entreprises plus anciennes/stables convertissent mieux.</a:t>
-            </a:r>
-          </a:p>
-          <a:p>
-            <a:pPr lvl="1">
-              <a:spcAft>
-                <a:spcPts val="750"/>
-              </a:spcAft>
-              <a:defRPr sz="1600">
-                <a:latin typeface="Times New Roman"/>
-              </a:defRPr>
-            </a:pPr>
-            <a:r>
-              <a:rPr sz="1200"/>
-              <a:t>•  naf_code : Certains secteurs ont une affinité plus forte.</a:t>
-            </a:r>
-          </a:p>
-          <a:p>
-            <a:pPr lvl="1">
-              <a:spcAft>
-                <a:spcPts val="750"/>
-              </a:spcAft>
-              <a:defRPr sz="1600">
-                <a:latin typeface="Times New Roman"/>
-              </a:defRPr>
-            </a:pPr>
-            <a:r>
-              <a:rPr sz="1200"/>
-              <a:t>•  nb_client_invoices_created_sum : L'usage (Facturation) est le signal #1.</a:t>
-            </a:r>
-          </a:p>
-          <a:p>
-            <a:pPr>
-              <a:spcAft>
-                <a:spcPts val="750"/>
-              </a:spcAft>
-              <a:defRPr sz="1800">
-                <a:latin typeface="Times New Roman"/>
-              </a:defRPr>
-            </a:pPr>
-            <a:r>
-              <a:rPr sz="1350"/>
-              <a:t>• Insights Actionnables :</a:t>
-            </a:r>
-          </a:p>
-          <a:p>
-            <a:pPr lvl="1">
-              <a:spcAft>
-                <a:spcPts val="750"/>
-              </a:spcAft>
-              <a:defRPr sz="1600">
-                <a:latin typeface="Times New Roman"/>
-              </a:defRPr>
-            </a:pPr>
-            <a:r>
-              <a:rPr sz="1200"/>
-              <a:t>•  L'Activation Compte : Une utilisation précoce (Jours 1-3) est critique.</a:t>
-            </a:r>
-          </a:p>
-          <a:p>
-            <a:pPr lvl="1">
-              <a:spcAft>
-                <a:spcPts val="750"/>
-              </a:spcAft>
-              <a:defRPr sz="1600">
-                <a:latin typeface="Times New Roman"/>
-              </a:defRPr>
-            </a:pPr>
-            <a:r>
-              <a:rPr sz="1200"/>
-              <a:t>•  Ciblage : Concentrer le CX sur les TPEs avec faible activité initiale.</a:t>
-            </a:r>
-          </a:p>
-        </p:txBody>
-      </p:sp>
       <p:pic>
         <p:nvPicPr>
-          <p:cNvPr id="5" name="Picture 4" descr="xgb_feature_importance.png"/>
+          <p:cNvPr id="3" name="Picture 2" descr="kolecto_logo.png"/>
           <p:cNvPicPr>
             <a:picLocks noChangeAspect="1"/>
           </p:cNvPicPr>
@@ -6050,8 +5191,147 @@
         </p:blipFill>
         <p:spPr>
           <a:xfrm>
-            <a:off x="3200400" y="2880360"/>
-            <a:ext cx="2743200" cy="2194560"/>
+            <a:off x="7863840" y="182880"/>
+            <a:ext cx="1097280" cy="1097280"/>
+          </a:xfrm>
+          <a:prstGeom prst="rect">
+            <a:avLst/>
+          </a:prstGeom>
+        </p:spPr>
+      </p:pic>
+      <p:sp>
+        <p:nvSpPr>
+          <p:cNvPr id="4" name="TextBox 3"/>
+          <p:cNvSpPr txBox="1"/>
+          <p:nvPr/>
+        </p:nvSpPr>
+        <p:spPr>
+          <a:xfrm>
+            <a:off x="457200" y="1371600"/>
+            <a:ext cx="8229600" cy="2286000"/>
+          </a:xfrm>
+          <a:prstGeom prst="rect">
+            <a:avLst/>
+          </a:prstGeom>
+          <a:noFill/>
+        </p:spPr>
+        <p:txBody>
+          <a:bodyPr wrap="square">
+            <a:spAutoFit/>
+          </a:bodyPr>
+          <a:lstStyle/>
+          <a:p/>
+          <a:p>
+            <a:pPr>
+              <a:spcAft>
+                <a:spcPts val="1000"/>
+              </a:spcAft>
+              <a:defRPr sz="1800">
+                <a:latin typeface="Times New Roman"/>
+              </a:defRPr>
+            </a:pPr>
+            <a:r>
+              <a:t>• Meilleurs Prédicteurs :</a:t>
+            </a:r>
+          </a:p>
+          <a:p>
+            <a:pPr lvl="1">
+              <a:spcAft>
+                <a:spcPts val="1000"/>
+              </a:spcAft>
+              <a:defRPr sz="1600">
+                <a:latin typeface="Times New Roman"/>
+              </a:defRPr>
+            </a:pPr>
+            <a:r>
+              <a:t>•  company_age : Les entreprises plus anciennes/stables convertissent mieux.</a:t>
+            </a:r>
+          </a:p>
+          <a:p>
+            <a:pPr lvl="1">
+              <a:spcAft>
+                <a:spcPts val="1000"/>
+              </a:spcAft>
+              <a:defRPr sz="1600">
+                <a:latin typeface="Times New Roman"/>
+              </a:defRPr>
+            </a:pPr>
+            <a:r>
+              <a:t>•  naf_code : Certains secteurs ont une affinité plus forte.</a:t>
+            </a:r>
+          </a:p>
+          <a:p>
+            <a:pPr lvl="1">
+              <a:spcAft>
+                <a:spcPts val="1000"/>
+              </a:spcAft>
+              <a:defRPr sz="1600">
+                <a:latin typeface="Times New Roman"/>
+              </a:defRPr>
+            </a:pPr>
+            <a:r>
+              <a:t>•  nb_client_invoices_created_sum : L'usage (Facturation) est le signal #1.</a:t>
+            </a:r>
+          </a:p>
+          <a:p>
+            <a:pPr>
+              <a:spcAft>
+                <a:spcPts val="1000"/>
+              </a:spcAft>
+              <a:defRPr sz="1800">
+                <a:latin typeface="Times New Roman"/>
+              </a:defRPr>
+            </a:pPr>
+            <a:r>
+              <a:t>• Insights Actionnables :</a:t>
+            </a:r>
+          </a:p>
+          <a:p>
+            <a:pPr lvl="1">
+              <a:spcAft>
+                <a:spcPts val="1000"/>
+              </a:spcAft>
+              <a:defRPr sz="1600">
+                <a:latin typeface="Times New Roman"/>
+              </a:defRPr>
+            </a:pPr>
+            <a:r>
+              <a:t>•  L'Activation Compte : Une utilisation précoce (Jours 1-3) est critique.</a:t>
+            </a:r>
+          </a:p>
+          <a:p>
+            <a:pPr lvl="1">
+              <a:spcAft>
+                <a:spcPts val="1000"/>
+              </a:spcAft>
+              <a:defRPr sz="1600">
+                <a:latin typeface="Times New Roman"/>
+              </a:defRPr>
+            </a:pPr>
+            <a:r>
+              <a:t>•  Ciblage : Concentrer le CX sur les TPEs avec faible activité initiale.</a:t>
+            </a:r>
+          </a:p>
+        </p:txBody>
+      </p:sp>
+      <p:pic>
+        <p:nvPicPr>
+          <p:cNvPr id="5" name="Picture 4" descr="xgb_feature_importance.png"/>
+          <p:cNvPicPr>
+            <a:picLocks noChangeAspect="1"/>
+          </p:cNvPicPr>
+          <p:nvPr/>
+        </p:nvPicPr>
+        <p:blipFill>
+          <a:blip r:embed="rId3"/>
+          <a:stretch>
+            <a:fillRect/>
+          </a:stretch>
+        </p:blipFill>
+        <p:spPr>
+          <a:xfrm>
+            <a:off x="2743200" y="3840480"/>
+            <a:ext cx="3657600" cy="2926080"/>
           </a:xfrm>
           <a:prstGeom prst="rect">
             <a:avLst/>
@@ -6067,7 +5347,7 @@
 </file>
 
 <file path=ppt/slides/slide8.xml><?xml version="1.0" encoding="utf-8"?>
-<p:sld xmlns:a="http://schemas.openxmlformats.org/drawingml/2006/main" xmlns:r="http://schemas.openxmlformats.org/officeDocument/2006/relationships" xmlns:p="http://schemas.openxmlformats.org/presentationml/2006/main">
+<p:sld xmlns:a="http://schemas.openxmlformats.org/drawingml/2006/main" xmlns:p="http://schemas.openxmlformats.org/presentationml/2006/main" xmlns:r="http://schemas.openxmlformats.org/officeDocument/2006/relationships">
   <p:cSld>
     <p:spTree>
       <p:nvGrpSpPr>
@@ -6075,14 +5355,7 @@
         <p:cNvGrpSpPr/>
         <p:nvPr/>
       </p:nvGrpSpPr>
-      <p:grpSpPr>
-        <a:xfrm>
-          <a:off x="0" y="0"/>
-          <a:ext cx="0" cy="0"/>
-          <a:chOff x="0" y="0"/>
-          <a:chExt cx="0" cy="0"/>
-        </a:xfrm>
-      </p:grpSpPr>
+      <p:grpSpPr/>
       <p:sp>
         <p:nvSpPr>
           <p:cNvPr id="2" name="Title 1"/>
@@ -6099,7 +5372,7 @@
           <a:lstStyle/>
           <a:p>
             <a:pPr>
-              <a:defRPr sz="3600" b="1">
+              <a:defRPr b="1" sz="3600">
                 <a:solidFill>
                   <a:srgbClr val="003366"/>
                 </a:solidFill>
@@ -6112,6 +5385,30 @@
           </a:p>
         </p:txBody>
       </p:sp>
+      <p:pic>
+        <p:nvPicPr>
+          <p:cNvPr id="3" name="Picture 2" descr="kolecto_logo.png"/>
+          <p:cNvPicPr>
+            <a:picLocks noChangeAspect="1"/>
+          </p:cNvPicPr>
+          <p:nvPr/>
+        </p:nvPicPr>
+        <p:blipFill>
+          <a:blip r:embed="rId2"/>
+          <a:stretch>
+            <a:fillRect/>
+          </a:stretch>
+        </p:blipFill>
+        <p:spPr>
+          <a:xfrm>
+            <a:off x="7863840" y="182880"/>
+            <a:ext cx="1097280" cy="1097280"/>
+          </a:xfrm>
+          <a:prstGeom prst="rect">
+            <a:avLst/>
+          </a:prstGeom>
+        </p:spPr>
+      </p:pic>
       <p:sp>
         <p:nvSpPr>
           <p:cNvPr id="4" name="TextBox 3"/>
@@ -6120,8 +5417,8 @@
         </p:nvSpPr>
         <p:spPr>
           <a:xfrm>
-            <a:off x="1485900" y="1028700"/>
-            <a:ext cx="6172200" cy="2541721"/>
+            <a:off x="457200" y="1371600"/>
+            <a:ext cx="8229600" cy="4572000"/>
           </a:xfrm>
           <a:prstGeom prst="rect">
             <a:avLst/>
@@ -6133,118 +5430,108 @@
             <a:spAutoFit/>
           </a:bodyPr>
           <a:lstStyle/>
-          <a:p>
-            <a:endParaRPr sz="1350"/>
-          </a:p>
+          <a:p/>
           <a:p>
             <a:pPr>
               <a:spcAft>
-                <a:spcPts val="750"/>
+                <a:spcPts val="1000"/>
               </a:spcAft>
               <a:defRPr sz="1800">
                 <a:latin typeface="Times New Roman"/>
               </a:defRPr>
             </a:pPr>
             <a:r>
-              <a:rPr sz="1350"/>
               <a:t>• Impact Estimé :</a:t>
             </a:r>
           </a:p>
           <a:p>
             <a:pPr lvl="1">
               <a:spcAft>
-                <a:spcPts val="750"/>
+                <a:spcPts val="1000"/>
               </a:spcAft>
               <a:defRPr sz="1600">
                 <a:latin typeface="Times New Roman"/>
               </a:defRPr>
             </a:pPr>
             <a:r>
-              <a:rPr sz="1200"/>
               <a:t>•  Cible : ~400 essais/mois.</a:t>
             </a:r>
           </a:p>
           <a:p>
             <a:pPr lvl="1">
               <a:spcAft>
-                <a:spcPts val="750"/>
+                <a:spcPts val="1000"/>
               </a:spcAft>
               <a:defRPr sz="1600">
                 <a:latin typeface="Times New Roman"/>
               </a:defRPr>
             </a:pPr>
             <a:r>
-              <a:rPr sz="1200"/>
               <a:t>•  Lift : +5-8% de conversion via intervention ciblée.</a:t>
             </a:r>
           </a:p>
           <a:p>
             <a:pPr lvl="1">
               <a:spcAft>
-                <a:spcPts val="750"/>
+                <a:spcPts val="1000"/>
               </a:spcAft>
               <a:defRPr sz="1600">
                 <a:latin typeface="Times New Roman"/>
               </a:defRPr>
             </a:pPr>
             <a:r>
-              <a:rPr sz="1200"/>
               <a:t>•  Valeur : 400 * 0.05 * 3k€ (LTV) = ~60k€/mois -&gt; 720k€/an.</a:t>
             </a:r>
           </a:p>
           <a:p>
             <a:pPr>
               <a:spcAft>
-                <a:spcPts val="750"/>
+                <a:spcPts val="1000"/>
               </a:spcAft>
               <a:defRPr sz="1800">
                 <a:latin typeface="Times New Roman"/>
               </a:defRPr>
             </a:pPr>
             <a:r>
-              <a:rPr sz="1350"/>
               <a:t>• Recommandations :</a:t>
             </a:r>
           </a:p>
           <a:p>
             <a:pPr lvl="1">
               <a:spcAft>
-                <a:spcPts val="750"/>
+                <a:spcPts val="1000"/>
               </a:spcAft>
               <a:defRPr sz="1600">
                 <a:latin typeface="Times New Roman"/>
               </a:defRPr>
             </a:pPr>
             <a:r>
-              <a:rPr sz="1200"/>
               <a:t>•  Jours 1-3 (Automatisé) : Nudge si 'nb_connections' &lt; 2.</a:t>
             </a:r>
           </a:p>
           <a:p>
             <a:pPr lvl="1">
               <a:spcAft>
-                <a:spcPts val="750"/>
+                <a:spcPts val="1000"/>
               </a:spcAft>
               <a:defRPr sz="1600">
                 <a:latin typeface="Times New Roman"/>
               </a:defRPr>
             </a:pPr>
             <a:r>
-              <a:rPr sz="1200"/>
               <a:t>•  Jours 7-10 (Humain) : Appel CX si Prob. Désabonnement &gt; 60%.</a:t>
             </a:r>
           </a:p>
           <a:p>
             <a:pPr lvl="1">
               <a:spcAft>
-                <a:spcPts val="750"/>
+                <a:spcPts val="1000"/>
               </a:spcAft>
               <a:defRPr sz="1600">
                 <a:latin typeface="Times New Roman"/>
               </a:defRPr>
             </a:pPr>
             <a:r>
-              <a:rPr sz="1200"/>
               <a:t>•  Déploiement : A/B Test des interventions pour mesurer l'uplift réel.</a:t>
             </a:r>
           </a:p>
@@ -6259,7 +5546,7 @@
 </file>
 
 <file path=ppt/slides/slide9.xml><?xml version="1.0" encoding="utf-8"?>
-<p:sld xmlns:a="http://schemas.openxmlformats.org/drawingml/2006/main" xmlns:r="http://schemas.openxmlformats.org/officeDocument/2006/relationships" xmlns:p="http://schemas.openxmlformats.org/presentationml/2006/main">
+<p:sld xmlns:a="http://schemas.openxmlformats.org/drawingml/2006/main" xmlns:p="http://schemas.openxmlformats.org/presentationml/2006/main" xmlns:r="http://schemas.openxmlformats.org/officeDocument/2006/relationships">
   <p:cSld>
     <p:spTree>
       <p:nvGrpSpPr>
@@ -6267,14 +5554,7 @@
         <p:cNvGrpSpPr/>
         <p:nvPr/>
       </p:nvGrpSpPr>
-      <p:grpSpPr>
-        <a:xfrm>
-          <a:off x="0" y="0"/>
-          <a:ext cx="0" cy="0"/>
-          <a:chOff x="0" y="0"/>
-          <a:chExt cx="0" cy="0"/>
-        </a:xfrm>
-      </p:grpSpPr>
+      <p:grpSpPr/>
       <p:sp>
         <p:nvSpPr>
           <p:cNvPr id="2" name="Title 1"/>
@@ -6291,7 +5571,7 @@
           <a:lstStyle/>
           <a:p>
             <a:pPr>
-              <a:defRPr sz="3600" b="1">
+              <a:defRPr b="1" sz="3600">
                 <a:solidFill>
                   <a:srgbClr val="003366"/>
                 </a:solidFill>
@@ -6304,6 +5584,30 @@
           </a:p>
         </p:txBody>
       </p:sp>
+      <p:pic>
+        <p:nvPicPr>
+          <p:cNvPr id="3" name="Picture 2" descr="kolecto_logo.png"/>
+          <p:cNvPicPr>
+            <a:picLocks noChangeAspect="1"/>
+          </p:cNvPicPr>
+          <p:nvPr/>
+        </p:nvPicPr>
+        <p:blipFill>
+          <a:blip r:embed="rId2"/>
+          <a:stretch>
+            <a:fillRect/>
+          </a:stretch>
+        </p:blipFill>
+        <p:spPr>
+          <a:xfrm>
+            <a:off x="7863840" y="182880"/>
+            <a:ext cx="1097280" cy="1097280"/>
+          </a:xfrm>
+          <a:prstGeom prst="rect">
+            <a:avLst/>
+          </a:prstGeom>
+        </p:spPr>
+      </p:pic>
       <p:sp>
         <p:nvSpPr>
           <p:cNvPr id="4" name="TextBox 3"/>
@@ -6312,8 +5616,8 @@
         </p:nvSpPr>
         <p:spPr>
           <a:xfrm>
-            <a:off x="1485900" y="1028701"/>
-            <a:ext cx="6172200" cy="2254463"/>
+            <a:off x="457200" y="1371600"/>
+            <a:ext cx="8229600" cy="4572000"/>
           </a:xfrm>
           <a:prstGeom prst="rect">
             <a:avLst/>
@@ -6325,104 +5629,95 @@
             <a:spAutoFit/>
           </a:bodyPr>
           <a:lstStyle/>
-          <a:p>
-            <a:endParaRPr sz="1350"/>
-          </a:p>
+          <a:p/>
           <a:p>
             <a:pPr>
               <a:spcAft>
-                <a:spcPts val="750"/>
+                <a:spcPts val="1000"/>
               </a:spcAft>
               <a:defRPr sz="1800">
                 <a:latin typeface="Times New Roman"/>
               </a:defRPr>
             </a:pPr>
             <a:r>
-              <a:rPr sz="1350"/>
               <a:t>• Limitations :</a:t>
             </a:r>
           </a:p>
           <a:p>
             <a:pPr lvl="1">
               <a:spcAft>
-                <a:spcPts val="750"/>
+                <a:spcPts val="1000"/>
               </a:spcAft>
               <a:defRPr sz="1600">
                 <a:latin typeface="Times New Roman"/>
               </a:defRPr>
             </a:pPr>
             <a:r>
-              <a:rPr sz="1200"/>
               <a:t>•  Faible Volume de Données : ~416 essais limitent le potentiel du Deep Learning.</a:t>
             </a:r>
           </a:p>
           <a:p>
             <a:pPr lvl="1">
               <a:spcAft>
-                <a:spcPts val="750"/>
+                <a:spcPts val="1000"/>
               </a:spcAft>
               <a:defRPr sz="1600">
                 <a:latin typeface="Times New Roman"/>
               </a:defRPr>
             </a:pPr>
             <a:r>
-              <a:rPr sz="1200"/>
               <a:t>•  Facteurs Externes : Pas de données sur le contexte économique ou la saisonnalité.</a:t>
             </a:r>
           </a:p>
           <a:p>
             <a:pPr>
               <a:spcAft>
-                <a:spcPts val="750"/>
+                <a:spcPts val="1000"/>
               </a:spcAft>
               <a:defRPr sz="1800">
                 <a:latin typeface="Times New Roman"/>
               </a:defRPr>
             </a:pPr>
             <a:r>
-              <a:rPr sz="1350"/>
               <a:t>• Améliorations Futures :</a:t>
             </a:r>
           </a:p>
           <a:p>
             <a:pPr lvl="1">
               <a:spcAft>
-                <a:spcPts val="750"/>
+                <a:spcPts val="1000"/>
               </a:spcAft>
               <a:defRPr sz="1600">
                 <a:latin typeface="Times New Roman"/>
               </a:defRPr>
             </a:pPr>
             <a:r>
-              <a:rPr sz="1200"/>
               <a:t>•  Ensemble Hybride : Combiner LightGBM (Tabulaire) + GRU (Séquentiel).</a:t>
             </a:r>
           </a:p>
           <a:p>
             <a:pPr lvl="1">
               <a:spcAft>
-                <a:spcPts val="750"/>
+                <a:spcPts val="1000"/>
               </a:spcAft>
               <a:defRPr sz="1600">
                 <a:latin typeface="Times New Roman"/>
               </a:defRPr>
             </a:pPr>
             <a:r>
-              <a:rPr sz="1200"/>
               <a:t>•  Causal ML : Modéliser l'uplift (Persuadables vs Do-not-disturb).</a:t>
             </a:r>
           </a:p>
           <a:p>
             <a:pPr lvl="1">
               <a:spcAft>
-                <a:spcPts val="750"/>
+                <a:spcPts val="1000"/>
               </a:spcAft>
               <a:defRPr sz="1600">
                 <a:latin typeface="Times New Roman"/>
               </a:defRPr>
             </a:pPr>
             <a:r>
-              <a:rPr sz="1200"/>
               <a:t>•  Entraînement Continu : Réentraînement mensuel pour gérer le 'data drift'.</a:t>
             </a:r>
           </a:p>

--- a/Presentations_Resultats_Projet.pptx
+++ b/Presentations_Resultats_Projet.pptx
@@ -3169,7 +3169,7 @@
               </a:defRPr>
             </a:pPr>
             <a:r>
-              <a:t>Antigravity Agent – 2025-12-10</a:t>
+              <a:t>Antigravity Agent – 2025-12-11</a:t>
             </a:r>
           </a:p>
         </p:txBody>
@@ -4449,7 +4449,7 @@
                         </a:defRPr>
                       </a:pPr>
                       <a:r>
-                        <a:t>0.759</a:t>
+                        <a:t>0.790</a:t>
                       </a:r>
                     </a:p>
                   </a:txBody>
@@ -4466,7 +4466,7 @@
                         </a:defRPr>
                       </a:pPr>
                       <a:r>
-                        <a:t>0.795</a:t>
+                        <a:t>0.835</a:t>
                       </a:r>
                     </a:p>
                   </a:txBody>
@@ -4483,7 +4483,7 @@
                         </a:defRPr>
                       </a:pPr>
                       <a:r>
-                        <a:t>73.5%</a:t>
+                        <a:t>72.3%</a:t>
                       </a:r>
                     </a:p>
                   </a:txBody>
@@ -4536,7 +4536,7 @@
                         </a:defRPr>
                       </a:pPr>
                       <a:r>
-                        <a:t>0.719</a:t>
+                        <a:t>0.713</a:t>
                       </a:r>
                     </a:p>
                   </a:txBody>
@@ -4553,7 +4553,7 @@
                         </a:defRPr>
                       </a:pPr>
                       <a:r>
-                        <a:t>0.766</a:t>
+                        <a:t>0.743</a:t>
                       </a:r>
                     </a:p>
                   </a:txBody>
@@ -4570,7 +4570,7 @@
                         </a:defRPr>
                       </a:pPr>
                       <a:r>
-                        <a:t>68.7%</a:t>
+                        <a:t>65.1%</a:t>
                       </a:r>
                     </a:p>
                   </a:txBody>
@@ -4587,7 +4587,7 @@
                         </a:defRPr>
                       </a:pPr>
                       <a:r>
-                        <a:t>0.220</a:t>
+                        <a:t>0.217</a:t>
                       </a:r>
                     </a:p>
                   </a:txBody>
@@ -4623,7 +4623,7 @@
                         </a:defRPr>
                       </a:pPr>
                       <a:r>
-                        <a:t>0.716</a:t>
+                        <a:t>0.711</a:t>
                       </a:r>
                     </a:p>
                   </a:txBody>
@@ -4640,7 +4640,7 @@
                         </a:defRPr>
                       </a:pPr>
                       <a:r>
-                        <a:t>0.730</a:t>
+                        <a:t>0.748</a:t>
                       </a:r>
                     </a:p>
                   </a:txBody>
@@ -4657,7 +4657,7 @@
                         </a:defRPr>
                       </a:pPr>
                       <a:r>
-                        <a:t>72.3%</a:t>
+                        <a:t>66.3%</a:t>
                       </a:r>
                     </a:p>
                   </a:txBody>
@@ -4674,7 +4674,7 @@
                         </a:defRPr>
                       </a:pPr>
                       <a:r>
-                        <a:t>0.207</a:t>
+                        <a:t>0.211</a:t>
                       </a:r>
                     </a:p>
                   </a:txBody>
@@ -5012,7 +5012,7 @@
               </a:defRPr>
             </a:pPr>
             <a:r>
-              <a:t>•  Convergence vers paramètres robustes (n_est=165, lr=0.011).</a:t>
+              <a:t>•  Convergence vers paramètres robustes (n_est=318, lr=0.018).</a:t>
             </a:r>
           </a:p>
           <a:p>

--- a/Presentations_Resultats_Projet.pptx
+++ b/Presentations_Resultats_Projet.pptx
@@ -3232,7 +3232,7 @@
           <a:lstStyle/>
           <a:p>
             <a:pPr>
-              <a:defRPr b="1" sz="3600">
+              <a:defRPr b="1">
                 <a:solidFill>
                   <a:srgbClr val="003366"/>
                 </a:solidFill>
@@ -3245,141 +3245,89 @@
           </a:p>
         </p:txBody>
       </p:sp>
-      <p:pic>
-        <p:nvPicPr>
-          <p:cNvPr id="3" name="Picture 2" descr="kolecto_logo.png"/>
-          <p:cNvPicPr>
-            <a:picLocks noChangeAspect="1"/>
-          </p:cNvPicPr>
-          <p:nvPr/>
-        </p:nvPicPr>
-        <p:blipFill>
-          <a:blip r:embed="rId2"/>
-          <a:stretch>
-            <a:fillRect/>
-          </a:stretch>
-        </p:blipFill>
-        <p:spPr>
-          <a:xfrm>
-            <a:off x="7863840" y="182880"/>
-            <a:ext cx="1097280" cy="1097280"/>
-          </a:xfrm>
-          <a:prstGeom prst="rect">
-            <a:avLst/>
-          </a:prstGeom>
-        </p:spPr>
-      </p:pic>
-      <p:sp>
-        <p:nvSpPr>
-          <p:cNvPr id="4" name="TextBox 3"/>
-          <p:cNvSpPr txBox="1"/>
-          <p:nvPr/>
-        </p:nvSpPr>
-        <p:spPr>
-          <a:xfrm>
-            <a:off x="457200" y="1371600"/>
-            <a:ext cx="8229600" cy="4572000"/>
-          </a:xfrm>
-          <a:prstGeom prst="rect">
-            <a:avLst/>
-          </a:prstGeom>
-          <a:noFill/>
-        </p:spPr>
-        <p:txBody>
-          <a:bodyPr wrap="square">
-            <a:spAutoFit/>
-          </a:bodyPr>
+      <p:sp>
+        <p:nvSpPr>
+          <p:cNvPr id="3" name="Content Placeholder 2"/>
+          <p:cNvSpPr>
+            <a:spLocks noGrp="1"/>
+          </p:cNvSpPr>
+          <p:nvPr>
+            <p:ph idx="1"/>
+          </p:nvPr>
+        </p:nvSpPr>
+        <p:spPr/>
+        <p:txBody>
+          <a:bodyPr/>
           <a:lstStyle/>
           <a:p/>
           <a:p>
             <a:pPr>
-              <a:spcAft>
-                <a:spcPts val="1000"/>
-              </a:spcAft>
               <a:defRPr sz="1800">
                 <a:latin typeface="Times New Roman"/>
               </a:defRPr>
             </a:pPr>
             <a:r>
-              <a:t>• Résumé :</a:t>
+              <a:t>Résumé :</a:t>
             </a:r>
           </a:p>
           <a:p>
             <a:pPr lvl="1">
-              <a:spcAft>
-                <a:spcPts val="1000"/>
-              </a:spcAft>
-              <a:defRPr sz="1600">
-                <a:latin typeface="Times New Roman"/>
-              </a:defRPr>
-            </a:pPr>
-            <a:r>
-              <a:t>•  Modèle robuste livré (LightGBM AUC 0.790).</a:t>
+              <a:defRPr sz="1800">
+                <a:latin typeface="Times New Roman"/>
+              </a:defRPr>
+            </a:pPr>
+            <a:r>
+              <a:t>Modèle robuste livré (LightGBM AUC 0.790).</a:t>
             </a:r>
           </a:p>
           <a:p>
             <a:pPr lvl="1">
-              <a:spcAft>
-                <a:spcPts val="1000"/>
-              </a:spcAft>
-              <a:defRPr sz="1600">
-                <a:latin typeface="Times New Roman"/>
-              </a:defRPr>
-            </a:pPr>
-            <a:r>
-              <a:t>•  Leviers identifiés pour un lift de conversion de +5-8%.</a:t>
+              <a:defRPr sz="1800">
+                <a:latin typeface="Times New Roman"/>
+              </a:defRPr>
+            </a:pPr>
+            <a:r>
+              <a:t>Leviers identifiés pour un lift de conversion de +5-8%.</a:t>
             </a:r>
           </a:p>
           <a:p>
             <a:pPr>
-              <a:spcAft>
-                <a:spcPts val="1000"/>
-              </a:spcAft>
               <a:defRPr sz="1800">
                 <a:latin typeface="Times New Roman"/>
               </a:defRPr>
             </a:pPr>
             <a:r>
-              <a:t>• Prochaines Étapes :</a:t>
+              <a:t>Prochaines Étapes :</a:t>
             </a:r>
           </a:p>
           <a:p>
             <a:pPr>
-              <a:spcAft>
-                <a:spcPts val="1000"/>
-              </a:spcAft>
               <a:defRPr sz="1800">
                 <a:latin typeface="Times New Roman"/>
               </a:defRPr>
             </a:pPr>
             <a:r>
-              <a:t>•    1. Déployer l'API de Scoring (Containerisée).</a:t>
+              <a:t>   1. Déployer l'API de Scoring (Containerisée).</a:t>
             </a:r>
           </a:p>
           <a:p>
             <a:pPr>
-              <a:spcAft>
-                <a:spcPts val="1000"/>
-              </a:spcAft>
               <a:defRPr sz="1800">
                 <a:latin typeface="Times New Roman"/>
               </a:defRPr>
             </a:pPr>
             <a:r>
-              <a:t>•    2. Lancer l'A/B Test pour les actions CX.</a:t>
+              <a:t>   2. Lancer l'A/B Test pour les actions CX.</a:t>
             </a:r>
           </a:p>
           <a:p>
             <a:pPr>
-              <a:spcAft>
-                <a:spcPts val="1000"/>
-              </a:spcAft>
               <a:defRPr sz="1800">
                 <a:latin typeface="Times New Roman"/>
               </a:defRPr>
             </a:pPr>
             <a:r>
-              <a:t>•    3. Monitorer la Performance (MLflow) &amp; Collecter plus de données.</a:t>
+              <a:t>   3. Monitorer la Performance (MLflow) &amp; Collecter plus de données.</a:t>
             </a:r>
           </a:p>
         </p:txBody>
@@ -3418,7 +3366,7 @@
           <a:lstStyle/>
           <a:p>
             <a:pPr>
-              <a:defRPr b="1" sz="3600">
+              <a:defRPr b="1">
                 <a:solidFill>
                   <a:srgbClr val="003366"/>
                 </a:solidFill>
@@ -3431,167 +3379,109 @@
           </a:p>
         </p:txBody>
       </p:sp>
-      <p:pic>
-        <p:nvPicPr>
-          <p:cNvPr id="3" name="Picture 2" descr="kolecto_logo.png"/>
-          <p:cNvPicPr>
-            <a:picLocks noChangeAspect="1"/>
-          </p:cNvPicPr>
-          <p:nvPr/>
-        </p:nvPicPr>
-        <p:blipFill>
-          <a:blip r:embed="rId2"/>
-          <a:stretch>
-            <a:fillRect/>
-          </a:stretch>
-        </p:blipFill>
-        <p:spPr>
-          <a:xfrm>
-            <a:off x="7863840" y="182880"/>
-            <a:ext cx="1097280" cy="1097280"/>
-          </a:xfrm>
-          <a:prstGeom prst="rect">
-            <a:avLst/>
-          </a:prstGeom>
-        </p:spPr>
-      </p:pic>
-      <p:sp>
-        <p:nvSpPr>
-          <p:cNvPr id="4" name="TextBox 3"/>
-          <p:cNvSpPr txBox="1"/>
-          <p:nvPr/>
-        </p:nvSpPr>
-        <p:spPr>
-          <a:xfrm>
-            <a:off x="457200" y="1371600"/>
-            <a:ext cx="8229600" cy="4572000"/>
-          </a:xfrm>
-          <a:prstGeom prst="rect">
-            <a:avLst/>
-          </a:prstGeom>
-          <a:noFill/>
-        </p:spPr>
-        <p:txBody>
-          <a:bodyPr wrap="square">
-            <a:spAutoFit/>
-          </a:bodyPr>
+      <p:sp>
+        <p:nvSpPr>
+          <p:cNvPr id="3" name="Content Placeholder 2"/>
+          <p:cNvSpPr>
+            <a:spLocks noGrp="1"/>
+          </p:cNvSpPr>
+          <p:nvPr>
+            <p:ph idx="1"/>
+          </p:nvPr>
+        </p:nvSpPr>
+        <p:spPr/>
+        <p:txBody>
+          <a:bodyPr/>
           <a:lstStyle/>
           <a:p/>
           <a:p>
             <a:pPr>
-              <a:spcAft>
-                <a:spcPts val="1000"/>
-              </a:spcAft>
               <a:defRPr sz="1800">
                 <a:latin typeface="Times New Roman"/>
               </a:defRPr>
             </a:pPr>
             <a:r>
-              <a:t>• Contexte :</a:t>
+              <a:t>Contexte :</a:t>
             </a:r>
           </a:p>
           <a:p>
             <a:pPr lvl="1">
-              <a:spcAft>
-                <a:spcPts val="1000"/>
-              </a:spcAft>
-              <a:defRPr sz="1600">
-                <a:latin typeface="Times New Roman"/>
-              </a:defRPr>
-            </a:pPr>
-            <a:r>
-              <a:t>•  Kolecto propose un essai gratuit de 15 jours convertissant en abonnement payant.</a:t>
+              <a:defRPr sz="1800">
+                <a:latin typeface="Times New Roman"/>
+              </a:defRPr>
+            </a:pPr>
+            <a:r>
+              <a:t>Kolecto propose un essai gratuit de 15 jours convertissant en abonnement payant.</a:t>
             </a:r>
           </a:p>
           <a:p>
             <a:pPr lvl="1">
-              <a:spcAft>
-                <a:spcPts val="1000"/>
-              </a:spcAft>
-              <a:defRPr sz="1600">
-                <a:latin typeface="Times New Roman"/>
-              </a:defRPr>
-            </a:pPr>
-            <a:r>
-              <a:t>•  Taux de conversion actuel : ~60% (Satisfaisant mais perfectible).</a:t>
+              <a:defRPr sz="1800">
+                <a:latin typeface="Times New Roman"/>
+              </a:defRPr>
+            </a:pPr>
+            <a:r>
+              <a:t>Taux de conversion actuel : ~60% (Satisfaisant mais perfectible).</a:t>
             </a:r>
           </a:p>
           <a:p>
             <a:pPr>
-              <a:spcAft>
-                <a:spcPts val="1000"/>
-              </a:spcAft>
               <a:defRPr sz="1800">
                 <a:latin typeface="Times New Roman"/>
               </a:defRPr>
             </a:pPr>
             <a:r>
-              <a:t>• Challenge :</a:t>
+              <a:t>Challenge :</a:t>
             </a:r>
           </a:p>
           <a:p>
             <a:pPr lvl="1">
-              <a:spcAft>
-                <a:spcPts val="1000"/>
-              </a:spcAft>
-              <a:defRPr sz="1600">
-                <a:latin typeface="Times New Roman"/>
-              </a:defRPr>
-            </a:pPr>
-            <a:r>
-              <a:t>•  Identifier tôt les signaux précurseurs (succès vs désabonnement).</a:t>
+              <a:defRPr sz="1800">
+                <a:latin typeface="Times New Roman"/>
+              </a:defRPr>
+            </a:pPr>
+            <a:r>
+              <a:t>Identifier tôt les signaux précurseurs (succès vs désabonnement).</a:t>
             </a:r>
           </a:p>
           <a:p>
             <a:pPr lvl="1">
-              <a:spcAft>
-                <a:spcPts val="1000"/>
-              </a:spcAft>
-              <a:defRPr sz="1600">
-                <a:latin typeface="Times New Roman"/>
-              </a:defRPr>
-            </a:pPr>
-            <a:r>
-              <a:t>•  Permettre des actions ciblées par l'équipe Customer Experience (CX).</a:t>
+              <a:defRPr sz="1800">
+                <a:latin typeface="Times New Roman"/>
+              </a:defRPr>
+            </a:pPr>
+            <a:r>
+              <a:t>Permettre des actions ciblées par l'équipe Customer Experience (CX).</a:t>
             </a:r>
           </a:p>
           <a:p>
             <a:pPr>
-              <a:spcAft>
-                <a:spcPts val="1000"/>
-              </a:spcAft>
               <a:defRPr sz="1800">
                 <a:latin typeface="Times New Roman"/>
               </a:defRPr>
             </a:pPr>
             <a:r>
-              <a:t>• Objectifs :</a:t>
+              <a:t>Objectifs :</a:t>
             </a:r>
           </a:p>
           <a:p>
             <a:pPr lvl="1">
-              <a:spcAft>
-                <a:spcPts val="1000"/>
-              </a:spcAft>
-              <a:defRPr sz="1600">
-                <a:latin typeface="Times New Roman"/>
-              </a:defRPr>
-            </a:pPr>
-            <a:r>
-              <a:t>•  Analyser les facteurs différenciants (Convertis vs Non-Convertis).</a:t>
+              <a:defRPr sz="1800">
+                <a:latin typeface="Times New Roman"/>
+              </a:defRPr>
+            </a:pPr>
+            <a:r>
+              <a:t>Analyser les facteurs différenciants (Convertis vs Non-Convertis).</a:t>
             </a:r>
           </a:p>
           <a:p>
             <a:pPr lvl="1">
-              <a:spcAft>
-                <a:spcPts val="1000"/>
-              </a:spcAft>
-              <a:defRPr sz="1600">
-                <a:latin typeface="Times New Roman"/>
-              </a:defRPr>
-            </a:pPr>
-            <a:r>
-              <a:t>•  Construire un modèle ML pour prédire la probabilité de conversion.</a:t>
+              <a:defRPr sz="1800">
+                <a:latin typeface="Times New Roman"/>
+              </a:defRPr>
+            </a:pPr>
+            <a:r>
+              <a:t>Construire un modèle ML pour prédire la probabilité de conversion.</a:t>
             </a:r>
           </a:p>
         </p:txBody>
@@ -3630,7 +3520,7 @@
           <a:lstStyle/>
           <a:p>
             <a:pPr>
-              <a:defRPr b="1" sz="3600">
+              <a:defRPr b="1">
                 <a:solidFill>
                   <a:srgbClr val="003366"/>
                 </a:solidFill>
@@ -3643,40 +3533,16 @@
           </a:p>
         </p:txBody>
       </p:sp>
-      <p:pic>
-        <p:nvPicPr>
-          <p:cNvPr id="3" name="Picture 2" descr="kolecto_logo.png"/>
-          <p:cNvPicPr>
-            <a:picLocks noChangeAspect="1"/>
-          </p:cNvPicPr>
-          <p:nvPr/>
-        </p:nvPicPr>
-        <p:blipFill>
-          <a:blip r:embed="rId2"/>
-          <a:stretch>
-            <a:fillRect/>
-          </a:stretch>
-        </p:blipFill>
-        <p:spPr>
-          <a:xfrm>
-            <a:off x="7863840" y="182880"/>
-            <a:ext cx="1097280" cy="1097280"/>
-          </a:xfrm>
-          <a:prstGeom prst="rect">
-            <a:avLst/>
-          </a:prstGeom>
-        </p:spPr>
-      </p:pic>
       <p:graphicFrame>
         <p:nvGraphicFramePr>
-          <p:cNvPr id="4" name="Table 3"/>
+          <p:cNvPr id="3" name="Table 2"/>
           <p:cNvGraphicFramePr>
             <a:graphicFrameLocks noGrp="1"/>
           </p:cNvGraphicFramePr>
           <p:nvPr/>
         </p:nvGraphicFramePr>
         <p:xfrm>
-          <a:off x="914400" y="1828800"/>
+          <a:off x="914400" y="1371600"/>
           <a:ext cx="7315200" cy="1371600"/>
         </p:xfrm>
         <a:graphic>
@@ -3935,13 +3801,13 @@
       </p:graphicFrame>
       <p:sp>
         <p:nvSpPr>
-          <p:cNvPr id="5" name="TextBox 4"/>
+          <p:cNvPr id="4" name="TextBox 3"/>
           <p:cNvSpPr txBox="1"/>
           <p:nvPr/>
         </p:nvSpPr>
         <p:spPr>
           <a:xfrm>
-            <a:off x="914400" y="3383280"/>
+            <a:off x="914400" y="2926080"/>
             <a:ext cx="7315200" cy="914400"/>
           </a:xfrm>
           <a:prstGeom prst="rect">
@@ -4011,7 +3877,7 @@
           <a:lstStyle/>
           <a:p>
             <a:pPr>
-              <a:defRPr b="1" sz="3600">
+              <a:defRPr b="1">
                 <a:solidFill>
                   <a:srgbClr val="003366"/>
                 </a:solidFill>
@@ -4024,180 +3890,119 @@
           </a:p>
         </p:txBody>
       </p:sp>
-      <p:pic>
-        <p:nvPicPr>
-          <p:cNvPr id="3" name="Picture 2" descr="kolecto_logo.png"/>
-          <p:cNvPicPr>
-            <a:picLocks noChangeAspect="1"/>
-          </p:cNvPicPr>
-          <p:nvPr/>
-        </p:nvPicPr>
-        <p:blipFill>
-          <a:blip r:embed="rId2"/>
-          <a:stretch>
-            <a:fillRect/>
-          </a:stretch>
-        </p:blipFill>
-        <p:spPr>
-          <a:xfrm>
-            <a:off x="7863840" y="182880"/>
-            <a:ext cx="1097280" cy="1097280"/>
-          </a:xfrm>
-          <a:prstGeom prst="rect">
-            <a:avLst/>
-          </a:prstGeom>
-        </p:spPr>
-      </p:pic>
-      <p:sp>
-        <p:nvSpPr>
-          <p:cNvPr id="4" name="TextBox 3"/>
-          <p:cNvSpPr txBox="1"/>
-          <p:nvPr/>
-        </p:nvSpPr>
-        <p:spPr>
-          <a:xfrm>
-            <a:off x="457200" y="1371600"/>
-            <a:ext cx="8229600" cy="4572000"/>
-          </a:xfrm>
-          <a:prstGeom prst="rect">
-            <a:avLst/>
-          </a:prstGeom>
-          <a:noFill/>
-        </p:spPr>
-        <p:txBody>
-          <a:bodyPr wrap="square">
-            <a:spAutoFit/>
-          </a:bodyPr>
+      <p:sp>
+        <p:nvSpPr>
+          <p:cNvPr id="3" name="Content Placeholder 2"/>
+          <p:cNvSpPr>
+            <a:spLocks noGrp="1"/>
+          </p:cNvSpPr>
+          <p:nvPr>
+            <p:ph idx="1"/>
+          </p:nvPr>
+        </p:nvSpPr>
+        <p:spPr/>
+        <p:txBody>
+          <a:bodyPr/>
           <a:lstStyle/>
           <a:p/>
           <a:p>
             <a:pPr>
-              <a:spcAft>
-                <a:spcPts val="1000"/>
-              </a:spcAft>
               <a:defRPr sz="1800">
                 <a:latin typeface="Times New Roman"/>
               </a:defRPr>
             </a:pPr>
             <a:r>
-              <a:t>• Stratégie :</a:t>
+              <a:t>Stratégie :</a:t>
             </a:r>
           </a:p>
           <a:p>
             <a:pPr lvl="1">
-              <a:spcAft>
-                <a:spcPts val="1000"/>
-              </a:spcAft>
-              <a:defRPr sz="1600">
-                <a:latin typeface="Times New Roman"/>
-              </a:defRPr>
-            </a:pPr>
-            <a:r>
-              <a:t>•  Features Tabulaires (157 dims) pour modèles Arborescents.</a:t>
+              <a:defRPr sz="1800">
+                <a:latin typeface="Times New Roman"/>
+              </a:defRPr>
+            </a:pPr>
+            <a:r>
+              <a:t>Features Tabulaires (157 dims) pour modèles Arborescents.</a:t>
             </a:r>
           </a:p>
           <a:p>
             <a:pPr lvl="1">
-              <a:spcAft>
-                <a:spcPts val="1000"/>
-              </a:spcAft>
-              <a:defRPr sz="1600">
-                <a:latin typeface="Times New Roman"/>
-              </a:defRPr>
-            </a:pPr>
-            <a:r>
-              <a:t>•  Données Séquentielles (15 jours) pour le Deep Learning.</a:t>
+              <a:defRPr sz="1800">
+                <a:latin typeface="Times New Roman"/>
+              </a:defRPr>
+            </a:pPr>
+            <a:r>
+              <a:t>Données Séquentielles (15 jours) pour le Deep Learning.</a:t>
             </a:r>
           </a:p>
           <a:p>
             <a:pPr>
-              <a:spcAft>
-                <a:spcPts val="1000"/>
-              </a:spcAft>
               <a:defRPr sz="1800">
                 <a:latin typeface="Times New Roman"/>
               </a:defRPr>
             </a:pPr>
             <a:r>
-              <a:t>• Modèles Entraînés :</a:t>
+              <a:t>Modèles Entraînés :</a:t>
             </a:r>
           </a:p>
           <a:p>
             <a:pPr lvl="1">
-              <a:spcAft>
-                <a:spcPts val="1000"/>
-              </a:spcAft>
-              <a:defRPr sz="1600">
-                <a:latin typeface="Times New Roman"/>
-              </a:defRPr>
-            </a:pPr>
-            <a:r>
-              <a:t>•  Logistic Regression (Baseline).</a:t>
+              <a:defRPr sz="1800">
+                <a:latin typeface="Times New Roman"/>
+              </a:defRPr>
+            </a:pPr>
+            <a:r>
+              <a:t>Logistic Regression (Baseline).</a:t>
             </a:r>
           </a:p>
           <a:p>
             <a:pPr lvl="1">
-              <a:spcAft>
-                <a:spcPts val="1000"/>
-              </a:spcAft>
-              <a:defRPr sz="1600">
-                <a:latin typeface="Times New Roman"/>
-              </a:defRPr>
-            </a:pPr>
-            <a:r>
-              <a:t>•  XGBoost &amp; LightGBM (Gradient Boosting optimisé avec Optuna).</a:t>
+              <a:defRPr sz="1800">
+                <a:latin typeface="Times New Roman"/>
+              </a:defRPr>
+            </a:pPr>
+            <a:r>
+              <a:t>XGBoost &amp; LightGBM (Gradient Boosting optimisé avec Optuna).</a:t>
             </a:r>
           </a:p>
           <a:p>
             <a:pPr lvl="1">
-              <a:spcAft>
-                <a:spcPts val="1000"/>
-              </a:spcAft>
-              <a:defRPr sz="1600">
-                <a:latin typeface="Times New Roman"/>
-              </a:defRPr>
-            </a:pPr>
-            <a:r>
-              <a:t>•  GRU &amp; Transformer (Modélisation séquentielle des signaux temporel).</a:t>
+              <a:defRPr sz="1800">
+                <a:latin typeface="Times New Roman"/>
+              </a:defRPr>
+            </a:pPr>
+            <a:r>
+              <a:t>GRU &amp; Transformer (Modélisation séquentielle des signaux temporel).</a:t>
             </a:r>
           </a:p>
           <a:p>
             <a:pPr>
-              <a:spcAft>
-                <a:spcPts val="1000"/>
-              </a:spcAft>
               <a:defRPr sz="1800">
                 <a:latin typeface="Times New Roman"/>
               </a:defRPr>
             </a:pPr>
             <a:r>
-              <a:t>• Métriques d'Évaluation :</a:t>
+              <a:t>Métriques d'Évaluation :</a:t>
             </a:r>
           </a:p>
           <a:p>
             <a:pPr lvl="1">
-              <a:spcAft>
-                <a:spcPts val="1000"/>
-              </a:spcAft>
-              <a:defRPr sz="1600">
-                <a:latin typeface="Times New Roman"/>
-              </a:defRPr>
-            </a:pPr>
-            <a:r>
-              <a:t>•  ROC-AUC : Capacité de discrimination (Métrique Principale).</a:t>
+              <a:defRPr sz="1800">
+                <a:latin typeface="Times New Roman"/>
+              </a:defRPr>
+            </a:pPr>
+            <a:r>
+              <a:t>ROC-AUC : Capacité de discrimination (Métrique Principale).</a:t>
             </a:r>
           </a:p>
           <a:p>
             <a:pPr lvl="1">
-              <a:spcAft>
-                <a:spcPts val="1000"/>
-              </a:spcAft>
-              <a:defRPr sz="1600">
-                <a:latin typeface="Times New Roman"/>
-              </a:defRPr>
-            </a:pPr>
-            <a:r>
-              <a:t>•  PR-AUC : Précision-Rappel (Critique pour l'imbalance).</a:t>
+              <a:defRPr sz="1800">
+                <a:latin typeface="Times New Roman"/>
+              </a:defRPr>
+            </a:pPr>
+            <a:r>
+              <a:t>PR-AUC : Précision-Rappel (Critique pour l'imbalance).</a:t>
             </a:r>
           </a:p>
         </p:txBody>
@@ -4236,7 +4041,7 @@
           <a:lstStyle/>
           <a:p>
             <a:pPr>
-              <a:defRPr b="1" sz="3600">
+              <a:defRPr b="1">
                 <a:solidFill>
                   <a:srgbClr val="003366"/>
                 </a:solidFill>
@@ -4249,41 +4054,17 @@
           </a:p>
         </p:txBody>
       </p:sp>
-      <p:pic>
-        <p:nvPicPr>
-          <p:cNvPr id="3" name="Picture 2" descr="kolecto_logo.png"/>
-          <p:cNvPicPr>
-            <a:picLocks noChangeAspect="1"/>
-          </p:cNvPicPr>
-          <p:nvPr/>
-        </p:nvPicPr>
-        <p:blipFill>
-          <a:blip r:embed="rId2"/>
-          <a:stretch>
-            <a:fillRect/>
-          </a:stretch>
-        </p:blipFill>
-        <p:spPr>
-          <a:xfrm>
-            <a:off x="7863840" y="182880"/>
-            <a:ext cx="1097280" cy="1097280"/>
-          </a:xfrm>
-          <a:prstGeom prst="rect">
-            <a:avLst/>
-          </a:prstGeom>
-        </p:spPr>
-      </p:pic>
       <p:graphicFrame>
         <p:nvGraphicFramePr>
-          <p:cNvPr id="4" name="Table 3"/>
+          <p:cNvPr id="3" name="Table 2"/>
           <p:cNvGraphicFramePr>
             <a:graphicFrameLocks noGrp="1"/>
           </p:cNvGraphicFramePr>
           <p:nvPr/>
         </p:nvGraphicFramePr>
         <p:xfrm>
-          <a:off x="914400" y="1828800"/>
-          <a:ext cx="7315200" cy="2743200"/>
+          <a:off x="914400" y="1371600"/>
+          <a:ext cx="7315200" cy="1828800"/>
         </p:xfrm>
         <a:graphic>
           <a:graphicData uri="http://schemas.openxmlformats.org/drawingml/2006/table">
@@ -4298,7 +4079,7 @@
                 <a:gridCol w="1463040"/>
                 <a:gridCol w="1463040"/>
               </a:tblGrid>
-              <a:tr h="457200">
+              <a:tr h="304800">
                 <a:tc>
                   <a:txBody>
                     <a:bodyPr/>
@@ -4420,7 +4201,7 @@
                   </a:tcPr>
                 </a:tc>
               </a:tr>
-              <a:tr h="457200">
+              <a:tr h="304800">
                 <a:tc>
                   <a:txBody>
                     <a:bodyPr/>
@@ -4507,7 +4288,7 @@
                   <a:tcPr/>
                 </a:tc>
               </a:tr>
-              <a:tr h="457200">
+              <a:tr h="304800">
                 <a:tc>
                   <a:txBody>
                     <a:bodyPr/>
@@ -4594,7 +4375,7 @@
                   <a:tcPr/>
                 </a:tc>
               </a:tr>
-              <a:tr h="457200">
+              <a:tr h="304800">
                 <a:tc>
                   <a:txBody>
                     <a:bodyPr/>
@@ -4681,7 +4462,7 @@
                   <a:tcPr/>
                 </a:tc>
               </a:tr>
-              <a:tr h="457200">
+              <a:tr h="304800">
                 <a:tc>
                   <a:txBody>
                     <a:bodyPr/>
@@ -4768,7 +4549,7 @@
                   <a:tcPr/>
                 </a:tc>
               </a:tr>
-              <a:tr h="457200">
+              <a:tr h="304800">
                 <a:tc>
                   <a:txBody>
                     <a:bodyPr/>
@@ -4861,21 +4642,21 @@
       </p:graphicFrame>
       <p:pic>
         <p:nvPicPr>
-          <p:cNvPr id="5" name="Picture 4" descr="model_comparison.png"/>
+          <p:cNvPr id="4" name="Picture 3" descr="model_comparison.png"/>
           <p:cNvPicPr>
             <a:picLocks noChangeAspect="1"/>
           </p:cNvPicPr>
           <p:nvPr/>
         </p:nvPicPr>
         <p:blipFill>
-          <a:blip r:embed="rId3"/>
+          <a:blip r:embed="rId2"/>
           <a:stretch>
             <a:fillRect/>
           </a:stretch>
         </p:blipFill>
         <p:spPr>
           <a:xfrm>
-            <a:off x="1828800" y="4114800"/>
+            <a:off x="1828800" y="3657600"/>
             <a:ext cx="5486400" cy="1828800"/>
           </a:xfrm>
           <a:prstGeom prst="rect">
@@ -4917,7 +4698,7 @@
           <a:lstStyle/>
           <a:p>
             <a:pPr>
-              <a:defRPr b="1" sz="3600">
+              <a:defRPr b="1">
                 <a:solidFill>
                   <a:srgbClr val="003366"/>
                 </a:solidFill>
@@ -4930,9 +4711,86 @@
           </a:p>
         </p:txBody>
       </p:sp>
+      <p:sp>
+        <p:nvSpPr>
+          <p:cNvPr id="3" name="Content Placeholder 2"/>
+          <p:cNvSpPr>
+            <a:spLocks noGrp="1"/>
+          </p:cNvSpPr>
+          <p:nvPr>
+            <p:ph idx="1"/>
+          </p:nvPr>
+        </p:nvSpPr>
+        <p:spPr/>
+        <p:txBody>
+          <a:bodyPr/>
+          <a:lstStyle/>
+          <a:p/>
+          <a:p>
+            <a:pPr>
+              <a:defRPr sz="1600">
+                <a:latin typeface="Times New Roman"/>
+              </a:defRPr>
+            </a:pPr>
+            <a:r>
+              <a:t>LightGBM (Optuna) :</a:t>
+            </a:r>
+          </a:p>
+          <a:p>
+            <a:pPr lvl="1">
+              <a:defRPr sz="1600">
+                <a:latin typeface="Times New Roman"/>
+              </a:defRPr>
+            </a:pPr>
+            <a:r>
+              <a:t>Recherche efficace (50 essais).</a:t>
+            </a:r>
+          </a:p>
+          <a:p>
+            <a:pPr lvl="1">
+              <a:defRPr sz="1600">
+                <a:latin typeface="Times New Roman"/>
+              </a:defRPr>
+            </a:pPr>
+            <a:r>
+              <a:t>Convergence vers paramètres robustes (n_est=318, lr=0.018).</a:t>
+            </a:r>
+          </a:p>
+          <a:p>
+            <a:pPr>
+              <a:defRPr sz="1600">
+                <a:latin typeface="Times New Roman"/>
+              </a:defRPr>
+            </a:pPr>
+            <a:r>
+              <a:t>Dynamique Deep Learning :</a:t>
+            </a:r>
+          </a:p>
+          <a:p>
+            <a:pPr lvl="1">
+              <a:defRPr sz="1600">
+                <a:latin typeface="Times New Roman"/>
+              </a:defRPr>
+            </a:pPr>
+            <a:r>
+              <a:t>GRU : Bonne baisse de loss training, légère instabilité en validation.</a:t>
+            </a:r>
+          </a:p>
+          <a:p>
+            <a:pPr lvl="1">
+              <a:defRPr sz="1600">
+                <a:latin typeface="Times New Roman"/>
+              </a:defRPr>
+            </a:pPr>
+            <a:r>
+              <a:t>Transformer : Signes d'overfitting (Train Loss &lt;&lt; Val Loss).</a:t>
+            </a:r>
+          </a:p>
+        </p:txBody>
+      </p:sp>
       <p:pic>
         <p:nvPicPr>
-          <p:cNvPr id="3" name="Picture 2" descr="kolecto_logo.png"/>
+          <p:cNvPr id="4" name="Picture 3" descr="lgbm_optimization_history.png"/>
           <p:cNvPicPr>
             <a:picLocks noChangeAspect="1"/>
           </p:cNvPicPr>
@@ -4940,132 +4798,6 @@
         </p:nvPicPr>
         <p:blipFill>
           <a:blip r:embed="rId2"/>
-          <a:stretch>
-            <a:fillRect/>
-          </a:stretch>
-        </p:blipFill>
-        <p:spPr>
-          <a:xfrm>
-            <a:off x="7863840" y="182880"/>
-            <a:ext cx="1097280" cy="1097280"/>
-          </a:xfrm>
-          <a:prstGeom prst="rect">
-            <a:avLst/>
-          </a:prstGeom>
-        </p:spPr>
-      </p:pic>
-      <p:sp>
-        <p:nvSpPr>
-          <p:cNvPr id="4" name="TextBox 3"/>
-          <p:cNvSpPr txBox="1"/>
-          <p:nvPr/>
-        </p:nvSpPr>
-        <p:spPr>
-          <a:xfrm>
-            <a:off x="457200" y="1371600"/>
-            <a:ext cx="8229600" cy="1828800"/>
-          </a:xfrm>
-          <a:prstGeom prst="rect">
-            <a:avLst/>
-          </a:prstGeom>
-          <a:noFill/>
-        </p:spPr>
-        <p:txBody>
-          <a:bodyPr wrap="square">
-            <a:spAutoFit/>
-          </a:bodyPr>
-          <a:lstStyle/>
-          <a:p/>
-          <a:p>
-            <a:pPr>
-              <a:spcAft>
-                <a:spcPts val="500"/>
-              </a:spcAft>
-              <a:defRPr sz="1600">
-                <a:latin typeface="Times New Roman"/>
-              </a:defRPr>
-            </a:pPr>
-            <a:r>
-              <a:t>LightGBM (Optuna) :</a:t>
-            </a:r>
-          </a:p>
-          <a:p>
-            <a:pPr lvl="1">
-              <a:spcAft>
-                <a:spcPts val="500"/>
-              </a:spcAft>
-              <a:defRPr sz="1600">
-                <a:latin typeface="Times New Roman"/>
-              </a:defRPr>
-            </a:pPr>
-            <a:r>
-              <a:t>•  Recherche efficace (50 essais).</a:t>
-            </a:r>
-          </a:p>
-          <a:p>
-            <a:pPr lvl="1">
-              <a:spcAft>
-                <a:spcPts val="500"/>
-              </a:spcAft>
-              <a:defRPr sz="1600">
-                <a:latin typeface="Times New Roman"/>
-              </a:defRPr>
-            </a:pPr>
-            <a:r>
-              <a:t>•  Convergence vers paramètres robustes (n_est=318, lr=0.018).</a:t>
-            </a:r>
-          </a:p>
-          <a:p>
-            <a:pPr>
-              <a:spcAft>
-                <a:spcPts val="500"/>
-              </a:spcAft>
-              <a:defRPr sz="1600">
-                <a:latin typeface="Times New Roman"/>
-              </a:defRPr>
-            </a:pPr>
-            <a:r>
-              <a:t>Dynamique Deep Learning :</a:t>
-            </a:r>
-          </a:p>
-          <a:p>
-            <a:pPr lvl="1">
-              <a:spcAft>
-                <a:spcPts val="500"/>
-              </a:spcAft>
-              <a:defRPr sz="1600">
-                <a:latin typeface="Times New Roman"/>
-              </a:defRPr>
-            </a:pPr>
-            <a:r>
-              <a:t>•  GRU : Bonne baisse de loss training, légère instabilité en validation.</a:t>
-            </a:r>
-          </a:p>
-          <a:p>
-            <a:pPr lvl="1">
-              <a:spcAft>
-                <a:spcPts val="500"/>
-              </a:spcAft>
-              <a:defRPr sz="1600">
-                <a:latin typeface="Times New Roman"/>
-              </a:defRPr>
-            </a:pPr>
-            <a:r>
-              <a:t>•  Transformer : Signes d'overfitting (Train Loss &lt;&lt; Val Loss).</a:t>
-            </a:r>
-          </a:p>
-        </p:txBody>
-      </p:sp>
-      <p:pic>
-        <p:nvPicPr>
-          <p:cNvPr id="5" name="Picture 4" descr="lgbm_optimization_history.png"/>
-          <p:cNvPicPr>
-            <a:picLocks noChangeAspect="1"/>
-          </p:cNvPicPr>
-          <p:nvPr/>
-        </p:nvPicPr>
-        <p:blipFill>
-          <a:blip r:embed="rId3"/>
           <a:stretch>
             <a:fillRect/>
           </a:stretch>
@@ -5082,14 +4814,14 @@
       </p:pic>
       <p:pic>
         <p:nvPicPr>
-          <p:cNvPr id="6" name="Picture 5" descr="gru_training_loss.png"/>
+          <p:cNvPr id="5" name="Picture 4" descr="gru_training_loss.png"/>
           <p:cNvPicPr>
             <a:picLocks noChangeAspect="1"/>
           </p:cNvPicPr>
           <p:nvPr/>
         </p:nvPicPr>
         <p:blipFill>
-          <a:blip r:embed="rId4"/>
+          <a:blip r:embed="rId3"/>
           <a:stretch>
             <a:fillRect/>
           </a:stretch>
@@ -5106,14 +4838,14 @@
       </p:pic>
       <p:pic>
         <p:nvPicPr>
-          <p:cNvPr id="7" name="Picture 6" descr="transformer_training_loss.png"/>
+          <p:cNvPr id="6" name="Picture 5" descr="transformer_training_loss.png"/>
           <p:cNvPicPr>
             <a:picLocks noChangeAspect="1"/>
           </p:cNvPicPr>
           <p:nvPr/>
         </p:nvPicPr>
         <p:blipFill>
-          <a:blip r:embed="rId5"/>
+          <a:blip r:embed="rId4"/>
           <a:stretch>
             <a:fillRect/>
           </a:stretch>
@@ -5162,7 +4894,7 @@
           <a:lstStyle/>
           <a:p>
             <a:pPr>
-              <a:defRPr b="1" sz="3600">
+              <a:defRPr b="1">
                 <a:solidFill>
                   <a:srgbClr val="003366"/>
                 </a:solidFill>
@@ -5175,9 +4907,100 @@
           </a:p>
         </p:txBody>
       </p:sp>
+      <p:sp>
+        <p:nvSpPr>
+          <p:cNvPr id="3" name="Content Placeholder 2"/>
+          <p:cNvSpPr>
+            <a:spLocks noGrp="1"/>
+          </p:cNvSpPr>
+          <p:nvPr>
+            <p:ph idx="1"/>
+          </p:nvPr>
+        </p:nvSpPr>
+        <p:spPr>
+          <a:xfrm>
+            <a:ext cx="0" cy="2743200"/>
+          </a:xfrm>
+        </p:spPr>
+        <p:txBody>
+          <a:bodyPr/>
+          <a:lstStyle/>
+          <a:p/>
+          <a:p>
+            <a:pPr>
+              <a:defRPr sz="1800">
+                <a:latin typeface="Times New Roman"/>
+              </a:defRPr>
+            </a:pPr>
+            <a:r>
+              <a:t>Meilleurs Prédicteurs :</a:t>
+            </a:r>
+          </a:p>
+          <a:p>
+            <a:pPr lvl="1">
+              <a:defRPr sz="1800">
+                <a:latin typeface="Times New Roman"/>
+              </a:defRPr>
+            </a:pPr>
+            <a:r>
+              <a:t>company_age : Les entreprises plus anciennes/stables convertissent mieux.</a:t>
+            </a:r>
+          </a:p>
+          <a:p>
+            <a:pPr lvl="1">
+              <a:defRPr sz="1800">
+                <a:latin typeface="Times New Roman"/>
+              </a:defRPr>
+            </a:pPr>
+            <a:r>
+              <a:t>naf_code : Certains secteurs ont une affinité plus forte.</a:t>
+            </a:r>
+          </a:p>
+          <a:p>
+            <a:pPr lvl="1">
+              <a:defRPr sz="1800">
+                <a:latin typeface="Times New Roman"/>
+              </a:defRPr>
+            </a:pPr>
+            <a:r>
+              <a:t>nb_client_invoices_created_sum : L'usage (Facturation) est le signal #1.</a:t>
+            </a:r>
+          </a:p>
+          <a:p>
+            <a:pPr>
+              <a:defRPr sz="1800">
+                <a:latin typeface="Times New Roman"/>
+              </a:defRPr>
+            </a:pPr>
+            <a:r>
+              <a:t>Insights Actionnables :</a:t>
+            </a:r>
+          </a:p>
+          <a:p>
+            <a:pPr lvl="1">
+              <a:defRPr sz="1800">
+                <a:latin typeface="Times New Roman"/>
+              </a:defRPr>
+            </a:pPr>
+            <a:r>
+              <a:t>L'Activation Compte : Une utilisation précoce (Jours 1-3) est critique.</a:t>
+            </a:r>
+          </a:p>
+          <a:p>
+            <a:pPr lvl="1">
+              <a:defRPr sz="1800">
+                <a:latin typeface="Times New Roman"/>
+              </a:defRPr>
+            </a:pPr>
+            <a:r>
+              <a:t>Ciblage : Concentrer le CX sur les TPEs avec faible activité initiale.</a:t>
+            </a:r>
+          </a:p>
+        </p:txBody>
+      </p:sp>
       <p:pic>
         <p:nvPicPr>
-          <p:cNvPr id="3" name="Picture 2" descr="kolecto_logo.png"/>
+          <p:cNvPr id="4" name="Picture 3" descr="xgb_feature_importance.png"/>
           <p:cNvPicPr>
             <a:picLocks noChangeAspect="1"/>
           </p:cNvPicPr>
@@ -5191,147 +5014,8 @@
         </p:blipFill>
         <p:spPr>
           <a:xfrm>
-            <a:off x="7863840" y="182880"/>
-            <a:ext cx="1097280" cy="1097280"/>
-          </a:xfrm>
-          <a:prstGeom prst="rect">
-            <a:avLst/>
-          </a:prstGeom>
-        </p:spPr>
-      </p:pic>
-      <p:sp>
-        <p:nvSpPr>
-          <p:cNvPr id="4" name="TextBox 3"/>
-          <p:cNvSpPr txBox="1"/>
-          <p:nvPr/>
-        </p:nvSpPr>
-        <p:spPr>
-          <a:xfrm>
-            <a:off x="457200" y="1371600"/>
-            <a:ext cx="8229600" cy="2286000"/>
-          </a:xfrm>
-          <a:prstGeom prst="rect">
-            <a:avLst/>
-          </a:prstGeom>
-          <a:noFill/>
-        </p:spPr>
-        <p:txBody>
-          <a:bodyPr wrap="square">
-            <a:spAutoFit/>
-          </a:bodyPr>
-          <a:lstStyle/>
-          <a:p/>
-          <a:p>
-            <a:pPr>
-              <a:spcAft>
-                <a:spcPts val="1000"/>
-              </a:spcAft>
-              <a:defRPr sz="1800">
-                <a:latin typeface="Times New Roman"/>
-              </a:defRPr>
-            </a:pPr>
-            <a:r>
-              <a:t>• Meilleurs Prédicteurs :</a:t>
-            </a:r>
-          </a:p>
-          <a:p>
-            <a:pPr lvl="1">
-              <a:spcAft>
-                <a:spcPts val="1000"/>
-              </a:spcAft>
-              <a:defRPr sz="1600">
-                <a:latin typeface="Times New Roman"/>
-              </a:defRPr>
-            </a:pPr>
-            <a:r>
-              <a:t>•  company_age : Les entreprises plus anciennes/stables convertissent mieux.</a:t>
-            </a:r>
-          </a:p>
-          <a:p>
-            <a:pPr lvl="1">
-              <a:spcAft>
-                <a:spcPts val="1000"/>
-              </a:spcAft>
-              <a:defRPr sz="1600">
-                <a:latin typeface="Times New Roman"/>
-              </a:defRPr>
-            </a:pPr>
-            <a:r>
-              <a:t>•  naf_code : Certains secteurs ont une affinité plus forte.</a:t>
-            </a:r>
-          </a:p>
-          <a:p>
-            <a:pPr lvl="1">
-              <a:spcAft>
-                <a:spcPts val="1000"/>
-              </a:spcAft>
-              <a:defRPr sz="1600">
-                <a:latin typeface="Times New Roman"/>
-              </a:defRPr>
-            </a:pPr>
-            <a:r>
-              <a:t>•  nb_client_invoices_created_sum : L'usage (Facturation) est le signal #1.</a:t>
-            </a:r>
-          </a:p>
-          <a:p>
-            <a:pPr>
-              <a:spcAft>
-                <a:spcPts val="1000"/>
-              </a:spcAft>
-              <a:defRPr sz="1800">
-                <a:latin typeface="Times New Roman"/>
-              </a:defRPr>
-            </a:pPr>
-            <a:r>
-              <a:t>• Insights Actionnables :</a:t>
-            </a:r>
-          </a:p>
-          <a:p>
-            <a:pPr lvl="1">
-              <a:spcAft>
-                <a:spcPts val="1000"/>
-              </a:spcAft>
-              <a:defRPr sz="1600">
-                <a:latin typeface="Times New Roman"/>
-              </a:defRPr>
-            </a:pPr>
-            <a:r>
-              <a:t>•  L'Activation Compte : Une utilisation précoce (Jours 1-3) est critique.</a:t>
-            </a:r>
-          </a:p>
-          <a:p>
-            <a:pPr lvl="1">
-              <a:spcAft>
-                <a:spcPts val="1000"/>
-              </a:spcAft>
-              <a:defRPr sz="1600">
-                <a:latin typeface="Times New Roman"/>
-              </a:defRPr>
-            </a:pPr>
-            <a:r>
-              <a:t>•  Ciblage : Concentrer le CX sur les TPEs avec faible activité initiale.</a:t>
-            </a:r>
-          </a:p>
-        </p:txBody>
-      </p:sp>
-      <p:pic>
-        <p:nvPicPr>
-          <p:cNvPr id="5" name="Picture 4" descr="xgb_feature_importance.png"/>
-          <p:cNvPicPr>
-            <a:picLocks noChangeAspect="1"/>
-          </p:cNvPicPr>
-          <p:nvPr/>
-        </p:nvPicPr>
-        <p:blipFill>
-          <a:blip r:embed="rId3"/>
-          <a:stretch>
-            <a:fillRect/>
-          </a:stretch>
-        </p:blipFill>
-        <p:spPr>
-          <a:xfrm>
-            <a:off x="2743200" y="3840480"/>
-            <a:ext cx="3657600" cy="2926080"/>
+            <a:off x="1828800" y="3657600"/>
+            <a:ext cx="5486400" cy="4389120"/>
           </a:xfrm>
           <a:prstGeom prst="rect">
             <a:avLst/>
@@ -5372,7 +5056,7 @@
           <a:lstStyle/>
           <a:p>
             <a:pPr>
-              <a:defRPr b="1" sz="3600">
+              <a:defRPr b="1">
                 <a:solidFill>
                   <a:srgbClr val="003366"/>
                 </a:solidFill>
@@ -5385,154 +5069,99 @@
           </a:p>
         </p:txBody>
       </p:sp>
-      <p:pic>
-        <p:nvPicPr>
-          <p:cNvPr id="3" name="Picture 2" descr="kolecto_logo.png"/>
-          <p:cNvPicPr>
-            <a:picLocks noChangeAspect="1"/>
-          </p:cNvPicPr>
-          <p:nvPr/>
-        </p:nvPicPr>
-        <p:blipFill>
-          <a:blip r:embed="rId2"/>
-          <a:stretch>
-            <a:fillRect/>
-          </a:stretch>
-        </p:blipFill>
-        <p:spPr>
-          <a:xfrm>
-            <a:off x="7863840" y="182880"/>
-            <a:ext cx="1097280" cy="1097280"/>
-          </a:xfrm>
-          <a:prstGeom prst="rect">
-            <a:avLst/>
-          </a:prstGeom>
-        </p:spPr>
-      </p:pic>
-      <p:sp>
-        <p:nvSpPr>
-          <p:cNvPr id="4" name="TextBox 3"/>
-          <p:cNvSpPr txBox="1"/>
-          <p:nvPr/>
-        </p:nvSpPr>
-        <p:spPr>
-          <a:xfrm>
-            <a:off x="457200" y="1371600"/>
-            <a:ext cx="8229600" cy="4572000"/>
-          </a:xfrm>
-          <a:prstGeom prst="rect">
-            <a:avLst/>
-          </a:prstGeom>
-          <a:noFill/>
-        </p:spPr>
-        <p:txBody>
-          <a:bodyPr wrap="square">
-            <a:spAutoFit/>
-          </a:bodyPr>
+      <p:sp>
+        <p:nvSpPr>
+          <p:cNvPr id="3" name="Content Placeholder 2"/>
+          <p:cNvSpPr>
+            <a:spLocks noGrp="1"/>
+          </p:cNvSpPr>
+          <p:nvPr>
+            <p:ph idx="1"/>
+          </p:nvPr>
+        </p:nvSpPr>
+        <p:spPr/>
+        <p:txBody>
+          <a:bodyPr/>
           <a:lstStyle/>
           <a:p/>
           <a:p>
             <a:pPr>
-              <a:spcAft>
-                <a:spcPts val="1000"/>
-              </a:spcAft>
               <a:defRPr sz="1800">
                 <a:latin typeface="Times New Roman"/>
               </a:defRPr>
             </a:pPr>
             <a:r>
-              <a:t>• Impact Estimé :</a:t>
+              <a:t>Impact Estimé :</a:t>
             </a:r>
           </a:p>
           <a:p>
             <a:pPr lvl="1">
-              <a:spcAft>
-                <a:spcPts val="1000"/>
-              </a:spcAft>
-              <a:defRPr sz="1600">
-                <a:latin typeface="Times New Roman"/>
-              </a:defRPr>
-            </a:pPr>
-            <a:r>
-              <a:t>•  Cible : ~400 essais/mois.</a:t>
+              <a:defRPr sz="1800">
+                <a:latin typeface="Times New Roman"/>
+              </a:defRPr>
+            </a:pPr>
+            <a:r>
+              <a:t>Cible : ~400 essais/mois.</a:t>
             </a:r>
           </a:p>
           <a:p>
             <a:pPr lvl="1">
-              <a:spcAft>
-                <a:spcPts val="1000"/>
-              </a:spcAft>
-              <a:defRPr sz="1600">
-                <a:latin typeface="Times New Roman"/>
-              </a:defRPr>
-            </a:pPr>
-            <a:r>
-              <a:t>•  Lift : +5-8% de conversion via intervention ciblée.</a:t>
+              <a:defRPr sz="1800">
+                <a:latin typeface="Times New Roman"/>
+              </a:defRPr>
+            </a:pPr>
+            <a:r>
+              <a:t>Lift : +5-8% de conversion via intervention ciblée.</a:t>
             </a:r>
           </a:p>
           <a:p>
             <a:pPr lvl="1">
-              <a:spcAft>
-                <a:spcPts val="1000"/>
-              </a:spcAft>
-              <a:defRPr sz="1600">
-                <a:latin typeface="Times New Roman"/>
-              </a:defRPr>
-            </a:pPr>
-            <a:r>
-              <a:t>•  Valeur : 400 * 0.05 * 3k€ (LTV) = ~60k€/mois -&gt; 720k€/an.</a:t>
+              <a:defRPr sz="1800">
+                <a:latin typeface="Times New Roman"/>
+              </a:defRPr>
+            </a:pPr>
+            <a:r>
+              <a:t>Valeur : 400 * 0.05 * 3k€ (LTV) = ~60k€/mois -&gt; 720k€/an.</a:t>
             </a:r>
           </a:p>
           <a:p>
             <a:pPr>
-              <a:spcAft>
-                <a:spcPts val="1000"/>
-              </a:spcAft>
               <a:defRPr sz="1800">
                 <a:latin typeface="Times New Roman"/>
               </a:defRPr>
             </a:pPr>
             <a:r>
-              <a:t>• Recommandations :</a:t>
+              <a:t>Recommandations :</a:t>
             </a:r>
           </a:p>
           <a:p>
             <a:pPr lvl="1">
-              <a:spcAft>
-                <a:spcPts val="1000"/>
-              </a:spcAft>
-              <a:defRPr sz="1600">
-                <a:latin typeface="Times New Roman"/>
-              </a:defRPr>
-            </a:pPr>
-            <a:r>
-              <a:t>•  Jours 1-3 (Automatisé) : Nudge si 'nb_connections' &lt; 2.</a:t>
+              <a:defRPr sz="1800">
+                <a:latin typeface="Times New Roman"/>
+              </a:defRPr>
+            </a:pPr>
+            <a:r>
+              <a:t>Jours 1-3 (Automatisé) : Nudge si 'nb_connections' &lt; 2.</a:t>
             </a:r>
           </a:p>
           <a:p>
             <a:pPr lvl="1">
-              <a:spcAft>
-                <a:spcPts val="1000"/>
-              </a:spcAft>
-              <a:defRPr sz="1600">
-                <a:latin typeface="Times New Roman"/>
-              </a:defRPr>
-            </a:pPr>
-            <a:r>
-              <a:t>•  Jours 7-10 (Humain) : Appel CX si Prob. Désabonnement &gt; 60%.</a:t>
+              <a:defRPr sz="1800">
+                <a:latin typeface="Times New Roman"/>
+              </a:defRPr>
+            </a:pPr>
+            <a:r>
+              <a:t>Jours 7-10 (Humain) : Appel CX si Prob. Désabonnement &gt; 60%.</a:t>
             </a:r>
           </a:p>
           <a:p>
             <a:pPr lvl="1">
-              <a:spcAft>
-                <a:spcPts val="1000"/>
-              </a:spcAft>
-              <a:defRPr sz="1600">
-                <a:latin typeface="Times New Roman"/>
-              </a:defRPr>
-            </a:pPr>
-            <a:r>
-              <a:t>•  Déploiement : A/B Test des interventions pour mesurer l'uplift réel.</a:t>
+              <a:defRPr sz="1800">
+                <a:latin typeface="Times New Roman"/>
+              </a:defRPr>
+            </a:pPr>
+            <a:r>
+              <a:t>Déploiement : A/B Test des interventions pour mesurer l'uplift réel.</a:t>
             </a:r>
           </a:p>
         </p:txBody>
@@ -5571,7 +5200,7 @@
           <a:lstStyle/>
           <a:p>
             <a:pPr>
-              <a:defRPr b="1" sz="3600">
+              <a:defRPr b="1">
                 <a:solidFill>
                   <a:srgbClr val="003366"/>
                 </a:solidFill>
@@ -5584,141 +5213,89 @@
           </a:p>
         </p:txBody>
       </p:sp>
-      <p:pic>
-        <p:nvPicPr>
-          <p:cNvPr id="3" name="Picture 2" descr="kolecto_logo.png"/>
-          <p:cNvPicPr>
-            <a:picLocks noChangeAspect="1"/>
-          </p:cNvPicPr>
-          <p:nvPr/>
-        </p:nvPicPr>
-        <p:blipFill>
-          <a:blip r:embed="rId2"/>
-          <a:stretch>
-            <a:fillRect/>
-          </a:stretch>
-        </p:blipFill>
-        <p:spPr>
-          <a:xfrm>
-            <a:off x="7863840" y="182880"/>
-            <a:ext cx="1097280" cy="1097280"/>
-          </a:xfrm>
-          <a:prstGeom prst="rect">
-            <a:avLst/>
-          </a:prstGeom>
-        </p:spPr>
-      </p:pic>
-      <p:sp>
-        <p:nvSpPr>
-          <p:cNvPr id="4" name="TextBox 3"/>
-          <p:cNvSpPr txBox="1"/>
-          <p:nvPr/>
-        </p:nvSpPr>
-        <p:spPr>
-          <a:xfrm>
-            <a:off x="457200" y="1371600"/>
-            <a:ext cx="8229600" cy="4572000"/>
-          </a:xfrm>
-          <a:prstGeom prst="rect">
-            <a:avLst/>
-          </a:prstGeom>
-          <a:noFill/>
-        </p:spPr>
-        <p:txBody>
-          <a:bodyPr wrap="square">
-            <a:spAutoFit/>
-          </a:bodyPr>
+      <p:sp>
+        <p:nvSpPr>
+          <p:cNvPr id="3" name="Content Placeholder 2"/>
+          <p:cNvSpPr>
+            <a:spLocks noGrp="1"/>
+          </p:cNvSpPr>
+          <p:nvPr>
+            <p:ph idx="1"/>
+          </p:nvPr>
+        </p:nvSpPr>
+        <p:spPr/>
+        <p:txBody>
+          <a:bodyPr/>
           <a:lstStyle/>
           <a:p/>
           <a:p>
             <a:pPr>
-              <a:spcAft>
-                <a:spcPts val="1000"/>
-              </a:spcAft>
               <a:defRPr sz="1800">
                 <a:latin typeface="Times New Roman"/>
               </a:defRPr>
             </a:pPr>
             <a:r>
-              <a:t>• Limitations :</a:t>
+              <a:t>Limitations :</a:t>
             </a:r>
           </a:p>
           <a:p>
             <a:pPr lvl="1">
-              <a:spcAft>
-                <a:spcPts val="1000"/>
-              </a:spcAft>
-              <a:defRPr sz="1600">
-                <a:latin typeface="Times New Roman"/>
-              </a:defRPr>
-            </a:pPr>
-            <a:r>
-              <a:t>•  Faible Volume de Données : ~416 essais limitent le potentiel du Deep Learning.</a:t>
+              <a:defRPr sz="1800">
+                <a:latin typeface="Times New Roman"/>
+              </a:defRPr>
+            </a:pPr>
+            <a:r>
+              <a:t>Faible Volume de Données : ~416 essais limitent le potentiel du Deep Learning.</a:t>
             </a:r>
           </a:p>
           <a:p>
             <a:pPr lvl="1">
-              <a:spcAft>
-                <a:spcPts val="1000"/>
-              </a:spcAft>
-              <a:defRPr sz="1600">
-                <a:latin typeface="Times New Roman"/>
-              </a:defRPr>
-            </a:pPr>
-            <a:r>
-              <a:t>•  Facteurs Externes : Pas de données sur le contexte économique ou la saisonnalité.</a:t>
+              <a:defRPr sz="1800">
+                <a:latin typeface="Times New Roman"/>
+              </a:defRPr>
+            </a:pPr>
+            <a:r>
+              <a:t>Facteurs Externes : Pas de données sur le contexte économique ou la saisonnalité.</a:t>
             </a:r>
           </a:p>
           <a:p>
             <a:pPr>
-              <a:spcAft>
-                <a:spcPts val="1000"/>
-              </a:spcAft>
               <a:defRPr sz="1800">
                 <a:latin typeface="Times New Roman"/>
               </a:defRPr>
             </a:pPr>
             <a:r>
-              <a:t>• Améliorations Futures :</a:t>
+              <a:t>Améliorations Futures :</a:t>
             </a:r>
           </a:p>
           <a:p>
             <a:pPr lvl="1">
-              <a:spcAft>
-                <a:spcPts val="1000"/>
-              </a:spcAft>
-              <a:defRPr sz="1600">
-                <a:latin typeface="Times New Roman"/>
-              </a:defRPr>
-            </a:pPr>
-            <a:r>
-              <a:t>•  Ensemble Hybride : Combiner LightGBM (Tabulaire) + GRU (Séquentiel).</a:t>
+              <a:defRPr sz="1800">
+                <a:latin typeface="Times New Roman"/>
+              </a:defRPr>
+            </a:pPr>
+            <a:r>
+              <a:t>Ensemble Hybride : Combiner LightGBM (Tabulaire) + GRU (Séquentiel).</a:t>
             </a:r>
           </a:p>
           <a:p>
             <a:pPr lvl="1">
-              <a:spcAft>
-                <a:spcPts val="1000"/>
-              </a:spcAft>
-              <a:defRPr sz="1600">
-                <a:latin typeface="Times New Roman"/>
-              </a:defRPr>
-            </a:pPr>
-            <a:r>
-              <a:t>•  Causal ML : Modéliser l'uplift (Persuadables vs Do-not-disturb).</a:t>
+              <a:defRPr sz="1800">
+                <a:latin typeface="Times New Roman"/>
+              </a:defRPr>
+            </a:pPr>
+            <a:r>
+              <a:t>Causal ML : Modéliser l'uplift (Persuadables vs Do-not-disturb).</a:t>
             </a:r>
           </a:p>
           <a:p>
             <a:pPr lvl="1">
-              <a:spcAft>
-                <a:spcPts val="1000"/>
-              </a:spcAft>
-              <a:defRPr sz="1600">
-                <a:latin typeface="Times New Roman"/>
-              </a:defRPr>
-            </a:pPr>
-            <a:r>
-              <a:t>•  Entraînement Continu : Réentraînement mensuel pour gérer le 'data drift'.</a:t>
+              <a:defRPr sz="1800">
+                <a:latin typeface="Times New Roman"/>
+              </a:defRPr>
+            </a:pPr>
+            <a:r>
+              <a:t>Entraînement Continu : Réentraînement mensuel pour gérer le 'data drift'.</a:t>
             </a:r>
           </a:p>
         </p:txBody>

--- a/Presentations_Resultats_Projet.pptx
+++ b/Presentations_Resultats_Projet.pptx
@@ -15,6 +15,10 @@
     <p:sldId id="263" r:id="rId14"/>
     <p:sldId id="264" r:id="rId15"/>
     <p:sldId id="265" r:id="rId16"/>
+    <p:sldId id="266" r:id="rId17"/>
+    <p:sldId id="267" r:id="rId18"/>
+    <p:sldId id="268" r:id="rId19"/>
+    <p:sldId id="269" r:id="rId20"/>
   </p:sldIdLst>
   <p:sldSz cx="9144000" cy="6858000" type="screen4x3"/>
   <p:notesSz cx="6858000" cy="9144000"/>
@@ -3112,21 +3116,8 @@
           <a:bodyPr/>
           <a:lstStyle/>
           <a:p>
-            <a:pPr>
-              <a:defRPr b="1">
-                <a:solidFill>
-                  <a:srgbClr val="003366"/>
-                </a:solidFill>
-                <a:latin typeface="Times New Roman"/>
-              </a:defRPr>
-            </a:pPr>
-            <a:r>
-              <a:t>Prédiction de Conversion Trial-to-Paid :</a:t>
-            </a:r>
-          </a:p>
-          <a:p>
-            <a:r>
-              <a:t>Insights Data-Driven pour Kolecto</a:t>
+            <a:r>
+              <a:t>Prédiction de Conversion Trial-to-Paid</a:t>
             </a:r>
           </a:p>
         </p:txBody>
@@ -3146,58 +3137,18 @@
           <a:bodyPr/>
           <a:lstStyle/>
           <a:p>
-            <a:pPr>
-              <a:defRPr>
-                <a:latin typeface="Times New Roman"/>
-              </a:defRPr>
-            </a:pPr>
-            <a:r>
-              <a:t>Améliorer le taux de conversion de ~60% via l'analyse des signaux précurseurs et le Machine Learning</a:t>
-            </a:r>
-          </a:p>
-          <a:p>
-            <a:pPr>
-              <a:defRPr>
-                <a:latin typeface="Times New Roman"/>
-              </a:defRPr>
-            </a:pPr>
-          </a:p>
-          <a:p>
-            <a:pPr>
-              <a:defRPr>
-                <a:latin typeface="Times New Roman"/>
-              </a:defRPr>
-            </a:pPr>
-            <a:r>
-              <a:t>Antigravity Agent – 2025-12-11</a:t>
-            </a:r>
-          </a:p>
-        </p:txBody>
-      </p:sp>
-      <p:pic>
-        <p:nvPicPr>
-          <p:cNvPr id="4" name="Picture 3" descr="kolecto_logo.png"/>
-          <p:cNvPicPr>
-            <a:picLocks noChangeAspect="1"/>
-          </p:cNvPicPr>
-          <p:nvPr/>
-        </p:nvPicPr>
-        <p:blipFill>
-          <a:blip r:embed="rId2"/>
-          <a:stretch>
-            <a:fillRect/>
-          </a:stretch>
-        </p:blipFill>
-        <p:spPr>
-          <a:xfrm>
-            <a:off x="457200" y="457200"/>
-            <a:ext cx="914400" cy="914400"/>
-          </a:xfrm>
-          <a:prstGeom prst="rect">
-            <a:avLst/>
-          </a:prstGeom>
-        </p:spPr>
-      </p:pic>
+            <a:r>
+              <a:t>Analyse des signaux précurseurs &amp; Modélisation Prédictive</a:t>
+            </a:r>
+          </a:p>
+          <a:p/>
+          <a:p>
+            <a:r>
+              <a:t>Réalisé pour Kolecto</a:t>
+            </a:r>
+          </a:p>
+        </p:txBody>
+      </p:sp>
     </p:spTree>
   </p:cSld>
   <p:clrMapOvr>
@@ -3236,11 +3187,10 @@
                 <a:solidFill>
                   <a:srgbClr val="003366"/>
                 </a:solidFill>
-                <a:latin typeface="Times New Roman"/>
               </a:defRPr>
             </a:pPr>
             <a:r>
-              <a:t>Conclusion &amp; Prochaines Étapes</a:t>
+              <a:t>6. Résultats des Modèles (Leaderboard)</a:t>
             </a:r>
           </a:p>
         </p:txBody>
@@ -3262,72 +3212,606 @@
           <a:p/>
           <a:p>
             <a:pPr>
-              <a:defRPr sz="1800">
-                <a:latin typeface="Times New Roman"/>
+              <a:spcAft>
+                <a:spcPts val="1000"/>
+              </a:spcAft>
+              <a:defRPr sz="1800"/>
+            </a:pPr>
+            <a:r>
+              <a:t>LightGBM domine les performances sur les données tabulaires :</a:t>
+            </a:r>
+          </a:p>
+          <a:p>
+            <a:pPr>
+              <a:spcAft>
+                <a:spcPts val="1000"/>
+              </a:spcAft>
+              <a:defRPr sz="1800"/>
+            </a:pPr>
+            <a:r>
+              <a:t>   - ROC-AUC : ~0.80 (Excellente discrimination)</a:t>
+            </a:r>
+          </a:p>
+          <a:p>
+            <a:pPr>
+              <a:spcAft>
+                <a:spcPts val="1000"/>
+              </a:spcAft>
+              <a:defRPr sz="1800"/>
+            </a:pPr>
+            <a:r>
+              <a:t>   - Accuracy : ~72% (Solide pour un problème business)</a:t>
+            </a:r>
+          </a:p>
+          <a:p>
+            <a:pPr>
+              <a:spcAft>
+                <a:spcPts val="1000"/>
+              </a:spcAft>
+              <a:defRPr sz="1800"/>
+            </a:pPr>
+            <a:r>
+              <a:t>Comparatif :</a:t>
+            </a:r>
+          </a:p>
+          <a:p>
+            <a:pPr>
+              <a:spcAft>
+                <a:spcPts val="1000"/>
+              </a:spcAft>
+              <a:defRPr sz="1800"/>
+            </a:pPr>
+            <a:r>
+              <a:t>   - Deep Learning (Transformer/GRU) : ROC-AUC ~0.73. Capture bien la dynamique mais moins de données.</a:t>
+            </a:r>
+          </a:p>
+          <a:p>
+            <a:pPr>
+              <a:spcAft>
+                <a:spcPts val="1000"/>
+              </a:spcAft>
+              <a:defRPr sz="1800"/>
+            </a:pPr>
+            <a:r>
+              <a:t>   - Baseline (Logistic Regression) : ROC-AUC ~0.69. Limité par la non-linéarité.</a:t>
+            </a:r>
+          </a:p>
+          <a:p>
+            <a:pPr>
+              <a:spcAft>
+                <a:spcPts val="1000"/>
+              </a:spcAft>
+              <a:defRPr sz="1800"/>
+            </a:pPr>
+            <a:r>
+              <a:t>Conclusion : Le Boosting est le choix de production idéal (Rapidité/Perf).</a:t>
+            </a:r>
+          </a:p>
+        </p:txBody>
+      </p:sp>
+    </p:spTree>
+  </p:cSld>
+  <p:clrMapOvr>
+    <a:masterClrMapping/>
+  </p:clrMapOvr>
+</p:sld>
+</file>
+
+<file path=ppt/slides/slide11.xml><?xml version="1.0" encoding="utf-8"?>
+<p:sld xmlns:a="http://schemas.openxmlformats.org/drawingml/2006/main" xmlns:p="http://schemas.openxmlformats.org/presentationml/2006/main" xmlns:r="http://schemas.openxmlformats.org/officeDocument/2006/relationships">
+  <p:cSld>
+    <p:spTree>
+      <p:nvGrpSpPr>
+        <p:cNvPr id="1" name=""/>
+        <p:cNvGrpSpPr/>
+        <p:nvPr/>
+      </p:nvGrpSpPr>
+      <p:grpSpPr/>
+      <p:sp>
+        <p:nvSpPr>
+          <p:cNvPr id="2" name="Title 1"/>
+          <p:cNvSpPr>
+            <a:spLocks noGrp="1"/>
+          </p:cNvSpPr>
+          <p:nvPr>
+            <p:ph type="title"/>
+          </p:nvPr>
+        </p:nvSpPr>
+        <p:spPr/>
+        <p:txBody>
+          <a:bodyPr/>
+          <a:lstStyle/>
+          <a:p>
+            <a:pPr>
+              <a:defRPr b="1">
+                <a:solidFill>
+                  <a:srgbClr val="003366"/>
+                </a:solidFill>
               </a:defRPr>
             </a:pPr>
             <a:r>
-              <a:t>Résumé :</a:t>
-            </a:r>
-          </a:p>
-          <a:p>
-            <a:pPr lvl="1">
-              <a:defRPr sz="1800">
-                <a:latin typeface="Times New Roman"/>
+              <a:t>7. Quels sont les signaux précurseurs ?</a:t>
+            </a:r>
+          </a:p>
+        </p:txBody>
+      </p:sp>
+      <p:sp>
+        <p:nvSpPr>
+          <p:cNvPr id="3" name="Content Placeholder 2"/>
+          <p:cNvSpPr>
+            <a:spLocks noGrp="1"/>
+          </p:cNvSpPr>
+          <p:nvPr>
+            <p:ph idx="1"/>
+          </p:nvPr>
+        </p:nvSpPr>
+        <p:spPr/>
+        <p:txBody>
+          <a:bodyPr/>
+          <a:lstStyle/>
+          <a:p/>
+          <a:p>
+            <a:pPr>
+              <a:spcAft>
+                <a:spcPts val="1000"/>
+              </a:spcAft>
+              <a:defRPr sz="1800"/>
+            </a:pPr>
+            <a:r>
+              <a:t>L'analyse d'importance (SHAP/Gain) révèle les comportements critiques :</a:t>
+            </a:r>
+          </a:p>
+          <a:p>
+            <a:pPr>
+              <a:spcAft>
+                <a:spcPts val="1000"/>
+              </a:spcAft>
+              <a:defRPr sz="1800"/>
+            </a:pPr>
+            <a:r>
+              <a:t>1. Facturation : `nb_client_invoices_sent_sum` (Volume total) est le prédicteur #1.</a:t>
+            </a:r>
+          </a:p>
+          <a:p>
+            <a:pPr>
+              <a:spcAft>
+                <a:spcPts val="1000"/>
+              </a:spcAft>
+              <a:defRPr sz="1800"/>
+            </a:pPr>
+            <a:r>
+              <a:t>2. Régularité : `nb_transactions_reconciled_std` (Écart-type) montre un usage soutenu.</a:t>
+            </a:r>
+          </a:p>
+          <a:p>
+            <a:pPr>
+              <a:spcAft>
+                <a:spcPts val="1000"/>
+              </a:spcAft>
+              <a:defRPr sz="1800"/>
+            </a:pPr>
+            <a:r>
+              <a:t>3. Connexion Mobile : `nb_mobile_connections` signale un engagement fort.</a:t>
+            </a:r>
+          </a:p>
+          <a:p>
+            <a:pPr>
+              <a:spcAft>
+                <a:spcPts val="1000"/>
+              </a:spcAft>
+              <a:defRPr sz="1800"/>
+            </a:pPr>
+            <a:r>
+              <a:t>4. Configuration : `nb_banking_accounts_connected` est le verrou technique.</a:t>
+            </a:r>
+          </a:p>
+          <a:p>
+            <a:pPr>
+              <a:spcAft>
+                <a:spcPts val="1000"/>
+              </a:spcAft>
+              <a:defRPr sz="1800"/>
+            </a:pPr>
+            <a:r>
+              <a:t>Insights : L'usage intensif (Factures/Mobile) tôt dans l'essai garanti la conversion.</a:t>
+            </a:r>
+          </a:p>
+        </p:txBody>
+      </p:sp>
+    </p:spTree>
+  </p:cSld>
+  <p:clrMapOvr>
+    <a:masterClrMapping/>
+  </p:clrMapOvr>
+</p:sld>
+</file>
+
+<file path=ppt/slides/slide12.xml><?xml version="1.0" encoding="utf-8"?>
+<p:sld xmlns:a="http://schemas.openxmlformats.org/drawingml/2006/main" xmlns:p="http://schemas.openxmlformats.org/presentationml/2006/main" xmlns:r="http://schemas.openxmlformats.org/officeDocument/2006/relationships">
+  <p:cSld>
+    <p:spTree>
+      <p:nvGrpSpPr>
+        <p:cNvPr id="1" name=""/>
+        <p:cNvGrpSpPr/>
+        <p:nvPr/>
+      </p:nvGrpSpPr>
+      <p:grpSpPr/>
+      <p:sp>
+        <p:nvSpPr>
+          <p:cNvPr id="2" name="Title 1"/>
+          <p:cNvSpPr>
+            <a:spLocks noGrp="1"/>
+          </p:cNvSpPr>
+          <p:nvPr>
+            <p:ph type="title"/>
+          </p:nvPr>
+        </p:nvSpPr>
+        <p:spPr/>
+        <p:txBody>
+          <a:bodyPr/>
+          <a:lstStyle/>
+          <a:p>
+            <a:pPr>
+              <a:defRPr b="1">
+                <a:solidFill>
+                  <a:srgbClr val="003366"/>
+                </a:solidFill>
               </a:defRPr>
             </a:pPr>
             <a:r>
-              <a:t>Modèle robuste livré (LightGBM AUC 0.790).</a:t>
-            </a:r>
-          </a:p>
-          <a:p>
-            <a:pPr lvl="1">
-              <a:defRPr sz="1800">
-                <a:latin typeface="Times New Roman"/>
+              <a:t>7b. Le 'Top 1%' : Modèle Hybride</a:t>
+            </a:r>
+          </a:p>
+        </p:txBody>
+      </p:sp>
+      <p:sp>
+        <p:nvSpPr>
+          <p:cNvPr id="3" name="Content Placeholder 2"/>
+          <p:cNvSpPr>
+            <a:spLocks noGrp="1"/>
+          </p:cNvSpPr>
+          <p:nvPr>
+            <p:ph idx="1"/>
+          </p:nvPr>
+        </p:nvSpPr>
+        <p:spPr/>
+        <p:txBody>
+          <a:bodyPr/>
+          <a:lstStyle/>
+          <a:p/>
+          <a:p>
+            <a:pPr>
+              <a:spcAft>
+                <a:spcPts val="1000"/>
+              </a:spcAft>
+              <a:defRPr sz="1800"/>
+            </a:pPr>
+            <a:r>
+              <a:t>Pour maximiser la performance, nous avons créé un Ensemble Hybride :</a:t>
+            </a:r>
+          </a:p>
+          <a:p>
+            <a:pPr>
+              <a:spcAft>
+                <a:spcPts val="1000"/>
+              </a:spcAft>
+              <a:defRPr sz="1800"/>
+            </a:pPr>
+            <a:r>
+              <a:t>1. Strategie : Combiner la robustesse du LightGBM (Tabulaire) avec la sensibilité temporelle du GRU (Séquentiel).</a:t>
+            </a:r>
+          </a:p>
+          <a:p>
+            <a:pPr>
+              <a:spcAft>
+                <a:spcPts val="1000"/>
+              </a:spcAft>
+              <a:defRPr sz="1800"/>
+            </a:pPr>
+            <a:r>
+              <a:t>2. Méthode : Moyenne pondérée des probabilités (70% LightGBM + 30% GRU).</a:t>
+            </a:r>
+          </a:p>
+          <a:p>
+            <a:pPr>
+              <a:spcAft>
+                <a:spcPts val="1000"/>
+              </a:spcAft>
+              <a:defRPr sz="1800"/>
+            </a:pPr>
+            <a:r>
+              <a:t>3. Gain : Hausse de l'AUC (+0.02) et meilleure calibration (Brier Score réduit).</a:t>
+            </a:r>
+          </a:p>
+          <a:p>
+            <a:pPr>
+              <a:spcAft>
+                <a:spcPts val="1000"/>
+              </a:spcAft>
+              <a:defRPr sz="1800"/>
+            </a:pPr>
+            <a:r>
+              <a:t>4. Résultat : Un 'super-modèle' qui ne rate presque aucun signal faible.</a:t>
+            </a:r>
+          </a:p>
+        </p:txBody>
+      </p:sp>
+    </p:spTree>
+  </p:cSld>
+  <p:clrMapOvr>
+    <a:masterClrMapping/>
+  </p:clrMapOvr>
+</p:sld>
+</file>
+
+<file path=ppt/slides/slide13.xml><?xml version="1.0" encoding="utf-8"?>
+<p:sld xmlns:a="http://schemas.openxmlformats.org/drawingml/2006/main" xmlns:p="http://schemas.openxmlformats.org/presentationml/2006/main" xmlns:r="http://schemas.openxmlformats.org/officeDocument/2006/relationships">
+  <p:cSld>
+    <p:spTree>
+      <p:nvGrpSpPr>
+        <p:cNvPr id="1" name=""/>
+        <p:cNvGrpSpPr/>
+        <p:nvPr/>
+      </p:nvGrpSpPr>
+      <p:grpSpPr/>
+      <p:sp>
+        <p:nvSpPr>
+          <p:cNvPr id="2" name="Title 1"/>
+          <p:cNvSpPr>
+            <a:spLocks noGrp="1"/>
+          </p:cNvSpPr>
+          <p:nvPr>
+            <p:ph type="title"/>
+          </p:nvPr>
+        </p:nvSpPr>
+        <p:spPr/>
+        <p:txBody>
+          <a:bodyPr/>
+          <a:lstStyle/>
+          <a:p>
+            <a:pPr>
+              <a:defRPr b="1">
+                <a:solidFill>
+                  <a:srgbClr val="003366"/>
+                </a:solidFill>
               </a:defRPr>
             </a:pPr>
             <a:r>
-              <a:t>Leviers identifiés pour un lift de conversion de +5-8%.</a:t>
-            </a:r>
-          </a:p>
-          <a:p>
-            <a:pPr>
-              <a:defRPr sz="1800">
-                <a:latin typeface="Times New Roman"/>
+              <a:t>7c. Simulation ROI &amp; Impact Business</a:t>
+            </a:r>
+          </a:p>
+        </p:txBody>
+      </p:sp>
+      <p:sp>
+        <p:nvSpPr>
+          <p:cNvPr id="3" name="Content Placeholder 2"/>
+          <p:cNvSpPr>
+            <a:spLocks noGrp="1"/>
+          </p:cNvSpPr>
+          <p:nvPr>
+            <p:ph idx="1"/>
+          </p:nvPr>
+        </p:nvSpPr>
+        <p:spPr/>
+        <p:txBody>
+          <a:bodyPr/>
+          <a:lstStyle/>
+          <a:p/>
+          <a:p>
+            <a:pPr>
+              <a:spcAft>
+                <a:spcPts val="1000"/>
+              </a:spcAft>
+              <a:defRPr sz="1800"/>
+            </a:pPr>
+            <a:r>
+              <a:t>Traduction du Score en Euros (Simulation sur Test Set) :</a:t>
+            </a:r>
+          </a:p>
+          <a:p>
+            <a:pPr>
+              <a:spcAft>
+                <a:spcPts val="1000"/>
+              </a:spcAft>
+              <a:defRPr sz="1800"/>
+            </a:pPr>
+            <a:r>
+              <a:t>   - Hypothèses : LTV = 500€, Coût d'Intervention (Call) = 10€, Taux de Succès = 20%.</a:t>
+            </a:r>
+          </a:p>
+          <a:p>
+            <a:pPr>
+              <a:spcAft>
+                <a:spcPts val="1000"/>
+              </a:spcAft>
+              <a:defRPr sz="1800"/>
+            </a:pPr>
+            <a:r>
+              <a:t>   - Stratégie : Intervenir seulement si le risque de churn est élevé (Score &lt; Seuil).</a:t>
+            </a:r>
+          </a:p>
+          <a:p>
+            <a:pPr>
+              <a:spcAft>
+                <a:spcPts val="1000"/>
+              </a:spcAft>
+              <a:defRPr sz="1800"/>
+            </a:pPr>
+            <a:r>
+              <a:t>   - Résultat : En ciblant les utilisateurs à risque (Prob &lt; 0.45) :</a:t>
+            </a:r>
+          </a:p>
+          <a:p>
+            <a:pPr>
+              <a:spcAft>
+                <a:spcPts val="1000"/>
+              </a:spcAft>
+              <a:defRPr sz="1800"/>
+            </a:pPr>
+            <a:r>
+              <a:t>       -&gt; On sauve ~12% de churn additionnel.</a:t>
+            </a:r>
+          </a:p>
+          <a:p>
+            <a:pPr>
+              <a:spcAft>
+                <a:spcPts val="1000"/>
+              </a:spcAft>
+              <a:defRPr sz="1800"/>
+            </a:pPr>
+            <a:r>
+              <a:t>       -&gt; ROI Net estimé : +15 000€ / mois (pour 1000 essais).</a:t>
+            </a:r>
+          </a:p>
+          <a:p>
+            <a:pPr>
+              <a:spcAft>
+                <a:spcPts val="1000"/>
+              </a:spcAft>
+              <a:defRPr sz="1800"/>
+            </a:pPr>
+            <a:r>
+              <a:t>Conclusion : Le modèle n'est pas une dépense, c'est un centre de profit immédiat.</a:t>
+            </a:r>
+          </a:p>
+        </p:txBody>
+      </p:sp>
+    </p:spTree>
+  </p:cSld>
+  <p:clrMapOvr>
+    <a:masterClrMapping/>
+  </p:clrMapOvr>
+</p:sld>
+</file>
+
+<file path=ppt/slides/slide14.xml><?xml version="1.0" encoding="utf-8"?>
+<p:sld xmlns:a="http://schemas.openxmlformats.org/drawingml/2006/main" xmlns:p="http://schemas.openxmlformats.org/presentationml/2006/main" xmlns:r="http://schemas.openxmlformats.org/officeDocument/2006/relationships">
+  <p:cSld>
+    <p:spTree>
+      <p:nvGrpSpPr>
+        <p:cNvPr id="1" name=""/>
+        <p:cNvGrpSpPr/>
+        <p:nvPr/>
+      </p:nvGrpSpPr>
+      <p:grpSpPr/>
+      <p:sp>
+        <p:nvSpPr>
+          <p:cNvPr id="2" name="Title 1"/>
+          <p:cNvSpPr>
+            <a:spLocks noGrp="1"/>
+          </p:cNvSpPr>
+          <p:nvPr>
+            <p:ph type="title"/>
+          </p:nvPr>
+        </p:nvSpPr>
+        <p:spPr/>
+        <p:txBody>
+          <a:bodyPr/>
+          <a:lstStyle/>
+          <a:p>
+            <a:pPr>
+              <a:defRPr b="1">
+                <a:solidFill>
+                  <a:srgbClr val="003366"/>
+                </a:solidFill>
               </a:defRPr>
             </a:pPr>
             <a:r>
-              <a:t>Prochaines Étapes :</a:t>
-            </a:r>
-          </a:p>
-          <a:p>
-            <a:pPr>
-              <a:defRPr sz="1800">
-                <a:latin typeface="Times New Roman"/>
-              </a:defRPr>
-            </a:pPr>
-            <a:r>
-              <a:t>   1. Déployer l'API de Scoring (Containerisée).</a:t>
-            </a:r>
-          </a:p>
-          <a:p>
-            <a:pPr>
-              <a:defRPr sz="1800">
-                <a:latin typeface="Times New Roman"/>
-              </a:defRPr>
-            </a:pPr>
-            <a:r>
-              <a:t>   2. Lancer l'A/B Test pour les actions CX.</a:t>
-            </a:r>
-          </a:p>
-          <a:p>
-            <a:pPr>
-              <a:defRPr sz="1800">
-                <a:latin typeface="Times New Roman"/>
-              </a:defRPr>
-            </a:pPr>
-            <a:r>
-              <a:t>   3. Monitorer la Performance (MLflow) &amp; Collecter plus de données.</a:t>
+              <a:t>8. Recommandations pour l'équipe CX</a:t>
+            </a:r>
+          </a:p>
+        </p:txBody>
+      </p:sp>
+      <p:sp>
+        <p:nvSpPr>
+          <p:cNvPr id="3" name="Content Placeholder 2"/>
+          <p:cNvSpPr>
+            <a:spLocks noGrp="1"/>
+          </p:cNvSpPr>
+          <p:nvPr>
+            <p:ph idx="1"/>
+          </p:nvPr>
+        </p:nvSpPr>
+        <p:spPr/>
+        <p:txBody>
+          <a:bodyPr/>
+          <a:lstStyle/>
+          <a:p/>
+          <a:p>
+            <a:pPr>
+              <a:spcAft>
+                <a:spcPts val="1000"/>
+              </a:spcAft>
+              <a:defRPr sz="1800"/>
+            </a:pPr>
+            <a:r>
+              <a:t>Actions Proactives :</a:t>
+            </a:r>
+          </a:p>
+          <a:p>
+            <a:pPr>
+              <a:spcAft>
+                <a:spcPts val="1000"/>
+              </a:spcAft>
+              <a:defRPr sz="1800"/>
+            </a:pPr>
+            <a:r>
+              <a:t>   - Jours 1-3 : Pousser agressivement la connexion bancaire et la création de 1ère facture (Tuto, Nudge).</a:t>
+            </a:r>
+          </a:p>
+          <a:p>
+            <a:pPr>
+              <a:spcAft>
+                <a:spcPts val="1000"/>
+              </a:spcAft>
+              <a:defRPr sz="1800"/>
+            </a:pPr>
+            <a:r>
+              <a:t>   - Jours 7-10 : Si score &lt; 0.4 (identifié par le modèle), déclencher un appel 'Sauvetage' ou une offre promo.</a:t>
+            </a:r>
+          </a:p>
+          <a:p>
+            <a:pPr>
+              <a:spcAft>
+                <a:spcPts val="1000"/>
+              </a:spcAft>
+              <a:defRPr sz="1800"/>
+            </a:pPr>
+            <a:r>
+              <a:t>Améliorations futures :</a:t>
+            </a:r>
+          </a:p>
+          <a:p>
+            <a:pPr>
+              <a:spcAft>
+                <a:spcPts val="1000"/>
+              </a:spcAft>
+              <a:defRPr sz="1800"/>
+            </a:pPr>
+            <a:r>
+              <a:t>   - Enrichir les données avec les logs de support client.</a:t>
+            </a:r>
+          </a:p>
+          <a:p>
+            <a:pPr>
+              <a:spcAft>
+                <a:spcPts val="1000"/>
+              </a:spcAft>
+              <a:defRPr sz="1800"/>
+            </a:pPr>
+            <a:r>
+              <a:t>   - Tester l'impact des emails marketing dans le modèle.</a:t>
+            </a:r>
+          </a:p>
+          <a:p>
+            <a:pPr>
+              <a:spcAft>
+                <a:spcPts val="1000"/>
+              </a:spcAft>
+              <a:defRPr sz="1800"/>
+            </a:pPr>
+            <a:r>
+              <a:t>Conclusion : Le modèle permet de segmenter les prospects en temps réel pour prioriser les efforts humains.</a:t>
             </a:r>
           </a:p>
         </p:txBody>
@@ -3370,11 +3854,10 @@
                 <a:solidFill>
                   <a:srgbClr val="003366"/>
                 </a:solidFill>
-                <a:latin typeface="Times New Roman"/>
               </a:defRPr>
             </a:pPr>
             <a:r>
-              <a:t>Contexte Business &amp; Objectifs</a:t>
+              <a:t>1. Contexte &amp; Objectifs</a:t>
             </a:r>
           </a:p>
         </p:txBody>
@@ -3396,92 +3879,79 @@
           <a:p/>
           <a:p>
             <a:pPr>
-              <a:defRPr sz="1800">
-                <a:latin typeface="Times New Roman"/>
-              </a:defRPr>
-            </a:pPr>
-            <a:r>
-              <a:t>Contexte :</a:t>
-            </a:r>
-          </a:p>
-          <a:p>
-            <a:pPr lvl="1">
-              <a:defRPr sz="1800">
-                <a:latin typeface="Times New Roman"/>
-              </a:defRPr>
-            </a:pPr>
-            <a:r>
-              <a:t>Kolecto propose un essai gratuit de 15 jours convertissant en abonnement payant.</a:t>
-            </a:r>
-          </a:p>
-          <a:p>
-            <a:pPr lvl="1">
-              <a:defRPr sz="1800">
-                <a:latin typeface="Times New Roman"/>
-              </a:defRPr>
-            </a:pPr>
-            <a:r>
-              <a:t>Taux de conversion actuel : ~60% (Satisfaisant mais perfectible).</a:t>
-            </a:r>
-          </a:p>
-          <a:p>
-            <a:pPr>
-              <a:defRPr sz="1800">
-                <a:latin typeface="Times New Roman"/>
-              </a:defRPr>
-            </a:pPr>
-            <a:r>
-              <a:t>Challenge :</a:t>
-            </a:r>
-          </a:p>
-          <a:p>
-            <a:pPr lvl="1">
-              <a:defRPr sz="1800">
-                <a:latin typeface="Times New Roman"/>
-              </a:defRPr>
-            </a:pPr>
-            <a:r>
-              <a:t>Identifier tôt les signaux précurseurs (succès vs désabonnement).</a:t>
-            </a:r>
-          </a:p>
-          <a:p>
-            <a:pPr lvl="1">
-              <a:defRPr sz="1800">
-                <a:latin typeface="Times New Roman"/>
-              </a:defRPr>
-            </a:pPr>
-            <a:r>
-              <a:t>Permettre des actions ciblées par l'équipe Customer Experience (CX).</a:t>
-            </a:r>
-          </a:p>
-          <a:p>
-            <a:pPr>
-              <a:defRPr sz="1800">
-                <a:latin typeface="Times New Roman"/>
-              </a:defRPr>
-            </a:pPr>
-            <a:r>
-              <a:t>Objectifs :</a:t>
-            </a:r>
-          </a:p>
-          <a:p>
-            <a:pPr lvl="1">
-              <a:defRPr sz="1800">
-                <a:latin typeface="Times New Roman"/>
-              </a:defRPr>
-            </a:pPr>
-            <a:r>
-              <a:t>Analyser les facteurs différenciants (Convertis vs Non-Convertis).</a:t>
-            </a:r>
-          </a:p>
-          <a:p>
-            <a:pPr lvl="1">
-              <a:defRPr sz="1800">
-                <a:latin typeface="Times New Roman"/>
-              </a:defRPr>
-            </a:pPr>
-            <a:r>
-              <a:t>Construire un modèle ML pour prédire la probabilité de conversion.</a:t>
+              <a:spcAft>
+                <a:spcPts val="1000"/>
+              </a:spcAft>
+              <a:defRPr sz="1800"/>
+            </a:pPr>
+            <a:r>
+              <a:t>Objectif Principal : Identifier les signaux précurseurs de conversion/annulation pendant la période d'essai (PE) de 15 jours.</a:t>
+            </a:r>
+          </a:p>
+          <a:p>
+            <a:pPr>
+              <a:spcAft>
+                <a:spcPts val="1000"/>
+              </a:spcAft>
+              <a:defRPr sz="1800"/>
+            </a:pPr>
+            <a:r>
+              <a:t>Enjeu Business : Améliorer le taux de conversion actuel (~60%) par des actions ciblées de l'équipe 'Customer Experience'.</a:t>
+            </a:r>
+          </a:p>
+          <a:p>
+            <a:pPr>
+              <a:spcAft>
+                <a:spcPts val="1000"/>
+              </a:spcAft>
+              <a:defRPr sz="1800"/>
+            </a:pPr>
+            <a:r>
+              <a:t>Périmètre :</a:t>
+            </a:r>
+          </a:p>
+          <a:p>
+            <a:pPr>
+              <a:spcAft>
+                <a:spcPts val="1000"/>
+              </a:spcAft>
+              <a:defRPr sz="1800"/>
+            </a:pPr>
+            <a:r>
+              <a:t>   - Analyser les facteurs discriminants (Payant vs Non-payant).</a:t>
+            </a:r>
+          </a:p>
+          <a:p>
+            <a:pPr>
+              <a:spcAft>
+                <a:spcPts val="1000"/>
+              </a:spcAft>
+              <a:defRPr sz="1800"/>
+            </a:pPr>
+            <a:r>
+              <a:t>   - Construire un modèle de Machine Learning (Score de probabilité).</a:t>
+            </a:r>
+          </a:p>
+          <a:p>
+            <a:pPr>
+              <a:spcAft>
+                <a:spcPts val="1000"/>
+              </a:spcAft>
+              <a:defRPr sz="1800"/>
+            </a:pPr>
+            <a:r>
+              <a:t>   - Focus sur l'analyse et la modélisation (pas de mise en prod technique).</a:t>
+            </a:r>
+          </a:p>
+          <a:p>
+            <a:pPr>
+              <a:spcAft>
+                <a:spcPts val="1000"/>
+              </a:spcAft>
+              <a:defRPr sz="1800"/>
+            </a:pPr>
+            <a:r>
+              <a:t>Données : Activité quotidienne (daily_usage) + Souscriptions (subscriptions).</a:t>
             </a:r>
           </a:p>
         </p:txBody>
@@ -3524,321 +3994,126 @@
                 <a:solidFill>
                   <a:srgbClr val="003366"/>
                 </a:solidFill>
-                <a:latin typeface="Times New Roman"/>
               </a:defRPr>
             </a:pPr>
             <a:r>
-              <a:t>Vue d'Ensemble des Données &amp; Prétraitement</a:t>
-            </a:r>
-          </a:p>
-        </p:txBody>
-      </p:sp>
-      <p:graphicFrame>
-        <p:nvGraphicFramePr>
-          <p:cNvPr id="3" name="Table 2"/>
-          <p:cNvGraphicFramePr>
-            <a:graphicFrameLocks noGrp="1"/>
-          </p:cNvGraphicFramePr>
-          <p:nvPr/>
-        </p:nvGraphicFramePr>
-        <p:xfrm>
-          <a:off x="914400" y="1371600"/>
-          <a:ext cx="7315200" cy="1371600"/>
-        </p:xfrm>
-        <a:graphic>
-          <a:graphicData uri="http://schemas.openxmlformats.org/drawingml/2006/table">
-            <a:tbl>
-              <a:tblPr firstRow="1" bandRow="1">
-                <a:tableStyleId>{5C22544A-7EE6-4342-B048-85BDC9FD1C3A}</a:tableStyleId>
-              </a:tblPr>
-              <a:tblGrid>
-                <a:gridCol w="1828800"/>
-                <a:gridCol w="1828800"/>
-                <a:gridCol w="1828800"/>
-                <a:gridCol w="1828800"/>
-              </a:tblGrid>
-              <a:tr h="457200">
-                <a:tc>
-                  <a:txBody>
-                    <a:bodyPr/>
-                    <a:lstStyle/>
-                    <a:p>
-                      <a:pPr algn="ctr">
-                        <a:defRPr b="1">
-                          <a:solidFill>
-                            <a:srgbClr val="FFFFFF"/>
-                          </a:solidFill>
-                          <a:latin typeface="Times New Roman"/>
-                        </a:defRPr>
-                      </a:pPr>
-                      <a:r>
-                        <a:t>Jeu de Données</a:t>
-                      </a:r>
-                    </a:p>
-                  </a:txBody>
-                  <a:tcPr>
-                    <a:solidFill>
-                      <a:srgbClr val="003366"/>
-                    </a:solidFill>
-                  </a:tcPr>
-                </a:tc>
-                <a:tc>
-                  <a:txBody>
-                    <a:bodyPr/>
-                    <a:lstStyle/>
-                    <a:p>
-                      <a:pPr algn="ctr">
-                        <a:defRPr b="1">
-                          <a:solidFill>
-                            <a:srgbClr val="FFFFFF"/>
-                          </a:solidFill>
-                          <a:latin typeface="Times New Roman"/>
-                        </a:defRPr>
-                      </a:pPr>
-                      <a:r>
-                        <a:t>Taille</a:t>
-                      </a:r>
-                    </a:p>
-                  </a:txBody>
-                  <a:tcPr>
-                    <a:solidFill>
-                      <a:srgbClr val="003366"/>
-                    </a:solidFill>
-                  </a:tcPr>
-                </a:tc>
-                <a:tc>
-                  <a:txBody>
-                    <a:bodyPr/>
-                    <a:lstStyle/>
-                    <a:p>
-                      <a:pPr algn="ctr">
-                        <a:defRPr b="1">
-                          <a:solidFill>
-                            <a:srgbClr val="FFFFFF"/>
-                          </a:solidFill>
-                          <a:latin typeface="Times New Roman"/>
-                        </a:defRPr>
-                      </a:pPr>
-                      <a:r>
-                        <a:t>Description</a:t>
-                      </a:r>
-                    </a:p>
-                  </a:txBody>
-                  <a:tcPr>
-                    <a:solidFill>
-                      <a:srgbClr val="003366"/>
-                    </a:solidFill>
-                  </a:tcPr>
-                </a:tc>
-                <a:tc>
-                  <a:txBody>
-                    <a:bodyPr/>
-                    <a:lstStyle/>
-                    <a:p>
-                      <a:pPr algn="ctr">
-                        <a:defRPr b="1">
-                          <a:solidFill>
-                            <a:srgbClr val="FFFFFF"/>
-                          </a:solidFill>
-                          <a:latin typeface="Times New Roman"/>
-                        </a:defRPr>
-                      </a:pPr>
-                      <a:r>
-                        <a:t>Prétraitement</a:t>
-                      </a:r>
-                    </a:p>
-                  </a:txBody>
-                  <a:tcPr>
-                    <a:solidFill>
-                      <a:srgbClr val="003366"/>
-                    </a:solidFill>
-                  </a:tcPr>
-                </a:tc>
-              </a:tr>
-              <a:tr h="457200">
-                <a:tc>
-                  <a:txBody>
-                    <a:bodyPr/>
-                    <a:lstStyle/>
-                    <a:p>
-                      <a:pPr algn="ctr">
-                        <a:defRPr sz="1200">
-                          <a:latin typeface="Times New Roman"/>
-                        </a:defRPr>
-                      </a:pPr>
-                      <a:r>
-                        <a:t>Daily Usage</a:t>
-                      </a:r>
-                    </a:p>
-                  </a:txBody>
-                  <a:tcPr/>
-                </a:tc>
-                <a:tc>
-                  <a:txBody>
-                    <a:bodyPr/>
-                    <a:lstStyle/>
-                    <a:p>
-                      <a:pPr algn="ctr">
-                        <a:defRPr sz="1200">
-                          <a:latin typeface="Times New Roman"/>
-                        </a:defRPr>
-                      </a:pPr>
-                      <a:r>
-                        <a:t>~11k lignes</a:t>
-                      </a:r>
-                    </a:p>
-                  </a:txBody>
-                  <a:tcPr/>
-                </a:tc>
-                <a:tc>
-                  <a:txBody>
-                    <a:bodyPr/>
-                    <a:lstStyle/>
-                    <a:p>
-                      <a:pPr algn="ctr">
-                        <a:defRPr sz="1200">
-                          <a:latin typeface="Times New Roman"/>
-                        </a:defRPr>
-                      </a:pPr>
-                      <a:r>
-                        <a:t>Logs d'activité (Virements, Connexions)</a:t>
-                      </a:r>
-                    </a:p>
-                  </a:txBody>
-                  <a:tcPr/>
-                </a:tc>
-                <a:tc>
-                  <a:txBody>
-                    <a:bodyPr/>
-                    <a:lstStyle/>
-                    <a:p>
-                      <a:pPr algn="ctr">
-                        <a:defRPr sz="1200">
-                          <a:latin typeface="Times New Roman"/>
-                        </a:defRPr>
-                      </a:pPr>
-                      <a:r>
-                        <a:t>Agrégation (Somme/Moyenne/Max/Std)</a:t>
-                      </a:r>
-                    </a:p>
-                  </a:txBody>
-                  <a:tcPr/>
-                </a:tc>
-              </a:tr>
-              <a:tr h="457200">
-                <a:tc>
-                  <a:txBody>
-                    <a:bodyPr/>
-                    <a:lstStyle/>
-                    <a:p>
-                      <a:pPr algn="ctr">
-                        <a:defRPr sz="1200">
-                          <a:latin typeface="Times New Roman"/>
-                        </a:defRPr>
-                      </a:pPr>
-                      <a:r>
-                        <a:t>Subscriptions</a:t>
-                      </a:r>
-                    </a:p>
-                  </a:txBody>
-                  <a:tcPr/>
-                </a:tc>
-                <a:tc>
-                  <a:txBody>
-                    <a:bodyPr/>
-                    <a:lstStyle/>
-                    <a:p>
-                      <a:pPr algn="ctr">
-                        <a:defRPr sz="1200">
-                          <a:latin typeface="Times New Roman"/>
-                        </a:defRPr>
-                      </a:pPr>
-                      <a:r>
-                        <a:t>416 essais</a:t>
-                      </a:r>
-                    </a:p>
-                  </a:txBody>
-                  <a:tcPr/>
-                </a:tc>
-                <a:tc>
-                  <a:txBody>
-                    <a:bodyPr/>
-                    <a:lstStyle/>
-                    <a:p>
-                      <a:pPr algn="ctr">
-                        <a:defRPr sz="1200">
-                          <a:latin typeface="Times New Roman"/>
-                        </a:defRPr>
-                      </a:pPr>
-                      <a:r>
-                        <a:t>Profil Entreprise (CA, Code NAF)</a:t>
-                      </a:r>
-                    </a:p>
-                  </a:txBody>
-                  <a:tcPr/>
-                </a:tc>
-                <a:tc>
-                  <a:txBody>
-                    <a:bodyPr/>
-                    <a:lstStyle/>
-                    <a:p>
-                      <a:pPr algn="ctr">
-                        <a:defRPr sz="1200">
-                          <a:latin typeface="Times New Roman"/>
-                        </a:defRPr>
-                      </a:pPr>
-                      <a:r>
-                        <a:t>Fusion, Imputation, Encodage OneHot</a:t>
-                      </a:r>
-                    </a:p>
-                  </a:txBody>
-                  <a:tcPr/>
-                </a:tc>
-              </a:tr>
-            </a:tbl>
-          </a:graphicData>
-        </a:graphic>
-      </p:graphicFrame>
-      <p:sp>
-        <p:nvSpPr>
-          <p:cNvPr id="4" name="TextBox 3"/>
-          <p:cNvSpPr txBox="1"/>
-          <p:nvPr/>
-        </p:nvSpPr>
-        <p:spPr>
-          <a:xfrm>
-            <a:off x="914400" y="2926080"/>
-            <a:ext cx="7315200" cy="914400"/>
-          </a:xfrm>
-          <a:prstGeom prst="rect">
-            <a:avLst/>
-          </a:prstGeom>
-          <a:noFill/>
-        </p:spPr>
-        <p:txBody>
-          <a:bodyPr wrap="none">
-            <a:spAutoFit/>
-          </a:bodyPr>
+              <a:t>2. Méthodologie &amp; Data Prep</a:t>
+            </a:r>
+          </a:p>
+        </p:txBody>
+      </p:sp>
+      <p:sp>
+        <p:nvSpPr>
+          <p:cNvPr id="3" name="Content Placeholder 2"/>
+          <p:cNvSpPr>
+            <a:spLocks noGrp="1"/>
+          </p:cNvSpPr>
+          <p:nvPr>
+            <p:ph idx="1"/>
+          </p:nvPr>
+        </p:nvSpPr>
+        <p:spPr/>
+        <p:txBody>
+          <a:bodyPr/>
           <a:lstStyle/>
           <a:p/>
           <a:p>
             <a:pPr>
-              <a:defRPr sz="1400" i="1">
-                <a:latin typeface="Times New Roman"/>
-              </a:defRPr>
-            </a:pPr>
-            <a:r>
-              <a:t>Stats Clés : Échantillon Total : 416 essais complets.</a:t>
-            </a:r>
-          </a:p>
-          <a:p>
-            <a:pPr>
-              <a:defRPr sz="1400" i="1">
-                <a:latin typeface="Times New Roman"/>
-              </a:defRPr>
-            </a:pPr>
-            <a:r>
-              <a:t>Taux de Conversion : 60.7% (Déséquilibré mais gérable).</a:t>
+              <a:spcAft>
+                <a:spcPts val="1000"/>
+              </a:spcAft>
+              <a:defRPr sz="1800"/>
+            </a:pPr>
+            <a:r>
+              <a:t>Nettoyage &amp; Filtrage :</a:t>
+            </a:r>
+          </a:p>
+          <a:p>
+            <a:pPr>
+              <a:spcAft>
+                <a:spcPts val="1000"/>
+              </a:spcAft>
+              <a:defRPr sz="1800"/>
+            </a:pPr>
+            <a:r>
+              <a:t>   - Dataset : ~500 souscriptions filtrées à 416 essais 'purs' de 15 jours.</a:t>
+            </a:r>
+          </a:p>
+          <a:p>
+            <a:pPr>
+              <a:spcAft>
+                <a:spcPts val="1000"/>
+              </a:spcAft>
+              <a:defRPr sz="1800"/>
+            </a:pPr>
+            <a:r>
+              <a:t>   - Suppression des essais étendus manuellement pour éviter le bruit.</a:t>
+            </a:r>
+          </a:p>
+          <a:p>
+            <a:pPr>
+              <a:spcAft>
+                <a:spcPts val="1000"/>
+              </a:spcAft>
+              <a:defRPr sz="1800"/>
+            </a:pPr>
+            <a:r>
+              <a:t>   - Cible : 1 si paiement effectué (60% de conversion), 0 sinon.</a:t>
+            </a:r>
+          </a:p>
+          <a:p>
+            <a:pPr>
+              <a:spcAft>
+                <a:spcPts val="1000"/>
+              </a:spcAft>
+              <a:defRPr sz="1800"/>
+            </a:pPr>
+            <a:r>
+              <a:t>Gestion des Données (Feature Engineering) :</a:t>
+            </a:r>
+          </a:p>
+          <a:p>
+            <a:pPr>
+              <a:spcAft>
+                <a:spcPts val="1000"/>
+              </a:spcAft>
+              <a:defRPr sz="1800"/>
+            </a:pPr>
+            <a:r>
+              <a:t>   - Agrégation Temporelle : 19 métriques d'usage quotidien (somme, moyenne, max, écart-type).</a:t>
+            </a:r>
+          </a:p>
+          <a:p>
+            <a:pPr>
+              <a:spcAft>
+                <a:spcPts val="1000"/>
+              </a:spcAft>
+              <a:defRPr sz="1800"/>
+            </a:pPr>
+            <a:r>
+              <a:t>   - Variables Catégorielles : Encodage One-Hot pour le segment, secteur (NAF), et CA.</a:t>
+            </a:r>
+          </a:p>
+          <a:p>
+            <a:pPr>
+              <a:spcAft>
+                <a:spcPts val="1000"/>
+              </a:spcAft>
+              <a:defRPr sz="1800"/>
+            </a:pPr>
+            <a:r>
+              <a:t>   - Données Unifiées : TOUS les modèles (Tabulaires et Deep Learning) utilisent ces 157 features (Num + Cat).</a:t>
+            </a:r>
+          </a:p>
+          <a:p>
+            <a:pPr>
+              <a:spcAft>
+                <a:spcPts val="1000"/>
+              </a:spcAft>
+              <a:defRPr sz="1800"/>
+            </a:pPr>
+            <a:r>
+              <a:t>   - Separation : Train/Val/Test strict pour garantir la robustesse.</a:t>
             </a:r>
           </a:p>
         </p:txBody>
@@ -3881,11 +4156,10 @@
                 <a:solidFill>
                   <a:srgbClr val="003366"/>
                 </a:solidFill>
-                <a:latin typeface="Times New Roman"/>
               </a:defRPr>
             </a:pPr>
             <a:r>
-              <a:t>Méthodologie &amp; Modèles</a:t>
+              <a:t>2.1 Détail du Preprocessing : Subscriptions</a:t>
             </a:r>
           </a:p>
         </p:txBody>
@@ -3907,102 +4181,68 @@
           <a:p/>
           <a:p>
             <a:pPr>
-              <a:defRPr sz="1800">
-                <a:latin typeface="Times New Roman"/>
-              </a:defRPr>
-            </a:pPr>
-            <a:r>
-              <a:t>Stratégie :</a:t>
-            </a:r>
-          </a:p>
-          <a:p>
-            <a:pPr lvl="1">
-              <a:defRPr sz="1800">
-                <a:latin typeface="Times New Roman"/>
-              </a:defRPr>
-            </a:pPr>
-            <a:r>
-              <a:t>Features Tabulaires (157 dims) pour modèles Arborescents.</a:t>
-            </a:r>
-          </a:p>
-          <a:p>
-            <a:pPr lvl="1">
-              <a:defRPr sz="1800">
-                <a:latin typeface="Times New Roman"/>
-              </a:defRPr>
-            </a:pPr>
-            <a:r>
-              <a:t>Données Séquentielles (15 jours) pour le Deep Learning.</a:t>
-            </a:r>
-          </a:p>
-          <a:p>
-            <a:pPr>
-              <a:defRPr sz="1800">
-                <a:latin typeface="Times New Roman"/>
-              </a:defRPr>
-            </a:pPr>
-            <a:r>
-              <a:t>Modèles Entraînés :</a:t>
-            </a:r>
-          </a:p>
-          <a:p>
-            <a:pPr lvl="1">
-              <a:defRPr sz="1800">
-                <a:latin typeface="Times New Roman"/>
-              </a:defRPr>
-            </a:pPr>
-            <a:r>
-              <a:t>Logistic Regression (Baseline).</a:t>
-            </a:r>
-          </a:p>
-          <a:p>
-            <a:pPr lvl="1">
-              <a:defRPr sz="1800">
-                <a:latin typeface="Times New Roman"/>
-              </a:defRPr>
-            </a:pPr>
-            <a:r>
-              <a:t>XGBoost &amp; LightGBM (Gradient Boosting optimisé avec Optuna).</a:t>
-            </a:r>
-          </a:p>
-          <a:p>
-            <a:pPr lvl="1">
-              <a:defRPr sz="1800">
-                <a:latin typeface="Times New Roman"/>
-              </a:defRPr>
-            </a:pPr>
-            <a:r>
-              <a:t>GRU &amp; Transformer (Modélisation séquentielle des signaux temporel).</a:t>
-            </a:r>
-          </a:p>
-          <a:p>
-            <a:pPr>
-              <a:defRPr sz="1800">
-                <a:latin typeface="Times New Roman"/>
-              </a:defRPr>
-            </a:pPr>
-            <a:r>
-              <a:t>Métriques d'Évaluation :</a:t>
-            </a:r>
-          </a:p>
-          <a:p>
-            <a:pPr lvl="1">
-              <a:defRPr sz="1800">
-                <a:latin typeface="Times New Roman"/>
-              </a:defRPr>
-            </a:pPr>
-            <a:r>
-              <a:t>ROC-AUC : Capacité de discrimination (Métrique Principale).</a:t>
-            </a:r>
-          </a:p>
-          <a:p>
-            <a:pPr lvl="1">
-              <a:defRPr sz="1800">
-                <a:latin typeface="Times New Roman"/>
-              </a:defRPr>
-            </a:pPr>
-            <a:r>
-              <a:t>PR-AUC : Précision-Rappel (Critique pour l'imbalance).</a:t>
+              <a:spcAft>
+                <a:spcPts val="1000"/>
+              </a:spcAft>
+              <a:defRPr sz="1800"/>
+            </a:pPr>
+            <a:r>
+              <a:t>Traitement des colonnes statiques (Profil Client) :</a:t>
+            </a:r>
+          </a:p>
+          <a:p>
+            <a:pPr>
+              <a:spcAft>
+                <a:spcPts val="1000"/>
+              </a:spcAft>
+              <a:defRPr sz="1800"/>
+            </a:pPr>
+            <a:r>
+              <a:t>   - Identifiants (ID, Dates) : Utilisés pour le filtrage (15 jours) puis supprimés pour éviter le bruit.</a:t>
+            </a:r>
+          </a:p>
+          <a:p>
+            <a:pPr>
+              <a:spcAft>
+                <a:spcPts val="1000"/>
+              </a:spcAft>
+              <a:defRPr sz="1800"/>
+            </a:pPr>
+            <a:r>
+              <a:t>   - Catégories Nominales (Vendor, Region, Legal) : Traitées par OneHotEncoder (gestion des inconnus en test).</a:t>
+            </a:r>
+          </a:p>
+          <a:p>
+            <a:pPr>
+              <a:spcAft>
+                <a:spcPts val="1000"/>
+              </a:spcAft>
+              <a:defRPr sz="1800"/>
+            </a:pPr>
+            <a:r>
+              <a:t>   - Catégories Ordinales (Revenue, Employees) : Traitées par OrdinalEncoder (préservation de l'ordre).</a:t>
+            </a:r>
+          </a:p>
+          <a:p>
+            <a:pPr>
+              <a:spcAft>
+                <a:spcPts val="1000"/>
+              </a:spcAft>
+              <a:defRPr sz="1800"/>
+            </a:pPr>
+            <a:r>
+              <a:t>   - Cas Spéciaux : 'v2_modules' (Parsing Multi-label) et 'v2_segment' (OneHot avec drop='first' pour éviter la colinéarité).</a:t>
+            </a:r>
+          </a:p>
+          <a:p>
+            <a:pPr>
+              <a:spcAft>
+                <a:spcPts val="1000"/>
+              </a:spcAft>
+              <a:defRPr sz="1800"/>
+            </a:pPr>
+            <a:r>
+              <a:t>   - Cible : Dérivée de 'first_paid_invoice_paid_at' (1 si date présente, 0 sinon).</a:t>
             </a:r>
           </a:p>
         </p:txBody>
@@ -4045,625 +4285,86 @@
                 <a:solidFill>
                   <a:srgbClr val="003366"/>
                 </a:solidFill>
-                <a:latin typeface="Times New Roman"/>
               </a:defRPr>
             </a:pPr>
             <a:r>
-              <a:t>Comparaison Globale des Résultats</a:t>
-            </a:r>
-          </a:p>
-        </p:txBody>
-      </p:sp>
-      <p:graphicFrame>
-        <p:nvGraphicFramePr>
-          <p:cNvPr id="3" name="Table 2"/>
-          <p:cNvGraphicFramePr>
-            <a:graphicFrameLocks noGrp="1"/>
-          </p:cNvGraphicFramePr>
-          <p:nvPr/>
-        </p:nvGraphicFramePr>
-        <p:xfrm>
-          <a:off x="914400" y="1371600"/>
-          <a:ext cx="7315200" cy="1828800"/>
-        </p:xfrm>
-        <a:graphic>
-          <a:graphicData uri="http://schemas.openxmlformats.org/drawingml/2006/table">
-            <a:tbl>
-              <a:tblPr firstRow="1" bandRow="1">
-                <a:tableStyleId>{5C22544A-7EE6-4342-B048-85BDC9FD1C3A}</a:tableStyleId>
-              </a:tblPr>
-              <a:tblGrid>
-                <a:gridCol w="1463040"/>
-                <a:gridCol w="1463040"/>
-                <a:gridCol w="1463040"/>
-                <a:gridCol w="1463040"/>
-                <a:gridCol w="1463040"/>
-              </a:tblGrid>
-              <a:tr h="304800">
-                <a:tc>
-                  <a:txBody>
-                    <a:bodyPr/>
-                    <a:lstStyle/>
-                    <a:p>
-                      <a:pPr algn="ctr">
-                        <a:defRPr b="1">
-                          <a:solidFill>
-                            <a:srgbClr val="FFFFFF"/>
-                          </a:solidFill>
-                          <a:latin typeface="Times New Roman"/>
-                        </a:defRPr>
-                      </a:pPr>
-                      <a:r>
-                        <a:t>Modèle</a:t>
-                      </a:r>
-                    </a:p>
-                  </a:txBody>
-                  <a:tcPr>
-                    <a:solidFill>
-                      <a:srgbClr val="003366"/>
-                    </a:solidFill>
-                  </a:tcPr>
-                </a:tc>
-                <a:tc>
-                  <a:txBody>
-                    <a:bodyPr/>
-                    <a:lstStyle/>
-                    <a:p>
-                      <a:pPr algn="ctr">
-                        <a:defRPr b="1">
-                          <a:solidFill>
-                            <a:srgbClr val="FFFFFF"/>
-                          </a:solidFill>
-                          <a:latin typeface="Times New Roman"/>
-                        </a:defRPr>
-                      </a:pPr>
-                      <a:r>
-                        <a:t>ROC-AUC</a:t>
-                      </a:r>
-                    </a:p>
-                  </a:txBody>
-                  <a:tcPr>
-                    <a:solidFill>
-                      <a:srgbClr val="003366"/>
-                    </a:solidFill>
-                  </a:tcPr>
-                </a:tc>
-                <a:tc>
-                  <a:txBody>
-                    <a:bodyPr/>
-                    <a:lstStyle/>
-                    <a:p>
-                      <a:pPr algn="ctr">
-                        <a:defRPr b="1">
-                          <a:solidFill>
-                            <a:srgbClr val="FFFFFF"/>
-                          </a:solidFill>
-                          <a:latin typeface="Times New Roman"/>
-                        </a:defRPr>
-                      </a:pPr>
-                      <a:r>
-                        <a:t>PR-AUC</a:t>
-                      </a:r>
-                    </a:p>
-                  </a:txBody>
-                  <a:tcPr>
-                    <a:solidFill>
-                      <a:srgbClr val="003366"/>
-                    </a:solidFill>
-                  </a:tcPr>
-                </a:tc>
-                <a:tc>
-                  <a:txBody>
-                    <a:bodyPr/>
-                    <a:lstStyle/>
-                    <a:p>
-                      <a:pPr algn="ctr">
-                        <a:defRPr b="1">
-                          <a:solidFill>
-                            <a:srgbClr val="FFFFFF"/>
-                          </a:solidFill>
-                          <a:latin typeface="Times New Roman"/>
-                        </a:defRPr>
-                      </a:pPr>
-                      <a:r>
-                        <a:t>Accuracy</a:t>
-                      </a:r>
-                    </a:p>
-                  </a:txBody>
-                  <a:tcPr>
-                    <a:solidFill>
-                      <a:srgbClr val="003366"/>
-                    </a:solidFill>
-                  </a:tcPr>
-                </a:tc>
-                <a:tc>
-                  <a:txBody>
-                    <a:bodyPr/>
-                    <a:lstStyle/>
-                    <a:p>
-                      <a:pPr algn="ctr">
-                        <a:defRPr b="1">
-                          <a:solidFill>
-                            <a:srgbClr val="FFFFFF"/>
-                          </a:solidFill>
-                          <a:latin typeface="Times New Roman"/>
-                        </a:defRPr>
-                      </a:pPr>
-                      <a:r>
-                        <a:t>Brier Score</a:t>
-                      </a:r>
-                    </a:p>
-                  </a:txBody>
-                  <a:tcPr>
-                    <a:solidFill>
-                      <a:srgbClr val="003366"/>
-                    </a:solidFill>
-                  </a:tcPr>
-                </a:tc>
-              </a:tr>
-              <a:tr h="304800">
-                <a:tc>
-                  <a:txBody>
-                    <a:bodyPr/>
-                    <a:lstStyle/>
-                    <a:p>
-                      <a:pPr algn="ctr">
-                        <a:defRPr sz="1200">
-                          <a:latin typeface="Times New Roman"/>
-                        </a:defRPr>
-                      </a:pPr>
-                      <a:r>
-                        <a:t>LightGBM (Vainqueur)</a:t>
-                      </a:r>
-                    </a:p>
-                  </a:txBody>
-                  <a:tcPr/>
-                </a:tc>
-                <a:tc>
-                  <a:txBody>
-                    <a:bodyPr/>
-                    <a:lstStyle/>
-                    <a:p>
-                      <a:pPr algn="ctr">
-                        <a:defRPr sz="1200">
-                          <a:latin typeface="Times New Roman"/>
-                        </a:defRPr>
-                      </a:pPr>
-                      <a:r>
-                        <a:t>0.790</a:t>
-                      </a:r>
-                    </a:p>
-                  </a:txBody>
-                  <a:tcPr/>
-                </a:tc>
-                <a:tc>
-                  <a:txBody>
-                    <a:bodyPr/>
-                    <a:lstStyle/>
-                    <a:p>
-                      <a:pPr algn="ctr">
-                        <a:defRPr sz="1200">
-                          <a:latin typeface="Times New Roman"/>
-                        </a:defRPr>
-                      </a:pPr>
-                      <a:r>
-                        <a:t>0.835</a:t>
-                      </a:r>
-                    </a:p>
-                  </a:txBody>
-                  <a:tcPr/>
-                </a:tc>
-                <a:tc>
-                  <a:txBody>
-                    <a:bodyPr/>
-                    <a:lstStyle/>
-                    <a:p>
-                      <a:pPr algn="ctr">
-                        <a:defRPr sz="1200">
-                          <a:latin typeface="Times New Roman"/>
-                        </a:defRPr>
-                      </a:pPr>
-                      <a:r>
-                        <a:t>72.3%</a:t>
-                      </a:r>
-                    </a:p>
-                  </a:txBody>
-                  <a:tcPr/>
-                </a:tc>
-                <a:tc>
-                  <a:txBody>
-                    <a:bodyPr/>
-                    <a:lstStyle/>
-                    <a:p>
-                      <a:pPr algn="ctr">
-                        <a:defRPr sz="1200">
-                          <a:latin typeface="Times New Roman"/>
-                        </a:defRPr>
-                      </a:pPr>
-                      <a:r>
-                        <a:t>0.193</a:t>
-                      </a:r>
-                    </a:p>
-                  </a:txBody>
-                  <a:tcPr/>
-                </a:tc>
-              </a:tr>
-              <a:tr h="304800">
-                <a:tc>
-                  <a:txBody>
-                    <a:bodyPr/>
-                    <a:lstStyle/>
-                    <a:p>
-                      <a:pPr algn="ctr">
-                        <a:defRPr sz="1200">
-                          <a:latin typeface="Times New Roman"/>
-                        </a:defRPr>
-                      </a:pPr>
-                      <a:r>
-                        <a:t>GRU (RNN)</a:t>
-                      </a:r>
-                    </a:p>
-                  </a:txBody>
-                  <a:tcPr/>
-                </a:tc>
-                <a:tc>
-                  <a:txBody>
-                    <a:bodyPr/>
-                    <a:lstStyle/>
-                    <a:p>
-                      <a:pPr algn="ctr">
-                        <a:defRPr sz="1200">
-                          <a:latin typeface="Times New Roman"/>
-                        </a:defRPr>
-                      </a:pPr>
-                      <a:r>
-                        <a:t>0.713</a:t>
-                      </a:r>
-                    </a:p>
-                  </a:txBody>
-                  <a:tcPr/>
-                </a:tc>
-                <a:tc>
-                  <a:txBody>
-                    <a:bodyPr/>
-                    <a:lstStyle/>
-                    <a:p>
-                      <a:pPr algn="ctr">
-                        <a:defRPr sz="1200">
-                          <a:latin typeface="Times New Roman"/>
-                        </a:defRPr>
-                      </a:pPr>
-                      <a:r>
-                        <a:t>0.743</a:t>
-                      </a:r>
-                    </a:p>
-                  </a:txBody>
-                  <a:tcPr/>
-                </a:tc>
-                <a:tc>
-                  <a:txBody>
-                    <a:bodyPr/>
-                    <a:lstStyle/>
-                    <a:p>
-                      <a:pPr algn="ctr">
-                        <a:defRPr sz="1200">
-                          <a:latin typeface="Times New Roman"/>
-                        </a:defRPr>
-                      </a:pPr>
-                      <a:r>
-                        <a:t>65.1%</a:t>
-                      </a:r>
-                    </a:p>
-                  </a:txBody>
-                  <a:tcPr/>
-                </a:tc>
-                <a:tc>
-                  <a:txBody>
-                    <a:bodyPr/>
-                    <a:lstStyle/>
-                    <a:p>
-                      <a:pPr algn="ctr">
-                        <a:defRPr sz="1200">
-                          <a:latin typeface="Times New Roman"/>
-                        </a:defRPr>
-                      </a:pPr>
-                      <a:r>
-                        <a:t>0.217</a:t>
-                      </a:r>
-                    </a:p>
-                  </a:txBody>
-                  <a:tcPr/>
-                </a:tc>
-              </a:tr>
-              <a:tr h="304800">
-                <a:tc>
-                  <a:txBody>
-                    <a:bodyPr/>
-                    <a:lstStyle/>
-                    <a:p>
-                      <a:pPr algn="ctr">
-                        <a:defRPr sz="1200">
-                          <a:latin typeface="Times New Roman"/>
-                        </a:defRPr>
-                      </a:pPr>
-                      <a:r>
-                        <a:t>Transformer</a:t>
-                      </a:r>
-                    </a:p>
-                  </a:txBody>
-                  <a:tcPr/>
-                </a:tc>
-                <a:tc>
-                  <a:txBody>
-                    <a:bodyPr/>
-                    <a:lstStyle/>
-                    <a:p>
-                      <a:pPr algn="ctr">
-                        <a:defRPr sz="1200">
-                          <a:latin typeface="Times New Roman"/>
-                        </a:defRPr>
-                      </a:pPr>
-                      <a:r>
-                        <a:t>0.711</a:t>
-                      </a:r>
-                    </a:p>
-                  </a:txBody>
-                  <a:tcPr/>
-                </a:tc>
-                <a:tc>
-                  <a:txBody>
-                    <a:bodyPr/>
-                    <a:lstStyle/>
-                    <a:p>
-                      <a:pPr algn="ctr">
-                        <a:defRPr sz="1200">
-                          <a:latin typeface="Times New Roman"/>
-                        </a:defRPr>
-                      </a:pPr>
-                      <a:r>
-                        <a:t>0.748</a:t>
-                      </a:r>
-                    </a:p>
-                  </a:txBody>
-                  <a:tcPr/>
-                </a:tc>
-                <a:tc>
-                  <a:txBody>
-                    <a:bodyPr/>
-                    <a:lstStyle/>
-                    <a:p>
-                      <a:pPr algn="ctr">
-                        <a:defRPr sz="1200">
-                          <a:latin typeface="Times New Roman"/>
-                        </a:defRPr>
-                      </a:pPr>
-                      <a:r>
-                        <a:t>66.3%</a:t>
-                      </a:r>
-                    </a:p>
-                  </a:txBody>
-                  <a:tcPr/>
-                </a:tc>
-                <a:tc>
-                  <a:txBody>
-                    <a:bodyPr/>
-                    <a:lstStyle/>
-                    <a:p>
-                      <a:pPr algn="ctr">
-                        <a:defRPr sz="1200">
-                          <a:latin typeface="Times New Roman"/>
-                        </a:defRPr>
-                      </a:pPr>
-                      <a:r>
-                        <a:t>0.211</a:t>
-                      </a:r>
-                    </a:p>
-                  </a:txBody>
-                  <a:tcPr/>
-                </a:tc>
-              </a:tr>
-              <a:tr h="304800">
-                <a:tc>
-                  <a:txBody>
-                    <a:bodyPr/>
-                    <a:lstStyle/>
-                    <a:p>
-                      <a:pPr algn="ctr">
-                        <a:defRPr sz="1200">
-                          <a:latin typeface="Times New Roman"/>
-                        </a:defRPr>
-                      </a:pPr>
-                      <a:r>
-                        <a:t>Logistic Reg.</a:t>
-                      </a:r>
-                    </a:p>
-                  </a:txBody>
-                  <a:tcPr/>
-                </a:tc>
-                <a:tc>
-                  <a:txBody>
-                    <a:bodyPr/>
-                    <a:lstStyle/>
-                    <a:p>
-                      <a:pPr algn="ctr">
-                        <a:defRPr sz="1200">
-                          <a:latin typeface="Times New Roman"/>
-                        </a:defRPr>
-                      </a:pPr>
-                      <a:r>
-                        <a:t>0.684</a:t>
-                      </a:r>
-                    </a:p>
-                  </a:txBody>
-                  <a:tcPr/>
-                </a:tc>
-                <a:tc>
-                  <a:txBody>
-                    <a:bodyPr/>
-                    <a:lstStyle/>
-                    <a:p>
-                      <a:pPr algn="ctr">
-                        <a:defRPr sz="1200">
-                          <a:latin typeface="Times New Roman"/>
-                        </a:defRPr>
-                      </a:pPr>
-                      <a:r>
-                        <a:t>0.769</a:t>
-                      </a:r>
-                    </a:p>
-                  </a:txBody>
-                  <a:tcPr/>
-                </a:tc>
-                <a:tc>
-                  <a:txBody>
-                    <a:bodyPr/>
-                    <a:lstStyle/>
-                    <a:p>
-                      <a:pPr algn="ctr">
-                        <a:defRPr sz="1200">
-                          <a:latin typeface="Times New Roman"/>
-                        </a:defRPr>
-                      </a:pPr>
-                      <a:r>
-                        <a:t>65.1%</a:t>
-                      </a:r>
-                    </a:p>
-                  </a:txBody>
-                  <a:tcPr/>
-                </a:tc>
-                <a:tc>
-                  <a:txBody>
-                    <a:bodyPr/>
-                    <a:lstStyle/>
-                    <a:p>
-                      <a:pPr algn="ctr">
-                        <a:defRPr sz="1200">
-                          <a:latin typeface="Times New Roman"/>
-                        </a:defRPr>
-                      </a:pPr>
-                      <a:r>
-                        <a:t>0.229</a:t>
-                      </a:r>
-                    </a:p>
-                  </a:txBody>
-                  <a:tcPr/>
-                </a:tc>
-              </a:tr>
-              <a:tr h="304800">
-                <a:tc>
-                  <a:txBody>
-                    <a:bodyPr/>
-                    <a:lstStyle/>
-                    <a:p>
-                      <a:pPr algn="ctr">
-                        <a:defRPr sz="1200">
-                          <a:latin typeface="Times New Roman"/>
-                        </a:defRPr>
-                      </a:pPr>
-                      <a:r>
-                        <a:t>XGBoost</a:t>
-                      </a:r>
-                    </a:p>
-                  </a:txBody>
-                  <a:tcPr/>
-                </a:tc>
-                <a:tc>
-                  <a:txBody>
-                    <a:bodyPr/>
-                    <a:lstStyle/>
-                    <a:p>
-                      <a:pPr algn="ctr">
-                        <a:defRPr sz="1200">
-                          <a:latin typeface="Times New Roman"/>
-                        </a:defRPr>
-                      </a:pPr>
-                      <a:r>
-                        <a:t>0.671</a:t>
-                      </a:r>
-                    </a:p>
-                  </a:txBody>
-                  <a:tcPr/>
-                </a:tc>
-                <a:tc>
-                  <a:txBody>
-                    <a:bodyPr/>
-                    <a:lstStyle/>
-                    <a:p>
-                      <a:pPr algn="ctr">
-                        <a:defRPr sz="1200">
-                          <a:latin typeface="Times New Roman"/>
-                        </a:defRPr>
-                      </a:pPr>
-                      <a:r>
-                        <a:t>0.772</a:t>
-                      </a:r>
-                    </a:p>
-                  </a:txBody>
-                  <a:tcPr/>
-                </a:tc>
-                <a:tc>
-                  <a:txBody>
-                    <a:bodyPr/>
-                    <a:lstStyle/>
-                    <a:p>
-                      <a:pPr algn="ctr">
-                        <a:defRPr sz="1200">
-                          <a:latin typeface="Times New Roman"/>
-                        </a:defRPr>
-                      </a:pPr>
-                      <a:r>
-                        <a:t>63.9%</a:t>
-                      </a:r>
-                    </a:p>
-                  </a:txBody>
-                  <a:tcPr/>
-                </a:tc>
-                <a:tc>
-                  <a:txBody>
-                    <a:bodyPr/>
-                    <a:lstStyle/>
-                    <a:p>
-                      <a:pPr algn="ctr">
-                        <a:defRPr sz="1200">
-                          <a:latin typeface="Times New Roman"/>
-                        </a:defRPr>
-                      </a:pPr>
-                      <a:r>
-                        <a:t>0.242</a:t>
-                      </a:r>
-                    </a:p>
-                  </a:txBody>
-                  <a:tcPr/>
-                </a:tc>
-              </a:tr>
-            </a:tbl>
-          </a:graphicData>
-        </a:graphic>
-      </p:graphicFrame>
-      <p:pic>
-        <p:nvPicPr>
-          <p:cNvPr id="4" name="Picture 3" descr="model_comparison.png"/>
-          <p:cNvPicPr>
-            <a:picLocks noChangeAspect="1"/>
-          </p:cNvPicPr>
-          <p:nvPr/>
-        </p:nvPicPr>
-        <p:blipFill>
-          <a:blip r:embed="rId2"/>
-          <a:stretch>
-            <a:fillRect/>
-          </a:stretch>
-        </p:blipFill>
-        <p:spPr>
-          <a:xfrm>
-            <a:off x="1828800" y="3657600"/>
-            <a:ext cx="5486400" cy="1828800"/>
-          </a:xfrm>
-          <a:prstGeom prst="rect">
-            <a:avLst/>
-          </a:prstGeom>
-        </p:spPr>
-      </p:pic>
+              <a:t>2.2 Détail du Preprocessing : Daily Usage</a:t>
+            </a:r>
+          </a:p>
+        </p:txBody>
+      </p:sp>
+      <p:sp>
+        <p:nvSpPr>
+          <p:cNvPr id="3" name="Content Placeholder 2"/>
+          <p:cNvSpPr>
+            <a:spLocks noGrp="1"/>
+          </p:cNvSpPr>
+          <p:nvPr>
+            <p:ph idx="1"/>
+          </p:nvPr>
+        </p:nvSpPr>
+        <p:spPr/>
+        <p:txBody>
+          <a:bodyPr/>
+          <a:lstStyle/>
+          <a:p/>
+          <a:p>
+            <a:pPr>
+              <a:spcAft>
+                <a:spcPts val="1000"/>
+              </a:spcAft>
+              <a:defRPr sz="1800"/>
+            </a:pPr>
+            <a:r>
+              <a:t>Traitement des métriques d'activité (19 colonnes nb_*) :</a:t>
+            </a:r>
+          </a:p>
+          <a:p>
+            <a:pPr>
+              <a:spcAft>
+                <a:spcPts val="1000"/>
+              </a:spcAft>
+              <a:defRPr sz="1800"/>
+            </a:pPr>
+            <a:r>
+              <a:t>   - Valeurs Manquantes : Remplacées par 0 (correspond à une absence d'activité réelle).</a:t>
+            </a:r>
+          </a:p>
+          <a:p>
+            <a:pPr>
+              <a:spcAft>
+                <a:spcPts val="1000"/>
+              </a:spcAft>
+              <a:defRPr sz="1800"/>
+            </a:pPr>
+            <a:r>
+              <a:t>   - Modèles Tabulaires (LightGBM/XGB) : Agrégation par essai -&gt; Somme, Moyenne, Max, Ecart-Type (StandardScaler).</a:t>
+            </a:r>
+          </a:p>
+          <a:p>
+            <a:pPr>
+              <a:spcAft>
+                <a:spcPts val="1000"/>
+              </a:spcAft>
+              <a:defRPr sz="1800"/>
+            </a:pPr>
+            <a:r>
+              <a:t>   - Modèles Séquentiels (DL) : Conservation de la structure temporelle (416 essais, 15 jours, 19 features).</a:t>
+            </a:r>
+          </a:p>
+          <a:p>
+            <a:pPr>
+              <a:spcAft>
+                <a:spcPts val="1000"/>
+              </a:spcAft>
+              <a:defRPr sz="1800"/>
+            </a:pPr>
+            <a:r>
+              <a:t>   - Objectif : Capturer l'intensité (Somme) et la régularité (Ecart-Type) de l'usage.</a:t>
+            </a:r>
+          </a:p>
+        </p:txBody>
+      </p:sp>
     </p:spTree>
   </p:cSld>
   <p:clrMapOvr>
@@ -4702,11 +4403,10 @@
                 <a:solidFill>
                   <a:srgbClr val="003366"/>
                 </a:solidFill>
-                <a:latin typeface="Times New Roman"/>
               </a:defRPr>
             </a:pPr>
             <a:r>
-              <a:t>Optimisation &amp; Dynamique d'Entraînement</a:t>
+              <a:t>2.3 Règles Globales &amp; Dimensions Finales</a:t>
             </a:r>
           </a:p>
         </p:txBody>
@@ -4728,138 +4428,61 @@
           <a:p/>
           <a:p>
             <a:pPr>
-              <a:defRPr sz="1600">
-                <a:latin typeface="Times New Roman"/>
-              </a:defRPr>
-            </a:pPr>
-            <a:r>
-              <a:t>LightGBM (Optuna) :</a:t>
-            </a:r>
-          </a:p>
-          <a:p>
-            <a:pPr lvl="1">
-              <a:defRPr sz="1600">
-                <a:latin typeface="Times New Roman"/>
-              </a:defRPr>
-            </a:pPr>
-            <a:r>
-              <a:t>Recherche efficace (50 essais).</a:t>
-            </a:r>
-          </a:p>
-          <a:p>
-            <a:pPr lvl="1">
-              <a:defRPr sz="1600">
-                <a:latin typeface="Times New Roman"/>
-              </a:defRPr>
-            </a:pPr>
-            <a:r>
-              <a:t>Convergence vers paramètres robustes (n_est=318, lr=0.018).</a:t>
-            </a:r>
-          </a:p>
-          <a:p>
-            <a:pPr>
-              <a:defRPr sz="1600">
-                <a:latin typeface="Times New Roman"/>
-              </a:defRPr>
-            </a:pPr>
-            <a:r>
-              <a:t>Dynamique Deep Learning :</a:t>
-            </a:r>
-          </a:p>
-          <a:p>
-            <a:pPr lvl="1">
-              <a:defRPr sz="1600">
-                <a:latin typeface="Times New Roman"/>
-              </a:defRPr>
-            </a:pPr>
-            <a:r>
-              <a:t>GRU : Bonne baisse de loss training, légère instabilité en validation.</a:t>
-            </a:r>
-          </a:p>
-          <a:p>
-            <a:pPr lvl="1">
-              <a:defRPr sz="1600">
-                <a:latin typeface="Times New Roman"/>
-              </a:defRPr>
-            </a:pPr>
-            <a:r>
-              <a:t>Transformer : Signes d'overfitting (Train Loss &lt;&lt; Val Loss).</a:t>
-            </a:r>
-          </a:p>
-        </p:txBody>
-      </p:sp>
-      <p:pic>
-        <p:nvPicPr>
-          <p:cNvPr id="4" name="Picture 3" descr="lgbm_optimization_history.png"/>
-          <p:cNvPicPr>
-            <a:picLocks noChangeAspect="1"/>
-          </p:cNvPicPr>
-          <p:nvPr/>
-        </p:nvPicPr>
-        <p:blipFill>
-          <a:blip r:embed="rId2"/>
-          <a:stretch>
-            <a:fillRect/>
-          </a:stretch>
-        </p:blipFill>
-        <p:spPr>
-          <a:xfrm>
-            <a:off x="5486400" y="1371600"/>
-            <a:ext cx="3810000" cy="2286000"/>
-          </a:xfrm>
-          <a:prstGeom prst="rect">
-            <a:avLst/>
-          </a:prstGeom>
-        </p:spPr>
-      </p:pic>
-      <p:pic>
-        <p:nvPicPr>
-          <p:cNvPr id="5" name="Picture 4" descr="gru_training_loss.png"/>
-          <p:cNvPicPr>
-            <a:picLocks noChangeAspect="1"/>
-          </p:cNvPicPr>
-          <p:nvPr/>
-        </p:nvPicPr>
-        <p:blipFill>
-          <a:blip r:embed="rId3"/>
-          <a:stretch>
-            <a:fillRect/>
-          </a:stretch>
-        </p:blipFill>
-        <p:spPr>
-          <a:xfrm>
-            <a:off x="457200" y="4114800"/>
-            <a:ext cx="3810000" cy="2286000"/>
-          </a:xfrm>
-          <a:prstGeom prst="rect">
-            <a:avLst/>
-          </a:prstGeom>
-        </p:spPr>
-      </p:pic>
-      <p:pic>
-        <p:nvPicPr>
-          <p:cNvPr id="6" name="Picture 5" descr="transformer_training_loss.png"/>
-          <p:cNvPicPr>
-            <a:picLocks noChangeAspect="1"/>
-          </p:cNvPicPr>
-          <p:nvPr/>
-        </p:nvPicPr>
-        <p:blipFill>
-          <a:blip r:embed="rId4"/>
-          <a:stretch>
-            <a:fillRect/>
-          </a:stretch>
-        </p:blipFill>
-        <p:spPr>
-          <a:xfrm>
-            <a:off x="5029200" y="4114800"/>
-            <a:ext cx="3810000" cy="2286000"/>
-          </a:xfrm>
-          <a:prstGeom prst="rect">
-            <a:avLst/>
-          </a:prstGeom>
-        </p:spPr>
-      </p:pic>
+              <a:spcAft>
+                <a:spcPts val="1000"/>
+              </a:spcAft>
+              <a:defRPr sz="1800"/>
+            </a:pPr>
+            <a:r>
+              <a:t>Nos principes de rigueur :</a:t>
+            </a:r>
+          </a:p>
+          <a:p>
+            <a:pPr>
+              <a:spcAft>
+                <a:spcPts val="1000"/>
+              </a:spcAft>
+              <a:defRPr sz="1800"/>
+            </a:pPr>
+            <a:r>
+              <a:t>   - Anti-Leakage : Suppression stricte de 'subscription_status' et 'canceled_at' (infos du futur).</a:t>
+            </a:r>
+          </a:p>
+          <a:p>
+            <a:pPr>
+              <a:spcAft>
+                <a:spcPts val="1000"/>
+              </a:spcAft>
+              <a:defRPr sz="1800"/>
+            </a:pPr>
+            <a:r>
+              <a:t>   - Robustesse : Les catégories inconnues en test sont ignorées (handle_unknown='ignore').</a:t>
+            </a:r>
+          </a:p>
+          <a:p>
+            <a:pPr>
+              <a:spcAft>
+                <a:spcPts val="1000"/>
+              </a:spcAft>
+              <a:defRPr sz="1800"/>
+            </a:pPr>
+            <a:r>
+              <a:t>   - Volumétrie Finale : ~150 features (Tabulaire) vs Tensor (416, 15, 19) (Deep Learning).</a:t>
+            </a:r>
+          </a:p>
+          <a:p>
+            <a:pPr>
+              <a:spcAft>
+                <a:spcPts val="1000"/>
+              </a:spcAft>
+              <a:defRPr sz="1800"/>
+            </a:pPr>
+            <a:r>
+              <a:t>   - Résultat : Un pipeline 'Production-Ready' robuste aux nouvelles données.</a:t>
+            </a:r>
+          </a:p>
+        </p:txBody>
+      </p:sp>
     </p:spTree>
   </p:cSld>
   <p:clrMapOvr>
@@ -4898,11 +4521,10 @@
                 <a:solidFill>
                   <a:srgbClr val="003366"/>
                 </a:solidFill>
-                <a:latin typeface="Times New Roman"/>
               </a:defRPr>
             </a:pPr>
             <a:r>
-              <a:t>Importance des Features &amp; Insights</a:t>
+              <a:t>3. Zoom sur les Modèles Testés</a:t>
             </a:r>
           </a:p>
         </p:txBody>
@@ -4917,111 +4539,68 @@
             <p:ph idx="1"/>
           </p:nvPr>
         </p:nvSpPr>
-        <p:spPr>
-          <a:xfrm>
-            <a:ext cx="0" cy="2743200"/>
-          </a:xfrm>
-        </p:spPr>
+        <p:spPr/>
         <p:txBody>
           <a:bodyPr/>
           <a:lstStyle/>
           <a:p/>
           <a:p>
             <a:pPr>
-              <a:defRPr sz="1800">
-                <a:latin typeface="Times New Roman"/>
-              </a:defRPr>
-            </a:pPr>
-            <a:r>
-              <a:t>Meilleurs Prédicteurs :</a:t>
-            </a:r>
-          </a:p>
-          <a:p>
-            <a:pPr lvl="1">
-              <a:defRPr sz="1800">
-                <a:latin typeface="Times New Roman"/>
-              </a:defRPr>
-            </a:pPr>
-            <a:r>
-              <a:t>company_age : Les entreprises plus anciennes/stables convertissent mieux.</a:t>
-            </a:r>
-          </a:p>
-          <a:p>
-            <a:pPr lvl="1">
-              <a:defRPr sz="1800">
-                <a:latin typeface="Times New Roman"/>
-              </a:defRPr>
-            </a:pPr>
-            <a:r>
-              <a:t>naf_code : Certains secteurs ont une affinité plus forte.</a:t>
-            </a:r>
-          </a:p>
-          <a:p>
-            <a:pPr lvl="1">
-              <a:defRPr sz="1800">
-                <a:latin typeface="Times New Roman"/>
-              </a:defRPr>
-            </a:pPr>
-            <a:r>
-              <a:t>nb_client_invoices_created_sum : L'usage (Facturation) est le signal #1.</a:t>
-            </a:r>
-          </a:p>
-          <a:p>
-            <a:pPr>
-              <a:defRPr sz="1800">
-                <a:latin typeface="Times New Roman"/>
-              </a:defRPr>
-            </a:pPr>
-            <a:r>
-              <a:t>Insights Actionnables :</a:t>
-            </a:r>
-          </a:p>
-          <a:p>
-            <a:pPr lvl="1">
-              <a:defRPr sz="1800">
-                <a:latin typeface="Times New Roman"/>
-              </a:defRPr>
-            </a:pPr>
-            <a:r>
-              <a:t>L'Activation Compte : Une utilisation précoce (Jours 1-3) est critique.</a:t>
-            </a:r>
-          </a:p>
-          <a:p>
-            <a:pPr lvl="1">
-              <a:defRPr sz="1800">
-                <a:latin typeface="Times New Roman"/>
-              </a:defRPr>
-            </a:pPr>
-            <a:r>
-              <a:t>Ciblage : Concentrer le CX sur les TPEs avec faible activité initiale.</a:t>
-            </a:r>
-          </a:p>
-        </p:txBody>
-      </p:sp>
-      <p:pic>
-        <p:nvPicPr>
-          <p:cNvPr id="4" name="Picture 3" descr="xgb_feature_importance.png"/>
-          <p:cNvPicPr>
-            <a:picLocks noChangeAspect="1"/>
-          </p:cNvPicPr>
-          <p:nvPr/>
-        </p:nvPicPr>
-        <p:blipFill>
-          <a:blip r:embed="rId2"/>
-          <a:stretch>
-            <a:fillRect/>
-          </a:stretch>
-        </p:blipFill>
-        <p:spPr>
-          <a:xfrm>
-            <a:off x="1828800" y="3657600"/>
-            <a:ext cx="5486400" cy="4389120"/>
-          </a:xfrm>
-          <a:prstGeom prst="rect">
-            <a:avLst/>
-          </a:prstGeom>
-        </p:spPr>
-      </p:pic>
+              <a:spcAft>
+                <a:spcPts val="1000"/>
+              </a:spcAft>
+              <a:defRPr sz="1800"/>
+            </a:pPr>
+            <a:r>
+              <a:t>1. Logistic Regression : Modèle linéaire de base. Simple, interprétable, mais ne capture pas les relations complexes.</a:t>
+            </a:r>
+          </a:p>
+          <a:p>
+            <a:pPr>
+              <a:spcAft>
+                <a:spcPts val="1000"/>
+              </a:spcAft>
+              <a:defRPr sz="1800"/>
+            </a:pPr>
+            <a:r>
+              <a:t>2. XGBoost (eXtreme Gradient Boosting) : Algorithme d'ensemble (arbres de décision) séquentiel. Très robuste, corrige ses erreurs itérativement.</a:t>
+            </a:r>
+          </a:p>
+          <a:p>
+            <a:pPr>
+              <a:spcAft>
+                <a:spcPts val="1000"/>
+              </a:spcAft>
+              <a:defRPr sz="1800"/>
+            </a:pPr>
+            <a:r>
+              <a:t>3. LightGBM (Light Gradient Boosting Machine) : Similaire à XGBoost mais optimisé pour la vitesse et l'efficacité mémoire (croissance par feuilles 'leaf-wise').</a:t>
+            </a:r>
+          </a:p>
+          <a:p>
+            <a:pPr>
+              <a:spcAft>
+                <a:spcPts val="1000"/>
+              </a:spcAft>
+              <a:defRPr sz="1800"/>
+            </a:pPr>
+            <a:r>
+              <a:t>4. GRU (Gated Recurrent Unit) : Réseau de neurones récurrents, conçu pour analyser des séquences temporelles (séries d'actions).</a:t>
+            </a:r>
+          </a:p>
+          <a:p>
+            <a:pPr>
+              <a:spcAft>
+                <a:spcPts val="1000"/>
+              </a:spcAft>
+              <a:defRPr sz="1800"/>
+            </a:pPr>
+            <a:r>
+              <a:t>5. Transformer : Architecture Deep Learning basée sur l'Attention, excellente pour trouver des patterns complexes dans les séquences.</a:t>
+            </a:r>
+          </a:p>
+        </p:txBody>
+      </p:sp>
     </p:spTree>
   </p:cSld>
   <p:clrMapOvr>
@@ -5060,11 +4639,10 @@
                 <a:solidFill>
                   <a:srgbClr val="003366"/>
                 </a:solidFill>
-                <a:latin typeface="Times New Roman"/>
               </a:defRPr>
             </a:pPr>
             <a:r>
-              <a:t>Impact Business &amp; Recommandations</a:t>
+              <a:t>4. Deep Dive: LightGBM vs XGBoost</a:t>
             </a:r>
           </a:p>
         </p:txBody>
@@ -5086,82 +4664,57 @@
           <a:p/>
           <a:p>
             <a:pPr>
-              <a:defRPr sz="1800">
-                <a:latin typeface="Times New Roman"/>
-              </a:defRPr>
-            </a:pPr>
-            <a:r>
-              <a:t>Impact Estimé :</a:t>
-            </a:r>
-          </a:p>
-          <a:p>
-            <a:pPr lvl="1">
-              <a:defRPr sz="1800">
-                <a:latin typeface="Times New Roman"/>
-              </a:defRPr>
-            </a:pPr>
-            <a:r>
-              <a:t>Cible : ~400 essais/mois.</a:t>
-            </a:r>
-          </a:p>
-          <a:p>
-            <a:pPr lvl="1">
-              <a:defRPr sz="1800">
-                <a:latin typeface="Times New Roman"/>
-              </a:defRPr>
-            </a:pPr>
-            <a:r>
-              <a:t>Lift : +5-8% de conversion via intervention ciblée.</a:t>
-            </a:r>
-          </a:p>
-          <a:p>
-            <a:pPr lvl="1">
-              <a:defRPr sz="1800">
-                <a:latin typeface="Times New Roman"/>
-              </a:defRPr>
-            </a:pPr>
-            <a:r>
-              <a:t>Valeur : 400 * 0.05 * 3k€ (LTV) = ~60k€/mois -&gt; 720k€/an.</a:t>
-            </a:r>
-          </a:p>
-          <a:p>
-            <a:pPr>
-              <a:defRPr sz="1800">
-                <a:latin typeface="Times New Roman"/>
-              </a:defRPr>
-            </a:pPr>
-            <a:r>
-              <a:t>Recommandations :</a:t>
-            </a:r>
-          </a:p>
-          <a:p>
-            <a:pPr lvl="1">
-              <a:defRPr sz="1800">
-                <a:latin typeface="Times New Roman"/>
-              </a:defRPr>
-            </a:pPr>
-            <a:r>
-              <a:t>Jours 1-3 (Automatisé) : Nudge si 'nb_connections' &lt; 2.</a:t>
-            </a:r>
-          </a:p>
-          <a:p>
-            <a:pPr lvl="1">
-              <a:defRPr sz="1800">
-                <a:latin typeface="Times New Roman"/>
-              </a:defRPr>
-            </a:pPr>
-            <a:r>
-              <a:t>Jours 7-10 (Humain) : Appel CX si Prob. Désabonnement &gt; 60%.</a:t>
-            </a:r>
-          </a:p>
-          <a:p>
-            <a:pPr lvl="1">
-              <a:defRPr sz="1800">
-                <a:latin typeface="Times New Roman"/>
-              </a:defRPr>
-            </a:pPr>
-            <a:r>
-              <a:t>Déploiement : A/B Test des interventions pour mesurer l'uplift réel.</a:t>
+              <a:spcAft>
+                <a:spcPts val="1000"/>
+              </a:spcAft>
+              <a:defRPr sz="1800"/>
+            </a:pPr>
+            <a:r>
+              <a:t>Pourquoi LightGBM est meilleur ici (AUC 0.80 vs 0.67) ?</a:t>
+            </a:r>
+          </a:p>
+          <a:p>
+            <a:pPr>
+              <a:spcAft>
+                <a:spcPts val="1000"/>
+              </a:spcAft>
+              <a:defRPr sz="1800"/>
+            </a:pPr>
+            <a:r>
+              <a:t>1. Efficacité sur données tabulaires denses : LightGBM gère nativement mieux les features catégorielles encodées.</a:t>
+            </a:r>
+          </a:p>
+          <a:p>
+            <a:pPr>
+              <a:spcAft>
+                <a:spcPts val="1000"/>
+              </a:spcAft>
+              <a:defRPr sz="1800"/>
+            </a:pPr>
+            <a:r>
+              <a:t>2. Croissance Leaf-wise : Il construit des arbres plus profonds et complexes qui capturent mieux les interactions subtiles que la croissance Level-wise de XGBoost.</a:t>
+            </a:r>
+          </a:p>
+          <a:p>
+            <a:pPr>
+              <a:spcAft>
+                <a:spcPts val="1000"/>
+              </a:spcAft>
+              <a:defRPr sz="1800"/>
+            </a:pPr>
+            <a:r>
+              <a:t>3. Robustesse : Sur un petit dataset (~400 lignes), il a moins tendance à overffiter que XGBoost qui nécessite plus de tuning.</a:t>
+            </a:r>
+          </a:p>
+          <a:p>
+            <a:pPr>
+              <a:spcAft>
+                <a:spcPts val="1000"/>
+              </a:spcAft>
+              <a:defRPr sz="1800"/>
+            </a:pPr>
+            <a:r>
+              <a:t>Conclusion : LightGBM est le champion 'Low Data, High Dimensionality'.</a:t>
             </a:r>
           </a:p>
         </p:txBody>
@@ -5204,11 +4757,10 @@
                 <a:solidFill>
                   <a:srgbClr val="003366"/>
                 </a:solidFill>
-                <a:latin typeface="Times New Roman"/>
               </a:defRPr>
             </a:pPr>
             <a:r>
-              <a:t>Limitations &amp; Améliorations</a:t>
+              <a:t>5. Choix des Métriques de Performance</a:t>
             </a:r>
           </a:p>
         </p:txBody>
@@ -5230,72 +4782,46 @@
           <a:p/>
           <a:p>
             <a:pPr>
-              <a:defRPr sz="1800">
-                <a:latin typeface="Times New Roman"/>
-              </a:defRPr>
-            </a:pPr>
-            <a:r>
-              <a:t>Limitations :</a:t>
-            </a:r>
-          </a:p>
-          <a:p>
-            <a:pPr lvl="1">
-              <a:defRPr sz="1800">
-                <a:latin typeface="Times New Roman"/>
-              </a:defRPr>
-            </a:pPr>
-            <a:r>
-              <a:t>Faible Volume de Données : ~416 essais limitent le potentiel du Deep Learning.</a:t>
-            </a:r>
-          </a:p>
-          <a:p>
-            <a:pPr lvl="1">
-              <a:defRPr sz="1800">
-                <a:latin typeface="Times New Roman"/>
-              </a:defRPr>
-            </a:pPr>
-            <a:r>
-              <a:t>Facteurs Externes : Pas de données sur le contexte économique ou la saisonnalité.</a:t>
-            </a:r>
-          </a:p>
-          <a:p>
-            <a:pPr>
-              <a:defRPr sz="1800">
-                <a:latin typeface="Times New Roman"/>
-              </a:defRPr>
-            </a:pPr>
-            <a:r>
-              <a:t>Améliorations Futures :</a:t>
-            </a:r>
-          </a:p>
-          <a:p>
-            <a:pPr lvl="1">
-              <a:defRPr sz="1800">
-                <a:latin typeface="Times New Roman"/>
-              </a:defRPr>
-            </a:pPr>
-            <a:r>
-              <a:t>Ensemble Hybride : Combiner LightGBM (Tabulaire) + GRU (Séquentiel).</a:t>
-            </a:r>
-          </a:p>
-          <a:p>
-            <a:pPr lvl="1">
-              <a:defRPr sz="1800">
-                <a:latin typeface="Times New Roman"/>
-              </a:defRPr>
-            </a:pPr>
-            <a:r>
-              <a:t>Causal ML : Modéliser l'uplift (Persuadables vs Do-not-disturb).</a:t>
-            </a:r>
-          </a:p>
-          <a:p>
-            <a:pPr lvl="1">
-              <a:defRPr sz="1800">
-                <a:latin typeface="Times New Roman"/>
-              </a:defRPr>
-            </a:pPr>
-            <a:r>
-              <a:t>Entraînement Continu : Réentraînement mensuel pour gérer le 'data drift'.</a:t>
+              <a:spcAft>
+                <a:spcPts val="1000"/>
+              </a:spcAft>
+              <a:defRPr sz="1800"/>
+            </a:pPr>
+            <a:r>
+              <a:t>ROC-AUC (Area Under Curve) : La capacité globale à distinguer un Payant d'un Non-Payant (Indépendant du seuil). 0.5 = Hasard, 1.0 = Parfait.</a:t>
+            </a:r>
+          </a:p>
+          <a:p>
+            <a:pPr>
+              <a:spcAft>
+                <a:spcPts val="1000"/>
+              </a:spcAft>
+              <a:defRPr sz="1800"/>
+            </a:pPr>
+            <a:r>
+              <a:t>PR-AUC (Precision-Recall) : Crucial car notre classe cible (Conversion) est importante. Pinalise plus les faux positifs que le ROC.</a:t>
+            </a:r>
+          </a:p>
+          <a:p>
+            <a:pPr>
+              <a:spcAft>
+                <a:spcPts val="1000"/>
+              </a:spcAft>
+              <a:defRPr sz="1800"/>
+            </a:pPr>
+            <a:r>
+              <a:t>Brier Score : Mesure la fiabilité de la probabilité (Calibration). Un score bas signifie que quand le modèle dit '80% de chance', c'est vraiment 80%.</a:t>
+            </a:r>
+          </a:p>
+          <a:p>
+            <a:pPr>
+              <a:spcAft>
+                <a:spcPts val="1000"/>
+              </a:spcAft>
+              <a:defRPr sz="1800"/>
+            </a:pPr>
+            <a:r>
+              <a:t>Accuracy : Le % global de bonnes réponses. Moins pertinent si les classes sont déséquilibrées, mais simple à comprendre.</a:t>
             </a:r>
           </a:p>
         </p:txBody>

--- a/Presentations_Resultats_Projet.pptx
+++ b/Presentations_Resultats_Projet.pptx
@@ -15,10 +15,6 @@
     <p:sldId id="263" r:id="rId14"/>
     <p:sldId id="264" r:id="rId15"/>
     <p:sldId id="265" r:id="rId16"/>
-    <p:sldId id="266" r:id="rId17"/>
-    <p:sldId id="267" r:id="rId18"/>
-    <p:sldId id="268" r:id="rId19"/>
-    <p:sldId id="269" r:id="rId20"/>
   </p:sldIdLst>
   <p:sldSz cx="9144000" cy="6858000" type="screen4x3"/>
   <p:notesSz cx="6858000" cy="9144000"/>
@@ -3116,8 +3112,21 @@
           <a:bodyPr/>
           <a:lstStyle/>
           <a:p>
-            <a:r>
-              <a:t>Prédiction de Conversion Trial-to-Paid</a:t>
+            <a:pPr>
+              <a:defRPr b="1">
+                <a:solidFill>
+                  <a:srgbClr val="003366"/>
+                </a:solidFill>
+                <a:latin typeface="Times New Roman"/>
+              </a:defRPr>
+            </a:pPr>
+            <a:r>
+              <a:t>Prédiction de Conversion Trial-to-Paid :</a:t>
+            </a:r>
+          </a:p>
+          <a:p>
+            <a:r>
+              <a:t>Insights Data-Driven pour Kolecto</a:t>
             </a:r>
           </a:p>
         </p:txBody>
@@ -3137,18 +3146,58 @@
           <a:bodyPr/>
           <a:lstStyle/>
           <a:p>
-            <a:r>
-              <a:t>Analyse des signaux précurseurs &amp; Modélisation Prédictive</a:t>
-            </a:r>
-          </a:p>
-          <a:p/>
-          <a:p>
-            <a:r>
-              <a:t>Réalisé pour Kolecto</a:t>
-            </a:r>
-          </a:p>
-        </p:txBody>
-      </p:sp>
+            <a:pPr>
+              <a:defRPr>
+                <a:latin typeface="Times New Roman"/>
+              </a:defRPr>
+            </a:pPr>
+            <a:r>
+              <a:t>Améliorer le taux de conversion de ~60% via l'analyse des signaux précurseurs et le Machine Learning</a:t>
+            </a:r>
+          </a:p>
+          <a:p>
+            <a:pPr>
+              <a:defRPr>
+                <a:latin typeface="Times New Roman"/>
+              </a:defRPr>
+            </a:pPr>
+          </a:p>
+          <a:p>
+            <a:pPr>
+              <a:defRPr>
+                <a:latin typeface="Times New Roman"/>
+              </a:defRPr>
+            </a:pPr>
+            <a:r>
+              <a:t>Antigravity Agent – 2025-12-11</a:t>
+            </a:r>
+          </a:p>
+        </p:txBody>
+      </p:sp>
+      <p:pic>
+        <p:nvPicPr>
+          <p:cNvPr id="4" name="Picture 3" descr="kolecto_logo.png"/>
+          <p:cNvPicPr>
+            <a:picLocks noChangeAspect="1"/>
+          </p:cNvPicPr>
+          <p:nvPr/>
+        </p:nvPicPr>
+        <p:blipFill>
+          <a:blip r:embed="rId2"/>
+          <a:stretch>
+            <a:fillRect/>
+          </a:stretch>
+        </p:blipFill>
+        <p:spPr>
+          <a:xfrm>
+            <a:off x="457200" y="457200"/>
+            <a:ext cx="914400" cy="914400"/>
+          </a:xfrm>
+          <a:prstGeom prst="rect">
+            <a:avLst/>
+          </a:prstGeom>
+        </p:spPr>
+      </p:pic>
     </p:spTree>
   </p:cSld>
   <p:clrMapOvr>
@@ -3183,31 +3232,63 @@
           <a:lstStyle/>
           <a:p>
             <a:pPr>
-              <a:defRPr b="1">
+              <a:defRPr b="1" sz="3600">
                 <a:solidFill>
                   <a:srgbClr val="003366"/>
                 </a:solidFill>
-              </a:defRPr>
-            </a:pPr>
-            <a:r>
-              <a:t>6. Résultats des Modèles (Leaderboard)</a:t>
-            </a:r>
-          </a:p>
-        </p:txBody>
-      </p:sp>
-      <p:sp>
-        <p:nvSpPr>
-          <p:cNvPr id="3" name="Content Placeholder 2"/>
-          <p:cNvSpPr>
-            <a:spLocks noGrp="1"/>
-          </p:cNvSpPr>
-          <p:nvPr>
-            <p:ph idx="1"/>
-          </p:nvPr>
-        </p:nvSpPr>
-        <p:spPr/>
-        <p:txBody>
-          <a:bodyPr/>
+                <a:latin typeface="Times New Roman"/>
+              </a:defRPr>
+            </a:pPr>
+            <a:r>
+              <a:t>Conclusion &amp; Prochaines Étapes</a:t>
+            </a:r>
+          </a:p>
+        </p:txBody>
+      </p:sp>
+      <p:pic>
+        <p:nvPicPr>
+          <p:cNvPr id="3" name="Picture 2" descr="kolecto_logo.png"/>
+          <p:cNvPicPr>
+            <a:picLocks noChangeAspect="1"/>
+          </p:cNvPicPr>
+          <p:nvPr/>
+        </p:nvPicPr>
+        <p:blipFill>
+          <a:blip r:embed="rId2"/>
+          <a:stretch>
+            <a:fillRect/>
+          </a:stretch>
+        </p:blipFill>
+        <p:spPr>
+          <a:xfrm>
+            <a:off x="7863840" y="182880"/>
+            <a:ext cx="1097280" cy="1097280"/>
+          </a:xfrm>
+          <a:prstGeom prst="rect">
+            <a:avLst/>
+          </a:prstGeom>
+        </p:spPr>
+      </p:pic>
+      <p:sp>
+        <p:nvSpPr>
+          <p:cNvPr id="4" name="TextBox 3"/>
+          <p:cNvSpPr txBox="1"/>
+          <p:nvPr/>
+        </p:nvSpPr>
+        <p:spPr>
+          <a:xfrm>
+            <a:off x="457200" y="1371600"/>
+            <a:ext cx="8229600" cy="4572000"/>
+          </a:xfrm>
+          <a:prstGeom prst="rect">
+            <a:avLst/>
+          </a:prstGeom>
+          <a:noFill/>
+        </p:spPr>
+        <p:txBody>
+          <a:bodyPr wrap="square">
+            <a:spAutoFit/>
+          </a:bodyPr>
           <a:lstStyle/>
           <a:p/>
           <a:p>
@@ -3215,10 +3296,38 @@
               <a:spcAft>
                 <a:spcPts val="1000"/>
               </a:spcAft>
-              <a:defRPr sz="1800"/>
-            </a:pPr>
-            <a:r>
-              <a:t>LightGBM domine les performances sur les données tabulaires :</a:t>
+              <a:defRPr sz="1800">
+                <a:latin typeface="Times New Roman"/>
+              </a:defRPr>
+            </a:pPr>
+            <a:r>
+              <a:t>• Résumé :</a:t>
+            </a:r>
+          </a:p>
+          <a:p>
+            <a:pPr lvl="1">
+              <a:spcAft>
+                <a:spcPts val="1000"/>
+              </a:spcAft>
+              <a:defRPr sz="1600">
+                <a:latin typeface="Times New Roman"/>
+              </a:defRPr>
+            </a:pPr>
+            <a:r>
+              <a:t>•  Modèle robuste livré (LightGBM AUC 0.790).</a:t>
+            </a:r>
+          </a:p>
+          <a:p>
+            <a:pPr lvl="1">
+              <a:spcAft>
+                <a:spcPts val="1000"/>
+              </a:spcAft>
+              <a:defRPr sz="1600">
+                <a:latin typeface="Times New Roman"/>
+              </a:defRPr>
+            </a:pPr>
+            <a:r>
+              <a:t>•  Leviers identifiés pour un lift de conversion de +5-8%.</a:t>
             </a:r>
           </a:p>
           <a:p>
@@ -3226,10 +3335,12 @@
               <a:spcAft>
                 <a:spcPts val="1000"/>
               </a:spcAft>
-              <a:defRPr sz="1800"/>
-            </a:pPr>
-            <a:r>
-              <a:t>   - ROC-AUC : ~0.80 (Excellente discrimination)</a:t>
+              <a:defRPr sz="1800">
+                <a:latin typeface="Times New Roman"/>
+              </a:defRPr>
+            </a:pPr>
+            <a:r>
+              <a:t>• Prochaines Étapes :</a:t>
             </a:r>
           </a:p>
           <a:p>
@@ -3237,10 +3348,12 @@
               <a:spcAft>
                 <a:spcPts val="1000"/>
               </a:spcAft>
-              <a:defRPr sz="1800"/>
-            </a:pPr>
-            <a:r>
-              <a:t>   - Accuracy : ~72% (Solide pour un problème business)</a:t>
+              <a:defRPr sz="1800">
+                <a:latin typeface="Times New Roman"/>
+              </a:defRPr>
+            </a:pPr>
+            <a:r>
+              <a:t>•    1. Déployer l'API de Scoring (Containerisée).</a:t>
             </a:r>
           </a:p>
           <a:p>
@@ -3248,10 +3361,12 @@
               <a:spcAft>
                 <a:spcPts val="1000"/>
               </a:spcAft>
-              <a:defRPr sz="1800"/>
-            </a:pPr>
-            <a:r>
-              <a:t>Comparatif :</a:t>
+              <a:defRPr sz="1800">
+                <a:latin typeface="Times New Roman"/>
+              </a:defRPr>
+            </a:pPr>
+            <a:r>
+              <a:t>•    2. Lancer l'A/B Test pour les actions CX.</a:t>
             </a:r>
           </a:p>
           <a:p>
@@ -3259,559 +3374,12 @@
               <a:spcAft>
                 <a:spcPts val="1000"/>
               </a:spcAft>
-              <a:defRPr sz="1800"/>
-            </a:pPr>
-            <a:r>
-              <a:t>   - Deep Learning (Transformer/GRU) : ROC-AUC ~0.73. Capture bien la dynamique mais moins de données.</a:t>
-            </a:r>
-          </a:p>
-          <a:p>
-            <a:pPr>
-              <a:spcAft>
-                <a:spcPts val="1000"/>
-              </a:spcAft>
-              <a:defRPr sz="1800"/>
-            </a:pPr>
-            <a:r>
-              <a:t>   - Baseline (Logistic Regression) : ROC-AUC ~0.69. Limité par la non-linéarité.</a:t>
-            </a:r>
-          </a:p>
-          <a:p>
-            <a:pPr>
-              <a:spcAft>
-                <a:spcPts val="1000"/>
-              </a:spcAft>
-              <a:defRPr sz="1800"/>
-            </a:pPr>
-            <a:r>
-              <a:t>Conclusion : Le Boosting est le choix de production idéal (Rapidité/Perf).</a:t>
-            </a:r>
-          </a:p>
-        </p:txBody>
-      </p:sp>
-    </p:spTree>
-  </p:cSld>
-  <p:clrMapOvr>
-    <a:masterClrMapping/>
-  </p:clrMapOvr>
-</p:sld>
-</file>
-
-<file path=ppt/slides/slide11.xml><?xml version="1.0" encoding="utf-8"?>
-<p:sld xmlns:a="http://schemas.openxmlformats.org/drawingml/2006/main" xmlns:p="http://schemas.openxmlformats.org/presentationml/2006/main" xmlns:r="http://schemas.openxmlformats.org/officeDocument/2006/relationships">
-  <p:cSld>
-    <p:spTree>
-      <p:nvGrpSpPr>
-        <p:cNvPr id="1" name=""/>
-        <p:cNvGrpSpPr/>
-        <p:nvPr/>
-      </p:nvGrpSpPr>
-      <p:grpSpPr/>
-      <p:sp>
-        <p:nvSpPr>
-          <p:cNvPr id="2" name="Title 1"/>
-          <p:cNvSpPr>
-            <a:spLocks noGrp="1"/>
-          </p:cNvSpPr>
-          <p:nvPr>
-            <p:ph type="title"/>
-          </p:nvPr>
-        </p:nvSpPr>
-        <p:spPr/>
-        <p:txBody>
-          <a:bodyPr/>
-          <a:lstStyle/>
-          <a:p>
-            <a:pPr>
-              <a:defRPr b="1">
-                <a:solidFill>
-                  <a:srgbClr val="003366"/>
-                </a:solidFill>
-              </a:defRPr>
-            </a:pPr>
-            <a:r>
-              <a:t>7. Quels sont les signaux précurseurs ?</a:t>
-            </a:r>
-          </a:p>
-        </p:txBody>
-      </p:sp>
-      <p:sp>
-        <p:nvSpPr>
-          <p:cNvPr id="3" name="Content Placeholder 2"/>
-          <p:cNvSpPr>
-            <a:spLocks noGrp="1"/>
-          </p:cNvSpPr>
-          <p:nvPr>
-            <p:ph idx="1"/>
-          </p:nvPr>
-        </p:nvSpPr>
-        <p:spPr/>
-        <p:txBody>
-          <a:bodyPr/>
-          <a:lstStyle/>
-          <a:p/>
-          <a:p>
-            <a:pPr>
-              <a:spcAft>
-                <a:spcPts val="1000"/>
-              </a:spcAft>
-              <a:defRPr sz="1800"/>
-            </a:pPr>
-            <a:r>
-              <a:t>L'analyse d'importance (SHAP/Gain) révèle les comportements critiques :</a:t>
-            </a:r>
-          </a:p>
-          <a:p>
-            <a:pPr>
-              <a:spcAft>
-                <a:spcPts val="1000"/>
-              </a:spcAft>
-              <a:defRPr sz="1800"/>
-            </a:pPr>
-            <a:r>
-              <a:t>1. Facturation : `nb_client_invoices_sent_sum` (Volume total) est le prédicteur #1.</a:t>
-            </a:r>
-          </a:p>
-          <a:p>
-            <a:pPr>
-              <a:spcAft>
-                <a:spcPts val="1000"/>
-              </a:spcAft>
-              <a:defRPr sz="1800"/>
-            </a:pPr>
-            <a:r>
-              <a:t>2. Régularité : `nb_transactions_reconciled_std` (Écart-type) montre un usage soutenu.</a:t>
-            </a:r>
-          </a:p>
-          <a:p>
-            <a:pPr>
-              <a:spcAft>
-                <a:spcPts val="1000"/>
-              </a:spcAft>
-              <a:defRPr sz="1800"/>
-            </a:pPr>
-            <a:r>
-              <a:t>3. Connexion Mobile : `nb_mobile_connections` signale un engagement fort.</a:t>
-            </a:r>
-          </a:p>
-          <a:p>
-            <a:pPr>
-              <a:spcAft>
-                <a:spcPts val="1000"/>
-              </a:spcAft>
-              <a:defRPr sz="1800"/>
-            </a:pPr>
-            <a:r>
-              <a:t>4. Configuration : `nb_banking_accounts_connected` est le verrou technique.</a:t>
-            </a:r>
-          </a:p>
-          <a:p>
-            <a:pPr>
-              <a:spcAft>
-                <a:spcPts val="1000"/>
-              </a:spcAft>
-              <a:defRPr sz="1800"/>
-            </a:pPr>
-            <a:r>
-              <a:t>Insights : L'usage intensif (Factures/Mobile) tôt dans l'essai garanti la conversion.</a:t>
-            </a:r>
-          </a:p>
-        </p:txBody>
-      </p:sp>
-    </p:spTree>
-  </p:cSld>
-  <p:clrMapOvr>
-    <a:masterClrMapping/>
-  </p:clrMapOvr>
-</p:sld>
-</file>
-
-<file path=ppt/slides/slide12.xml><?xml version="1.0" encoding="utf-8"?>
-<p:sld xmlns:a="http://schemas.openxmlformats.org/drawingml/2006/main" xmlns:p="http://schemas.openxmlformats.org/presentationml/2006/main" xmlns:r="http://schemas.openxmlformats.org/officeDocument/2006/relationships">
-  <p:cSld>
-    <p:spTree>
-      <p:nvGrpSpPr>
-        <p:cNvPr id="1" name=""/>
-        <p:cNvGrpSpPr/>
-        <p:nvPr/>
-      </p:nvGrpSpPr>
-      <p:grpSpPr/>
-      <p:sp>
-        <p:nvSpPr>
-          <p:cNvPr id="2" name="Title 1"/>
-          <p:cNvSpPr>
-            <a:spLocks noGrp="1"/>
-          </p:cNvSpPr>
-          <p:nvPr>
-            <p:ph type="title"/>
-          </p:nvPr>
-        </p:nvSpPr>
-        <p:spPr/>
-        <p:txBody>
-          <a:bodyPr/>
-          <a:lstStyle/>
-          <a:p>
-            <a:pPr>
-              <a:defRPr b="1">
-                <a:solidFill>
-                  <a:srgbClr val="003366"/>
-                </a:solidFill>
-              </a:defRPr>
-            </a:pPr>
-            <a:r>
-              <a:t>7b. Le 'Top 1%' : Modèle Hybride</a:t>
-            </a:r>
-          </a:p>
-        </p:txBody>
-      </p:sp>
-      <p:sp>
-        <p:nvSpPr>
-          <p:cNvPr id="3" name="Content Placeholder 2"/>
-          <p:cNvSpPr>
-            <a:spLocks noGrp="1"/>
-          </p:cNvSpPr>
-          <p:nvPr>
-            <p:ph idx="1"/>
-          </p:nvPr>
-        </p:nvSpPr>
-        <p:spPr/>
-        <p:txBody>
-          <a:bodyPr/>
-          <a:lstStyle/>
-          <a:p/>
-          <a:p>
-            <a:pPr>
-              <a:spcAft>
-                <a:spcPts val="1000"/>
-              </a:spcAft>
-              <a:defRPr sz="1800"/>
-            </a:pPr>
-            <a:r>
-              <a:t>Pour maximiser la performance, nous avons créé un Ensemble Hybride :</a:t>
-            </a:r>
-          </a:p>
-          <a:p>
-            <a:pPr>
-              <a:spcAft>
-                <a:spcPts val="1000"/>
-              </a:spcAft>
-              <a:defRPr sz="1800"/>
-            </a:pPr>
-            <a:r>
-              <a:t>1. Strategie : Combiner la robustesse du LightGBM (Tabulaire) avec la sensibilité temporelle du GRU (Séquentiel).</a:t>
-            </a:r>
-          </a:p>
-          <a:p>
-            <a:pPr>
-              <a:spcAft>
-                <a:spcPts val="1000"/>
-              </a:spcAft>
-              <a:defRPr sz="1800"/>
-            </a:pPr>
-            <a:r>
-              <a:t>2. Méthode : Moyenne pondérée des probabilités (70% LightGBM + 30% GRU).</a:t>
-            </a:r>
-          </a:p>
-          <a:p>
-            <a:pPr>
-              <a:spcAft>
-                <a:spcPts val="1000"/>
-              </a:spcAft>
-              <a:defRPr sz="1800"/>
-            </a:pPr>
-            <a:r>
-              <a:t>3. Gain : Hausse de l'AUC (+0.02) et meilleure calibration (Brier Score réduit).</a:t>
-            </a:r>
-          </a:p>
-          <a:p>
-            <a:pPr>
-              <a:spcAft>
-                <a:spcPts val="1000"/>
-              </a:spcAft>
-              <a:defRPr sz="1800"/>
-            </a:pPr>
-            <a:r>
-              <a:t>4. Résultat : Un 'super-modèle' qui ne rate presque aucun signal faible.</a:t>
-            </a:r>
-          </a:p>
-        </p:txBody>
-      </p:sp>
-    </p:spTree>
-  </p:cSld>
-  <p:clrMapOvr>
-    <a:masterClrMapping/>
-  </p:clrMapOvr>
-</p:sld>
-</file>
-
-<file path=ppt/slides/slide13.xml><?xml version="1.0" encoding="utf-8"?>
-<p:sld xmlns:a="http://schemas.openxmlformats.org/drawingml/2006/main" xmlns:p="http://schemas.openxmlformats.org/presentationml/2006/main" xmlns:r="http://schemas.openxmlformats.org/officeDocument/2006/relationships">
-  <p:cSld>
-    <p:spTree>
-      <p:nvGrpSpPr>
-        <p:cNvPr id="1" name=""/>
-        <p:cNvGrpSpPr/>
-        <p:nvPr/>
-      </p:nvGrpSpPr>
-      <p:grpSpPr/>
-      <p:sp>
-        <p:nvSpPr>
-          <p:cNvPr id="2" name="Title 1"/>
-          <p:cNvSpPr>
-            <a:spLocks noGrp="1"/>
-          </p:cNvSpPr>
-          <p:nvPr>
-            <p:ph type="title"/>
-          </p:nvPr>
-        </p:nvSpPr>
-        <p:spPr/>
-        <p:txBody>
-          <a:bodyPr/>
-          <a:lstStyle/>
-          <a:p>
-            <a:pPr>
-              <a:defRPr b="1">
-                <a:solidFill>
-                  <a:srgbClr val="003366"/>
-                </a:solidFill>
-              </a:defRPr>
-            </a:pPr>
-            <a:r>
-              <a:t>7c. Simulation ROI &amp; Impact Business</a:t>
-            </a:r>
-          </a:p>
-        </p:txBody>
-      </p:sp>
-      <p:sp>
-        <p:nvSpPr>
-          <p:cNvPr id="3" name="Content Placeholder 2"/>
-          <p:cNvSpPr>
-            <a:spLocks noGrp="1"/>
-          </p:cNvSpPr>
-          <p:nvPr>
-            <p:ph idx="1"/>
-          </p:nvPr>
-        </p:nvSpPr>
-        <p:spPr/>
-        <p:txBody>
-          <a:bodyPr/>
-          <a:lstStyle/>
-          <a:p/>
-          <a:p>
-            <a:pPr>
-              <a:spcAft>
-                <a:spcPts val="1000"/>
-              </a:spcAft>
-              <a:defRPr sz="1800"/>
-            </a:pPr>
-            <a:r>
-              <a:t>Traduction du Score en Euros (Simulation sur Test Set) :</a:t>
-            </a:r>
-          </a:p>
-          <a:p>
-            <a:pPr>
-              <a:spcAft>
-                <a:spcPts val="1000"/>
-              </a:spcAft>
-              <a:defRPr sz="1800"/>
-            </a:pPr>
-            <a:r>
-              <a:t>   - Hypothèses : LTV = 500€, Coût d'Intervention (Call) = 10€, Taux de Succès = 20%.</a:t>
-            </a:r>
-          </a:p>
-          <a:p>
-            <a:pPr>
-              <a:spcAft>
-                <a:spcPts val="1000"/>
-              </a:spcAft>
-              <a:defRPr sz="1800"/>
-            </a:pPr>
-            <a:r>
-              <a:t>   - Stratégie : Intervenir seulement si le risque de churn est élevé (Score &lt; Seuil).</a:t>
-            </a:r>
-          </a:p>
-          <a:p>
-            <a:pPr>
-              <a:spcAft>
-                <a:spcPts val="1000"/>
-              </a:spcAft>
-              <a:defRPr sz="1800"/>
-            </a:pPr>
-            <a:r>
-              <a:t>   - Résultat : En ciblant les utilisateurs à risque (Prob &lt; 0.45) :</a:t>
-            </a:r>
-          </a:p>
-          <a:p>
-            <a:pPr>
-              <a:spcAft>
-                <a:spcPts val="1000"/>
-              </a:spcAft>
-              <a:defRPr sz="1800"/>
-            </a:pPr>
-            <a:r>
-              <a:t>       -&gt; On sauve ~12% de churn additionnel.</a:t>
-            </a:r>
-          </a:p>
-          <a:p>
-            <a:pPr>
-              <a:spcAft>
-                <a:spcPts val="1000"/>
-              </a:spcAft>
-              <a:defRPr sz="1800"/>
-            </a:pPr>
-            <a:r>
-              <a:t>       -&gt; ROI Net estimé : +15 000€ / mois (pour 1000 essais).</a:t>
-            </a:r>
-          </a:p>
-          <a:p>
-            <a:pPr>
-              <a:spcAft>
-                <a:spcPts val="1000"/>
-              </a:spcAft>
-              <a:defRPr sz="1800"/>
-            </a:pPr>
-            <a:r>
-              <a:t>Conclusion : Le modèle n'est pas une dépense, c'est un centre de profit immédiat.</a:t>
-            </a:r>
-          </a:p>
-        </p:txBody>
-      </p:sp>
-    </p:spTree>
-  </p:cSld>
-  <p:clrMapOvr>
-    <a:masterClrMapping/>
-  </p:clrMapOvr>
-</p:sld>
-</file>
-
-<file path=ppt/slides/slide14.xml><?xml version="1.0" encoding="utf-8"?>
-<p:sld xmlns:a="http://schemas.openxmlformats.org/drawingml/2006/main" xmlns:p="http://schemas.openxmlformats.org/presentationml/2006/main" xmlns:r="http://schemas.openxmlformats.org/officeDocument/2006/relationships">
-  <p:cSld>
-    <p:spTree>
-      <p:nvGrpSpPr>
-        <p:cNvPr id="1" name=""/>
-        <p:cNvGrpSpPr/>
-        <p:nvPr/>
-      </p:nvGrpSpPr>
-      <p:grpSpPr/>
-      <p:sp>
-        <p:nvSpPr>
-          <p:cNvPr id="2" name="Title 1"/>
-          <p:cNvSpPr>
-            <a:spLocks noGrp="1"/>
-          </p:cNvSpPr>
-          <p:nvPr>
-            <p:ph type="title"/>
-          </p:nvPr>
-        </p:nvSpPr>
-        <p:spPr/>
-        <p:txBody>
-          <a:bodyPr/>
-          <a:lstStyle/>
-          <a:p>
-            <a:pPr>
-              <a:defRPr b="1">
-                <a:solidFill>
-                  <a:srgbClr val="003366"/>
-                </a:solidFill>
-              </a:defRPr>
-            </a:pPr>
-            <a:r>
-              <a:t>8. Recommandations pour l'équipe CX</a:t>
-            </a:r>
-          </a:p>
-        </p:txBody>
-      </p:sp>
-      <p:sp>
-        <p:nvSpPr>
-          <p:cNvPr id="3" name="Content Placeholder 2"/>
-          <p:cNvSpPr>
-            <a:spLocks noGrp="1"/>
-          </p:cNvSpPr>
-          <p:nvPr>
-            <p:ph idx="1"/>
-          </p:nvPr>
-        </p:nvSpPr>
-        <p:spPr/>
-        <p:txBody>
-          <a:bodyPr/>
-          <a:lstStyle/>
-          <a:p/>
-          <a:p>
-            <a:pPr>
-              <a:spcAft>
-                <a:spcPts val="1000"/>
-              </a:spcAft>
-              <a:defRPr sz="1800"/>
-            </a:pPr>
-            <a:r>
-              <a:t>Actions Proactives :</a:t>
-            </a:r>
-          </a:p>
-          <a:p>
-            <a:pPr>
-              <a:spcAft>
-                <a:spcPts val="1000"/>
-              </a:spcAft>
-              <a:defRPr sz="1800"/>
-            </a:pPr>
-            <a:r>
-              <a:t>   - Jours 1-3 : Pousser agressivement la connexion bancaire et la création de 1ère facture (Tuto, Nudge).</a:t>
-            </a:r>
-          </a:p>
-          <a:p>
-            <a:pPr>
-              <a:spcAft>
-                <a:spcPts val="1000"/>
-              </a:spcAft>
-              <a:defRPr sz="1800"/>
-            </a:pPr>
-            <a:r>
-              <a:t>   - Jours 7-10 : Si score &lt; 0.4 (identifié par le modèle), déclencher un appel 'Sauvetage' ou une offre promo.</a:t>
-            </a:r>
-          </a:p>
-          <a:p>
-            <a:pPr>
-              <a:spcAft>
-                <a:spcPts val="1000"/>
-              </a:spcAft>
-              <a:defRPr sz="1800"/>
-            </a:pPr>
-            <a:r>
-              <a:t>Améliorations futures :</a:t>
-            </a:r>
-          </a:p>
-          <a:p>
-            <a:pPr>
-              <a:spcAft>
-                <a:spcPts val="1000"/>
-              </a:spcAft>
-              <a:defRPr sz="1800"/>
-            </a:pPr>
-            <a:r>
-              <a:t>   - Enrichir les données avec les logs de support client.</a:t>
-            </a:r>
-          </a:p>
-          <a:p>
-            <a:pPr>
-              <a:spcAft>
-                <a:spcPts val="1000"/>
-              </a:spcAft>
-              <a:defRPr sz="1800"/>
-            </a:pPr>
-            <a:r>
-              <a:t>   - Tester l'impact des emails marketing dans le modèle.</a:t>
-            </a:r>
-          </a:p>
-          <a:p>
-            <a:pPr>
-              <a:spcAft>
-                <a:spcPts val="1000"/>
-              </a:spcAft>
-              <a:defRPr sz="1800"/>
-            </a:pPr>
-            <a:r>
-              <a:t>Conclusion : Le modèle permet de segmenter les prospects en temps réel pour prioriser les efforts humains.</a:t>
+              <a:defRPr sz="1800">
+                <a:latin typeface="Times New Roman"/>
+              </a:defRPr>
+            </a:pPr>
+            <a:r>
+              <a:t>•    3. Monitorer la Performance (MLflow) &amp; Collecter plus de données.</a:t>
             </a:r>
           </a:p>
         </p:txBody>
@@ -3850,31 +3418,63 @@
           <a:lstStyle/>
           <a:p>
             <a:pPr>
-              <a:defRPr b="1">
+              <a:defRPr b="1" sz="3600">
                 <a:solidFill>
                   <a:srgbClr val="003366"/>
                 </a:solidFill>
-              </a:defRPr>
-            </a:pPr>
-            <a:r>
-              <a:t>1. Contexte &amp; Objectifs</a:t>
-            </a:r>
-          </a:p>
-        </p:txBody>
-      </p:sp>
-      <p:sp>
-        <p:nvSpPr>
-          <p:cNvPr id="3" name="Content Placeholder 2"/>
-          <p:cNvSpPr>
-            <a:spLocks noGrp="1"/>
-          </p:cNvSpPr>
-          <p:nvPr>
-            <p:ph idx="1"/>
-          </p:nvPr>
-        </p:nvSpPr>
-        <p:spPr/>
-        <p:txBody>
-          <a:bodyPr/>
+                <a:latin typeface="Times New Roman"/>
+              </a:defRPr>
+            </a:pPr>
+            <a:r>
+              <a:t>Contexte Business &amp; Objectifs</a:t>
+            </a:r>
+          </a:p>
+        </p:txBody>
+      </p:sp>
+      <p:pic>
+        <p:nvPicPr>
+          <p:cNvPr id="3" name="Picture 2" descr="kolecto_logo.png"/>
+          <p:cNvPicPr>
+            <a:picLocks noChangeAspect="1"/>
+          </p:cNvPicPr>
+          <p:nvPr/>
+        </p:nvPicPr>
+        <p:blipFill>
+          <a:blip r:embed="rId2"/>
+          <a:stretch>
+            <a:fillRect/>
+          </a:stretch>
+        </p:blipFill>
+        <p:spPr>
+          <a:xfrm>
+            <a:off x="7863840" y="182880"/>
+            <a:ext cx="1097280" cy="1097280"/>
+          </a:xfrm>
+          <a:prstGeom prst="rect">
+            <a:avLst/>
+          </a:prstGeom>
+        </p:spPr>
+      </p:pic>
+      <p:sp>
+        <p:nvSpPr>
+          <p:cNvPr id="4" name="TextBox 3"/>
+          <p:cNvSpPr txBox="1"/>
+          <p:nvPr/>
+        </p:nvSpPr>
+        <p:spPr>
+          <a:xfrm>
+            <a:off x="457200" y="1371600"/>
+            <a:ext cx="8229600" cy="4572000"/>
+          </a:xfrm>
+          <a:prstGeom prst="rect">
+            <a:avLst/>
+          </a:prstGeom>
+          <a:noFill/>
+        </p:spPr>
+        <p:txBody>
+          <a:bodyPr wrap="square">
+            <a:spAutoFit/>
+          </a:bodyPr>
           <a:lstStyle/>
           <a:p/>
           <a:p>
@@ -3882,10 +3482,38 @@
               <a:spcAft>
                 <a:spcPts val="1000"/>
               </a:spcAft>
-              <a:defRPr sz="1800"/>
-            </a:pPr>
-            <a:r>
-              <a:t>Objectif Principal : Identifier les signaux précurseurs de conversion/annulation pendant la période d'essai (PE) de 15 jours.</a:t>
+              <a:defRPr sz="1800">
+                <a:latin typeface="Times New Roman"/>
+              </a:defRPr>
+            </a:pPr>
+            <a:r>
+              <a:t>• Contexte :</a:t>
+            </a:r>
+          </a:p>
+          <a:p>
+            <a:pPr lvl="1">
+              <a:spcAft>
+                <a:spcPts val="1000"/>
+              </a:spcAft>
+              <a:defRPr sz="1600">
+                <a:latin typeface="Times New Roman"/>
+              </a:defRPr>
+            </a:pPr>
+            <a:r>
+              <a:t>•  Kolecto propose un essai gratuit de 15 jours convertissant en abonnement payant.</a:t>
+            </a:r>
+          </a:p>
+          <a:p>
+            <a:pPr lvl="1">
+              <a:spcAft>
+                <a:spcPts val="1000"/>
+              </a:spcAft>
+              <a:defRPr sz="1600">
+                <a:latin typeface="Times New Roman"/>
+              </a:defRPr>
+            </a:pPr>
+            <a:r>
+              <a:t>•  Taux de conversion actuel : ~60% (Satisfaisant mais perfectible).</a:t>
             </a:r>
           </a:p>
           <a:p>
@@ -3893,10 +3521,38 @@
               <a:spcAft>
                 <a:spcPts val="1000"/>
               </a:spcAft>
-              <a:defRPr sz="1800"/>
-            </a:pPr>
-            <a:r>
-              <a:t>Enjeu Business : Améliorer le taux de conversion actuel (~60%) par des actions ciblées de l'équipe 'Customer Experience'.</a:t>
+              <a:defRPr sz="1800">
+                <a:latin typeface="Times New Roman"/>
+              </a:defRPr>
+            </a:pPr>
+            <a:r>
+              <a:t>• Challenge :</a:t>
+            </a:r>
+          </a:p>
+          <a:p>
+            <a:pPr lvl="1">
+              <a:spcAft>
+                <a:spcPts val="1000"/>
+              </a:spcAft>
+              <a:defRPr sz="1600">
+                <a:latin typeface="Times New Roman"/>
+              </a:defRPr>
+            </a:pPr>
+            <a:r>
+              <a:t>•  Identifier tôt les signaux précurseurs (succès vs désabonnement).</a:t>
+            </a:r>
+          </a:p>
+          <a:p>
+            <a:pPr lvl="1">
+              <a:spcAft>
+                <a:spcPts val="1000"/>
+              </a:spcAft>
+              <a:defRPr sz="1600">
+                <a:latin typeface="Times New Roman"/>
+              </a:defRPr>
+            </a:pPr>
+            <a:r>
+              <a:t>•  Permettre des actions ciblées par l'équipe Customer Experience (CX).</a:t>
             </a:r>
           </a:p>
           <a:p>
@@ -3904,54 +3560,38 @@
               <a:spcAft>
                 <a:spcPts val="1000"/>
               </a:spcAft>
-              <a:defRPr sz="1800"/>
-            </a:pPr>
-            <a:r>
-              <a:t>Périmètre :</a:t>
-            </a:r>
-          </a:p>
-          <a:p>
-            <a:pPr>
+              <a:defRPr sz="1800">
+                <a:latin typeface="Times New Roman"/>
+              </a:defRPr>
+            </a:pPr>
+            <a:r>
+              <a:t>• Objectifs :</a:t>
+            </a:r>
+          </a:p>
+          <a:p>
+            <a:pPr lvl="1">
               <a:spcAft>
                 <a:spcPts val="1000"/>
               </a:spcAft>
-              <a:defRPr sz="1800"/>
-            </a:pPr>
-            <a:r>
-              <a:t>   - Analyser les facteurs discriminants (Payant vs Non-payant).</a:t>
-            </a:r>
-          </a:p>
-          <a:p>
-            <a:pPr>
+              <a:defRPr sz="1600">
+                <a:latin typeface="Times New Roman"/>
+              </a:defRPr>
+            </a:pPr>
+            <a:r>
+              <a:t>•  Analyser les facteurs différenciants (Convertis vs Non-Convertis).</a:t>
+            </a:r>
+          </a:p>
+          <a:p>
+            <a:pPr lvl="1">
               <a:spcAft>
                 <a:spcPts val="1000"/>
               </a:spcAft>
-              <a:defRPr sz="1800"/>
-            </a:pPr>
-            <a:r>
-              <a:t>   - Construire un modèle de Machine Learning (Score de probabilité).</a:t>
-            </a:r>
-          </a:p>
-          <a:p>
-            <a:pPr>
-              <a:spcAft>
-                <a:spcPts val="1000"/>
-              </a:spcAft>
-              <a:defRPr sz="1800"/>
-            </a:pPr>
-            <a:r>
-              <a:t>   - Focus sur l'analyse et la modélisation (pas de mise en prod technique).</a:t>
-            </a:r>
-          </a:p>
-          <a:p>
-            <a:pPr>
-              <a:spcAft>
-                <a:spcPts val="1000"/>
-              </a:spcAft>
-              <a:defRPr sz="1800"/>
-            </a:pPr>
-            <a:r>
-              <a:t>Données : Activité quotidienne (daily_usage) + Souscriptions (subscriptions).</a:t>
+              <a:defRPr sz="1600">
+                <a:latin typeface="Times New Roman"/>
+              </a:defRPr>
+            </a:pPr>
+            <a:r>
+              <a:t>•  Construire un modèle ML pour prédire la probabilité de conversion.</a:t>
             </a:r>
           </a:p>
         </p:txBody>
@@ -3990,130 +3630,349 @@
           <a:lstStyle/>
           <a:p>
             <a:pPr>
-              <a:defRPr b="1">
+              <a:defRPr b="1" sz="3600">
                 <a:solidFill>
                   <a:srgbClr val="003366"/>
                 </a:solidFill>
-              </a:defRPr>
-            </a:pPr>
-            <a:r>
-              <a:t>2. Méthodologie &amp; Data Prep</a:t>
-            </a:r>
-          </a:p>
-        </p:txBody>
-      </p:sp>
-      <p:sp>
-        <p:nvSpPr>
-          <p:cNvPr id="3" name="Content Placeholder 2"/>
-          <p:cNvSpPr>
-            <a:spLocks noGrp="1"/>
-          </p:cNvSpPr>
-          <p:nvPr>
-            <p:ph idx="1"/>
-          </p:nvPr>
-        </p:nvSpPr>
-        <p:spPr/>
-        <p:txBody>
-          <a:bodyPr/>
+                <a:latin typeface="Times New Roman"/>
+              </a:defRPr>
+            </a:pPr>
+            <a:r>
+              <a:t>Vue d'Ensemble des Données &amp; Prétraitement</a:t>
+            </a:r>
+          </a:p>
+        </p:txBody>
+      </p:sp>
+      <p:pic>
+        <p:nvPicPr>
+          <p:cNvPr id="3" name="Picture 2" descr="kolecto_logo.png"/>
+          <p:cNvPicPr>
+            <a:picLocks noChangeAspect="1"/>
+          </p:cNvPicPr>
+          <p:nvPr/>
+        </p:nvPicPr>
+        <p:blipFill>
+          <a:blip r:embed="rId2"/>
+          <a:stretch>
+            <a:fillRect/>
+          </a:stretch>
+        </p:blipFill>
+        <p:spPr>
+          <a:xfrm>
+            <a:off x="7863840" y="182880"/>
+            <a:ext cx="1097280" cy="1097280"/>
+          </a:xfrm>
+          <a:prstGeom prst="rect">
+            <a:avLst/>
+          </a:prstGeom>
+        </p:spPr>
+      </p:pic>
+      <p:graphicFrame>
+        <p:nvGraphicFramePr>
+          <p:cNvPr id="4" name="Table 3"/>
+          <p:cNvGraphicFramePr>
+            <a:graphicFrameLocks noGrp="1"/>
+          </p:cNvGraphicFramePr>
+          <p:nvPr/>
+        </p:nvGraphicFramePr>
+        <p:xfrm>
+          <a:off x="914400" y="1828800"/>
+          <a:ext cx="7315200" cy="1371600"/>
+        </p:xfrm>
+        <a:graphic>
+          <a:graphicData uri="http://schemas.openxmlformats.org/drawingml/2006/table">
+            <a:tbl>
+              <a:tblPr firstRow="1" bandRow="1">
+                <a:tableStyleId>{5C22544A-7EE6-4342-B048-85BDC9FD1C3A}</a:tableStyleId>
+              </a:tblPr>
+              <a:tblGrid>
+                <a:gridCol w="1828800"/>
+                <a:gridCol w="1828800"/>
+                <a:gridCol w="1828800"/>
+                <a:gridCol w="1828800"/>
+              </a:tblGrid>
+              <a:tr h="457200">
+                <a:tc>
+                  <a:txBody>
+                    <a:bodyPr/>
+                    <a:lstStyle/>
+                    <a:p>
+                      <a:pPr algn="ctr">
+                        <a:defRPr b="1">
+                          <a:solidFill>
+                            <a:srgbClr val="FFFFFF"/>
+                          </a:solidFill>
+                          <a:latin typeface="Times New Roman"/>
+                        </a:defRPr>
+                      </a:pPr>
+                      <a:r>
+                        <a:t>Jeu de Données</a:t>
+                      </a:r>
+                    </a:p>
+                  </a:txBody>
+                  <a:tcPr>
+                    <a:solidFill>
+                      <a:srgbClr val="003366"/>
+                    </a:solidFill>
+                  </a:tcPr>
+                </a:tc>
+                <a:tc>
+                  <a:txBody>
+                    <a:bodyPr/>
+                    <a:lstStyle/>
+                    <a:p>
+                      <a:pPr algn="ctr">
+                        <a:defRPr b="1">
+                          <a:solidFill>
+                            <a:srgbClr val="FFFFFF"/>
+                          </a:solidFill>
+                          <a:latin typeface="Times New Roman"/>
+                        </a:defRPr>
+                      </a:pPr>
+                      <a:r>
+                        <a:t>Taille</a:t>
+                      </a:r>
+                    </a:p>
+                  </a:txBody>
+                  <a:tcPr>
+                    <a:solidFill>
+                      <a:srgbClr val="003366"/>
+                    </a:solidFill>
+                  </a:tcPr>
+                </a:tc>
+                <a:tc>
+                  <a:txBody>
+                    <a:bodyPr/>
+                    <a:lstStyle/>
+                    <a:p>
+                      <a:pPr algn="ctr">
+                        <a:defRPr b="1">
+                          <a:solidFill>
+                            <a:srgbClr val="FFFFFF"/>
+                          </a:solidFill>
+                          <a:latin typeface="Times New Roman"/>
+                        </a:defRPr>
+                      </a:pPr>
+                      <a:r>
+                        <a:t>Description</a:t>
+                      </a:r>
+                    </a:p>
+                  </a:txBody>
+                  <a:tcPr>
+                    <a:solidFill>
+                      <a:srgbClr val="003366"/>
+                    </a:solidFill>
+                  </a:tcPr>
+                </a:tc>
+                <a:tc>
+                  <a:txBody>
+                    <a:bodyPr/>
+                    <a:lstStyle/>
+                    <a:p>
+                      <a:pPr algn="ctr">
+                        <a:defRPr b="1">
+                          <a:solidFill>
+                            <a:srgbClr val="FFFFFF"/>
+                          </a:solidFill>
+                          <a:latin typeface="Times New Roman"/>
+                        </a:defRPr>
+                      </a:pPr>
+                      <a:r>
+                        <a:t>Prétraitement</a:t>
+                      </a:r>
+                    </a:p>
+                  </a:txBody>
+                  <a:tcPr>
+                    <a:solidFill>
+                      <a:srgbClr val="003366"/>
+                    </a:solidFill>
+                  </a:tcPr>
+                </a:tc>
+              </a:tr>
+              <a:tr h="457200">
+                <a:tc>
+                  <a:txBody>
+                    <a:bodyPr/>
+                    <a:lstStyle/>
+                    <a:p>
+                      <a:pPr algn="ctr">
+                        <a:defRPr sz="1200">
+                          <a:latin typeface="Times New Roman"/>
+                        </a:defRPr>
+                      </a:pPr>
+                      <a:r>
+                        <a:t>Daily Usage</a:t>
+                      </a:r>
+                    </a:p>
+                  </a:txBody>
+                  <a:tcPr/>
+                </a:tc>
+                <a:tc>
+                  <a:txBody>
+                    <a:bodyPr/>
+                    <a:lstStyle/>
+                    <a:p>
+                      <a:pPr algn="ctr">
+                        <a:defRPr sz="1200">
+                          <a:latin typeface="Times New Roman"/>
+                        </a:defRPr>
+                      </a:pPr>
+                      <a:r>
+                        <a:t>~11k lignes</a:t>
+                      </a:r>
+                    </a:p>
+                  </a:txBody>
+                  <a:tcPr/>
+                </a:tc>
+                <a:tc>
+                  <a:txBody>
+                    <a:bodyPr/>
+                    <a:lstStyle/>
+                    <a:p>
+                      <a:pPr algn="ctr">
+                        <a:defRPr sz="1200">
+                          <a:latin typeface="Times New Roman"/>
+                        </a:defRPr>
+                      </a:pPr>
+                      <a:r>
+                        <a:t>Logs d'activité (Virements, Connexions)</a:t>
+                      </a:r>
+                    </a:p>
+                  </a:txBody>
+                  <a:tcPr/>
+                </a:tc>
+                <a:tc>
+                  <a:txBody>
+                    <a:bodyPr/>
+                    <a:lstStyle/>
+                    <a:p>
+                      <a:pPr algn="ctr">
+                        <a:defRPr sz="1200">
+                          <a:latin typeface="Times New Roman"/>
+                        </a:defRPr>
+                      </a:pPr>
+                      <a:r>
+                        <a:t>Agrégation (Somme/Moyenne/Max/Std)</a:t>
+                      </a:r>
+                    </a:p>
+                  </a:txBody>
+                  <a:tcPr/>
+                </a:tc>
+              </a:tr>
+              <a:tr h="457200">
+                <a:tc>
+                  <a:txBody>
+                    <a:bodyPr/>
+                    <a:lstStyle/>
+                    <a:p>
+                      <a:pPr algn="ctr">
+                        <a:defRPr sz="1200">
+                          <a:latin typeface="Times New Roman"/>
+                        </a:defRPr>
+                      </a:pPr>
+                      <a:r>
+                        <a:t>Subscriptions</a:t>
+                      </a:r>
+                    </a:p>
+                  </a:txBody>
+                  <a:tcPr/>
+                </a:tc>
+                <a:tc>
+                  <a:txBody>
+                    <a:bodyPr/>
+                    <a:lstStyle/>
+                    <a:p>
+                      <a:pPr algn="ctr">
+                        <a:defRPr sz="1200">
+                          <a:latin typeface="Times New Roman"/>
+                        </a:defRPr>
+                      </a:pPr>
+                      <a:r>
+                        <a:t>416 essais</a:t>
+                      </a:r>
+                    </a:p>
+                  </a:txBody>
+                  <a:tcPr/>
+                </a:tc>
+                <a:tc>
+                  <a:txBody>
+                    <a:bodyPr/>
+                    <a:lstStyle/>
+                    <a:p>
+                      <a:pPr algn="ctr">
+                        <a:defRPr sz="1200">
+                          <a:latin typeface="Times New Roman"/>
+                        </a:defRPr>
+                      </a:pPr>
+                      <a:r>
+                        <a:t>Profil Entreprise (CA, Code NAF)</a:t>
+                      </a:r>
+                    </a:p>
+                  </a:txBody>
+                  <a:tcPr/>
+                </a:tc>
+                <a:tc>
+                  <a:txBody>
+                    <a:bodyPr/>
+                    <a:lstStyle/>
+                    <a:p>
+                      <a:pPr algn="ctr">
+                        <a:defRPr sz="1200">
+                          <a:latin typeface="Times New Roman"/>
+                        </a:defRPr>
+                      </a:pPr>
+                      <a:r>
+                        <a:t>Fusion, Imputation, Encodage OneHot</a:t>
+                      </a:r>
+                    </a:p>
+                  </a:txBody>
+                  <a:tcPr/>
+                </a:tc>
+              </a:tr>
+            </a:tbl>
+          </a:graphicData>
+        </a:graphic>
+      </p:graphicFrame>
+      <p:sp>
+        <p:nvSpPr>
+          <p:cNvPr id="5" name="TextBox 4"/>
+          <p:cNvSpPr txBox="1"/>
+          <p:nvPr/>
+        </p:nvSpPr>
+        <p:spPr>
+          <a:xfrm>
+            <a:off x="914400" y="3383280"/>
+            <a:ext cx="7315200" cy="914400"/>
+          </a:xfrm>
+          <a:prstGeom prst="rect">
+            <a:avLst/>
+          </a:prstGeom>
+          <a:noFill/>
+        </p:spPr>
+        <p:txBody>
+          <a:bodyPr wrap="none">
+            <a:spAutoFit/>
+          </a:bodyPr>
           <a:lstStyle/>
           <a:p/>
           <a:p>
             <a:pPr>
-              <a:spcAft>
-                <a:spcPts val="1000"/>
-              </a:spcAft>
-              <a:defRPr sz="1800"/>
-            </a:pPr>
-            <a:r>
-              <a:t>Nettoyage &amp; Filtrage :</a:t>
+              <a:defRPr sz="1400" i="1">
+                <a:latin typeface="Times New Roman"/>
+              </a:defRPr>
+            </a:pPr>
+            <a:r>
+              <a:t>Stats Clés : Échantillon Total : 416 essais complets.</a:t>
             </a:r>
           </a:p>
           <a:p>
             <a:pPr>
-              <a:spcAft>
-                <a:spcPts val="1000"/>
-              </a:spcAft>
-              <a:defRPr sz="1800"/>
-            </a:pPr>
-            <a:r>
-              <a:t>   - Dataset : ~500 souscriptions filtrées à 416 essais 'purs' de 15 jours.</a:t>
-            </a:r>
-          </a:p>
-          <a:p>
-            <a:pPr>
-              <a:spcAft>
-                <a:spcPts val="1000"/>
-              </a:spcAft>
-              <a:defRPr sz="1800"/>
-            </a:pPr>
-            <a:r>
-              <a:t>   - Suppression des essais étendus manuellement pour éviter le bruit.</a:t>
-            </a:r>
-          </a:p>
-          <a:p>
-            <a:pPr>
-              <a:spcAft>
-                <a:spcPts val="1000"/>
-              </a:spcAft>
-              <a:defRPr sz="1800"/>
-            </a:pPr>
-            <a:r>
-              <a:t>   - Cible : 1 si paiement effectué (60% de conversion), 0 sinon.</a:t>
-            </a:r>
-          </a:p>
-          <a:p>
-            <a:pPr>
-              <a:spcAft>
-                <a:spcPts val="1000"/>
-              </a:spcAft>
-              <a:defRPr sz="1800"/>
-            </a:pPr>
-            <a:r>
-              <a:t>Gestion des Données (Feature Engineering) :</a:t>
-            </a:r>
-          </a:p>
-          <a:p>
-            <a:pPr>
-              <a:spcAft>
-                <a:spcPts val="1000"/>
-              </a:spcAft>
-              <a:defRPr sz="1800"/>
-            </a:pPr>
-            <a:r>
-              <a:t>   - Agrégation Temporelle : 19 métriques d'usage quotidien (somme, moyenne, max, écart-type).</a:t>
-            </a:r>
-          </a:p>
-          <a:p>
-            <a:pPr>
-              <a:spcAft>
-                <a:spcPts val="1000"/>
-              </a:spcAft>
-              <a:defRPr sz="1800"/>
-            </a:pPr>
-            <a:r>
-              <a:t>   - Variables Catégorielles : Encodage One-Hot pour le segment, secteur (NAF), et CA.</a:t>
-            </a:r>
-          </a:p>
-          <a:p>
-            <a:pPr>
-              <a:spcAft>
-                <a:spcPts val="1000"/>
-              </a:spcAft>
-              <a:defRPr sz="1800"/>
-            </a:pPr>
-            <a:r>
-              <a:t>   - Données Unifiées : TOUS les modèles (Tabulaires et Deep Learning) utilisent ces 157 features (Num + Cat).</a:t>
-            </a:r>
-          </a:p>
-          <a:p>
-            <a:pPr>
-              <a:spcAft>
-                <a:spcPts val="1000"/>
-              </a:spcAft>
-              <a:defRPr sz="1800"/>
-            </a:pPr>
-            <a:r>
-              <a:t>   - Separation : Train/Val/Test strict pour garantir la robustesse.</a:t>
+              <a:defRPr sz="1400" i="1">
+                <a:latin typeface="Times New Roman"/>
+              </a:defRPr>
+            </a:pPr>
+            <a:r>
+              <a:t>Taux de Conversion : 60.7% (Déséquilibré mais gérable).</a:t>
             </a:r>
           </a:p>
         </p:txBody>
@@ -4152,31 +4011,63 @@
           <a:lstStyle/>
           <a:p>
             <a:pPr>
-              <a:defRPr b="1">
+              <a:defRPr b="1" sz="3600">
                 <a:solidFill>
                   <a:srgbClr val="003366"/>
                 </a:solidFill>
-              </a:defRPr>
-            </a:pPr>
-            <a:r>
-              <a:t>2.1 Détail du Preprocessing : Subscriptions</a:t>
-            </a:r>
-          </a:p>
-        </p:txBody>
-      </p:sp>
-      <p:sp>
-        <p:nvSpPr>
-          <p:cNvPr id="3" name="Content Placeholder 2"/>
-          <p:cNvSpPr>
-            <a:spLocks noGrp="1"/>
-          </p:cNvSpPr>
-          <p:nvPr>
-            <p:ph idx="1"/>
-          </p:nvPr>
-        </p:nvSpPr>
-        <p:spPr/>
-        <p:txBody>
-          <a:bodyPr/>
+                <a:latin typeface="Times New Roman"/>
+              </a:defRPr>
+            </a:pPr>
+            <a:r>
+              <a:t>Méthodologie &amp; Modèles</a:t>
+            </a:r>
+          </a:p>
+        </p:txBody>
+      </p:sp>
+      <p:pic>
+        <p:nvPicPr>
+          <p:cNvPr id="3" name="Picture 2" descr="kolecto_logo.png"/>
+          <p:cNvPicPr>
+            <a:picLocks noChangeAspect="1"/>
+          </p:cNvPicPr>
+          <p:nvPr/>
+        </p:nvPicPr>
+        <p:blipFill>
+          <a:blip r:embed="rId2"/>
+          <a:stretch>
+            <a:fillRect/>
+          </a:stretch>
+        </p:blipFill>
+        <p:spPr>
+          <a:xfrm>
+            <a:off x="7863840" y="182880"/>
+            <a:ext cx="1097280" cy="1097280"/>
+          </a:xfrm>
+          <a:prstGeom prst="rect">
+            <a:avLst/>
+          </a:prstGeom>
+        </p:spPr>
+      </p:pic>
+      <p:sp>
+        <p:nvSpPr>
+          <p:cNvPr id="4" name="TextBox 3"/>
+          <p:cNvSpPr txBox="1"/>
+          <p:nvPr/>
+        </p:nvSpPr>
+        <p:spPr>
+          <a:xfrm>
+            <a:off x="457200" y="1371600"/>
+            <a:ext cx="8229600" cy="4572000"/>
+          </a:xfrm>
+          <a:prstGeom prst="rect">
+            <a:avLst/>
+          </a:prstGeom>
+          <a:noFill/>
+        </p:spPr>
+        <p:txBody>
+          <a:bodyPr wrap="square">
+            <a:spAutoFit/>
+          </a:bodyPr>
           <a:lstStyle/>
           <a:p/>
           <a:p>
@@ -4184,10 +4075,38 @@
               <a:spcAft>
                 <a:spcPts val="1000"/>
               </a:spcAft>
-              <a:defRPr sz="1800"/>
-            </a:pPr>
-            <a:r>
-              <a:t>Traitement des colonnes statiques (Profil Client) :</a:t>
+              <a:defRPr sz="1800">
+                <a:latin typeface="Times New Roman"/>
+              </a:defRPr>
+            </a:pPr>
+            <a:r>
+              <a:t>• Stratégie :</a:t>
+            </a:r>
+          </a:p>
+          <a:p>
+            <a:pPr lvl="1">
+              <a:spcAft>
+                <a:spcPts val="1000"/>
+              </a:spcAft>
+              <a:defRPr sz="1600">
+                <a:latin typeface="Times New Roman"/>
+              </a:defRPr>
+            </a:pPr>
+            <a:r>
+              <a:t>•  Features Tabulaires (157 dims) pour modèles Arborescents.</a:t>
+            </a:r>
+          </a:p>
+          <a:p>
+            <a:pPr lvl="1">
+              <a:spcAft>
+                <a:spcPts val="1000"/>
+              </a:spcAft>
+              <a:defRPr sz="1600">
+                <a:latin typeface="Times New Roman"/>
+              </a:defRPr>
+            </a:pPr>
+            <a:r>
+              <a:t>•  Données Séquentielles (15 jours) pour le Deep Learning.</a:t>
             </a:r>
           </a:p>
           <a:p>
@@ -4195,10 +4114,51 @@
               <a:spcAft>
                 <a:spcPts val="1000"/>
               </a:spcAft>
-              <a:defRPr sz="1800"/>
-            </a:pPr>
-            <a:r>
-              <a:t>   - Identifiants (ID, Dates) : Utilisés pour le filtrage (15 jours) puis supprimés pour éviter le bruit.</a:t>
+              <a:defRPr sz="1800">
+                <a:latin typeface="Times New Roman"/>
+              </a:defRPr>
+            </a:pPr>
+            <a:r>
+              <a:t>• Modèles Entraînés :</a:t>
+            </a:r>
+          </a:p>
+          <a:p>
+            <a:pPr lvl="1">
+              <a:spcAft>
+                <a:spcPts val="1000"/>
+              </a:spcAft>
+              <a:defRPr sz="1600">
+                <a:latin typeface="Times New Roman"/>
+              </a:defRPr>
+            </a:pPr>
+            <a:r>
+              <a:t>•  Logistic Regression (Baseline).</a:t>
+            </a:r>
+          </a:p>
+          <a:p>
+            <a:pPr lvl="1">
+              <a:spcAft>
+                <a:spcPts val="1000"/>
+              </a:spcAft>
+              <a:defRPr sz="1600">
+                <a:latin typeface="Times New Roman"/>
+              </a:defRPr>
+            </a:pPr>
+            <a:r>
+              <a:t>•  XGBoost &amp; LightGBM (Gradient Boosting optimisé avec Optuna).</a:t>
+            </a:r>
+          </a:p>
+          <a:p>
+            <a:pPr lvl="1">
+              <a:spcAft>
+                <a:spcPts val="1000"/>
+              </a:spcAft>
+              <a:defRPr sz="1600">
+                <a:latin typeface="Times New Roman"/>
+              </a:defRPr>
+            </a:pPr>
+            <a:r>
+              <a:t>•  GRU &amp; Transformer (Modélisation séquentielle des signaux temporel).</a:t>
             </a:r>
           </a:p>
           <a:p>
@@ -4206,43 +4166,38 @@
               <a:spcAft>
                 <a:spcPts val="1000"/>
               </a:spcAft>
-              <a:defRPr sz="1800"/>
-            </a:pPr>
-            <a:r>
-              <a:t>   - Catégories Nominales (Vendor, Region, Legal) : Traitées par OneHotEncoder (gestion des inconnus en test).</a:t>
-            </a:r>
-          </a:p>
-          <a:p>
-            <a:pPr>
+              <a:defRPr sz="1800">
+                <a:latin typeface="Times New Roman"/>
+              </a:defRPr>
+            </a:pPr>
+            <a:r>
+              <a:t>• Métriques d'Évaluation :</a:t>
+            </a:r>
+          </a:p>
+          <a:p>
+            <a:pPr lvl="1">
               <a:spcAft>
                 <a:spcPts val="1000"/>
               </a:spcAft>
-              <a:defRPr sz="1800"/>
-            </a:pPr>
-            <a:r>
-              <a:t>   - Catégories Ordinales (Revenue, Employees) : Traitées par OrdinalEncoder (préservation de l'ordre).</a:t>
-            </a:r>
-          </a:p>
-          <a:p>
-            <a:pPr>
+              <a:defRPr sz="1600">
+                <a:latin typeface="Times New Roman"/>
+              </a:defRPr>
+            </a:pPr>
+            <a:r>
+              <a:t>•  ROC-AUC : Capacité de discrimination (Métrique Principale).</a:t>
+            </a:r>
+          </a:p>
+          <a:p>
+            <a:pPr lvl="1">
               <a:spcAft>
                 <a:spcPts val="1000"/>
               </a:spcAft>
-              <a:defRPr sz="1800"/>
-            </a:pPr>
-            <a:r>
-              <a:t>   - Cas Spéciaux : 'v2_modules' (Parsing Multi-label) et 'v2_segment' (OneHot avec drop='first' pour éviter la colinéarité).</a:t>
-            </a:r>
-          </a:p>
-          <a:p>
-            <a:pPr>
-              <a:spcAft>
-                <a:spcPts val="1000"/>
-              </a:spcAft>
-              <a:defRPr sz="1800"/>
-            </a:pPr>
-            <a:r>
-              <a:t>   - Cible : Dérivée de 'first_paid_invoice_paid_at' (1 si date présente, 0 sinon).</a:t>
+              <a:defRPr sz="1600">
+                <a:latin typeface="Times New Roman"/>
+              </a:defRPr>
+            </a:pPr>
+            <a:r>
+              <a:t>•  PR-AUC : Précision-Rappel (Critique pour l'imbalance).</a:t>
             </a:r>
           </a:p>
         </p:txBody>
@@ -4281,90 +4236,653 @@
           <a:lstStyle/>
           <a:p>
             <a:pPr>
-              <a:defRPr b="1">
+              <a:defRPr b="1" sz="3600">
                 <a:solidFill>
                   <a:srgbClr val="003366"/>
                 </a:solidFill>
-              </a:defRPr>
-            </a:pPr>
-            <a:r>
-              <a:t>2.2 Détail du Preprocessing : Daily Usage</a:t>
-            </a:r>
-          </a:p>
-        </p:txBody>
-      </p:sp>
-      <p:sp>
-        <p:nvSpPr>
-          <p:cNvPr id="3" name="Content Placeholder 2"/>
-          <p:cNvSpPr>
-            <a:spLocks noGrp="1"/>
-          </p:cNvSpPr>
-          <p:nvPr>
-            <p:ph idx="1"/>
-          </p:nvPr>
-        </p:nvSpPr>
-        <p:spPr/>
-        <p:txBody>
-          <a:bodyPr/>
-          <a:lstStyle/>
-          <a:p/>
-          <a:p>
-            <a:pPr>
-              <a:spcAft>
-                <a:spcPts val="1000"/>
-              </a:spcAft>
-              <a:defRPr sz="1800"/>
-            </a:pPr>
-            <a:r>
-              <a:t>Traitement des métriques d'activité (19 colonnes nb_*) :</a:t>
-            </a:r>
-          </a:p>
-          <a:p>
-            <a:pPr>
-              <a:spcAft>
-                <a:spcPts val="1000"/>
-              </a:spcAft>
-              <a:defRPr sz="1800"/>
-            </a:pPr>
-            <a:r>
-              <a:t>   - Valeurs Manquantes : Remplacées par 0 (correspond à une absence d'activité réelle).</a:t>
-            </a:r>
-          </a:p>
-          <a:p>
-            <a:pPr>
-              <a:spcAft>
-                <a:spcPts val="1000"/>
-              </a:spcAft>
-              <a:defRPr sz="1800"/>
-            </a:pPr>
-            <a:r>
-              <a:t>   - Modèles Tabulaires (LightGBM/XGB) : Agrégation par essai -&gt; Somme, Moyenne, Max, Ecart-Type (StandardScaler).</a:t>
-            </a:r>
-          </a:p>
-          <a:p>
-            <a:pPr>
-              <a:spcAft>
-                <a:spcPts val="1000"/>
-              </a:spcAft>
-              <a:defRPr sz="1800"/>
-            </a:pPr>
-            <a:r>
-              <a:t>   - Modèles Séquentiels (DL) : Conservation de la structure temporelle (416 essais, 15 jours, 19 features).</a:t>
-            </a:r>
-          </a:p>
-          <a:p>
-            <a:pPr>
-              <a:spcAft>
-                <a:spcPts val="1000"/>
-              </a:spcAft>
-              <a:defRPr sz="1800"/>
-            </a:pPr>
-            <a:r>
-              <a:t>   - Objectif : Capturer l'intensité (Somme) et la régularité (Ecart-Type) de l'usage.</a:t>
-            </a:r>
-          </a:p>
-        </p:txBody>
-      </p:sp>
+                <a:latin typeface="Times New Roman"/>
+              </a:defRPr>
+            </a:pPr>
+            <a:r>
+              <a:t>Comparaison Globale des Résultats</a:t>
+            </a:r>
+          </a:p>
+        </p:txBody>
+      </p:sp>
+      <p:pic>
+        <p:nvPicPr>
+          <p:cNvPr id="3" name="Picture 2" descr="kolecto_logo.png"/>
+          <p:cNvPicPr>
+            <a:picLocks noChangeAspect="1"/>
+          </p:cNvPicPr>
+          <p:nvPr/>
+        </p:nvPicPr>
+        <p:blipFill>
+          <a:blip r:embed="rId2"/>
+          <a:stretch>
+            <a:fillRect/>
+          </a:stretch>
+        </p:blipFill>
+        <p:spPr>
+          <a:xfrm>
+            <a:off x="7863840" y="182880"/>
+            <a:ext cx="1097280" cy="1097280"/>
+          </a:xfrm>
+          <a:prstGeom prst="rect">
+            <a:avLst/>
+          </a:prstGeom>
+        </p:spPr>
+      </p:pic>
+      <p:graphicFrame>
+        <p:nvGraphicFramePr>
+          <p:cNvPr id="4" name="Table 3"/>
+          <p:cNvGraphicFramePr>
+            <a:graphicFrameLocks noGrp="1"/>
+          </p:cNvGraphicFramePr>
+          <p:nvPr/>
+        </p:nvGraphicFramePr>
+        <p:xfrm>
+          <a:off x="914400" y="1828800"/>
+          <a:ext cx="7315200" cy="2743200"/>
+        </p:xfrm>
+        <a:graphic>
+          <a:graphicData uri="http://schemas.openxmlformats.org/drawingml/2006/table">
+            <a:tbl>
+              <a:tblPr firstRow="1" bandRow="1">
+                <a:tableStyleId>{5C22544A-7EE6-4342-B048-85BDC9FD1C3A}</a:tableStyleId>
+              </a:tblPr>
+              <a:tblGrid>
+                <a:gridCol w="1463040"/>
+                <a:gridCol w="1463040"/>
+                <a:gridCol w="1463040"/>
+                <a:gridCol w="1463040"/>
+                <a:gridCol w="1463040"/>
+              </a:tblGrid>
+              <a:tr h="457200">
+                <a:tc>
+                  <a:txBody>
+                    <a:bodyPr/>
+                    <a:lstStyle/>
+                    <a:p>
+                      <a:pPr algn="ctr">
+                        <a:defRPr b="1">
+                          <a:solidFill>
+                            <a:srgbClr val="FFFFFF"/>
+                          </a:solidFill>
+                          <a:latin typeface="Times New Roman"/>
+                        </a:defRPr>
+                      </a:pPr>
+                      <a:r>
+                        <a:t>Modèle</a:t>
+                      </a:r>
+                    </a:p>
+                  </a:txBody>
+                  <a:tcPr>
+                    <a:solidFill>
+                      <a:srgbClr val="003366"/>
+                    </a:solidFill>
+                  </a:tcPr>
+                </a:tc>
+                <a:tc>
+                  <a:txBody>
+                    <a:bodyPr/>
+                    <a:lstStyle/>
+                    <a:p>
+                      <a:pPr algn="ctr">
+                        <a:defRPr b="1">
+                          <a:solidFill>
+                            <a:srgbClr val="FFFFFF"/>
+                          </a:solidFill>
+                          <a:latin typeface="Times New Roman"/>
+                        </a:defRPr>
+                      </a:pPr>
+                      <a:r>
+                        <a:t>ROC-AUC</a:t>
+                      </a:r>
+                    </a:p>
+                  </a:txBody>
+                  <a:tcPr>
+                    <a:solidFill>
+                      <a:srgbClr val="003366"/>
+                    </a:solidFill>
+                  </a:tcPr>
+                </a:tc>
+                <a:tc>
+                  <a:txBody>
+                    <a:bodyPr/>
+                    <a:lstStyle/>
+                    <a:p>
+                      <a:pPr algn="ctr">
+                        <a:defRPr b="1">
+                          <a:solidFill>
+                            <a:srgbClr val="FFFFFF"/>
+                          </a:solidFill>
+                          <a:latin typeface="Times New Roman"/>
+                        </a:defRPr>
+                      </a:pPr>
+                      <a:r>
+                        <a:t>PR-AUC</a:t>
+                      </a:r>
+                    </a:p>
+                  </a:txBody>
+                  <a:tcPr>
+                    <a:solidFill>
+                      <a:srgbClr val="003366"/>
+                    </a:solidFill>
+                  </a:tcPr>
+                </a:tc>
+                <a:tc>
+                  <a:txBody>
+                    <a:bodyPr/>
+                    <a:lstStyle/>
+                    <a:p>
+                      <a:pPr algn="ctr">
+                        <a:defRPr b="1">
+                          <a:solidFill>
+                            <a:srgbClr val="FFFFFF"/>
+                          </a:solidFill>
+                          <a:latin typeface="Times New Roman"/>
+                        </a:defRPr>
+                      </a:pPr>
+                      <a:r>
+                        <a:t>Accuracy</a:t>
+                      </a:r>
+                    </a:p>
+                  </a:txBody>
+                  <a:tcPr>
+                    <a:solidFill>
+                      <a:srgbClr val="003366"/>
+                    </a:solidFill>
+                  </a:tcPr>
+                </a:tc>
+                <a:tc>
+                  <a:txBody>
+                    <a:bodyPr/>
+                    <a:lstStyle/>
+                    <a:p>
+                      <a:pPr algn="ctr">
+                        <a:defRPr b="1">
+                          <a:solidFill>
+                            <a:srgbClr val="FFFFFF"/>
+                          </a:solidFill>
+                          <a:latin typeface="Times New Roman"/>
+                        </a:defRPr>
+                      </a:pPr>
+                      <a:r>
+                        <a:t>Brier Score</a:t>
+                      </a:r>
+                    </a:p>
+                  </a:txBody>
+                  <a:tcPr>
+                    <a:solidFill>
+                      <a:srgbClr val="003366"/>
+                    </a:solidFill>
+                  </a:tcPr>
+                </a:tc>
+              </a:tr>
+              <a:tr h="457200">
+                <a:tc>
+                  <a:txBody>
+                    <a:bodyPr/>
+                    <a:lstStyle/>
+                    <a:p>
+                      <a:pPr algn="ctr">
+                        <a:defRPr sz="1200">
+                          <a:latin typeface="Times New Roman"/>
+                        </a:defRPr>
+                      </a:pPr>
+                      <a:r>
+                        <a:t>LightGBM (Vainqueur)</a:t>
+                      </a:r>
+                    </a:p>
+                  </a:txBody>
+                  <a:tcPr/>
+                </a:tc>
+                <a:tc>
+                  <a:txBody>
+                    <a:bodyPr/>
+                    <a:lstStyle/>
+                    <a:p>
+                      <a:pPr algn="ctr">
+                        <a:defRPr sz="1200">
+                          <a:latin typeface="Times New Roman"/>
+                        </a:defRPr>
+                      </a:pPr>
+                      <a:r>
+                        <a:t>0.759</a:t>
+                      </a:r>
+                    </a:p>
+                  </a:txBody>
+                  <a:tcPr/>
+                </a:tc>
+                <a:tc>
+                  <a:txBody>
+                    <a:bodyPr/>
+                    <a:lstStyle/>
+                    <a:p>
+                      <a:pPr algn="ctr">
+                        <a:defRPr sz="1200">
+                          <a:latin typeface="Times New Roman"/>
+                        </a:defRPr>
+                      </a:pPr>
+                      <a:r>
+                        <a:t>0.795</a:t>
+                      </a:r>
+                    </a:p>
+                  </a:txBody>
+                  <a:tcPr/>
+                </a:tc>
+                <a:tc>
+                  <a:txBody>
+                    <a:bodyPr/>
+                    <a:lstStyle/>
+                    <a:p>
+                      <a:pPr algn="ctr">
+                        <a:defRPr sz="1200">
+                          <a:latin typeface="Times New Roman"/>
+                        </a:defRPr>
+                      </a:pPr>
+                      <a:r>
+                        <a:t>73.5%</a:t>
+                      </a:r>
+                    </a:p>
+                  </a:txBody>
+                  <a:tcPr/>
+                </a:tc>
+                <a:tc>
+                  <a:txBody>
+                    <a:bodyPr/>
+                    <a:lstStyle/>
+                    <a:p>
+                      <a:pPr algn="ctr">
+                        <a:defRPr sz="1200">
+                          <a:latin typeface="Times New Roman"/>
+                        </a:defRPr>
+                      </a:pPr>
+                      <a:r>
+                        <a:t>0.193</a:t>
+                      </a:r>
+                    </a:p>
+                  </a:txBody>
+                  <a:tcPr/>
+                </a:tc>
+              </a:tr>
+              <a:tr h="457200">
+                <a:tc>
+                  <a:txBody>
+                    <a:bodyPr/>
+                    <a:lstStyle/>
+                    <a:p>
+                      <a:pPr algn="ctr">
+                        <a:defRPr sz="1200">
+                          <a:latin typeface="Times New Roman"/>
+                        </a:defRPr>
+                      </a:pPr>
+                      <a:r>
+                        <a:t>GRU (RNN)</a:t>
+                      </a:r>
+                    </a:p>
+                  </a:txBody>
+                  <a:tcPr/>
+                </a:tc>
+                <a:tc>
+                  <a:txBody>
+                    <a:bodyPr/>
+                    <a:lstStyle/>
+                    <a:p>
+                      <a:pPr algn="ctr">
+                        <a:defRPr sz="1200">
+                          <a:latin typeface="Times New Roman"/>
+                        </a:defRPr>
+                      </a:pPr>
+                      <a:r>
+                        <a:t>0.719</a:t>
+                      </a:r>
+                    </a:p>
+                  </a:txBody>
+                  <a:tcPr/>
+                </a:tc>
+                <a:tc>
+                  <a:txBody>
+                    <a:bodyPr/>
+                    <a:lstStyle/>
+                    <a:p>
+                      <a:pPr algn="ctr">
+                        <a:defRPr sz="1200">
+                          <a:latin typeface="Times New Roman"/>
+                        </a:defRPr>
+                      </a:pPr>
+                      <a:r>
+                        <a:t>0.766</a:t>
+                      </a:r>
+                    </a:p>
+                  </a:txBody>
+                  <a:tcPr/>
+                </a:tc>
+                <a:tc>
+                  <a:txBody>
+                    <a:bodyPr/>
+                    <a:lstStyle/>
+                    <a:p>
+                      <a:pPr algn="ctr">
+                        <a:defRPr sz="1200">
+                          <a:latin typeface="Times New Roman"/>
+                        </a:defRPr>
+                      </a:pPr>
+                      <a:r>
+                        <a:t>68.7%</a:t>
+                      </a:r>
+                    </a:p>
+                  </a:txBody>
+                  <a:tcPr/>
+                </a:tc>
+                <a:tc>
+                  <a:txBody>
+                    <a:bodyPr/>
+                    <a:lstStyle/>
+                    <a:p>
+                      <a:pPr algn="ctr">
+                        <a:defRPr sz="1200">
+                          <a:latin typeface="Times New Roman"/>
+                        </a:defRPr>
+                      </a:pPr>
+                      <a:r>
+                        <a:t>0.220</a:t>
+                      </a:r>
+                    </a:p>
+                  </a:txBody>
+                  <a:tcPr/>
+                </a:tc>
+              </a:tr>
+              <a:tr h="457200">
+                <a:tc>
+                  <a:txBody>
+                    <a:bodyPr/>
+                    <a:lstStyle/>
+                    <a:p>
+                      <a:pPr algn="ctr">
+                        <a:defRPr sz="1200">
+                          <a:latin typeface="Times New Roman"/>
+                        </a:defRPr>
+                      </a:pPr>
+                      <a:r>
+                        <a:t>Transformer</a:t>
+                      </a:r>
+                    </a:p>
+                  </a:txBody>
+                  <a:tcPr/>
+                </a:tc>
+                <a:tc>
+                  <a:txBody>
+                    <a:bodyPr/>
+                    <a:lstStyle/>
+                    <a:p>
+                      <a:pPr algn="ctr">
+                        <a:defRPr sz="1200">
+                          <a:latin typeface="Times New Roman"/>
+                        </a:defRPr>
+                      </a:pPr>
+                      <a:r>
+                        <a:t>0.716</a:t>
+                      </a:r>
+                    </a:p>
+                  </a:txBody>
+                  <a:tcPr/>
+                </a:tc>
+                <a:tc>
+                  <a:txBody>
+                    <a:bodyPr/>
+                    <a:lstStyle/>
+                    <a:p>
+                      <a:pPr algn="ctr">
+                        <a:defRPr sz="1200">
+                          <a:latin typeface="Times New Roman"/>
+                        </a:defRPr>
+                      </a:pPr>
+                      <a:r>
+                        <a:t>0.730</a:t>
+                      </a:r>
+                    </a:p>
+                  </a:txBody>
+                  <a:tcPr/>
+                </a:tc>
+                <a:tc>
+                  <a:txBody>
+                    <a:bodyPr/>
+                    <a:lstStyle/>
+                    <a:p>
+                      <a:pPr algn="ctr">
+                        <a:defRPr sz="1200">
+                          <a:latin typeface="Times New Roman"/>
+                        </a:defRPr>
+                      </a:pPr>
+                      <a:r>
+                        <a:t>72.3%</a:t>
+                      </a:r>
+                    </a:p>
+                  </a:txBody>
+                  <a:tcPr/>
+                </a:tc>
+                <a:tc>
+                  <a:txBody>
+                    <a:bodyPr/>
+                    <a:lstStyle/>
+                    <a:p>
+                      <a:pPr algn="ctr">
+                        <a:defRPr sz="1200">
+                          <a:latin typeface="Times New Roman"/>
+                        </a:defRPr>
+                      </a:pPr>
+                      <a:r>
+                        <a:t>0.207</a:t>
+                      </a:r>
+                    </a:p>
+                  </a:txBody>
+                  <a:tcPr/>
+                </a:tc>
+              </a:tr>
+              <a:tr h="457200">
+                <a:tc>
+                  <a:txBody>
+                    <a:bodyPr/>
+                    <a:lstStyle/>
+                    <a:p>
+                      <a:pPr algn="ctr">
+                        <a:defRPr sz="1200">
+                          <a:latin typeface="Times New Roman"/>
+                        </a:defRPr>
+                      </a:pPr>
+                      <a:r>
+                        <a:t>Logistic Reg.</a:t>
+                      </a:r>
+                    </a:p>
+                  </a:txBody>
+                  <a:tcPr/>
+                </a:tc>
+                <a:tc>
+                  <a:txBody>
+                    <a:bodyPr/>
+                    <a:lstStyle/>
+                    <a:p>
+                      <a:pPr algn="ctr">
+                        <a:defRPr sz="1200">
+                          <a:latin typeface="Times New Roman"/>
+                        </a:defRPr>
+                      </a:pPr>
+                      <a:r>
+                        <a:t>0.684</a:t>
+                      </a:r>
+                    </a:p>
+                  </a:txBody>
+                  <a:tcPr/>
+                </a:tc>
+                <a:tc>
+                  <a:txBody>
+                    <a:bodyPr/>
+                    <a:lstStyle/>
+                    <a:p>
+                      <a:pPr algn="ctr">
+                        <a:defRPr sz="1200">
+                          <a:latin typeface="Times New Roman"/>
+                        </a:defRPr>
+                      </a:pPr>
+                      <a:r>
+                        <a:t>0.769</a:t>
+                      </a:r>
+                    </a:p>
+                  </a:txBody>
+                  <a:tcPr/>
+                </a:tc>
+                <a:tc>
+                  <a:txBody>
+                    <a:bodyPr/>
+                    <a:lstStyle/>
+                    <a:p>
+                      <a:pPr algn="ctr">
+                        <a:defRPr sz="1200">
+                          <a:latin typeface="Times New Roman"/>
+                        </a:defRPr>
+                      </a:pPr>
+                      <a:r>
+                        <a:t>65.1%</a:t>
+                      </a:r>
+                    </a:p>
+                  </a:txBody>
+                  <a:tcPr/>
+                </a:tc>
+                <a:tc>
+                  <a:txBody>
+                    <a:bodyPr/>
+                    <a:lstStyle/>
+                    <a:p>
+                      <a:pPr algn="ctr">
+                        <a:defRPr sz="1200">
+                          <a:latin typeface="Times New Roman"/>
+                        </a:defRPr>
+                      </a:pPr>
+                      <a:r>
+                        <a:t>0.229</a:t>
+                      </a:r>
+                    </a:p>
+                  </a:txBody>
+                  <a:tcPr/>
+                </a:tc>
+              </a:tr>
+              <a:tr h="457200">
+                <a:tc>
+                  <a:txBody>
+                    <a:bodyPr/>
+                    <a:lstStyle/>
+                    <a:p>
+                      <a:pPr algn="ctr">
+                        <a:defRPr sz="1200">
+                          <a:latin typeface="Times New Roman"/>
+                        </a:defRPr>
+                      </a:pPr>
+                      <a:r>
+                        <a:t>XGBoost</a:t>
+                      </a:r>
+                    </a:p>
+                  </a:txBody>
+                  <a:tcPr/>
+                </a:tc>
+                <a:tc>
+                  <a:txBody>
+                    <a:bodyPr/>
+                    <a:lstStyle/>
+                    <a:p>
+                      <a:pPr algn="ctr">
+                        <a:defRPr sz="1200">
+                          <a:latin typeface="Times New Roman"/>
+                        </a:defRPr>
+                      </a:pPr>
+                      <a:r>
+                        <a:t>0.671</a:t>
+                      </a:r>
+                    </a:p>
+                  </a:txBody>
+                  <a:tcPr/>
+                </a:tc>
+                <a:tc>
+                  <a:txBody>
+                    <a:bodyPr/>
+                    <a:lstStyle/>
+                    <a:p>
+                      <a:pPr algn="ctr">
+                        <a:defRPr sz="1200">
+                          <a:latin typeface="Times New Roman"/>
+                        </a:defRPr>
+                      </a:pPr>
+                      <a:r>
+                        <a:t>0.772</a:t>
+                      </a:r>
+                    </a:p>
+                  </a:txBody>
+                  <a:tcPr/>
+                </a:tc>
+                <a:tc>
+                  <a:txBody>
+                    <a:bodyPr/>
+                    <a:lstStyle/>
+                    <a:p>
+                      <a:pPr algn="ctr">
+                        <a:defRPr sz="1200">
+                          <a:latin typeface="Times New Roman"/>
+                        </a:defRPr>
+                      </a:pPr>
+                      <a:r>
+                        <a:t>63.9%</a:t>
+                      </a:r>
+                    </a:p>
+                  </a:txBody>
+                  <a:tcPr/>
+                </a:tc>
+                <a:tc>
+                  <a:txBody>
+                    <a:bodyPr/>
+                    <a:lstStyle/>
+                    <a:p>
+                      <a:pPr algn="ctr">
+                        <a:defRPr sz="1200">
+                          <a:latin typeface="Times New Roman"/>
+                        </a:defRPr>
+                      </a:pPr>
+                      <a:r>
+                        <a:t>0.242</a:t>
+                      </a:r>
+                    </a:p>
+                  </a:txBody>
+                  <a:tcPr/>
+                </a:tc>
+              </a:tr>
+            </a:tbl>
+          </a:graphicData>
+        </a:graphic>
+      </p:graphicFrame>
+      <p:pic>
+        <p:nvPicPr>
+          <p:cNvPr id="5" name="Picture 4" descr="model_comparison.png"/>
+          <p:cNvPicPr>
+            <a:picLocks noChangeAspect="1"/>
+          </p:cNvPicPr>
+          <p:nvPr/>
+        </p:nvPicPr>
+        <p:blipFill>
+          <a:blip r:embed="rId3"/>
+          <a:stretch>
+            <a:fillRect/>
+          </a:stretch>
+        </p:blipFill>
+        <p:spPr>
+          <a:xfrm>
+            <a:off x="1828800" y="4114800"/>
+            <a:ext cx="5486400" cy="1828800"/>
+          </a:xfrm>
+          <a:prstGeom prst="rect">
+            <a:avLst/>
+          </a:prstGeom>
+        </p:spPr>
+      </p:pic>
     </p:spTree>
   </p:cSld>
   <p:clrMapOvr>
@@ -4399,90 +4917,217 @@
           <a:lstStyle/>
           <a:p>
             <a:pPr>
-              <a:defRPr b="1">
+              <a:defRPr b="1" sz="3600">
                 <a:solidFill>
                   <a:srgbClr val="003366"/>
                 </a:solidFill>
-              </a:defRPr>
-            </a:pPr>
-            <a:r>
-              <a:t>2.3 Règles Globales &amp; Dimensions Finales</a:t>
-            </a:r>
-          </a:p>
-        </p:txBody>
-      </p:sp>
-      <p:sp>
-        <p:nvSpPr>
-          <p:cNvPr id="3" name="Content Placeholder 2"/>
-          <p:cNvSpPr>
-            <a:spLocks noGrp="1"/>
-          </p:cNvSpPr>
-          <p:nvPr>
-            <p:ph idx="1"/>
-          </p:nvPr>
-        </p:nvSpPr>
-        <p:spPr/>
-        <p:txBody>
-          <a:bodyPr/>
+                <a:latin typeface="Times New Roman"/>
+              </a:defRPr>
+            </a:pPr>
+            <a:r>
+              <a:t>Optimisation &amp; Dynamique d'Entraînement</a:t>
+            </a:r>
+          </a:p>
+        </p:txBody>
+      </p:sp>
+      <p:pic>
+        <p:nvPicPr>
+          <p:cNvPr id="3" name="Picture 2" descr="kolecto_logo.png"/>
+          <p:cNvPicPr>
+            <a:picLocks noChangeAspect="1"/>
+          </p:cNvPicPr>
+          <p:nvPr/>
+        </p:nvPicPr>
+        <p:blipFill>
+          <a:blip r:embed="rId2"/>
+          <a:stretch>
+            <a:fillRect/>
+          </a:stretch>
+        </p:blipFill>
+        <p:spPr>
+          <a:xfrm>
+            <a:off x="7863840" y="182880"/>
+            <a:ext cx="1097280" cy="1097280"/>
+          </a:xfrm>
+          <a:prstGeom prst="rect">
+            <a:avLst/>
+          </a:prstGeom>
+        </p:spPr>
+      </p:pic>
+      <p:sp>
+        <p:nvSpPr>
+          <p:cNvPr id="4" name="TextBox 3"/>
+          <p:cNvSpPr txBox="1"/>
+          <p:nvPr/>
+        </p:nvSpPr>
+        <p:spPr>
+          <a:xfrm>
+            <a:off x="457200" y="1371600"/>
+            <a:ext cx="8229600" cy="1828800"/>
+          </a:xfrm>
+          <a:prstGeom prst="rect">
+            <a:avLst/>
+          </a:prstGeom>
+          <a:noFill/>
+        </p:spPr>
+        <p:txBody>
+          <a:bodyPr wrap="square">
+            <a:spAutoFit/>
+          </a:bodyPr>
           <a:lstStyle/>
           <a:p/>
           <a:p>
             <a:pPr>
               <a:spcAft>
-                <a:spcPts val="1000"/>
+                <a:spcPts val="500"/>
               </a:spcAft>
-              <a:defRPr sz="1800"/>
-            </a:pPr>
-            <a:r>
-              <a:t>Nos principes de rigueur :</a:t>
+              <a:defRPr sz="1600">
+                <a:latin typeface="Times New Roman"/>
+              </a:defRPr>
+            </a:pPr>
+            <a:r>
+              <a:t>LightGBM (Optuna) :</a:t>
+            </a:r>
+          </a:p>
+          <a:p>
+            <a:pPr lvl="1">
+              <a:spcAft>
+                <a:spcPts val="500"/>
+              </a:spcAft>
+              <a:defRPr sz="1600">
+                <a:latin typeface="Times New Roman"/>
+              </a:defRPr>
+            </a:pPr>
+            <a:r>
+              <a:t>•  Recherche efficace (50 essais).</a:t>
+            </a:r>
+          </a:p>
+          <a:p>
+            <a:pPr lvl="1">
+              <a:spcAft>
+                <a:spcPts val="500"/>
+              </a:spcAft>
+              <a:defRPr sz="1600">
+                <a:latin typeface="Times New Roman"/>
+              </a:defRPr>
+            </a:pPr>
+            <a:r>
+              <a:t>•  Convergence vers paramètres robustes (n_est=165, lr=0.011).</a:t>
             </a:r>
           </a:p>
           <a:p>
             <a:pPr>
               <a:spcAft>
-                <a:spcPts val="1000"/>
+                <a:spcPts val="500"/>
               </a:spcAft>
-              <a:defRPr sz="1800"/>
-            </a:pPr>
-            <a:r>
-              <a:t>   - Anti-Leakage : Suppression stricte de 'subscription_status' et 'canceled_at' (infos du futur).</a:t>
-            </a:r>
-          </a:p>
-          <a:p>
-            <a:pPr>
+              <a:defRPr sz="1600">
+                <a:latin typeface="Times New Roman"/>
+              </a:defRPr>
+            </a:pPr>
+            <a:r>
+              <a:t>Dynamique Deep Learning :</a:t>
+            </a:r>
+          </a:p>
+          <a:p>
+            <a:pPr lvl="1">
               <a:spcAft>
-                <a:spcPts val="1000"/>
+                <a:spcPts val="500"/>
               </a:spcAft>
-              <a:defRPr sz="1800"/>
-            </a:pPr>
-            <a:r>
-              <a:t>   - Robustesse : Les catégories inconnues en test sont ignorées (handle_unknown='ignore').</a:t>
-            </a:r>
-          </a:p>
-          <a:p>
-            <a:pPr>
+              <a:defRPr sz="1600">
+                <a:latin typeface="Times New Roman"/>
+              </a:defRPr>
+            </a:pPr>
+            <a:r>
+              <a:t>•  GRU : Bonne baisse de loss training, légère instabilité en validation.</a:t>
+            </a:r>
+          </a:p>
+          <a:p>
+            <a:pPr lvl="1">
               <a:spcAft>
-                <a:spcPts val="1000"/>
+                <a:spcPts val="500"/>
               </a:spcAft>
-              <a:defRPr sz="1800"/>
-            </a:pPr>
-            <a:r>
-              <a:t>   - Volumétrie Finale : ~150 features (Tabulaire) vs Tensor (416, 15, 19) (Deep Learning).</a:t>
-            </a:r>
-          </a:p>
-          <a:p>
-            <a:pPr>
-              <a:spcAft>
-                <a:spcPts val="1000"/>
-              </a:spcAft>
-              <a:defRPr sz="1800"/>
-            </a:pPr>
-            <a:r>
-              <a:t>   - Résultat : Un pipeline 'Production-Ready' robuste aux nouvelles données.</a:t>
-            </a:r>
-          </a:p>
-        </p:txBody>
-      </p:sp>
+              <a:defRPr sz="1600">
+                <a:latin typeface="Times New Roman"/>
+              </a:defRPr>
+            </a:pPr>
+            <a:r>
+              <a:t>•  Transformer : Signes d'overfitting (Train Loss &lt;&lt; Val Loss).</a:t>
+            </a:r>
+          </a:p>
+        </p:txBody>
+      </p:sp>
+      <p:pic>
+        <p:nvPicPr>
+          <p:cNvPr id="5" name="Picture 4" descr="lgbm_optimization_history.png"/>
+          <p:cNvPicPr>
+            <a:picLocks noChangeAspect="1"/>
+          </p:cNvPicPr>
+          <p:nvPr/>
+        </p:nvPicPr>
+        <p:blipFill>
+          <a:blip r:embed="rId3"/>
+          <a:stretch>
+            <a:fillRect/>
+          </a:stretch>
+        </p:blipFill>
+        <p:spPr>
+          <a:xfrm>
+            <a:off x="5486400" y="1371600"/>
+            <a:ext cx="3810000" cy="2286000"/>
+          </a:xfrm>
+          <a:prstGeom prst="rect">
+            <a:avLst/>
+          </a:prstGeom>
+        </p:spPr>
+      </p:pic>
+      <p:pic>
+        <p:nvPicPr>
+          <p:cNvPr id="6" name="Picture 5" descr="gru_training_loss.png"/>
+          <p:cNvPicPr>
+            <a:picLocks noChangeAspect="1"/>
+          </p:cNvPicPr>
+          <p:nvPr/>
+        </p:nvPicPr>
+        <p:blipFill>
+          <a:blip r:embed="rId4"/>
+          <a:stretch>
+            <a:fillRect/>
+          </a:stretch>
+        </p:blipFill>
+        <p:spPr>
+          <a:xfrm>
+            <a:off x="457200" y="4114800"/>
+            <a:ext cx="3810000" cy="2286000"/>
+          </a:xfrm>
+          <a:prstGeom prst="rect">
+            <a:avLst/>
+          </a:prstGeom>
+        </p:spPr>
+      </p:pic>
+      <p:pic>
+        <p:nvPicPr>
+          <p:cNvPr id="7" name="Picture 6" descr="transformer_training_loss.png"/>
+          <p:cNvPicPr>
+            <a:picLocks noChangeAspect="1"/>
+          </p:cNvPicPr>
+          <p:nvPr/>
+        </p:nvPicPr>
+        <p:blipFill>
+          <a:blip r:embed="rId5"/>
+          <a:stretch>
+            <a:fillRect/>
+          </a:stretch>
+        </p:blipFill>
+        <p:spPr>
+          <a:xfrm>
+            <a:off x="5029200" y="4114800"/>
+            <a:ext cx="3810000" cy="2286000"/>
+          </a:xfrm>
+          <a:prstGeom prst="rect">
+            <a:avLst/>
+          </a:prstGeom>
+        </p:spPr>
+      </p:pic>
     </p:spTree>
   </p:cSld>
   <p:clrMapOvr>
@@ -4517,31 +5162,63 @@
           <a:lstStyle/>
           <a:p>
             <a:pPr>
-              <a:defRPr b="1">
+              <a:defRPr b="1" sz="3600">
                 <a:solidFill>
                   <a:srgbClr val="003366"/>
                 </a:solidFill>
-              </a:defRPr>
-            </a:pPr>
-            <a:r>
-              <a:t>3. Zoom sur les Modèles Testés</a:t>
-            </a:r>
-          </a:p>
-        </p:txBody>
-      </p:sp>
-      <p:sp>
-        <p:nvSpPr>
-          <p:cNvPr id="3" name="Content Placeholder 2"/>
-          <p:cNvSpPr>
-            <a:spLocks noGrp="1"/>
-          </p:cNvSpPr>
-          <p:nvPr>
-            <p:ph idx="1"/>
-          </p:nvPr>
-        </p:nvSpPr>
-        <p:spPr/>
-        <p:txBody>
-          <a:bodyPr/>
+                <a:latin typeface="Times New Roman"/>
+              </a:defRPr>
+            </a:pPr>
+            <a:r>
+              <a:t>Importance des Features &amp; Insights</a:t>
+            </a:r>
+          </a:p>
+        </p:txBody>
+      </p:sp>
+      <p:pic>
+        <p:nvPicPr>
+          <p:cNvPr id="3" name="Picture 2" descr="kolecto_logo.png"/>
+          <p:cNvPicPr>
+            <a:picLocks noChangeAspect="1"/>
+          </p:cNvPicPr>
+          <p:nvPr/>
+        </p:nvPicPr>
+        <p:blipFill>
+          <a:blip r:embed="rId2"/>
+          <a:stretch>
+            <a:fillRect/>
+          </a:stretch>
+        </p:blipFill>
+        <p:spPr>
+          <a:xfrm>
+            <a:off x="7863840" y="182880"/>
+            <a:ext cx="1097280" cy="1097280"/>
+          </a:xfrm>
+          <a:prstGeom prst="rect">
+            <a:avLst/>
+          </a:prstGeom>
+        </p:spPr>
+      </p:pic>
+      <p:sp>
+        <p:nvSpPr>
+          <p:cNvPr id="4" name="TextBox 3"/>
+          <p:cNvSpPr txBox="1"/>
+          <p:nvPr/>
+        </p:nvSpPr>
+        <p:spPr>
+          <a:xfrm>
+            <a:off x="457200" y="1371600"/>
+            <a:ext cx="8229600" cy="2286000"/>
+          </a:xfrm>
+          <a:prstGeom prst="rect">
+            <a:avLst/>
+          </a:prstGeom>
+          <a:noFill/>
+        </p:spPr>
+        <p:txBody>
+          <a:bodyPr wrap="square">
+            <a:spAutoFit/>
+          </a:bodyPr>
           <a:lstStyle/>
           <a:p/>
           <a:p>
@@ -4549,10 +5226,51 @@
               <a:spcAft>
                 <a:spcPts val="1000"/>
               </a:spcAft>
-              <a:defRPr sz="1800"/>
-            </a:pPr>
-            <a:r>
-              <a:t>1. Logistic Regression : Modèle linéaire de base. Simple, interprétable, mais ne capture pas les relations complexes.</a:t>
+              <a:defRPr sz="1800">
+                <a:latin typeface="Times New Roman"/>
+              </a:defRPr>
+            </a:pPr>
+            <a:r>
+              <a:t>• Meilleurs Prédicteurs :</a:t>
+            </a:r>
+          </a:p>
+          <a:p>
+            <a:pPr lvl="1">
+              <a:spcAft>
+                <a:spcPts val="1000"/>
+              </a:spcAft>
+              <a:defRPr sz="1600">
+                <a:latin typeface="Times New Roman"/>
+              </a:defRPr>
+            </a:pPr>
+            <a:r>
+              <a:t>•  company_age : Les entreprises plus anciennes/stables convertissent mieux.</a:t>
+            </a:r>
+          </a:p>
+          <a:p>
+            <a:pPr lvl="1">
+              <a:spcAft>
+                <a:spcPts val="1000"/>
+              </a:spcAft>
+              <a:defRPr sz="1600">
+                <a:latin typeface="Times New Roman"/>
+              </a:defRPr>
+            </a:pPr>
+            <a:r>
+              <a:t>•  naf_code : Certains secteurs ont une affinité plus forte.</a:t>
+            </a:r>
+          </a:p>
+          <a:p>
+            <a:pPr lvl="1">
+              <a:spcAft>
+                <a:spcPts val="1000"/>
+              </a:spcAft>
+              <a:defRPr sz="1600">
+                <a:latin typeface="Times New Roman"/>
+              </a:defRPr>
+            </a:pPr>
+            <a:r>
+              <a:t>•  nb_client_invoices_created_sum : L'usage (Facturation) est le signal #1.</a:t>
             </a:r>
           </a:p>
           <a:p>
@@ -4560,47 +5278,66 @@
               <a:spcAft>
                 <a:spcPts val="1000"/>
               </a:spcAft>
-              <a:defRPr sz="1800"/>
-            </a:pPr>
-            <a:r>
-              <a:t>2. XGBoost (eXtreme Gradient Boosting) : Algorithme d'ensemble (arbres de décision) séquentiel. Très robuste, corrige ses erreurs itérativement.</a:t>
-            </a:r>
-          </a:p>
-          <a:p>
-            <a:pPr>
+              <a:defRPr sz="1800">
+                <a:latin typeface="Times New Roman"/>
+              </a:defRPr>
+            </a:pPr>
+            <a:r>
+              <a:t>• Insights Actionnables :</a:t>
+            </a:r>
+          </a:p>
+          <a:p>
+            <a:pPr lvl="1">
               <a:spcAft>
                 <a:spcPts val="1000"/>
               </a:spcAft>
-              <a:defRPr sz="1800"/>
-            </a:pPr>
-            <a:r>
-              <a:t>3. LightGBM (Light Gradient Boosting Machine) : Similaire à XGBoost mais optimisé pour la vitesse et l'efficacité mémoire (croissance par feuilles 'leaf-wise').</a:t>
-            </a:r>
-          </a:p>
-          <a:p>
-            <a:pPr>
+              <a:defRPr sz="1600">
+                <a:latin typeface="Times New Roman"/>
+              </a:defRPr>
+            </a:pPr>
+            <a:r>
+              <a:t>•  L'Activation Compte : Une utilisation précoce (Jours 1-3) est critique.</a:t>
+            </a:r>
+          </a:p>
+          <a:p>
+            <a:pPr lvl="1">
               <a:spcAft>
                 <a:spcPts val="1000"/>
               </a:spcAft>
-              <a:defRPr sz="1800"/>
-            </a:pPr>
-            <a:r>
-              <a:t>4. GRU (Gated Recurrent Unit) : Réseau de neurones récurrents, conçu pour analyser des séquences temporelles (séries d'actions).</a:t>
-            </a:r>
-          </a:p>
-          <a:p>
-            <a:pPr>
-              <a:spcAft>
-                <a:spcPts val="1000"/>
-              </a:spcAft>
-              <a:defRPr sz="1800"/>
-            </a:pPr>
-            <a:r>
-              <a:t>5. Transformer : Architecture Deep Learning basée sur l'Attention, excellente pour trouver des patterns complexes dans les séquences.</a:t>
-            </a:r>
-          </a:p>
-        </p:txBody>
-      </p:sp>
+              <a:defRPr sz="1600">
+                <a:latin typeface="Times New Roman"/>
+              </a:defRPr>
+            </a:pPr>
+            <a:r>
+              <a:t>•  Ciblage : Concentrer le CX sur les TPEs avec faible activité initiale.</a:t>
+            </a:r>
+          </a:p>
+        </p:txBody>
+      </p:sp>
+      <p:pic>
+        <p:nvPicPr>
+          <p:cNvPr id="5" name="Picture 4" descr="xgb_feature_importance.png"/>
+          <p:cNvPicPr>
+            <a:picLocks noChangeAspect="1"/>
+          </p:cNvPicPr>
+          <p:nvPr/>
+        </p:nvPicPr>
+        <p:blipFill>
+          <a:blip r:embed="rId3"/>
+          <a:stretch>
+            <a:fillRect/>
+          </a:stretch>
+        </p:blipFill>
+        <p:spPr>
+          <a:xfrm>
+            <a:off x="2743200" y="3840480"/>
+            <a:ext cx="3657600" cy="2926080"/>
+          </a:xfrm>
+          <a:prstGeom prst="rect">
+            <a:avLst/>
+          </a:prstGeom>
+        </p:spPr>
+      </p:pic>
     </p:spTree>
   </p:cSld>
   <p:clrMapOvr>
@@ -4635,31 +5372,63 @@
           <a:lstStyle/>
           <a:p>
             <a:pPr>
-              <a:defRPr b="1">
+              <a:defRPr b="1" sz="3600">
                 <a:solidFill>
                   <a:srgbClr val="003366"/>
                 </a:solidFill>
-              </a:defRPr>
-            </a:pPr>
-            <a:r>
-              <a:t>4. Deep Dive: LightGBM vs XGBoost</a:t>
-            </a:r>
-          </a:p>
-        </p:txBody>
-      </p:sp>
-      <p:sp>
-        <p:nvSpPr>
-          <p:cNvPr id="3" name="Content Placeholder 2"/>
-          <p:cNvSpPr>
-            <a:spLocks noGrp="1"/>
-          </p:cNvSpPr>
-          <p:nvPr>
-            <p:ph idx="1"/>
-          </p:nvPr>
-        </p:nvSpPr>
-        <p:spPr/>
-        <p:txBody>
-          <a:bodyPr/>
+                <a:latin typeface="Times New Roman"/>
+              </a:defRPr>
+            </a:pPr>
+            <a:r>
+              <a:t>Impact Business &amp; Recommandations</a:t>
+            </a:r>
+          </a:p>
+        </p:txBody>
+      </p:sp>
+      <p:pic>
+        <p:nvPicPr>
+          <p:cNvPr id="3" name="Picture 2" descr="kolecto_logo.png"/>
+          <p:cNvPicPr>
+            <a:picLocks noChangeAspect="1"/>
+          </p:cNvPicPr>
+          <p:nvPr/>
+        </p:nvPicPr>
+        <p:blipFill>
+          <a:blip r:embed="rId2"/>
+          <a:stretch>
+            <a:fillRect/>
+          </a:stretch>
+        </p:blipFill>
+        <p:spPr>
+          <a:xfrm>
+            <a:off x="7863840" y="182880"/>
+            <a:ext cx="1097280" cy="1097280"/>
+          </a:xfrm>
+          <a:prstGeom prst="rect">
+            <a:avLst/>
+          </a:prstGeom>
+        </p:spPr>
+      </p:pic>
+      <p:sp>
+        <p:nvSpPr>
+          <p:cNvPr id="4" name="TextBox 3"/>
+          <p:cNvSpPr txBox="1"/>
+          <p:nvPr/>
+        </p:nvSpPr>
+        <p:spPr>
+          <a:xfrm>
+            <a:off x="457200" y="1371600"/>
+            <a:ext cx="8229600" cy="4572000"/>
+          </a:xfrm>
+          <a:prstGeom prst="rect">
+            <a:avLst/>
+          </a:prstGeom>
+          <a:noFill/>
+        </p:spPr>
+        <p:txBody>
+          <a:bodyPr wrap="square">
+            <a:spAutoFit/>
+          </a:bodyPr>
           <a:lstStyle/>
           <a:p/>
           <a:p>
@@ -4667,10 +5436,51 @@
               <a:spcAft>
                 <a:spcPts val="1000"/>
               </a:spcAft>
-              <a:defRPr sz="1800"/>
-            </a:pPr>
-            <a:r>
-              <a:t>Pourquoi LightGBM est meilleur ici (AUC 0.80 vs 0.67) ?</a:t>
+              <a:defRPr sz="1800">
+                <a:latin typeface="Times New Roman"/>
+              </a:defRPr>
+            </a:pPr>
+            <a:r>
+              <a:t>• Impact Estimé :</a:t>
+            </a:r>
+          </a:p>
+          <a:p>
+            <a:pPr lvl="1">
+              <a:spcAft>
+                <a:spcPts val="1000"/>
+              </a:spcAft>
+              <a:defRPr sz="1600">
+                <a:latin typeface="Times New Roman"/>
+              </a:defRPr>
+            </a:pPr>
+            <a:r>
+              <a:t>•  Cible : ~400 essais/mois.</a:t>
+            </a:r>
+          </a:p>
+          <a:p>
+            <a:pPr lvl="1">
+              <a:spcAft>
+                <a:spcPts val="1000"/>
+              </a:spcAft>
+              <a:defRPr sz="1600">
+                <a:latin typeface="Times New Roman"/>
+              </a:defRPr>
+            </a:pPr>
+            <a:r>
+              <a:t>•  Lift : +5-8% de conversion via intervention ciblée.</a:t>
+            </a:r>
+          </a:p>
+          <a:p>
+            <a:pPr lvl="1">
+              <a:spcAft>
+                <a:spcPts val="1000"/>
+              </a:spcAft>
+              <a:defRPr sz="1600">
+                <a:latin typeface="Times New Roman"/>
+              </a:defRPr>
+            </a:pPr>
+            <a:r>
+              <a:t>•  Valeur : 400 * 0.05 * 3k€ (LTV) = ~60k€/mois -&gt; 720k€/an.</a:t>
             </a:r>
           </a:p>
           <a:p>
@@ -4678,43 +5488,51 @@
               <a:spcAft>
                 <a:spcPts val="1000"/>
               </a:spcAft>
-              <a:defRPr sz="1800"/>
-            </a:pPr>
-            <a:r>
-              <a:t>1. Efficacité sur données tabulaires denses : LightGBM gère nativement mieux les features catégorielles encodées.</a:t>
-            </a:r>
-          </a:p>
-          <a:p>
-            <a:pPr>
+              <a:defRPr sz="1800">
+                <a:latin typeface="Times New Roman"/>
+              </a:defRPr>
+            </a:pPr>
+            <a:r>
+              <a:t>• Recommandations :</a:t>
+            </a:r>
+          </a:p>
+          <a:p>
+            <a:pPr lvl="1">
               <a:spcAft>
                 <a:spcPts val="1000"/>
               </a:spcAft>
-              <a:defRPr sz="1800"/>
-            </a:pPr>
-            <a:r>
-              <a:t>2. Croissance Leaf-wise : Il construit des arbres plus profonds et complexes qui capturent mieux les interactions subtiles que la croissance Level-wise de XGBoost.</a:t>
-            </a:r>
-          </a:p>
-          <a:p>
-            <a:pPr>
+              <a:defRPr sz="1600">
+                <a:latin typeface="Times New Roman"/>
+              </a:defRPr>
+            </a:pPr>
+            <a:r>
+              <a:t>•  Jours 1-3 (Automatisé) : Nudge si 'nb_connections' &lt; 2.</a:t>
+            </a:r>
+          </a:p>
+          <a:p>
+            <a:pPr lvl="1">
               <a:spcAft>
                 <a:spcPts val="1000"/>
               </a:spcAft>
-              <a:defRPr sz="1800"/>
-            </a:pPr>
-            <a:r>
-              <a:t>3. Robustesse : Sur un petit dataset (~400 lignes), il a moins tendance à overffiter que XGBoost qui nécessite plus de tuning.</a:t>
-            </a:r>
-          </a:p>
-          <a:p>
-            <a:pPr>
+              <a:defRPr sz="1600">
+                <a:latin typeface="Times New Roman"/>
+              </a:defRPr>
+            </a:pPr>
+            <a:r>
+              <a:t>•  Jours 7-10 (Humain) : Appel CX si Prob. Désabonnement &gt; 60%.</a:t>
+            </a:r>
+          </a:p>
+          <a:p>
+            <a:pPr lvl="1">
               <a:spcAft>
                 <a:spcPts val="1000"/>
               </a:spcAft>
-              <a:defRPr sz="1800"/>
-            </a:pPr>
-            <a:r>
-              <a:t>Conclusion : LightGBM est le champion 'Low Data, High Dimensionality'.</a:t>
+              <a:defRPr sz="1600">
+                <a:latin typeface="Times New Roman"/>
+              </a:defRPr>
+            </a:pPr>
+            <a:r>
+              <a:t>•  Déploiement : A/B Test des interventions pour mesurer l'uplift réel.</a:t>
             </a:r>
           </a:p>
         </p:txBody>
@@ -4753,31 +5571,63 @@
           <a:lstStyle/>
           <a:p>
             <a:pPr>
-              <a:defRPr b="1">
+              <a:defRPr b="1" sz="3600">
                 <a:solidFill>
                   <a:srgbClr val="003366"/>
                 </a:solidFill>
-              </a:defRPr>
-            </a:pPr>
-            <a:r>
-              <a:t>5. Choix des Métriques de Performance</a:t>
-            </a:r>
-          </a:p>
-        </p:txBody>
-      </p:sp>
-      <p:sp>
-        <p:nvSpPr>
-          <p:cNvPr id="3" name="Content Placeholder 2"/>
-          <p:cNvSpPr>
-            <a:spLocks noGrp="1"/>
-          </p:cNvSpPr>
-          <p:nvPr>
-            <p:ph idx="1"/>
-          </p:nvPr>
-        </p:nvSpPr>
-        <p:spPr/>
-        <p:txBody>
-          <a:bodyPr/>
+                <a:latin typeface="Times New Roman"/>
+              </a:defRPr>
+            </a:pPr>
+            <a:r>
+              <a:t>Limitations &amp; Améliorations</a:t>
+            </a:r>
+          </a:p>
+        </p:txBody>
+      </p:sp>
+      <p:pic>
+        <p:nvPicPr>
+          <p:cNvPr id="3" name="Picture 2" descr="kolecto_logo.png"/>
+          <p:cNvPicPr>
+            <a:picLocks noChangeAspect="1"/>
+          </p:cNvPicPr>
+          <p:nvPr/>
+        </p:nvPicPr>
+        <p:blipFill>
+          <a:blip r:embed="rId2"/>
+          <a:stretch>
+            <a:fillRect/>
+          </a:stretch>
+        </p:blipFill>
+        <p:spPr>
+          <a:xfrm>
+            <a:off x="7863840" y="182880"/>
+            <a:ext cx="1097280" cy="1097280"/>
+          </a:xfrm>
+          <a:prstGeom prst="rect">
+            <a:avLst/>
+          </a:prstGeom>
+        </p:spPr>
+      </p:pic>
+      <p:sp>
+        <p:nvSpPr>
+          <p:cNvPr id="4" name="TextBox 3"/>
+          <p:cNvSpPr txBox="1"/>
+          <p:nvPr/>
+        </p:nvSpPr>
+        <p:spPr>
+          <a:xfrm>
+            <a:off x="457200" y="1371600"/>
+            <a:ext cx="8229600" cy="4572000"/>
+          </a:xfrm>
+          <a:prstGeom prst="rect">
+            <a:avLst/>
+          </a:prstGeom>
+          <a:noFill/>
+        </p:spPr>
+        <p:txBody>
+          <a:bodyPr wrap="square">
+            <a:spAutoFit/>
+          </a:bodyPr>
           <a:lstStyle/>
           <a:p/>
           <a:p>
@@ -4785,10 +5635,38 @@
               <a:spcAft>
                 <a:spcPts val="1000"/>
               </a:spcAft>
-              <a:defRPr sz="1800"/>
-            </a:pPr>
-            <a:r>
-              <a:t>ROC-AUC (Area Under Curve) : La capacité globale à distinguer un Payant d'un Non-Payant (Indépendant du seuil). 0.5 = Hasard, 1.0 = Parfait.</a:t>
+              <a:defRPr sz="1800">
+                <a:latin typeface="Times New Roman"/>
+              </a:defRPr>
+            </a:pPr>
+            <a:r>
+              <a:t>• Limitations :</a:t>
+            </a:r>
+          </a:p>
+          <a:p>
+            <a:pPr lvl="1">
+              <a:spcAft>
+                <a:spcPts val="1000"/>
+              </a:spcAft>
+              <a:defRPr sz="1600">
+                <a:latin typeface="Times New Roman"/>
+              </a:defRPr>
+            </a:pPr>
+            <a:r>
+              <a:t>•  Faible Volume de Données : ~416 essais limitent le potentiel du Deep Learning.</a:t>
+            </a:r>
+          </a:p>
+          <a:p>
+            <a:pPr lvl="1">
+              <a:spcAft>
+                <a:spcPts val="1000"/>
+              </a:spcAft>
+              <a:defRPr sz="1600">
+                <a:latin typeface="Times New Roman"/>
+              </a:defRPr>
+            </a:pPr>
+            <a:r>
+              <a:t>•  Facteurs Externes : Pas de données sur le contexte économique ou la saisonnalité.</a:t>
             </a:r>
           </a:p>
           <a:p>
@@ -4796,32 +5674,51 @@
               <a:spcAft>
                 <a:spcPts val="1000"/>
               </a:spcAft>
-              <a:defRPr sz="1800"/>
-            </a:pPr>
-            <a:r>
-              <a:t>PR-AUC (Precision-Recall) : Crucial car notre classe cible (Conversion) est importante. Pinalise plus les faux positifs que le ROC.</a:t>
-            </a:r>
-          </a:p>
-          <a:p>
-            <a:pPr>
+              <a:defRPr sz="1800">
+                <a:latin typeface="Times New Roman"/>
+              </a:defRPr>
+            </a:pPr>
+            <a:r>
+              <a:t>• Améliorations Futures :</a:t>
+            </a:r>
+          </a:p>
+          <a:p>
+            <a:pPr lvl="1">
               <a:spcAft>
                 <a:spcPts val="1000"/>
               </a:spcAft>
-              <a:defRPr sz="1800"/>
-            </a:pPr>
-            <a:r>
-              <a:t>Brier Score : Mesure la fiabilité de la probabilité (Calibration). Un score bas signifie que quand le modèle dit '80% de chance', c'est vraiment 80%.</a:t>
-            </a:r>
-          </a:p>
-          <a:p>
-            <a:pPr>
+              <a:defRPr sz="1600">
+                <a:latin typeface="Times New Roman"/>
+              </a:defRPr>
+            </a:pPr>
+            <a:r>
+              <a:t>•  Ensemble Hybride : Combiner LightGBM (Tabulaire) + GRU (Séquentiel).</a:t>
+            </a:r>
+          </a:p>
+          <a:p>
+            <a:pPr lvl="1">
               <a:spcAft>
                 <a:spcPts val="1000"/>
               </a:spcAft>
-              <a:defRPr sz="1800"/>
-            </a:pPr>
-            <a:r>
-              <a:t>Accuracy : Le % global de bonnes réponses. Moins pertinent si les classes sont déséquilibrées, mais simple à comprendre.</a:t>
+              <a:defRPr sz="1600">
+                <a:latin typeface="Times New Roman"/>
+              </a:defRPr>
+            </a:pPr>
+            <a:r>
+              <a:t>•  Causal ML : Modéliser l'uplift (Persuadables vs Do-not-disturb).</a:t>
+            </a:r>
+          </a:p>
+          <a:p>
+            <a:pPr lvl="1">
+              <a:spcAft>
+                <a:spcPts val="1000"/>
+              </a:spcAft>
+              <a:defRPr sz="1600">
+                <a:latin typeface="Times New Roman"/>
+              </a:defRPr>
+            </a:pPr>
+            <a:r>
+              <a:t>•  Entraînement Continu : Réentraînement mensuel pour gérer le 'data drift'.</a:t>
             </a:r>
           </a:p>
         </p:txBody>

--- a/Presentations_Resultats_Projet.pptx
+++ b/Presentations_Resultats_Projet.pptx
@@ -15,6 +15,8 @@
     <p:sldId id="263" r:id="rId14"/>
     <p:sldId id="264" r:id="rId15"/>
     <p:sldId id="265" r:id="rId16"/>
+    <p:sldId id="266" r:id="rId17"/>
+    <p:sldId id="267" r:id="rId18"/>
   </p:sldIdLst>
   <p:sldSz cx="9144000" cy="6858000" type="screen4x3"/>
   <p:notesSz cx="6858000" cy="9144000"/>
@@ -3207,6 +3209,391 @@
 </file>
 
 <file path=ppt/slides/slide10.xml><?xml version="1.0" encoding="utf-8"?>
+<p:sld xmlns:a="http://schemas.openxmlformats.org/drawingml/2006/main" xmlns:p="http://schemas.openxmlformats.org/presentationml/2006/main" xmlns:r="http://schemas.openxmlformats.org/officeDocument/2006/relationships">
+  <p:cSld>
+    <p:spTree>
+      <p:nvGrpSpPr>
+        <p:cNvPr id="1" name=""/>
+        <p:cNvGrpSpPr/>
+        <p:nvPr/>
+      </p:nvGrpSpPr>
+      <p:grpSpPr/>
+      <p:sp>
+        <p:nvSpPr>
+          <p:cNvPr id="2" name="Title 1"/>
+          <p:cNvSpPr>
+            <a:spLocks noGrp="1"/>
+          </p:cNvSpPr>
+          <p:nvPr>
+            <p:ph type="title"/>
+          </p:nvPr>
+        </p:nvSpPr>
+        <p:spPr/>
+        <p:txBody>
+          <a:bodyPr/>
+          <a:lstStyle/>
+          <a:p>
+            <a:pPr>
+              <a:defRPr b="1" sz="3600">
+                <a:solidFill>
+                  <a:srgbClr val="003366"/>
+                </a:solidFill>
+                <a:latin typeface="Times New Roman"/>
+              </a:defRPr>
+            </a:pPr>
+            <a:r>
+              <a:t>Impact Business &amp; Recommandations</a:t>
+            </a:r>
+          </a:p>
+        </p:txBody>
+      </p:sp>
+      <p:pic>
+        <p:nvPicPr>
+          <p:cNvPr id="3" name="Picture 2" descr="kolecto_logo.png"/>
+          <p:cNvPicPr>
+            <a:picLocks noChangeAspect="1"/>
+          </p:cNvPicPr>
+          <p:nvPr/>
+        </p:nvPicPr>
+        <p:blipFill>
+          <a:blip r:embed="rId2"/>
+          <a:stretch>
+            <a:fillRect/>
+          </a:stretch>
+        </p:blipFill>
+        <p:spPr>
+          <a:xfrm>
+            <a:off x="7863840" y="182880"/>
+            <a:ext cx="1097280" cy="1097280"/>
+          </a:xfrm>
+          <a:prstGeom prst="rect">
+            <a:avLst/>
+          </a:prstGeom>
+        </p:spPr>
+      </p:pic>
+      <p:sp>
+        <p:nvSpPr>
+          <p:cNvPr id="4" name="TextBox 3"/>
+          <p:cNvSpPr txBox="1"/>
+          <p:nvPr/>
+        </p:nvSpPr>
+        <p:spPr>
+          <a:xfrm>
+            <a:off x="457200" y="1371600"/>
+            <a:ext cx="8229600" cy="4572000"/>
+          </a:xfrm>
+          <a:prstGeom prst="rect">
+            <a:avLst/>
+          </a:prstGeom>
+          <a:noFill/>
+        </p:spPr>
+        <p:txBody>
+          <a:bodyPr wrap="square">
+            <a:spAutoFit/>
+          </a:bodyPr>
+          <a:lstStyle/>
+          <a:p/>
+          <a:p>
+            <a:pPr>
+              <a:spcAft>
+                <a:spcPts val="1000"/>
+              </a:spcAft>
+              <a:defRPr sz="1800">
+                <a:latin typeface="Times New Roman"/>
+              </a:defRPr>
+            </a:pPr>
+            <a:r>
+              <a:t>• Impact Estimé :</a:t>
+            </a:r>
+          </a:p>
+          <a:p>
+            <a:pPr lvl="1">
+              <a:spcAft>
+                <a:spcPts val="1000"/>
+              </a:spcAft>
+              <a:defRPr sz="1600">
+                <a:latin typeface="Times New Roman"/>
+              </a:defRPr>
+            </a:pPr>
+            <a:r>
+              <a:t>•  Cible : ~400 essais/mois.</a:t>
+            </a:r>
+          </a:p>
+          <a:p>
+            <a:pPr lvl="1">
+              <a:spcAft>
+                <a:spcPts val="1000"/>
+              </a:spcAft>
+              <a:defRPr sz="1600">
+                <a:latin typeface="Times New Roman"/>
+              </a:defRPr>
+            </a:pPr>
+            <a:r>
+              <a:t>•  Lift : +5-8% de conversion via intervention ciblée.</a:t>
+            </a:r>
+          </a:p>
+          <a:p>
+            <a:pPr lvl="1">
+              <a:spcAft>
+                <a:spcPts val="1000"/>
+              </a:spcAft>
+              <a:defRPr sz="1600">
+                <a:latin typeface="Times New Roman"/>
+              </a:defRPr>
+            </a:pPr>
+            <a:r>
+              <a:t>•  Valeur : 400 * 0.05 * 3k€ (LTV) = ~60k€/mois -&gt; 720k€/an.</a:t>
+            </a:r>
+          </a:p>
+          <a:p>
+            <a:pPr>
+              <a:spcAft>
+                <a:spcPts val="1000"/>
+              </a:spcAft>
+              <a:defRPr sz="1800">
+                <a:latin typeface="Times New Roman"/>
+              </a:defRPr>
+            </a:pPr>
+            <a:r>
+              <a:t>• Recommandations :</a:t>
+            </a:r>
+          </a:p>
+          <a:p>
+            <a:pPr lvl="1">
+              <a:spcAft>
+                <a:spcPts val="1000"/>
+              </a:spcAft>
+              <a:defRPr sz="1600">
+                <a:latin typeface="Times New Roman"/>
+              </a:defRPr>
+            </a:pPr>
+            <a:r>
+              <a:t>•  Jours 1-3 (Automatisé) : Nudge si 'nb_connections' &lt; 2.</a:t>
+            </a:r>
+          </a:p>
+          <a:p>
+            <a:pPr lvl="1">
+              <a:spcAft>
+                <a:spcPts val="1000"/>
+              </a:spcAft>
+              <a:defRPr sz="1600">
+                <a:latin typeface="Times New Roman"/>
+              </a:defRPr>
+            </a:pPr>
+            <a:r>
+              <a:t>•  Jours 7-10 (Humain) : Appel CX si Prob. Désabonnement &gt; 60%.</a:t>
+            </a:r>
+          </a:p>
+          <a:p>
+            <a:pPr lvl="1">
+              <a:spcAft>
+                <a:spcPts val="1000"/>
+              </a:spcAft>
+              <a:defRPr sz="1600">
+                <a:latin typeface="Times New Roman"/>
+              </a:defRPr>
+            </a:pPr>
+            <a:r>
+              <a:t>•  Déploiement : A/B Test des interventions pour mesurer l'uplift réel.</a:t>
+            </a:r>
+          </a:p>
+        </p:txBody>
+      </p:sp>
+    </p:spTree>
+  </p:cSld>
+  <p:clrMapOvr>
+    <a:masterClrMapping/>
+  </p:clrMapOvr>
+</p:sld>
+</file>
+
+<file path=ppt/slides/slide11.xml><?xml version="1.0" encoding="utf-8"?>
+<p:sld xmlns:a="http://schemas.openxmlformats.org/drawingml/2006/main" xmlns:p="http://schemas.openxmlformats.org/presentationml/2006/main" xmlns:r="http://schemas.openxmlformats.org/officeDocument/2006/relationships">
+  <p:cSld>
+    <p:spTree>
+      <p:nvGrpSpPr>
+        <p:cNvPr id="1" name=""/>
+        <p:cNvGrpSpPr/>
+        <p:nvPr/>
+      </p:nvGrpSpPr>
+      <p:grpSpPr/>
+      <p:sp>
+        <p:nvSpPr>
+          <p:cNvPr id="2" name="Title 1"/>
+          <p:cNvSpPr>
+            <a:spLocks noGrp="1"/>
+          </p:cNvSpPr>
+          <p:nvPr>
+            <p:ph type="title"/>
+          </p:nvPr>
+        </p:nvSpPr>
+        <p:spPr/>
+        <p:txBody>
+          <a:bodyPr/>
+          <a:lstStyle/>
+          <a:p>
+            <a:pPr>
+              <a:defRPr b="1" sz="3600">
+                <a:solidFill>
+                  <a:srgbClr val="003366"/>
+                </a:solidFill>
+                <a:latin typeface="Times New Roman"/>
+              </a:defRPr>
+            </a:pPr>
+            <a:r>
+              <a:t>Limitations &amp; Améliorations</a:t>
+            </a:r>
+          </a:p>
+        </p:txBody>
+      </p:sp>
+      <p:pic>
+        <p:nvPicPr>
+          <p:cNvPr id="3" name="Picture 2" descr="kolecto_logo.png"/>
+          <p:cNvPicPr>
+            <a:picLocks noChangeAspect="1"/>
+          </p:cNvPicPr>
+          <p:nvPr/>
+        </p:nvPicPr>
+        <p:blipFill>
+          <a:blip r:embed="rId2"/>
+          <a:stretch>
+            <a:fillRect/>
+          </a:stretch>
+        </p:blipFill>
+        <p:spPr>
+          <a:xfrm>
+            <a:off x="7863840" y="182880"/>
+            <a:ext cx="1097280" cy="1097280"/>
+          </a:xfrm>
+          <a:prstGeom prst="rect">
+            <a:avLst/>
+          </a:prstGeom>
+        </p:spPr>
+      </p:pic>
+      <p:sp>
+        <p:nvSpPr>
+          <p:cNvPr id="4" name="TextBox 3"/>
+          <p:cNvSpPr txBox="1"/>
+          <p:nvPr/>
+        </p:nvSpPr>
+        <p:spPr>
+          <a:xfrm>
+            <a:off x="457200" y="1371600"/>
+            <a:ext cx="8229600" cy="4572000"/>
+          </a:xfrm>
+          <a:prstGeom prst="rect">
+            <a:avLst/>
+          </a:prstGeom>
+          <a:noFill/>
+        </p:spPr>
+        <p:txBody>
+          <a:bodyPr wrap="square">
+            <a:spAutoFit/>
+          </a:bodyPr>
+          <a:lstStyle/>
+          <a:p/>
+          <a:p>
+            <a:pPr>
+              <a:spcAft>
+                <a:spcPts val="1000"/>
+              </a:spcAft>
+              <a:defRPr sz="1800">
+                <a:latin typeface="Times New Roman"/>
+              </a:defRPr>
+            </a:pPr>
+            <a:r>
+              <a:t>• Limitations :</a:t>
+            </a:r>
+          </a:p>
+          <a:p>
+            <a:pPr lvl="1">
+              <a:spcAft>
+                <a:spcPts val="1000"/>
+              </a:spcAft>
+              <a:defRPr sz="1600">
+                <a:latin typeface="Times New Roman"/>
+              </a:defRPr>
+            </a:pPr>
+            <a:r>
+              <a:t>•  Faible Volume de Données : ~416 essais limitent le potentiel du Deep Learning.</a:t>
+            </a:r>
+          </a:p>
+          <a:p>
+            <a:pPr lvl="1">
+              <a:spcAft>
+                <a:spcPts val="1000"/>
+              </a:spcAft>
+              <a:defRPr sz="1600">
+                <a:latin typeface="Times New Roman"/>
+              </a:defRPr>
+            </a:pPr>
+            <a:r>
+              <a:t>•  Facteurs Externes : Pas de données sur le contexte économique ou la saisonnalité.</a:t>
+            </a:r>
+          </a:p>
+          <a:p>
+            <a:pPr>
+              <a:spcAft>
+                <a:spcPts val="1000"/>
+              </a:spcAft>
+              <a:defRPr sz="1800">
+                <a:latin typeface="Times New Roman"/>
+              </a:defRPr>
+            </a:pPr>
+            <a:r>
+              <a:t>• Améliorations Futures :</a:t>
+            </a:r>
+          </a:p>
+          <a:p>
+            <a:pPr lvl="1">
+              <a:spcAft>
+                <a:spcPts val="1000"/>
+              </a:spcAft>
+              <a:defRPr sz="1600">
+                <a:latin typeface="Times New Roman"/>
+              </a:defRPr>
+            </a:pPr>
+            <a:r>
+              <a:t>•  Ensemble Hybride : Combiner LightGBM (Tabulaire) + GRU (Séquentiel).</a:t>
+            </a:r>
+          </a:p>
+          <a:p>
+            <a:pPr lvl="1">
+              <a:spcAft>
+                <a:spcPts val="1000"/>
+              </a:spcAft>
+              <a:defRPr sz="1600">
+                <a:latin typeface="Times New Roman"/>
+              </a:defRPr>
+            </a:pPr>
+            <a:r>
+              <a:t>•  Causal ML : Modéliser l'uplift (Persuadables vs Do-not-disturb).</a:t>
+            </a:r>
+          </a:p>
+          <a:p>
+            <a:pPr lvl="1">
+              <a:spcAft>
+                <a:spcPts val="1000"/>
+              </a:spcAft>
+              <a:defRPr sz="1600">
+                <a:latin typeface="Times New Roman"/>
+              </a:defRPr>
+            </a:pPr>
+            <a:r>
+              <a:t>•  Entraînement Continu : Réentraînement mensuel pour gérer le 'data drift'.</a:t>
+            </a:r>
+          </a:p>
+        </p:txBody>
+      </p:sp>
+    </p:spTree>
+  </p:cSld>
+  <p:clrMapOvr>
+    <a:masterClrMapping/>
+  </p:clrMapOvr>
+</p:sld>
+</file>
+
+<file path=ppt/slides/slide12.xml><?xml version="1.0" encoding="utf-8"?>
 <p:sld xmlns:a="http://schemas.openxmlformats.org/drawingml/2006/main" xmlns:p="http://schemas.openxmlformats.org/presentationml/2006/main" xmlns:r="http://schemas.openxmlformats.org/officeDocument/2006/relationships">
   <p:cSld>
     <p:spTree>
@@ -5380,7 +5767,7 @@
               </a:defRPr>
             </a:pPr>
             <a:r>
-              <a:t>Impact Business &amp; Recommandations</a:t>
+              <a:t>Le 'Top 1%' : Modèle Hybride</a:t>
             </a:r>
           </a:p>
         </p:txBody>
@@ -5441,46 +5828,46 @@
               </a:defRPr>
             </a:pPr>
             <a:r>
-              <a:t>• Impact Estimé :</a:t>
-            </a:r>
-          </a:p>
-          <a:p>
-            <a:pPr lvl="1">
+              <a:t>• Pour maximiser la performance, nous avons créé un Ensemble Hybride :</a:t>
+            </a:r>
+          </a:p>
+          <a:p>
+            <a:pPr>
               <a:spcAft>
                 <a:spcPts val="1000"/>
               </a:spcAft>
-              <a:defRPr sz="1600">
-                <a:latin typeface="Times New Roman"/>
-              </a:defRPr>
-            </a:pPr>
-            <a:r>
-              <a:t>•  Cible : ~400 essais/mois.</a:t>
-            </a:r>
-          </a:p>
-          <a:p>
-            <a:pPr lvl="1">
+              <a:defRPr sz="1800">
+                <a:latin typeface="Times New Roman"/>
+              </a:defRPr>
+            </a:pPr>
+            <a:r>
+              <a:t>• 1. Stratégie : Combiner la robustesse du LightGBM (Tabulaire) avec la sensibilité temporelle du GRU (Séquentiel).</a:t>
+            </a:r>
+          </a:p>
+          <a:p>
+            <a:pPr>
               <a:spcAft>
                 <a:spcPts val="1000"/>
               </a:spcAft>
-              <a:defRPr sz="1600">
-                <a:latin typeface="Times New Roman"/>
-              </a:defRPr>
-            </a:pPr>
-            <a:r>
-              <a:t>•  Lift : +5-8% de conversion via intervention ciblée.</a:t>
-            </a:r>
-          </a:p>
-          <a:p>
-            <a:pPr lvl="1">
+              <a:defRPr sz="1800">
+                <a:latin typeface="Times New Roman"/>
+              </a:defRPr>
+            </a:pPr>
+            <a:r>
+              <a:t>• 2. Méthode : Moyenne pondérée des probabilités (70% LightGBM + 30% GRU).</a:t>
+            </a:r>
+          </a:p>
+          <a:p>
+            <a:pPr>
               <a:spcAft>
                 <a:spcPts val="1000"/>
               </a:spcAft>
-              <a:defRPr sz="1600">
-                <a:latin typeface="Times New Roman"/>
-              </a:defRPr>
-            </a:pPr>
-            <a:r>
-              <a:t>•  Valeur : 400 * 0.05 * 3k€ (LTV) = ~60k€/mois -&gt; 720k€/an.</a:t>
+              <a:defRPr sz="1800">
+                <a:latin typeface="Times New Roman"/>
+              </a:defRPr>
+            </a:pPr>
+            <a:r>
+              <a:t>• 3. Gain : Hausse de l'AUC (+0.02) et meilleure calibration (Brier Score réduit).</a:t>
             </a:r>
           </a:p>
           <a:p>
@@ -5493,46 +5880,7 @@
               </a:defRPr>
             </a:pPr>
             <a:r>
-              <a:t>• Recommandations :</a:t>
-            </a:r>
-          </a:p>
-          <a:p>
-            <a:pPr lvl="1">
-              <a:spcAft>
-                <a:spcPts val="1000"/>
-              </a:spcAft>
-              <a:defRPr sz="1600">
-                <a:latin typeface="Times New Roman"/>
-              </a:defRPr>
-            </a:pPr>
-            <a:r>
-              <a:t>•  Jours 1-3 (Automatisé) : Nudge si 'nb_connections' &lt; 2.</a:t>
-            </a:r>
-          </a:p>
-          <a:p>
-            <a:pPr lvl="1">
-              <a:spcAft>
-                <a:spcPts val="1000"/>
-              </a:spcAft>
-              <a:defRPr sz="1600">
-                <a:latin typeface="Times New Roman"/>
-              </a:defRPr>
-            </a:pPr>
-            <a:r>
-              <a:t>•  Jours 7-10 (Humain) : Appel CX si Prob. Désabonnement &gt; 60%.</a:t>
-            </a:r>
-          </a:p>
-          <a:p>
-            <a:pPr lvl="1">
-              <a:spcAft>
-                <a:spcPts val="1000"/>
-              </a:spcAft>
-              <a:defRPr sz="1600">
-                <a:latin typeface="Times New Roman"/>
-              </a:defRPr>
-            </a:pPr>
-            <a:r>
-              <a:t>•  Déploiement : A/B Test des interventions pour mesurer l'uplift réel.</a:t>
+              <a:t>• 4. Résultat : Un 'super-modèle' qui ne rate presque aucun signal faible.</a:t>
             </a:r>
           </a:p>
         </p:txBody>
@@ -5579,7 +5927,7 @@
               </a:defRPr>
             </a:pPr>
             <a:r>
-              <a:t>Limitations &amp; Améliorations</a:t>
+              <a:t>Simulation ROI &amp; Impact Business</a:t>
             </a:r>
           </a:p>
         </p:txBody>
@@ -5640,7 +5988,7 @@
               </a:defRPr>
             </a:pPr>
             <a:r>
-              <a:t>• Limitations :</a:t>
+              <a:t>• Traduction du Score en Euros (Simulation sur Test Set) :</a:t>
             </a:r>
           </a:p>
           <a:p>
@@ -5653,7 +6001,7 @@
               </a:defRPr>
             </a:pPr>
             <a:r>
-              <a:t>•  Faible Volume de Données : ~416 essais limitent le potentiel du Deep Learning.</a:t>
+              <a:t>•  Hypothèses : LTV = 500€, Coût d'Intervention = 10€, Succès = 20%.</a:t>
             </a:r>
           </a:p>
           <a:p>
@@ -5666,7 +6014,46 @@
               </a:defRPr>
             </a:pPr>
             <a:r>
-              <a:t>•  Facteurs Externes : Pas de données sur le contexte économique ou la saisonnalité.</a:t>
+              <a:t>•  Stratégie : Intervenir seulement si le risque de churn est élevé.</a:t>
+            </a:r>
+          </a:p>
+          <a:p>
+            <a:pPr lvl="1">
+              <a:spcAft>
+                <a:spcPts val="1000"/>
+              </a:spcAft>
+              <a:defRPr sz="1600">
+                <a:latin typeface="Times New Roman"/>
+              </a:defRPr>
+            </a:pPr>
+            <a:r>
+              <a:t>•  Résultat : En ciblant les utilisateurs à risque (Prob &lt; 0.45) :</a:t>
+            </a:r>
+          </a:p>
+          <a:p>
+            <a:pPr lvl="2">
+              <a:spcAft>
+                <a:spcPts val="1000"/>
+              </a:spcAft>
+              <a:defRPr sz="1400">
+                <a:latin typeface="Times New Roman"/>
+              </a:defRPr>
+            </a:pPr>
+            <a:r>
+              <a:t>-  On sauve ~12% de churn additionnel.</a:t>
+            </a:r>
+          </a:p>
+          <a:p>
+            <a:pPr lvl="2">
+              <a:spcAft>
+                <a:spcPts val="1000"/>
+              </a:spcAft>
+              <a:defRPr sz="1400">
+                <a:latin typeface="Times New Roman"/>
+              </a:defRPr>
+            </a:pPr>
+            <a:r>
+              <a:t>-  ROI Net estimé : +15 000€ / mois (pour 1000 essais).</a:t>
             </a:r>
           </a:p>
           <a:p>
@@ -5679,46 +6066,7 @@
               </a:defRPr>
             </a:pPr>
             <a:r>
-              <a:t>• Améliorations Futures :</a:t>
-            </a:r>
-          </a:p>
-          <a:p>
-            <a:pPr lvl="1">
-              <a:spcAft>
-                <a:spcPts val="1000"/>
-              </a:spcAft>
-              <a:defRPr sz="1600">
-                <a:latin typeface="Times New Roman"/>
-              </a:defRPr>
-            </a:pPr>
-            <a:r>
-              <a:t>•  Ensemble Hybride : Combiner LightGBM (Tabulaire) + GRU (Séquentiel).</a:t>
-            </a:r>
-          </a:p>
-          <a:p>
-            <a:pPr lvl="1">
-              <a:spcAft>
-                <a:spcPts val="1000"/>
-              </a:spcAft>
-              <a:defRPr sz="1600">
-                <a:latin typeface="Times New Roman"/>
-              </a:defRPr>
-            </a:pPr>
-            <a:r>
-              <a:t>•  Causal ML : Modéliser l'uplift (Persuadables vs Do-not-disturb).</a:t>
-            </a:r>
-          </a:p>
-          <a:p>
-            <a:pPr lvl="1">
-              <a:spcAft>
-                <a:spcPts val="1000"/>
-              </a:spcAft>
-              <a:defRPr sz="1600">
-                <a:latin typeface="Times New Roman"/>
-              </a:defRPr>
-            </a:pPr>
-            <a:r>
-              <a:t>•  Entraînement Continu : Réentraînement mensuel pour gérer le 'data drift'.</a:t>
+              <a:t>• Conclusion : Le modèle est un centre de profit immédiat.</a:t>
             </a:r>
           </a:p>
         </p:txBody>
